--- a/CS-6501_Kuo/paper presentation/lifelong_robot_presentation.pptx
+++ b/CS-6501_Kuo/paper presentation/lifelong_robot_presentation.pptx
@@ -5,21 +5,47 @@
     <p:sldMasterId id="2147483657" r:id="rId1"/>
   </p:sldMasterIdLst>
   <p:notesMasterIdLst>
-    <p:notesMasterId r:id="rId4"/>
+    <p:notesMasterId r:id="rId26"/>
   </p:notesMasterIdLst>
   <p:sldIdLst>
     <p:sldId id="256" r:id="rId2"/>
     <p:sldId id="257" r:id="rId3"/>
+    <p:sldId id="259" r:id="rId4"/>
+    <p:sldId id="258" r:id="rId5"/>
+    <p:sldId id="260" r:id="rId6"/>
+    <p:sldId id="269" r:id="rId7"/>
+    <p:sldId id="261" r:id="rId8"/>
+    <p:sldId id="270" r:id="rId9"/>
+    <p:sldId id="271" r:id="rId10"/>
+    <p:sldId id="272" r:id="rId11"/>
+    <p:sldId id="273" r:id="rId12"/>
+    <p:sldId id="274" r:id="rId13"/>
+    <p:sldId id="275" r:id="rId14"/>
+    <p:sldId id="276" r:id="rId15"/>
+    <p:sldId id="262" r:id="rId16"/>
+    <p:sldId id="277" r:id="rId17"/>
+    <p:sldId id="278" r:id="rId18"/>
+    <p:sldId id="279" r:id="rId19"/>
+    <p:sldId id="263" r:id="rId20"/>
+    <p:sldId id="266" r:id="rId21"/>
+    <p:sldId id="264" r:id="rId22"/>
+    <p:sldId id="267" r:id="rId23"/>
+    <p:sldId id="265" r:id="rId24"/>
+    <p:sldId id="268" r:id="rId25"/>
   </p:sldIdLst>
   <p:sldSz cx="9144000" cy="5143500" type="screen16x9"/>
   <p:notesSz cx="6858000" cy="9144000"/>
   <p:embeddedFontLst>
     <p:embeddedFont>
+      <p:font typeface="Cambria Math" panose="02040503050406030204" pitchFamily="18" charset="0"/>
+      <p:regular r:id="rId27"/>
+    </p:embeddedFont>
+    <p:embeddedFont>
       <p:font typeface="Helvetica Neue Light" panose="020B0604020202020204" charset="0"/>
-      <p:regular r:id="rId5"/>
-      <p:bold r:id="rId6"/>
-      <p:italic r:id="rId7"/>
-      <p:boldItalic r:id="rId8"/>
+      <p:regular r:id="rId28"/>
+      <p:bold r:id="rId29"/>
+      <p:italic r:id="rId30"/>
+      <p:boldItalic r:id="rId31"/>
     </p:embeddedFont>
   </p:embeddedFontLst>
   <p:defaultTextStyle>
@@ -1038,7 +1064,7 @@
         </p:nvSpPr>
         <p:spPr>
           <a:xfrm>
-            <a:off x="381309" y="685800"/>
+            <a:off x="381000" y="685800"/>
             <a:ext cx="6096000" cy="3429000"/>
           </a:xfrm>
           <a:custGeom>
@@ -2842,593 +2868,6 @@
 </file>
 
 <file path=ppt/slideLayouts/slideLayout3.xml><?xml version="1.0" encoding="utf-8"?>
-<p:sldLayout xmlns:a="http://schemas.openxmlformats.org/drawingml/2006/main" xmlns:r="http://schemas.openxmlformats.org/officeDocument/2006/relationships" xmlns:p="http://schemas.openxmlformats.org/presentationml/2006/main" matchingName="Blank" type="blank">
-  <p:cSld name="BLANK">
-    <p:spTree>
-      <p:nvGrpSpPr>
-        <p:cNvPr id="1" name="Shape 20"/>
-        <p:cNvGrpSpPr/>
-        <p:nvPr/>
-      </p:nvGrpSpPr>
-      <p:grpSpPr>
-        <a:xfrm>
-          <a:off x="0" y="0"/>
-          <a:ext cx="0" cy="0"/>
-          <a:chOff x="0" y="0"/>
-          <a:chExt cx="0" cy="0"/>
-        </a:xfrm>
-      </p:grpSpPr>
-      <p:sp>
-        <p:nvSpPr>
-          <p:cNvPr id="21" name="Google Shape;21;p4"/>
-          <p:cNvSpPr txBox="1">
-            <a:spLocks noGrp="1"/>
-          </p:cNvSpPr>
-          <p:nvPr>
-            <p:ph type="sldNum" idx="12"/>
-          </p:nvPr>
-        </p:nvSpPr>
-        <p:spPr>
-          <a:xfrm>
-            <a:off x="8548650" y="4927199"/>
-            <a:ext cx="548700" cy="186600"/>
-          </a:xfrm>
-          <a:prstGeom prst="rect">
-            <a:avLst/>
-          </a:prstGeom>
-          <a:noFill/>
-          <a:ln>
-            <a:noFill/>
-          </a:ln>
-        </p:spPr>
-        <p:txBody>
-          <a:bodyPr spcFirstLastPara="1" wrap="square" lIns="91425" tIns="91425" rIns="91425" bIns="91425" anchor="ctr" anchorCtr="0">
-            <a:noAutofit/>
-          </a:bodyPr>
-          <a:lstStyle>
-            <a:lvl1pPr marL="0" marR="0" lvl="0" indent="0" algn="r">
-              <a:lnSpc>
-                <a:spcPct val="100000"/>
-              </a:lnSpc>
-              <a:spcBef>
-                <a:spcPts val="0"/>
-              </a:spcBef>
-              <a:spcAft>
-                <a:spcPts val="0"/>
-              </a:spcAft>
-              <a:buClr>
-                <a:srgbClr val="000000"/>
-              </a:buClr>
-              <a:buSzPts val="1000"/>
-              <a:buFont typeface="Arial"/>
-              <a:buNone/>
-              <a:defRPr sz="1000" b="0" i="0" u="none" strike="noStrike" cap="none">
-                <a:solidFill>
-                  <a:schemeClr val="lt1"/>
-                </a:solidFill>
-                <a:latin typeface="Arial"/>
-                <a:ea typeface="Arial"/>
-                <a:cs typeface="Arial"/>
-                <a:sym typeface="Arial"/>
-              </a:defRPr>
-            </a:lvl1pPr>
-            <a:lvl2pPr marL="0" marR="0" lvl="1" indent="0" algn="r">
-              <a:lnSpc>
-                <a:spcPct val="100000"/>
-              </a:lnSpc>
-              <a:spcBef>
-                <a:spcPts val="0"/>
-              </a:spcBef>
-              <a:spcAft>
-                <a:spcPts val="0"/>
-              </a:spcAft>
-              <a:buClr>
-                <a:srgbClr val="000000"/>
-              </a:buClr>
-              <a:buSzPts val="1000"/>
-              <a:buFont typeface="Arial"/>
-              <a:buNone/>
-              <a:defRPr sz="1000" b="0" i="0" u="none" strike="noStrike" cap="none">
-                <a:solidFill>
-                  <a:schemeClr val="lt1"/>
-                </a:solidFill>
-                <a:latin typeface="Arial"/>
-                <a:ea typeface="Arial"/>
-                <a:cs typeface="Arial"/>
-                <a:sym typeface="Arial"/>
-              </a:defRPr>
-            </a:lvl2pPr>
-            <a:lvl3pPr marL="0" marR="0" lvl="2" indent="0" algn="r">
-              <a:lnSpc>
-                <a:spcPct val="100000"/>
-              </a:lnSpc>
-              <a:spcBef>
-                <a:spcPts val="0"/>
-              </a:spcBef>
-              <a:spcAft>
-                <a:spcPts val="0"/>
-              </a:spcAft>
-              <a:buClr>
-                <a:srgbClr val="000000"/>
-              </a:buClr>
-              <a:buSzPts val="1000"/>
-              <a:buFont typeface="Arial"/>
-              <a:buNone/>
-              <a:defRPr sz="1000" b="0" i="0" u="none" strike="noStrike" cap="none">
-                <a:solidFill>
-                  <a:schemeClr val="lt1"/>
-                </a:solidFill>
-                <a:latin typeface="Arial"/>
-                <a:ea typeface="Arial"/>
-                <a:cs typeface="Arial"/>
-                <a:sym typeface="Arial"/>
-              </a:defRPr>
-            </a:lvl3pPr>
-            <a:lvl4pPr marL="0" marR="0" lvl="3" indent="0" algn="r">
-              <a:lnSpc>
-                <a:spcPct val="100000"/>
-              </a:lnSpc>
-              <a:spcBef>
-                <a:spcPts val="0"/>
-              </a:spcBef>
-              <a:spcAft>
-                <a:spcPts val="0"/>
-              </a:spcAft>
-              <a:buClr>
-                <a:srgbClr val="000000"/>
-              </a:buClr>
-              <a:buSzPts val="1000"/>
-              <a:buFont typeface="Arial"/>
-              <a:buNone/>
-              <a:defRPr sz="1000" b="0" i="0" u="none" strike="noStrike" cap="none">
-                <a:solidFill>
-                  <a:schemeClr val="lt1"/>
-                </a:solidFill>
-                <a:latin typeface="Arial"/>
-                <a:ea typeface="Arial"/>
-                <a:cs typeface="Arial"/>
-                <a:sym typeface="Arial"/>
-              </a:defRPr>
-            </a:lvl4pPr>
-            <a:lvl5pPr marL="0" marR="0" lvl="4" indent="0" algn="r">
-              <a:lnSpc>
-                <a:spcPct val="100000"/>
-              </a:lnSpc>
-              <a:spcBef>
-                <a:spcPts val="0"/>
-              </a:spcBef>
-              <a:spcAft>
-                <a:spcPts val="0"/>
-              </a:spcAft>
-              <a:buClr>
-                <a:srgbClr val="000000"/>
-              </a:buClr>
-              <a:buSzPts val="1000"/>
-              <a:buFont typeface="Arial"/>
-              <a:buNone/>
-              <a:defRPr sz="1000" b="0" i="0" u="none" strike="noStrike" cap="none">
-                <a:solidFill>
-                  <a:schemeClr val="lt1"/>
-                </a:solidFill>
-                <a:latin typeface="Arial"/>
-                <a:ea typeface="Arial"/>
-                <a:cs typeface="Arial"/>
-                <a:sym typeface="Arial"/>
-              </a:defRPr>
-            </a:lvl5pPr>
-            <a:lvl6pPr marL="0" marR="0" lvl="5" indent="0" algn="r">
-              <a:lnSpc>
-                <a:spcPct val="100000"/>
-              </a:lnSpc>
-              <a:spcBef>
-                <a:spcPts val="0"/>
-              </a:spcBef>
-              <a:spcAft>
-                <a:spcPts val="0"/>
-              </a:spcAft>
-              <a:buClr>
-                <a:srgbClr val="000000"/>
-              </a:buClr>
-              <a:buSzPts val="1000"/>
-              <a:buFont typeface="Arial"/>
-              <a:buNone/>
-              <a:defRPr sz="1000" b="0" i="0" u="none" strike="noStrike" cap="none">
-                <a:solidFill>
-                  <a:schemeClr val="lt1"/>
-                </a:solidFill>
-                <a:latin typeface="Arial"/>
-                <a:ea typeface="Arial"/>
-                <a:cs typeface="Arial"/>
-                <a:sym typeface="Arial"/>
-              </a:defRPr>
-            </a:lvl6pPr>
-            <a:lvl7pPr marL="0" marR="0" lvl="6" indent="0" algn="r">
-              <a:lnSpc>
-                <a:spcPct val="100000"/>
-              </a:lnSpc>
-              <a:spcBef>
-                <a:spcPts val="0"/>
-              </a:spcBef>
-              <a:spcAft>
-                <a:spcPts val="0"/>
-              </a:spcAft>
-              <a:buClr>
-                <a:srgbClr val="000000"/>
-              </a:buClr>
-              <a:buSzPts val="1000"/>
-              <a:buFont typeface="Arial"/>
-              <a:buNone/>
-              <a:defRPr sz="1000" b="0" i="0" u="none" strike="noStrike" cap="none">
-                <a:solidFill>
-                  <a:schemeClr val="lt1"/>
-                </a:solidFill>
-                <a:latin typeface="Arial"/>
-                <a:ea typeface="Arial"/>
-                <a:cs typeface="Arial"/>
-                <a:sym typeface="Arial"/>
-              </a:defRPr>
-            </a:lvl7pPr>
-            <a:lvl8pPr marL="0" marR="0" lvl="7" indent="0" algn="r">
-              <a:lnSpc>
-                <a:spcPct val="100000"/>
-              </a:lnSpc>
-              <a:spcBef>
-                <a:spcPts val="0"/>
-              </a:spcBef>
-              <a:spcAft>
-                <a:spcPts val="0"/>
-              </a:spcAft>
-              <a:buClr>
-                <a:srgbClr val="000000"/>
-              </a:buClr>
-              <a:buSzPts val="1000"/>
-              <a:buFont typeface="Arial"/>
-              <a:buNone/>
-              <a:defRPr sz="1000" b="0" i="0" u="none" strike="noStrike" cap="none">
-                <a:solidFill>
-                  <a:schemeClr val="lt1"/>
-                </a:solidFill>
-                <a:latin typeface="Arial"/>
-                <a:ea typeface="Arial"/>
-                <a:cs typeface="Arial"/>
-                <a:sym typeface="Arial"/>
-              </a:defRPr>
-            </a:lvl8pPr>
-            <a:lvl9pPr marL="0" marR="0" lvl="8" indent="0" algn="r">
-              <a:lnSpc>
-                <a:spcPct val="100000"/>
-              </a:lnSpc>
-              <a:spcBef>
-                <a:spcPts val="0"/>
-              </a:spcBef>
-              <a:spcAft>
-                <a:spcPts val="0"/>
-              </a:spcAft>
-              <a:buClr>
-                <a:srgbClr val="000000"/>
-              </a:buClr>
-              <a:buSzPts val="1000"/>
-              <a:buFont typeface="Arial"/>
-              <a:buNone/>
-              <a:defRPr sz="1000" b="0" i="0" u="none" strike="noStrike" cap="none">
-                <a:solidFill>
-                  <a:schemeClr val="lt1"/>
-                </a:solidFill>
-                <a:latin typeface="Arial"/>
-                <a:ea typeface="Arial"/>
-                <a:cs typeface="Arial"/>
-                <a:sym typeface="Arial"/>
-              </a:defRPr>
-            </a:lvl9pPr>
-          </a:lstStyle>
-          <a:p>
-            <a:pPr marL="0" lvl="0" indent="0" algn="r" rtl="0">
-              <a:spcBef>
-                <a:spcPts val="0"/>
-              </a:spcBef>
-              <a:spcAft>
-                <a:spcPts val="0"/>
-              </a:spcAft>
-              <a:buNone/>
-            </a:pPr>
-            <a:fld id="{00000000-1234-1234-1234-123412341234}" type="slidenum">
-              <a:rPr lang="en"/>
-              <a:t>‹#›</a:t>
-            </a:fld>
-            <a:endParaRPr/>
-          </a:p>
-        </p:txBody>
-      </p:sp>
-      <p:sp>
-        <p:nvSpPr>
-          <p:cNvPr id="22" name="Google Shape;22;p4"/>
-          <p:cNvSpPr txBox="1">
-            <a:spLocks noGrp="1"/>
-          </p:cNvSpPr>
-          <p:nvPr>
-            <p:ph type="sldNum" idx="2"/>
-          </p:nvPr>
-        </p:nvSpPr>
-        <p:spPr>
-          <a:xfrm>
-            <a:off x="8548650" y="4927199"/>
-            <a:ext cx="548700" cy="186600"/>
-          </a:xfrm>
-          <a:prstGeom prst="rect">
-            <a:avLst/>
-          </a:prstGeom>
-          <a:noFill/>
-          <a:ln>
-            <a:noFill/>
-          </a:ln>
-        </p:spPr>
-        <p:txBody>
-          <a:bodyPr spcFirstLastPara="1" wrap="square" lIns="91425" tIns="91425" rIns="91425" bIns="91425" anchor="ctr" anchorCtr="0">
-            <a:noAutofit/>
-          </a:bodyPr>
-          <a:lstStyle>
-            <a:lvl1pPr marL="0" marR="0" lvl="0" indent="0" algn="r">
-              <a:lnSpc>
-                <a:spcPct val="100000"/>
-              </a:lnSpc>
-              <a:spcBef>
-                <a:spcPts val="0"/>
-              </a:spcBef>
-              <a:spcAft>
-                <a:spcPts val="0"/>
-              </a:spcAft>
-              <a:buClr>
-                <a:srgbClr val="000000"/>
-              </a:buClr>
-              <a:buSzPts val="1000"/>
-              <a:buFont typeface="Arial"/>
-              <a:buNone/>
-              <a:defRPr sz="1000" b="0" i="0" u="none" strike="noStrike" cap="none">
-                <a:solidFill>
-                  <a:srgbClr val="595959"/>
-                </a:solidFill>
-                <a:latin typeface="Arial"/>
-                <a:ea typeface="Arial"/>
-                <a:cs typeface="Arial"/>
-                <a:sym typeface="Arial"/>
-              </a:defRPr>
-            </a:lvl1pPr>
-            <a:lvl2pPr marL="0" marR="0" lvl="1" indent="0" algn="r">
-              <a:lnSpc>
-                <a:spcPct val="100000"/>
-              </a:lnSpc>
-              <a:spcBef>
-                <a:spcPts val="0"/>
-              </a:spcBef>
-              <a:spcAft>
-                <a:spcPts val="0"/>
-              </a:spcAft>
-              <a:buClr>
-                <a:srgbClr val="000000"/>
-              </a:buClr>
-              <a:buSzPts val="1000"/>
-              <a:buFont typeface="Arial"/>
-              <a:buNone/>
-              <a:defRPr sz="1000" b="0" i="0" u="none" strike="noStrike" cap="none">
-                <a:solidFill>
-                  <a:srgbClr val="595959"/>
-                </a:solidFill>
-                <a:latin typeface="Arial"/>
-                <a:ea typeface="Arial"/>
-                <a:cs typeface="Arial"/>
-                <a:sym typeface="Arial"/>
-              </a:defRPr>
-            </a:lvl2pPr>
-            <a:lvl3pPr marL="0" marR="0" lvl="2" indent="0" algn="r">
-              <a:lnSpc>
-                <a:spcPct val="100000"/>
-              </a:lnSpc>
-              <a:spcBef>
-                <a:spcPts val="0"/>
-              </a:spcBef>
-              <a:spcAft>
-                <a:spcPts val="0"/>
-              </a:spcAft>
-              <a:buClr>
-                <a:srgbClr val="000000"/>
-              </a:buClr>
-              <a:buSzPts val="1000"/>
-              <a:buFont typeface="Arial"/>
-              <a:buNone/>
-              <a:defRPr sz="1000" b="0" i="0" u="none" strike="noStrike" cap="none">
-                <a:solidFill>
-                  <a:srgbClr val="595959"/>
-                </a:solidFill>
-                <a:latin typeface="Arial"/>
-                <a:ea typeface="Arial"/>
-                <a:cs typeface="Arial"/>
-                <a:sym typeface="Arial"/>
-              </a:defRPr>
-            </a:lvl3pPr>
-            <a:lvl4pPr marL="0" marR="0" lvl="3" indent="0" algn="r">
-              <a:lnSpc>
-                <a:spcPct val="100000"/>
-              </a:lnSpc>
-              <a:spcBef>
-                <a:spcPts val="0"/>
-              </a:spcBef>
-              <a:spcAft>
-                <a:spcPts val="0"/>
-              </a:spcAft>
-              <a:buClr>
-                <a:srgbClr val="000000"/>
-              </a:buClr>
-              <a:buSzPts val="1000"/>
-              <a:buFont typeface="Arial"/>
-              <a:buNone/>
-              <a:defRPr sz="1000" b="0" i="0" u="none" strike="noStrike" cap="none">
-                <a:solidFill>
-                  <a:srgbClr val="595959"/>
-                </a:solidFill>
-                <a:latin typeface="Arial"/>
-                <a:ea typeface="Arial"/>
-                <a:cs typeface="Arial"/>
-                <a:sym typeface="Arial"/>
-              </a:defRPr>
-            </a:lvl4pPr>
-            <a:lvl5pPr marL="0" marR="0" lvl="4" indent="0" algn="r">
-              <a:lnSpc>
-                <a:spcPct val="100000"/>
-              </a:lnSpc>
-              <a:spcBef>
-                <a:spcPts val="0"/>
-              </a:spcBef>
-              <a:spcAft>
-                <a:spcPts val="0"/>
-              </a:spcAft>
-              <a:buClr>
-                <a:srgbClr val="000000"/>
-              </a:buClr>
-              <a:buSzPts val="1000"/>
-              <a:buFont typeface="Arial"/>
-              <a:buNone/>
-              <a:defRPr sz="1000" b="0" i="0" u="none" strike="noStrike" cap="none">
-                <a:solidFill>
-                  <a:srgbClr val="595959"/>
-                </a:solidFill>
-                <a:latin typeface="Arial"/>
-                <a:ea typeface="Arial"/>
-                <a:cs typeface="Arial"/>
-                <a:sym typeface="Arial"/>
-              </a:defRPr>
-            </a:lvl5pPr>
-            <a:lvl6pPr marL="0" marR="0" lvl="5" indent="0" algn="r">
-              <a:lnSpc>
-                <a:spcPct val="100000"/>
-              </a:lnSpc>
-              <a:spcBef>
-                <a:spcPts val="0"/>
-              </a:spcBef>
-              <a:spcAft>
-                <a:spcPts val="0"/>
-              </a:spcAft>
-              <a:buClr>
-                <a:srgbClr val="000000"/>
-              </a:buClr>
-              <a:buSzPts val="1000"/>
-              <a:buFont typeface="Arial"/>
-              <a:buNone/>
-              <a:defRPr sz="1000" b="0" i="0" u="none" strike="noStrike" cap="none">
-                <a:solidFill>
-                  <a:srgbClr val="595959"/>
-                </a:solidFill>
-                <a:latin typeface="Arial"/>
-                <a:ea typeface="Arial"/>
-                <a:cs typeface="Arial"/>
-                <a:sym typeface="Arial"/>
-              </a:defRPr>
-            </a:lvl6pPr>
-            <a:lvl7pPr marL="0" marR="0" lvl="6" indent="0" algn="r">
-              <a:lnSpc>
-                <a:spcPct val="100000"/>
-              </a:lnSpc>
-              <a:spcBef>
-                <a:spcPts val="0"/>
-              </a:spcBef>
-              <a:spcAft>
-                <a:spcPts val="0"/>
-              </a:spcAft>
-              <a:buClr>
-                <a:srgbClr val="000000"/>
-              </a:buClr>
-              <a:buSzPts val="1000"/>
-              <a:buFont typeface="Arial"/>
-              <a:buNone/>
-              <a:defRPr sz="1000" b="0" i="0" u="none" strike="noStrike" cap="none">
-                <a:solidFill>
-                  <a:srgbClr val="595959"/>
-                </a:solidFill>
-                <a:latin typeface="Arial"/>
-                <a:ea typeface="Arial"/>
-                <a:cs typeface="Arial"/>
-                <a:sym typeface="Arial"/>
-              </a:defRPr>
-            </a:lvl7pPr>
-            <a:lvl8pPr marL="0" marR="0" lvl="7" indent="0" algn="r">
-              <a:lnSpc>
-                <a:spcPct val="100000"/>
-              </a:lnSpc>
-              <a:spcBef>
-                <a:spcPts val="0"/>
-              </a:spcBef>
-              <a:spcAft>
-                <a:spcPts val="0"/>
-              </a:spcAft>
-              <a:buClr>
-                <a:srgbClr val="000000"/>
-              </a:buClr>
-              <a:buSzPts val="1000"/>
-              <a:buFont typeface="Arial"/>
-              <a:buNone/>
-              <a:defRPr sz="1000" b="0" i="0" u="none" strike="noStrike" cap="none">
-                <a:solidFill>
-                  <a:srgbClr val="595959"/>
-                </a:solidFill>
-                <a:latin typeface="Arial"/>
-                <a:ea typeface="Arial"/>
-                <a:cs typeface="Arial"/>
-                <a:sym typeface="Arial"/>
-              </a:defRPr>
-            </a:lvl8pPr>
-            <a:lvl9pPr marL="0" marR="0" lvl="8" indent="0" algn="r">
-              <a:lnSpc>
-                <a:spcPct val="100000"/>
-              </a:lnSpc>
-              <a:spcBef>
-                <a:spcPts val="0"/>
-              </a:spcBef>
-              <a:spcAft>
-                <a:spcPts val="0"/>
-              </a:spcAft>
-              <a:buClr>
-                <a:srgbClr val="000000"/>
-              </a:buClr>
-              <a:buSzPts val="1000"/>
-              <a:buFont typeface="Arial"/>
-              <a:buNone/>
-              <a:defRPr sz="1000" b="0" i="0" u="none" strike="noStrike" cap="none">
-                <a:solidFill>
-                  <a:srgbClr val="595959"/>
-                </a:solidFill>
-                <a:latin typeface="Arial"/>
-                <a:ea typeface="Arial"/>
-                <a:cs typeface="Arial"/>
-                <a:sym typeface="Arial"/>
-              </a:defRPr>
-            </a:lvl9pPr>
-          </a:lstStyle>
-          <a:p>
-            <a:pPr marL="0" lvl="0" indent="0" algn="r" rtl="0">
-              <a:spcBef>
-                <a:spcPts val="0"/>
-              </a:spcBef>
-              <a:spcAft>
-                <a:spcPts val="0"/>
-              </a:spcAft>
-              <a:buNone/>
-            </a:pPr>
-            <a:fld id="{00000000-1234-1234-1234-123412341234}" type="slidenum">
-              <a:rPr lang="en"/>
-              <a:t>‹#›</a:t>
-            </a:fld>
-            <a:endParaRPr/>
-          </a:p>
-        </p:txBody>
-      </p:sp>
-    </p:spTree>
-  </p:cSld>
-  <p:clrMapOvr>
-    <a:masterClrMapping/>
-  </p:clrMapOvr>
-</p:sldLayout>
-</file>
-
-<file path=ppt/slideLayouts/slideLayout4.xml><?xml version="1.0" encoding="utf-8"?>
 <p:sldLayout xmlns:a="http://schemas.openxmlformats.org/drawingml/2006/main" xmlns:r="http://schemas.openxmlformats.org/officeDocument/2006/relationships" xmlns:p="http://schemas.openxmlformats.org/presentationml/2006/main" matchingName="Title and two columns" type="twoColTx">
   <p:cSld name="TITLE_AND_TWO_COLUMNS">
     <p:spTree>
@@ -4551,7 +3990,7 @@
 </p:sldLayout>
 </file>
 
-<file path=ppt/slideLayouts/slideLayout5.xml><?xml version="1.0" encoding="utf-8"?>
+<file path=ppt/slideLayouts/slideLayout4.xml><?xml version="1.0" encoding="utf-8"?>
 <p:sldLayout xmlns:a="http://schemas.openxmlformats.org/drawingml/2006/main" xmlns:r="http://schemas.openxmlformats.org/officeDocument/2006/relationships" xmlns:p="http://schemas.openxmlformats.org/presentationml/2006/main" matchingName="One column text">
   <p:cSld name="ONE_COLUMN_TEXT">
     <p:spTree>
@@ -5458,7 +4897,7 @@
 </p:sldLayout>
 </file>
 
-<file path=ppt/slideLayouts/slideLayout6.xml><?xml version="1.0" encoding="utf-8"?>
+<file path=ppt/slideLayouts/slideLayout5.xml><?xml version="1.0" encoding="utf-8"?>
 <p:sldLayout xmlns:a="http://schemas.openxmlformats.org/drawingml/2006/main" xmlns:r="http://schemas.openxmlformats.org/officeDocument/2006/relationships" xmlns:p="http://schemas.openxmlformats.org/presentationml/2006/main" matchingName="Main point">
   <p:cSld name="MAIN_POINT">
     <p:spTree>
@@ -6205,7 +5644,7 @@
 </p:sldLayout>
 </file>
 
-<file path=ppt/slideLayouts/slideLayout7.xml><?xml version="1.0" encoding="utf-8"?>
+<file path=ppt/slideLayouts/slideLayout6.xml><?xml version="1.0" encoding="utf-8"?>
 <p:sldLayout xmlns:a="http://schemas.openxmlformats.org/drawingml/2006/main" xmlns:r="http://schemas.openxmlformats.org/officeDocument/2006/relationships" xmlns:p="http://schemas.openxmlformats.org/presentationml/2006/main" matchingName="Section title and description">
   <p:cSld name="SECTION_TITLE_AND_DESCRIPTION">
     <p:spTree>
@@ -7328,7 +6767,7 @@
 </p:sldLayout>
 </file>
 
-<file path=ppt/slideLayouts/slideLayout8.xml><?xml version="1.0" encoding="utf-8"?>
+<file path=ppt/slideLayouts/slideLayout7.xml><?xml version="1.0" encoding="utf-8"?>
 <p:sldLayout xmlns:a="http://schemas.openxmlformats.org/drawingml/2006/main" xmlns:r="http://schemas.openxmlformats.org/officeDocument/2006/relationships" xmlns:p="http://schemas.openxmlformats.org/presentationml/2006/main" matchingName="Caption">
   <p:cSld name="CAPTION_ONLY">
     <p:spTree>
@@ -7963,7 +7402,7 @@
 </p:sldLayout>
 </file>
 
-<file path=ppt/slideLayouts/slideLayout9.xml><?xml version="1.0" encoding="utf-8"?>
+<file path=ppt/slideLayouts/slideLayout8.xml><?xml version="1.0" encoding="utf-8"?>
 <p:sldLayout xmlns:a="http://schemas.openxmlformats.org/drawingml/2006/main" xmlns:r="http://schemas.openxmlformats.org/officeDocument/2006/relationships" xmlns:p="http://schemas.openxmlformats.org/presentationml/2006/main" matchingName="Big number">
   <p:cSld name="BIG_NUMBER">
     <p:spTree>
@@ -9720,13 +9159,12 @@
   <p:sldLayoutIdLst>
     <p:sldLayoutId id="2147483648" r:id="rId1"/>
     <p:sldLayoutId id="2147483649" r:id="rId2"/>
-    <p:sldLayoutId id="2147483650" r:id="rId3"/>
-    <p:sldLayoutId id="2147483651" r:id="rId4"/>
-    <p:sldLayoutId id="2147483652" r:id="rId5"/>
-    <p:sldLayoutId id="2147483653" r:id="rId6"/>
-    <p:sldLayoutId id="2147483654" r:id="rId7"/>
-    <p:sldLayoutId id="2147483655" r:id="rId8"/>
-    <p:sldLayoutId id="2147483656" r:id="rId9"/>
+    <p:sldLayoutId id="2147483651" r:id="rId3"/>
+    <p:sldLayoutId id="2147483652" r:id="rId4"/>
+    <p:sldLayoutId id="2147483653" r:id="rId5"/>
+    <p:sldLayoutId id="2147483654" r:id="rId6"/>
+    <p:sldLayoutId id="2147483655" r:id="rId7"/>
+    <p:sldLayoutId id="2147483656" r:id="rId8"/>
   </p:sldLayoutIdLst>
   <p:hf hdr="0" ftr="0" dt="0"/>
   <p:txStyles>
@@ -10764,6 +10202,4770 @@
 </p:sld>
 </file>
 
+<file path=ppt/slides/slide10.xml><?xml version="1.0" encoding="utf-8"?>
+<p:sld xmlns:a="http://schemas.openxmlformats.org/drawingml/2006/main" xmlns:r="http://schemas.openxmlformats.org/officeDocument/2006/relationships" xmlns:p="http://schemas.openxmlformats.org/presentationml/2006/main">
+  <p:cSld>
+    <p:spTree>
+      <p:nvGrpSpPr>
+        <p:cNvPr id="1" name=""/>
+        <p:cNvGrpSpPr/>
+        <p:nvPr/>
+      </p:nvGrpSpPr>
+      <p:grpSpPr>
+        <a:xfrm>
+          <a:off x="0" y="0"/>
+          <a:ext cx="0" cy="0"/>
+          <a:chOff x="0" y="0"/>
+          <a:chExt cx="0" cy="0"/>
+        </a:xfrm>
+      </p:grpSpPr>
+      <p:sp>
+        <p:nvSpPr>
+          <p:cNvPr id="2" name="Title 1">
+            <a:extLst>
+              <a:ext uri="{FF2B5EF4-FFF2-40B4-BE49-F238E27FC236}">
+                <a16:creationId xmlns:a16="http://schemas.microsoft.com/office/drawing/2014/main" id="{91F313CF-3BA8-3908-350D-76C3C3E9EFE2}"/>
+              </a:ext>
+            </a:extLst>
+          </p:cNvPr>
+          <p:cNvSpPr>
+            <a:spLocks noGrp="1"/>
+          </p:cNvSpPr>
+          <p:nvPr>
+            <p:ph type="title"/>
+          </p:nvPr>
+        </p:nvSpPr>
+        <p:spPr/>
+        <p:txBody>
+          <a:bodyPr/>
+          <a:lstStyle/>
+          <a:p>
+            <a:r>
+              <a:rPr lang="en-US" dirty="0"/>
+              <a:t>II. How LRLL works?</a:t>
+            </a:r>
+          </a:p>
+        </p:txBody>
+      </p:sp>
+      <mc:AlternateContent xmlns:mc="http://schemas.openxmlformats.org/markup-compatibility/2006">
+        <mc:Choice xmlns:a14="http://schemas.microsoft.com/office/drawing/2010/main" Requires="a14">
+          <p:sp>
+            <p:nvSpPr>
+              <p:cNvPr id="3" name="Text Placeholder 2">
+                <a:extLst>
+                  <a:ext uri="{FF2B5EF4-FFF2-40B4-BE49-F238E27FC236}">
+                    <a16:creationId xmlns:a16="http://schemas.microsoft.com/office/drawing/2014/main" id="{C78765BE-E985-6847-E434-EEC6F64318C9}"/>
+                  </a:ext>
+                </a:extLst>
+              </p:cNvPr>
+              <p:cNvSpPr>
+                <a:spLocks noGrp="1"/>
+              </p:cNvSpPr>
+              <p:nvPr>
+                <p:ph type="body" idx="1"/>
+              </p:nvPr>
+            </p:nvSpPr>
+            <p:spPr>
+              <a:xfrm>
+                <a:off x="91890" y="2744683"/>
+                <a:ext cx="5868155" cy="1662857"/>
+              </a:xfrm>
+            </p:spPr>
+            <p:txBody>
+              <a:bodyPr/>
+              <a:lstStyle/>
+              <a:p>
+                <a:r>
+                  <a:rPr lang="en-US" b="1" dirty="0">
+                    <a:latin typeface="Times New Roman" panose="02020603050405020304" pitchFamily="18" charset="0"/>
+                    <a:cs typeface="Times New Roman" panose="02020603050405020304" pitchFamily="18" charset="0"/>
+                  </a:rPr>
+                  <a:t>Input</a:t>
+                </a:r>
+                <a:r>
+                  <a:rPr lang="en-US" dirty="0">
+                    <a:latin typeface="Times New Roman" panose="02020603050405020304" pitchFamily="18" charset="0"/>
+                    <a:cs typeface="Times New Roman" panose="02020603050405020304" pitchFamily="18" charset="0"/>
+                  </a:rPr>
+                  <a:t>: language demonstrations, </a:t>
+                </a:r>
+                <a14:m>
+                  <m:oMath xmlns:m="http://schemas.openxmlformats.org/officeDocument/2006/math">
+                    <m:sSub>
+                      <m:sSubPr>
+                        <m:ctrlPr>
+                          <a:rPr lang="en-US" b="0" i="1" smtClean="0">
+                            <a:latin typeface="Cambria Math" panose="02040503050406030204" pitchFamily="18" charset="0"/>
+                          </a:rPr>
+                        </m:ctrlPr>
+                      </m:sSubPr>
+                      <m:e>
+                        <m:r>
+                          <a:rPr lang="en-US" b="0" i="1" smtClean="0">
+                            <a:latin typeface="Cambria Math" panose="02040503050406030204" pitchFamily="18" charset="0"/>
+                          </a:rPr>
+                          <m:t>𝑋</m:t>
+                        </m:r>
+                      </m:e>
+                      <m:sub>
+                        <m:r>
+                          <a:rPr lang="en-US" b="0" i="1" smtClean="0">
+                            <a:latin typeface="Cambria Math" panose="02040503050406030204" pitchFamily="18" charset="0"/>
+                          </a:rPr>
+                          <m:t>𝑡</m:t>
+                        </m:r>
+                      </m:sub>
+                    </m:sSub>
+                    <m:r>
+                      <a:rPr lang="en-US" b="0" i="1" smtClean="0">
+                        <a:latin typeface="Cambria Math" panose="02040503050406030204" pitchFamily="18" charset="0"/>
+                      </a:rPr>
+                      <m:t>=&lt;</m:t>
+                    </m:r>
+                    <m:sSup>
+                      <m:sSupPr>
+                        <m:ctrlPr>
+                          <a:rPr lang="en-US" b="0" i="1" smtClean="0">
+                            <a:latin typeface="Cambria Math" panose="02040503050406030204" pitchFamily="18" charset="0"/>
+                          </a:rPr>
+                        </m:ctrlPr>
+                      </m:sSupPr>
+                      <m:e>
+                        <m:r>
+                          <a:rPr lang="en-US" b="0" i="1" smtClean="0">
+                            <a:latin typeface="Cambria Math" panose="02040503050406030204" pitchFamily="18" charset="0"/>
+                          </a:rPr>
+                          <m:t>𝑙</m:t>
+                        </m:r>
+                      </m:e>
+                      <m:sup>
+                        <m:r>
+                          <a:rPr lang="en-US" b="0" i="1" smtClean="0">
+                            <a:latin typeface="Cambria Math" panose="02040503050406030204" pitchFamily="18" charset="0"/>
+                          </a:rPr>
+                          <m:t>(</m:t>
+                        </m:r>
+                        <m:r>
+                          <a:rPr lang="en-US" b="0" i="1" smtClean="0">
+                            <a:latin typeface="Cambria Math" panose="02040503050406030204" pitchFamily="18" charset="0"/>
+                          </a:rPr>
+                          <m:t>𝑖</m:t>
+                        </m:r>
+                        <m:r>
+                          <a:rPr lang="en-US" b="0" i="1" smtClean="0">
+                            <a:latin typeface="Cambria Math" panose="02040503050406030204" pitchFamily="18" charset="0"/>
+                          </a:rPr>
+                          <m:t>)</m:t>
+                        </m:r>
+                      </m:sup>
+                    </m:sSup>
+                    <m:r>
+                      <a:rPr lang="en-US" b="0" i="1" smtClean="0">
+                        <a:latin typeface="Cambria Math" panose="02040503050406030204" pitchFamily="18" charset="0"/>
+                      </a:rPr>
+                      <m:t>, </m:t>
+                    </m:r>
+                    <m:sSup>
+                      <m:sSupPr>
+                        <m:ctrlPr>
+                          <a:rPr lang="en-US" b="0" i="1" smtClean="0">
+                            <a:latin typeface="Cambria Math" panose="02040503050406030204" pitchFamily="18" charset="0"/>
+                          </a:rPr>
+                        </m:ctrlPr>
+                      </m:sSupPr>
+                      <m:e>
+                        <m:r>
+                          <a:rPr lang="en-US" b="0" i="1" smtClean="0">
+                            <a:latin typeface="Cambria Math" panose="02040503050406030204" pitchFamily="18" charset="0"/>
+                          </a:rPr>
+                          <m:t>𝑎</m:t>
+                        </m:r>
+                      </m:e>
+                      <m:sup>
+                        <m:d>
+                          <m:dPr>
+                            <m:ctrlPr>
+                              <a:rPr lang="en-US" b="0" i="1" smtClean="0">
+                                <a:latin typeface="Cambria Math" panose="02040503050406030204" pitchFamily="18" charset="0"/>
+                              </a:rPr>
+                            </m:ctrlPr>
+                          </m:dPr>
+                          <m:e>
+                            <m:r>
+                              <a:rPr lang="en-US" b="0" i="1" smtClean="0">
+                                <a:latin typeface="Cambria Math" panose="02040503050406030204" pitchFamily="18" charset="0"/>
+                              </a:rPr>
+                              <m:t>𝑖</m:t>
+                            </m:r>
+                          </m:e>
+                        </m:d>
+                      </m:sup>
+                    </m:sSup>
+                    <m:r>
+                      <a:rPr lang="en-US" b="0" i="1" smtClean="0">
+                        <a:latin typeface="Cambria Math" panose="02040503050406030204" pitchFamily="18" charset="0"/>
+                      </a:rPr>
+                      <m:t>, </m:t>
+                    </m:r>
+                    <m:sSup>
+                      <m:sSupPr>
+                        <m:ctrlPr>
+                          <a:rPr lang="en-US" b="0" i="1" smtClean="0">
+                            <a:latin typeface="Cambria Math" panose="02040503050406030204" pitchFamily="18" charset="0"/>
+                          </a:rPr>
+                        </m:ctrlPr>
+                      </m:sSupPr>
+                      <m:e>
+                        <m:r>
+                          <a:rPr lang="en-US" b="0" i="1" smtClean="0">
+                            <a:latin typeface="Cambria Math" panose="02040503050406030204" pitchFamily="18" charset="0"/>
+                          </a:rPr>
+                          <m:t>𝑟</m:t>
+                        </m:r>
+                      </m:e>
+                      <m:sup>
+                        <m:d>
+                          <m:dPr>
+                            <m:ctrlPr>
+                              <a:rPr lang="en-US" b="0" i="1" smtClean="0">
+                                <a:latin typeface="Cambria Math" panose="02040503050406030204" pitchFamily="18" charset="0"/>
+                              </a:rPr>
+                            </m:ctrlPr>
+                          </m:dPr>
+                          <m:e>
+                            <m:r>
+                              <a:rPr lang="en-US" b="0" i="1" smtClean="0">
+                                <a:latin typeface="Cambria Math" panose="02040503050406030204" pitchFamily="18" charset="0"/>
+                              </a:rPr>
+                              <m:t>𝑖</m:t>
+                            </m:r>
+                          </m:e>
+                        </m:d>
+                      </m:sup>
+                    </m:sSup>
+                    <m:r>
+                      <a:rPr lang="en-US" b="0" i="1" smtClean="0">
+                        <a:latin typeface="Cambria Math" panose="02040503050406030204" pitchFamily="18" charset="0"/>
+                      </a:rPr>
+                      <m:t>&gt;</m:t>
+                    </m:r>
+                  </m:oMath>
+                </a14:m>
+                <a:endParaRPr lang="en-US" dirty="0">
+                  <a:latin typeface="Times New Roman" panose="02020603050405020304" pitchFamily="18" charset="0"/>
+                  <a:cs typeface="Times New Roman" panose="02020603050405020304" pitchFamily="18" charset="0"/>
+                </a:endParaRPr>
+              </a:p>
+              <a:p>
+                <a:pPr lvl="1"/>
+                <a14:m>
+                  <m:oMath xmlns:m="http://schemas.openxmlformats.org/officeDocument/2006/math">
+                    <m:sSup>
+                      <m:sSupPr>
+                        <m:ctrlPr>
+                          <a:rPr lang="en-US" b="0" i="1" smtClean="0">
+                            <a:latin typeface="Cambria Math" panose="02040503050406030204" pitchFamily="18" charset="0"/>
+                          </a:rPr>
+                        </m:ctrlPr>
+                      </m:sSupPr>
+                      <m:e>
+                        <m:r>
+                          <a:rPr lang="en-US" b="0" i="1" smtClean="0">
+                            <a:latin typeface="Cambria Math" panose="02040503050406030204" pitchFamily="18" charset="0"/>
+                          </a:rPr>
+                          <m:t>𝑙</m:t>
+                        </m:r>
+                      </m:e>
+                      <m:sup>
+                        <m:r>
+                          <a:rPr lang="en-US" b="0" i="1" smtClean="0">
+                            <a:latin typeface="Cambria Math" panose="02040503050406030204" pitchFamily="18" charset="0"/>
+                          </a:rPr>
+                          <m:t>(</m:t>
+                        </m:r>
+                        <m:r>
+                          <a:rPr lang="en-US" b="0" i="1" smtClean="0">
+                            <a:latin typeface="Cambria Math" panose="02040503050406030204" pitchFamily="18" charset="0"/>
+                          </a:rPr>
+                          <m:t>𝑖</m:t>
+                        </m:r>
+                        <m:r>
+                          <a:rPr lang="en-US" b="0" i="1" smtClean="0">
+                            <a:latin typeface="Cambria Math" panose="02040503050406030204" pitchFamily="18" charset="0"/>
+                          </a:rPr>
+                          <m:t>)</m:t>
+                        </m:r>
+                      </m:sup>
+                    </m:sSup>
+                    <m:r>
+                      <a:rPr lang="en-US" b="0" i="1" smtClean="0">
+                        <a:latin typeface="Cambria Math" panose="02040503050406030204" pitchFamily="18" charset="0"/>
+                      </a:rPr>
+                      <m:t>:</m:t>
+                    </m:r>
+                    <m:r>
+                      <a:rPr lang="en-US" b="0" i="1" smtClean="0">
+                        <a:latin typeface="Cambria Math" panose="02040503050406030204" pitchFamily="18" charset="0"/>
+                      </a:rPr>
+                      <m:t>𝑠𝑒𝑞𝑢𝑒𝑛𝑐𝑒</m:t>
+                    </m:r>
+                    <m:r>
+                      <a:rPr lang="en-US" b="0" i="1" smtClean="0">
+                        <a:latin typeface="Cambria Math" panose="02040503050406030204" pitchFamily="18" charset="0"/>
+                      </a:rPr>
+                      <m:t> </m:t>
+                    </m:r>
+                    <m:r>
+                      <a:rPr lang="en-US" b="0" i="1" smtClean="0">
+                        <a:latin typeface="Cambria Math" panose="02040503050406030204" pitchFamily="18" charset="0"/>
+                      </a:rPr>
+                      <m:t>𝑜𝑓</m:t>
+                    </m:r>
+                    <m:r>
+                      <a:rPr lang="en-US" b="0" i="1" smtClean="0">
+                        <a:latin typeface="Cambria Math" panose="02040503050406030204" pitchFamily="18" charset="0"/>
+                      </a:rPr>
+                      <m:t> </m:t>
+                    </m:r>
+                    <m:r>
+                      <a:rPr lang="en-US" b="0" i="1" smtClean="0">
+                        <a:latin typeface="Cambria Math" panose="02040503050406030204" pitchFamily="18" charset="0"/>
+                      </a:rPr>
+                      <m:t>𝑖𝑛𝑠𝑡𝑟𝑢𝑐𝑡𝑖𝑜𝑛𝑠</m:t>
+                    </m:r>
+                  </m:oMath>
+                </a14:m>
+                <a:endParaRPr lang="en-US" b="0" dirty="0">
+                  <a:latin typeface="Times New Roman" panose="02020603050405020304" pitchFamily="18" charset="0"/>
+                  <a:cs typeface="Times New Roman" panose="02020603050405020304" pitchFamily="18" charset="0"/>
+                </a:endParaRPr>
+              </a:p>
+              <a:p>
+                <a:pPr lvl="1"/>
+                <a14:m>
+                  <m:oMath xmlns:m="http://schemas.openxmlformats.org/officeDocument/2006/math">
+                    <m:sSup>
+                      <m:sSupPr>
+                        <m:ctrlPr>
+                          <a:rPr lang="en-US" b="0" i="1" smtClean="0">
+                            <a:latin typeface="Cambria Math" panose="02040503050406030204" pitchFamily="18" charset="0"/>
+                          </a:rPr>
+                        </m:ctrlPr>
+                      </m:sSupPr>
+                      <m:e>
+                        <m:r>
+                          <a:rPr lang="en-US" b="0" i="1" smtClean="0">
+                            <a:latin typeface="Cambria Math" panose="02040503050406030204" pitchFamily="18" charset="0"/>
+                          </a:rPr>
+                          <m:t>𝑎</m:t>
+                        </m:r>
+                      </m:e>
+                      <m:sup>
+                        <m:r>
+                          <a:rPr lang="en-US" b="0" i="1" smtClean="0">
+                            <a:latin typeface="Cambria Math" panose="02040503050406030204" pitchFamily="18" charset="0"/>
+                          </a:rPr>
+                          <m:t>(</m:t>
+                        </m:r>
+                        <m:r>
+                          <a:rPr lang="en-US" b="0" i="1" smtClean="0">
+                            <a:latin typeface="Cambria Math" panose="02040503050406030204" pitchFamily="18" charset="0"/>
+                          </a:rPr>
+                          <m:t>𝑖</m:t>
+                        </m:r>
+                        <m:r>
+                          <a:rPr lang="en-US" b="0" i="1" smtClean="0">
+                            <a:latin typeface="Cambria Math" panose="02040503050406030204" pitchFamily="18" charset="0"/>
+                          </a:rPr>
+                          <m:t>)</m:t>
+                        </m:r>
+                      </m:sup>
+                    </m:sSup>
+                    <m:r>
+                      <a:rPr lang="en-US" b="0" i="1" smtClean="0">
+                        <a:latin typeface="Cambria Math" panose="02040503050406030204" pitchFamily="18" charset="0"/>
+                      </a:rPr>
+                      <m:t>:</m:t>
+                    </m:r>
+                    <m:r>
+                      <a:rPr lang="en-US" b="0" i="1" smtClean="0">
+                        <a:latin typeface="Cambria Math" panose="02040503050406030204" pitchFamily="18" charset="0"/>
+                      </a:rPr>
+                      <m:t>𝑠𝑒𝑞𝑢𝑒𝑛𝑐𝑒</m:t>
+                    </m:r>
+                    <m:r>
+                      <a:rPr lang="en-US" b="0" i="1" smtClean="0">
+                        <a:latin typeface="Cambria Math" panose="02040503050406030204" pitchFamily="18" charset="0"/>
+                      </a:rPr>
+                      <m:t> </m:t>
+                    </m:r>
+                    <m:r>
+                      <a:rPr lang="en-US" b="0" i="1" smtClean="0">
+                        <a:latin typeface="Cambria Math" panose="02040503050406030204" pitchFamily="18" charset="0"/>
+                      </a:rPr>
+                      <m:t>𝑜𝑓</m:t>
+                    </m:r>
+                    <m:r>
+                      <a:rPr lang="en-US" b="0" i="1" smtClean="0">
+                        <a:latin typeface="Cambria Math" panose="02040503050406030204" pitchFamily="18" charset="0"/>
+                      </a:rPr>
+                      <m:t> </m:t>
+                    </m:r>
+                    <m:r>
+                      <a:rPr lang="en-US" b="0" i="1" smtClean="0">
+                        <a:latin typeface="Cambria Math" panose="02040503050406030204" pitchFamily="18" charset="0"/>
+                      </a:rPr>
+                      <m:t>𝑝𝑜𝑙𝑖𝑐𝑖𝑒𝑠</m:t>
+                    </m:r>
+                  </m:oMath>
+                </a14:m>
+                <a:endParaRPr lang="en-US" b="0" i="1" dirty="0">
+                  <a:latin typeface="Times New Roman" panose="02020603050405020304" pitchFamily="18" charset="0"/>
+                  <a:cs typeface="Times New Roman" panose="02020603050405020304" pitchFamily="18" charset="0"/>
+                </a:endParaRPr>
+              </a:p>
+              <a:p>
+                <a:pPr lvl="1"/>
+                <a14:m>
+                  <m:oMath xmlns:m="http://schemas.openxmlformats.org/officeDocument/2006/math">
+                    <m:sSup>
+                      <m:sSupPr>
+                        <m:ctrlPr>
+                          <a:rPr lang="en-US" b="0" i="1" smtClean="0">
+                            <a:latin typeface="Cambria Math" panose="02040503050406030204" pitchFamily="18" charset="0"/>
+                          </a:rPr>
+                        </m:ctrlPr>
+                      </m:sSupPr>
+                      <m:e>
+                        <m:r>
+                          <a:rPr lang="en-US" b="0" i="1" smtClean="0">
+                            <a:latin typeface="Cambria Math" panose="02040503050406030204" pitchFamily="18" charset="0"/>
+                          </a:rPr>
+                          <m:t>𝑟</m:t>
+                        </m:r>
+                      </m:e>
+                      <m:sup>
+                        <m:r>
+                          <a:rPr lang="en-US" b="0" i="1" smtClean="0">
+                            <a:latin typeface="Cambria Math" panose="02040503050406030204" pitchFamily="18" charset="0"/>
+                          </a:rPr>
+                          <m:t>(</m:t>
+                        </m:r>
+                        <m:r>
+                          <a:rPr lang="en-US" b="0" i="1" smtClean="0">
+                            <a:latin typeface="Cambria Math" panose="02040503050406030204" pitchFamily="18" charset="0"/>
+                          </a:rPr>
+                          <m:t>𝑖</m:t>
+                        </m:r>
+                        <m:r>
+                          <a:rPr lang="en-US" b="0" i="1" smtClean="0">
+                            <a:latin typeface="Cambria Math" panose="02040503050406030204" pitchFamily="18" charset="0"/>
+                          </a:rPr>
+                          <m:t>)</m:t>
+                        </m:r>
+                      </m:sup>
+                    </m:sSup>
+                    <m:r>
+                      <a:rPr lang="en-US" b="0" i="1" smtClean="0">
+                        <a:latin typeface="Cambria Math" panose="02040503050406030204" pitchFamily="18" charset="0"/>
+                      </a:rPr>
+                      <m:t>:</m:t>
+                    </m:r>
+                    <m:r>
+                      <a:rPr lang="en-US" b="0" i="1" smtClean="0">
+                        <a:latin typeface="Cambria Math" panose="02040503050406030204" pitchFamily="18" charset="0"/>
+                      </a:rPr>
+                      <m:t>𝑟𝑒𝑤𝑎𝑟𝑑</m:t>
+                    </m:r>
+                  </m:oMath>
+                </a14:m>
+                <a:endParaRPr lang="en-US" b="0" dirty="0">
+                  <a:latin typeface="Times New Roman" panose="02020603050405020304" pitchFamily="18" charset="0"/>
+                  <a:cs typeface="Times New Roman" panose="02020603050405020304" pitchFamily="18" charset="0"/>
+                </a:endParaRPr>
+              </a:p>
+              <a:p>
+                <a:pPr lvl="1"/>
+                <a14:m>
+                  <m:oMath xmlns:m="http://schemas.openxmlformats.org/officeDocument/2006/math">
+                    <m:r>
+                      <a:rPr lang="en-US" b="0" i="1" smtClean="0">
+                        <a:latin typeface="Cambria Math" panose="02040503050406030204" pitchFamily="18" charset="0"/>
+                      </a:rPr>
+                      <m:t>𝑡</m:t>
+                    </m:r>
+                    <m:r>
+                      <a:rPr lang="en-US" b="0" i="1" smtClean="0">
+                        <a:latin typeface="Cambria Math" panose="02040503050406030204" pitchFamily="18" charset="0"/>
+                      </a:rPr>
+                      <m:t>:</m:t>
+                    </m:r>
+                    <m:r>
+                      <a:rPr lang="en-US" b="0" i="1" smtClean="0">
+                        <a:latin typeface="Cambria Math" panose="02040503050406030204" pitchFamily="18" charset="0"/>
+                      </a:rPr>
+                      <m:t>𝑐𝑦𝑐𝑙𝑒</m:t>
+                    </m:r>
+                    <m:r>
+                      <a:rPr lang="en-US" b="0" i="1" smtClean="0">
+                        <a:latin typeface="Cambria Math" panose="02040503050406030204" pitchFamily="18" charset="0"/>
+                      </a:rPr>
+                      <m:t> </m:t>
+                    </m:r>
+                    <m:r>
+                      <a:rPr lang="en-US" b="0" i="1" smtClean="0">
+                        <a:latin typeface="Cambria Math" panose="02040503050406030204" pitchFamily="18" charset="0"/>
+                      </a:rPr>
+                      <m:t>𝑛𝑢𝑚𝑏𝑒𝑟</m:t>
+                    </m:r>
+                  </m:oMath>
+                </a14:m>
+                <a:endParaRPr lang="en-US" dirty="0">
+                  <a:latin typeface="Times New Roman" panose="02020603050405020304" pitchFamily="18" charset="0"/>
+                  <a:cs typeface="Times New Roman" panose="02020603050405020304" pitchFamily="18" charset="0"/>
+                </a:endParaRPr>
+              </a:p>
+              <a:p>
+                <a:pPr marL="596900" lvl="1" indent="0">
+                  <a:buNone/>
+                </a:pPr>
+                <a:endParaRPr lang="en-US" b="0" dirty="0"/>
+              </a:p>
+            </p:txBody>
+          </p:sp>
+        </mc:Choice>
+        <mc:Fallback>
+          <p:sp>
+            <p:nvSpPr>
+              <p:cNvPr id="3" name="Text Placeholder 2">
+                <a:extLst>
+                  <a:ext uri="{FF2B5EF4-FFF2-40B4-BE49-F238E27FC236}">
+                    <a16:creationId xmlns:a16="http://schemas.microsoft.com/office/drawing/2014/main" id="{C78765BE-E985-6847-E434-EEC6F64318C9}"/>
+                  </a:ext>
+                </a:extLst>
+              </p:cNvPr>
+              <p:cNvSpPr>
+                <a:spLocks noGrp="1" noRot="1" noChangeAspect="1" noMove="1" noResize="1" noEditPoints="1" noAdjustHandles="1" noChangeArrowheads="1" noChangeShapeType="1" noTextEdit="1"/>
+              </p:cNvSpPr>
+              <p:nvPr>
+                <p:ph type="body" idx="1"/>
+              </p:nvPr>
+            </p:nvSpPr>
+            <p:spPr>
+              <a:xfrm>
+                <a:off x="91890" y="2744683"/>
+                <a:ext cx="5868155" cy="1662857"/>
+              </a:xfrm>
+              <a:blipFill>
+                <a:blip r:embed="rId2"/>
+                <a:stretch>
+                  <a:fillRect b="-366"/>
+                </a:stretch>
+              </a:blipFill>
+            </p:spPr>
+            <p:txBody>
+              <a:bodyPr/>
+              <a:lstStyle/>
+              <a:p>
+                <a:r>
+                  <a:rPr lang="en-US">
+                    <a:noFill/>
+                  </a:rPr>
+                  <a:t> </a:t>
+                </a:r>
+              </a:p>
+            </p:txBody>
+          </p:sp>
+        </mc:Fallback>
+      </mc:AlternateContent>
+      <p:sp>
+        <p:nvSpPr>
+          <p:cNvPr id="4" name="Slide Number Placeholder 3">
+            <a:extLst>
+              <a:ext uri="{FF2B5EF4-FFF2-40B4-BE49-F238E27FC236}">
+                <a16:creationId xmlns:a16="http://schemas.microsoft.com/office/drawing/2014/main" id="{2931AD7A-CACA-C1CD-6BF0-FEEB395F79B4}"/>
+              </a:ext>
+            </a:extLst>
+          </p:cNvPr>
+          <p:cNvSpPr>
+            <a:spLocks noGrp="1"/>
+          </p:cNvSpPr>
+          <p:nvPr>
+            <p:ph type="sldNum" idx="12"/>
+          </p:nvPr>
+        </p:nvSpPr>
+        <p:spPr/>
+        <p:txBody>
+          <a:bodyPr/>
+          <a:lstStyle/>
+          <a:p>
+            <a:pPr marL="0" lvl="0" indent="0" algn="r" rtl="0">
+              <a:spcBef>
+                <a:spcPts val="0"/>
+              </a:spcBef>
+              <a:spcAft>
+                <a:spcPts val="0"/>
+              </a:spcAft>
+              <a:buNone/>
+            </a:pPr>
+            <a:fld id="{00000000-1234-1234-1234-123412341234}" type="slidenum">
+              <a:rPr lang="en" smtClean="0"/>
+              <a:t>10</a:t>
+            </a:fld>
+            <a:endParaRPr lang="en"/>
+          </a:p>
+        </p:txBody>
+      </p:sp>
+      <p:sp>
+        <p:nvSpPr>
+          <p:cNvPr id="5" name="Slide Number Placeholder 4">
+            <a:extLst>
+              <a:ext uri="{FF2B5EF4-FFF2-40B4-BE49-F238E27FC236}">
+                <a16:creationId xmlns:a16="http://schemas.microsoft.com/office/drawing/2014/main" id="{526B02F4-FA15-8789-8ABE-CA48D7551F93}"/>
+              </a:ext>
+            </a:extLst>
+          </p:cNvPr>
+          <p:cNvSpPr>
+            <a:spLocks noGrp="1"/>
+          </p:cNvSpPr>
+          <p:nvPr>
+            <p:ph type="sldNum" idx="2"/>
+          </p:nvPr>
+        </p:nvSpPr>
+        <p:spPr/>
+        <p:txBody>
+          <a:bodyPr/>
+          <a:lstStyle/>
+          <a:p>
+            <a:pPr marL="0" lvl="0" indent="0" algn="r" rtl="0">
+              <a:spcBef>
+                <a:spcPts val="0"/>
+              </a:spcBef>
+              <a:spcAft>
+                <a:spcPts val="0"/>
+              </a:spcAft>
+              <a:buNone/>
+            </a:pPr>
+            <a:fld id="{00000000-1234-1234-1234-123412341234}" type="slidenum">
+              <a:rPr lang="en" smtClean="0"/>
+              <a:t>10</a:t>
+            </a:fld>
+            <a:endParaRPr lang="en"/>
+          </a:p>
+        </p:txBody>
+      </p:sp>
+      <p:pic>
+        <p:nvPicPr>
+          <p:cNvPr id="6" name="Picture 5">
+            <a:extLst>
+              <a:ext uri="{FF2B5EF4-FFF2-40B4-BE49-F238E27FC236}">
+                <a16:creationId xmlns:a16="http://schemas.microsoft.com/office/drawing/2014/main" id="{065AD4EC-B9CE-83D9-91DC-E45FB92C8CB1}"/>
+              </a:ext>
+            </a:extLst>
+          </p:cNvPr>
+          <p:cNvPicPr>
+            <a:picLocks noChangeAspect="1"/>
+          </p:cNvPicPr>
+          <p:nvPr/>
+        </p:nvPicPr>
+        <p:blipFill>
+          <a:blip r:embed="rId3"/>
+          <a:stretch>
+            <a:fillRect/>
+          </a:stretch>
+        </p:blipFill>
+        <p:spPr>
+          <a:xfrm>
+            <a:off x="3899145" y="932396"/>
+            <a:ext cx="5067661" cy="1554716"/>
+          </a:xfrm>
+          <a:prstGeom prst="rect">
+            <a:avLst/>
+          </a:prstGeom>
+        </p:spPr>
+      </p:pic>
+      <p:sp>
+        <p:nvSpPr>
+          <p:cNvPr id="7" name="TextBox 6">
+            <a:extLst>
+              <a:ext uri="{FF2B5EF4-FFF2-40B4-BE49-F238E27FC236}">
+                <a16:creationId xmlns:a16="http://schemas.microsoft.com/office/drawing/2014/main" id="{DCD2CA23-1FF5-C248-6034-172031DBC101}"/>
+              </a:ext>
+            </a:extLst>
+          </p:cNvPr>
+          <p:cNvSpPr txBox="1"/>
+          <p:nvPr/>
+        </p:nvSpPr>
+        <p:spPr>
+          <a:xfrm>
+            <a:off x="3899145" y="2402473"/>
+            <a:ext cx="3185810" cy="169277"/>
+          </a:xfrm>
+          <a:prstGeom prst="rect">
+            <a:avLst/>
+          </a:prstGeom>
+          <a:noFill/>
+        </p:spPr>
+        <p:txBody>
+          <a:bodyPr wrap="square" rtlCol="0">
+            <a:spAutoFit/>
+          </a:bodyPr>
+          <a:lstStyle/>
+          <a:p>
+            <a:r>
+              <a:rPr lang="en-US" sz="500" dirty="0"/>
+              <a:t>Image taken from figure 2 from </a:t>
+            </a:r>
+            <a:r>
+              <a:rPr lang="en-US" sz="500" dirty="0" err="1"/>
+              <a:t>Tziafas</a:t>
+            </a:r>
+            <a:r>
+              <a:rPr lang="en-US" sz="500" dirty="0"/>
+              <a:t> and </a:t>
+            </a:r>
+            <a:r>
+              <a:rPr lang="en-US" sz="500" dirty="0" err="1"/>
+              <a:t>Kasaei</a:t>
+            </a:r>
+            <a:r>
+              <a:rPr lang="en-US" sz="500" dirty="0"/>
+              <a:t>  </a:t>
+            </a:r>
+          </a:p>
+        </p:txBody>
+      </p:sp>
+      <p:sp>
+        <p:nvSpPr>
+          <p:cNvPr id="8" name="Arrow: Right 7">
+            <a:extLst>
+              <a:ext uri="{FF2B5EF4-FFF2-40B4-BE49-F238E27FC236}">
+                <a16:creationId xmlns:a16="http://schemas.microsoft.com/office/drawing/2014/main" id="{8DE94FB9-1B90-906B-1FF4-41234FE9B8F8}"/>
+              </a:ext>
+            </a:extLst>
+          </p:cNvPr>
+          <p:cNvSpPr/>
+          <p:nvPr/>
+        </p:nvSpPr>
+        <p:spPr>
+          <a:xfrm>
+            <a:off x="6150820" y="3338764"/>
+            <a:ext cx="822302" cy="368391"/>
+          </a:xfrm>
+          <a:prstGeom prst="rightArrow">
+            <a:avLst/>
+          </a:prstGeom>
+        </p:spPr>
+        <p:style>
+          <a:lnRef idx="2">
+            <a:schemeClr val="accent1">
+              <a:shade val="15000"/>
+            </a:schemeClr>
+          </a:lnRef>
+          <a:fillRef idx="1">
+            <a:schemeClr val="accent1"/>
+          </a:fillRef>
+          <a:effectRef idx="0">
+            <a:schemeClr val="accent1"/>
+          </a:effectRef>
+          <a:fontRef idx="minor">
+            <a:schemeClr val="lt1"/>
+          </a:fontRef>
+        </p:style>
+        <p:txBody>
+          <a:bodyPr rtlCol="0" anchor="ctr"/>
+          <a:lstStyle/>
+          <a:p>
+            <a:pPr algn="ctr"/>
+            <a:endParaRPr lang="en-US"/>
+          </a:p>
+        </p:txBody>
+      </p:sp>
+      <p:sp>
+        <p:nvSpPr>
+          <p:cNvPr id="9" name="Rectangle 8">
+            <a:extLst>
+              <a:ext uri="{FF2B5EF4-FFF2-40B4-BE49-F238E27FC236}">
+                <a16:creationId xmlns:a16="http://schemas.microsoft.com/office/drawing/2014/main" id="{6C658180-C779-B30D-391F-D030CE02E330}"/>
+              </a:ext>
+            </a:extLst>
+          </p:cNvPr>
+          <p:cNvSpPr/>
+          <p:nvPr/>
+        </p:nvSpPr>
+        <p:spPr>
+          <a:xfrm>
+            <a:off x="7387563" y="2875686"/>
+            <a:ext cx="999919" cy="1361732"/>
+          </a:xfrm>
+          <a:prstGeom prst="rect">
+            <a:avLst/>
+          </a:prstGeom>
+        </p:spPr>
+        <p:style>
+          <a:lnRef idx="2">
+            <a:schemeClr val="accent1">
+              <a:shade val="15000"/>
+            </a:schemeClr>
+          </a:lnRef>
+          <a:fillRef idx="1">
+            <a:schemeClr val="accent1"/>
+          </a:fillRef>
+          <a:effectRef idx="0">
+            <a:schemeClr val="accent1"/>
+          </a:effectRef>
+          <a:fontRef idx="minor">
+            <a:schemeClr val="lt1"/>
+          </a:fontRef>
+        </p:style>
+        <p:txBody>
+          <a:bodyPr rtlCol="0" anchor="ctr"/>
+          <a:lstStyle/>
+          <a:p>
+            <a:pPr algn="ctr"/>
+            <a:r>
+              <a:rPr lang="en-US" dirty="0"/>
+              <a:t>memory</a:t>
+            </a:r>
+          </a:p>
+        </p:txBody>
+      </p:sp>
+    </p:spTree>
+    <p:extLst>
+      <p:ext uri="{BB962C8B-B14F-4D97-AF65-F5344CB8AC3E}">
+        <p14:creationId xmlns:p14="http://schemas.microsoft.com/office/powerpoint/2010/main" val="3822920687"/>
+      </p:ext>
+    </p:extLst>
+  </p:cSld>
+  <p:clrMapOvr>
+    <a:masterClrMapping/>
+  </p:clrMapOvr>
+</p:sld>
+</file>
+
+<file path=ppt/slides/slide11.xml><?xml version="1.0" encoding="utf-8"?>
+<p:sld xmlns:a="http://schemas.openxmlformats.org/drawingml/2006/main" xmlns:r="http://schemas.openxmlformats.org/officeDocument/2006/relationships" xmlns:p="http://schemas.openxmlformats.org/presentationml/2006/main">
+  <p:cSld>
+    <p:spTree>
+      <p:nvGrpSpPr>
+        <p:cNvPr id="1" name=""/>
+        <p:cNvGrpSpPr/>
+        <p:nvPr/>
+      </p:nvGrpSpPr>
+      <p:grpSpPr>
+        <a:xfrm>
+          <a:off x="0" y="0"/>
+          <a:ext cx="0" cy="0"/>
+          <a:chOff x="0" y="0"/>
+          <a:chExt cx="0" cy="0"/>
+        </a:xfrm>
+      </p:grpSpPr>
+      <p:sp>
+        <p:nvSpPr>
+          <p:cNvPr id="2" name="Title 1">
+            <a:extLst>
+              <a:ext uri="{FF2B5EF4-FFF2-40B4-BE49-F238E27FC236}">
+                <a16:creationId xmlns:a16="http://schemas.microsoft.com/office/drawing/2014/main" id="{91F313CF-3BA8-3908-350D-76C3C3E9EFE2}"/>
+              </a:ext>
+            </a:extLst>
+          </p:cNvPr>
+          <p:cNvSpPr>
+            <a:spLocks noGrp="1"/>
+          </p:cNvSpPr>
+          <p:nvPr>
+            <p:ph type="title"/>
+          </p:nvPr>
+        </p:nvSpPr>
+        <p:spPr/>
+        <p:txBody>
+          <a:bodyPr/>
+          <a:lstStyle/>
+          <a:p>
+            <a:r>
+              <a:rPr lang="en-US" dirty="0"/>
+              <a:t>II. How LRLL works?</a:t>
+            </a:r>
+          </a:p>
+        </p:txBody>
+      </p:sp>
+      <p:sp>
+        <p:nvSpPr>
+          <p:cNvPr id="4" name="Slide Number Placeholder 3">
+            <a:extLst>
+              <a:ext uri="{FF2B5EF4-FFF2-40B4-BE49-F238E27FC236}">
+                <a16:creationId xmlns:a16="http://schemas.microsoft.com/office/drawing/2014/main" id="{2931AD7A-CACA-C1CD-6BF0-FEEB395F79B4}"/>
+              </a:ext>
+            </a:extLst>
+          </p:cNvPr>
+          <p:cNvSpPr>
+            <a:spLocks noGrp="1"/>
+          </p:cNvSpPr>
+          <p:nvPr>
+            <p:ph type="sldNum" idx="12"/>
+          </p:nvPr>
+        </p:nvSpPr>
+        <p:spPr/>
+        <p:txBody>
+          <a:bodyPr/>
+          <a:lstStyle/>
+          <a:p>
+            <a:pPr marL="0" lvl="0" indent="0" algn="r" rtl="0">
+              <a:spcBef>
+                <a:spcPts val="0"/>
+              </a:spcBef>
+              <a:spcAft>
+                <a:spcPts val="0"/>
+              </a:spcAft>
+              <a:buNone/>
+            </a:pPr>
+            <a:fld id="{00000000-1234-1234-1234-123412341234}" type="slidenum">
+              <a:rPr lang="en" smtClean="0"/>
+              <a:t>11</a:t>
+            </a:fld>
+            <a:endParaRPr lang="en"/>
+          </a:p>
+        </p:txBody>
+      </p:sp>
+      <p:sp>
+        <p:nvSpPr>
+          <p:cNvPr id="5" name="Slide Number Placeholder 4">
+            <a:extLst>
+              <a:ext uri="{FF2B5EF4-FFF2-40B4-BE49-F238E27FC236}">
+                <a16:creationId xmlns:a16="http://schemas.microsoft.com/office/drawing/2014/main" id="{526B02F4-FA15-8789-8ABE-CA48D7551F93}"/>
+              </a:ext>
+            </a:extLst>
+          </p:cNvPr>
+          <p:cNvSpPr>
+            <a:spLocks noGrp="1"/>
+          </p:cNvSpPr>
+          <p:nvPr>
+            <p:ph type="sldNum" idx="2"/>
+          </p:nvPr>
+        </p:nvSpPr>
+        <p:spPr/>
+        <p:txBody>
+          <a:bodyPr/>
+          <a:lstStyle/>
+          <a:p>
+            <a:pPr marL="0" lvl="0" indent="0" algn="r" rtl="0">
+              <a:spcBef>
+                <a:spcPts val="0"/>
+              </a:spcBef>
+              <a:spcAft>
+                <a:spcPts val="0"/>
+              </a:spcAft>
+              <a:buNone/>
+            </a:pPr>
+            <a:fld id="{00000000-1234-1234-1234-123412341234}" type="slidenum">
+              <a:rPr lang="en" smtClean="0"/>
+              <a:t>11</a:t>
+            </a:fld>
+            <a:endParaRPr lang="en"/>
+          </a:p>
+        </p:txBody>
+      </p:sp>
+      <p:pic>
+        <p:nvPicPr>
+          <p:cNvPr id="6" name="Picture 5">
+            <a:extLst>
+              <a:ext uri="{FF2B5EF4-FFF2-40B4-BE49-F238E27FC236}">
+                <a16:creationId xmlns:a16="http://schemas.microsoft.com/office/drawing/2014/main" id="{065AD4EC-B9CE-83D9-91DC-E45FB92C8CB1}"/>
+              </a:ext>
+            </a:extLst>
+          </p:cNvPr>
+          <p:cNvPicPr>
+            <a:picLocks noChangeAspect="1"/>
+          </p:cNvPicPr>
+          <p:nvPr/>
+        </p:nvPicPr>
+        <p:blipFill>
+          <a:blip r:embed="rId2"/>
+          <a:stretch>
+            <a:fillRect/>
+          </a:stretch>
+        </p:blipFill>
+        <p:spPr>
+          <a:xfrm>
+            <a:off x="3899145" y="932396"/>
+            <a:ext cx="5067661" cy="1554716"/>
+          </a:xfrm>
+          <a:prstGeom prst="rect">
+            <a:avLst/>
+          </a:prstGeom>
+        </p:spPr>
+      </p:pic>
+      <p:sp>
+        <p:nvSpPr>
+          <p:cNvPr id="7" name="TextBox 6">
+            <a:extLst>
+              <a:ext uri="{FF2B5EF4-FFF2-40B4-BE49-F238E27FC236}">
+                <a16:creationId xmlns:a16="http://schemas.microsoft.com/office/drawing/2014/main" id="{DCD2CA23-1FF5-C248-6034-172031DBC101}"/>
+              </a:ext>
+            </a:extLst>
+          </p:cNvPr>
+          <p:cNvSpPr txBox="1"/>
+          <p:nvPr/>
+        </p:nvSpPr>
+        <p:spPr>
+          <a:xfrm>
+            <a:off x="3899145" y="2402473"/>
+            <a:ext cx="3185810" cy="169277"/>
+          </a:xfrm>
+          <a:prstGeom prst="rect">
+            <a:avLst/>
+          </a:prstGeom>
+          <a:noFill/>
+        </p:spPr>
+        <p:txBody>
+          <a:bodyPr wrap="square" rtlCol="0">
+            <a:spAutoFit/>
+          </a:bodyPr>
+          <a:lstStyle/>
+          <a:p>
+            <a:r>
+              <a:rPr lang="en-US" sz="500" dirty="0"/>
+              <a:t>Image taken from figure 2 from </a:t>
+            </a:r>
+            <a:r>
+              <a:rPr lang="en-US" sz="500" dirty="0" err="1"/>
+              <a:t>Tziafas</a:t>
+            </a:r>
+            <a:r>
+              <a:rPr lang="en-US" sz="500" dirty="0"/>
+              <a:t> and </a:t>
+            </a:r>
+            <a:r>
+              <a:rPr lang="en-US" sz="500" dirty="0" err="1"/>
+              <a:t>Kasaei</a:t>
+            </a:r>
+            <a:r>
+              <a:rPr lang="en-US" sz="500" dirty="0"/>
+              <a:t>  </a:t>
+            </a:r>
+          </a:p>
+        </p:txBody>
+      </p:sp>
+      <p:sp>
+        <p:nvSpPr>
+          <p:cNvPr id="11" name="Text Placeholder 10">
+            <a:extLst>
+              <a:ext uri="{FF2B5EF4-FFF2-40B4-BE49-F238E27FC236}">
+                <a16:creationId xmlns:a16="http://schemas.microsoft.com/office/drawing/2014/main" id="{5E5DA92A-54B6-C74C-AE12-6E34C65A18D2}"/>
+              </a:ext>
+            </a:extLst>
+          </p:cNvPr>
+          <p:cNvSpPr>
+            <a:spLocks noGrp="1"/>
+          </p:cNvSpPr>
+          <p:nvPr>
+            <p:ph type="body" idx="1"/>
+          </p:nvPr>
+        </p:nvSpPr>
+        <p:spPr>
+          <a:xfrm>
+            <a:off x="1160316" y="1480251"/>
+            <a:ext cx="1734188" cy="459006"/>
+          </a:xfrm>
+        </p:spPr>
+        <p:txBody>
+          <a:bodyPr/>
+          <a:lstStyle/>
+          <a:p>
+            <a:pPr marL="114300" indent="0">
+              <a:buNone/>
+            </a:pPr>
+            <a:r>
+              <a:rPr lang="en-US" b="1" dirty="0">
+                <a:latin typeface="Times New Roman" panose="02020603050405020304" pitchFamily="18" charset="0"/>
+                <a:cs typeface="Times New Roman" panose="02020603050405020304" pitchFamily="18" charset="0"/>
+              </a:rPr>
+              <a:t>Wake Phase</a:t>
+            </a:r>
+          </a:p>
+        </p:txBody>
+      </p:sp>
+      <mc:AlternateContent xmlns:mc="http://schemas.openxmlformats.org/markup-compatibility/2006">
+        <mc:Choice xmlns:a14="http://schemas.microsoft.com/office/drawing/2010/main" Requires="a14">
+          <p:sp>
+            <p:nvSpPr>
+              <p:cNvPr id="12" name="Text Placeholder 10">
+                <a:extLst>
+                  <a:ext uri="{FF2B5EF4-FFF2-40B4-BE49-F238E27FC236}">
+                    <a16:creationId xmlns:a16="http://schemas.microsoft.com/office/drawing/2014/main" id="{F68E4C48-5126-6730-3B21-A7A83F0BE05C}"/>
+                  </a:ext>
+                </a:extLst>
+              </p:cNvPr>
+              <p:cNvSpPr txBox="1">
+                <a:spLocks/>
+              </p:cNvSpPr>
+              <p:nvPr/>
+            </p:nvSpPr>
+            <p:spPr>
+              <a:xfrm>
+                <a:off x="227276" y="2745237"/>
+                <a:ext cx="8640429" cy="2181961"/>
+              </a:xfrm>
+              <a:prstGeom prst="rect">
+                <a:avLst/>
+              </a:prstGeom>
+              <a:noFill/>
+              <a:ln>
+                <a:noFill/>
+              </a:ln>
+            </p:spPr>
+            <p:txBody>
+              <a:bodyPr spcFirstLastPara="1" wrap="square" lIns="91425" tIns="91425" rIns="91425" bIns="91425" anchor="t" anchorCtr="0">
+                <a:noAutofit/>
+              </a:bodyPr>
+              <a:lstStyle>
+                <a:defPPr marR="0" lvl="0" algn="l" rtl="0">
+                  <a:lnSpc>
+                    <a:spcPct val="100000"/>
+                  </a:lnSpc>
+                  <a:spcBef>
+                    <a:spcPts val="0"/>
+                  </a:spcBef>
+                  <a:spcAft>
+                    <a:spcPts val="0"/>
+                  </a:spcAft>
+                </a:defPPr>
+                <a:lvl1pPr marL="457200" marR="0" lvl="0" indent="-342900" algn="l" rtl="0">
+                  <a:lnSpc>
+                    <a:spcPct val="115000"/>
+                  </a:lnSpc>
+                  <a:spcBef>
+                    <a:spcPts val="0"/>
+                  </a:spcBef>
+                  <a:spcAft>
+                    <a:spcPts val="0"/>
+                  </a:spcAft>
+                  <a:buClr>
+                    <a:srgbClr val="000000"/>
+                  </a:buClr>
+                  <a:buSzPts val="1800"/>
+                  <a:buFont typeface="Helvetica Neue Light"/>
+                  <a:buChar char="●"/>
+                  <a:defRPr sz="1800" b="0" i="0" u="none" strike="noStrike" cap="none">
+                    <a:solidFill>
+                      <a:srgbClr val="000000"/>
+                    </a:solidFill>
+                    <a:latin typeface="Helvetica Neue Light"/>
+                    <a:ea typeface="Helvetica Neue Light"/>
+                    <a:cs typeface="Helvetica Neue Light"/>
+                    <a:sym typeface="Helvetica Neue Light"/>
+                  </a:defRPr>
+                </a:lvl1pPr>
+                <a:lvl2pPr marL="914400" marR="0" lvl="1" indent="-317500" algn="l" rtl="0">
+                  <a:lnSpc>
+                    <a:spcPct val="115000"/>
+                  </a:lnSpc>
+                  <a:spcBef>
+                    <a:spcPts val="300"/>
+                  </a:spcBef>
+                  <a:spcAft>
+                    <a:spcPts val="0"/>
+                  </a:spcAft>
+                  <a:buClr>
+                    <a:srgbClr val="000000"/>
+                  </a:buClr>
+                  <a:buSzPts val="1400"/>
+                  <a:buFont typeface="Helvetica Neue Light"/>
+                  <a:buChar char="○"/>
+                  <a:defRPr sz="1400" b="0" i="0" u="none" strike="noStrike" cap="none">
+                    <a:solidFill>
+                      <a:srgbClr val="000000"/>
+                    </a:solidFill>
+                    <a:latin typeface="Helvetica Neue Light"/>
+                    <a:ea typeface="Helvetica Neue Light"/>
+                    <a:cs typeface="Helvetica Neue Light"/>
+                    <a:sym typeface="Helvetica Neue Light"/>
+                  </a:defRPr>
+                </a:lvl2pPr>
+                <a:lvl3pPr marL="1371600" marR="0" lvl="2" indent="-317500" algn="l" rtl="0">
+                  <a:lnSpc>
+                    <a:spcPct val="115000"/>
+                  </a:lnSpc>
+                  <a:spcBef>
+                    <a:spcPts val="1600"/>
+                  </a:spcBef>
+                  <a:spcAft>
+                    <a:spcPts val="0"/>
+                  </a:spcAft>
+                  <a:buClr>
+                    <a:srgbClr val="000000"/>
+                  </a:buClr>
+                  <a:buSzPts val="1400"/>
+                  <a:buFont typeface="Helvetica Neue Light"/>
+                  <a:buChar char="■"/>
+                  <a:defRPr sz="1400" b="0" i="0" u="none" strike="noStrike" cap="none">
+                    <a:solidFill>
+                      <a:srgbClr val="000000"/>
+                    </a:solidFill>
+                    <a:latin typeface="Helvetica Neue Light"/>
+                    <a:ea typeface="Helvetica Neue Light"/>
+                    <a:cs typeface="Helvetica Neue Light"/>
+                    <a:sym typeface="Helvetica Neue Light"/>
+                  </a:defRPr>
+                </a:lvl3pPr>
+                <a:lvl4pPr marL="1828800" marR="0" lvl="3" indent="-317500" algn="l" rtl="0">
+                  <a:lnSpc>
+                    <a:spcPct val="115000"/>
+                  </a:lnSpc>
+                  <a:spcBef>
+                    <a:spcPts val="1600"/>
+                  </a:spcBef>
+                  <a:spcAft>
+                    <a:spcPts val="0"/>
+                  </a:spcAft>
+                  <a:buClr>
+                    <a:srgbClr val="000000"/>
+                  </a:buClr>
+                  <a:buSzPts val="1400"/>
+                  <a:buFont typeface="Helvetica Neue Light"/>
+                  <a:buChar char="●"/>
+                  <a:defRPr sz="1400" b="0" i="0" u="none" strike="noStrike" cap="none">
+                    <a:solidFill>
+                      <a:srgbClr val="000000"/>
+                    </a:solidFill>
+                    <a:latin typeface="Helvetica Neue Light"/>
+                    <a:ea typeface="Helvetica Neue Light"/>
+                    <a:cs typeface="Helvetica Neue Light"/>
+                    <a:sym typeface="Helvetica Neue Light"/>
+                  </a:defRPr>
+                </a:lvl4pPr>
+                <a:lvl5pPr marL="2286000" marR="0" lvl="4" indent="-317500" algn="l" rtl="0">
+                  <a:lnSpc>
+                    <a:spcPct val="115000"/>
+                  </a:lnSpc>
+                  <a:spcBef>
+                    <a:spcPts val="1600"/>
+                  </a:spcBef>
+                  <a:spcAft>
+                    <a:spcPts val="0"/>
+                  </a:spcAft>
+                  <a:buClr>
+                    <a:srgbClr val="000000"/>
+                  </a:buClr>
+                  <a:buSzPts val="1400"/>
+                  <a:buFont typeface="Helvetica Neue Light"/>
+                  <a:buChar char="○"/>
+                  <a:defRPr sz="1400" b="0" i="0" u="none" strike="noStrike" cap="none">
+                    <a:solidFill>
+                      <a:srgbClr val="000000"/>
+                    </a:solidFill>
+                    <a:latin typeface="Helvetica Neue Light"/>
+                    <a:ea typeface="Helvetica Neue Light"/>
+                    <a:cs typeface="Helvetica Neue Light"/>
+                    <a:sym typeface="Helvetica Neue Light"/>
+                  </a:defRPr>
+                </a:lvl5pPr>
+                <a:lvl6pPr marL="2743200" marR="0" lvl="5" indent="-317500" algn="l" rtl="0">
+                  <a:lnSpc>
+                    <a:spcPct val="115000"/>
+                  </a:lnSpc>
+                  <a:spcBef>
+                    <a:spcPts val="1600"/>
+                  </a:spcBef>
+                  <a:spcAft>
+                    <a:spcPts val="0"/>
+                  </a:spcAft>
+                  <a:buClr>
+                    <a:srgbClr val="000000"/>
+                  </a:buClr>
+                  <a:buSzPts val="1400"/>
+                  <a:buFont typeface="Helvetica Neue Light"/>
+                  <a:buChar char="■"/>
+                  <a:defRPr sz="1400" b="0" i="0" u="none" strike="noStrike" cap="none">
+                    <a:solidFill>
+                      <a:srgbClr val="000000"/>
+                    </a:solidFill>
+                    <a:latin typeface="Helvetica Neue Light"/>
+                    <a:ea typeface="Helvetica Neue Light"/>
+                    <a:cs typeface="Helvetica Neue Light"/>
+                    <a:sym typeface="Helvetica Neue Light"/>
+                  </a:defRPr>
+                </a:lvl6pPr>
+                <a:lvl7pPr marL="3200400" marR="0" lvl="6" indent="-317500" algn="l" rtl="0">
+                  <a:lnSpc>
+                    <a:spcPct val="115000"/>
+                  </a:lnSpc>
+                  <a:spcBef>
+                    <a:spcPts val="1600"/>
+                  </a:spcBef>
+                  <a:spcAft>
+                    <a:spcPts val="0"/>
+                  </a:spcAft>
+                  <a:buClr>
+                    <a:srgbClr val="000000"/>
+                  </a:buClr>
+                  <a:buSzPts val="1400"/>
+                  <a:buFont typeface="Helvetica Neue Light"/>
+                  <a:buChar char="●"/>
+                  <a:defRPr sz="1400" b="0" i="0" u="none" strike="noStrike" cap="none">
+                    <a:solidFill>
+                      <a:srgbClr val="000000"/>
+                    </a:solidFill>
+                    <a:latin typeface="Helvetica Neue Light"/>
+                    <a:ea typeface="Helvetica Neue Light"/>
+                    <a:cs typeface="Helvetica Neue Light"/>
+                    <a:sym typeface="Helvetica Neue Light"/>
+                  </a:defRPr>
+                </a:lvl7pPr>
+                <a:lvl8pPr marL="3657600" marR="0" lvl="7" indent="-317500" algn="l" rtl="0">
+                  <a:lnSpc>
+                    <a:spcPct val="115000"/>
+                  </a:lnSpc>
+                  <a:spcBef>
+                    <a:spcPts val="1600"/>
+                  </a:spcBef>
+                  <a:spcAft>
+                    <a:spcPts val="0"/>
+                  </a:spcAft>
+                  <a:buClr>
+                    <a:srgbClr val="000000"/>
+                  </a:buClr>
+                  <a:buSzPts val="1400"/>
+                  <a:buFont typeface="Helvetica Neue Light"/>
+                  <a:buChar char="○"/>
+                  <a:defRPr sz="1400" b="0" i="0" u="none" strike="noStrike" cap="none">
+                    <a:solidFill>
+                      <a:srgbClr val="000000"/>
+                    </a:solidFill>
+                    <a:latin typeface="Helvetica Neue Light"/>
+                    <a:ea typeface="Helvetica Neue Light"/>
+                    <a:cs typeface="Helvetica Neue Light"/>
+                    <a:sym typeface="Helvetica Neue Light"/>
+                  </a:defRPr>
+                </a:lvl8pPr>
+                <a:lvl9pPr marL="4114800" marR="0" lvl="8" indent="-317500" algn="l" rtl="0">
+                  <a:lnSpc>
+                    <a:spcPct val="115000"/>
+                  </a:lnSpc>
+                  <a:spcBef>
+                    <a:spcPts val="1600"/>
+                  </a:spcBef>
+                  <a:spcAft>
+                    <a:spcPts val="1600"/>
+                  </a:spcAft>
+                  <a:buClr>
+                    <a:srgbClr val="000000"/>
+                  </a:buClr>
+                  <a:buSzPts val="1400"/>
+                  <a:buFont typeface="Helvetica Neue Light"/>
+                  <a:buChar char="■"/>
+                  <a:defRPr sz="1400" b="0" i="0" u="none" strike="noStrike" cap="none">
+                    <a:solidFill>
+                      <a:srgbClr val="000000"/>
+                    </a:solidFill>
+                    <a:latin typeface="Helvetica Neue Light"/>
+                    <a:ea typeface="Helvetica Neue Light"/>
+                    <a:cs typeface="Helvetica Neue Light"/>
+                    <a:sym typeface="Helvetica Neue Light"/>
+                  </a:defRPr>
+                </a:lvl9pPr>
+              </a:lstStyle>
+              <a:p>
+                <a:pPr marL="114300" indent="0">
+                  <a:buNone/>
+                </a:pPr>
+                <a:r>
+                  <a:rPr lang="en-US" sz="1100" b="1" dirty="0">
+                    <a:latin typeface="Times New Roman" panose="02020603050405020304" pitchFamily="18" charset="0"/>
+                    <a:cs typeface="Times New Roman" panose="02020603050405020304" pitchFamily="18" charset="0"/>
+                  </a:rPr>
+                  <a:t>Goal: </a:t>
+                </a:r>
+                <a:r>
+                  <a:rPr lang="en-US" sz="1100" dirty="0">
+                    <a:latin typeface="Times New Roman" panose="02020603050405020304" pitchFamily="18" charset="0"/>
+                    <a:cs typeface="Times New Roman" panose="02020603050405020304" pitchFamily="18" charset="0"/>
+                  </a:rPr>
+                  <a:t>interact in environment to grow proficiency</a:t>
+                </a:r>
+                <a:r>
+                  <a:rPr lang="en-US" sz="1100" b="1" dirty="0">
+                    <a:latin typeface="Times New Roman" panose="02020603050405020304" pitchFamily="18" charset="0"/>
+                    <a:cs typeface="Times New Roman" panose="02020603050405020304" pitchFamily="18" charset="0"/>
+                  </a:rPr>
+                  <a:t> </a:t>
+                </a:r>
+              </a:p>
+              <a:p>
+                <a:r>
+                  <a:rPr lang="en-US" sz="1100" dirty="0">
+                    <a:latin typeface="Times New Roman" panose="02020603050405020304" pitchFamily="18" charset="0"/>
+                    <a:cs typeface="Times New Roman" panose="02020603050405020304" pitchFamily="18" charset="0"/>
+                  </a:rPr>
+                  <a:t>LLM iteratively propose task</a:t>
+                </a:r>
+              </a:p>
+              <a:p>
+                <a:pPr lvl="1"/>
+                <a:r>
+                  <a:rPr lang="en-US" sz="1100" dirty="0">
+                    <a:latin typeface="Times New Roman" panose="02020603050405020304" pitchFamily="18" charset="0"/>
+                    <a:cs typeface="Times New Roman" panose="02020603050405020304" pitchFamily="18" charset="0"/>
+                  </a:rPr>
+                  <a:t>Based on demonstration </a:t>
+                </a:r>
+                <a14:m>
+                  <m:oMath xmlns:m="http://schemas.openxmlformats.org/officeDocument/2006/math">
+                    <m:sSub>
+                      <m:sSubPr>
+                        <m:ctrlPr>
+                          <a:rPr lang="en-US" sz="1100" b="0" i="1" smtClean="0">
+                            <a:latin typeface="Cambria Math" panose="02040503050406030204" pitchFamily="18" charset="0"/>
+                            <a:cs typeface="Times New Roman" panose="02020603050405020304" pitchFamily="18" charset="0"/>
+                          </a:rPr>
+                        </m:ctrlPr>
+                      </m:sSubPr>
+                      <m:e>
+                        <m:r>
+                          <a:rPr lang="en-US" sz="1100" b="0" i="1" smtClean="0">
+                            <a:latin typeface="Cambria Math" panose="02040503050406030204" pitchFamily="18" charset="0"/>
+                            <a:cs typeface="Times New Roman" panose="02020603050405020304" pitchFamily="18" charset="0"/>
+                          </a:rPr>
+                          <m:t>𝑋</m:t>
+                        </m:r>
+                      </m:e>
+                      <m:sub>
+                        <m:r>
+                          <a:rPr lang="en-US" sz="1100" b="0" i="1" smtClean="0">
+                            <a:latin typeface="Cambria Math" panose="02040503050406030204" pitchFamily="18" charset="0"/>
+                            <a:cs typeface="Times New Roman" panose="02020603050405020304" pitchFamily="18" charset="0"/>
+                          </a:rPr>
+                          <m:t>𝑡</m:t>
+                        </m:r>
+                      </m:sub>
+                    </m:sSub>
+                  </m:oMath>
+                </a14:m>
+                <a:r>
+                  <a:rPr lang="en-US" sz="1100" dirty="0">
+                    <a:latin typeface="Times New Roman" panose="02020603050405020304" pitchFamily="18" charset="0"/>
+                    <a:cs typeface="Times New Roman" panose="02020603050405020304" pitchFamily="18" charset="0"/>
+                  </a:rPr>
+                  <a:t>, current memory state </a:t>
+                </a:r>
+                <a14:m>
+                  <m:oMath xmlns:m="http://schemas.openxmlformats.org/officeDocument/2006/math">
+                    <m:sSub>
+                      <m:sSubPr>
+                        <m:ctrlPr>
+                          <a:rPr lang="en-US" sz="1100" i="1">
+                            <a:latin typeface="Cambria Math" panose="02040503050406030204" pitchFamily="18" charset="0"/>
+                            <a:cs typeface="Times New Roman" panose="02020603050405020304" pitchFamily="18" charset="0"/>
+                          </a:rPr>
+                        </m:ctrlPr>
+                      </m:sSubPr>
+                      <m:e>
+                        <m:r>
+                          <a:rPr lang="en-US" sz="1100" b="0" i="1" smtClean="0">
+                            <a:latin typeface="Cambria Math" panose="02040503050406030204" pitchFamily="18" charset="0"/>
+                            <a:cs typeface="Times New Roman" panose="02020603050405020304" pitchFamily="18" charset="0"/>
+                          </a:rPr>
+                          <m:t>𝑀</m:t>
+                        </m:r>
+                      </m:e>
+                      <m:sub>
+                        <m:r>
+                          <a:rPr lang="en-US" sz="1100" i="1">
+                            <a:latin typeface="Cambria Math" panose="02040503050406030204" pitchFamily="18" charset="0"/>
+                            <a:cs typeface="Times New Roman" panose="02020603050405020304" pitchFamily="18" charset="0"/>
+                          </a:rPr>
+                          <m:t>𝑡</m:t>
+                        </m:r>
+                      </m:sub>
+                    </m:sSub>
+                  </m:oMath>
+                </a14:m>
+                <a:r>
+                  <a:rPr lang="en-US" sz="1100" dirty="0">
+                    <a:latin typeface="Times New Roman" panose="02020603050405020304" pitchFamily="18" charset="0"/>
+                    <a:cs typeface="Times New Roman" panose="02020603050405020304" pitchFamily="18" charset="0"/>
+                  </a:rPr>
+                  <a:t>, and hints </a:t>
+                </a:r>
+                <a14:m>
+                  <m:oMath xmlns:m="http://schemas.openxmlformats.org/officeDocument/2006/math">
+                    <m:sSub>
+                      <m:sSubPr>
+                        <m:ctrlPr>
+                          <a:rPr lang="en-US" sz="1100" i="1">
+                            <a:latin typeface="Cambria Math" panose="02040503050406030204" pitchFamily="18" charset="0"/>
+                            <a:cs typeface="Times New Roman" panose="02020603050405020304" pitchFamily="18" charset="0"/>
+                          </a:rPr>
+                        </m:ctrlPr>
+                      </m:sSubPr>
+                      <m:e>
+                        <m:r>
+                          <a:rPr lang="en-US" sz="1100" b="0" i="1" smtClean="0">
+                            <a:latin typeface="Cambria Math" panose="02040503050406030204" pitchFamily="18" charset="0"/>
+                            <a:cs typeface="Times New Roman" panose="02020603050405020304" pitchFamily="18" charset="0"/>
+                          </a:rPr>
+                          <m:t>𝐺</m:t>
+                        </m:r>
+                      </m:e>
+                      <m:sub>
+                        <m:r>
+                          <a:rPr lang="en-US" sz="1100" b="0" i="1" smtClean="0">
+                            <a:latin typeface="Cambria Math" panose="02040503050406030204" pitchFamily="18" charset="0"/>
+                            <a:cs typeface="Times New Roman" panose="02020603050405020304" pitchFamily="18" charset="0"/>
+                          </a:rPr>
+                          <m:t>𝑡</m:t>
+                        </m:r>
+                      </m:sub>
+                    </m:sSub>
+                  </m:oMath>
+                </a14:m>
+                <a:endParaRPr lang="en-US" sz="1100" dirty="0">
+                  <a:latin typeface="Times New Roman" panose="02020603050405020304" pitchFamily="18" charset="0"/>
+                  <a:cs typeface="Times New Roman" panose="02020603050405020304" pitchFamily="18" charset="0"/>
+                </a:endParaRPr>
+              </a:p>
+              <a:p>
+                <a:r>
+                  <a:rPr lang="en-US" sz="1100" dirty="0">
+                    <a:latin typeface="Times New Roman" panose="02020603050405020304" pitchFamily="18" charset="0"/>
+                    <a:cs typeface="Times New Roman" panose="02020603050405020304" pitchFamily="18" charset="0"/>
+                  </a:rPr>
+                  <a:t>Proposed tasks are executed and verified in simulator</a:t>
+                </a:r>
+              </a:p>
+              <a:p>
+                <a:pPr lvl="1"/>
+                <a:r>
+                  <a:rPr lang="en-US" sz="1100" dirty="0">
+                    <a:latin typeface="Times New Roman" panose="02020603050405020304" pitchFamily="18" charset="0"/>
+                    <a:cs typeface="Times New Roman" panose="02020603050405020304" pitchFamily="18" charset="0"/>
+                  </a:rPr>
+                  <a:t>Successful =&gt; appended to memory</a:t>
+                </a:r>
+              </a:p>
+              <a:p>
+                <a:r>
+                  <a:rPr lang="en-US" sz="1100" dirty="0">
+                    <a:latin typeface="Times New Roman" panose="02020603050405020304" pitchFamily="18" charset="0"/>
+                    <a:cs typeface="Times New Roman" panose="02020603050405020304" pitchFamily="18" charset="0"/>
+                  </a:rPr>
+                  <a:t>Repeated until iteration threshold or completed objective denoted in hints</a:t>
+                </a:r>
+              </a:p>
+              <a:p>
+                <a:pPr lvl="1"/>
+                <a:r>
+                  <a:rPr lang="en-US" sz="1100" dirty="0">
+                    <a:latin typeface="Times New Roman" panose="02020603050405020304" pitchFamily="18" charset="0"/>
+                    <a:cs typeface="Times New Roman" panose="02020603050405020304" pitchFamily="18" charset="0"/>
+                  </a:rPr>
+                  <a:t>stored in replay buffer </a:t>
+                </a:r>
+                <a14:m>
+                  <m:oMath xmlns:m="http://schemas.openxmlformats.org/officeDocument/2006/math">
+                    <m:sSub>
+                      <m:sSubPr>
+                        <m:ctrlPr>
+                          <a:rPr lang="en-US" sz="1100" b="0" i="1" smtClean="0">
+                            <a:latin typeface="Cambria Math" panose="02040503050406030204" pitchFamily="18" charset="0"/>
+                            <a:cs typeface="Times New Roman" panose="02020603050405020304" pitchFamily="18" charset="0"/>
+                          </a:rPr>
+                        </m:ctrlPr>
+                      </m:sSubPr>
+                      <m:e>
+                        <m:r>
+                          <a:rPr lang="en-US" sz="1100" b="0" i="1" smtClean="0">
+                            <a:latin typeface="Cambria Math" panose="02040503050406030204" pitchFamily="18" charset="0"/>
+                            <a:cs typeface="Times New Roman" panose="02020603050405020304" pitchFamily="18" charset="0"/>
+                          </a:rPr>
+                          <m:t>𝐵</m:t>
+                        </m:r>
+                      </m:e>
+                      <m:sub>
+                        <m:r>
+                          <a:rPr lang="en-US" sz="1100" b="0" i="1" smtClean="0">
+                            <a:latin typeface="Cambria Math" panose="02040503050406030204" pitchFamily="18" charset="0"/>
+                            <a:cs typeface="Times New Roman" panose="02020603050405020304" pitchFamily="18" charset="0"/>
+                          </a:rPr>
+                          <m:t>𝑡</m:t>
+                        </m:r>
+                      </m:sub>
+                    </m:sSub>
+                    <m:r>
+                      <a:rPr lang="en-US" sz="1100" b="0" i="1" smtClean="0">
+                        <a:latin typeface="Cambria Math" panose="02040503050406030204" pitchFamily="18" charset="0"/>
+                        <a:cs typeface="Times New Roman" panose="02020603050405020304" pitchFamily="18" charset="0"/>
+                      </a:rPr>
+                      <m:t>=</m:t>
+                    </m:r>
+                    <m:d>
+                      <m:dPr>
+                        <m:begChr m:val="{"/>
+                        <m:endChr m:val="|"/>
+                        <m:ctrlPr>
+                          <a:rPr lang="en-US" sz="1100" b="0" i="1" smtClean="0">
+                            <a:latin typeface="Cambria Math" panose="02040503050406030204" pitchFamily="18" charset="0"/>
+                            <a:cs typeface="Times New Roman" panose="02020603050405020304" pitchFamily="18" charset="0"/>
+                          </a:rPr>
+                        </m:ctrlPr>
+                      </m:dPr>
+                      <m:e>
+                        <m:r>
+                          <a:rPr lang="en-US" sz="1100" b="0" i="1" smtClean="0">
+                            <a:latin typeface="Cambria Math" panose="02040503050406030204" pitchFamily="18" charset="0"/>
+                            <a:cs typeface="Times New Roman" panose="02020603050405020304" pitchFamily="18" charset="0"/>
+                          </a:rPr>
+                          <m:t>&lt;</m:t>
+                        </m:r>
+                        <m:sSub>
+                          <m:sSubPr>
+                            <m:ctrlPr>
+                              <a:rPr lang="en-US" sz="1100" b="0" i="1" smtClean="0">
+                                <a:latin typeface="Cambria Math" panose="02040503050406030204" pitchFamily="18" charset="0"/>
+                                <a:cs typeface="Times New Roman" panose="02020603050405020304" pitchFamily="18" charset="0"/>
+                              </a:rPr>
+                            </m:ctrlPr>
+                          </m:sSubPr>
+                          <m:e>
+                            <m:r>
+                              <a:rPr lang="en-US" sz="1100" b="0" i="1" smtClean="0">
+                                <a:latin typeface="Cambria Math" panose="02040503050406030204" pitchFamily="18" charset="0"/>
+                                <a:cs typeface="Times New Roman" panose="02020603050405020304" pitchFamily="18" charset="0"/>
+                              </a:rPr>
+                              <m:t>𝑠</m:t>
+                            </m:r>
+                          </m:e>
+                          <m:sub>
+                            <m:r>
+                              <a:rPr lang="en-US" sz="1100" b="0" i="1" smtClean="0">
+                                <a:latin typeface="Cambria Math" panose="02040503050406030204" pitchFamily="18" charset="0"/>
+                                <a:cs typeface="Times New Roman" panose="02020603050405020304" pitchFamily="18" charset="0"/>
+                              </a:rPr>
+                              <m:t>0,</m:t>
+                            </m:r>
+                            <m:r>
+                              <a:rPr lang="en-US" sz="1100" b="0" i="1" smtClean="0">
+                                <a:latin typeface="Cambria Math" panose="02040503050406030204" pitchFamily="18" charset="0"/>
+                                <a:cs typeface="Times New Roman" panose="02020603050405020304" pitchFamily="18" charset="0"/>
+                              </a:rPr>
+                              <m:t>𝑘</m:t>
+                            </m:r>
+                          </m:sub>
+                        </m:sSub>
+                        <m:r>
+                          <a:rPr lang="en-US" sz="1100" b="0" i="1" smtClean="0">
+                            <a:latin typeface="Cambria Math" panose="02040503050406030204" pitchFamily="18" charset="0"/>
+                            <a:cs typeface="Times New Roman" panose="02020603050405020304" pitchFamily="18" charset="0"/>
+                          </a:rPr>
+                          <m:t>, </m:t>
+                        </m:r>
+                        <m:sSub>
+                          <m:sSubPr>
+                            <m:ctrlPr>
+                              <a:rPr lang="en-US" sz="1100" b="0" i="1" smtClean="0">
+                                <a:latin typeface="Cambria Math" panose="02040503050406030204" pitchFamily="18" charset="0"/>
+                                <a:cs typeface="Times New Roman" panose="02020603050405020304" pitchFamily="18" charset="0"/>
+                              </a:rPr>
+                            </m:ctrlPr>
+                          </m:sSubPr>
+                          <m:e>
+                            <m:r>
+                              <a:rPr lang="en-US" sz="1100" b="0" i="1" smtClean="0">
+                                <a:latin typeface="Cambria Math" panose="02040503050406030204" pitchFamily="18" charset="0"/>
+                                <a:cs typeface="Times New Roman" panose="02020603050405020304" pitchFamily="18" charset="0"/>
+                              </a:rPr>
+                              <m:t>𝑙</m:t>
+                            </m:r>
+                          </m:e>
+                          <m:sub>
+                            <m:r>
+                              <a:rPr lang="en-US" sz="1100" b="0" i="1" smtClean="0">
+                                <a:latin typeface="Cambria Math" panose="02040503050406030204" pitchFamily="18" charset="0"/>
+                                <a:cs typeface="Times New Roman" panose="02020603050405020304" pitchFamily="18" charset="0"/>
+                              </a:rPr>
+                              <m:t>𝑘</m:t>
+                            </m:r>
+                          </m:sub>
+                        </m:sSub>
+                        <m:r>
+                          <a:rPr lang="en-US" sz="1100" b="0" i="1" smtClean="0">
+                            <a:latin typeface="Cambria Math" panose="02040503050406030204" pitchFamily="18" charset="0"/>
+                            <a:cs typeface="Times New Roman" panose="02020603050405020304" pitchFamily="18" charset="0"/>
+                          </a:rPr>
+                          <m:t>, </m:t>
+                        </m:r>
+                        <m:sSub>
+                          <m:sSubPr>
+                            <m:ctrlPr>
+                              <a:rPr lang="en-US" sz="1100" b="0" i="1" smtClean="0">
+                                <a:latin typeface="Cambria Math" panose="02040503050406030204" pitchFamily="18" charset="0"/>
+                                <a:cs typeface="Times New Roman" panose="02020603050405020304" pitchFamily="18" charset="0"/>
+                              </a:rPr>
+                            </m:ctrlPr>
+                          </m:sSubPr>
+                          <m:e>
+                            <m:r>
+                              <a:rPr lang="en-US" sz="1100" b="0" i="1" smtClean="0">
+                                <a:latin typeface="Cambria Math" panose="02040503050406030204" pitchFamily="18" charset="0"/>
+                                <a:cs typeface="Times New Roman" panose="02020603050405020304" pitchFamily="18" charset="0"/>
+                              </a:rPr>
+                              <m:t>𝑎</m:t>
+                            </m:r>
+                          </m:e>
+                          <m:sub>
+                            <m:r>
+                              <a:rPr lang="en-US" sz="1100" b="0" i="1" smtClean="0">
+                                <a:latin typeface="Cambria Math" panose="02040503050406030204" pitchFamily="18" charset="0"/>
+                                <a:cs typeface="Times New Roman" panose="02020603050405020304" pitchFamily="18" charset="0"/>
+                              </a:rPr>
+                              <m:t>𝑘</m:t>
+                            </m:r>
+                          </m:sub>
+                        </m:sSub>
+                        <m:r>
+                          <a:rPr lang="en-US" sz="1100" b="0" i="1" smtClean="0">
+                            <a:latin typeface="Cambria Math" panose="02040503050406030204" pitchFamily="18" charset="0"/>
+                            <a:cs typeface="Times New Roman" panose="02020603050405020304" pitchFamily="18" charset="0"/>
+                          </a:rPr>
+                          <m:t>, </m:t>
+                        </m:r>
+                        <m:sSub>
+                          <m:sSubPr>
+                            <m:ctrlPr>
+                              <a:rPr lang="en-US" sz="1100" b="0" i="1" smtClean="0">
+                                <a:latin typeface="Cambria Math" panose="02040503050406030204" pitchFamily="18" charset="0"/>
+                                <a:cs typeface="Times New Roman" panose="02020603050405020304" pitchFamily="18" charset="0"/>
+                              </a:rPr>
+                            </m:ctrlPr>
+                          </m:sSubPr>
+                          <m:e>
+                            <m:r>
+                              <a:rPr lang="en-US" sz="1100" b="0" i="1" smtClean="0">
+                                <a:latin typeface="Cambria Math" panose="02040503050406030204" pitchFamily="18" charset="0"/>
+                                <a:cs typeface="Times New Roman" panose="02020603050405020304" pitchFamily="18" charset="0"/>
+                              </a:rPr>
+                              <m:t>𝑟</m:t>
+                            </m:r>
+                          </m:e>
+                          <m:sub>
+                            <m:r>
+                              <a:rPr lang="en-US" sz="1100" b="0" i="1" smtClean="0">
+                                <a:latin typeface="Cambria Math" panose="02040503050406030204" pitchFamily="18" charset="0"/>
+                                <a:cs typeface="Times New Roman" panose="02020603050405020304" pitchFamily="18" charset="0"/>
+                              </a:rPr>
+                              <m:t>𝑘</m:t>
+                            </m:r>
+                          </m:sub>
+                        </m:sSub>
+                      </m:e>
+                    </m:d>
+                    <m:r>
+                      <a:rPr lang="en-US" sz="1100" b="0" i="1" smtClean="0">
+                        <a:latin typeface="Cambria Math" panose="02040503050406030204" pitchFamily="18" charset="0"/>
+                        <a:cs typeface="Times New Roman" panose="02020603050405020304" pitchFamily="18" charset="0"/>
+                      </a:rPr>
+                      <m:t> </m:t>
+                    </m:r>
+                    <m:sSub>
+                      <m:sSubPr>
+                        <m:ctrlPr>
+                          <a:rPr lang="en-US" sz="1100" b="0" i="1" smtClean="0">
+                            <a:latin typeface="Cambria Math" panose="02040503050406030204" pitchFamily="18" charset="0"/>
+                            <a:cs typeface="Times New Roman" panose="02020603050405020304" pitchFamily="18" charset="0"/>
+                          </a:rPr>
+                        </m:ctrlPr>
+                      </m:sSubPr>
+                      <m:e>
+                        <m:r>
+                          <a:rPr lang="en-US" sz="1100" b="0" i="1" smtClean="0">
+                            <a:latin typeface="Cambria Math" panose="02040503050406030204" pitchFamily="18" charset="0"/>
+                            <a:cs typeface="Times New Roman" panose="02020603050405020304" pitchFamily="18" charset="0"/>
+                          </a:rPr>
+                          <m:t>𝑟</m:t>
+                        </m:r>
+                      </m:e>
+                      <m:sub>
+                        <m:r>
+                          <a:rPr lang="en-US" sz="1100" b="0" i="1" smtClean="0">
+                            <a:latin typeface="Cambria Math" panose="02040503050406030204" pitchFamily="18" charset="0"/>
+                            <a:cs typeface="Times New Roman" panose="02020603050405020304" pitchFamily="18" charset="0"/>
+                          </a:rPr>
+                          <m:t>𝑘</m:t>
+                        </m:r>
+                      </m:sub>
+                    </m:sSub>
+                    <m:r>
+                      <a:rPr lang="en-US" sz="1100" b="0" i="1" smtClean="0">
+                        <a:latin typeface="Cambria Math" panose="02040503050406030204" pitchFamily="18" charset="0"/>
+                        <a:cs typeface="Times New Roman" panose="02020603050405020304" pitchFamily="18" charset="0"/>
+                      </a:rPr>
+                      <m:t>=1&gt;}</m:t>
+                    </m:r>
+                  </m:oMath>
+                </a14:m>
+                <a:endParaRPr lang="en-US" sz="1100" dirty="0">
+                  <a:latin typeface="Times New Roman" panose="02020603050405020304" pitchFamily="18" charset="0"/>
+                  <a:cs typeface="Times New Roman" panose="02020603050405020304" pitchFamily="18" charset="0"/>
+                </a:endParaRPr>
+              </a:p>
+            </p:txBody>
+          </p:sp>
+        </mc:Choice>
+        <mc:Fallback>
+          <p:sp>
+            <p:nvSpPr>
+              <p:cNvPr id="12" name="Text Placeholder 10">
+                <a:extLst>
+                  <a:ext uri="{FF2B5EF4-FFF2-40B4-BE49-F238E27FC236}">
+                    <a16:creationId xmlns:a16="http://schemas.microsoft.com/office/drawing/2014/main" id="{F68E4C48-5126-6730-3B21-A7A83F0BE05C}"/>
+                  </a:ext>
+                </a:extLst>
+              </p:cNvPr>
+              <p:cNvSpPr txBox="1">
+                <a:spLocks noRot="1" noChangeAspect="1" noMove="1" noResize="1" noEditPoints="1" noAdjustHandles="1" noChangeArrowheads="1" noChangeShapeType="1" noTextEdit="1"/>
+              </p:cNvSpPr>
+              <p:nvPr/>
+            </p:nvSpPr>
+            <p:spPr>
+              <a:xfrm>
+                <a:off x="227276" y="2745237"/>
+                <a:ext cx="8640429" cy="2181961"/>
+              </a:xfrm>
+              <a:prstGeom prst="rect">
+                <a:avLst/>
+              </a:prstGeom>
+              <a:blipFill>
+                <a:blip r:embed="rId3"/>
+                <a:stretch>
+                  <a:fillRect/>
+                </a:stretch>
+              </a:blipFill>
+              <a:ln>
+                <a:noFill/>
+              </a:ln>
+            </p:spPr>
+            <p:txBody>
+              <a:bodyPr/>
+              <a:lstStyle/>
+              <a:p>
+                <a:r>
+                  <a:rPr lang="en-US">
+                    <a:noFill/>
+                  </a:rPr>
+                  <a:t> </a:t>
+                </a:r>
+              </a:p>
+            </p:txBody>
+          </p:sp>
+        </mc:Fallback>
+      </mc:AlternateContent>
+    </p:spTree>
+    <p:extLst>
+      <p:ext uri="{BB962C8B-B14F-4D97-AF65-F5344CB8AC3E}">
+        <p14:creationId xmlns:p14="http://schemas.microsoft.com/office/powerpoint/2010/main" val="2759867945"/>
+      </p:ext>
+    </p:extLst>
+  </p:cSld>
+  <p:clrMapOvr>
+    <a:masterClrMapping/>
+  </p:clrMapOvr>
+</p:sld>
+</file>
+
+<file path=ppt/slides/slide12.xml><?xml version="1.0" encoding="utf-8"?>
+<p:sld xmlns:a="http://schemas.openxmlformats.org/drawingml/2006/main" xmlns:r="http://schemas.openxmlformats.org/officeDocument/2006/relationships" xmlns:p="http://schemas.openxmlformats.org/presentationml/2006/main">
+  <p:cSld>
+    <p:spTree>
+      <p:nvGrpSpPr>
+        <p:cNvPr id="1" name=""/>
+        <p:cNvGrpSpPr/>
+        <p:nvPr/>
+      </p:nvGrpSpPr>
+      <p:grpSpPr>
+        <a:xfrm>
+          <a:off x="0" y="0"/>
+          <a:ext cx="0" cy="0"/>
+          <a:chOff x="0" y="0"/>
+          <a:chExt cx="0" cy="0"/>
+        </a:xfrm>
+      </p:grpSpPr>
+      <p:sp>
+        <p:nvSpPr>
+          <p:cNvPr id="2" name="Title 1">
+            <a:extLst>
+              <a:ext uri="{FF2B5EF4-FFF2-40B4-BE49-F238E27FC236}">
+                <a16:creationId xmlns:a16="http://schemas.microsoft.com/office/drawing/2014/main" id="{91F313CF-3BA8-3908-350D-76C3C3E9EFE2}"/>
+              </a:ext>
+            </a:extLst>
+          </p:cNvPr>
+          <p:cNvSpPr>
+            <a:spLocks noGrp="1"/>
+          </p:cNvSpPr>
+          <p:nvPr>
+            <p:ph type="title"/>
+          </p:nvPr>
+        </p:nvSpPr>
+        <p:spPr/>
+        <p:txBody>
+          <a:bodyPr/>
+          <a:lstStyle/>
+          <a:p>
+            <a:r>
+              <a:rPr lang="en-US" dirty="0"/>
+              <a:t>II. How LRLL works?</a:t>
+            </a:r>
+          </a:p>
+        </p:txBody>
+      </p:sp>
+      <p:sp>
+        <p:nvSpPr>
+          <p:cNvPr id="4" name="Slide Number Placeholder 3">
+            <a:extLst>
+              <a:ext uri="{FF2B5EF4-FFF2-40B4-BE49-F238E27FC236}">
+                <a16:creationId xmlns:a16="http://schemas.microsoft.com/office/drawing/2014/main" id="{2931AD7A-CACA-C1CD-6BF0-FEEB395F79B4}"/>
+              </a:ext>
+            </a:extLst>
+          </p:cNvPr>
+          <p:cNvSpPr>
+            <a:spLocks noGrp="1"/>
+          </p:cNvSpPr>
+          <p:nvPr>
+            <p:ph type="sldNum" idx="12"/>
+          </p:nvPr>
+        </p:nvSpPr>
+        <p:spPr/>
+        <p:txBody>
+          <a:bodyPr/>
+          <a:lstStyle/>
+          <a:p>
+            <a:pPr marL="0" lvl="0" indent="0" algn="r" rtl="0">
+              <a:spcBef>
+                <a:spcPts val="0"/>
+              </a:spcBef>
+              <a:spcAft>
+                <a:spcPts val="0"/>
+              </a:spcAft>
+              <a:buNone/>
+            </a:pPr>
+            <a:fld id="{00000000-1234-1234-1234-123412341234}" type="slidenum">
+              <a:rPr lang="en" smtClean="0"/>
+              <a:t>12</a:t>
+            </a:fld>
+            <a:endParaRPr lang="en"/>
+          </a:p>
+        </p:txBody>
+      </p:sp>
+      <p:sp>
+        <p:nvSpPr>
+          <p:cNvPr id="5" name="Slide Number Placeholder 4">
+            <a:extLst>
+              <a:ext uri="{FF2B5EF4-FFF2-40B4-BE49-F238E27FC236}">
+                <a16:creationId xmlns:a16="http://schemas.microsoft.com/office/drawing/2014/main" id="{526B02F4-FA15-8789-8ABE-CA48D7551F93}"/>
+              </a:ext>
+            </a:extLst>
+          </p:cNvPr>
+          <p:cNvSpPr>
+            <a:spLocks noGrp="1"/>
+          </p:cNvSpPr>
+          <p:nvPr>
+            <p:ph type="sldNum" idx="2"/>
+          </p:nvPr>
+        </p:nvSpPr>
+        <p:spPr/>
+        <p:txBody>
+          <a:bodyPr/>
+          <a:lstStyle/>
+          <a:p>
+            <a:pPr marL="0" lvl="0" indent="0" algn="r" rtl="0">
+              <a:spcBef>
+                <a:spcPts val="0"/>
+              </a:spcBef>
+              <a:spcAft>
+                <a:spcPts val="0"/>
+              </a:spcAft>
+              <a:buNone/>
+            </a:pPr>
+            <a:fld id="{00000000-1234-1234-1234-123412341234}" type="slidenum">
+              <a:rPr lang="en" smtClean="0"/>
+              <a:t>12</a:t>
+            </a:fld>
+            <a:endParaRPr lang="en"/>
+          </a:p>
+        </p:txBody>
+      </p:sp>
+      <p:pic>
+        <p:nvPicPr>
+          <p:cNvPr id="6" name="Picture 5">
+            <a:extLst>
+              <a:ext uri="{FF2B5EF4-FFF2-40B4-BE49-F238E27FC236}">
+                <a16:creationId xmlns:a16="http://schemas.microsoft.com/office/drawing/2014/main" id="{065AD4EC-B9CE-83D9-91DC-E45FB92C8CB1}"/>
+              </a:ext>
+            </a:extLst>
+          </p:cNvPr>
+          <p:cNvPicPr>
+            <a:picLocks noChangeAspect="1"/>
+          </p:cNvPicPr>
+          <p:nvPr/>
+        </p:nvPicPr>
+        <p:blipFill>
+          <a:blip r:embed="rId2"/>
+          <a:stretch>
+            <a:fillRect/>
+          </a:stretch>
+        </p:blipFill>
+        <p:spPr>
+          <a:xfrm>
+            <a:off x="3899145" y="932396"/>
+            <a:ext cx="5067661" cy="1554716"/>
+          </a:xfrm>
+          <a:prstGeom prst="rect">
+            <a:avLst/>
+          </a:prstGeom>
+        </p:spPr>
+      </p:pic>
+      <p:sp>
+        <p:nvSpPr>
+          <p:cNvPr id="7" name="TextBox 6">
+            <a:extLst>
+              <a:ext uri="{FF2B5EF4-FFF2-40B4-BE49-F238E27FC236}">
+                <a16:creationId xmlns:a16="http://schemas.microsoft.com/office/drawing/2014/main" id="{DCD2CA23-1FF5-C248-6034-172031DBC101}"/>
+              </a:ext>
+            </a:extLst>
+          </p:cNvPr>
+          <p:cNvSpPr txBox="1"/>
+          <p:nvPr/>
+        </p:nvSpPr>
+        <p:spPr>
+          <a:xfrm>
+            <a:off x="3899145" y="2402473"/>
+            <a:ext cx="3185810" cy="169277"/>
+          </a:xfrm>
+          <a:prstGeom prst="rect">
+            <a:avLst/>
+          </a:prstGeom>
+          <a:noFill/>
+        </p:spPr>
+        <p:txBody>
+          <a:bodyPr wrap="square" rtlCol="0">
+            <a:spAutoFit/>
+          </a:bodyPr>
+          <a:lstStyle/>
+          <a:p>
+            <a:r>
+              <a:rPr lang="en-US" sz="500" dirty="0"/>
+              <a:t>Image taken from figure 2 from </a:t>
+            </a:r>
+            <a:r>
+              <a:rPr lang="en-US" sz="500" dirty="0" err="1"/>
+              <a:t>Tziafas</a:t>
+            </a:r>
+            <a:r>
+              <a:rPr lang="en-US" sz="500" dirty="0"/>
+              <a:t> and </a:t>
+            </a:r>
+            <a:r>
+              <a:rPr lang="en-US" sz="500" dirty="0" err="1"/>
+              <a:t>Kasaei</a:t>
+            </a:r>
+            <a:r>
+              <a:rPr lang="en-US" sz="500" dirty="0"/>
+              <a:t>  </a:t>
+            </a:r>
+          </a:p>
+        </p:txBody>
+      </p:sp>
+      <p:sp>
+        <p:nvSpPr>
+          <p:cNvPr id="11" name="Text Placeholder 10">
+            <a:extLst>
+              <a:ext uri="{FF2B5EF4-FFF2-40B4-BE49-F238E27FC236}">
+                <a16:creationId xmlns:a16="http://schemas.microsoft.com/office/drawing/2014/main" id="{5E5DA92A-54B6-C74C-AE12-6E34C65A18D2}"/>
+              </a:ext>
+            </a:extLst>
+          </p:cNvPr>
+          <p:cNvSpPr>
+            <a:spLocks noGrp="1"/>
+          </p:cNvSpPr>
+          <p:nvPr>
+            <p:ph type="body" idx="1"/>
+          </p:nvPr>
+        </p:nvSpPr>
+        <p:spPr>
+          <a:xfrm>
+            <a:off x="1160316" y="1480251"/>
+            <a:ext cx="1734188" cy="459006"/>
+          </a:xfrm>
+        </p:spPr>
+        <p:txBody>
+          <a:bodyPr/>
+          <a:lstStyle/>
+          <a:p>
+            <a:pPr marL="114300" indent="0">
+              <a:buNone/>
+            </a:pPr>
+            <a:r>
+              <a:rPr lang="en-US" b="1" dirty="0">
+                <a:latin typeface="Times New Roman" panose="02020603050405020304" pitchFamily="18" charset="0"/>
+                <a:cs typeface="Times New Roman" panose="02020603050405020304" pitchFamily="18" charset="0"/>
+              </a:rPr>
+              <a:t>Sleep Phase</a:t>
+            </a:r>
+          </a:p>
+        </p:txBody>
+      </p:sp>
+      <mc:AlternateContent xmlns:mc="http://schemas.openxmlformats.org/markup-compatibility/2006">
+        <mc:Choice xmlns:a14="http://schemas.microsoft.com/office/drawing/2010/main" Requires="a14">
+          <p:sp>
+            <p:nvSpPr>
+              <p:cNvPr id="12" name="Text Placeholder 10">
+                <a:extLst>
+                  <a:ext uri="{FF2B5EF4-FFF2-40B4-BE49-F238E27FC236}">
+                    <a16:creationId xmlns:a16="http://schemas.microsoft.com/office/drawing/2014/main" id="{F68E4C48-5126-6730-3B21-A7A83F0BE05C}"/>
+                  </a:ext>
+                </a:extLst>
+              </p:cNvPr>
+              <p:cNvSpPr txBox="1">
+                <a:spLocks/>
+              </p:cNvSpPr>
+              <p:nvPr/>
+            </p:nvSpPr>
+            <p:spPr>
+              <a:xfrm>
+                <a:off x="251785" y="2661676"/>
+                <a:ext cx="8640429" cy="2487111"/>
+              </a:xfrm>
+              <a:prstGeom prst="rect">
+                <a:avLst/>
+              </a:prstGeom>
+              <a:noFill/>
+              <a:ln>
+                <a:noFill/>
+              </a:ln>
+            </p:spPr>
+            <p:txBody>
+              <a:bodyPr spcFirstLastPara="1" wrap="square" lIns="91425" tIns="91425" rIns="91425" bIns="91425" anchor="t" anchorCtr="0">
+                <a:noAutofit/>
+              </a:bodyPr>
+              <a:lstStyle>
+                <a:defPPr marR="0" lvl="0" algn="l" rtl="0">
+                  <a:lnSpc>
+                    <a:spcPct val="100000"/>
+                  </a:lnSpc>
+                  <a:spcBef>
+                    <a:spcPts val="0"/>
+                  </a:spcBef>
+                  <a:spcAft>
+                    <a:spcPts val="0"/>
+                  </a:spcAft>
+                </a:defPPr>
+                <a:lvl1pPr marL="457200" marR="0" lvl="0" indent="-342900" algn="l" rtl="0">
+                  <a:lnSpc>
+                    <a:spcPct val="115000"/>
+                  </a:lnSpc>
+                  <a:spcBef>
+                    <a:spcPts val="0"/>
+                  </a:spcBef>
+                  <a:spcAft>
+                    <a:spcPts val="0"/>
+                  </a:spcAft>
+                  <a:buClr>
+                    <a:srgbClr val="000000"/>
+                  </a:buClr>
+                  <a:buSzPts val="1800"/>
+                  <a:buFont typeface="Helvetica Neue Light"/>
+                  <a:buChar char="●"/>
+                  <a:defRPr sz="1800" b="0" i="0" u="none" strike="noStrike" cap="none">
+                    <a:solidFill>
+                      <a:srgbClr val="000000"/>
+                    </a:solidFill>
+                    <a:latin typeface="Helvetica Neue Light"/>
+                    <a:ea typeface="Helvetica Neue Light"/>
+                    <a:cs typeface="Helvetica Neue Light"/>
+                    <a:sym typeface="Helvetica Neue Light"/>
+                  </a:defRPr>
+                </a:lvl1pPr>
+                <a:lvl2pPr marL="914400" marR="0" lvl="1" indent="-317500" algn="l" rtl="0">
+                  <a:lnSpc>
+                    <a:spcPct val="115000"/>
+                  </a:lnSpc>
+                  <a:spcBef>
+                    <a:spcPts val="300"/>
+                  </a:spcBef>
+                  <a:spcAft>
+                    <a:spcPts val="0"/>
+                  </a:spcAft>
+                  <a:buClr>
+                    <a:srgbClr val="000000"/>
+                  </a:buClr>
+                  <a:buSzPts val="1400"/>
+                  <a:buFont typeface="Helvetica Neue Light"/>
+                  <a:buChar char="○"/>
+                  <a:defRPr sz="1400" b="0" i="0" u="none" strike="noStrike" cap="none">
+                    <a:solidFill>
+                      <a:srgbClr val="000000"/>
+                    </a:solidFill>
+                    <a:latin typeface="Helvetica Neue Light"/>
+                    <a:ea typeface="Helvetica Neue Light"/>
+                    <a:cs typeface="Helvetica Neue Light"/>
+                    <a:sym typeface="Helvetica Neue Light"/>
+                  </a:defRPr>
+                </a:lvl2pPr>
+                <a:lvl3pPr marL="1371600" marR="0" lvl="2" indent="-317500" algn="l" rtl="0">
+                  <a:lnSpc>
+                    <a:spcPct val="115000"/>
+                  </a:lnSpc>
+                  <a:spcBef>
+                    <a:spcPts val="1600"/>
+                  </a:spcBef>
+                  <a:spcAft>
+                    <a:spcPts val="0"/>
+                  </a:spcAft>
+                  <a:buClr>
+                    <a:srgbClr val="000000"/>
+                  </a:buClr>
+                  <a:buSzPts val="1400"/>
+                  <a:buFont typeface="Helvetica Neue Light"/>
+                  <a:buChar char="■"/>
+                  <a:defRPr sz="1400" b="0" i="0" u="none" strike="noStrike" cap="none">
+                    <a:solidFill>
+                      <a:srgbClr val="000000"/>
+                    </a:solidFill>
+                    <a:latin typeface="Helvetica Neue Light"/>
+                    <a:ea typeface="Helvetica Neue Light"/>
+                    <a:cs typeface="Helvetica Neue Light"/>
+                    <a:sym typeface="Helvetica Neue Light"/>
+                  </a:defRPr>
+                </a:lvl3pPr>
+                <a:lvl4pPr marL="1828800" marR="0" lvl="3" indent="-317500" algn="l" rtl="0">
+                  <a:lnSpc>
+                    <a:spcPct val="115000"/>
+                  </a:lnSpc>
+                  <a:spcBef>
+                    <a:spcPts val="1600"/>
+                  </a:spcBef>
+                  <a:spcAft>
+                    <a:spcPts val="0"/>
+                  </a:spcAft>
+                  <a:buClr>
+                    <a:srgbClr val="000000"/>
+                  </a:buClr>
+                  <a:buSzPts val="1400"/>
+                  <a:buFont typeface="Helvetica Neue Light"/>
+                  <a:buChar char="●"/>
+                  <a:defRPr sz="1400" b="0" i="0" u="none" strike="noStrike" cap="none">
+                    <a:solidFill>
+                      <a:srgbClr val="000000"/>
+                    </a:solidFill>
+                    <a:latin typeface="Helvetica Neue Light"/>
+                    <a:ea typeface="Helvetica Neue Light"/>
+                    <a:cs typeface="Helvetica Neue Light"/>
+                    <a:sym typeface="Helvetica Neue Light"/>
+                  </a:defRPr>
+                </a:lvl4pPr>
+                <a:lvl5pPr marL="2286000" marR="0" lvl="4" indent="-317500" algn="l" rtl="0">
+                  <a:lnSpc>
+                    <a:spcPct val="115000"/>
+                  </a:lnSpc>
+                  <a:spcBef>
+                    <a:spcPts val="1600"/>
+                  </a:spcBef>
+                  <a:spcAft>
+                    <a:spcPts val="0"/>
+                  </a:spcAft>
+                  <a:buClr>
+                    <a:srgbClr val="000000"/>
+                  </a:buClr>
+                  <a:buSzPts val="1400"/>
+                  <a:buFont typeface="Helvetica Neue Light"/>
+                  <a:buChar char="○"/>
+                  <a:defRPr sz="1400" b="0" i="0" u="none" strike="noStrike" cap="none">
+                    <a:solidFill>
+                      <a:srgbClr val="000000"/>
+                    </a:solidFill>
+                    <a:latin typeface="Helvetica Neue Light"/>
+                    <a:ea typeface="Helvetica Neue Light"/>
+                    <a:cs typeface="Helvetica Neue Light"/>
+                    <a:sym typeface="Helvetica Neue Light"/>
+                  </a:defRPr>
+                </a:lvl5pPr>
+                <a:lvl6pPr marL="2743200" marR="0" lvl="5" indent="-317500" algn="l" rtl="0">
+                  <a:lnSpc>
+                    <a:spcPct val="115000"/>
+                  </a:lnSpc>
+                  <a:spcBef>
+                    <a:spcPts val="1600"/>
+                  </a:spcBef>
+                  <a:spcAft>
+                    <a:spcPts val="0"/>
+                  </a:spcAft>
+                  <a:buClr>
+                    <a:srgbClr val="000000"/>
+                  </a:buClr>
+                  <a:buSzPts val="1400"/>
+                  <a:buFont typeface="Helvetica Neue Light"/>
+                  <a:buChar char="■"/>
+                  <a:defRPr sz="1400" b="0" i="0" u="none" strike="noStrike" cap="none">
+                    <a:solidFill>
+                      <a:srgbClr val="000000"/>
+                    </a:solidFill>
+                    <a:latin typeface="Helvetica Neue Light"/>
+                    <a:ea typeface="Helvetica Neue Light"/>
+                    <a:cs typeface="Helvetica Neue Light"/>
+                    <a:sym typeface="Helvetica Neue Light"/>
+                  </a:defRPr>
+                </a:lvl6pPr>
+                <a:lvl7pPr marL="3200400" marR="0" lvl="6" indent="-317500" algn="l" rtl="0">
+                  <a:lnSpc>
+                    <a:spcPct val="115000"/>
+                  </a:lnSpc>
+                  <a:spcBef>
+                    <a:spcPts val="1600"/>
+                  </a:spcBef>
+                  <a:spcAft>
+                    <a:spcPts val="0"/>
+                  </a:spcAft>
+                  <a:buClr>
+                    <a:srgbClr val="000000"/>
+                  </a:buClr>
+                  <a:buSzPts val="1400"/>
+                  <a:buFont typeface="Helvetica Neue Light"/>
+                  <a:buChar char="●"/>
+                  <a:defRPr sz="1400" b="0" i="0" u="none" strike="noStrike" cap="none">
+                    <a:solidFill>
+                      <a:srgbClr val="000000"/>
+                    </a:solidFill>
+                    <a:latin typeface="Helvetica Neue Light"/>
+                    <a:ea typeface="Helvetica Neue Light"/>
+                    <a:cs typeface="Helvetica Neue Light"/>
+                    <a:sym typeface="Helvetica Neue Light"/>
+                  </a:defRPr>
+                </a:lvl7pPr>
+                <a:lvl8pPr marL="3657600" marR="0" lvl="7" indent="-317500" algn="l" rtl="0">
+                  <a:lnSpc>
+                    <a:spcPct val="115000"/>
+                  </a:lnSpc>
+                  <a:spcBef>
+                    <a:spcPts val="1600"/>
+                  </a:spcBef>
+                  <a:spcAft>
+                    <a:spcPts val="0"/>
+                  </a:spcAft>
+                  <a:buClr>
+                    <a:srgbClr val="000000"/>
+                  </a:buClr>
+                  <a:buSzPts val="1400"/>
+                  <a:buFont typeface="Helvetica Neue Light"/>
+                  <a:buChar char="○"/>
+                  <a:defRPr sz="1400" b="0" i="0" u="none" strike="noStrike" cap="none">
+                    <a:solidFill>
+                      <a:srgbClr val="000000"/>
+                    </a:solidFill>
+                    <a:latin typeface="Helvetica Neue Light"/>
+                    <a:ea typeface="Helvetica Neue Light"/>
+                    <a:cs typeface="Helvetica Neue Light"/>
+                    <a:sym typeface="Helvetica Neue Light"/>
+                  </a:defRPr>
+                </a:lvl8pPr>
+                <a:lvl9pPr marL="4114800" marR="0" lvl="8" indent="-317500" algn="l" rtl="0">
+                  <a:lnSpc>
+                    <a:spcPct val="115000"/>
+                  </a:lnSpc>
+                  <a:spcBef>
+                    <a:spcPts val="1600"/>
+                  </a:spcBef>
+                  <a:spcAft>
+                    <a:spcPts val="1600"/>
+                  </a:spcAft>
+                  <a:buClr>
+                    <a:srgbClr val="000000"/>
+                  </a:buClr>
+                  <a:buSzPts val="1400"/>
+                  <a:buFont typeface="Helvetica Neue Light"/>
+                  <a:buChar char="■"/>
+                  <a:defRPr sz="1400" b="0" i="0" u="none" strike="noStrike" cap="none">
+                    <a:solidFill>
+                      <a:srgbClr val="000000"/>
+                    </a:solidFill>
+                    <a:latin typeface="Helvetica Neue Light"/>
+                    <a:ea typeface="Helvetica Neue Light"/>
+                    <a:cs typeface="Helvetica Neue Light"/>
+                    <a:sym typeface="Helvetica Neue Light"/>
+                  </a:defRPr>
+                </a:lvl9pPr>
+              </a:lstStyle>
+              <a:p>
+                <a:pPr marL="114300" indent="0">
+                  <a:buNone/>
+                </a:pPr>
+                <a:r>
+                  <a:rPr lang="en-US" sz="1100" b="1" dirty="0">
+                    <a:latin typeface="Times New Roman" panose="02020603050405020304" pitchFamily="18" charset="0"/>
+                    <a:cs typeface="Times New Roman" panose="02020603050405020304" pitchFamily="18" charset="0"/>
+                  </a:rPr>
+                  <a:t>Goal: </a:t>
+                </a:r>
+                <a:r>
+                  <a:rPr lang="en-US" sz="1100" dirty="0">
+                    <a:latin typeface="Times New Roman" panose="02020603050405020304" pitchFamily="18" charset="0"/>
+                    <a:cs typeface="Times New Roman" panose="02020603050405020304" pitchFamily="18" charset="0"/>
+                  </a:rPr>
+                  <a:t>compose new skills</a:t>
+                </a:r>
+              </a:p>
+              <a:p>
+                <a:r>
+                  <a:rPr lang="en-US" sz="1100" dirty="0">
+                    <a:latin typeface="Times New Roman" panose="02020603050405020304" pitchFamily="18" charset="0"/>
+                    <a:cs typeface="Times New Roman" panose="02020603050405020304" pitchFamily="18" charset="0"/>
+                  </a:rPr>
+                  <a:t>Experience represented as abstract syntax tree of policy code</a:t>
+                </a:r>
+              </a:p>
+              <a:p>
+                <a:r>
+                  <a:rPr lang="en-US" sz="1100" dirty="0">
+                    <a:latin typeface="Times New Roman" panose="02020603050405020304" pitchFamily="18" charset="0"/>
+                    <a:cs typeface="Times New Roman" panose="02020603050405020304" pitchFamily="18" charset="0"/>
+                  </a:rPr>
+                  <a:t>Cluster experiences</a:t>
+                </a:r>
+              </a:p>
+              <a:p>
+                <a:r>
+                  <a:rPr lang="en-US" sz="1100" dirty="0">
+                    <a:latin typeface="Times New Roman" panose="02020603050405020304" pitchFamily="18" charset="0"/>
+                    <a:cs typeface="Times New Roman" panose="02020603050405020304" pitchFamily="18" charset="0"/>
+                  </a:rPr>
+                  <a:t>Feed each cluster into LLM</a:t>
+                </a:r>
+              </a:p>
+              <a:p>
+                <a:pPr lvl="1"/>
+                <a:r>
+                  <a:rPr lang="en-US" sz="1100" dirty="0">
+                    <a:latin typeface="Times New Roman" panose="02020603050405020304" pitchFamily="18" charset="0"/>
+                    <a:cs typeface="Times New Roman" panose="02020603050405020304" pitchFamily="18" charset="0"/>
+                  </a:rPr>
+                  <a:t>Use experiences as examples to define new function to update library</a:t>
+                </a:r>
+              </a:p>
+              <a:p>
+                <a:pPr lvl="1"/>
+                <a14:m>
+                  <m:oMath xmlns:m="http://schemas.openxmlformats.org/officeDocument/2006/math">
+                    <m:sSub>
+                      <m:sSubPr>
+                        <m:ctrlPr>
+                          <a:rPr lang="en-US" sz="1100" b="0" i="1" smtClean="0">
+                            <a:latin typeface="Cambria Math" panose="02040503050406030204" pitchFamily="18" charset="0"/>
+                            <a:cs typeface="Times New Roman" panose="02020603050405020304" pitchFamily="18" charset="0"/>
+                          </a:rPr>
+                        </m:ctrlPr>
+                      </m:sSubPr>
+                      <m:e>
+                        <m:r>
+                          <a:rPr lang="en-US" sz="1100" b="0" i="1" smtClean="0">
+                            <a:latin typeface="Cambria Math" panose="02040503050406030204" pitchFamily="18" charset="0"/>
+                            <a:cs typeface="Times New Roman" panose="02020603050405020304" pitchFamily="18" charset="0"/>
+                          </a:rPr>
+                          <m:t>𝐿</m:t>
+                        </m:r>
+                      </m:e>
+                      <m:sub>
+                        <m:r>
+                          <a:rPr lang="en-US" sz="1100" b="0" i="1" smtClean="0">
+                            <a:latin typeface="Cambria Math" panose="02040503050406030204" pitchFamily="18" charset="0"/>
+                            <a:cs typeface="Times New Roman" panose="02020603050405020304" pitchFamily="18" charset="0"/>
+                          </a:rPr>
+                          <m:t>𝑡</m:t>
+                        </m:r>
+                        <m:r>
+                          <a:rPr lang="en-US" sz="1100" b="0" i="1" smtClean="0">
+                            <a:latin typeface="Cambria Math" panose="02040503050406030204" pitchFamily="18" charset="0"/>
+                            <a:cs typeface="Times New Roman" panose="02020603050405020304" pitchFamily="18" charset="0"/>
+                          </a:rPr>
+                          <m:t>+1</m:t>
+                        </m:r>
+                      </m:sub>
+                    </m:sSub>
+                    <m:r>
+                      <a:rPr lang="en-US" sz="1100" b="0" i="1" smtClean="0">
+                        <a:latin typeface="Cambria Math" panose="02040503050406030204" pitchFamily="18" charset="0"/>
+                        <a:cs typeface="Times New Roman" panose="02020603050405020304" pitchFamily="18" charset="0"/>
+                      </a:rPr>
+                      <m:t>=</m:t>
+                    </m:r>
+                    <m:sSub>
+                      <m:sSubPr>
+                        <m:ctrlPr>
+                          <a:rPr lang="en-US" sz="1100" b="0" i="1" smtClean="0">
+                            <a:latin typeface="Cambria Math" panose="02040503050406030204" pitchFamily="18" charset="0"/>
+                            <a:cs typeface="Times New Roman" panose="02020603050405020304" pitchFamily="18" charset="0"/>
+                          </a:rPr>
+                        </m:ctrlPr>
+                      </m:sSubPr>
+                      <m:e>
+                        <m:r>
+                          <a:rPr lang="en-US" sz="1100" b="0" i="1" smtClean="0">
+                            <a:latin typeface="Cambria Math" panose="02040503050406030204" pitchFamily="18" charset="0"/>
+                            <a:cs typeface="Times New Roman" panose="02020603050405020304" pitchFamily="18" charset="0"/>
+                          </a:rPr>
+                          <m:t>𝐿</m:t>
+                        </m:r>
+                      </m:e>
+                      <m:sub>
+                        <m:r>
+                          <a:rPr lang="en-US" sz="1100" b="0" i="1" smtClean="0">
+                            <a:latin typeface="Cambria Math" panose="02040503050406030204" pitchFamily="18" charset="0"/>
+                            <a:cs typeface="Times New Roman" panose="02020603050405020304" pitchFamily="18" charset="0"/>
+                          </a:rPr>
+                          <m:t>𝑡</m:t>
+                        </m:r>
+                      </m:sub>
+                    </m:sSub>
+                    <m:r>
+                      <a:rPr lang="en-US" sz="1100" b="0" i="1" smtClean="0">
+                        <a:latin typeface="Cambria Math" panose="02040503050406030204" pitchFamily="18" charset="0"/>
+                        <a:cs typeface="Times New Roman" panose="02020603050405020304" pitchFamily="18" charset="0"/>
+                      </a:rPr>
+                      <m:t>∪</m:t>
+                    </m:r>
+                    <m:sSubSup>
+                      <m:sSubSupPr>
+                        <m:ctrlPr>
+                          <a:rPr lang="en-US" sz="1100" b="0" i="1" smtClean="0">
+                            <a:latin typeface="Cambria Math" panose="02040503050406030204" pitchFamily="18" charset="0"/>
+                            <a:cs typeface="Times New Roman" panose="02020603050405020304" pitchFamily="18" charset="0"/>
+                          </a:rPr>
+                        </m:ctrlPr>
+                      </m:sSubSupPr>
+                      <m:e>
+                        <m:d>
+                          <m:dPr>
+                            <m:begChr m:val="{"/>
+                            <m:endChr m:val="}"/>
+                            <m:ctrlPr>
+                              <a:rPr lang="en-US" sz="1100" b="0" i="1" smtClean="0">
+                                <a:latin typeface="Cambria Math" panose="02040503050406030204" pitchFamily="18" charset="0"/>
+                                <a:cs typeface="Times New Roman" panose="02020603050405020304" pitchFamily="18" charset="0"/>
+                              </a:rPr>
+                            </m:ctrlPr>
+                          </m:dPr>
+                          <m:e>
+                            <m:r>
+                              <a:rPr lang="en-US" sz="1100" b="0" i="1" smtClean="0">
+                                <a:latin typeface="Cambria Math" panose="02040503050406030204" pitchFamily="18" charset="0"/>
+                                <a:cs typeface="Times New Roman" panose="02020603050405020304" pitchFamily="18" charset="0"/>
+                              </a:rPr>
+                              <m:t>𝐿𝐿𝑀𝐴𝑏𝑠𝑡𝑟𝑎𝑐𝑡</m:t>
+                            </m:r>
+                            <m:d>
+                              <m:dPr>
+                                <m:ctrlPr>
+                                  <a:rPr lang="en-US" sz="1100" b="0" i="1" smtClean="0">
+                                    <a:latin typeface="Cambria Math" panose="02040503050406030204" pitchFamily="18" charset="0"/>
+                                    <a:cs typeface="Times New Roman" panose="02020603050405020304" pitchFamily="18" charset="0"/>
+                                  </a:rPr>
+                                </m:ctrlPr>
+                              </m:dPr>
+                              <m:e>
+                                <m:sSub>
+                                  <m:sSubPr>
+                                    <m:ctrlPr>
+                                      <a:rPr lang="en-US" sz="1100" b="0" i="1" smtClean="0">
+                                        <a:latin typeface="Cambria Math" panose="02040503050406030204" pitchFamily="18" charset="0"/>
+                                        <a:cs typeface="Times New Roman" panose="02020603050405020304" pitchFamily="18" charset="0"/>
+                                      </a:rPr>
+                                    </m:ctrlPr>
+                                  </m:sSubPr>
+                                  <m:e>
+                                    <m:r>
+                                      <a:rPr lang="en-US" sz="1100" b="0" i="1" smtClean="0">
+                                        <a:latin typeface="Cambria Math" panose="02040503050406030204" pitchFamily="18" charset="0"/>
+                                        <a:cs typeface="Times New Roman" panose="02020603050405020304" pitchFamily="18" charset="0"/>
+                                      </a:rPr>
+                                      <m:t>𝐶</m:t>
+                                    </m:r>
+                                  </m:e>
+                                  <m:sub>
+                                    <m:r>
+                                      <a:rPr lang="en-US" sz="1100" b="0" i="1" smtClean="0">
+                                        <a:latin typeface="Cambria Math" panose="02040503050406030204" pitchFamily="18" charset="0"/>
+                                        <a:cs typeface="Times New Roman" panose="02020603050405020304" pitchFamily="18" charset="0"/>
+                                      </a:rPr>
+                                      <m:t>𝑚</m:t>
+                                    </m:r>
+                                  </m:sub>
+                                </m:sSub>
+                              </m:e>
+                            </m:d>
+                          </m:e>
+                        </m:d>
+                      </m:e>
+                      <m:sub>
+                        <m:r>
+                          <a:rPr lang="en-US" sz="1100" b="0" i="1" smtClean="0">
+                            <a:latin typeface="Cambria Math" panose="02040503050406030204" pitchFamily="18" charset="0"/>
+                            <a:cs typeface="Times New Roman" panose="02020603050405020304" pitchFamily="18" charset="0"/>
+                          </a:rPr>
+                          <m:t>𝑚</m:t>
+                        </m:r>
+                        <m:r>
+                          <a:rPr lang="en-US" sz="1100" b="0" i="1" smtClean="0">
+                            <a:latin typeface="Cambria Math" panose="02040503050406030204" pitchFamily="18" charset="0"/>
+                            <a:cs typeface="Times New Roman" panose="02020603050405020304" pitchFamily="18" charset="0"/>
+                          </a:rPr>
+                          <m:t>=1</m:t>
+                        </m:r>
+                      </m:sub>
+                      <m:sup>
+                        <m:r>
+                          <a:rPr lang="en-US" sz="1100" b="0" i="1" smtClean="0">
+                            <a:latin typeface="Cambria Math" panose="02040503050406030204" pitchFamily="18" charset="0"/>
+                            <a:cs typeface="Times New Roman" panose="02020603050405020304" pitchFamily="18" charset="0"/>
+                          </a:rPr>
+                          <m:t>𝑀</m:t>
+                        </m:r>
+                      </m:sup>
+                    </m:sSubSup>
+                  </m:oMath>
+                </a14:m>
+                <a:endParaRPr lang="en-US" sz="1100" dirty="0">
+                  <a:latin typeface="Times New Roman" panose="02020603050405020304" pitchFamily="18" charset="0"/>
+                  <a:cs typeface="Times New Roman" panose="02020603050405020304" pitchFamily="18" charset="0"/>
+                </a:endParaRPr>
+              </a:p>
+              <a:p>
+                <a:r>
+                  <a:rPr lang="en-US" sz="1100" dirty="0">
+                    <a:latin typeface="Times New Roman" panose="02020603050405020304" pitchFamily="18" charset="0"/>
+                    <a:cs typeface="Times New Roman" panose="02020603050405020304" pitchFamily="18" charset="0"/>
+                  </a:rPr>
+                  <a:t>Demonstration policies refactored</a:t>
+                </a:r>
+              </a:p>
+              <a:p>
+                <a:pPr lvl="1"/>
+                <a:r>
+                  <a:rPr lang="en-US" sz="1100" dirty="0">
+                    <a:latin typeface="Times New Roman" panose="02020603050405020304" pitchFamily="18" charset="0"/>
+                    <a:cs typeface="Times New Roman" panose="02020603050405020304" pitchFamily="18" charset="0"/>
+                  </a:rPr>
+                  <a:t>If fails in previously successful task =&gt; policy-success refactored and appended into memory</a:t>
+                </a:r>
+              </a:p>
+              <a:p>
+                <a:pPr lvl="1"/>
+                <a:r>
+                  <a:rPr lang="en-US" sz="1100" dirty="0">
+                    <a:latin typeface="Times New Roman" panose="02020603050405020304" pitchFamily="18" charset="0"/>
+                    <a:cs typeface="Times New Roman" panose="02020603050405020304" pitchFamily="18" charset="0"/>
+                  </a:rPr>
+                  <a:t>Replay wake phase</a:t>
+                </a:r>
+              </a:p>
+              <a:p>
+                <a:endParaRPr lang="en-US" b="1" dirty="0">
+                  <a:latin typeface="Times New Roman" panose="02020603050405020304" pitchFamily="18" charset="0"/>
+                  <a:cs typeface="Times New Roman" panose="02020603050405020304" pitchFamily="18" charset="0"/>
+                </a:endParaRPr>
+              </a:p>
+            </p:txBody>
+          </p:sp>
+        </mc:Choice>
+        <mc:Fallback>
+          <p:sp>
+            <p:nvSpPr>
+              <p:cNvPr id="12" name="Text Placeholder 10">
+                <a:extLst>
+                  <a:ext uri="{FF2B5EF4-FFF2-40B4-BE49-F238E27FC236}">
+                    <a16:creationId xmlns:a16="http://schemas.microsoft.com/office/drawing/2014/main" id="{F68E4C48-5126-6730-3B21-A7A83F0BE05C}"/>
+                  </a:ext>
+                </a:extLst>
+              </p:cNvPr>
+              <p:cNvSpPr txBox="1">
+                <a:spLocks noRot="1" noChangeAspect="1" noMove="1" noResize="1" noEditPoints="1" noAdjustHandles="1" noChangeArrowheads="1" noChangeShapeType="1" noTextEdit="1"/>
+              </p:cNvSpPr>
+              <p:nvPr/>
+            </p:nvSpPr>
+            <p:spPr>
+              <a:xfrm>
+                <a:off x="251785" y="2661676"/>
+                <a:ext cx="8640429" cy="2487111"/>
+              </a:xfrm>
+              <a:prstGeom prst="rect">
+                <a:avLst/>
+              </a:prstGeom>
+              <a:blipFill>
+                <a:blip r:embed="rId3"/>
+                <a:stretch>
+                  <a:fillRect/>
+                </a:stretch>
+              </a:blipFill>
+              <a:ln>
+                <a:noFill/>
+              </a:ln>
+            </p:spPr>
+            <p:txBody>
+              <a:bodyPr/>
+              <a:lstStyle/>
+              <a:p>
+                <a:r>
+                  <a:rPr lang="en-US">
+                    <a:noFill/>
+                  </a:rPr>
+                  <a:t> </a:t>
+                </a:r>
+              </a:p>
+            </p:txBody>
+          </p:sp>
+        </mc:Fallback>
+      </mc:AlternateContent>
+    </p:spTree>
+    <p:extLst>
+      <p:ext uri="{BB962C8B-B14F-4D97-AF65-F5344CB8AC3E}">
+        <p14:creationId xmlns:p14="http://schemas.microsoft.com/office/powerpoint/2010/main" val="1194373046"/>
+      </p:ext>
+    </p:extLst>
+  </p:cSld>
+  <p:clrMapOvr>
+    <a:masterClrMapping/>
+  </p:clrMapOvr>
+</p:sld>
+</file>
+
+<file path=ppt/slides/slide13.xml><?xml version="1.0" encoding="utf-8"?>
+<p:sld xmlns:a="http://schemas.openxmlformats.org/drawingml/2006/main" xmlns:r="http://schemas.openxmlformats.org/officeDocument/2006/relationships" xmlns:p="http://schemas.openxmlformats.org/presentationml/2006/main">
+  <p:cSld>
+    <p:spTree>
+      <p:nvGrpSpPr>
+        <p:cNvPr id="1" name=""/>
+        <p:cNvGrpSpPr/>
+        <p:nvPr/>
+      </p:nvGrpSpPr>
+      <p:grpSpPr>
+        <a:xfrm>
+          <a:off x="0" y="0"/>
+          <a:ext cx="0" cy="0"/>
+          <a:chOff x="0" y="0"/>
+          <a:chExt cx="0" cy="0"/>
+        </a:xfrm>
+      </p:grpSpPr>
+      <p:sp>
+        <p:nvSpPr>
+          <p:cNvPr id="2" name="Title 1">
+            <a:extLst>
+              <a:ext uri="{FF2B5EF4-FFF2-40B4-BE49-F238E27FC236}">
+                <a16:creationId xmlns:a16="http://schemas.microsoft.com/office/drawing/2014/main" id="{FC0648C6-E769-5DFF-BC98-0595BE6000C4}"/>
+              </a:ext>
+            </a:extLst>
+          </p:cNvPr>
+          <p:cNvSpPr>
+            <a:spLocks noGrp="1"/>
+          </p:cNvSpPr>
+          <p:nvPr>
+            <p:ph type="title"/>
+          </p:nvPr>
+        </p:nvSpPr>
+        <p:spPr/>
+        <p:txBody>
+          <a:bodyPr/>
+          <a:lstStyle/>
+          <a:p>
+            <a:r>
+              <a:rPr lang="en-US" dirty="0"/>
+              <a:t>III. How LRLL works?</a:t>
+            </a:r>
+          </a:p>
+        </p:txBody>
+      </p:sp>
+      <mc:AlternateContent xmlns:mc="http://schemas.openxmlformats.org/markup-compatibility/2006">
+        <mc:Choice xmlns:a14="http://schemas.microsoft.com/office/drawing/2010/main" Requires="a14">
+          <p:sp>
+            <p:nvSpPr>
+              <p:cNvPr id="3" name="Text Placeholder 2">
+                <a:extLst>
+                  <a:ext uri="{FF2B5EF4-FFF2-40B4-BE49-F238E27FC236}">
+                    <a16:creationId xmlns:a16="http://schemas.microsoft.com/office/drawing/2014/main" id="{B0D585EB-9799-7960-D590-C114C2257420}"/>
+                  </a:ext>
+                </a:extLst>
+              </p:cNvPr>
+              <p:cNvSpPr>
+                <a:spLocks noGrp="1"/>
+              </p:cNvSpPr>
+              <p:nvPr>
+                <p:ph type="body" idx="1"/>
+              </p:nvPr>
+            </p:nvSpPr>
+            <p:spPr>
+              <a:xfrm>
+                <a:off x="311700" y="866725"/>
+                <a:ext cx="8520600" cy="3797373"/>
+              </a:xfrm>
+            </p:spPr>
+            <p:txBody>
+              <a:bodyPr/>
+              <a:lstStyle/>
+              <a:p>
+                <a:r>
+                  <a:rPr lang="en-US" dirty="0">
+                    <a:latin typeface="Times New Roman" panose="02020603050405020304" pitchFamily="18" charset="0"/>
+                    <a:cs typeface="Times New Roman" panose="02020603050405020304" pitchFamily="18" charset="0"/>
+                  </a:rPr>
+                  <a:t>Zero-shot vision-language grounding</a:t>
+                </a:r>
+              </a:p>
+              <a:p>
+                <a:r>
+                  <a:rPr lang="en-US" dirty="0">
+                    <a:latin typeface="Times New Roman" panose="02020603050405020304" pitchFamily="18" charset="0"/>
+                    <a:cs typeface="Times New Roman" panose="02020603050405020304" pitchFamily="18" charset="0"/>
+                  </a:rPr>
+                  <a:t>Most basic primitives</a:t>
+                </a:r>
+              </a:p>
+              <a:p>
+                <a:pPr lvl="1"/>
+                <a:r>
+                  <a:rPr lang="en-US" dirty="0">
+                    <a:latin typeface="Times New Roman" panose="02020603050405020304" pitchFamily="18" charset="0"/>
+                    <a:cs typeface="Times New Roman" panose="02020603050405020304" pitchFamily="18" charset="0"/>
+                  </a:rPr>
+                  <a:t>Move arm to certain pose</a:t>
+                </a:r>
+              </a:p>
+              <a:p>
+                <a:pPr lvl="1"/>
+                <a:r>
+                  <a:rPr lang="en-US" dirty="0">
+                    <a:latin typeface="Times New Roman" panose="02020603050405020304" pitchFamily="18" charset="0"/>
+                    <a:cs typeface="Times New Roman" panose="02020603050405020304" pitchFamily="18" charset="0"/>
+                  </a:rPr>
+                  <a:t>Opening/closing gripper</a:t>
+                </a:r>
+              </a:p>
+              <a:p>
+                <a:r>
+                  <a:rPr lang="en-US" dirty="0">
+                    <a:latin typeface="Times New Roman" panose="02020603050405020304" pitchFamily="18" charset="0"/>
+                    <a:cs typeface="Times New Roman" panose="02020603050405020304" pitchFamily="18" charset="0"/>
+                  </a:rPr>
+                  <a:t>Experience indexed by instruction embedding</a:t>
+                </a:r>
+              </a:p>
+              <a:p>
+                <a:pPr lvl="1"/>
+                <a:r>
+                  <a:rPr lang="en-US" dirty="0">
+                    <a:latin typeface="Times New Roman" panose="02020603050405020304" pitchFamily="18" charset="0"/>
+                    <a:cs typeface="Times New Roman" panose="02020603050405020304" pitchFamily="18" charset="0"/>
+                  </a:rPr>
+                  <a:t>Provided by encoder-based LM [59]</a:t>
+                </a:r>
+              </a:p>
+              <a:p>
+                <a:pPr lvl="1"/>
+                <a:r>
+                  <a:rPr lang="en-US" dirty="0">
+                    <a:latin typeface="Times New Roman" panose="02020603050405020304" pitchFamily="18" charset="0"/>
+                    <a:cs typeface="Times New Roman" panose="02020603050405020304" pitchFamily="18" charset="0"/>
+                  </a:rPr>
+                  <a:t>[60] </a:t>
+                </a:r>
+                <a14:m>
+                  <m:oMath xmlns:m="http://schemas.openxmlformats.org/officeDocument/2006/math">
+                    <m:sSub>
+                      <m:sSubPr>
+                        <m:ctrlPr>
+                          <a:rPr lang="en-US" b="0" i="1" smtClean="0">
+                            <a:latin typeface="Cambria Math" panose="02040503050406030204" pitchFamily="18" charset="0"/>
+                          </a:rPr>
+                        </m:ctrlPr>
+                      </m:sSubPr>
+                      <m:e>
+                        <m:r>
+                          <a:rPr lang="en-US" b="0" i="1" smtClean="0">
+                            <a:latin typeface="Cambria Math" panose="02040503050406030204" pitchFamily="18" charset="0"/>
+                          </a:rPr>
+                          <m:t>𝑧</m:t>
+                        </m:r>
+                      </m:e>
+                      <m:sub>
+                        <m:r>
+                          <a:rPr lang="en-US" b="0" i="1" smtClean="0">
+                            <a:latin typeface="Cambria Math" panose="02040503050406030204" pitchFamily="18" charset="0"/>
+                          </a:rPr>
+                          <m:t>𝑖</m:t>
+                        </m:r>
+                      </m:sub>
+                    </m:sSub>
+                    <m:r>
+                      <a:rPr lang="en-US" b="0" i="1" smtClean="0">
+                        <a:latin typeface="Cambria Math" panose="02040503050406030204" pitchFamily="18" charset="0"/>
+                      </a:rPr>
+                      <m:t>=</m:t>
+                    </m:r>
+                    <m:sSup>
+                      <m:sSupPr>
+                        <m:ctrlPr>
+                          <a:rPr lang="en-US" b="0" i="1" smtClean="0">
+                            <a:latin typeface="Cambria Math" panose="02040503050406030204" pitchFamily="18" charset="0"/>
+                          </a:rPr>
+                        </m:ctrlPr>
+                      </m:sSupPr>
+                      <m:e>
+                        <m:r>
+                          <a:rPr lang="en-US" b="0" i="1" smtClean="0">
+                            <a:latin typeface="Cambria Math" panose="02040503050406030204" pitchFamily="18" charset="0"/>
+                          </a:rPr>
+                          <m:t>𝐹</m:t>
+                        </m:r>
+                      </m:e>
+                      <m:sup>
+                        <m:r>
+                          <a:rPr lang="en-US" b="0" i="1" smtClean="0">
+                            <a:latin typeface="Cambria Math" panose="02040503050406030204" pitchFamily="18" charset="0"/>
+                          </a:rPr>
+                          <m:t>𝐿𝑀</m:t>
+                        </m:r>
+                      </m:sup>
+                    </m:sSup>
+                    <m:r>
+                      <a:rPr lang="en-US" b="0" i="1" smtClean="0">
+                        <a:latin typeface="Cambria Math" panose="02040503050406030204" pitchFamily="18" charset="0"/>
+                      </a:rPr>
+                      <m:t>(</m:t>
+                    </m:r>
+                    <m:sSup>
+                      <m:sSupPr>
+                        <m:ctrlPr>
+                          <a:rPr lang="en-US" b="0" i="1" smtClean="0">
+                            <a:latin typeface="Cambria Math" panose="02040503050406030204" pitchFamily="18" charset="0"/>
+                          </a:rPr>
+                        </m:ctrlPr>
+                      </m:sSupPr>
+                      <m:e>
+                        <m:r>
+                          <a:rPr lang="en-US" b="0" i="1" smtClean="0">
+                            <a:latin typeface="Cambria Math" panose="02040503050406030204" pitchFamily="18" charset="0"/>
+                          </a:rPr>
+                          <m:t>𝑙</m:t>
+                        </m:r>
+                      </m:e>
+                      <m:sup>
+                        <m:r>
+                          <a:rPr lang="en-US" b="0" i="1" smtClean="0">
+                            <a:latin typeface="Cambria Math" panose="02040503050406030204" pitchFamily="18" charset="0"/>
+                          </a:rPr>
+                          <m:t>(</m:t>
+                        </m:r>
+                        <m:r>
+                          <a:rPr lang="en-US" b="0" i="1" smtClean="0">
+                            <a:latin typeface="Cambria Math" panose="02040503050406030204" pitchFamily="18" charset="0"/>
+                          </a:rPr>
+                          <m:t>𝑖</m:t>
+                        </m:r>
+                      </m:sup>
+                    </m:sSup>
+                    <m:r>
+                      <a:rPr lang="en-US" b="0" i="1" smtClean="0">
+                        <a:latin typeface="Cambria Math" panose="02040503050406030204" pitchFamily="18" charset="0"/>
+                      </a:rPr>
+                      <m:t>)</m:t>
+                    </m:r>
+                  </m:oMath>
+                </a14:m>
+                <a:endParaRPr lang="en-US" dirty="0">
+                  <a:latin typeface="Times New Roman" panose="02020603050405020304" pitchFamily="18" charset="0"/>
+                  <a:cs typeface="Times New Roman" panose="02020603050405020304" pitchFamily="18" charset="0"/>
+                </a:endParaRPr>
+              </a:p>
+              <a:p>
+                <a:r>
+                  <a:rPr lang="en-US" dirty="0">
+                    <a:latin typeface="Times New Roman" panose="02020603050405020304" pitchFamily="18" charset="0"/>
+                    <a:cs typeface="Times New Roman" panose="02020603050405020304" pitchFamily="18" charset="0"/>
+                  </a:rPr>
+                  <a:t>To retrieve experience</a:t>
+                </a:r>
+              </a:p>
+              <a:p>
+                <a:pPr lvl="1"/>
+                <a:r>
+                  <a:rPr lang="en-US" dirty="0">
+                    <a:latin typeface="Times New Roman" panose="02020603050405020304" pitchFamily="18" charset="0"/>
+                    <a:cs typeface="Times New Roman" panose="02020603050405020304" pitchFamily="18" charset="0"/>
+                  </a:rPr>
+                  <a:t>Query embedded with model and top-k experiences</a:t>
+                </a:r>
+              </a:p>
+              <a:p>
+                <a:r>
+                  <a:rPr lang="en-US" dirty="0">
+                    <a:latin typeface="Times New Roman" panose="02020603050405020304" pitchFamily="18" charset="0"/>
+                    <a:cs typeface="Times New Roman" panose="02020603050405020304" pitchFamily="18" charset="0"/>
+                  </a:rPr>
+                  <a:t>Agent skill corresponds to python function</a:t>
+                </a:r>
+              </a:p>
+              <a:p>
+                <a:r>
+                  <a:rPr lang="en-US" dirty="0">
+                    <a:latin typeface="Times New Roman" panose="02020603050405020304" pitchFamily="18" charset="0"/>
+                    <a:cs typeface="Times New Roman" panose="02020603050405020304" pitchFamily="18" charset="0"/>
+                  </a:rPr>
+                  <a:t>Replay buffer holds only explored experience of current cycle</a:t>
+                </a:r>
+              </a:p>
+              <a:p>
+                <a:pPr lvl="1"/>
+                <a:r>
+                  <a:rPr lang="en-US" dirty="0">
+                    <a:latin typeface="Times New Roman" panose="02020603050405020304" pitchFamily="18" charset="0"/>
+                    <a:cs typeface="Times New Roman" panose="02020603050405020304" pitchFamily="18" charset="0"/>
+                  </a:rPr>
+                  <a:t>Resets at beginning of cycle</a:t>
+                </a:r>
+              </a:p>
+              <a:p>
+                <a:pPr lvl="1"/>
+                <a:endParaRPr lang="en-US" dirty="0"/>
+              </a:p>
+              <a:p>
+                <a:pPr lvl="1"/>
+                <a:endParaRPr lang="en-US" dirty="0"/>
+              </a:p>
+              <a:p>
+                <a:pPr lvl="1"/>
+                <a:endParaRPr lang="en-US" dirty="0"/>
+              </a:p>
+            </p:txBody>
+          </p:sp>
+        </mc:Choice>
+        <mc:Fallback>
+          <p:sp>
+            <p:nvSpPr>
+              <p:cNvPr id="3" name="Text Placeholder 2">
+                <a:extLst>
+                  <a:ext uri="{FF2B5EF4-FFF2-40B4-BE49-F238E27FC236}">
+                    <a16:creationId xmlns:a16="http://schemas.microsoft.com/office/drawing/2014/main" id="{B0D585EB-9799-7960-D590-C114C2257420}"/>
+                  </a:ext>
+                </a:extLst>
+              </p:cNvPr>
+              <p:cNvSpPr>
+                <a:spLocks noGrp="1" noRot="1" noChangeAspect="1" noMove="1" noResize="1" noEditPoints="1" noAdjustHandles="1" noChangeArrowheads="1" noChangeShapeType="1" noTextEdit="1"/>
+              </p:cNvSpPr>
+              <p:nvPr>
+                <p:ph type="body" idx="1"/>
+              </p:nvPr>
+            </p:nvSpPr>
+            <p:spPr>
+              <a:xfrm>
+                <a:off x="311700" y="866725"/>
+                <a:ext cx="8520600" cy="3797373"/>
+              </a:xfrm>
+              <a:blipFill>
+                <a:blip r:embed="rId2"/>
+                <a:stretch>
+                  <a:fillRect/>
+                </a:stretch>
+              </a:blipFill>
+            </p:spPr>
+            <p:txBody>
+              <a:bodyPr/>
+              <a:lstStyle/>
+              <a:p>
+                <a:r>
+                  <a:rPr lang="en-US">
+                    <a:noFill/>
+                  </a:rPr>
+                  <a:t> </a:t>
+                </a:r>
+              </a:p>
+            </p:txBody>
+          </p:sp>
+        </mc:Fallback>
+      </mc:AlternateContent>
+      <p:sp>
+        <p:nvSpPr>
+          <p:cNvPr id="4" name="Slide Number Placeholder 3">
+            <a:extLst>
+              <a:ext uri="{FF2B5EF4-FFF2-40B4-BE49-F238E27FC236}">
+                <a16:creationId xmlns:a16="http://schemas.microsoft.com/office/drawing/2014/main" id="{96507D9B-2FD9-F141-99AC-D9B91360283D}"/>
+              </a:ext>
+            </a:extLst>
+          </p:cNvPr>
+          <p:cNvSpPr>
+            <a:spLocks noGrp="1"/>
+          </p:cNvSpPr>
+          <p:nvPr>
+            <p:ph type="sldNum" idx="12"/>
+          </p:nvPr>
+        </p:nvSpPr>
+        <p:spPr/>
+        <p:txBody>
+          <a:bodyPr/>
+          <a:lstStyle/>
+          <a:p>
+            <a:pPr marL="0" lvl="0" indent="0" algn="r" rtl="0">
+              <a:spcBef>
+                <a:spcPts val="0"/>
+              </a:spcBef>
+              <a:spcAft>
+                <a:spcPts val="0"/>
+              </a:spcAft>
+              <a:buNone/>
+            </a:pPr>
+            <a:fld id="{00000000-1234-1234-1234-123412341234}" type="slidenum">
+              <a:rPr lang="en" smtClean="0"/>
+              <a:t>13</a:t>
+            </a:fld>
+            <a:endParaRPr lang="en"/>
+          </a:p>
+        </p:txBody>
+      </p:sp>
+      <p:sp>
+        <p:nvSpPr>
+          <p:cNvPr id="5" name="Slide Number Placeholder 4">
+            <a:extLst>
+              <a:ext uri="{FF2B5EF4-FFF2-40B4-BE49-F238E27FC236}">
+                <a16:creationId xmlns:a16="http://schemas.microsoft.com/office/drawing/2014/main" id="{C5B7D20A-E5BB-FC2F-B1DB-ACDD93E1D321}"/>
+              </a:ext>
+            </a:extLst>
+          </p:cNvPr>
+          <p:cNvSpPr>
+            <a:spLocks noGrp="1"/>
+          </p:cNvSpPr>
+          <p:nvPr>
+            <p:ph type="sldNum" idx="2"/>
+          </p:nvPr>
+        </p:nvSpPr>
+        <p:spPr/>
+        <p:txBody>
+          <a:bodyPr/>
+          <a:lstStyle/>
+          <a:p>
+            <a:pPr marL="0" lvl="0" indent="0" algn="r" rtl="0">
+              <a:spcBef>
+                <a:spcPts val="0"/>
+              </a:spcBef>
+              <a:spcAft>
+                <a:spcPts val="0"/>
+              </a:spcAft>
+              <a:buNone/>
+            </a:pPr>
+            <a:fld id="{00000000-1234-1234-1234-123412341234}" type="slidenum">
+              <a:rPr lang="en" smtClean="0"/>
+              <a:t>13</a:t>
+            </a:fld>
+            <a:endParaRPr lang="en"/>
+          </a:p>
+        </p:txBody>
+      </p:sp>
+    </p:spTree>
+    <p:extLst>
+      <p:ext uri="{BB962C8B-B14F-4D97-AF65-F5344CB8AC3E}">
+        <p14:creationId xmlns:p14="http://schemas.microsoft.com/office/powerpoint/2010/main" val="727089573"/>
+      </p:ext>
+    </p:extLst>
+  </p:cSld>
+  <p:clrMapOvr>
+    <a:masterClrMapping/>
+  </p:clrMapOvr>
+</p:sld>
+</file>
+
+<file path=ppt/slides/slide14.xml><?xml version="1.0" encoding="utf-8"?>
+<p:sld xmlns:a="http://schemas.openxmlformats.org/drawingml/2006/main" xmlns:r="http://schemas.openxmlformats.org/officeDocument/2006/relationships" xmlns:p="http://schemas.openxmlformats.org/presentationml/2006/main">
+  <p:cSld>
+    <p:spTree>
+      <p:nvGrpSpPr>
+        <p:cNvPr id="1" name=""/>
+        <p:cNvGrpSpPr/>
+        <p:nvPr/>
+      </p:nvGrpSpPr>
+      <p:grpSpPr>
+        <a:xfrm>
+          <a:off x="0" y="0"/>
+          <a:ext cx="0" cy="0"/>
+          <a:chOff x="0" y="0"/>
+          <a:chExt cx="0" cy="0"/>
+        </a:xfrm>
+      </p:grpSpPr>
+      <p:sp>
+        <p:nvSpPr>
+          <p:cNvPr id="2" name="Title 1">
+            <a:extLst>
+              <a:ext uri="{FF2B5EF4-FFF2-40B4-BE49-F238E27FC236}">
+                <a16:creationId xmlns:a16="http://schemas.microsoft.com/office/drawing/2014/main" id="{FC0648C6-E769-5DFF-BC98-0595BE6000C4}"/>
+              </a:ext>
+            </a:extLst>
+          </p:cNvPr>
+          <p:cNvSpPr>
+            <a:spLocks noGrp="1"/>
+          </p:cNvSpPr>
+          <p:nvPr>
+            <p:ph type="title"/>
+          </p:nvPr>
+        </p:nvSpPr>
+        <p:spPr/>
+        <p:txBody>
+          <a:bodyPr/>
+          <a:lstStyle/>
+          <a:p>
+            <a:r>
+              <a:rPr lang="en-US" dirty="0"/>
+              <a:t>III. How LRLL works?</a:t>
+            </a:r>
+          </a:p>
+        </p:txBody>
+      </p:sp>
+      <p:sp>
+        <p:nvSpPr>
+          <p:cNvPr id="3" name="Text Placeholder 2">
+            <a:extLst>
+              <a:ext uri="{FF2B5EF4-FFF2-40B4-BE49-F238E27FC236}">
+                <a16:creationId xmlns:a16="http://schemas.microsoft.com/office/drawing/2014/main" id="{B0D585EB-9799-7960-D590-C114C2257420}"/>
+              </a:ext>
+            </a:extLst>
+          </p:cNvPr>
+          <p:cNvSpPr>
+            <a:spLocks noGrp="1"/>
+          </p:cNvSpPr>
+          <p:nvPr>
+            <p:ph type="body" idx="1"/>
+          </p:nvPr>
+        </p:nvSpPr>
+        <p:spPr>
+          <a:xfrm>
+            <a:off x="311700" y="866725"/>
+            <a:ext cx="8520600" cy="3797373"/>
+          </a:xfrm>
+        </p:spPr>
+        <p:txBody>
+          <a:bodyPr/>
+          <a:lstStyle/>
+          <a:p>
+            <a:r>
+              <a:rPr lang="en-US" dirty="0">
+                <a:latin typeface="Times New Roman" panose="02020603050405020304" pitchFamily="18" charset="0"/>
+                <a:cs typeface="Times New Roman" panose="02020603050405020304" pitchFamily="18" charset="0"/>
+              </a:rPr>
+              <a:t>LLM Prompts</a:t>
+            </a:r>
+          </a:p>
+          <a:p>
+            <a:pPr lvl="1"/>
+            <a:r>
+              <a:rPr lang="en-US" dirty="0">
+                <a:latin typeface="Times New Roman" panose="02020603050405020304" pitchFamily="18" charset="0"/>
+                <a:cs typeface="Times New Roman" panose="02020603050405020304" pitchFamily="18" charset="0"/>
+              </a:rPr>
+              <a:t>Comment describing general purpose</a:t>
+            </a:r>
+          </a:p>
+          <a:p>
+            <a:pPr lvl="1"/>
+            <a:r>
+              <a:rPr lang="en-US" dirty="0">
+                <a:latin typeface="Times New Roman" panose="02020603050405020304" pitchFamily="18" charset="0"/>
+                <a:cs typeface="Times New Roman" panose="02020603050405020304" pitchFamily="18" charset="0"/>
+              </a:rPr>
+              <a:t>API information</a:t>
+            </a:r>
+          </a:p>
+          <a:p>
+            <a:pPr lvl="1"/>
+            <a:r>
+              <a:rPr lang="en-US" dirty="0">
+                <a:latin typeface="Times New Roman" panose="02020603050405020304" pitchFamily="18" charset="0"/>
+                <a:cs typeface="Times New Roman" panose="02020603050405020304" pitchFamily="18" charset="0"/>
+              </a:rPr>
+              <a:t>Sequence of task-code pairs from retrieved experiences</a:t>
+            </a:r>
+          </a:p>
+          <a:p>
+            <a:pPr lvl="1"/>
+            <a:r>
+              <a:rPr lang="en-US" dirty="0">
+                <a:latin typeface="Times New Roman" panose="02020603050405020304" pitchFamily="18" charset="0"/>
+                <a:cs typeface="Times New Roman" panose="02020603050405020304" pitchFamily="18" charset="0"/>
+              </a:rPr>
+              <a:t>Chain-of-thoughts provided as comments</a:t>
+            </a:r>
+          </a:p>
+          <a:p>
+            <a:r>
+              <a:rPr lang="en-US" dirty="0">
+                <a:latin typeface="Times New Roman" panose="02020603050405020304" pitchFamily="18" charset="0"/>
+                <a:cs typeface="Times New Roman" panose="02020603050405020304" pitchFamily="18" charset="0"/>
+              </a:rPr>
+              <a:t>Exploration</a:t>
+            </a:r>
+          </a:p>
+          <a:p>
+            <a:pPr lvl="1"/>
+            <a:r>
+              <a:rPr lang="en-US" dirty="0">
+                <a:latin typeface="Times New Roman" panose="02020603050405020304" pitchFamily="18" charset="0"/>
+                <a:cs typeface="Times New Roman" panose="02020603050405020304" pitchFamily="18" charset="0"/>
+              </a:rPr>
+              <a:t>Variations: alter concepts present in instruction</a:t>
+            </a:r>
+          </a:p>
+          <a:p>
+            <a:pPr lvl="1"/>
+            <a:r>
+              <a:rPr lang="en-US" dirty="0">
+                <a:latin typeface="Times New Roman" panose="02020603050405020304" pitchFamily="18" charset="0"/>
+                <a:cs typeface="Times New Roman" panose="02020603050405020304" pitchFamily="18" charset="0"/>
+              </a:rPr>
+              <a:t>Compositions: combinations of concepts present in demos</a:t>
+            </a:r>
+          </a:p>
+          <a:p>
+            <a:r>
+              <a:rPr lang="en-US" dirty="0">
+                <a:latin typeface="Times New Roman" panose="02020603050405020304" pitchFamily="18" charset="0"/>
+                <a:cs typeface="Times New Roman" panose="02020603050405020304" pitchFamily="18" charset="0"/>
+              </a:rPr>
+              <a:t>Skill Abstraction</a:t>
+            </a:r>
+          </a:p>
+          <a:p>
+            <a:pPr lvl="1"/>
+            <a:r>
+              <a:rPr lang="en-US" dirty="0">
+                <a:latin typeface="Times New Roman" panose="02020603050405020304" pitchFamily="18" charset="0"/>
+                <a:cs typeface="Times New Roman" panose="02020603050405020304" pitchFamily="18" charset="0"/>
+              </a:rPr>
+              <a:t>Maintain logic but account for variations</a:t>
+            </a:r>
+          </a:p>
+          <a:p>
+            <a:pPr lvl="1"/>
+            <a:r>
+              <a:rPr lang="en-US" dirty="0">
+                <a:latin typeface="Times New Roman" panose="02020603050405020304" pitchFamily="18" charset="0"/>
+                <a:cs typeface="Times New Roman" panose="02020603050405020304" pitchFamily="18" charset="0"/>
+              </a:rPr>
+              <a:t>Extract boilerplate snippets and abstract them to new functions</a:t>
+            </a:r>
+            <a:endParaRPr lang="en-US" dirty="0"/>
+          </a:p>
+          <a:p>
+            <a:pPr lvl="1"/>
+            <a:endParaRPr lang="en-US" dirty="0"/>
+          </a:p>
+          <a:p>
+            <a:pPr lvl="1"/>
+            <a:endParaRPr lang="en-US" dirty="0"/>
+          </a:p>
+        </p:txBody>
+      </p:sp>
+      <p:sp>
+        <p:nvSpPr>
+          <p:cNvPr id="4" name="Slide Number Placeholder 3">
+            <a:extLst>
+              <a:ext uri="{FF2B5EF4-FFF2-40B4-BE49-F238E27FC236}">
+                <a16:creationId xmlns:a16="http://schemas.microsoft.com/office/drawing/2014/main" id="{96507D9B-2FD9-F141-99AC-D9B91360283D}"/>
+              </a:ext>
+            </a:extLst>
+          </p:cNvPr>
+          <p:cNvSpPr>
+            <a:spLocks noGrp="1"/>
+          </p:cNvSpPr>
+          <p:nvPr>
+            <p:ph type="sldNum" idx="12"/>
+          </p:nvPr>
+        </p:nvSpPr>
+        <p:spPr/>
+        <p:txBody>
+          <a:bodyPr/>
+          <a:lstStyle/>
+          <a:p>
+            <a:pPr marL="0" lvl="0" indent="0" algn="r" rtl="0">
+              <a:spcBef>
+                <a:spcPts val="0"/>
+              </a:spcBef>
+              <a:spcAft>
+                <a:spcPts val="0"/>
+              </a:spcAft>
+              <a:buNone/>
+            </a:pPr>
+            <a:fld id="{00000000-1234-1234-1234-123412341234}" type="slidenum">
+              <a:rPr lang="en" smtClean="0"/>
+              <a:t>14</a:t>
+            </a:fld>
+            <a:endParaRPr lang="en"/>
+          </a:p>
+        </p:txBody>
+      </p:sp>
+      <p:sp>
+        <p:nvSpPr>
+          <p:cNvPr id="5" name="Slide Number Placeholder 4">
+            <a:extLst>
+              <a:ext uri="{FF2B5EF4-FFF2-40B4-BE49-F238E27FC236}">
+                <a16:creationId xmlns:a16="http://schemas.microsoft.com/office/drawing/2014/main" id="{C5B7D20A-E5BB-FC2F-B1DB-ACDD93E1D321}"/>
+              </a:ext>
+            </a:extLst>
+          </p:cNvPr>
+          <p:cNvSpPr>
+            <a:spLocks noGrp="1"/>
+          </p:cNvSpPr>
+          <p:nvPr>
+            <p:ph type="sldNum" idx="2"/>
+          </p:nvPr>
+        </p:nvSpPr>
+        <p:spPr/>
+        <p:txBody>
+          <a:bodyPr/>
+          <a:lstStyle/>
+          <a:p>
+            <a:pPr marL="0" lvl="0" indent="0" algn="r" rtl="0">
+              <a:spcBef>
+                <a:spcPts val="0"/>
+              </a:spcBef>
+              <a:spcAft>
+                <a:spcPts val="0"/>
+              </a:spcAft>
+              <a:buNone/>
+            </a:pPr>
+            <a:fld id="{00000000-1234-1234-1234-123412341234}" type="slidenum">
+              <a:rPr lang="en" smtClean="0"/>
+              <a:t>14</a:t>
+            </a:fld>
+            <a:endParaRPr lang="en"/>
+          </a:p>
+        </p:txBody>
+      </p:sp>
+    </p:spTree>
+    <p:extLst>
+      <p:ext uri="{BB962C8B-B14F-4D97-AF65-F5344CB8AC3E}">
+        <p14:creationId xmlns:p14="http://schemas.microsoft.com/office/powerpoint/2010/main" val="2247702886"/>
+      </p:ext>
+    </p:extLst>
+  </p:cSld>
+  <p:clrMapOvr>
+    <a:masterClrMapping/>
+  </p:clrMapOvr>
+</p:sld>
+</file>
+
+<file path=ppt/slides/slide15.xml><?xml version="1.0" encoding="utf-8"?>
+<p:sld xmlns:a="http://schemas.openxmlformats.org/drawingml/2006/main" xmlns:r="http://schemas.openxmlformats.org/officeDocument/2006/relationships" xmlns:p="http://schemas.openxmlformats.org/presentationml/2006/main">
+  <p:cSld>
+    <p:spTree>
+      <p:nvGrpSpPr>
+        <p:cNvPr id="1" name=""/>
+        <p:cNvGrpSpPr/>
+        <p:nvPr/>
+      </p:nvGrpSpPr>
+      <p:grpSpPr>
+        <a:xfrm>
+          <a:off x="0" y="0"/>
+          <a:ext cx="0" cy="0"/>
+          <a:chOff x="0" y="0"/>
+          <a:chExt cx="0" cy="0"/>
+        </a:xfrm>
+      </p:grpSpPr>
+      <p:sp>
+        <p:nvSpPr>
+          <p:cNvPr id="2" name="Title 1">
+            <a:extLst>
+              <a:ext uri="{FF2B5EF4-FFF2-40B4-BE49-F238E27FC236}">
+                <a16:creationId xmlns:a16="http://schemas.microsoft.com/office/drawing/2014/main" id="{264C50FF-5EEC-751C-5214-2E8481BE80E0}"/>
+              </a:ext>
+            </a:extLst>
+          </p:cNvPr>
+          <p:cNvSpPr>
+            <a:spLocks noGrp="1"/>
+          </p:cNvSpPr>
+          <p:nvPr>
+            <p:ph type="title"/>
+          </p:nvPr>
+        </p:nvSpPr>
+        <p:spPr>
+          <a:xfrm>
+            <a:off x="311700" y="2571750"/>
+            <a:ext cx="8520600" cy="572700"/>
+          </a:xfrm>
+        </p:spPr>
+        <p:txBody>
+          <a:bodyPr/>
+          <a:lstStyle/>
+          <a:p>
+            <a:pPr algn="ctr"/>
+            <a:r>
+              <a:rPr lang="en-US" dirty="0"/>
+              <a:t>IV. Experimental Results</a:t>
+            </a:r>
+          </a:p>
+        </p:txBody>
+      </p:sp>
+      <p:sp>
+        <p:nvSpPr>
+          <p:cNvPr id="4" name="Slide Number Placeholder 3">
+            <a:extLst>
+              <a:ext uri="{FF2B5EF4-FFF2-40B4-BE49-F238E27FC236}">
+                <a16:creationId xmlns:a16="http://schemas.microsoft.com/office/drawing/2014/main" id="{E4D36E30-C87B-06FC-DD57-4D866BF07AA4}"/>
+              </a:ext>
+            </a:extLst>
+          </p:cNvPr>
+          <p:cNvSpPr>
+            <a:spLocks noGrp="1"/>
+          </p:cNvSpPr>
+          <p:nvPr>
+            <p:ph type="sldNum" idx="12"/>
+          </p:nvPr>
+        </p:nvSpPr>
+        <p:spPr/>
+        <p:txBody>
+          <a:bodyPr/>
+          <a:lstStyle/>
+          <a:p>
+            <a:pPr marL="0" lvl="0" indent="0" algn="r" rtl="0">
+              <a:spcBef>
+                <a:spcPts val="0"/>
+              </a:spcBef>
+              <a:spcAft>
+                <a:spcPts val="0"/>
+              </a:spcAft>
+              <a:buNone/>
+            </a:pPr>
+            <a:fld id="{00000000-1234-1234-1234-123412341234}" type="slidenum">
+              <a:rPr lang="en" smtClean="0"/>
+              <a:t>15</a:t>
+            </a:fld>
+            <a:endParaRPr lang="en"/>
+          </a:p>
+        </p:txBody>
+      </p:sp>
+      <p:sp>
+        <p:nvSpPr>
+          <p:cNvPr id="5" name="Slide Number Placeholder 4">
+            <a:extLst>
+              <a:ext uri="{FF2B5EF4-FFF2-40B4-BE49-F238E27FC236}">
+                <a16:creationId xmlns:a16="http://schemas.microsoft.com/office/drawing/2014/main" id="{486C2341-13FF-6811-A640-58468291EB09}"/>
+              </a:ext>
+            </a:extLst>
+          </p:cNvPr>
+          <p:cNvSpPr>
+            <a:spLocks noGrp="1"/>
+          </p:cNvSpPr>
+          <p:nvPr>
+            <p:ph type="sldNum" idx="2"/>
+          </p:nvPr>
+        </p:nvSpPr>
+        <p:spPr/>
+        <p:txBody>
+          <a:bodyPr/>
+          <a:lstStyle/>
+          <a:p>
+            <a:pPr marL="0" lvl="0" indent="0" algn="r" rtl="0">
+              <a:spcBef>
+                <a:spcPts val="0"/>
+              </a:spcBef>
+              <a:spcAft>
+                <a:spcPts val="0"/>
+              </a:spcAft>
+              <a:buNone/>
+            </a:pPr>
+            <a:fld id="{00000000-1234-1234-1234-123412341234}" type="slidenum">
+              <a:rPr lang="en" smtClean="0"/>
+              <a:t>15</a:t>
+            </a:fld>
+            <a:endParaRPr lang="en"/>
+          </a:p>
+        </p:txBody>
+      </p:sp>
+    </p:spTree>
+    <p:extLst>
+      <p:ext uri="{BB962C8B-B14F-4D97-AF65-F5344CB8AC3E}">
+        <p14:creationId xmlns:p14="http://schemas.microsoft.com/office/powerpoint/2010/main" val="1795411805"/>
+      </p:ext>
+    </p:extLst>
+  </p:cSld>
+  <p:clrMapOvr>
+    <a:masterClrMapping/>
+  </p:clrMapOvr>
+</p:sld>
+</file>
+
+<file path=ppt/slides/slide16.xml><?xml version="1.0" encoding="utf-8"?>
+<p:sld xmlns:a="http://schemas.openxmlformats.org/drawingml/2006/main" xmlns:r="http://schemas.openxmlformats.org/officeDocument/2006/relationships" xmlns:p="http://schemas.openxmlformats.org/presentationml/2006/main">
+  <p:cSld>
+    <p:spTree>
+      <p:nvGrpSpPr>
+        <p:cNvPr id="1" name=""/>
+        <p:cNvGrpSpPr/>
+        <p:nvPr/>
+      </p:nvGrpSpPr>
+      <p:grpSpPr>
+        <a:xfrm>
+          <a:off x="0" y="0"/>
+          <a:ext cx="0" cy="0"/>
+          <a:chOff x="0" y="0"/>
+          <a:chExt cx="0" cy="0"/>
+        </a:xfrm>
+      </p:grpSpPr>
+      <p:sp>
+        <p:nvSpPr>
+          <p:cNvPr id="2" name="Title 1">
+            <a:extLst>
+              <a:ext uri="{FF2B5EF4-FFF2-40B4-BE49-F238E27FC236}">
+                <a16:creationId xmlns:a16="http://schemas.microsoft.com/office/drawing/2014/main" id="{91F313CF-3BA8-3908-350D-76C3C3E9EFE2}"/>
+              </a:ext>
+            </a:extLst>
+          </p:cNvPr>
+          <p:cNvSpPr>
+            <a:spLocks noGrp="1"/>
+          </p:cNvSpPr>
+          <p:nvPr>
+            <p:ph type="title"/>
+          </p:nvPr>
+        </p:nvSpPr>
+        <p:spPr/>
+        <p:txBody>
+          <a:bodyPr/>
+          <a:lstStyle/>
+          <a:p>
+            <a:r>
+              <a:rPr lang="en-US" dirty="0"/>
+              <a:t>IV. Experimental Results</a:t>
+            </a:r>
+          </a:p>
+        </p:txBody>
+      </p:sp>
+      <p:sp>
+        <p:nvSpPr>
+          <p:cNvPr id="3" name="Text Placeholder 2">
+            <a:extLst>
+              <a:ext uri="{FF2B5EF4-FFF2-40B4-BE49-F238E27FC236}">
+                <a16:creationId xmlns:a16="http://schemas.microsoft.com/office/drawing/2014/main" id="{C78765BE-E985-6847-E434-EEC6F64318C9}"/>
+              </a:ext>
+            </a:extLst>
+          </p:cNvPr>
+          <p:cNvSpPr>
+            <a:spLocks noGrp="1"/>
+          </p:cNvSpPr>
+          <p:nvPr>
+            <p:ph type="body" idx="1"/>
+          </p:nvPr>
+        </p:nvSpPr>
+        <p:spPr>
+          <a:xfrm>
+            <a:off x="159300" y="888086"/>
+            <a:ext cx="8520600" cy="4255414"/>
+          </a:xfrm>
+        </p:spPr>
+        <p:txBody>
+          <a:bodyPr/>
+          <a:lstStyle/>
+          <a:p>
+            <a:pPr>
+              <a:lnSpc>
+                <a:spcPct val="100000"/>
+              </a:lnSpc>
+            </a:pPr>
+            <a:r>
+              <a:rPr lang="en-US" sz="1400" dirty="0">
+                <a:latin typeface="Times New Roman" panose="02020603050405020304" pitchFamily="18" charset="0"/>
+                <a:cs typeface="Times New Roman" panose="02020603050405020304" pitchFamily="18" charset="0"/>
+              </a:rPr>
+              <a:t>gpt-3.5-turbo and </a:t>
+            </a:r>
+            <a:r>
+              <a:rPr lang="en-US" sz="1400" dirty="0"/>
+              <a:t>text-embedding-ada-002</a:t>
+            </a:r>
+            <a:endParaRPr lang="en-US" sz="1400" dirty="0">
+              <a:latin typeface="Times New Roman" panose="02020603050405020304" pitchFamily="18" charset="0"/>
+              <a:cs typeface="Times New Roman" panose="02020603050405020304" pitchFamily="18" charset="0"/>
+            </a:endParaRPr>
+          </a:p>
+          <a:p>
+            <a:pPr>
+              <a:lnSpc>
+                <a:spcPct val="100000"/>
+              </a:lnSpc>
+            </a:pPr>
+            <a:r>
+              <a:rPr lang="en-US" sz="1400" dirty="0"/>
+              <a:t>blocks-and-bowls setup replicated from previous works</a:t>
+            </a:r>
+          </a:p>
+          <a:p>
+            <a:pPr>
+              <a:lnSpc>
+                <a:spcPct val="100000"/>
+              </a:lnSpc>
+            </a:pPr>
+            <a:r>
+              <a:rPr lang="en-US" sz="1400" dirty="0"/>
+              <a:t>41 task templates and 4 cycles</a:t>
+            </a:r>
+          </a:p>
+          <a:p>
+            <a:pPr lvl="1">
+              <a:lnSpc>
+                <a:spcPct val="100000"/>
+              </a:lnSpc>
+            </a:pPr>
+            <a:r>
+              <a:rPr lang="en-US" sz="1100" dirty="0"/>
+              <a:t>Spatial coordination</a:t>
+            </a:r>
+          </a:p>
+          <a:p>
+            <a:pPr lvl="1">
+              <a:lnSpc>
+                <a:spcPct val="100000"/>
+              </a:lnSpc>
+            </a:pPr>
+            <a:r>
+              <a:rPr lang="en-US" sz="1100" dirty="0"/>
+              <a:t>Visual reasoning</a:t>
+            </a:r>
+          </a:p>
+          <a:p>
+            <a:pPr lvl="1">
+              <a:lnSpc>
+                <a:spcPct val="100000"/>
+              </a:lnSpc>
+            </a:pPr>
+            <a:r>
+              <a:rPr lang="en-US" sz="1100" dirty="0"/>
+              <a:t>Object manipulation</a:t>
+            </a:r>
+          </a:p>
+          <a:p>
+            <a:pPr lvl="1">
+              <a:lnSpc>
+                <a:spcPct val="100000"/>
+              </a:lnSpc>
+            </a:pPr>
+            <a:r>
+              <a:rPr lang="en-US" sz="1100" dirty="0"/>
+              <a:t>rearrangement</a:t>
+            </a:r>
+          </a:p>
+          <a:p>
+            <a:pPr>
+              <a:lnSpc>
+                <a:spcPct val="100000"/>
+              </a:lnSpc>
+            </a:pPr>
+            <a:r>
+              <a:rPr lang="en-US" sz="1400" dirty="0"/>
+              <a:t>Task instances</a:t>
+            </a:r>
+          </a:p>
+          <a:p>
+            <a:pPr lvl="1">
+              <a:lnSpc>
+                <a:spcPct val="100000"/>
+              </a:lnSpc>
+            </a:pPr>
+            <a:r>
+              <a:rPr lang="en-US" sz="1100" dirty="0"/>
+              <a:t>Seen instructions with seen (SA)/unseen (UA) attributes</a:t>
+            </a:r>
+          </a:p>
+          <a:p>
+            <a:pPr lvl="1">
+              <a:lnSpc>
+                <a:spcPct val="100000"/>
+              </a:lnSpc>
+            </a:pPr>
+            <a:r>
+              <a:rPr lang="en-US" sz="1100" dirty="0"/>
+              <a:t>Unseen instructions with unseen attributes (UI)</a:t>
+            </a:r>
+          </a:p>
+          <a:p>
+            <a:pPr lvl="1">
+              <a:lnSpc>
+                <a:spcPct val="100000"/>
+              </a:lnSpc>
+            </a:pPr>
+            <a:r>
+              <a:rPr lang="en-US" sz="1100" dirty="0"/>
+              <a:t>For lifelong setup</a:t>
+            </a:r>
+          </a:p>
+          <a:p>
+            <a:pPr lvl="2">
+              <a:lnSpc>
+                <a:spcPct val="100000"/>
+              </a:lnSpc>
+            </a:pPr>
+            <a:r>
+              <a:rPr lang="en-US" sz="1100" dirty="0"/>
+              <a:t>Forward-transfer</a:t>
+            </a:r>
+          </a:p>
+          <a:p>
+            <a:pPr lvl="2">
+              <a:lnSpc>
+                <a:spcPct val="100000"/>
+              </a:lnSpc>
+            </a:pPr>
+            <a:r>
+              <a:rPr lang="en-US" sz="1100" dirty="0"/>
+              <a:t>Backward-transfer</a:t>
+            </a:r>
+          </a:p>
+          <a:p>
+            <a:pPr>
+              <a:lnSpc>
+                <a:spcPct val="100000"/>
+              </a:lnSpc>
+            </a:pPr>
+            <a:r>
+              <a:rPr lang="en-US" sz="1400" dirty="0"/>
+              <a:t>Baselines</a:t>
+            </a:r>
+          </a:p>
+          <a:p>
+            <a:pPr lvl="1">
+              <a:lnSpc>
+                <a:spcPct val="100000"/>
+              </a:lnSpc>
+            </a:pPr>
+            <a:r>
+              <a:rPr lang="en-US" sz="1100" dirty="0" err="1"/>
+              <a:t>CLIPort</a:t>
+            </a:r>
+            <a:endParaRPr lang="en-US" sz="1100" dirty="0"/>
+          </a:p>
+          <a:p>
+            <a:pPr lvl="1">
+              <a:lnSpc>
+                <a:spcPct val="100000"/>
+              </a:lnSpc>
+            </a:pPr>
+            <a:r>
+              <a:rPr lang="en-US" sz="1100" dirty="0" err="1"/>
+              <a:t>CaP</a:t>
+            </a:r>
+            <a:endParaRPr lang="en-US" sz="1100" dirty="0"/>
+          </a:p>
+          <a:p>
+            <a:pPr lvl="1">
+              <a:lnSpc>
+                <a:spcPct val="100000"/>
+              </a:lnSpc>
+            </a:pPr>
+            <a:r>
+              <a:rPr lang="en-US" sz="1100" dirty="0"/>
+              <a:t>LLRL-no-sleep</a:t>
+            </a:r>
+          </a:p>
+          <a:p>
+            <a:pPr lvl="1">
+              <a:lnSpc>
+                <a:spcPct val="100000"/>
+              </a:lnSpc>
+            </a:pPr>
+            <a:r>
+              <a:rPr lang="en-US" sz="1100" dirty="0"/>
+              <a:t>LLRL-no-wake</a:t>
+            </a:r>
+          </a:p>
+          <a:p>
+            <a:pPr lvl="1"/>
+            <a:endParaRPr lang="en-US" dirty="0"/>
+          </a:p>
+        </p:txBody>
+      </p:sp>
+      <p:sp>
+        <p:nvSpPr>
+          <p:cNvPr id="4" name="Slide Number Placeholder 3">
+            <a:extLst>
+              <a:ext uri="{FF2B5EF4-FFF2-40B4-BE49-F238E27FC236}">
+                <a16:creationId xmlns:a16="http://schemas.microsoft.com/office/drawing/2014/main" id="{2931AD7A-CACA-C1CD-6BF0-FEEB395F79B4}"/>
+              </a:ext>
+            </a:extLst>
+          </p:cNvPr>
+          <p:cNvSpPr>
+            <a:spLocks noGrp="1"/>
+          </p:cNvSpPr>
+          <p:nvPr>
+            <p:ph type="sldNum" idx="12"/>
+          </p:nvPr>
+        </p:nvSpPr>
+        <p:spPr/>
+        <p:txBody>
+          <a:bodyPr/>
+          <a:lstStyle/>
+          <a:p>
+            <a:pPr marL="0" lvl="0" indent="0" algn="r" rtl="0">
+              <a:spcBef>
+                <a:spcPts val="0"/>
+              </a:spcBef>
+              <a:spcAft>
+                <a:spcPts val="0"/>
+              </a:spcAft>
+              <a:buNone/>
+            </a:pPr>
+            <a:fld id="{00000000-1234-1234-1234-123412341234}" type="slidenum">
+              <a:rPr lang="en" smtClean="0"/>
+              <a:t>16</a:t>
+            </a:fld>
+            <a:endParaRPr lang="en"/>
+          </a:p>
+        </p:txBody>
+      </p:sp>
+      <p:sp>
+        <p:nvSpPr>
+          <p:cNvPr id="5" name="Slide Number Placeholder 4">
+            <a:extLst>
+              <a:ext uri="{FF2B5EF4-FFF2-40B4-BE49-F238E27FC236}">
+                <a16:creationId xmlns:a16="http://schemas.microsoft.com/office/drawing/2014/main" id="{526B02F4-FA15-8789-8ABE-CA48D7551F93}"/>
+              </a:ext>
+            </a:extLst>
+          </p:cNvPr>
+          <p:cNvSpPr>
+            <a:spLocks noGrp="1"/>
+          </p:cNvSpPr>
+          <p:nvPr>
+            <p:ph type="sldNum" idx="2"/>
+          </p:nvPr>
+        </p:nvSpPr>
+        <p:spPr/>
+        <p:txBody>
+          <a:bodyPr/>
+          <a:lstStyle/>
+          <a:p>
+            <a:pPr marL="0" lvl="0" indent="0" algn="r" rtl="0">
+              <a:spcBef>
+                <a:spcPts val="0"/>
+              </a:spcBef>
+              <a:spcAft>
+                <a:spcPts val="0"/>
+              </a:spcAft>
+              <a:buNone/>
+            </a:pPr>
+            <a:fld id="{00000000-1234-1234-1234-123412341234}" type="slidenum">
+              <a:rPr lang="en" smtClean="0"/>
+              <a:t>16</a:t>
+            </a:fld>
+            <a:endParaRPr lang="en"/>
+          </a:p>
+        </p:txBody>
+      </p:sp>
+    </p:spTree>
+    <p:extLst>
+      <p:ext uri="{BB962C8B-B14F-4D97-AF65-F5344CB8AC3E}">
+        <p14:creationId xmlns:p14="http://schemas.microsoft.com/office/powerpoint/2010/main" val="1070569935"/>
+      </p:ext>
+    </p:extLst>
+  </p:cSld>
+  <p:clrMapOvr>
+    <a:masterClrMapping/>
+  </p:clrMapOvr>
+</p:sld>
+</file>
+
+<file path=ppt/slides/slide17.xml><?xml version="1.0" encoding="utf-8"?>
+<p:sld xmlns:a="http://schemas.openxmlformats.org/drawingml/2006/main" xmlns:r="http://schemas.openxmlformats.org/officeDocument/2006/relationships" xmlns:p="http://schemas.openxmlformats.org/presentationml/2006/main">
+  <p:cSld>
+    <p:spTree>
+      <p:nvGrpSpPr>
+        <p:cNvPr id="1" name=""/>
+        <p:cNvGrpSpPr/>
+        <p:nvPr/>
+      </p:nvGrpSpPr>
+      <p:grpSpPr>
+        <a:xfrm>
+          <a:off x="0" y="0"/>
+          <a:ext cx="0" cy="0"/>
+          <a:chOff x="0" y="0"/>
+          <a:chExt cx="0" cy="0"/>
+        </a:xfrm>
+      </p:grpSpPr>
+      <p:sp>
+        <p:nvSpPr>
+          <p:cNvPr id="2" name="Title 1">
+            <a:extLst>
+              <a:ext uri="{FF2B5EF4-FFF2-40B4-BE49-F238E27FC236}">
+                <a16:creationId xmlns:a16="http://schemas.microsoft.com/office/drawing/2014/main" id="{91F313CF-3BA8-3908-350D-76C3C3E9EFE2}"/>
+              </a:ext>
+            </a:extLst>
+          </p:cNvPr>
+          <p:cNvSpPr>
+            <a:spLocks noGrp="1"/>
+          </p:cNvSpPr>
+          <p:nvPr>
+            <p:ph type="title"/>
+          </p:nvPr>
+        </p:nvSpPr>
+        <p:spPr/>
+        <p:txBody>
+          <a:bodyPr/>
+          <a:lstStyle/>
+          <a:p>
+            <a:r>
+              <a:rPr lang="en-US" dirty="0"/>
+              <a:t>IV. Experimental Results</a:t>
+            </a:r>
+          </a:p>
+        </p:txBody>
+      </p:sp>
+      <p:sp>
+        <p:nvSpPr>
+          <p:cNvPr id="3" name="Text Placeholder 2">
+            <a:extLst>
+              <a:ext uri="{FF2B5EF4-FFF2-40B4-BE49-F238E27FC236}">
+                <a16:creationId xmlns:a16="http://schemas.microsoft.com/office/drawing/2014/main" id="{C78765BE-E985-6847-E434-EEC6F64318C9}"/>
+              </a:ext>
+            </a:extLst>
+          </p:cNvPr>
+          <p:cNvSpPr>
+            <a:spLocks noGrp="1"/>
+          </p:cNvSpPr>
+          <p:nvPr>
+            <p:ph type="body" idx="1"/>
+          </p:nvPr>
+        </p:nvSpPr>
+        <p:spPr>
+          <a:xfrm>
+            <a:off x="159300" y="1228770"/>
+            <a:ext cx="3919319" cy="3027466"/>
+          </a:xfrm>
+        </p:spPr>
+        <p:txBody>
+          <a:bodyPr/>
+          <a:lstStyle/>
+          <a:p>
+            <a:pPr>
+              <a:lnSpc>
+                <a:spcPct val="100000"/>
+              </a:lnSpc>
+            </a:pPr>
+            <a:r>
+              <a:rPr lang="en-US" sz="1400" dirty="0">
+                <a:latin typeface="Times New Roman" panose="02020603050405020304" pitchFamily="18" charset="0"/>
+                <a:cs typeface="Times New Roman" panose="02020603050405020304" pitchFamily="18" charset="0"/>
+              </a:rPr>
+              <a:t>Tabletop Manipulation</a:t>
+            </a:r>
+          </a:p>
+          <a:p>
+            <a:pPr lvl="1">
+              <a:lnSpc>
+                <a:spcPct val="100000"/>
+              </a:lnSpc>
+            </a:pPr>
+            <a:r>
+              <a:rPr lang="en-US" dirty="0">
+                <a:latin typeface="Times New Roman" panose="02020603050405020304" pitchFamily="18" charset="0"/>
+                <a:cs typeface="Times New Roman" panose="02020603050405020304" pitchFamily="18" charset="0"/>
+              </a:rPr>
+              <a:t>Simulated teacher</a:t>
+            </a:r>
+          </a:p>
+          <a:p>
+            <a:pPr lvl="2">
+              <a:lnSpc>
+                <a:spcPct val="100000"/>
+              </a:lnSpc>
+            </a:pPr>
+            <a:r>
+              <a:rPr lang="en-US" dirty="0">
+                <a:latin typeface="Times New Roman" panose="02020603050405020304" pitchFamily="18" charset="0"/>
+                <a:cs typeface="Times New Roman" panose="02020603050405020304" pitchFamily="18" charset="0"/>
+              </a:rPr>
+              <a:t>Generated 5 demonstrations</a:t>
+            </a:r>
+          </a:p>
+          <a:p>
+            <a:pPr lvl="2">
+              <a:lnSpc>
+                <a:spcPct val="100000"/>
+              </a:lnSpc>
+            </a:pPr>
+            <a:r>
+              <a:rPr lang="en-US" dirty="0">
+                <a:latin typeface="Times New Roman" panose="02020603050405020304" pitchFamily="18" charset="0"/>
+                <a:cs typeface="Times New Roman" panose="02020603050405020304" pitchFamily="18" charset="0"/>
+              </a:rPr>
+              <a:t>Multiple test for each cycle</a:t>
+            </a:r>
+          </a:p>
+          <a:p>
+            <a:pPr lvl="1">
+              <a:lnSpc>
+                <a:spcPct val="100000"/>
+              </a:lnSpc>
+            </a:pPr>
+            <a:r>
+              <a:rPr lang="en-US" dirty="0" err="1">
+                <a:latin typeface="Times New Roman" panose="02020603050405020304" pitchFamily="18" charset="0"/>
+                <a:cs typeface="Times New Roman" panose="02020603050405020304" pitchFamily="18" charset="0"/>
+              </a:rPr>
+              <a:t>CLIPort</a:t>
+            </a:r>
+            <a:endParaRPr lang="en-US" dirty="0">
+              <a:latin typeface="Times New Roman" panose="02020603050405020304" pitchFamily="18" charset="0"/>
+              <a:cs typeface="Times New Roman" panose="02020603050405020304" pitchFamily="18" charset="0"/>
+            </a:endParaRPr>
+          </a:p>
+          <a:p>
+            <a:pPr lvl="2">
+              <a:lnSpc>
+                <a:spcPct val="100000"/>
+              </a:lnSpc>
+            </a:pPr>
+            <a:r>
+              <a:rPr lang="en-US" dirty="0">
+                <a:latin typeface="Times New Roman" panose="02020603050405020304" pitchFamily="18" charset="0"/>
+                <a:cs typeface="Times New Roman" panose="02020603050405020304" pitchFamily="18" charset="0"/>
+              </a:rPr>
+              <a:t>1k trajectories per task</a:t>
+            </a:r>
+          </a:p>
+          <a:p>
+            <a:pPr lvl="1">
+              <a:lnSpc>
+                <a:spcPct val="100000"/>
+              </a:lnSpc>
+            </a:pPr>
+            <a:r>
+              <a:rPr lang="en-US" dirty="0">
+                <a:latin typeface="Times New Roman" panose="02020603050405020304" pitchFamily="18" charset="0"/>
+                <a:cs typeface="Times New Roman" panose="02020603050405020304" pitchFamily="18" charset="0"/>
+              </a:rPr>
+              <a:t>LLM-static</a:t>
+            </a:r>
+          </a:p>
+          <a:p>
+            <a:pPr lvl="2">
+              <a:lnSpc>
+                <a:spcPct val="100000"/>
+              </a:lnSpc>
+            </a:pPr>
+            <a:r>
+              <a:rPr lang="en-US" dirty="0">
+                <a:latin typeface="Times New Roman" panose="02020603050405020304" pitchFamily="18" charset="0"/>
+                <a:cs typeface="Times New Roman" panose="02020603050405020304" pitchFamily="18" charset="0"/>
+              </a:rPr>
+              <a:t>Demos append to prompt</a:t>
+            </a:r>
+          </a:p>
+          <a:p>
+            <a:pPr lvl="1">
+              <a:lnSpc>
+                <a:spcPct val="100000"/>
+              </a:lnSpc>
+            </a:pPr>
+            <a:endParaRPr lang="en-US" sz="1000" dirty="0">
+              <a:latin typeface="Times New Roman" panose="02020603050405020304" pitchFamily="18" charset="0"/>
+              <a:cs typeface="Times New Roman" panose="02020603050405020304" pitchFamily="18" charset="0"/>
+            </a:endParaRPr>
+          </a:p>
+        </p:txBody>
+      </p:sp>
+      <p:sp>
+        <p:nvSpPr>
+          <p:cNvPr id="4" name="Slide Number Placeholder 3">
+            <a:extLst>
+              <a:ext uri="{FF2B5EF4-FFF2-40B4-BE49-F238E27FC236}">
+                <a16:creationId xmlns:a16="http://schemas.microsoft.com/office/drawing/2014/main" id="{2931AD7A-CACA-C1CD-6BF0-FEEB395F79B4}"/>
+              </a:ext>
+            </a:extLst>
+          </p:cNvPr>
+          <p:cNvSpPr>
+            <a:spLocks noGrp="1"/>
+          </p:cNvSpPr>
+          <p:nvPr>
+            <p:ph type="sldNum" idx="12"/>
+          </p:nvPr>
+        </p:nvSpPr>
+        <p:spPr/>
+        <p:txBody>
+          <a:bodyPr/>
+          <a:lstStyle/>
+          <a:p>
+            <a:pPr marL="0" lvl="0" indent="0" algn="r" rtl="0">
+              <a:spcBef>
+                <a:spcPts val="0"/>
+              </a:spcBef>
+              <a:spcAft>
+                <a:spcPts val="0"/>
+              </a:spcAft>
+              <a:buNone/>
+            </a:pPr>
+            <a:fld id="{00000000-1234-1234-1234-123412341234}" type="slidenum">
+              <a:rPr lang="en" smtClean="0"/>
+              <a:t>17</a:t>
+            </a:fld>
+            <a:endParaRPr lang="en"/>
+          </a:p>
+        </p:txBody>
+      </p:sp>
+      <p:sp>
+        <p:nvSpPr>
+          <p:cNvPr id="5" name="Slide Number Placeholder 4">
+            <a:extLst>
+              <a:ext uri="{FF2B5EF4-FFF2-40B4-BE49-F238E27FC236}">
+                <a16:creationId xmlns:a16="http://schemas.microsoft.com/office/drawing/2014/main" id="{526B02F4-FA15-8789-8ABE-CA48D7551F93}"/>
+              </a:ext>
+            </a:extLst>
+          </p:cNvPr>
+          <p:cNvSpPr>
+            <a:spLocks noGrp="1"/>
+          </p:cNvSpPr>
+          <p:nvPr>
+            <p:ph type="sldNum" idx="2"/>
+          </p:nvPr>
+        </p:nvSpPr>
+        <p:spPr/>
+        <p:txBody>
+          <a:bodyPr/>
+          <a:lstStyle/>
+          <a:p>
+            <a:pPr marL="0" lvl="0" indent="0" algn="r" rtl="0">
+              <a:spcBef>
+                <a:spcPts val="0"/>
+              </a:spcBef>
+              <a:spcAft>
+                <a:spcPts val="0"/>
+              </a:spcAft>
+              <a:buNone/>
+            </a:pPr>
+            <a:fld id="{00000000-1234-1234-1234-123412341234}" type="slidenum">
+              <a:rPr lang="en" smtClean="0"/>
+              <a:t>17</a:t>
+            </a:fld>
+            <a:endParaRPr lang="en"/>
+          </a:p>
+        </p:txBody>
+      </p:sp>
+      <p:pic>
+        <p:nvPicPr>
+          <p:cNvPr id="7" name="Picture 6">
+            <a:extLst>
+              <a:ext uri="{FF2B5EF4-FFF2-40B4-BE49-F238E27FC236}">
+                <a16:creationId xmlns:a16="http://schemas.microsoft.com/office/drawing/2014/main" id="{90262091-3398-06A6-7F3D-FE95F21E6C5A}"/>
+              </a:ext>
+            </a:extLst>
+          </p:cNvPr>
+          <p:cNvPicPr>
+            <a:picLocks noChangeAspect="1"/>
+          </p:cNvPicPr>
+          <p:nvPr/>
+        </p:nvPicPr>
+        <p:blipFill>
+          <a:blip r:embed="rId2"/>
+          <a:stretch>
+            <a:fillRect/>
+          </a:stretch>
+        </p:blipFill>
+        <p:spPr>
+          <a:xfrm>
+            <a:off x="4572000" y="1671512"/>
+            <a:ext cx="4001058" cy="1800476"/>
+          </a:xfrm>
+          <a:prstGeom prst="rect">
+            <a:avLst/>
+          </a:prstGeom>
+        </p:spPr>
+      </p:pic>
+      <p:sp>
+        <p:nvSpPr>
+          <p:cNvPr id="12" name="TextBox 11">
+            <a:extLst>
+              <a:ext uri="{FF2B5EF4-FFF2-40B4-BE49-F238E27FC236}">
+                <a16:creationId xmlns:a16="http://schemas.microsoft.com/office/drawing/2014/main" id="{FCCEA652-0D54-4630-A0DA-1ABC35206EBE}"/>
+              </a:ext>
+            </a:extLst>
+          </p:cNvPr>
+          <p:cNvSpPr txBox="1"/>
+          <p:nvPr/>
+        </p:nvSpPr>
+        <p:spPr>
+          <a:xfrm>
+            <a:off x="4644362" y="3471988"/>
+            <a:ext cx="3243159" cy="184666"/>
+          </a:xfrm>
+          <a:prstGeom prst="rect">
+            <a:avLst/>
+          </a:prstGeom>
+          <a:noFill/>
+        </p:spPr>
+        <p:txBody>
+          <a:bodyPr wrap="square" rtlCol="0">
+            <a:spAutoFit/>
+          </a:bodyPr>
+          <a:lstStyle/>
+          <a:p>
+            <a:r>
+              <a:rPr lang="en-US" sz="600" dirty="0"/>
+              <a:t>Image taken from Table I of paper</a:t>
+            </a:r>
+          </a:p>
+        </p:txBody>
+      </p:sp>
+    </p:spTree>
+    <p:extLst>
+      <p:ext uri="{BB962C8B-B14F-4D97-AF65-F5344CB8AC3E}">
+        <p14:creationId xmlns:p14="http://schemas.microsoft.com/office/powerpoint/2010/main" val="1299704287"/>
+      </p:ext>
+    </p:extLst>
+  </p:cSld>
+  <p:clrMapOvr>
+    <a:masterClrMapping/>
+  </p:clrMapOvr>
+</p:sld>
+</file>
+
+<file path=ppt/slides/slide18.xml><?xml version="1.0" encoding="utf-8"?>
+<p:sld xmlns:a="http://schemas.openxmlformats.org/drawingml/2006/main" xmlns:r="http://schemas.openxmlformats.org/officeDocument/2006/relationships" xmlns:p="http://schemas.openxmlformats.org/presentationml/2006/main">
+  <p:cSld>
+    <p:spTree>
+      <p:nvGrpSpPr>
+        <p:cNvPr id="1" name=""/>
+        <p:cNvGrpSpPr/>
+        <p:nvPr/>
+      </p:nvGrpSpPr>
+      <p:grpSpPr>
+        <a:xfrm>
+          <a:off x="0" y="0"/>
+          <a:ext cx="0" cy="0"/>
+          <a:chOff x="0" y="0"/>
+          <a:chExt cx="0" cy="0"/>
+        </a:xfrm>
+      </p:grpSpPr>
+      <p:sp>
+        <p:nvSpPr>
+          <p:cNvPr id="2" name="Title 1">
+            <a:extLst>
+              <a:ext uri="{FF2B5EF4-FFF2-40B4-BE49-F238E27FC236}">
+                <a16:creationId xmlns:a16="http://schemas.microsoft.com/office/drawing/2014/main" id="{91F313CF-3BA8-3908-350D-76C3C3E9EFE2}"/>
+              </a:ext>
+            </a:extLst>
+          </p:cNvPr>
+          <p:cNvSpPr>
+            <a:spLocks noGrp="1"/>
+          </p:cNvSpPr>
+          <p:nvPr>
+            <p:ph type="title"/>
+          </p:nvPr>
+        </p:nvSpPr>
+        <p:spPr/>
+        <p:txBody>
+          <a:bodyPr/>
+          <a:lstStyle/>
+          <a:p>
+            <a:r>
+              <a:rPr lang="en-US" dirty="0"/>
+              <a:t>IV. Experimental Results</a:t>
+            </a:r>
+          </a:p>
+        </p:txBody>
+      </p:sp>
+      <p:sp>
+        <p:nvSpPr>
+          <p:cNvPr id="3" name="Text Placeholder 2">
+            <a:extLst>
+              <a:ext uri="{FF2B5EF4-FFF2-40B4-BE49-F238E27FC236}">
+                <a16:creationId xmlns:a16="http://schemas.microsoft.com/office/drawing/2014/main" id="{C78765BE-E985-6847-E434-EEC6F64318C9}"/>
+              </a:ext>
+            </a:extLst>
+          </p:cNvPr>
+          <p:cNvSpPr>
+            <a:spLocks noGrp="1"/>
+          </p:cNvSpPr>
+          <p:nvPr>
+            <p:ph type="body" idx="1"/>
+          </p:nvPr>
+        </p:nvSpPr>
+        <p:spPr>
+          <a:xfrm>
+            <a:off x="1446972" y="1515691"/>
+            <a:ext cx="1695814" cy="572700"/>
+          </a:xfrm>
+        </p:spPr>
+        <p:txBody>
+          <a:bodyPr/>
+          <a:lstStyle/>
+          <a:p>
+            <a:pPr marL="114300" indent="0">
+              <a:lnSpc>
+                <a:spcPct val="100000"/>
+              </a:lnSpc>
+              <a:buNone/>
+            </a:pPr>
+            <a:r>
+              <a:rPr lang="en-US" sz="2800" dirty="0">
+                <a:latin typeface="Times New Roman" panose="02020603050405020304" pitchFamily="18" charset="0"/>
+                <a:cs typeface="Times New Roman" panose="02020603050405020304" pitchFamily="18" charset="0"/>
+              </a:rPr>
+              <a:t>Ablation</a:t>
+            </a:r>
+          </a:p>
+        </p:txBody>
+      </p:sp>
+      <p:sp>
+        <p:nvSpPr>
+          <p:cNvPr id="4" name="Slide Number Placeholder 3">
+            <a:extLst>
+              <a:ext uri="{FF2B5EF4-FFF2-40B4-BE49-F238E27FC236}">
+                <a16:creationId xmlns:a16="http://schemas.microsoft.com/office/drawing/2014/main" id="{2931AD7A-CACA-C1CD-6BF0-FEEB395F79B4}"/>
+              </a:ext>
+            </a:extLst>
+          </p:cNvPr>
+          <p:cNvSpPr>
+            <a:spLocks noGrp="1"/>
+          </p:cNvSpPr>
+          <p:nvPr>
+            <p:ph type="sldNum" idx="12"/>
+          </p:nvPr>
+        </p:nvSpPr>
+        <p:spPr/>
+        <p:txBody>
+          <a:bodyPr/>
+          <a:lstStyle/>
+          <a:p>
+            <a:pPr marL="0" lvl="0" indent="0" algn="r" rtl="0">
+              <a:spcBef>
+                <a:spcPts val="0"/>
+              </a:spcBef>
+              <a:spcAft>
+                <a:spcPts val="0"/>
+              </a:spcAft>
+              <a:buNone/>
+            </a:pPr>
+            <a:fld id="{00000000-1234-1234-1234-123412341234}" type="slidenum">
+              <a:rPr lang="en" smtClean="0"/>
+              <a:t>18</a:t>
+            </a:fld>
+            <a:endParaRPr lang="en"/>
+          </a:p>
+        </p:txBody>
+      </p:sp>
+      <p:sp>
+        <p:nvSpPr>
+          <p:cNvPr id="5" name="Slide Number Placeholder 4">
+            <a:extLst>
+              <a:ext uri="{FF2B5EF4-FFF2-40B4-BE49-F238E27FC236}">
+                <a16:creationId xmlns:a16="http://schemas.microsoft.com/office/drawing/2014/main" id="{526B02F4-FA15-8789-8ABE-CA48D7551F93}"/>
+              </a:ext>
+            </a:extLst>
+          </p:cNvPr>
+          <p:cNvSpPr>
+            <a:spLocks noGrp="1"/>
+          </p:cNvSpPr>
+          <p:nvPr>
+            <p:ph type="sldNum" idx="2"/>
+          </p:nvPr>
+        </p:nvSpPr>
+        <p:spPr/>
+        <p:txBody>
+          <a:bodyPr/>
+          <a:lstStyle/>
+          <a:p>
+            <a:pPr marL="0" lvl="0" indent="0" algn="r" rtl="0">
+              <a:spcBef>
+                <a:spcPts val="0"/>
+              </a:spcBef>
+              <a:spcAft>
+                <a:spcPts val="0"/>
+              </a:spcAft>
+              <a:buNone/>
+            </a:pPr>
+            <a:fld id="{00000000-1234-1234-1234-123412341234}" type="slidenum">
+              <a:rPr lang="en" smtClean="0"/>
+              <a:t>18</a:t>
+            </a:fld>
+            <a:endParaRPr lang="en"/>
+          </a:p>
+        </p:txBody>
+      </p:sp>
+      <p:pic>
+        <p:nvPicPr>
+          <p:cNvPr id="8" name="Picture 7">
+            <a:extLst>
+              <a:ext uri="{FF2B5EF4-FFF2-40B4-BE49-F238E27FC236}">
+                <a16:creationId xmlns:a16="http://schemas.microsoft.com/office/drawing/2014/main" id="{9DB30DA6-2219-3203-E061-00F54BA570A2}"/>
+              </a:ext>
+            </a:extLst>
+          </p:cNvPr>
+          <p:cNvPicPr>
+            <a:picLocks noChangeAspect="1"/>
+          </p:cNvPicPr>
+          <p:nvPr/>
+        </p:nvPicPr>
+        <p:blipFill>
+          <a:blip r:embed="rId2"/>
+          <a:stretch>
+            <a:fillRect/>
+          </a:stretch>
+        </p:blipFill>
+        <p:spPr>
+          <a:xfrm>
+            <a:off x="5108850" y="1088236"/>
+            <a:ext cx="3243160" cy="1427611"/>
+          </a:xfrm>
+          <a:prstGeom prst="rect">
+            <a:avLst/>
+          </a:prstGeom>
+        </p:spPr>
+      </p:pic>
+      <p:sp>
+        <p:nvSpPr>
+          <p:cNvPr id="9" name="TextBox 8">
+            <a:extLst>
+              <a:ext uri="{FF2B5EF4-FFF2-40B4-BE49-F238E27FC236}">
+                <a16:creationId xmlns:a16="http://schemas.microsoft.com/office/drawing/2014/main" id="{4D9187B8-A2C9-4489-1051-5A883A38F3A5}"/>
+              </a:ext>
+            </a:extLst>
+          </p:cNvPr>
+          <p:cNvSpPr txBox="1"/>
+          <p:nvPr/>
+        </p:nvSpPr>
+        <p:spPr>
+          <a:xfrm>
+            <a:off x="5108850" y="2515436"/>
+            <a:ext cx="3243159" cy="184666"/>
+          </a:xfrm>
+          <a:prstGeom prst="rect">
+            <a:avLst/>
+          </a:prstGeom>
+          <a:noFill/>
+        </p:spPr>
+        <p:txBody>
+          <a:bodyPr wrap="square" rtlCol="0">
+            <a:spAutoFit/>
+          </a:bodyPr>
+          <a:lstStyle/>
+          <a:p>
+            <a:r>
+              <a:rPr lang="en-US" sz="600" dirty="0"/>
+              <a:t>Image taken from Table 2 of paper</a:t>
+            </a:r>
+          </a:p>
+        </p:txBody>
+      </p:sp>
+      <p:pic>
+        <p:nvPicPr>
+          <p:cNvPr id="11" name="Picture 10">
+            <a:extLst>
+              <a:ext uri="{FF2B5EF4-FFF2-40B4-BE49-F238E27FC236}">
+                <a16:creationId xmlns:a16="http://schemas.microsoft.com/office/drawing/2014/main" id="{BBDC33B1-4B5E-BD79-0F37-2051932DAC46}"/>
+              </a:ext>
+            </a:extLst>
+          </p:cNvPr>
+          <p:cNvPicPr>
+            <a:picLocks noChangeAspect="1"/>
+          </p:cNvPicPr>
+          <p:nvPr/>
+        </p:nvPicPr>
+        <p:blipFill>
+          <a:blip r:embed="rId3"/>
+          <a:stretch>
+            <a:fillRect/>
+          </a:stretch>
+        </p:blipFill>
+        <p:spPr>
+          <a:xfrm>
+            <a:off x="673300" y="2649252"/>
+            <a:ext cx="7492600" cy="2337621"/>
+          </a:xfrm>
+          <a:prstGeom prst="rect">
+            <a:avLst/>
+          </a:prstGeom>
+        </p:spPr>
+      </p:pic>
+      <p:sp>
+        <p:nvSpPr>
+          <p:cNvPr id="13" name="TextBox 12">
+            <a:extLst>
+              <a:ext uri="{FF2B5EF4-FFF2-40B4-BE49-F238E27FC236}">
+                <a16:creationId xmlns:a16="http://schemas.microsoft.com/office/drawing/2014/main" id="{BC5A578C-9436-D4C3-29BA-2F168322D321}"/>
+              </a:ext>
+            </a:extLst>
+          </p:cNvPr>
+          <p:cNvSpPr txBox="1"/>
+          <p:nvPr/>
+        </p:nvSpPr>
+        <p:spPr>
+          <a:xfrm>
+            <a:off x="673300" y="4894540"/>
+            <a:ext cx="3243159" cy="184666"/>
+          </a:xfrm>
+          <a:prstGeom prst="rect">
+            <a:avLst/>
+          </a:prstGeom>
+          <a:noFill/>
+        </p:spPr>
+        <p:txBody>
+          <a:bodyPr wrap="square" rtlCol="0">
+            <a:spAutoFit/>
+          </a:bodyPr>
+          <a:lstStyle/>
+          <a:p>
+            <a:r>
+              <a:rPr lang="en-US" sz="600" dirty="0"/>
+              <a:t>Image taken from figures 3 and 4</a:t>
+            </a:r>
+          </a:p>
+        </p:txBody>
+      </p:sp>
+    </p:spTree>
+    <p:extLst>
+      <p:ext uri="{BB962C8B-B14F-4D97-AF65-F5344CB8AC3E}">
+        <p14:creationId xmlns:p14="http://schemas.microsoft.com/office/powerpoint/2010/main" val="2758122514"/>
+      </p:ext>
+    </p:extLst>
+  </p:cSld>
+  <p:clrMapOvr>
+    <a:masterClrMapping/>
+  </p:clrMapOvr>
+</p:sld>
+</file>
+
+<file path=ppt/slides/slide19.xml><?xml version="1.0" encoding="utf-8"?>
+<p:sld xmlns:a="http://schemas.openxmlformats.org/drawingml/2006/main" xmlns:r="http://schemas.openxmlformats.org/officeDocument/2006/relationships" xmlns:p="http://schemas.openxmlformats.org/presentationml/2006/main">
+  <p:cSld>
+    <p:spTree>
+      <p:nvGrpSpPr>
+        <p:cNvPr id="1" name=""/>
+        <p:cNvGrpSpPr/>
+        <p:nvPr/>
+      </p:nvGrpSpPr>
+      <p:grpSpPr>
+        <a:xfrm>
+          <a:off x="0" y="0"/>
+          <a:ext cx="0" cy="0"/>
+          <a:chOff x="0" y="0"/>
+          <a:chExt cx="0" cy="0"/>
+        </a:xfrm>
+      </p:grpSpPr>
+      <p:sp>
+        <p:nvSpPr>
+          <p:cNvPr id="2" name="Title 1">
+            <a:extLst>
+              <a:ext uri="{FF2B5EF4-FFF2-40B4-BE49-F238E27FC236}">
+                <a16:creationId xmlns:a16="http://schemas.microsoft.com/office/drawing/2014/main" id="{264C50FF-5EEC-751C-5214-2E8481BE80E0}"/>
+              </a:ext>
+            </a:extLst>
+          </p:cNvPr>
+          <p:cNvSpPr>
+            <a:spLocks noGrp="1"/>
+          </p:cNvSpPr>
+          <p:nvPr>
+            <p:ph type="title"/>
+          </p:nvPr>
+        </p:nvSpPr>
+        <p:spPr>
+          <a:xfrm>
+            <a:off x="311700" y="2571750"/>
+            <a:ext cx="8520600" cy="572700"/>
+          </a:xfrm>
+        </p:spPr>
+        <p:txBody>
+          <a:bodyPr/>
+          <a:lstStyle/>
+          <a:p>
+            <a:pPr algn="ctr"/>
+            <a:r>
+              <a:rPr lang="en-US" dirty="0"/>
+              <a:t>V. Strengths</a:t>
+            </a:r>
+          </a:p>
+        </p:txBody>
+      </p:sp>
+      <p:sp>
+        <p:nvSpPr>
+          <p:cNvPr id="4" name="Slide Number Placeholder 3">
+            <a:extLst>
+              <a:ext uri="{FF2B5EF4-FFF2-40B4-BE49-F238E27FC236}">
+                <a16:creationId xmlns:a16="http://schemas.microsoft.com/office/drawing/2014/main" id="{E4D36E30-C87B-06FC-DD57-4D866BF07AA4}"/>
+              </a:ext>
+            </a:extLst>
+          </p:cNvPr>
+          <p:cNvSpPr>
+            <a:spLocks noGrp="1"/>
+          </p:cNvSpPr>
+          <p:nvPr>
+            <p:ph type="sldNum" idx="12"/>
+          </p:nvPr>
+        </p:nvSpPr>
+        <p:spPr/>
+        <p:txBody>
+          <a:bodyPr/>
+          <a:lstStyle/>
+          <a:p>
+            <a:pPr marL="0" lvl="0" indent="0" algn="r" rtl="0">
+              <a:spcBef>
+                <a:spcPts val="0"/>
+              </a:spcBef>
+              <a:spcAft>
+                <a:spcPts val="0"/>
+              </a:spcAft>
+              <a:buNone/>
+            </a:pPr>
+            <a:fld id="{00000000-1234-1234-1234-123412341234}" type="slidenum">
+              <a:rPr lang="en" smtClean="0"/>
+              <a:t>19</a:t>
+            </a:fld>
+            <a:endParaRPr lang="en"/>
+          </a:p>
+        </p:txBody>
+      </p:sp>
+      <p:sp>
+        <p:nvSpPr>
+          <p:cNvPr id="5" name="Slide Number Placeholder 4">
+            <a:extLst>
+              <a:ext uri="{FF2B5EF4-FFF2-40B4-BE49-F238E27FC236}">
+                <a16:creationId xmlns:a16="http://schemas.microsoft.com/office/drawing/2014/main" id="{486C2341-13FF-6811-A640-58468291EB09}"/>
+              </a:ext>
+            </a:extLst>
+          </p:cNvPr>
+          <p:cNvSpPr>
+            <a:spLocks noGrp="1"/>
+          </p:cNvSpPr>
+          <p:nvPr>
+            <p:ph type="sldNum" idx="2"/>
+          </p:nvPr>
+        </p:nvSpPr>
+        <p:spPr/>
+        <p:txBody>
+          <a:bodyPr/>
+          <a:lstStyle/>
+          <a:p>
+            <a:pPr marL="0" lvl="0" indent="0" algn="r" rtl="0">
+              <a:spcBef>
+                <a:spcPts val="0"/>
+              </a:spcBef>
+              <a:spcAft>
+                <a:spcPts val="0"/>
+              </a:spcAft>
+              <a:buNone/>
+            </a:pPr>
+            <a:fld id="{00000000-1234-1234-1234-123412341234}" type="slidenum">
+              <a:rPr lang="en" smtClean="0"/>
+              <a:t>19</a:t>
+            </a:fld>
+            <a:endParaRPr lang="en"/>
+          </a:p>
+        </p:txBody>
+      </p:sp>
+    </p:spTree>
+    <p:extLst>
+      <p:ext uri="{BB962C8B-B14F-4D97-AF65-F5344CB8AC3E}">
+        <p14:creationId xmlns:p14="http://schemas.microsoft.com/office/powerpoint/2010/main" val="278667017"/>
+      </p:ext>
+    </p:extLst>
+  </p:cSld>
+  <p:clrMapOvr>
+    <a:masterClrMapping/>
+  </p:clrMapOvr>
+</p:sld>
+</file>
+
 <file path=ppt/slides/slide2.xml><?xml version="1.0" encoding="utf-8"?>
 <p:sld xmlns:a="http://schemas.openxmlformats.org/drawingml/2006/main" xmlns:r="http://schemas.openxmlformats.org/officeDocument/2006/relationships" xmlns:p="http://schemas.openxmlformats.org/presentationml/2006/main">
   <p:cSld>
@@ -10825,7 +15027,7 @@
             </a:pPr>
             <a:r>
               <a:rPr lang="en" dirty="0"/>
-              <a:t>Presentation Content</a:t>
+              <a:t>Overview</a:t>
             </a:r>
             <a:endParaRPr dirty="0"/>
           </a:p>
@@ -10843,8 +15045,8 @@
         </p:nvSpPr>
         <p:spPr>
           <a:xfrm>
-            <a:off x="311700" y="866725"/>
-            <a:ext cx="8520600" cy="3416400"/>
+            <a:off x="311700" y="945666"/>
+            <a:ext cx="8520600" cy="3415825"/>
           </a:xfrm>
           <a:prstGeom prst="rect">
             <a:avLst/>
@@ -10860,7 +15062,7 @@
           </a:bodyPr>
           <a:lstStyle/>
           <a:p>
-            <a:pPr marL="457200" lvl="0" indent="-228600" algn="l" rtl="0">
+            <a:pPr marL="628650" lvl="0" indent="-400050" algn="l" rtl="0">
               <a:lnSpc>
                 <a:spcPct val="115000"/>
               </a:lnSpc>
@@ -10871,9 +15073,154 @@
                 <a:spcPts val="0"/>
               </a:spcAft>
               <a:buSzPts val="1800"/>
-              <a:buNone/>
+              <a:buFont typeface="+mj-lt"/>
+              <a:buAutoNum type="romanUcPeriod"/>
             </a:pPr>
-            <a:endParaRPr/>
+            <a:r>
+              <a:rPr lang="en-US" sz="2800" dirty="0">
+                <a:latin typeface="Times New Roman" panose="02020603050405020304" pitchFamily="18" charset="0"/>
+                <a:cs typeface="Times New Roman" panose="02020603050405020304" pitchFamily="18" charset="0"/>
+              </a:rPr>
+              <a:t>Overview of Paper</a:t>
+            </a:r>
+          </a:p>
+          <a:p>
+            <a:pPr marL="628650" lvl="0" indent="-400050" algn="l" rtl="0">
+              <a:lnSpc>
+                <a:spcPct val="115000"/>
+              </a:lnSpc>
+              <a:spcBef>
+                <a:spcPts val="0"/>
+              </a:spcBef>
+              <a:spcAft>
+                <a:spcPts val="0"/>
+              </a:spcAft>
+              <a:buSzPts val="1800"/>
+              <a:buFont typeface="+mj-lt"/>
+              <a:buAutoNum type="romanUcPeriod"/>
+            </a:pPr>
+            <a:r>
+              <a:rPr lang="en-US" sz="2800" dirty="0">
+                <a:latin typeface="Times New Roman" panose="02020603050405020304" pitchFamily="18" charset="0"/>
+                <a:cs typeface="Times New Roman" panose="02020603050405020304" pitchFamily="18" charset="0"/>
+              </a:rPr>
+              <a:t>Background Knowledge</a:t>
+            </a:r>
+          </a:p>
+          <a:p>
+            <a:pPr marL="628650" lvl="0" indent="-400050" algn="l" rtl="0">
+              <a:lnSpc>
+                <a:spcPct val="115000"/>
+              </a:lnSpc>
+              <a:spcBef>
+                <a:spcPts val="0"/>
+              </a:spcBef>
+              <a:spcAft>
+                <a:spcPts val="0"/>
+              </a:spcAft>
+              <a:buSzPts val="1800"/>
+              <a:buFont typeface="+mj-lt"/>
+              <a:buAutoNum type="romanUcPeriod"/>
+            </a:pPr>
+            <a:r>
+              <a:rPr lang="en-US" sz="2800" dirty="0">
+                <a:latin typeface="Times New Roman" panose="02020603050405020304" pitchFamily="18" charset="0"/>
+                <a:cs typeface="Times New Roman" panose="02020603050405020304" pitchFamily="18" charset="0"/>
+              </a:rPr>
+              <a:t>How LRLL works?</a:t>
+            </a:r>
+          </a:p>
+          <a:p>
+            <a:pPr marL="628650" lvl="0" indent="-400050" algn="l" rtl="0">
+              <a:lnSpc>
+                <a:spcPct val="115000"/>
+              </a:lnSpc>
+              <a:spcBef>
+                <a:spcPts val="0"/>
+              </a:spcBef>
+              <a:spcAft>
+                <a:spcPts val="0"/>
+              </a:spcAft>
+              <a:buSzPts val="1800"/>
+              <a:buFont typeface="+mj-lt"/>
+              <a:buAutoNum type="romanUcPeriod"/>
+            </a:pPr>
+            <a:r>
+              <a:rPr lang="en-US" sz="2800" dirty="0">
+                <a:latin typeface="Times New Roman" panose="02020603050405020304" pitchFamily="18" charset="0"/>
+                <a:cs typeface="Times New Roman" panose="02020603050405020304" pitchFamily="18" charset="0"/>
+              </a:rPr>
+              <a:t>Experimental Results</a:t>
+            </a:r>
+          </a:p>
+          <a:p>
+            <a:pPr marL="628650" lvl="0" indent="-400050" algn="l" rtl="0">
+              <a:lnSpc>
+                <a:spcPct val="115000"/>
+              </a:lnSpc>
+              <a:spcBef>
+                <a:spcPts val="0"/>
+              </a:spcBef>
+              <a:spcAft>
+                <a:spcPts val="0"/>
+              </a:spcAft>
+              <a:buSzPts val="1800"/>
+              <a:buFont typeface="+mj-lt"/>
+              <a:buAutoNum type="romanUcPeriod"/>
+            </a:pPr>
+            <a:r>
+              <a:rPr lang="en-US" sz="2800" dirty="0">
+                <a:latin typeface="Times New Roman" panose="02020603050405020304" pitchFamily="18" charset="0"/>
+                <a:cs typeface="Times New Roman" panose="02020603050405020304" pitchFamily="18" charset="0"/>
+              </a:rPr>
+              <a:t>Strengths</a:t>
+            </a:r>
+          </a:p>
+          <a:p>
+            <a:pPr marL="628650" lvl="0" indent="-400050" algn="l" rtl="0">
+              <a:lnSpc>
+                <a:spcPct val="115000"/>
+              </a:lnSpc>
+              <a:spcBef>
+                <a:spcPts val="0"/>
+              </a:spcBef>
+              <a:spcAft>
+                <a:spcPts val="0"/>
+              </a:spcAft>
+              <a:buSzPts val="1800"/>
+              <a:buFont typeface="+mj-lt"/>
+              <a:buAutoNum type="romanUcPeriod"/>
+            </a:pPr>
+            <a:r>
+              <a:rPr lang="en-US" sz="2800" dirty="0">
+                <a:latin typeface="Times New Roman" panose="02020603050405020304" pitchFamily="18" charset="0"/>
+                <a:cs typeface="Times New Roman" panose="02020603050405020304" pitchFamily="18" charset="0"/>
+              </a:rPr>
+              <a:t>Weaknesses</a:t>
+            </a:r>
+          </a:p>
+          <a:p>
+            <a:pPr marL="628650" lvl="0" indent="-400050" algn="l" rtl="0">
+              <a:lnSpc>
+                <a:spcPct val="115000"/>
+              </a:lnSpc>
+              <a:spcBef>
+                <a:spcPts val="0"/>
+              </a:spcBef>
+              <a:spcAft>
+                <a:spcPts val="0"/>
+              </a:spcAft>
+              <a:buSzPts val="1800"/>
+              <a:buFont typeface="+mj-lt"/>
+              <a:buAutoNum type="romanUcPeriod"/>
+            </a:pPr>
+            <a:r>
+              <a:rPr lang="en-US" sz="2800" dirty="0">
+                <a:latin typeface="Times New Roman" panose="02020603050405020304" pitchFamily="18" charset="0"/>
+                <a:cs typeface="Times New Roman" panose="02020603050405020304" pitchFamily="18" charset="0"/>
+              </a:rPr>
+              <a:t>Extensions</a:t>
+            </a:r>
           </a:p>
         </p:txBody>
       </p:sp>
@@ -10978,6 +15325,3178 @@
         </p:txBody>
       </p:sp>
     </p:spTree>
+  </p:cSld>
+  <p:clrMapOvr>
+    <a:masterClrMapping/>
+  </p:clrMapOvr>
+</p:sld>
+</file>
+
+<file path=ppt/slides/slide20.xml><?xml version="1.0" encoding="utf-8"?>
+<p:sld xmlns:a="http://schemas.openxmlformats.org/drawingml/2006/main" xmlns:r="http://schemas.openxmlformats.org/officeDocument/2006/relationships" xmlns:p="http://schemas.openxmlformats.org/presentationml/2006/main">
+  <p:cSld>
+    <p:spTree>
+      <p:nvGrpSpPr>
+        <p:cNvPr id="1" name=""/>
+        <p:cNvGrpSpPr/>
+        <p:nvPr/>
+      </p:nvGrpSpPr>
+      <p:grpSpPr>
+        <a:xfrm>
+          <a:off x="0" y="0"/>
+          <a:ext cx="0" cy="0"/>
+          <a:chOff x="0" y="0"/>
+          <a:chExt cx="0" cy="0"/>
+        </a:xfrm>
+      </p:grpSpPr>
+      <p:sp>
+        <p:nvSpPr>
+          <p:cNvPr id="2" name="Title 1">
+            <a:extLst>
+              <a:ext uri="{FF2B5EF4-FFF2-40B4-BE49-F238E27FC236}">
+                <a16:creationId xmlns:a16="http://schemas.microsoft.com/office/drawing/2014/main" id="{7CC392F4-0363-EFD5-FA3E-1FEC4AAB5612}"/>
+              </a:ext>
+            </a:extLst>
+          </p:cNvPr>
+          <p:cNvSpPr>
+            <a:spLocks noGrp="1"/>
+          </p:cNvSpPr>
+          <p:nvPr>
+            <p:ph type="title"/>
+          </p:nvPr>
+        </p:nvSpPr>
+        <p:spPr/>
+        <p:txBody>
+          <a:bodyPr/>
+          <a:lstStyle/>
+          <a:p>
+            <a:r>
+              <a:rPr lang="en-US" dirty="0"/>
+              <a:t>V. Strengths</a:t>
+            </a:r>
+          </a:p>
+        </p:txBody>
+      </p:sp>
+      <p:sp>
+        <p:nvSpPr>
+          <p:cNvPr id="3" name="Text Placeholder 2">
+            <a:extLst>
+              <a:ext uri="{FF2B5EF4-FFF2-40B4-BE49-F238E27FC236}">
+                <a16:creationId xmlns:a16="http://schemas.microsoft.com/office/drawing/2014/main" id="{478CC15D-0E3D-7CDD-6EDC-798612F8030E}"/>
+              </a:ext>
+            </a:extLst>
+          </p:cNvPr>
+          <p:cNvSpPr>
+            <a:spLocks noGrp="1"/>
+          </p:cNvSpPr>
+          <p:nvPr>
+            <p:ph type="body" idx="1"/>
+          </p:nvPr>
+        </p:nvSpPr>
+        <p:spPr>
+          <a:xfrm>
+            <a:off x="302400" y="1241695"/>
+            <a:ext cx="8520600" cy="3416400"/>
+          </a:xfrm>
+        </p:spPr>
+        <p:txBody>
+          <a:bodyPr/>
+          <a:lstStyle/>
+          <a:p>
+            <a:r>
+              <a:rPr lang="en-US" sz="3200" dirty="0"/>
+              <a:t>Excellent at learning new</a:t>
+            </a:r>
+          </a:p>
+          <a:p>
+            <a:r>
+              <a:rPr lang="en-US" sz="3200" dirty="0"/>
+              <a:t>Memory efficient</a:t>
+            </a:r>
+          </a:p>
+          <a:p>
+            <a:r>
+              <a:rPr lang="en-US" sz="3200" dirty="0"/>
+              <a:t>Dynamically learn skills for increasing complex situations</a:t>
+            </a:r>
+          </a:p>
+          <a:p>
+            <a:r>
+              <a:rPr lang="en-US" sz="3200" dirty="0"/>
+              <a:t>Minimal expert intervention</a:t>
+            </a:r>
+          </a:p>
+          <a:p>
+            <a:r>
+              <a:rPr lang="en-US" sz="3200" dirty="0"/>
+              <a:t>Scalability in learning new skills</a:t>
+            </a:r>
+          </a:p>
+          <a:p>
+            <a:endParaRPr lang="en-US" dirty="0"/>
+          </a:p>
+          <a:p>
+            <a:endParaRPr lang="en-US" dirty="0"/>
+          </a:p>
+          <a:p>
+            <a:endParaRPr lang="en-US" dirty="0"/>
+          </a:p>
+        </p:txBody>
+      </p:sp>
+      <p:sp>
+        <p:nvSpPr>
+          <p:cNvPr id="4" name="Slide Number Placeholder 3">
+            <a:extLst>
+              <a:ext uri="{FF2B5EF4-FFF2-40B4-BE49-F238E27FC236}">
+                <a16:creationId xmlns:a16="http://schemas.microsoft.com/office/drawing/2014/main" id="{840F6CE5-BDC4-3B5D-BB93-CFC5C5FA6867}"/>
+              </a:ext>
+            </a:extLst>
+          </p:cNvPr>
+          <p:cNvSpPr>
+            <a:spLocks noGrp="1"/>
+          </p:cNvSpPr>
+          <p:nvPr>
+            <p:ph type="sldNum" idx="12"/>
+          </p:nvPr>
+        </p:nvSpPr>
+        <p:spPr/>
+        <p:txBody>
+          <a:bodyPr/>
+          <a:lstStyle/>
+          <a:p>
+            <a:pPr marL="0" lvl="0" indent="0" algn="r" rtl="0">
+              <a:spcBef>
+                <a:spcPts val="0"/>
+              </a:spcBef>
+              <a:spcAft>
+                <a:spcPts val="0"/>
+              </a:spcAft>
+              <a:buNone/>
+            </a:pPr>
+            <a:fld id="{00000000-1234-1234-1234-123412341234}" type="slidenum">
+              <a:rPr lang="en" smtClean="0"/>
+              <a:t>20</a:t>
+            </a:fld>
+            <a:endParaRPr lang="en"/>
+          </a:p>
+        </p:txBody>
+      </p:sp>
+      <p:sp>
+        <p:nvSpPr>
+          <p:cNvPr id="5" name="Slide Number Placeholder 4">
+            <a:extLst>
+              <a:ext uri="{FF2B5EF4-FFF2-40B4-BE49-F238E27FC236}">
+                <a16:creationId xmlns:a16="http://schemas.microsoft.com/office/drawing/2014/main" id="{95E7406A-D76E-8917-F803-18C4570DF432}"/>
+              </a:ext>
+            </a:extLst>
+          </p:cNvPr>
+          <p:cNvSpPr>
+            <a:spLocks noGrp="1"/>
+          </p:cNvSpPr>
+          <p:nvPr>
+            <p:ph type="sldNum" idx="2"/>
+          </p:nvPr>
+        </p:nvSpPr>
+        <p:spPr/>
+        <p:txBody>
+          <a:bodyPr/>
+          <a:lstStyle/>
+          <a:p>
+            <a:pPr marL="0" lvl="0" indent="0" algn="r" rtl="0">
+              <a:spcBef>
+                <a:spcPts val="0"/>
+              </a:spcBef>
+              <a:spcAft>
+                <a:spcPts val="0"/>
+              </a:spcAft>
+              <a:buNone/>
+            </a:pPr>
+            <a:fld id="{00000000-1234-1234-1234-123412341234}" type="slidenum">
+              <a:rPr lang="en" smtClean="0"/>
+              <a:t>20</a:t>
+            </a:fld>
+            <a:endParaRPr lang="en"/>
+          </a:p>
+        </p:txBody>
+      </p:sp>
+    </p:spTree>
+    <p:extLst>
+      <p:ext uri="{BB962C8B-B14F-4D97-AF65-F5344CB8AC3E}">
+        <p14:creationId xmlns:p14="http://schemas.microsoft.com/office/powerpoint/2010/main" val="3775096884"/>
+      </p:ext>
+    </p:extLst>
+  </p:cSld>
+  <p:clrMapOvr>
+    <a:masterClrMapping/>
+  </p:clrMapOvr>
+</p:sld>
+</file>
+
+<file path=ppt/slides/slide21.xml><?xml version="1.0" encoding="utf-8"?>
+<p:sld xmlns:a="http://schemas.openxmlformats.org/drawingml/2006/main" xmlns:r="http://schemas.openxmlformats.org/officeDocument/2006/relationships" xmlns:p="http://schemas.openxmlformats.org/presentationml/2006/main">
+  <p:cSld>
+    <p:spTree>
+      <p:nvGrpSpPr>
+        <p:cNvPr id="1" name=""/>
+        <p:cNvGrpSpPr/>
+        <p:nvPr/>
+      </p:nvGrpSpPr>
+      <p:grpSpPr>
+        <a:xfrm>
+          <a:off x="0" y="0"/>
+          <a:ext cx="0" cy="0"/>
+          <a:chOff x="0" y="0"/>
+          <a:chExt cx="0" cy="0"/>
+        </a:xfrm>
+      </p:grpSpPr>
+      <p:sp>
+        <p:nvSpPr>
+          <p:cNvPr id="2" name="Title 1">
+            <a:extLst>
+              <a:ext uri="{FF2B5EF4-FFF2-40B4-BE49-F238E27FC236}">
+                <a16:creationId xmlns:a16="http://schemas.microsoft.com/office/drawing/2014/main" id="{264C50FF-5EEC-751C-5214-2E8481BE80E0}"/>
+              </a:ext>
+            </a:extLst>
+          </p:cNvPr>
+          <p:cNvSpPr>
+            <a:spLocks noGrp="1"/>
+          </p:cNvSpPr>
+          <p:nvPr>
+            <p:ph type="title"/>
+          </p:nvPr>
+        </p:nvSpPr>
+        <p:spPr>
+          <a:xfrm>
+            <a:off x="311700" y="2571750"/>
+            <a:ext cx="8520600" cy="572700"/>
+          </a:xfrm>
+        </p:spPr>
+        <p:txBody>
+          <a:bodyPr/>
+          <a:lstStyle/>
+          <a:p>
+            <a:pPr algn="ctr"/>
+            <a:r>
+              <a:rPr lang="en-US" dirty="0"/>
+              <a:t>VI. Weaknesses</a:t>
+            </a:r>
+          </a:p>
+        </p:txBody>
+      </p:sp>
+      <p:sp>
+        <p:nvSpPr>
+          <p:cNvPr id="4" name="Slide Number Placeholder 3">
+            <a:extLst>
+              <a:ext uri="{FF2B5EF4-FFF2-40B4-BE49-F238E27FC236}">
+                <a16:creationId xmlns:a16="http://schemas.microsoft.com/office/drawing/2014/main" id="{E4D36E30-C87B-06FC-DD57-4D866BF07AA4}"/>
+              </a:ext>
+            </a:extLst>
+          </p:cNvPr>
+          <p:cNvSpPr>
+            <a:spLocks noGrp="1"/>
+          </p:cNvSpPr>
+          <p:nvPr>
+            <p:ph type="sldNum" idx="12"/>
+          </p:nvPr>
+        </p:nvSpPr>
+        <p:spPr/>
+        <p:txBody>
+          <a:bodyPr/>
+          <a:lstStyle/>
+          <a:p>
+            <a:pPr marL="0" lvl="0" indent="0" algn="r" rtl="0">
+              <a:spcBef>
+                <a:spcPts val="0"/>
+              </a:spcBef>
+              <a:spcAft>
+                <a:spcPts val="0"/>
+              </a:spcAft>
+              <a:buNone/>
+            </a:pPr>
+            <a:fld id="{00000000-1234-1234-1234-123412341234}" type="slidenum">
+              <a:rPr lang="en" smtClean="0"/>
+              <a:t>21</a:t>
+            </a:fld>
+            <a:endParaRPr lang="en"/>
+          </a:p>
+        </p:txBody>
+      </p:sp>
+      <p:sp>
+        <p:nvSpPr>
+          <p:cNvPr id="5" name="Slide Number Placeholder 4">
+            <a:extLst>
+              <a:ext uri="{FF2B5EF4-FFF2-40B4-BE49-F238E27FC236}">
+                <a16:creationId xmlns:a16="http://schemas.microsoft.com/office/drawing/2014/main" id="{486C2341-13FF-6811-A640-58468291EB09}"/>
+              </a:ext>
+            </a:extLst>
+          </p:cNvPr>
+          <p:cNvSpPr>
+            <a:spLocks noGrp="1"/>
+          </p:cNvSpPr>
+          <p:nvPr>
+            <p:ph type="sldNum" idx="2"/>
+          </p:nvPr>
+        </p:nvSpPr>
+        <p:spPr/>
+        <p:txBody>
+          <a:bodyPr/>
+          <a:lstStyle/>
+          <a:p>
+            <a:pPr marL="0" lvl="0" indent="0" algn="r" rtl="0">
+              <a:spcBef>
+                <a:spcPts val="0"/>
+              </a:spcBef>
+              <a:spcAft>
+                <a:spcPts val="0"/>
+              </a:spcAft>
+              <a:buNone/>
+            </a:pPr>
+            <a:fld id="{00000000-1234-1234-1234-123412341234}" type="slidenum">
+              <a:rPr lang="en" smtClean="0"/>
+              <a:t>21</a:t>
+            </a:fld>
+            <a:endParaRPr lang="en"/>
+          </a:p>
+        </p:txBody>
+      </p:sp>
+    </p:spTree>
+    <p:extLst>
+      <p:ext uri="{BB962C8B-B14F-4D97-AF65-F5344CB8AC3E}">
+        <p14:creationId xmlns:p14="http://schemas.microsoft.com/office/powerpoint/2010/main" val="3074243961"/>
+      </p:ext>
+    </p:extLst>
+  </p:cSld>
+  <p:clrMapOvr>
+    <a:masterClrMapping/>
+  </p:clrMapOvr>
+</p:sld>
+</file>
+
+<file path=ppt/slides/slide22.xml><?xml version="1.0" encoding="utf-8"?>
+<p:sld xmlns:a="http://schemas.openxmlformats.org/drawingml/2006/main" xmlns:r="http://schemas.openxmlformats.org/officeDocument/2006/relationships" xmlns:p="http://schemas.openxmlformats.org/presentationml/2006/main">
+  <p:cSld>
+    <p:spTree>
+      <p:nvGrpSpPr>
+        <p:cNvPr id="1" name=""/>
+        <p:cNvGrpSpPr/>
+        <p:nvPr/>
+      </p:nvGrpSpPr>
+      <p:grpSpPr>
+        <a:xfrm>
+          <a:off x="0" y="0"/>
+          <a:ext cx="0" cy="0"/>
+          <a:chOff x="0" y="0"/>
+          <a:chExt cx="0" cy="0"/>
+        </a:xfrm>
+      </p:grpSpPr>
+      <p:sp>
+        <p:nvSpPr>
+          <p:cNvPr id="2" name="Title 1">
+            <a:extLst>
+              <a:ext uri="{FF2B5EF4-FFF2-40B4-BE49-F238E27FC236}">
+                <a16:creationId xmlns:a16="http://schemas.microsoft.com/office/drawing/2014/main" id="{04C0D909-EA2E-A171-5488-4380A262A59E}"/>
+              </a:ext>
+            </a:extLst>
+          </p:cNvPr>
+          <p:cNvSpPr>
+            <a:spLocks noGrp="1"/>
+          </p:cNvSpPr>
+          <p:nvPr>
+            <p:ph type="title"/>
+          </p:nvPr>
+        </p:nvSpPr>
+        <p:spPr/>
+        <p:txBody>
+          <a:bodyPr/>
+          <a:lstStyle/>
+          <a:p>
+            <a:r>
+              <a:rPr lang="en-US" dirty="0"/>
+              <a:t>VI. Weaknesses</a:t>
+            </a:r>
+          </a:p>
+        </p:txBody>
+      </p:sp>
+      <p:sp>
+        <p:nvSpPr>
+          <p:cNvPr id="3" name="Text Placeholder 2">
+            <a:extLst>
+              <a:ext uri="{FF2B5EF4-FFF2-40B4-BE49-F238E27FC236}">
+                <a16:creationId xmlns:a16="http://schemas.microsoft.com/office/drawing/2014/main" id="{0FC084A5-17F0-3657-32AD-EBD96D8DBCE4}"/>
+              </a:ext>
+            </a:extLst>
+          </p:cNvPr>
+          <p:cNvSpPr>
+            <a:spLocks noGrp="1"/>
+          </p:cNvSpPr>
+          <p:nvPr>
+            <p:ph type="body" idx="1"/>
+          </p:nvPr>
+        </p:nvSpPr>
+        <p:spPr>
+          <a:xfrm>
+            <a:off x="311700" y="1053324"/>
+            <a:ext cx="8520600" cy="3731589"/>
+          </a:xfrm>
+        </p:spPr>
+        <p:txBody>
+          <a:bodyPr/>
+          <a:lstStyle/>
+          <a:p>
+            <a:r>
+              <a:rPr lang="en-US" sz="2800" dirty="0"/>
+              <a:t>Limited by choice of vision API</a:t>
+            </a:r>
+          </a:p>
+          <a:p>
+            <a:r>
+              <a:rPr lang="en-US" sz="2800" dirty="0"/>
+              <a:t>Limited scalability to skills that can be expressed symbolically</a:t>
+            </a:r>
+          </a:p>
+          <a:p>
+            <a:r>
+              <a:rPr lang="en-US" sz="2800" dirty="0"/>
+              <a:t>Refining initial prompts to exploration/abstraction modules when changing domains or LLM engines</a:t>
+            </a:r>
+          </a:p>
+          <a:p>
+            <a:r>
+              <a:rPr lang="en-US" sz="2800" dirty="0"/>
+              <a:t>Latency and price</a:t>
+            </a:r>
+          </a:p>
+        </p:txBody>
+      </p:sp>
+      <p:sp>
+        <p:nvSpPr>
+          <p:cNvPr id="4" name="Slide Number Placeholder 3">
+            <a:extLst>
+              <a:ext uri="{FF2B5EF4-FFF2-40B4-BE49-F238E27FC236}">
+                <a16:creationId xmlns:a16="http://schemas.microsoft.com/office/drawing/2014/main" id="{33E8710B-3BE8-D636-2D43-B310AC049EF3}"/>
+              </a:ext>
+            </a:extLst>
+          </p:cNvPr>
+          <p:cNvSpPr>
+            <a:spLocks noGrp="1"/>
+          </p:cNvSpPr>
+          <p:nvPr>
+            <p:ph type="sldNum" idx="12"/>
+          </p:nvPr>
+        </p:nvSpPr>
+        <p:spPr/>
+        <p:txBody>
+          <a:bodyPr/>
+          <a:lstStyle/>
+          <a:p>
+            <a:pPr marL="0" lvl="0" indent="0" algn="r" rtl="0">
+              <a:spcBef>
+                <a:spcPts val="0"/>
+              </a:spcBef>
+              <a:spcAft>
+                <a:spcPts val="0"/>
+              </a:spcAft>
+              <a:buNone/>
+            </a:pPr>
+            <a:fld id="{00000000-1234-1234-1234-123412341234}" type="slidenum">
+              <a:rPr lang="en" smtClean="0"/>
+              <a:t>22</a:t>
+            </a:fld>
+            <a:endParaRPr lang="en"/>
+          </a:p>
+        </p:txBody>
+      </p:sp>
+      <p:sp>
+        <p:nvSpPr>
+          <p:cNvPr id="5" name="Slide Number Placeholder 4">
+            <a:extLst>
+              <a:ext uri="{FF2B5EF4-FFF2-40B4-BE49-F238E27FC236}">
+                <a16:creationId xmlns:a16="http://schemas.microsoft.com/office/drawing/2014/main" id="{E32D2C9A-F728-5CC7-3544-2E48C727C262}"/>
+              </a:ext>
+            </a:extLst>
+          </p:cNvPr>
+          <p:cNvSpPr>
+            <a:spLocks noGrp="1"/>
+          </p:cNvSpPr>
+          <p:nvPr>
+            <p:ph type="sldNum" idx="2"/>
+          </p:nvPr>
+        </p:nvSpPr>
+        <p:spPr/>
+        <p:txBody>
+          <a:bodyPr/>
+          <a:lstStyle/>
+          <a:p>
+            <a:pPr marL="0" lvl="0" indent="0" algn="r" rtl="0">
+              <a:spcBef>
+                <a:spcPts val="0"/>
+              </a:spcBef>
+              <a:spcAft>
+                <a:spcPts val="0"/>
+              </a:spcAft>
+              <a:buNone/>
+            </a:pPr>
+            <a:fld id="{00000000-1234-1234-1234-123412341234}" type="slidenum">
+              <a:rPr lang="en" smtClean="0"/>
+              <a:t>22</a:t>
+            </a:fld>
+            <a:endParaRPr lang="en"/>
+          </a:p>
+        </p:txBody>
+      </p:sp>
+    </p:spTree>
+    <p:extLst>
+      <p:ext uri="{BB962C8B-B14F-4D97-AF65-F5344CB8AC3E}">
+        <p14:creationId xmlns:p14="http://schemas.microsoft.com/office/powerpoint/2010/main" val="421086179"/>
+      </p:ext>
+    </p:extLst>
+  </p:cSld>
+  <p:clrMapOvr>
+    <a:masterClrMapping/>
+  </p:clrMapOvr>
+</p:sld>
+</file>
+
+<file path=ppt/slides/slide23.xml><?xml version="1.0" encoding="utf-8"?>
+<p:sld xmlns:a="http://schemas.openxmlformats.org/drawingml/2006/main" xmlns:r="http://schemas.openxmlformats.org/officeDocument/2006/relationships" xmlns:p="http://schemas.openxmlformats.org/presentationml/2006/main">
+  <p:cSld>
+    <p:spTree>
+      <p:nvGrpSpPr>
+        <p:cNvPr id="1" name=""/>
+        <p:cNvGrpSpPr/>
+        <p:nvPr/>
+      </p:nvGrpSpPr>
+      <p:grpSpPr>
+        <a:xfrm>
+          <a:off x="0" y="0"/>
+          <a:ext cx="0" cy="0"/>
+          <a:chOff x="0" y="0"/>
+          <a:chExt cx="0" cy="0"/>
+        </a:xfrm>
+      </p:grpSpPr>
+      <p:sp>
+        <p:nvSpPr>
+          <p:cNvPr id="2" name="Title 1">
+            <a:extLst>
+              <a:ext uri="{FF2B5EF4-FFF2-40B4-BE49-F238E27FC236}">
+                <a16:creationId xmlns:a16="http://schemas.microsoft.com/office/drawing/2014/main" id="{264C50FF-5EEC-751C-5214-2E8481BE80E0}"/>
+              </a:ext>
+            </a:extLst>
+          </p:cNvPr>
+          <p:cNvSpPr>
+            <a:spLocks noGrp="1"/>
+          </p:cNvSpPr>
+          <p:nvPr>
+            <p:ph type="title"/>
+          </p:nvPr>
+        </p:nvSpPr>
+        <p:spPr>
+          <a:xfrm>
+            <a:off x="311700" y="2571750"/>
+            <a:ext cx="8520600" cy="572700"/>
+          </a:xfrm>
+        </p:spPr>
+        <p:txBody>
+          <a:bodyPr/>
+          <a:lstStyle/>
+          <a:p>
+            <a:pPr algn="ctr"/>
+            <a:r>
+              <a:rPr lang="en-US" dirty="0"/>
+              <a:t>VII. Extensions </a:t>
+            </a:r>
+          </a:p>
+        </p:txBody>
+      </p:sp>
+      <p:sp>
+        <p:nvSpPr>
+          <p:cNvPr id="4" name="Slide Number Placeholder 3">
+            <a:extLst>
+              <a:ext uri="{FF2B5EF4-FFF2-40B4-BE49-F238E27FC236}">
+                <a16:creationId xmlns:a16="http://schemas.microsoft.com/office/drawing/2014/main" id="{E4D36E30-C87B-06FC-DD57-4D866BF07AA4}"/>
+              </a:ext>
+            </a:extLst>
+          </p:cNvPr>
+          <p:cNvSpPr>
+            <a:spLocks noGrp="1"/>
+          </p:cNvSpPr>
+          <p:nvPr>
+            <p:ph type="sldNum" idx="12"/>
+          </p:nvPr>
+        </p:nvSpPr>
+        <p:spPr/>
+        <p:txBody>
+          <a:bodyPr/>
+          <a:lstStyle/>
+          <a:p>
+            <a:pPr marL="0" lvl="0" indent="0" algn="r" rtl="0">
+              <a:spcBef>
+                <a:spcPts val="0"/>
+              </a:spcBef>
+              <a:spcAft>
+                <a:spcPts val="0"/>
+              </a:spcAft>
+              <a:buNone/>
+            </a:pPr>
+            <a:fld id="{00000000-1234-1234-1234-123412341234}" type="slidenum">
+              <a:rPr lang="en" smtClean="0"/>
+              <a:t>23</a:t>
+            </a:fld>
+            <a:endParaRPr lang="en"/>
+          </a:p>
+        </p:txBody>
+      </p:sp>
+      <p:sp>
+        <p:nvSpPr>
+          <p:cNvPr id="5" name="Slide Number Placeholder 4">
+            <a:extLst>
+              <a:ext uri="{FF2B5EF4-FFF2-40B4-BE49-F238E27FC236}">
+                <a16:creationId xmlns:a16="http://schemas.microsoft.com/office/drawing/2014/main" id="{486C2341-13FF-6811-A640-58468291EB09}"/>
+              </a:ext>
+            </a:extLst>
+          </p:cNvPr>
+          <p:cNvSpPr>
+            <a:spLocks noGrp="1"/>
+          </p:cNvSpPr>
+          <p:nvPr>
+            <p:ph type="sldNum" idx="2"/>
+          </p:nvPr>
+        </p:nvSpPr>
+        <p:spPr/>
+        <p:txBody>
+          <a:bodyPr/>
+          <a:lstStyle/>
+          <a:p>
+            <a:pPr marL="0" lvl="0" indent="0" algn="r" rtl="0">
+              <a:spcBef>
+                <a:spcPts val="0"/>
+              </a:spcBef>
+              <a:spcAft>
+                <a:spcPts val="0"/>
+              </a:spcAft>
+              <a:buNone/>
+            </a:pPr>
+            <a:fld id="{00000000-1234-1234-1234-123412341234}" type="slidenum">
+              <a:rPr lang="en" smtClean="0"/>
+              <a:t>23</a:t>
+            </a:fld>
+            <a:endParaRPr lang="en"/>
+          </a:p>
+        </p:txBody>
+      </p:sp>
+    </p:spTree>
+    <p:extLst>
+      <p:ext uri="{BB962C8B-B14F-4D97-AF65-F5344CB8AC3E}">
+        <p14:creationId xmlns:p14="http://schemas.microsoft.com/office/powerpoint/2010/main" val="3762460611"/>
+      </p:ext>
+    </p:extLst>
+  </p:cSld>
+  <p:clrMapOvr>
+    <a:masterClrMapping/>
+  </p:clrMapOvr>
+</p:sld>
+</file>
+
+<file path=ppt/slides/slide24.xml><?xml version="1.0" encoding="utf-8"?>
+<p:sld xmlns:a="http://schemas.openxmlformats.org/drawingml/2006/main" xmlns:r="http://schemas.openxmlformats.org/officeDocument/2006/relationships" xmlns:p="http://schemas.openxmlformats.org/presentationml/2006/main">
+  <p:cSld>
+    <p:spTree>
+      <p:nvGrpSpPr>
+        <p:cNvPr id="1" name=""/>
+        <p:cNvGrpSpPr/>
+        <p:nvPr/>
+      </p:nvGrpSpPr>
+      <p:grpSpPr>
+        <a:xfrm>
+          <a:off x="0" y="0"/>
+          <a:ext cx="0" cy="0"/>
+          <a:chOff x="0" y="0"/>
+          <a:chExt cx="0" cy="0"/>
+        </a:xfrm>
+      </p:grpSpPr>
+      <p:sp>
+        <p:nvSpPr>
+          <p:cNvPr id="2" name="Title 1">
+            <a:extLst>
+              <a:ext uri="{FF2B5EF4-FFF2-40B4-BE49-F238E27FC236}">
+                <a16:creationId xmlns:a16="http://schemas.microsoft.com/office/drawing/2014/main" id="{0BC9075D-7707-A925-F8A4-A90F6656C4FB}"/>
+              </a:ext>
+            </a:extLst>
+          </p:cNvPr>
+          <p:cNvSpPr>
+            <a:spLocks noGrp="1"/>
+          </p:cNvSpPr>
+          <p:nvPr>
+            <p:ph type="title"/>
+          </p:nvPr>
+        </p:nvSpPr>
+        <p:spPr/>
+        <p:txBody>
+          <a:bodyPr/>
+          <a:lstStyle/>
+          <a:p>
+            <a:r>
+              <a:rPr lang="en-US" dirty="0"/>
+              <a:t>VII. Extensions</a:t>
+            </a:r>
+          </a:p>
+        </p:txBody>
+      </p:sp>
+      <p:sp>
+        <p:nvSpPr>
+          <p:cNvPr id="3" name="Text Placeholder 2">
+            <a:extLst>
+              <a:ext uri="{FF2B5EF4-FFF2-40B4-BE49-F238E27FC236}">
+                <a16:creationId xmlns:a16="http://schemas.microsoft.com/office/drawing/2014/main" id="{80EDE05F-777E-8145-BD96-0956E7E717E9}"/>
+              </a:ext>
+            </a:extLst>
+          </p:cNvPr>
+          <p:cNvSpPr>
+            <a:spLocks noGrp="1"/>
+          </p:cNvSpPr>
+          <p:nvPr>
+            <p:ph type="body" idx="1"/>
+          </p:nvPr>
+        </p:nvSpPr>
+        <p:spPr>
+          <a:xfrm>
+            <a:off x="311700" y="863550"/>
+            <a:ext cx="8520600" cy="3416400"/>
+          </a:xfrm>
+        </p:spPr>
+        <p:txBody>
+          <a:bodyPr/>
+          <a:lstStyle/>
+          <a:p>
+            <a:r>
+              <a:rPr lang="en-US" sz="2400" dirty="0"/>
+              <a:t>Authors want investigate gap between GPT and other alternatives</a:t>
+            </a:r>
+          </a:p>
+          <a:p>
+            <a:r>
+              <a:rPr lang="en-US" sz="2400" dirty="0"/>
+              <a:t>What applications could LRLL have in a more complicated end-effector such as a humanoid hand?</a:t>
+            </a:r>
+          </a:p>
+          <a:p>
+            <a:r>
+              <a:rPr lang="en-US" sz="2400" dirty="0"/>
+              <a:t>How would a multimodal input affect the number of new skills that LRLL robot could learn?</a:t>
+            </a:r>
+          </a:p>
+          <a:p>
+            <a:r>
+              <a:rPr lang="en-US" sz="2400" dirty="0"/>
+              <a:t>What are other ways that LRLL can explore and propose different tasks?</a:t>
+            </a:r>
+          </a:p>
+          <a:p>
+            <a:endParaRPr lang="en-US" dirty="0"/>
+          </a:p>
+          <a:p>
+            <a:endParaRPr lang="en-US" dirty="0"/>
+          </a:p>
+        </p:txBody>
+      </p:sp>
+      <p:sp>
+        <p:nvSpPr>
+          <p:cNvPr id="4" name="Slide Number Placeholder 3">
+            <a:extLst>
+              <a:ext uri="{FF2B5EF4-FFF2-40B4-BE49-F238E27FC236}">
+                <a16:creationId xmlns:a16="http://schemas.microsoft.com/office/drawing/2014/main" id="{1130ABDF-E1EF-F4BC-2B44-9D7C30C72AB1}"/>
+              </a:ext>
+            </a:extLst>
+          </p:cNvPr>
+          <p:cNvSpPr>
+            <a:spLocks noGrp="1"/>
+          </p:cNvSpPr>
+          <p:nvPr>
+            <p:ph type="sldNum" idx="12"/>
+          </p:nvPr>
+        </p:nvSpPr>
+        <p:spPr/>
+        <p:txBody>
+          <a:bodyPr/>
+          <a:lstStyle/>
+          <a:p>
+            <a:pPr marL="0" lvl="0" indent="0" algn="r" rtl="0">
+              <a:spcBef>
+                <a:spcPts val="0"/>
+              </a:spcBef>
+              <a:spcAft>
+                <a:spcPts val="0"/>
+              </a:spcAft>
+              <a:buNone/>
+            </a:pPr>
+            <a:fld id="{00000000-1234-1234-1234-123412341234}" type="slidenum">
+              <a:rPr lang="en" smtClean="0"/>
+              <a:t>24</a:t>
+            </a:fld>
+            <a:endParaRPr lang="en"/>
+          </a:p>
+        </p:txBody>
+      </p:sp>
+      <p:sp>
+        <p:nvSpPr>
+          <p:cNvPr id="5" name="Slide Number Placeholder 4">
+            <a:extLst>
+              <a:ext uri="{FF2B5EF4-FFF2-40B4-BE49-F238E27FC236}">
+                <a16:creationId xmlns:a16="http://schemas.microsoft.com/office/drawing/2014/main" id="{F06C1D53-0080-DC66-5297-FFD4D612D4B7}"/>
+              </a:ext>
+            </a:extLst>
+          </p:cNvPr>
+          <p:cNvSpPr>
+            <a:spLocks noGrp="1"/>
+          </p:cNvSpPr>
+          <p:nvPr>
+            <p:ph type="sldNum" idx="2"/>
+          </p:nvPr>
+        </p:nvSpPr>
+        <p:spPr/>
+        <p:txBody>
+          <a:bodyPr/>
+          <a:lstStyle/>
+          <a:p>
+            <a:pPr marL="0" lvl="0" indent="0" algn="r" rtl="0">
+              <a:spcBef>
+                <a:spcPts val="0"/>
+              </a:spcBef>
+              <a:spcAft>
+                <a:spcPts val="0"/>
+              </a:spcAft>
+              <a:buNone/>
+            </a:pPr>
+            <a:fld id="{00000000-1234-1234-1234-123412341234}" type="slidenum">
+              <a:rPr lang="en" smtClean="0"/>
+              <a:t>24</a:t>
+            </a:fld>
+            <a:endParaRPr lang="en"/>
+          </a:p>
+        </p:txBody>
+      </p:sp>
+    </p:spTree>
+    <p:extLst>
+      <p:ext uri="{BB962C8B-B14F-4D97-AF65-F5344CB8AC3E}">
+        <p14:creationId xmlns:p14="http://schemas.microsoft.com/office/powerpoint/2010/main" val="935124095"/>
+      </p:ext>
+    </p:extLst>
+  </p:cSld>
+  <p:clrMapOvr>
+    <a:masterClrMapping/>
+  </p:clrMapOvr>
+</p:sld>
+</file>
+
+<file path=ppt/slides/slide3.xml><?xml version="1.0" encoding="utf-8"?>
+<p:sld xmlns:a="http://schemas.openxmlformats.org/drawingml/2006/main" xmlns:r="http://schemas.openxmlformats.org/officeDocument/2006/relationships" xmlns:p="http://schemas.openxmlformats.org/presentationml/2006/main">
+  <p:cSld>
+    <p:spTree>
+      <p:nvGrpSpPr>
+        <p:cNvPr id="1" name=""/>
+        <p:cNvGrpSpPr/>
+        <p:nvPr/>
+      </p:nvGrpSpPr>
+      <p:grpSpPr>
+        <a:xfrm>
+          <a:off x="0" y="0"/>
+          <a:ext cx="0" cy="0"/>
+          <a:chOff x="0" y="0"/>
+          <a:chExt cx="0" cy="0"/>
+        </a:xfrm>
+      </p:grpSpPr>
+      <p:sp>
+        <p:nvSpPr>
+          <p:cNvPr id="2" name="Title 1">
+            <a:extLst>
+              <a:ext uri="{FF2B5EF4-FFF2-40B4-BE49-F238E27FC236}">
+                <a16:creationId xmlns:a16="http://schemas.microsoft.com/office/drawing/2014/main" id="{264C50FF-5EEC-751C-5214-2E8481BE80E0}"/>
+              </a:ext>
+            </a:extLst>
+          </p:cNvPr>
+          <p:cNvSpPr>
+            <a:spLocks noGrp="1"/>
+          </p:cNvSpPr>
+          <p:nvPr>
+            <p:ph type="title"/>
+          </p:nvPr>
+        </p:nvSpPr>
+        <p:spPr>
+          <a:xfrm>
+            <a:off x="311700" y="2571750"/>
+            <a:ext cx="8520600" cy="572700"/>
+          </a:xfrm>
+        </p:spPr>
+        <p:txBody>
+          <a:bodyPr/>
+          <a:lstStyle/>
+          <a:p>
+            <a:pPr algn="ctr"/>
+            <a:r>
+              <a:rPr lang="en-US" dirty="0"/>
+              <a:t>I. Overview of Paper</a:t>
+            </a:r>
+          </a:p>
+        </p:txBody>
+      </p:sp>
+      <p:sp>
+        <p:nvSpPr>
+          <p:cNvPr id="4" name="Slide Number Placeholder 3">
+            <a:extLst>
+              <a:ext uri="{FF2B5EF4-FFF2-40B4-BE49-F238E27FC236}">
+                <a16:creationId xmlns:a16="http://schemas.microsoft.com/office/drawing/2014/main" id="{E4D36E30-C87B-06FC-DD57-4D866BF07AA4}"/>
+              </a:ext>
+            </a:extLst>
+          </p:cNvPr>
+          <p:cNvSpPr>
+            <a:spLocks noGrp="1"/>
+          </p:cNvSpPr>
+          <p:nvPr>
+            <p:ph type="sldNum" idx="12"/>
+          </p:nvPr>
+        </p:nvSpPr>
+        <p:spPr/>
+        <p:txBody>
+          <a:bodyPr/>
+          <a:lstStyle/>
+          <a:p>
+            <a:pPr marL="0" lvl="0" indent="0" algn="r" rtl="0">
+              <a:spcBef>
+                <a:spcPts val="0"/>
+              </a:spcBef>
+              <a:spcAft>
+                <a:spcPts val="0"/>
+              </a:spcAft>
+              <a:buNone/>
+            </a:pPr>
+            <a:fld id="{00000000-1234-1234-1234-123412341234}" type="slidenum">
+              <a:rPr lang="en" smtClean="0"/>
+              <a:t>3</a:t>
+            </a:fld>
+            <a:endParaRPr lang="en"/>
+          </a:p>
+        </p:txBody>
+      </p:sp>
+      <p:sp>
+        <p:nvSpPr>
+          <p:cNvPr id="5" name="Slide Number Placeholder 4">
+            <a:extLst>
+              <a:ext uri="{FF2B5EF4-FFF2-40B4-BE49-F238E27FC236}">
+                <a16:creationId xmlns:a16="http://schemas.microsoft.com/office/drawing/2014/main" id="{486C2341-13FF-6811-A640-58468291EB09}"/>
+              </a:ext>
+            </a:extLst>
+          </p:cNvPr>
+          <p:cNvSpPr>
+            <a:spLocks noGrp="1"/>
+          </p:cNvSpPr>
+          <p:nvPr>
+            <p:ph type="sldNum" idx="2"/>
+          </p:nvPr>
+        </p:nvSpPr>
+        <p:spPr/>
+        <p:txBody>
+          <a:bodyPr/>
+          <a:lstStyle/>
+          <a:p>
+            <a:pPr marL="0" lvl="0" indent="0" algn="r" rtl="0">
+              <a:spcBef>
+                <a:spcPts val="0"/>
+              </a:spcBef>
+              <a:spcAft>
+                <a:spcPts val="0"/>
+              </a:spcAft>
+              <a:buNone/>
+            </a:pPr>
+            <a:fld id="{00000000-1234-1234-1234-123412341234}" type="slidenum">
+              <a:rPr lang="en" smtClean="0"/>
+              <a:t>3</a:t>
+            </a:fld>
+            <a:endParaRPr lang="en"/>
+          </a:p>
+        </p:txBody>
+      </p:sp>
+    </p:spTree>
+    <p:extLst>
+      <p:ext uri="{BB962C8B-B14F-4D97-AF65-F5344CB8AC3E}">
+        <p14:creationId xmlns:p14="http://schemas.microsoft.com/office/powerpoint/2010/main" val="1327851529"/>
+      </p:ext>
+    </p:extLst>
+  </p:cSld>
+  <p:clrMapOvr>
+    <a:masterClrMapping/>
+  </p:clrMapOvr>
+</p:sld>
+</file>
+
+<file path=ppt/slides/slide4.xml><?xml version="1.0" encoding="utf-8"?>
+<p:sld xmlns:a="http://schemas.openxmlformats.org/drawingml/2006/main" xmlns:r="http://schemas.openxmlformats.org/officeDocument/2006/relationships" xmlns:p="http://schemas.openxmlformats.org/presentationml/2006/main">
+  <p:cSld>
+    <p:spTree>
+      <p:nvGrpSpPr>
+        <p:cNvPr id="1" name=""/>
+        <p:cNvGrpSpPr/>
+        <p:nvPr/>
+      </p:nvGrpSpPr>
+      <p:grpSpPr>
+        <a:xfrm>
+          <a:off x="0" y="0"/>
+          <a:ext cx="0" cy="0"/>
+          <a:chOff x="0" y="0"/>
+          <a:chExt cx="0" cy="0"/>
+        </a:xfrm>
+      </p:grpSpPr>
+      <p:sp>
+        <p:nvSpPr>
+          <p:cNvPr id="2" name="Title 1">
+            <a:extLst>
+              <a:ext uri="{FF2B5EF4-FFF2-40B4-BE49-F238E27FC236}">
+                <a16:creationId xmlns:a16="http://schemas.microsoft.com/office/drawing/2014/main" id="{316686D7-64DF-D879-A8ED-AE2DCF369CE0}"/>
+              </a:ext>
+            </a:extLst>
+          </p:cNvPr>
+          <p:cNvSpPr>
+            <a:spLocks noGrp="1"/>
+          </p:cNvSpPr>
+          <p:nvPr>
+            <p:ph type="title"/>
+          </p:nvPr>
+        </p:nvSpPr>
+        <p:spPr/>
+        <p:txBody>
+          <a:bodyPr/>
+          <a:lstStyle/>
+          <a:p>
+            <a:r>
+              <a:rPr lang="en-US" dirty="0"/>
+              <a:t>Overview of Paper</a:t>
+            </a:r>
+          </a:p>
+        </p:txBody>
+      </p:sp>
+      <p:sp>
+        <p:nvSpPr>
+          <p:cNvPr id="3" name="Text Placeholder 2">
+            <a:extLst>
+              <a:ext uri="{FF2B5EF4-FFF2-40B4-BE49-F238E27FC236}">
+                <a16:creationId xmlns:a16="http://schemas.microsoft.com/office/drawing/2014/main" id="{4859ED3E-1D38-B279-2E26-22C6A090BECF}"/>
+              </a:ext>
+            </a:extLst>
+          </p:cNvPr>
+          <p:cNvSpPr>
+            <a:spLocks noGrp="1"/>
+          </p:cNvSpPr>
+          <p:nvPr>
+            <p:ph type="body" idx="1"/>
+          </p:nvPr>
+        </p:nvSpPr>
+        <p:spPr/>
+        <p:txBody>
+          <a:bodyPr/>
+          <a:lstStyle/>
+          <a:p>
+            <a:r>
+              <a:rPr lang="en-US" b="1" dirty="0">
+                <a:latin typeface="Times New Roman" panose="02020603050405020304" pitchFamily="18" charset="0"/>
+                <a:cs typeface="Times New Roman" panose="02020603050405020304" pitchFamily="18" charset="0"/>
+              </a:rPr>
+              <a:t>Authors</a:t>
+            </a:r>
+            <a:r>
+              <a:rPr lang="en-US" dirty="0">
+                <a:latin typeface="Times New Roman" panose="02020603050405020304" pitchFamily="18" charset="0"/>
+                <a:cs typeface="Times New Roman" panose="02020603050405020304" pitchFamily="18" charset="0"/>
+              </a:rPr>
+              <a:t>: Georgios </a:t>
+            </a:r>
+            <a:r>
+              <a:rPr lang="en-US" dirty="0" err="1">
+                <a:latin typeface="Times New Roman" panose="02020603050405020304" pitchFamily="18" charset="0"/>
+                <a:cs typeface="Times New Roman" panose="02020603050405020304" pitchFamily="18" charset="0"/>
+              </a:rPr>
+              <a:t>Tziafas</a:t>
+            </a:r>
+            <a:r>
+              <a:rPr lang="en-US" b="1" dirty="0">
+                <a:latin typeface="Times New Roman" panose="02020603050405020304" pitchFamily="18" charset="0"/>
+                <a:cs typeface="Times New Roman" panose="02020603050405020304" pitchFamily="18" charset="0"/>
+              </a:rPr>
+              <a:t> </a:t>
+            </a:r>
+            <a:r>
+              <a:rPr lang="en-US" dirty="0">
+                <a:latin typeface="Times New Roman" panose="02020603050405020304" pitchFamily="18" charset="0"/>
+                <a:cs typeface="Times New Roman" panose="02020603050405020304" pitchFamily="18" charset="0"/>
+              </a:rPr>
+              <a:t>and Hamidreza </a:t>
+            </a:r>
+            <a:r>
+              <a:rPr lang="en-US" dirty="0" err="1">
+                <a:latin typeface="Times New Roman" panose="02020603050405020304" pitchFamily="18" charset="0"/>
+                <a:cs typeface="Times New Roman" panose="02020603050405020304" pitchFamily="18" charset="0"/>
+              </a:rPr>
+              <a:t>Kasaei</a:t>
+            </a:r>
+            <a:endParaRPr lang="en-US" dirty="0">
+              <a:latin typeface="Times New Roman" panose="02020603050405020304" pitchFamily="18" charset="0"/>
+              <a:cs typeface="Times New Roman" panose="02020603050405020304" pitchFamily="18" charset="0"/>
+            </a:endParaRPr>
+          </a:p>
+          <a:p>
+            <a:r>
+              <a:rPr lang="en-US" b="1" dirty="0">
+                <a:latin typeface="Times New Roman" panose="02020603050405020304" pitchFamily="18" charset="0"/>
+                <a:cs typeface="Times New Roman" panose="02020603050405020304" pitchFamily="18" charset="0"/>
+              </a:rPr>
+              <a:t>Motivation</a:t>
+            </a:r>
+            <a:r>
+              <a:rPr lang="en-US" dirty="0">
+                <a:latin typeface="Times New Roman" panose="02020603050405020304" pitchFamily="18" charset="0"/>
+                <a:cs typeface="Times New Roman" panose="02020603050405020304" pitchFamily="18" charset="0"/>
+              </a:rPr>
+              <a:t>: LLMs for generating policy code limit agent to stationary range of addressable tasks</a:t>
+            </a:r>
+          </a:p>
+          <a:p>
+            <a:r>
+              <a:rPr lang="en-US" b="1" dirty="0">
+                <a:latin typeface="Times New Roman" panose="02020603050405020304" pitchFamily="18" charset="0"/>
+                <a:cs typeface="Times New Roman" panose="02020603050405020304" pitchFamily="18" charset="0"/>
+              </a:rPr>
+              <a:t>Contributions:</a:t>
+            </a:r>
+          </a:p>
+          <a:p>
+            <a:pPr lvl="1"/>
+            <a:r>
+              <a:rPr lang="en-US" dirty="0">
+                <a:latin typeface="Times New Roman" panose="02020603050405020304" pitchFamily="18" charset="0"/>
+                <a:cs typeface="Times New Roman" panose="02020603050405020304" pitchFamily="18" charset="0"/>
+              </a:rPr>
+              <a:t>Lifelong Robot Library Learning (LRLL): LLM that grows robot skill library</a:t>
+            </a:r>
+          </a:p>
+          <a:p>
+            <a:pPr lvl="1"/>
+            <a:r>
+              <a:rPr lang="en-US" dirty="0">
+                <a:latin typeface="Times New Roman" panose="02020603050405020304" pitchFamily="18" charset="0"/>
+                <a:cs typeface="Times New Roman" panose="02020603050405020304" pitchFamily="18" charset="0"/>
+              </a:rPr>
+              <a:t>Dynamic storage and retrieval of past experiences to serve as context</a:t>
+            </a:r>
+          </a:p>
+          <a:p>
+            <a:pPr lvl="1"/>
+            <a:r>
+              <a:rPr lang="en-US" dirty="0">
+                <a:latin typeface="Times New Roman" panose="02020603050405020304" pitchFamily="18" charset="0"/>
+                <a:cs typeface="Times New Roman" panose="02020603050405020304" pitchFamily="18" charset="0"/>
+              </a:rPr>
+              <a:t>Self-guided exploration policy</a:t>
+            </a:r>
+          </a:p>
+          <a:p>
+            <a:pPr lvl="1"/>
+            <a:r>
+              <a:rPr lang="en-US" dirty="0">
+                <a:latin typeface="Times New Roman" panose="02020603050405020304" pitchFamily="18" charset="0"/>
+                <a:cs typeface="Times New Roman" panose="02020603050405020304" pitchFamily="18" charset="0"/>
+              </a:rPr>
+              <a:t>Distills recent experiences into new skills</a:t>
+            </a:r>
+          </a:p>
+          <a:p>
+            <a:pPr lvl="1"/>
+            <a:r>
+              <a:rPr lang="en-US" dirty="0">
+                <a:latin typeface="Times New Roman" panose="02020603050405020304" pitchFamily="18" charset="0"/>
+                <a:cs typeface="Times New Roman" panose="02020603050405020304" pitchFamily="18" charset="0"/>
+              </a:rPr>
+              <a:t>Learn new skills with minimal human online interaction</a:t>
+            </a:r>
+            <a:endParaRPr lang="en-US" b="1" dirty="0">
+              <a:latin typeface="Times New Roman" panose="02020603050405020304" pitchFamily="18" charset="0"/>
+              <a:cs typeface="Times New Roman" panose="02020603050405020304" pitchFamily="18" charset="0"/>
+            </a:endParaRPr>
+          </a:p>
+          <a:p>
+            <a:r>
+              <a:rPr lang="en-US" b="1" dirty="0">
+                <a:latin typeface="Times New Roman" panose="02020603050405020304" pitchFamily="18" charset="0"/>
+                <a:cs typeface="Times New Roman" panose="02020603050405020304" pitchFamily="18" charset="0"/>
+              </a:rPr>
+              <a:t>Bypasses</a:t>
+            </a:r>
+          </a:p>
+          <a:p>
+            <a:pPr lvl="1"/>
+            <a:r>
+              <a:rPr lang="en-US" dirty="0">
+                <a:latin typeface="Times New Roman" panose="02020603050405020304" pitchFamily="18" charset="0"/>
+                <a:cs typeface="Times New Roman" panose="02020603050405020304" pitchFamily="18" charset="0"/>
+              </a:rPr>
+              <a:t>Model finetuning</a:t>
+            </a:r>
+          </a:p>
+          <a:p>
+            <a:pPr lvl="1"/>
+            <a:r>
+              <a:rPr lang="en-US" dirty="0">
+                <a:latin typeface="Times New Roman" panose="02020603050405020304" pitchFamily="18" charset="0"/>
+                <a:cs typeface="Times New Roman" panose="02020603050405020304" pitchFamily="18" charset="0"/>
+              </a:rPr>
+              <a:t>Gradient-based optimization</a:t>
+            </a:r>
+          </a:p>
+          <a:p>
+            <a:pPr marL="596900" lvl="1" indent="0">
+              <a:buNone/>
+            </a:pPr>
+            <a:endParaRPr lang="en-US" dirty="0"/>
+          </a:p>
+        </p:txBody>
+      </p:sp>
+      <p:sp>
+        <p:nvSpPr>
+          <p:cNvPr id="4" name="Slide Number Placeholder 3">
+            <a:extLst>
+              <a:ext uri="{FF2B5EF4-FFF2-40B4-BE49-F238E27FC236}">
+                <a16:creationId xmlns:a16="http://schemas.microsoft.com/office/drawing/2014/main" id="{7E433364-6C7C-F19E-2F42-BF2DE80271B1}"/>
+              </a:ext>
+            </a:extLst>
+          </p:cNvPr>
+          <p:cNvSpPr>
+            <a:spLocks noGrp="1"/>
+          </p:cNvSpPr>
+          <p:nvPr>
+            <p:ph type="sldNum" idx="12"/>
+          </p:nvPr>
+        </p:nvSpPr>
+        <p:spPr/>
+        <p:txBody>
+          <a:bodyPr/>
+          <a:lstStyle/>
+          <a:p>
+            <a:pPr marL="0" lvl="0" indent="0" algn="r" rtl="0">
+              <a:spcBef>
+                <a:spcPts val="0"/>
+              </a:spcBef>
+              <a:spcAft>
+                <a:spcPts val="0"/>
+              </a:spcAft>
+              <a:buNone/>
+            </a:pPr>
+            <a:fld id="{00000000-1234-1234-1234-123412341234}" type="slidenum">
+              <a:rPr lang="en" smtClean="0"/>
+              <a:t>4</a:t>
+            </a:fld>
+            <a:endParaRPr lang="en"/>
+          </a:p>
+        </p:txBody>
+      </p:sp>
+      <p:sp>
+        <p:nvSpPr>
+          <p:cNvPr id="5" name="Slide Number Placeholder 4">
+            <a:extLst>
+              <a:ext uri="{FF2B5EF4-FFF2-40B4-BE49-F238E27FC236}">
+                <a16:creationId xmlns:a16="http://schemas.microsoft.com/office/drawing/2014/main" id="{C1E6DC04-0803-7874-ACBF-41421999CBEA}"/>
+              </a:ext>
+            </a:extLst>
+          </p:cNvPr>
+          <p:cNvSpPr>
+            <a:spLocks noGrp="1"/>
+          </p:cNvSpPr>
+          <p:nvPr>
+            <p:ph type="sldNum" idx="2"/>
+          </p:nvPr>
+        </p:nvSpPr>
+        <p:spPr/>
+        <p:txBody>
+          <a:bodyPr/>
+          <a:lstStyle/>
+          <a:p>
+            <a:pPr marL="0" lvl="0" indent="0" algn="r" rtl="0">
+              <a:spcBef>
+                <a:spcPts val="0"/>
+              </a:spcBef>
+              <a:spcAft>
+                <a:spcPts val="0"/>
+              </a:spcAft>
+              <a:buNone/>
+            </a:pPr>
+            <a:fld id="{00000000-1234-1234-1234-123412341234}" type="slidenum">
+              <a:rPr lang="en" smtClean="0"/>
+              <a:t>4</a:t>
+            </a:fld>
+            <a:endParaRPr lang="en"/>
+          </a:p>
+        </p:txBody>
+      </p:sp>
+    </p:spTree>
+    <p:extLst>
+      <p:ext uri="{BB962C8B-B14F-4D97-AF65-F5344CB8AC3E}">
+        <p14:creationId xmlns:p14="http://schemas.microsoft.com/office/powerpoint/2010/main" val="595461646"/>
+      </p:ext>
+    </p:extLst>
+  </p:cSld>
+  <p:clrMapOvr>
+    <a:masterClrMapping/>
+  </p:clrMapOvr>
+</p:sld>
+</file>
+
+<file path=ppt/slides/slide5.xml><?xml version="1.0" encoding="utf-8"?>
+<p:sld xmlns:a="http://schemas.openxmlformats.org/drawingml/2006/main" xmlns:r="http://schemas.openxmlformats.org/officeDocument/2006/relationships" xmlns:p="http://schemas.openxmlformats.org/presentationml/2006/main">
+  <p:cSld>
+    <p:spTree>
+      <p:nvGrpSpPr>
+        <p:cNvPr id="1" name=""/>
+        <p:cNvGrpSpPr/>
+        <p:nvPr/>
+      </p:nvGrpSpPr>
+      <p:grpSpPr>
+        <a:xfrm>
+          <a:off x="0" y="0"/>
+          <a:ext cx="0" cy="0"/>
+          <a:chOff x="0" y="0"/>
+          <a:chExt cx="0" cy="0"/>
+        </a:xfrm>
+      </p:grpSpPr>
+      <p:sp>
+        <p:nvSpPr>
+          <p:cNvPr id="2" name="Title 1">
+            <a:extLst>
+              <a:ext uri="{FF2B5EF4-FFF2-40B4-BE49-F238E27FC236}">
+                <a16:creationId xmlns:a16="http://schemas.microsoft.com/office/drawing/2014/main" id="{264C50FF-5EEC-751C-5214-2E8481BE80E0}"/>
+              </a:ext>
+            </a:extLst>
+          </p:cNvPr>
+          <p:cNvSpPr>
+            <a:spLocks noGrp="1"/>
+          </p:cNvSpPr>
+          <p:nvPr>
+            <p:ph type="title"/>
+          </p:nvPr>
+        </p:nvSpPr>
+        <p:spPr>
+          <a:xfrm>
+            <a:off x="311700" y="2571750"/>
+            <a:ext cx="8520600" cy="572700"/>
+          </a:xfrm>
+        </p:spPr>
+        <p:txBody>
+          <a:bodyPr/>
+          <a:lstStyle/>
+          <a:p>
+            <a:pPr algn="ctr"/>
+            <a:r>
+              <a:rPr lang="en-US" dirty="0"/>
+              <a:t>II. Background Knowledge</a:t>
+            </a:r>
+          </a:p>
+        </p:txBody>
+      </p:sp>
+      <p:sp>
+        <p:nvSpPr>
+          <p:cNvPr id="4" name="Slide Number Placeholder 3">
+            <a:extLst>
+              <a:ext uri="{FF2B5EF4-FFF2-40B4-BE49-F238E27FC236}">
+                <a16:creationId xmlns:a16="http://schemas.microsoft.com/office/drawing/2014/main" id="{E4D36E30-C87B-06FC-DD57-4D866BF07AA4}"/>
+              </a:ext>
+            </a:extLst>
+          </p:cNvPr>
+          <p:cNvSpPr>
+            <a:spLocks noGrp="1"/>
+          </p:cNvSpPr>
+          <p:nvPr>
+            <p:ph type="sldNum" idx="12"/>
+          </p:nvPr>
+        </p:nvSpPr>
+        <p:spPr/>
+        <p:txBody>
+          <a:bodyPr/>
+          <a:lstStyle/>
+          <a:p>
+            <a:pPr marL="0" lvl="0" indent="0" algn="r" rtl="0">
+              <a:spcBef>
+                <a:spcPts val="0"/>
+              </a:spcBef>
+              <a:spcAft>
+                <a:spcPts val="0"/>
+              </a:spcAft>
+              <a:buNone/>
+            </a:pPr>
+            <a:fld id="{00000000-1234-1234-1234-123412341234}" type="slidenum">
+              <a:rPr lang="en" smtClean="0"/>
+              <a:t>5</a:t>
+            </a:fld>
+            <a:endParaRPr lang="en"/>
+          </a:p>
+        </p:txBody>
+      </p:sp>
+      <p:sp>
+        <p:nvSpPr>
+          <p:cNvPr id="5" name="Slide Number Placeholder 4">
+            <a:extLst>
+              <a:ext uri="{FF2B5EF4-FFF2-40B4-BE49-F238E27FC236}">
+                <a16:creationId xmlns:a16="http://schemas.microsoft.com/office/drawing/2014/main" id="{486C2341-13FF-6811-A640-58468291EB09}"/>
+              </a:ext>
+            </a:extLst>
+          </p:cNvPr>
+          <p:cNvSpPr>
+            <a:spLocks noGrp="1"/>
+          </p:cNvSpPr>
+          <p:nvPr>
+            <p:ph type="sldNum" idx="2"/>
+          </p:nvPr>
+        </p:nvSpPr>
+        <p:spPr/>
+        <p:txBody>
+          <a:bodyPr/>
+          <a:lstStyle/>
+          <a:p>
+            <a:pPr marL="0" lvl="0" indent="0" algn="r" rtl="0">
+              <a:spcBef>
+                <a:spcPts val="0"/>
+              </a:spcBef>
+              <a:spcAft>
+                <a:spcPts val="0"/>
+              </a:spcAft>
+              <a:buNone/>
+            </a:pPr>
+            <a:fld id="{00000000-1234-1234-1234-123412341234}" type="slidenum">
+              <a:rPr lang="en" smtClean="0"/>
+              <a:t>5</a:t>
+            </a:fld>
+            <a:endParaRPr lang="en"/>
+          </a:p>
+        </p:txBody>
+      </p:sp>
+    </p:spTree>
+    <p:extLst>
+      <p:ext uri="{BB962C8B-B14F-4D97-AF65-F5344CB8AC3E}">
+        <p14:creationId xmlns:p14="http://schemas.microsoft.com/office/powerpoint/2010/main" val="3437269459"/>
+      </p:ext>
+    </p:extLst>
+  </p:cSld>
+  <p:clrMapOvr>
+    <a:masterClrMapping/>
+  </p:clrMapOvr>
+</p:sld>
+</file>
+
+<file path=ppt/slides/slide6.xml><?xml version="1.0" encoding="utf-8"?>
+<p:sld xmlns:a="http://schemas.openxmlformats.org/drawingml/2006/main" xmlns:r="http://schemas.openxmlformats.org/officeDocument/2006/relationships" xmlns:p="http://schemas.openxmlformats.org/presentationml/2006/main">
+  <p:cSld>
+    <p:spTree>
+      <p:nvGrpSpPr>
+        <p:cNvPr id="1" name=""/>
+        <p:cNvGrpSpPr/>
+        <p:nvPr/>
+      </p:nvGrpSpPr>
+      <p:grpSpPr>
+        <a:xfrm>
+          <a:off x="0" y="0"/>
+          <a:ext cx="0" cy="0"/>
+          <a:chOff x="0" y="0"/>
+          <a:chExt cx="0" cy="0"/>
+        </a:xfrm>
+      </p:grpSpPr>
+      <p:sp>
+        <p:nvSpPr>
+          <p:cNvPr id="2" name="Title 1">
+            <a:extLst>
+              <a:ext uri="{FF2B5EF4-FFF2-40B4-BE49-F238E27FC236}">
+                <a16:creationId xmlns:a16="http://schemas.microsoft.com/office/drawing/2014/main" id="{FC0648C6-E769-5DFF-BC98-0595BE6000C4}"/>
+              </a:ext>
+            </a:extLst>
+          </p:cNvPr>
+          <p:cNvSpPr>
+            <a:spLocks noGrp="1"/>
+          </p:cNvSpPr>
+          <p:nvPr>
+            <p:ph type="title"/>
+          </p:nvPr>
+        </p:nvSpPr>
+        <p:spPr/>
+        <p:txBody>
+          <a:bodyPr/>
+          <a:lstStyle/>
+          <a:p>
+            <a:r>
+              <a:rPr lang="en-US" dirty="0"/>
+              <a:t>II. Background Knowledge</a:t>
+            </a:r>
+          </a:p>
+        </p:txBody>
+      </p:sp>
+      <p:sp>
+        <p:nvSpPr>
+          <p:cNvPr id="3" name="Text Placeholder 2">
+            <a:extLst>
+              <a:ext uri="{FF2B5EF4-FFF2-40B4-BE49-F238E27FC236}">
+                <a16:creationId xmlns:a16="http://schemas.microsoft.com/office/drawing/2014/main" id="{B0D585EB-9799-7960-D590-C114C2257420}"/>
+              </a:ext>
+            </a:extLst>
+          </p:cNvPr>
+          <p:cNvSpPr>
+            <a:spLocks noGrp="1"/>
+          </p:cNvSpPr>
+          <p:nvPr>
+            <p:ph type="body" idx="1"/>
+          </p:nvPr>
+        </p:nvSpPr>
+        <p:spPr/>
+        <p:txBody>
+          <a:bodyPr/>
+          <a:lstStyle/>
+          <a:p>
+            <a:r>
+              <a:rPr lang="en-US" dirty="0"/>
+              <a:t>Machine Learning: computer systems that can learn and adapt without being explicitly trained</a:t>
+            </a:r>
+          </a:p>
+          <a:p>
+            <a:pPr lvl="1"/>
+            <a:r>
+              <a:rPr lang="en-US" dirty="0"/>
+              <a:t>Finetuning: process of finding the best value for nontrainable parameters</a:t>
+            </a:r>
+          </a:p>
+          <a:p>
+            <a:pPr lvl="1"/>
+            <a:r>
+              <a:rPr lang="en-US" dirty="0"/>
+              <a:t>Gradient-based optimization: the use of gradients to optimize an objective function</a:t>
+            </a:r>
+          </a:p>
+          <a:p>
+            <a:pPr lvl="1"/>
+            <a:r>
+              <a:rPr lang="en-US" dirty="0"/>
+              <a:t>Large Language Models (LLM): a type of machine learning algorithm that generates natural language and others</a:t>
+            </a:r>
+          </a:p>
+          <a:p>
+            <a:r>
+              <a:rPr lang="en-US" dirty="0"/>
+              <a:t>General</a:t>
+            </a:r>
+          </a:p>
+          <a:p>
+            <a:pPr lvl="1"/>
+            <a:r>
+              <a:rPr lang="en-US" dirty="0"/>
+              <a:t>Abstract Syntax Tree (AST): a tree representation of code</a:t>
+            </a:r>
+          </a:p>
+          <a:p>
+            <a:pPr lvl="1"/>
+            <a:r>
+              <a:rPr lang="en-US" dirty="0"/>
+              <a:t>Cluster: a group of objects that are similar to each other</a:t>
+            </a:r>
+          </a:p>
+          <a:p>
+            <a:pPr lvl="1"/>
+            <a:r>
+              <a:rPr lang="en-US" dirty="0"/>
+              <a:t>Chain-of-thought: process of approaching a task step-by-step</a:t>
+            </a:r>
+          </a:p>
+          <a:p>
+            <a:pPr lvl="1"/>
+            <a:endParaRPr lang="en-US" dirty="0"/>
+          </a:p>
+          <a:p>
+            <a:pPr lvl="1"/>
+            <a:endParaRPr lang="en-US" dirty="0"/>
+          </a:p>
+          <a:p>
+            <a:pPr lvl="1"/>
+            <a:endParaRPr lang="en-US" dirty="0"/>
+          </a:p>
+        </p:txBody>
+      </p:sp>
+      <p:sp>
+        <p:nvSpPr>
+          <p:cNvPr id="4" name="Slide Number Placeholder 3">
+            <a:extLst>
+              <a:ext uri="{FF2B5EF4-FFF2-40B4-BE49-F238E27FC236}">
+                <a16:creationId xmlns:a16="http://schemas.microsoft.com/office/drawing/2014/main" id="{96507D9B-2FD9-F141-99AC-D9B91360283D}"/>
+              </a:ext>
+            </a:extLst>
+          </p:cNvPr>
+          <p:cNvSpPr>
+            <a:spLocks noGrp="1"/>
+          </p:cNvSpPr>
+          <p:nvPr>
+            <p:ph type="sldNum" idx="12"/>
+          </p:nvPr>
+        </p:nvSpPr>
+        <p:spPr/>
+        <p:txBody>
+          <a:bodyPr/>
+          <a:lstStyle/>
+          <a:p>
+            <a:pPr marL="0" lvl="0" indent="0" algn="r" rtl="0">
+              <a:spcBef>
+                <a:spcPts val="0"/>
+              </a:spcBef>
+              <a:spcAft>
+                <a:spcPts val="0"/>
+              </a:spcAft>
+              <a:buNone/>
+            </a:pPr>
+            <a:fld id="{00000000-1234-1234-1234-123412341234}" type="slidenum">
+              <a:rPr lang="en" smtClean="0"/>
+              <a:t>6</a:t>
+            </a:fld>
+            <a:endParaRPr lang="en"/>
+          </a:p>
+        </p:txBody>
+      </p:sp>
+      <p:sp>
+        <p:nvSpPr>
+          <p:cNvPr id="5" name="Slide Number Placeholder 4">
+            <a:extLst>
+              <a:ext uri="{FF2B5EF4-FFF2-40B4-BE49-F238E27FC236}">
+                <a16:creationId xmlns:a16="http://schemas.microsoft.com/office/drawing/2014/main" id="{C5B7D20A-E5BB-FC2F-B1DB-ACDD93E1D321}"/>
+              </a:ext>
+            </a:extLst>
+          </p:cNvPr>
+          <p:cNvSpPr>
+            <a:spLocks noGrp="1"/>
+          </p:cNvSpPr>
+          <p:nvPr>
+            <p:ph type="sldNum" idx="2"/>
+          </p:nvPr>
+        </p:nvSpPr>
+        <p:spPr/>
+        <p:txBody>
+          <a:bodyPr/>
+          <a:lstStyle/>
+          <a:p>
+            <a:pPr marL="0" lvl="0" indent="0" algn="r" rtl="0">
+              <a:spcBef>
+                <a:spcPts val="0"/>
+              </a:spcBef>
+              <a:spcAft>
+                <a:spcPts val="0"/>
+              </a:spcAft>
+              <a:buNone/>
+            </a:pPr>
+            <a:fld id="{00000000-1234-1234-1234-123412341234}" type="slidenum">
+              <a:rPr lang="en" smtClean="0"/>
+              <a:t>6</a:t>
+            </a:fld>
+            <a:endParaRPr lang="en"/>
+          </a:p>
+        </p:txBody>
+      </p:sp>
+    </p:spTree>
+    <p:extLst>
+      <p:ext uri="{BB962C8B-B14F-4D97-AF65-F5344CB8AC3E}">
+        <p14:creationId xmlns:p14="http://schemas.microsoft.com/office/powerpoint/2010/main" val="2652950472"/>
+      </p:ext>
+    </p:extLst>
+  </p:cSld>
+  <p:clrMapOvr>
+    <a:masterClrMapping/>
+  </p:clrMapOvr>
+</p:sld>
+</file>
+
+<file path=ppt/slides/slide7.xml><?xml version="1.0" encoding="utf-8"?>
+<p:sld xmlns:a="http://schemas.openxmlformats.org/drawingml/2006/main" xmlns:r="http://schemas.openxmlformats.org/officeDocument/2006/relationships" xmlns:p="http://schemas.openxmlformats.org/presentationml/2006/main">
+  <p:cSld>
+    <p:spTree>
+      <p:nvGrpSpPr>
+        <p:cNvPr id="1" name=""/>
+        <p:cNvGrpSpPr/>
+        <p:nvPr/>
+      </p:nvGrpSpPr>
+      <p:grpSpPr>
+        <a:xfrm>
+          <a:off x="0" y="0"/>
+          <a:ext cx="0" cy="0"/>
+          <a:chOff x="0" y="0"/>
+          <a:chExt cx="0" cy="0"/>
+        </a:xfrm>
+      </p:grpSpPr>
+      <p:sp>
+        <p:nvSpPr>
+          <p:cNvPr id="2" name="Title 1">
+            <a:extLst>
+              <a:ext uri="{FF2B5EF4-FFF2-40B4-BE49-F238E27FC236}">
+                <a16:creationId xmlns:a16="http://schemas.microsoft.com/office/drawing/2014/main" id="{264C50FF-5EEC-751C-5214-2E8481BE80E0}"/>
+              </a:ext>
+            </a:extLst>
+          </p:cNvPr>
+          <p:cNvSpPr>
+            <a:spLocks noGrp="1"/>
+          </p:cNvSpPr>
+          <p:nvPr>
+            <p:ph type="title"/>
+          </p:nvPr>
+        </p:nvSpPr>
+        <p:spPr>
+          <a:xfrm>
+            <a:off x="311700" y="2571750"/>
+            <a:ext cx="8520600" cy="572700"/>
+          </a:xfrm>
+        </p:spPr>
+        <p:txBody>
+          <a:bodyPr/>
+          <a:lstStyle/>
+          <a:p>
+            <a:pPr algn="ctr"/>
+            <a:r>
+              <a:rPr lang="en-US" dirty="0"/>
+              <a:t>III. How LRLL Works?</a:t>
+            </a:r>
+          </a:p>
+        </p:txBody>
+      </p:sp>
+      <p:sp>
+        <p:nvSpPr>
+          <p:cNvPr id="4" name="Slide Number Placeholder 3">
+            <a:extLst>
+              <a:ext uri="{FF2B5EF4-FFF2-40B4-BE49-F238E27FC236}">
+                <a16:creationId xmlns:a16="http://schemas.microsoft.com/office/drawing/2014/main" id="{E4D36E30-C87B-06FC-DD57-4D866BF07AA4}"/>
+              </a:ext>
+            </a:extLst>
+          </p:cNvPr>
+          <p:cNvSpPr>
+            <a:spLocks noGrp="1"/>
+          </p:cNvSpPr>
+          <p:nvPr>
+            <p:ph type="sldNum" idx="12"/>
+          </p:nvPr>
+        </p:nvSpPr>
+        <p:spPr/>
+        <p:txBody>
+          <a:bodyPr/>
+          <a:lstStyle/>
+          <a:p>
+            <a:pPr marL="0" lvl="0" indent="0" algn="r" rtl="0">
+              <a:spcBef>
+                <a:spcPts val="0"/>
+              </a:spcBef>
+              <a:spcAft>
+                <a:spcPts val="0"/>
+              </a:spcAft>
+              <a:buNone/>
+            </a:pPr>
+            <a:fld id="{00000000-1234-1234-1234-123412341234}" type="slidenum">
+              <a:rPr lang="en" smtClean="0"/>
+              <a:t>7</a:t>
+            </a:fld>
+            <a:endParaRPr lang="en"/>
+          </a:p>
+        </p:txBody>
+      </p:sp>
+      <p:sp>
+        <p:nvSpPr>
+          <p:cNvPr id="5" name="Slide Number Placeholder 4">
+            <a:extLst>
+              <a:ext uri="{FF2B5EF4-FFF2-40B4-BE49-F238E27FC236}">
+                <a16:creationId xmlns:a16="http://schemas.microsoft.com/office/drawing/2014/main" id="{486C2341-13FF-6811-A640-58468291EB09}"/>
+              </a:ext>
+            </a:extLst>
+          </p:cNvPr>
+          <p:cNvSpPr>
+            <a:spLocks noGrp="1"/>
+          </p:cNvSpPr>
+          <p:nvPr>
+            <p:ph type="sldNum" idx="2"/>
+          </p:nvPr>
+        </p:nvSpPr>
+        <p:spPr/>
+        <p:txBody>
+          <a:bodyPr/>
+          <a:lstStyle/>
+          <a:p>
+            <a:pPr marL="0" lvl="0" indent="0" algn="r" rtl="0">
+              <a:spcBef>
+                <a:spcPts val="0"/>
+              </a:spcBef>
+              <a:spcAft>
+                <a:spcPts val="0"/>
+              </a:spcAft>
+              <a:buNone/>
+            </a:pPr>
+            <a:fld id="{00000000-1234-1234-1234-123412341234}" type="slidenum">
+              <a:rPr lang="en" smtClean="0"/>
+              <a:t>7</a:t>
+            </a:fld>
+            <a:endParaRPr lang="en"/>
+          </a:p>
+        </p:txBody>
+      </p:sp>
+    </p:spTree>
+    <p:extLst>
+      <p:ext uri="{BB962C8B-B14F-4D97-AF65-F5344CB8AC3E}">
+        <p14:creationId xmlns:p14="http://schemas.microsoft.com/office/powerpoint/2010/main" val="840150298"/>
+      </p:ext>
+    </p:extLst>
+  </p:cSld>
+  <p:clrMapOvr>
+    <a:masterClrMapping/>
+  </p:clrMapOvr>
+</p:sld>
+</file>
+
+<file path=ppt/slides/slide8.xml><?xml version="1.0" encoding="utf-8"?>
+<p:sld xmlns:a="http://schemas.openxmlformats.org/drawingml/2006/main" xmlns:r="http://schemas.openxmlformats.org/officeDocument/2006/relationships" xmlns:p="http://schemas.openxmlformats.org/presentationml/2006/main">
+  <p:cSld>
+    <p:spTree>
+      <p:nvGrpSpPr>
+        <p:cNvPr id="1" name=""/>
+        <p:cNvGrpSpPr/>
+        <p:nvPr/>
+      </p:nvGrpSpPr>
+      <p:grpSpPr>
+        <a:xfrm>
+          <a:off x="0" y="0"/>
+          <a:ext cx="0" cy="0"/>
+          <a:chOff x="0" y="0"/>
+          <a:chExt cx="0" cy="0"/>
+        </a:xfrm>
+      </p:grpSpPr>
+      <p:sp>
+        <p:nvSpPr>
+          <p:cNvPr id="2" name="Title 1">
+            <a:extLst>
+              <a:ext uri="{FF2B5EF4-FFF2-40B4-BE49-F238E27FC236}">
+                <a16:creationId xmlns:a16="http://schemas.microsoft.com/office/drawing/2014/main" id="{1C28D6D2-1B64-193A-D978-8BC65385EF33}"/>
+              </a:ext>
+            </a:extLst>
+          </p:cNvPr>
+          <p:cNvSpPr>
+            <a:spLocks noGrp="1"/>
+          </p:cNvSpPr>
+          <p:nvPr>
+            <p:ph type="title"/>
+          </p:nvPr>
+        </p:nvSpPr>
+        <p:spPr/>
+        <p:txBody>
+          <a:bodyPr/>
+          <a:lstStyle/>
+          <a:p>
+            <a:r>
+              <a:rPr lang="en-US" dirty="0"/>
+              <a:t>III. How LRLL works?</a:t>
+            </a:r>
+          </a:p>
+        </p:txBody>
+      </p:sp>
+      <p:sp>
+        <p:nvSpPr>
+          <p:cNvPr id="3" name="Text Placeholder 2">
+            <a:extLst>
+              <a:ext uri="{FF2B5EF4-FFF2-40B4-BE49-F238E27FC236}">
+                <a16:creationId xmlns:a16="http://schemas.microsoft.com/office/drawing/2014/main" id="{C40379D2-99D1-043F-9BE3-0EF6CB82D1FD}"/>
+              </a:ext>
+            </a:extLst>
+          </p:cNvPr>
+          <p:cNvSpPr>
+            <a:spLocks noGrp="1"/>
+          </p:cNvSpPr>
+          <p:nvPr>
+            <p:ph type="body" idx="1"/>
+          </p:nvPr>
+        </p:nvSpPr>
+        <p:spPr>
+          <a:xfrm>
+            <a:off x="159300" y="866725"/>
+            <a:ext cx="8673000" cy="495007"/>
+          </a:xfrm>
+        </p:spPr>
+        <p:txBody>
+          <a:bodyPr/>
+          <a:lstStyle/>
+          <a:p>
+            <a:r>
+              <a:rPr lang="en-US" dirty="0">
+                <a:latin typeface="Times New Roman" panose="02020603050405020304" pitchFamily="18" charset="0"/>
+                <a:cs typeface="Times New Roman" panose="02020603050405020304" pitchFamily="18" charset="0"/>
+              </a:rPr>
+              <a:t>Lifelong Robot Library Learning or LRLL</a:t>
+            </a:r>
+          </a:p>
+          <a:p>
+            <a:pPr marL="114300" indent="0">
+              <a:buNone/>
+            </a:pPr>
+            <a:endParaRPr lang="en-US" dirty="0"/>
+          </a:p>
+          <a:p>
+            <a:pPr marL="114300" indent="0">
+              <a:buNone/>
+            </a:pPr>
+            <a:endParaRPr lang="en-US" dirty="0"/>
+          </a:p>
+          <a:p>
+            <a:endParaRPr lang="en-US" dirty="0"/>
+          </a:p>
+        </p:txBody>
+      </p:sp>
+      <p:sp>
+        <p:nvSpPr>
+          <p:cNvPr id="4" name="Slide Number Placeholder 3">
+            <a:extLst>
+              <a:ext uri="{FF2B5EF4-FFF2-40B4-BE49-F238E27FC236}">
+                <a16:creationId xmlns:a16="http://schemas.microsoft.com/office/drawing/2014/main" id="{8B1AB01A-A2C4-690E-99C2-BF45D64F139F}"/>
+              </a:ext>
+            </a:extLst>
+          </p:cNvPr>
+          <p:cNvSpPr>
+            <a:spLocks noGrp="1"/>
+          </p:cNvSpPr>
+          <p:nvPr>
+            <p:ph type="sldNum" idx="12"/>
+          </p:nvPr>
+        </p:nvSpPr>
+        <p:spPr/>
+        <p:txBody>
+          <a:bodyPr/>
+          <a:lstStyle/>
+          <a:p>
+            <a:pPr marL="0" lvl="0" indent="0" algn="r" rtl="0">
+              <a:spcBef>
+                <a:spcPts val="0"/>
+              </a:spcBef>
+              <a:spcAft>
+                <a:spcPts val="0"/>
+              </a:spcAft>
+              <a:buNone/>
+            </a:pPr>
+            <a:fld id="{00000000-1234-1234-1234-123412341234}" type="slidenum">
+              <a:rPr lang="en" smtClean="0"/>
+              <a:t>8</a:t>
+            </a:fld>
+            <a:endParaRPr lang="en"/>
+          </a:p>
+        </p:txBody>
+      </p:sp>
+      <p:sp>
+        <p:nvSpPr>
+          <p:cNvPr id="5" name="Slide Number Placeholder 4">
+            <a:extLst>
+              <a:ext uri="{FF2B5EF4-FFF2-40B4-BE49-F238E27FC236}">
+                <a16:creationId xmlns:a16="http://schemas.microsoft.com/office/drawing/2014/main" id="{C83F4476-C36C-C9E6-F827-8CCB0600E7DF}"/>
+              </a:ext>
+            </a:extLst>
+          </p:cNvPr>
+          <p:cNvSpPr>
+            <a:spLocks noGrp="1"/>
+          </p:cNvSpPr>
+          <p:nvPr>
+            <p:ph type="sldNum" idx="2"/>
+          </p:nvPr>
+        </p:nvSpPr>
+        <p:spPr/>
+        <p:txBody>
+          <a:bodyPr/>
+          <a:lstStyle/>
+          <a:p>
+            <a:pPr marL="0" lvl="0" indent="0" algn="r" rtl="0">
+              <a:spcBef>
+                <a:spcPts val="0"/>
+              </a:spcBef>
+              <a:spcAft>
+                <a:spcPts val="0"/>
+              </a:spcAft>
+              <a:buNone/>
+            </a:pPr>
+            <a:fld id="{00000000-1234-1234-1234-123412341234}" type="slidenum">
+              <a:rPr lang="en" smtClean="0"/>
+              <a:t>8</a:t>
+            </a:fld>
+            <a:endParaRPr lang="en"/>
+          </a:p>
+        </p:txBody>
+      </p:sp>
+      <p:pic>
+        <p:nvPicPr>
+          <p:cNvPr id="7" name="Picture 6">
+            <a:extLst>
+              <a:ext uri="{FF2B5EF4-FFF2-40B4-BE49-F238E27FC236}">
+                <a16:creationId xmlns:a16="http://schemas.microsoft.com/office/drawing/2014/main" id="{FF049BD6-3057-02E6-DF53-1D7BBF8955DD}"/>
+              </a:ext>
+            </a:extLst>
+          </p:cNvPr>
+          <p:cNvPicPr>
+            <a:picLocks noChangeAspect="1"/>
+          </p:cNvPicPr>
+          <p:nvPr/>
+        </p:nvPicPr>
+        <p:blipFill>
+          <a:blip r:embed="rId2"/>
+          <a:stretch>
+            <a:fillRect/>
+          </a:stretch>
+        </p:blipFill>
+        <p:spPr>
+          <a:xfrm>
+            <a:off x="504257" y="1361732"/>
+            <a:ext cx="8135485" cy="2495898"/>
+          </a:xfrm>
+          <a:prstGeom prst="rect">
+            <a:avLst/>
+          </a:prstGeom>
+        </p:spPr>
+      </p:pic>
+      <p:sp>
+        <p:nvSpPr>
+          <p:cNvPr id="8" name="TextBox 7">
+            <a:extLst>
+              <a:ext uri="{FF2B5EF4-FFF2-40B4-BE49-F238E27FC236}">
+                <a16:creationId xmlns:a16="http://schemas.microsoft.com/office/drawing/2014/main" id="{BB600A31-0AEE-E458-09C2-AB3F2BD534C3}"/>
+              </a:ext>
+            </a:extLst>
+          </p:cNvPr>
+          <p:cNvSpPr txBox="1"/>
+          <p:nvPr/>
+        </p:nvSpPr>
+        <p:spPr>
+          <a:xfrm>
+            <a:off x="504256" y="3781769"/>
+            <a:ext cx="4344037" cy="261610"/>
+          </a:xfrm>
+          <a:prstGeom prst="rect">
+            <a:avLst/>
+          </a:prstGeom>
+          <a:noFill/>
+        </p:spPr>
+        <p:txBody>
+          <a:bodyPr wrap="square" rtlCol="0">
+            <a:spAutoFit/>
+          </a:bodyPr>
+          <a:lstStyle/>
+          <a:p>
+            <a:r>
+              <a:rPr lang="en-US" sz="1050" dirty="0"/>
+              <a:t>Image taken from figure 2 from </a:t>
+            </a:r>
+            <a:r>
+              <a:rPr lang="en-US" sz="1050" dirty="0" err="1"/>
+              <a:t>Tziafas</a:t>
+            </a:r>
+            <a:r>
+              <a:rPr lang="en-US" sz="1050" dirty="0"/>
+              <a:t> and </a:t>
+            </a:r>
+            <a:r>
+              <a:rPr lang="en-US" sz="1050" dirty="0" err="1"/>
+              <a:t>Kasaei</a:t>
+            </a:r>
+            <a:r>
+              <a:rPr lang="en-US" sz="1050" dirty="0"/>
+              <a:t>  </a:t>
+            </a:r>
+          </a:p>
+        </p:txBody>
+      </p:sp>
+      <p:sp>
+        <p:nvSpPr>
+          <p:cNvPr id="9" name="Text Placeholder 2">
+            <a:extLst>
+              <a:ext uri="{FF2B5EF4-FFF2-40B4-BE49-F238E27FC236}">
+                <a16:creationId xmlns:a16="http://schemas.microsoft.com/office/drawing/2014/main" id="{557D5397-1E70-7444-A2A6-3A80A4AD9DBF}"/>
+              </a:ext>
+            </a:extLst>
+          </p:cNvPr>
+          <p:cNvSpPr txBox="1">
+            <a:spLocks/>
+          </p:cNvSpPr>
+          <p:nvPr/>
+        </p:nvSpPr>
+        <p:spPr>
+          <a:xfrm>
+            <a:off x="159300" y="4105133"/>
+            <a:ext cx="8673000" cy="1038367"/>
+          </a:xfrm>
+          <a:prstGeom prst="rect">
+            <a:avLst/>
+          </a:prstGeom>
+          <a:noFill/>
+          <a:ln>
+            <a:noFill/>
+          </a:ln>
+        </p:spPr>
+        <p:txBody>
+          <a:bodyPr spcFirstLastPara="1" wrap="square" lIns="91425" tIns="91425" rIns="91425" bIns="91425" anchor="t" anchorCtr="0">
+            <a:noAutofit/>
+          </a:bodyPr>
+          <a:lstStyle>
+            <a:defPPr marR="0" lvl="0" algn="l" rtl="0">
+              <a:lnSpc>
+                <a:spcPct val="100000"/>
+              </a:lnSpc>
+              <a:spcBef>
+                <a:spcPts val="0"/>
+              </a:spcBef>
+              <a:spcAft>
+                <a:spcPts val="0"/>
+              </a:spcAft>
+            </a:defPPr>
+            <a:lvl1pPr marL="457200" marR="0" lvl="0" indent="-342900" algn="l" rtl="0">
+              <a:lnSpc>
+                <a:spcPct val="115000"/>
+              </a:lnSpc>
+              <a:spcBef>
+                <a:spcPts val="0"/>
+              </a:spcBef>
+              <a:spcAft>
+                <a:spcPts val="0"/>
+              </a:spcAft>
+              <a:buClr>
+                <a:srgbClr val="000000"/>
+              </a:buClr>
+              <a:buSzPts val="1800"/>
+              <a:buFont typeface="Helvetica Neue Light"/>
+              <a:buChar char="●"/>
+              <a:defRPr sz="1800" b="0" i="0" u="none" strike="noStrike" cap="none">
+                <a:solidFill>
+                  <a:srgbClr val="000000"/>
+                </a:solidFill>
+                <a:latin typeface="Helvetica Neue Light"/>
+                <a:ea typeface="Helvetica Neue Light"/>
+                <a:cs typeface="Helvetica Neue Light"/>
+                <a:sym typeface="Helvetica Neue Light"/>
+              </a:defRPr>
+            </a:lvl1pPr>
+            <a:lvl2pPr marL="914400" marR="0" lvl="1" indent="-317500" algn="l" rtl="0">
+              <a:lnSpc>
+                <a:spcPct val="115000"/>
+              </a:lnSpc>
+              <a:spcBef>
+                <a:spcPts val="300"/>
+              </a:spcBef>
+              <a:spcAft>
+                <a:spcPts val="0"/>
+              </a:spcAft>
+              <a:buClr>
+                <a:srgbClr val="000000"/>
+              </a:buClr>
+              <a:buSzPts val="1400"/>
+              <a:buFont typeface="Helvetica Neue Light"/>
+              <a:buChar char="○"/>
+              <a:defRPr sz="1400" b="0" i="0" u="none" strike="noStrike" cap="none">
+                <a:solidFill>
+                  <a:srgbClr val="000000"/>
+                </a:solidFill>
+                <a:latin typeface="Helvetica Neue Light"/>
+                <a:ea typeface="Helvetica Neue Light"/>
+                <a:cs typeface="Helvetica Neue Light"/>
+                <a:sym typeface="Helvetica Neue Light"/>
+              </a:defRPr>
+            </a:lvl2pPr>
+            <a:lvl3pPr marL="1371600" marR="0" lvl="2" indent="-317500" algn="l" rtl="0">
+              <a:lnSpc>
+                <a:spcPct val="115000"/>
+              </a:lnSpc>
+              <a:spcBef>
+                <a:spcPts val="1600"/>
+              </a:spcBef>
+              <a:spcAft>
+                <a:spcPts val="0"/>
+              </a:spcAft>
+              <a:buClr>
+                <a:srgbClr val="000000"/>
+              </a:buClr>
+              <a:buSzPts val="1400"/>
+              <a:buFont typeface="Helvetica Neue Light"/>
+              <a:buChar char="■"/>
+              <a:defRPr sz="1400" b="0" i="0" u="none" strike="noStrike" cap="none">
+                <a:solidFill>
+                  <a:srgbClr val="000000"/>
+                </a:solidFill>
+                <a:latin typeface="Helvetica Neue Light"/>
+                <a:ea typeface="Helvetica Neue Light"/>
+                <a:cs typeface="Helvetica Neue Light"/>
+                <a:sym typeface="Helvetica Neue Light"/>
+              </a:defRPr>
+            </a:lvl3pPr>
+            <a:lvl4pPr marL="1828800" marR="0" lvl="3" indent="-317500" algn="l" rtl="0">
+              <a:lnSpc>
+                <a:spcPct val="115000"/>
+              </a:lnSpc>
+              <a:spcBef>
+                <a:spcPts val="1600"/>
+              </a:spcBef>
+              <a:spcAft>
+                <a:spcPts val="0"/>
+              </a:spcAft>
+              <a:buClr>
+                <a:srgbClr val="000000"/>
+              </a:buClr>
+              <a:buSzPts val="1400"/>
+              <a:buFont typeface="Helvetica Neue Light"/>
+              <a:buChar char="●"/>
+              <a:defRPr sz="1400" b="0" i="0" u="none" strike="noStrike" cap="none">
+                <a:solidFill>
+                  <a:srgbClr val="000000"/>
+                </a:solidFill>
+                <a:latin typeface="Helvetica Neue Light"/>
+                <a:ea typeface="Helvetica Neue Light"/>
+                <a:cs typeface="Helvetica Neue Light"/>
+                <a:sym typeface="Helvetica Neue Light"/>
+              </a:defRPr>
+            </a:lvl4pPr>
+            <a:lvl5pPr marL="2286000" marR="0" lvl="4" indent="-317500" algn="l" rtl="0">
+              <a:lnSpc>
+                <a:spcPct val="115000"/>
+              </a:lnSpc>
+              <a:spcBef>
+                <a:spcPts val="1600"/>
+              </a:spcBef>
+              <a:spcAft>
+                <a:spcPts val="0"/>
+              </a:spcAft>
+              <a:buClr>
+                <a:srgbClr val="000000"/>
+              </a:buClr>
+              <a:buSzPts val="1400"/>
+              <a:buFont typeface="Helvetica Neue Light"/>
+              <a:buChar char="○"/>
+              <a:defRPr sz="1400" b="0" i="0" u="none" strike="noStrike" cap="none">
+                <a:solidFill>
+                  <a:srgbClr val="000000"/>
+                </a:solidFill>
+                <a:latin typeface="Helvetica Neue Light"/>
+                <a:ea typeface="Helvetica Neue Light"/>
+                <a:cs typeface="Helvetica Neue Light"/>
+                <a:sym typeface="Helvetica Neue Light"/>
+              </a:defRPr>
+            </a:lvl5pPr>
+            <a:lvl6pPr marL="2743200" marR="0" lvl="5" indent="-317500" algn="l" rtl="0">
+              <a:lnSpc>
+                <a:spcPct val="115000"/>
+              </a:lnSpc>
+              <a:spcBef>
+                <a:spcPts val="1600"/>
+              </a:spcBef>
+              <a:spcAft>
+                <a:spcPts val="0"/>
+              </a:spcAft>
+              <a:buClr>
+                <a:srgbClr val="000000"/>
+              </a:buClr>
+              <a:buSzPts val="1400"/>
+              <a:buFont typeface="Helvetica Neue Light"/>
+              <a:buChar char="■"/>
+              <a:defRPr sz="1400" b="0" i="0" u="none" strike="noStrike" cap="none">
+                <a:solidFill>
+                  <a:srgbClr val="000000"/>
+                </a:solidFill>
+                <a:latin typeface="Helvetica Neue Light"/>
+                <a:ea typeface="Helvetica Neue Light"/>
+                <a:cs typeface="Helvetica Neue Light"/>
+                <a:sym typeface="Helvetica Neue Light"/>
+              </a:defRPr>
+            </a:lvl6pPr>
+            <a:lvl7pPr marL="3200400" marR="0" lvl="6" indent="-317500" algn="l" rtl="0">
+              <a:lnSpc>
+                <a:spcPct val="115000"/>
+              </a:lnSpc>
+              <a:spcBef>
+                <a:spcPts val="1600"/>
+              </a:spcBef>
+              <a:spcAft>
+                <a:spcPts val="0"/>
+              </a:spcAft>
+              <a:buClr>
+                <a:srgbClr val="000000"/>
+              </a:buClr>
+              <a:buSzPts val="1400"/>
+              <a:buFont typeface="Helvetica Neue Light"/>
+              <a:buChar char="●"/>
+              <a:defRPr sz="1400" b="0" i="0" u="none" strike="noStrike" cap="none">
+                <a:solidFill>
+                  <a:srgbClr val="000000"/>
+                </a:solidFill>
+                <a:latin typeface="Helvetica Neue Light"/>
+                <a:ea typeface="Helvetica Neue Light"/>
+                <a:cs typeface="Helvetica Neue Light"/>
+                <a:sym typeface="Helvetica Neue Light"/>
+              </a:defRPr>
+            </a:lvl7pPr>
+            <a:lvl8pPr marL="3657600" marR="0" lvl="7" indent="-317500" algn="l" rtl="0">
+              <a:lnSpc>
+                <a:spcPct val="115000"/>
+              </a:lnSpc>
+              <a:spcBef>
+                <a:spcPts val="1600"/>
+              </a:spcBef>
+              <a:spcAft>
+                <a:spcPts val="0"/>
+              </a:spcAft>
+              <a:buClr>
+                <a:srgbClr val="000000"/>
+              </a:buClr>
+              <a:buSzPts val="1400"/>
+              <a:buFont typeface="Helvetica Neue Light"/>
+              <a:buChar char="○"/>
+              <a:defRPr sz="1400" b="0" i="0" u="none" strike="noStrike" cap="none">
+                <a:solidFill>
+                  <a:srgbClr val="000000"/>
+                </a:solidFill>
+                <a:latin typeface="Helvetica Neue Light"/>
+                <a:ea typeface="Helvetica Neue Light"/>
+                <a:cs typeface="Helvetica Neue Light"/>
+                <a:sym typeface="Helvetica Neue Light"/>
+              </a:defRPr>
+            </a:lvl8pPr>
+            <a:lvl9pPr marL="4114800" marR="0" lvl="8" indent="-317500" algn="l" rtl="0">
+              <a:lnSpc>
+                <a:spcPct val="115000"/>
+              </a:lnSpc>
+              <a:spcBef>
+                <a:spcPts val="1600"/>
+              </a:spcBef>
+              <a:spcAft>
+                <a:spcPts val="1600"/>
+              </a:spcAft>
+              <a:buClr>
+                <a:srgbClr val="000000"/>
+              </a:buClr>
+              <a:buSzPts val="1400"/>
+              <a:buFont typeface="Helvetica Neue Light"/>
+              <a:buChar char="■"/>
+              <a:defRPr sz="1400" b="0" i="0" u="none" strike="noStrike" cap="none">
+                <a:solidFill>
+                  <a:srgbClr val="000000"/>
+                </a:solidFill>
+                <a:latin typeface="Helvetica Neue Light"/>
+                <a:ea typeface="Helvetica Neue Light"/>
+                <a:cs typeface="Helvetica Neue Light"/>
+                <a:sym typeface="Helvetica Neue Light"/>
+              </a:defRPr>
+            </a:lvl9pPr>
+          </a:lstStyle>
+          <a:p>
+            <a:r>
+              <a:rPr lang="en-US" b="1" dirty="0">
+                <a:latin typeface="Times New Roman" panose="02020603050405020304" pitchFamily="18" charset="0"/>
+                <a:cs typeface="Times New Roman" panose="02020603050405020304" pitchFamily="18" charset="0"/>
+              </a:rPr>
+              <a:t>Wake-Sleep Cycle</a:t>
+            </a:r>
+          </a:p>
+          <a:p>
+            <a:pPr lvl="1"/>
+            <a:r>
+              <a:rPr lang="en-US" b="1" dirty="0">
+                <a:latin typeface="Times New Roman" panose="02020603050405020304" pitchFamily="18" charset="0"/>
+                <a:cs typeface="Times New Roman" panose="02020603050405020304" pitchFamily="18" charset="0"/>
+              </a:rPr>
+              <a:t>Wake</a:t>
+            </a:r>
+            <a:r>
+              <a:rPr lang="en-US" dirty="0">
+                <a:latin typeface="Times New Roman" panose="02020603050405020304" pitchFamily="18" charset="0"/>
+                <a:cs typeface="Times New Roman" panose="02020603050405020304" pitchFamily="18" charset="0"/>
+              </a:rPr>
+              <a:t>: agents interact with environment and users to grow experience</a:t>
+            </a:r>
+          </a:p>
+          <a:p>
+            <a:pPr lvl="1"/>
+            <a:r>
+              <a:rPr lang="en-US" b="1" dirty="0">
+                <a:latin typeface="Times New Roman" panose="02020603050405020304" pitchFamily="18" charset="0"/>
+                <a:cs typeface="Times New Roman" panose="02020603050405020304" pitchFamily="18" charset="0"/>
+              </a:rPr>
+              <a:t>Sleep</a:t>
+            </a:r>
+            <a:r>
+              <a:rPr lang="en-US" dirty="0">
+                <a:latin typeface="Times New Roman" panose="02020603050405020304" pitchFamily="18" charset="0"/>
+                <a:cs typeface="Times New Roman" panose="02020603050405020304" pitchFamily="18" charset="0"/>
+              </a:rPr>
+              <a:t>: agent reflects on experience to expand capabilities</a:t>
+            </a:r>
+          </a:p>
+          <a:p>
+            <a:pPr marL="114300" indent="0">
+              <a:buFont typeface="Helvetica Neue Light"/>
+              <a:buNone/>
+            </a:pPr>
+            <a:endParaRPr lang="en-US" dirty="0"/>
+          </a:p>
+          <a:p>
+            <a:pPr marL="114300" indent="0">
+              <a:buFont typeface="Helvetica Neue Light"/>
+              <a:buNone/>
+            </a:pPr>
+            <a:endParaRPr lang="en-US" dirty="0"/>
+          </a:p>
+          <a:p>
+            <a:endParaRPr lang="en-US" dirty="0"/>
+          </a:p>
+        </p:txBody>
+      </p:sp>
+    </p:spTree>
+    <p:extLst>
+      <p:ext uri="{BB962C8B-B14F-4D97-AF65-F5344CB8AC3E}">
+        <p14:creationId xmlns:p14="http://schemas.microsoft.com/office/powerpoint/2010/main" val="2321791293"/>
+      </p:ext>
+    </p:extLst>
+  </p:cSld>
+  <p:clrMapOvr>
+    <a:masterClrMapping/>
+  </p:clrMapOvr>
+</p:sld>
+</file>
+
+<file path=ppt/slides/slide9.xml><?xml version="1.0" encoding="utf-8"?>
+<p:sld xmlns:a="http://schemas.openxmlformats.org/drawingml/2006/main" xmlns:r="http://schemas.openxmlformats.org/officeDocument/2006/relationships" xmlns:p="http://schemas.openxmlformats.org/presentationml/2006/main">
+  <p:cSld>
+    <p:spTree>
+      <p:nvGrpSpPr>
+        <p:cNvPr id="1" name=""/>
+        <p:cNvGrpSpPr/>
+        <p:nvPr/>
+      </p:nvGrpSpPr>
+      <p:grpSpPr>
+        <a:xfrm>
+          <a:off x="0" y="0"/>
+          <a:ext cx="0" cy="0"/>
+          <a:chOff x="0" y="0"/>
+          <a:chExt cx="0" cy="0"/>
+        </a:xfrm>
+      </p:grpSpPr>
+      <p:sp>
+        <p:nvSpPr>
+          <p:cNvPr id="2" name="Title 1">
+            <a:extLst>
+              <a:ext uri="{FF2B5EF4-FFF2-40B4-BE49-F238E27FC236}">
+                <a16:creationId xmlns:a16="http://schemas.microsoft.com/office/drawing/2014/main" id="{91F313CF-3BA8-3908-350D-76C3C3E9EFE2}"/>
+              </a:ext>
+            </a:extLst>
+          </p:cNvPr>
+          <p:cNvSpPr>
+            <a:spLocks noGrp="1"/>
+          </p:cNvSpPr>
+          <p:nvPr>
+            <p:ph type="title"/>
+          </p:nvPr>
+        </p:nvSpPr>
+        <p:spPr/>
+        <p:txBody>
+          <a:bodyPr/>
+          <a:lstStyle/>
+          <a:p>
+            <a:r>
+              <a:rPr lang="en-US" dirty="0"/>
+              <a:t>II. How LRLL works?</a:t>
+            </a:r>
+          </a:p>
+        </p:txBody>
+      </p:sp>
+      <mc:AlternateContent xmlns:mc="http://schemas.openxmlformats.org/markup-compatibility/2006">
+        <mc:Choice xmlns:a14="http://schemas.microsoft.com/office/drawing/2010/main" Requires="a14">
+          <p:sp>
+            <p:nvSpPr>
+              <p:cNvPr id="3" name="Text Placeholder 2">
+                <a:extLst>
+                  <a:ext uri="{FF2B5EF4-FFF2-40B4-BE49-F238E27FC236}">
+                    <a16:creationId xmlns:a16="http://schemas.microsoft.com/office/drawing/2014/main" id="{C78765BE-E985-6847-E434-EEC6F64318C9}"/>
+                  </a:ext>
+                </a:extLst>
+              </p:cNvPr>
+              <p:cNvSpPr>
+                <a:spLocks noGrp="1"/>
+              </p:cNvSpPr>
+              <p:nvPr>
+                <p:ph type="body" idx="1"/>
+              </p:nvPr>
+            </p:nvSpPr>
+            <p:spPr>
+              <a:xfrm>
+                <a:off x="302400" y="2744683"/>
+                <a:ext cx="8520600" cy="1662857"/>
+              </a:xfrm>
+            </p:spPr>
+            <p:txBody>
+              <a:bodyPr/>
+              <a:lstStyle/>
+              <a:p>
+                <a:r>
+                  <a:rPr lang="en-US" b="1" dirty="0">
+                    <a:latin typeface="Times New Roman" panose="02020603050405020304" pitchFamily="18" charset="0"/>
+                    <a:cs typeface="Times New Roman" panose="02020603050405020304" pitchFamily="18" charset="0"/>
+                  </a:rPr>
+                  <a:t>Input</a:t>
+                </a:r>
+                <a:r>
+                  <a:rPr lang="en-US" dirty="0">
+                    <a:latin typeface="Times New Roman" panose="02020603050405020304" pitchFamily="18" charset="0"/>
+                    <a:cs typeface="Times New Roman" panose="02020603050405020304" pitchFamily="18" charset="0"/>
+                  </a:rPr>
+                  <a:t>: language demonstrations, </a:t>
+                </a:r>
+                <a14:m>
+                  <m:oMath xmlns:m="http://schemas.openxmlformats.org/officeDocument/2006/math">
+                    <m:sSub>
+                      <m:sSubPr>
+                        <m:ctrlPr>
+                          <a:rPr lang="en-US" b="0" i="1" smtClean="0">
+                            <a:latin typeface="Cambria Math" panose="02040503050406030204" pitchFamily="18" charset="0"/>
+                          </a:rPr>
+                        </m:ctrlPr>
+                      </m:sSubPr>
+                      <m:e>
+                        <m:r>
+                          <a:rPr lang="en-US" b="0" i="1" smtClean="0">
+                            <a:latin typeface="Cambria Math" panose="02040503050406030204" pitchFamily="18" charset="0"/>
+                          </a:rPr>
+                          <m:t>𝑋</m:t>
+                        </m:r>
+                      </m:e>
+                      <m:sub>
+                        <m:r>
+                          <a:rPr lang="en-US" b="0" i="1" smtClean="0">
+                            <a:latin typeface="Cambria Math" panose="02040503050406030204" pitchFamily="18" charset="0"/>
+                          </a:rPr>
+                          <m:t>𝑡</m:t>
+                        </m:r>
+                      </m:sub>
+                    </m:sSub>
+                    <m:r>
+                      <a:rPr lang="en-US" b="0" i="1" smtClean="0">
+                        <a:latin typeface="Cambria Math" panose="02040503050406030204" pitchFamily="18" charset="0"/>
+                      </a:rPr>
+                      <m:t>=&lt;</m:t>
+                    </m:r>
+                    <m:sSup>
+                      <m:sSupPr>
+                        <m:ctrlPr>
+                          <a:rPr lang="en-US" b="0" i="1" smtClean="0">
+                            <a:latin typeface="Cambria Math" panose="02040503050406030204" pitchFamily="18" charset="0"/>
+                          </a:rPr>
+                        </m:ctrlPr>
+                      </m:sSupPr>
+                      <m:e>
+                        <m:r>
+                          <a:rPr lang="en-US" b="0" i="1" smtClean="0">
+                            <a:latin typeface="Cambria Math" panose="02040503050406030204" pitchFamily="18" charset="0"/>
+                          </a:rPr>
+                          <m:t>𝑙</m:t>
+                        </m:r>
+                      </m:e>
+                      <m:sup>
+                        <m:r>
+                          <a:rPr lang="en-US" b="0" i="1" smtClean="0">
+                            <a:latin typeface="Cambria Math" panose="02040503050406030204" pitchFamily="18" charset="0"/>
+                          </a:rPr>
+                          <m:t>(</m:t>
+                        </m:r>
+                        <m:r>
+                          <a:rPr lang="en-US" b="0" i="1" smtClean="0">
+                            <a:latin typeface="Cambria Math" panose="02040503050406030204" pitchFamily="18" charset="0"/>
+                          </a:rPr>
+                          <m:t>𝑖</m:t>
+                        </m:r>
+                        <m:r>
+                          <a:rPr lang="en-US" b="0" i="1" smtClean="0">
+                            <a:latin typeface="Cambria Math" panose="02040503050406030204" pitchFamily="18" charset="0"/>
+                          </a:rPr>
+                          <m:t>)</m:t>
+                        </m:r>
+                      </m:sup>
+                    </m:sSup>
+                    <m:r>
+                      <a:rPr lang="en-US" b="0" i="1" smtClean="0">
+                        <a:latin typeface="Cambria Math" panose="02040503050406030204" pitchFamily="18" charset="0"/>
+                      </a:rPr>
+                      <m:t>, </m:t>
+                    </m:r>
+                    <m:sSup>
+                      <m:sSupPr>
+                        <m:ctrlPr>
+                          <a:rPr lang="en-US" b="0" i="1" smtClean="0">
+                            <a:latin typeface="Cambria Math" panose="02040503050406030204" pitchFamily="18" charset="0"/>
+                          </a:rPr>
+                        </m:ctrlPr>
+                      </m:sSupPr>
+                      <m:e>
+                        <m:r>
+                          <a:rPr lang="en-US" b="0" i="1" smtClean="0">
+                            <a:latin typeface="Cambria Math" panose="02040503050406030204" pitchFamily="18" charset="0"/>
+                          </a:rPr>
+                          <m:t>𝑎</m:t>
+                        </m:r>
+                      </m:e>
+                      <m:sup>
+                        <m:d>
+                          <m:dPr>
+                            <m:ctrlPr>
+                              <a:rPr lang="en-US" b="0" i="1" smtClean="0">
+                                <a:latin typeface="Cambria Math" panose="02040503050406030204" pitchFamily="18" charset="0"/>
+                              </a:rPr>
+                            </m:ctrlPr>
+                          </m:dPr>
+                          <m:e>
+                            <m:r>
+                              <a:rPr lang="en-US" b="0" i="1" smtClean="0">
+                                <a:latin typeface="Cambria Math" panose="02040503050406030204" pitchFamily="18" charset="0"/>
+                              </a:rPr>
+                              <m:t>𝑖</m:t>
+                            </m:r>
+                          </m:e>
+                        </m:d>
+                      </m:sup>
+                    </m:sSup>
+                    <m:r>
+                      <a:rPr lang="en-US" b="0" i="1" smtClean="0">
+                        <a:latin typeface="Cambria Math" panose="02040503050406030204" pitchFamily="18" charset="0"/>
+                      </a:rPr>
+                      <m:t>, </m:t>
+                    </m:r>
+                    <m:sSup>
+                      <m:sSupPr>
+                        <m:ctrlPr>
+                          <a:rPr lang="en-US" b="0" i="1" smtClean="0">
+                            <a:latin typeface="Cambria Math" panose="02040503050406030204" pitchFamily="18" charset="0"/>
+                          </a:rPr>
+                        </m:ctrlPr>
+                      </m:sSupPr>
+                      <m:e>
+                        <m:r>
+                          <a:rPr lang="en-US" b="0" i="1" smtClean="0">
+                            <a:latin typeface="Cambria Math" panose="02040503050406030204" pitchFamily="18" charset="0"/>
+                          </a:rPr>
+                          <m:t>𝑟</m:t>
+                        </m:r>
+                      </m:e>
+                      <m:sup>
+                        <m:d>
+                          <m:dPr>
+                            <m:ctrlPr>
+                              <a:rPr lang="en-US" b="0" i="1" smtClean="0">
+                                <a:latin typeface="Cambria Math" panose="02040503050406030204" pitchFamily="18" charset="0"/>
+                              </a:rPr>
+                            </m:ctrlPr>
+                          </m:dPr>
+                          <m:e>
+                            <m:r>
+                              <a:rPr lang="en-US" b="0" i="1" smtClean="0">
+                                <a:latin typeface="Cambria Math" panose="02040503050406030204" pitchFamily="18" charset="0"/>
+                              </a:rPr>
+                              <m:t>𝑖</m:t>
+                            </m:r>
+                          </m:e>
+                        </m:d>
+                      </m:sup>
+                    </m:sSup>
+                    <m:r>
+                      <a:rPr lang="en-US" b="0" i="1" smtClean="0">
+                        <a:latin typeface="Cambria Math" panose="02040503050406030204" pitchFamily="18" charset="0"/>
+                      </a:rPr>
+                      <m:t>&gt;</m:t>
+                    </m:r>
+                  </m:oMath>
+                </a14:m>
+                <a:endParaRPr lang="en-US" dirty="0">
+                  <a:latin typeface="Times New Roman" panose="02020603050405020304" pitchFamily="18" charset="0"/>
+                  <a:cs typeface="Times New Roman" panose="02020603050405020304" pitchFamily="18" charset="0"/>
+                </a:endParaRPr>
+              </a:p>
+              <a:p>
+                <a:pPr lvl="1"/>
+                <a14:m>
+                  <m:oMath xmlns:m="http://schemas.openxmlformats.org/officeDocument/2006/math">
+                    <m:sSup>
+                      <m:sSupPr>
+                        <m:ctrlPr>
+                          <a:rPr lang="en-US" b="0" i="1" smtClean="0">
+                            <a:latin typeface="Cambria Math" panose="02040503050406030204" pitchFamily="18" charset="0"/>
+                          </a:rPr>
+                        </m:ctrlPr>
+                      </m:sSupPr>
+                      <m:e>
+                        <m:r>
+                          <a:rPr lang="en-US" b="0" i="1" smtClean="0">
+                            <a:latin typeface="Cambria Math" panose="02040503050406030204" pitchFamily="18" charset="0"/>
+                          </a:rPr>
+                          <m:t>𝑙</m:t>
+                        </m:r>
+                      </m:e>
+                      <m:sup>
+                        <m:r>
+                          <a:rPr lang="en-US" b="0" i="1" smtClean="0">
+                            <a:latin typeface="Cambria Math" panose="02040503050406030204" pitchFamily="18" charset="0"/>
+                          </a:rPr>
+                          <m:t>(</m:t>
+                        </m:r>
+                        <m:r>
+                          <a:rPr lang="en-US" b="0" i="1" smtClean="0">
+                            <a:latin typeface="Cambria Math" panose="02040503050406030204" pitchFamily="18" charset="0"/>
+                          </a:rPr>
+                          <m:t>𝑖</m:t>
+                        </m:r>
+                        <m:r>
+                          <a:rPr lang="en-US" b="0" i="1" smtClean="0">
+                            <a:latin typeface="Cambria Math" panose="02040503050406030204" pitchFamily="18" charset="0"/>
+                          </a:rPr>
+                          <m:t>)</m:t>
+                        </m:r>
+                      </m:sup>
+                    </m:sSup>
+                    <m:r>
+                      <a:rPr lang="en-US" b="0" i="1" smtClean="0">
+                        <a:latin typeface="Cambria Math" panose="02040503050406030204" pitchFamily="18" charset="0"/>
+                      </a:rPr>
+                      <m:t>:</m:t>
+                    </m:r>
+                    <m:r>
+                      <a:rPr lang="en-US" b="0" i="1" smtClean="0">
+                        <a:latin typeface="Cambria Math" panose="02040503050406030204" pitchFamily="18" charset="0"/>
+                      </a:rPr>
+                      <m:t>𝑠𝑒𝑞𝑢𝑒𝑛𝑐𝑒</m:t>
+                    </m:r>
+                    <m:r>
+                      <a:rPr lang="en-US" b="0" i="1" smtClean="0">
+                        <a:latin typeface="Cambria Math" panose="02040503050406030204" pitchFamily="18" charset="0"/>
+                      </a:rPr>
+                      <m:t> </m:t>
+                    </m:r>
+                    <m:r>
+                      <a:rPr lang="en-US" b="0" i="1" smtClean="0">
+                        <a:latin typeface="Cambria Math" panose="02040503050406030204" pitchFamily="18" charset="0"/>
+                      </a:rPr>
+                      <m:t>𝑜𝑓</m:t>
+                    </m:r>
+                    <m:r>
+                      <a:rPr lang="en-US" b="0" i="1" smtClean="0">
+                        <a:latin typeface="Cambria Math" panose="02040503050406030204" pitchFamily="18" charset="0"/>
+                      </a:rPr>
+                      <m:t> </m:t>
+                    </m:r>
+                    <m:r>
+                      <a:rPr lang="en-US" b="0" i="1" smtClean="0">
+                        <a:latin typeface="Cambria Math" panose="02040503050406030204" pitchFamily="18" charset="0"/>
+                      </a:rPr>
+                      <m:t>𝑖𝑛𝑠𝑡𝑟𝑢𝑐𝑡𝑖𝑜𝑛𝑠</m:t>
+                    </m:r>
+                  </m:oMath>
+                </a14:m>
+                <a:endParaRPr lang="en-US" b="0" dirty="0">
+                  <a:latin typeface="Times New Roman" panose="02020603050405020304" pitchFamily="18" charset="0"/>
+                  <a:cs typeface="Times New Roman" panose="02020603050405020304" pitchFamily="18" charset="0"/>
+                </a:endParaRPr>
+              </a:p>
+              <a:p>
+                <a:pPr lvl="1"/>
+                <a14:m>
+                  <m:oMath xmlns:m="http://schemas.openxmlformats.org/officeDocument/2006/math">
+                    <m:sSup>
+                      <m:sSupPr>
+                        <m:ctrlPr>
+                          <a:rPr lang="en-US" b="0" i="1" smtClean="0">
+                            <a:latin typeface="Cambria Math" panose="02040503050406030204" pitchFamily="18" charset="0"/>
+                          </a:rPr>
+                        </m:ctrlPr>
+                      </m:sSupPr>
+                      <m:e>
+                        <m:r>
+                          <a:rPr lang="en-US" b="0" i="1" smtClean="0">
+                            <a:latin typeface="Cambria Math" panose="02040503050406030204" pitchFamily="18" charset="0"/>
+                          </a:rPr>
+                          <m:t>𝑎</m:t>
+                        </m:r>
+                      </m:e>
+                      <m:sup>
+                        <m:r>
+                          <a:rPr lang="en-US" b="0" i="1" smtClean="0">
+                            <a:latin typeface="Cambria Math" panose="02040503050406030204" pitchFamily="18" charset="0"/>
+                          </a:rPr>
+                          <m:t>(</m:t>
+                        </m:r>
+                        <m:r>
+                          <a:rPr lang="en-US" b="0" i="1" smtClean="0">
+                            <a:latin typeface="Cambria Math" panose="02040503050406030204" pitchFamily="18" charset="0"/>
+                          </a:rPr>
+                          <m:t>𝑖</m:t>
+                        </m:r>
+                        <m:r>
+                          <a:rPr lang="en-US" b="0" i="1" smtClean="0">
+                            <a:latin typeface="Cambria Math" panose="02040503050406030204" pitchFamily="18" charset="0"/>
+                          </a:rPr>
+                          <m:t>)</m:t>
+                        </m:r>
+                      </m:sup>
+                    </m:sSup>
+                    <m:r>
+                      <a:rPr lang="en-US" b="0" i="1" smtClean="0">
+                        <a:latin typeface="Cambria Math" panose="02040503050406030204" pitchFamily="18" charset="0"/>
+                      </a:rPr>
+                      <m:t>:</m:t>
+                    </m:r>
+                    <m:r>
+                      <a:rPr lang="en-US" b="0" i="1" smtClean="0">
+                        <a:latin typeface="Cambria Math" panose="02040503050406030204" pitchFamily="18" charset="0"/>
+                      </a:rPr>
+                      <m:t>𝑠𝑒𝑞𝑢𝑒𝑛𝑐𝑒</m:t>
+                    </m:r>
+                    <m:r>
+                      <a:rPr lang="en-US" b="0" i="1" smtClean="0">
+                        <a:latin typeface="Cambria Math" panose="02040503050406030204" pitchFamily="18" charset="0"/>
+                      </a:rPr>
+                      <m:t> </m:t>
+                    </m:r>
+                    <m:r>
+                      <a:rPr lang="en-US" b="0" i="1" smtClean="0">
+                        <a:latin typeface="Cambria Math" panose="02040503050406030204" pitchFamily="18" charset="0"/>
+                      </a:rPr>
+                      <m:t>𝑜𝑓</m:t>
+                    </m:r>
+                    <m:r>
+                      <a:rPr lang="en-US" b="0" i="1" smtClean="0">
+                        <a:latin typeface="Cambria Math" panose="02040503050406030204" pitchFamily="18" charset="0"/>
+                      </a:rPr>
+                      <m:t> </m:t>
+                    </m:r>
+                    <m:r>
+                      <a:rPr lang="en-US" b="0" i="1" smtClean="0">
+                        <a:latin typeface="Cambria Math" panose="02040503050406030204" pitchFamily="18" charset="0"/>
+                      </a:rPr>
+                      <m:t>𝑝𝑜𝑙𝑖𝑐𝑖𝑒𝑠</m:t>
+                    </m:r>
+                  </m:oMath>
+                </a14:m>
+                <a:endParaRPr lang="en-US" b="0" i="1" dirty="0">
+                  <a:latin typeface="Times New Roman" panose="02020603050405020304" pitchFamily="18" charset="0"/>
+                  <a:cs typeface="Times New Roman" panose="02020603050405020304" pitchFamily="18" charset="0"/>
+                </a:endParaRPr>
+              </a:p>
+              <a:p>
+                <a:pPr lvl="1"/>
+                <a14:m>
+                  <m:oMath xmlns:m="http://schemas.openxmlformats.org/officeDocument/2006/math">
+                    <m:sSup>
+                      <m:sSupPr>
+                        <m:ctrlPr>
+                          <a:rPr lang="en-US" b="0" i="1" smtClean="0">
+                            <a:latin typeface="Cambria Math" panose="02040503050406030204" pitchFamily="18" charset="0"/>
+                          </a:rPr>
+                        </m:ctrlPr>
+                      </m:sSupPr>
+                      <m:e>
+                        <m:r>
+                          <a:rPr lang="en-US" b="0" i="1" smtClean="0">
+                            <a:latin typeface="Cambria Math" panose="02040503050406030204" pitchFamily="18" charset="0"/>
+                          </a:rPr>
+                          <m:t>𝑟</m:t>
+                        </m:r>
+                      </m:e>
+                      <m:sup>
+                        <m:r>
+                          <a:rPr lang="en-US" b="0" i="1" smtClean="0">
+                            <a:latin typeface="Cambria Math" panose="02040503050406030204" pitchFamily="18" charset="0"/>
+                          </a:rPr>
+                          <m:t>(</m:t>
+                        </m:r>
+                        <m:r>
+                          <a:rPr lang="en-US" b="0" i="1" smtClean="0">
+                            <a:latin typeface="Cambria Math" panose="02040503050406030204" pitchFamily="18" charset="0"/>
+                          </a:rPr>
+                          <m:t>𝑖</m:t>
+                        </m:r>
+                        <m:r>
+                          <a:rPr lang="en-US" b="0" i="1" smtClean="0">
+                            <a:latin typeface="Cambria Math" panose="02040503050406030204" pitchFamily="18" charset="0"/>
+                          </a:rPr>
+                          <m:t>)</m:t>
+                        </m:r>
+                      </m:sup>
+                    </m:sSup>
+                    <m:r>
+                      <a:rPr lang="en-US" b="0" i="1" smtClean="0">
+                        <a:latin typeface="Cambria Math" panose="02040503050406030204" pitchFamily="18" charset="0"/>
+                      </a:rPr>
+                      <m:t>:</m:t>
+                    </m:r>
+                    <m:r>
+                      <a:rPr lang="en-US" b="0" i="1" smtClean="0">
+                        <a:latin typeface="Cambria Math" panose="02040503050406030204" pitchFamily="18" charset="0"/>
+                      </a:rPr>
+                      <m:t>𝑟𝑒𝑤𝑎𝑟𝑑</m:t>
+                    </m:r>
+                  </m:oMath>
+                </a14:m>
+                <a:endParaRPr lang="en-US" b="0" dirty="0">
+                  <a:latin typeface="Times New Roman" panose="02020603050405020304" pitchFamily="18" charset="0"/>
+                  <a:cs typeface="Times New Roman" panose="02020603050405020304" pitchFamily="18" charset="0"/>
+                </a:endParaRPr>
+              </a:p>
+              <a:p>
+                <a:pPr lvl="1"/>
+                <a14:m>
+                  <m:oMath xmlns:m="http://schemas.openxmlformats.org/officeDocument/2006/math">
+                    <m:r>
+                      <a:rPr lang="en-US" b="0" i="1" smtClean="0">
+                        <a:latin typeface="Cambria Math" panose="02040503050406030204" pitchFamily="18" charset="0"/>
+                      </a:rPr>
+                      <m:t>𝑡</m:t>
+                    </m:r>
+                    <m:r>
+                      <a:rPr lang="en-US" b="0" i="1" smtClean="0">
+                        <a:latin typeface="Cambria Math" panose="02040503050406030204" pitchFamily="18" charset="0"/>
+                      </a:rPr>
+                      <m:t>:</m:t>
+                    </m:r>
+                    <m:r>
+                      <a:rPr lang="en-US" b="0" i="1" smtClean="0">
+                        <a:latin typeface="Cambria Math" panose="02040503050406030204" pitchFamily="18" charset="0"/>
+                      </a:rPr>
+                      <m:t>𝑐𝑦𝑐𝑙𝑒</m:t>
+                    </m:r>
+                    <m:r>
+                      <a:rPr lang="en-US" b="0" i="1" smtClean="0">
+                        <a:latin typeface="Cambria Math" panose="02040503050406030204" pitchFamily="18" charset="0"/>
+                      </a:rPr>
+                      <m:t> </m:t>
+                    </m:r>
+                    <m:r>
+                      <a:rPr lang="en-US" b="0" i="1" smtClean="0">
+                        <a:latin typeface="Cambria Math" panose="02040503050406030204" pitchFamily="18" charset="0"/>
+                      </a:rPr>
+                      <m:t>𝑛𝑢𝑚𝑏𝑒𝑟</m:t>
+                    </m:r>
+                  </m:oMath>
+                </a14:m>
+                <a:endParaRPr lang="en-US" dirty="0">
+                  <a:latin typeface="Times New Roman" panose="02020603050405020304" pitchFamily="18" charset="0"/>
+                  <a:cs typeface="Times New Roman" panose="02020603050405020304" pitchFamily="18" charset="0"/>
+                </a:endParaRPr>
+              </a:p>
+              <a:p>
+                <a:pPr marL="596900" lvl="1" indent="0">
+                  <a:buNone/>
+                </a:pPr>
+                <a:endParaRPr lang="en-US" b="0" dirty="0"/>
+              </a:p>
+              <a:p>
+                <a:pPr lvl="1"/>
+                <a:endParaRPr lang="en-US" dirty="0"/>
+              </a:p>
+            </p:txBody>
+          </p:sp>
+        </mc:Choice>
+        <mc:Fallback>
+          <p:sp>
+            <p:nvSpPr>
+              <p:cNvPr id="3" name="Text Placeholder 2">
+                <a:extLst>
+                  <a:ext uri="{FF2B5EF4-FFF2-40B4-BE49-F238E27FC236}">
+                    <a16:creationId xmlns:a16="http://schemas.microsoft.com/office/drawing/2014/main" id="{C78765BE-E985-6847-E434-EEC6F64318C9}"/>
+                  </a:ext>
+                </a:extLst>
+              </p:cNvPr>
+              <p:cNvSpPr>
+                <a:spLocks noGrp="1" noRot="1" noChangeAspect="1" noMove="1" noResize="1" noEditPoints="1" noAdjustHandles="1" noChangeArrowheads="1" noChangeShapeType="1" noTextEdit="1"/>
+              </p:cNvSpPr>
+              <p:nvPr>
+                <p:ph type="body" idx="1"/>
+              </p:nvPr>
+            </p:nvSpPr>
+            <p:spPr>
+              <a:xfrm>
+                <a:off x="302400" y="2744683"/>
+                <a:ext cx="8520600" cy="1662857"/>
+              </a:xfrm>
+              <a:blipFill>
+                <a:blip r:embed="rId2"/>
+                <a:stretch>
+                  <a:fillRect b="-366"/>
+                </a:stretch>
+              </a:blipFill>
+            </p:spPr>
+            <p:txBody>
+              <a:bodyPr/>
+              <a:lstStyle/>
+              <a:p>
+                <a:r>
+                  <a:rPr lang="en-US">
+                    <a:noFill/>
+                  </a:rPr>
+                  <a:t> </a:t>
+                </a:r>
+              </a:p>
+            </p:txBody>
+          </p:sp>
+        </mc:Fallback>
+      </mc:AlternateContent>
+      <p:sp>
+        <p:nvSpPr>
+          <p:cNvPr id="4" name="Slide Number Placeholder 3">
+            <a:extLst>
+              <a:ext uri="{FF2B5EF4-FFF2-40B4-BE49-F238E27FC236}">
+                <a16:creationId xmlns:a16="http://schemas.microsoft.com/office/drawing/2014/main" id="{2931AD7A-CACA-C1CD-6BF0-FEEB395F79B4}"/>
+              </a:ext>
+            </a:extLst>
+          </p:cNvPr>
+          <p:cNvSpPr>
+            <a:spLocks noGrp="1"/>
+          </p:cNvSpPr>
+          <p:nvPr>
+            <p:ph type="sldNum" idx="12"/>
+          </p:nvPr>
+        </p:nvSpPr>
+        <p:spPr/>
+        <p:txBody>
+          <a:bodyPr/>
+          <a:lstStyle/>
+          <a:p>
+            <a:pPr marL="0" lvl="0" indent="0" algn="r" rtl="0">
+              <a:spcBef>
+                <a:spcPts val="0"/>
+              </a:spcBef>
+              <a:spcAft>
+                <a:spcPts val="0"/>
+              </a:spcAft>
+              <a:buNone/>
+            </a:pPr>
+            <a:fld id="{00000000-1234-1234-1234-123412341234}" type="slidenum">
+              <a:rPr lang="en" smtClean="0"/>
+              <a:t>9</a:t>
+            </a:fld>
+            <a:endParaRPr lang="en"/>
+          </a:p>
+        </p:txBody>
+      </p:sp>
+      <p:sp>
+        <p:nvSpPr>
+          <p:cNvPr id="5" name="Slide Number Placeholder 4">
+            <a:extLst>
+              <a:ext uri="{FF2B5EF4-FFF2-40B4-BE49-F238E27FC236}">
+                <a16:creationId xmlns:a16="http://schemas.microsoft.com/office/drawing/2014/main" id="{526B02F4-FA15-8789-8ABE-CA48D7551F93}"/>
+              </a:ext>
+            </a:extLst>
+          </p:cNvPr>
+          <p:cNvSpPr>
+            <a:spLocks noGrp="1"/>
+          </p:cNvSpPr>
+          <p:nvPr>
+            <p:ph type="sldNum" idx="2"/>
+          </p:nvPr>
+        </p:nvSpPr>
+        <p:spPr/>
+        <p:txBody>
+          <a:bodyPr/>
+          <a:lstStyle/>
+          <a:p>
+            <a:pPr marL="0" lvl="0" indent="0" algn="r" rtl="0">
+              <a:spcBef>
+                <a:spcPts val="0"/>
+              </a:spcBef>
+              <a:spcAft>
+                <a:spcPts val="0"/>
+              </a:spcAft>
+              <a:buNone/>
+            </a:pPr>
+            <a:fld id="{00000000-1234-1234-1234-123412341234}" type="slidenum">
+              <a:rPr lang="en" smtClean="0"/>
+              <a:t>9</a:t>
+            </a:fld>
+            <a:endParaRPr lang="en"/>
+          </a:p>
+        </p:txBody>
+      </p:sp>
+      <p:pic>
+        <p:nvPicPr>
+          <p:cNvPr id="6" name="Picture 5">
+            <a:extLst>
+              <a:ext uri="{FF2B5EF4-FFF2-40B4-BE49-F238E27FC236}">
+                <a16:creationId xmlns:a16="http://schemas.microsoft.com/office/drawing/2014/main" id="{065AD4EC-B9CE-83D9-91DC-E45FB92C8CB1}"/>
+              </a:ext>
+            </a:extLst>
+          </p:cNvPr>
+          <p:cNvPicPr>
+            <a:picLocks noChangeAspect="1"/>
+          </p:cNvPicPr>
+          <p:nvPr/>
+        </p:nvPicPr>
+        <p:blipFill>
+          <a:blip r:embed="rId3"/>
+          <a:stretch>
+            <a:fillRect/>
+          </a:stretch>
+        </p:blipFill>
+        <p:spPr>
+          <a:xfrm>
+            <a:off x="3899145" y="932396"/>
+            <a:ext cx="5067661" cy="1554716"/>
+          </a:xfrm>
+          <a:prstGeom prst="rect">
+            <a:avLst/>
+          </a:prstGeom>
+        </p:spPr>
+      </p:pic>
+      <p:sp>
+        <p:nvSpPr>
+          <p:cNvPr id="7" name="TextBox 6">
+            <a:extLst>
+              <a:ext uri="{FF2B5EF4-FFF2-40B4-BE49-F238E27FC236}">
+                <a16:creationId xmlns:a16="http://schemas.microsoft.com/office/drawing/2014/main" id="{DCD2CA23-1FF5-C248-6034-172031DBC101}"/>
+              </a:ext>
+            </a:extLst>
+          </p:cNvPr>
+          <p:cNvSpPr txBox="1"/>
+          <p:nvPr/>
+        </p:nvSpPr>
+        <p:spPr>
+          <a:xfrm>
+            <a:off x="3899145" y="2402473"/>
+            <a:ext cx="3185810" cy="169277"/>
+          </a:xfrm>
+          <a:prstGeom prst="rect">
+            <a:avLst/>
+          </a:prstGeom>
+          <a:noFill/>
+        </p:spPr>
+        <p:txBody>
+          <a:bodyPr wrap="square" rtlCol="0">
+            <a:spAutoFit/>
+          </a:bodyPr>
+          <a:lstStyle/>
+          <a:p>
+            <a:r>
+              <a:rPr lang="en-US" sz="500" dirty="0"/>
+              <a:t>Image taken from figure 2 from </a:t>
+            </a:r>
+            <a:r>
+              <a:rPr lang="en-US" sz="500" dirty="0" err="1"/>
+              <a:t>Tziafas</a:t>
+            </a:r>
+            <a:r>
+              <a:rPr lang="en-US" sz="500" dirty="0"/>
+              <a:t> and </a:t>
+            </a:r>
+            <a:r>
+              <a:rPr lang="en-US" sz="500" dirty="0" err="1"/>
+              <a:t>Kasaei</a:t>
+            </a:r>
+            <a:r>
+              <a:rPr lang="en-US" sz="500" dirty="0"/>
+              <a:t>  </a:t>
+            </a:r>
+          </a:p>
+        </p:txBody>
+      </p:sp>
+    </p:spTree>
+    <p:extLst>
+      <p:ext uri="{BB962C8B-B14F-4D97-AF65-F5344CB8AC3E}">
+        <p14:creationId xmlns:p14="http://schemas.microsoft.com/office/powerpoint/2010/main" val="1074082548"/>
+      </p:ext>
+    </p:extLst>
   </p:cSld>
   <p:clrMapOvr>
     <a:masterClrMapping/>

--- a/CS-6501_Kuo/paper presentation/lifelong_robot_presentation.pptx
+++ b/CS-6501_Kuo/paper presentation/lifelong_robot_presentation.pptx
@@ -5,7 +5,7 @@
     <p:sldMasterId id="2147483657" r:id="rId1"/>
   </p:sldMasterIdLst>
   <p:notesMasterIdLst>
-    <p:notesMasterId r:id="rId26"/>
+    <p:notesMasterId r:id="rId28"/>
   </p:notesMasterIdLst>
   <p:sldIdLst>
     <p:sldId id="256" r:id="rId2"/>
@@ -15,37 +15,39 @@
     <p:sldId id="260" r:id="rId6"/>
     <p:sldId id="269" r:id="rId7"/>
     <p:sldId id="261" r:id="rId8"/>
-    <p:sldId id="270" r:id="rId9"/>
-    <p:sldId id="271" r:id="rId10"/>
+    <p:sldId id="280" r:id="rId9"/>
+    <p:sldId id="270" r:id="rId10"/>
     <p:sldId id="272" r:id="rId11"/>
     <p:sldId id="273" r:id="rId12"/>
     <p:sldId id="274" r:id="rId13"/>
     <p:sldId id="275" r:id="rId14"/>
     <p:sldId id="276" r:id="rId15"/>
     <p:sldId id="262" r:id="rId16"/>
-    <p:sldId id="277" r:id="rId17"/>
-    <p:sldId id="278" r:id="rId18"/>
-    <p:sldId id="279" r:id="rId19"/>
-    <p:sldId id="263" r:id="rId20"/>
-    <p:sldId id="266" r:id="rId21"/>
-    <p:sldId id="264" r:id="rId22"/>
-    <p:sldId id="267" r:id="rId23"/>
-    <p:sldId id="265" r:id="rId24"/>
-    <p:sldId id="268" r:id="rId25"/>
+    <p:sldId id="282" r:id="rId17"/>
+    <p:sldId id="277" r:id="rId18"/>
+    <p:sldId id="278" r:id="rId19"/>
+    <p:sldId id="279" r:id="rId20"/>
+    <p:sldId id="263" r:id="rId21"/>
+    <p:sldId id="266" r:id="rId22"/>
+    <p:sldId id="264" r:id="rId23"/>
+    <p:sldId id="267" r:id="rId24"/>
+    <p:sldId id="265" r:id="rId25"/>
+    <p:sldId id="268" r:id="rId26"/>
+    <p:sldId id="281" r:id="rId27"/>
   </p:sldIdLst>
   <p:sldSz cx="9144000" cy="5143500" type="screen16x9"/>
   <p:notesSz cx="6858000" cy="9144000"/>
   <p:embeddedFontLst>
     <p:embeddedFont>
       <p:font typeface="Cambria Math" panose="02040503050406030204" pitchFamily="18" charset="0"/>
-      <p:regular r:id="rId27"/>
+      <p:regular r:id="rId29"/>
     </p:embeddedFont>
     <p:embeddedFont>
       <p:font typeface="Helvetica Neue Light" panose="020B0604020202020204" charset="0"/>
-      <p:regular r:id="rId28"/>
-      <p:bold r:id="rId29"/>
-      <p:italic r:id="rId30"/>
-      <p:boldItalic r:id="rId31"/>
+      <p:regular r:id="rId30"/>
+      <p:bold r:id="rId31"/>
+      <p:italic r:id="rId32"/>
+      <p:boldItalic r:id="rId33"/>
     </p:embeddedFont>
   </p:embeddedFontLst>
   <p:defaultTextStyle>
@@ -997,6 +999,161 @@
 </p:notes>
 </file>
 
+<file path=ppt/notesSlides/notesSlide10.xml><?xml version="1.0" encoding="utf-8"?>
+<p:notes xmlns:a="http://schemas.openxmlformats.org/drawingml/2006/main" xmlns:r="http://schemas.openxmlformats.org/officeDocument/2006/relationships" xmlns:p="http://schemas.openxmlformats.org/presentationml/2006/main">
+  <p:cSld>
+    <p:spTree>
+      <p:nvGrpSpPr>
+        <p:cNvPr id="1" name=""/>
+        <p:cNvGrpSpPr/>
+        <p:nvPr/>
+      </p:nvGrpSpPr>
+      <p:grpSpPr>
+        <a:xfrm>
+          <a:off x="0" y="0"/>
+          <a:ext cx="0" cy="0"/>
+          <a:chOff x="0" y="0"/>
+          <a:chExt cx="0" cy="0"/>
+        </a:xfrm>
+      </p:grpSpPr>
+      <p:sp>
+        <p:nvSpPr>
+          <p:cNvPr id="2" name="Slide Image Placeholder 1"/>
+          <p:cNvSpPr>
+            <a:spLocks noGrp="1" noRot="1" noChangeAspect="1"/>
+          </p:cNvSpPr>
+          <p:nvPr>
+            <p:ph type="sldImg"/>
+          </p:nvPr>
+        </p:nvSpPr>
+        <p:spPr>
+          <a:xfrm>
+            <a:off x="381000" y="685800"/>
+            <a:ext cx="6096000" cy="3429000"/>
+          </a:xfrm>
+        </p:spPr>
+      </p:sp>
+      <p:sp>
+        <p:nvSpPr>
+          <p:cNvPr id="3" name="Notes Placeholder 2"/>
+          <p:cNvSpPr>
+            <a:spLocks noGrp="1"/>
+          </p:cNvSpPr>
+          <p:nvPr>
+            <p:ph type="body" idx="1"/>
+          </p:nvPr>
+        </p:nvSpPr>
+        <p:spPr/>
+        <p:txBody>
+          <a:bodyPr/>
+          <a:lstStyle/>
+          <a:p>
+            <a:r>
+              <a:rPr lang="en-US" dirty="0"/>
+              <a:t>Ablation: study of effect of each proposed component</a:t>
+            </a:r>
+          </a:p>
+          <a:p>
+            <a:r>
+              <a:rPr lang="en-US" dirty="0"/>
+              <a:t>FT/BT</a:t>
+            </a:r>
+          </a:p>
+          <a:p>
+            <a:pPr lvl="1"/>
+            <a:r>
+              <a:rPr lang="en-US" dirty="0"/>
+              <a:t>Table II: all baselines are robust in tasks</a:t>
+            </a:r>
+          </a:p>
+          <a:p>
+            <a:pPr lvl="1"/>
+            <a:r>
+              <a:rPr lang="en-US" dirty="0"/>
+              <a:t>No increase in backward task’s performance</a:t>
+            </a:r>
+          </a:p>
+          <a:p>
+            <a:pPr lvl="1"/>
+            <a:r>
+              <a:rPr lang="en-US" dirty="0"/>
+              <a:t>FT: LLM-static and LRLL =&gt; increase in average success</a:t>
+            </a:r>
+          </a:p>
+          <a:p>
+            <a:pPr lvl="1"/>
+            <a:r>
+              <a:rPr lang="en-US" dirty="0"/>
+              <a:t>LRLL-no-sleep =&gt; better compositional abilities</a:t>
+            </a:r>
+          </a:p>
+          <a:p>
+            <a:r>
+              <a:rPr lang="en-US" dirty="0"/>
+              <a:t>Static Prompts vs Retrieval</a:t>
+            </a:r>
+          </a:p>
+          <a:p>
+            <a:pPr lvl="1"/>
+            <a:r>
+              <a:rPr lang="en-US" dirty="0"/>
+              <a:t>Later cycles for prompt saturation =&gt; hurt LLM; retrieval based baselines ensure fixed context length</a:t>
+            </a:r>
+          </a:p>
+          <a:p>
+            <a:r>
+              <a:rPr lang="en-US" dirty="0"/>
+              <a:t>Effect of Exploration</a:t>
+            </a:r>
+          </a:p>
+          <a:p>
+            <a:pPr lvl="1"/>
+            <a:r>
+              <a:rPr lang="en-US" dirty="0"/>
+              <a:t>Figure 3: LLRL-no-wake struggled across cycles; due to one-one mapping between task and skill</a:t>
+            </a:r>
+          </a:p>
+          <a:p>
+            <a:r>
+              <a:rPr lang="en-US" dirty="0"/>
+              <a:t>Effect of Abstraction</a:t>
+            </a:r>
+          </a:p>
+          <a:p>
+            <a:pPr lvl="1"/>
+            <a:r>
+              <a:rPr lang="en-US" dirty="0"/>
+              <a:t>LLRL-no-sleep never learns new skills</a:t>
+            </a:r>
+          </a:p>
+          <a:p>
+            <a:pPr lvl="1"/>
+            <a:r>
+              <a:rPr lang="en-US" dirty="0"/>
+              <a:t>LLRL with sleep: less RAM because less experience</a:t>
+            </a:r>
+          </a:p>
+          <a:p>
+            <a:r>
+              <a:rPr lang="en-US" dirty="0"/>
+              <a:t>LLM and Embedding Models</a:t>
+            </a:r>
+          </a:p>
+        </p:txBody>
+      </p:sp>
+    </p:spTree>
+    <p:extLst>
+      <p:ext uri="{BB962C8B-B14F-4D97-AF65-F5344CB8AC3E}">
+        <p14:creationId xmlns:p14="http://schemas.microsoft.com/office/powerpoint/2010/main" val="2759841869"/>
+      </p:ext>
+    </p:extLst>
+  </p:cSld>
+  <p:clrMapOvr>
+    <a:masterClrMapping/>
+  </p:clrMapOvr>
+</p:notes>
+</file>
+
 <file path=ppt/notesSlides/notesSlide2.xml><?xml version="1.0" encoding="utf-8"?>
 <p:notes xmlns:a="http://schemas.openxmlformats.org/drawingml/2006/main" xmlns:r="http://schemas.openxmlformats.org/officeDocument/2006/relationships" xmlns:p="http://schemas.openxmlformats.org/presentationml/2006/main" showMasterSp="0" showMasterPhAnim="0">
   <p:cSld>
@@ -1094,6 +1251,826 @@
         </p:spPr>
       </p:sp>
     </p:spTree>
+  </p:cSld>
+  <p:clrMapOvr>
+    <a:masterClrMapping/>
+  </p:clrMapOvr>
+</p:notes>
+</file>
+
+<file path=ppt/notesSlides/notesSlide3.xml><?xml version="1.0" encoding="utf-8"?>
+<p:notes xmlns:a="http://schemas.openxmlformats.org/drawingml/2006/main" xmlns:r="http://schemas.openxmlformats.org/officeDocument/2006/relationships" xmlns:p="http://schemas.openxmlformats.org/presentationml/2006/main">
+  <p:cSld>
+    <p:spTree>
+      <p:nvGrpSpPr>
+        <p:cNvPr id="1" name=""/>
+        <p:cNvGrpSpPr/>
+        <p:nvPr/>
+      </p:nvGrpSpPr>
+      <p:grpSpPr>
+        <a:xfrm>
+          <a:off x="0" y="0"/>
+          <a:ext cx="0" cy="0"/>
+          <a:chOff x="0" y="0"/>
+          <a:chExt cx="0" cy="0"/>
+        </a:xfrm>
+      </p:grpSpPr>
+      <p:sp>
+        <p:nvSpPr>
+          <p:cNvPr id="2" name="Slide Image Placeholder 1"/>
+          <p:cNvSpPr>
+            <a:spLocks noGrp="1" noRot="1" noChangeAspect="1"/>
+          </p:cNvSpPr>
+          <p:nvPr>
+            <p:ph type="sldImg"/>
+          </p:nvPr>
+        </p:nvSpPr>
+        <p:spPr>
+          <a:xfrm>
+            <a:off x="381000" y="685800"/>
+            <a:ext cx="6096000" cy="3429000"/>
+          </a:xfrm>
+        </p:spPr>
+      </p:sp>
+      <p:sp>
+        <p:nvSpPr>
+          <p:cNvPr id="3" name="Notes Placeholder 2"/>
+          <p:cNvSpPr>
+            <a:spLocks noGrp="1"/>
+          </p:cNvSpPr>
+          <p:nvPr>
+            <p:ph type="body" idx="1"/>
+          </p:nvPr>
+        </p:nvSpPr>
+        <p:spPr/>
+        <p:txBody>
+          <a:bodyPr/>
+          <a:lstStyle/>
+          <a:p>
+            <a:endParaRPr lang="en-US" dirty="0"/>
+          </a:p>
+        </p:txBody>
+      </p:sp>
+    </p:spTree>
+    <p:extLst>
+      <p:ext uri="{BB962C8B-B14F-4D97-AF65-F5344CB8AC3E}">
+        <p14:creationId xmlns:p14="http://schemas.microsoft.com/office/powerpoint/2010/main" val="2678502003"/>
+      </p:ext>
+    </p:extLst>
+  </p:cSld>
+  <p:clrMapOvr>
+    <a:masterClrMapping/>
+  </p:clrMapOvr>
+</p:notes>
+</file>
+
+<file path=ppt/notesSlides/notesSlide4.xml><?xml version="1.0" encoding="utf-8"?>
+<p:notes xmlns:a="http://schemas.openxmlformats.org/drawingml/2006/main" xmlns:r="http://schemas.openxmlformats.org/officeDocument/2006/relationships" xmlns:p="http://schemas.openxmlformats.org/presentationml/2006/main">
+  <p:cSld>
+    <p:spTree>
+      <p:nvGrpSpPr>
+        <p:cNvPr id="1" name=""/>
+        <p:cNvGrpSpPr/>
+        <p:nvPr/>
+      </p:nvGrpSpPr>
+      <p:grpSpPr>
+        <a:xfrm>
+          <a:off x="0" y="0"/>
+          <a:ext cx="0" cy="0"/>
+          <a:chOff x="0" y="0"/>
+          <a:chExt cx="0" cy="0"/>
+        </a:xfrm>
+      </p:grpSpPr>
+      <p:sp>
+        <p:nvSpPr>
+          <p:cNvPr id="2" name="Slide Image Placeholder 1"/>
+          <p:cNvSpPr>
+            <a:spLocks noGrp="1" noRot="1" noChangeAspect="1"/>
+          </p:cNvSpPr>
+          <p:nvPr>
+            <p:ph type="sldImg"/>
+          </p:nvPr>
+        </p:nvSpPr>
+        <p:spPr>
+          <a:xfrm>
+            <a:off x="381000" y="685800"/>
+            <a:ext cx="6096000" cy="3429000"/>
+          </a:xfrm>
+        </p:spPr>
+      </p:sp>
+      <p:sp>
+        <p:nvSpPr>
+          <p:cNvPr id="3" name="Notes Placeholder 2"/>
+          <p:cNvSpPr>
+            <a:spLocks noGrp="1"/>
+          </p:cNvSpPr>
+          <p:nvPr>
+            <p:ph type="body" idx="1"/>
+          </p:nvPr>
+        </p:nvSpPr>
+        <p:spPr/>
+        <p:txBody>
+          <a:bodyPr/>
+          <a:lstStyle/>
+          <a:p>
+            <a:pPr marL="457200" indent="-298450">
+              <a:buFontTx/>
+              <a:buChar char="-"/>
+            </a:pPr>
+            <a:r>
+              <a:rPr lang="en-US" dirty="0"/>
+              <a:t>Demos appended to memory</a:t>
+            </a:r>
+          </a:p>
+          <a:p>
+            <a:pPr marL="457200" indent="-298450">
+              <a:buFontTx/>
+              <a:buChar char="-"/>
+            </a:pPr>
+            <a:r>
+              <a:rPr lang="en-US" dirty="0"/>
+              <a:t>“a” is factorized based on current library skills</a:t>
+            </a:r>
+          </a:p>
+          <a:p>
+            <a:pPr marL="457200" indent="-298450">
+              <a:buFontTx/>
+              <a:buChar char="-"/>
+            </a:pPr>
+            <a:r>
+              <a:rPr lang="en-US" dirty="0"/>
+              <a:t>“r” way to verify success</a:t>
+            </a:r>
+          </a:p>
+          <a:p>
+            <a:pPr marL="457200" indent="-298450">
+              <a:buFontTx/>
+              <a:buChar char="-"/>
+            </a:pPr>
+            <a:r>
+              <a:rPr lang="en-US" dirty="0"/>
+              <a:t>Output: python functions</a:t>
+            </a:r>
+          </a:p>
+        </p:txBody>
+      </p:sp>
+    </p:spTree>
+    <p:extLst>
+      <p:ext uri="{BB962C8B-B14F-4D97-AF65-F5344CB8AC3E}">
+        <p14:creationId xmlns:p14="http://schemas.microsoft.com/office/powerpoint/2010/main" val="3038475245"/>
+      </p:ext>
+    </p:extLst>
+  </p:cSld>
+  <p:clrMapOvr>
+    <a:masterClrMapping/>
+  </p:clrMapOvr>
+</p:notes>
+</file>
+
+<file path=ppt/notesSlides/notesSlide5.xml><?xml version="1.0" encoding="utf-8"?>
+<p:notes xmlns:a="http://schemas.openxmlformats.org/drawingml/2006/main" xmlns:r="http://schemas.openxmlformats.org/officeDocument/2006/relationships" xmlns:p="http://schemas.openxmlformats.org/presentationml/2006/main">
+  <p:cSld>
+    <p:spTree>
+      <p:nvGrpSpPr>
+        <p:cNvPr id="1" name=""/>
+        <p:cNvGrpSpPr/>
+        <p:nvPr/>
+      </p:nvGrpSpPr>
+      <p:grpSpPr>
+        <a:xfrm>
+          <a:off x="0" y="0"/>
+          <a:ext cx="0" cy="0"/>
+          <a:chOff x="0" y="0"/>
+          <a:chExt cx="0" cy="0"/>
+        </a:xfrm>
+      </p:grpSpPr>
+      <p:sp>
+        <p:nvSpPr>
+          <p:cNvPr id="2" name="Slide Image Placeholder 1"/>
+          <p:cNvSpPr>
+            <a:spLocks noGrp="1" noRot="1" noChangeAspect="1"/>
+          </p:cNvSpPr>
+          <p:nvPr>
+            <p:ph type="sldImg"/>
+          </p:nvPr>
+        </p:nvSpPr>
+        <p:spPr>
+          <a:xfrm>
+            <a:off x="381000" y="685800"/>
+            <a:ext cx="6096000" cy="3429000"/>
+          </a:xfrm>
+        </p:spPr>
+      </p:sp>
+      <p:sp>
+        <p:nvSpPr>
+          <p:cNvPr id="3" name="Notes Placeholder 2"/>
+          <p:cNvSpPr>
+            <a:spLocks noGrp="1"/>
+          </p:cNvSpPr>
+          <p:nvPr>
+            <p:ph type="body" idx="1"/>
+          </p:nvPr>
+        </p:nvSpPr>
+        <p:spPr/>
+        <p:txBody>
+          <a:bodyPr/>
+          <a:lstStyle/>
+          <a:p>
+            <a:r>
+              <a:rPr lang="en-US" dirty="0"/>
+              <a:t>Agent interacts with environment</a:t>
+            </a:r>
+          </a:p>
+          <a:p>
+            <a:r>
+              <a:rPr lang="en-US" dirty="0"/>
+              <a:t>Notation</a:t>
+            </a:r>
+          </a:p>
+          <a:p>
+            <a:pPr lvl="1"/>
+            <a:r>
+              <a:rPr lang="en-US" dirty="0"/>
+              <a:t>a =&gt; factorized based on current skill library</a:t>
+            </a:r>
+          </a:p>
+          <a:p>
+            <a:pPr lvl="1"/>
+            <a:r>
+              <a:rPr lang="en-US" dirty="0"/>
+              <a:t>r =&gt; success code</a:t>
+            </a:r>
+          </a:p>
+          <a:p>
+            <a:pPr lvl="1"/>
+            <a:r>
+              <a:rPr lang="en-US" dirty="0"/>
+              <a:t>l =&gt; instruction</a:t>
+            </a:r>
+          </a:p>
+          <a:p>
+            <a:r>
+              <a:rPr lang="en-US" dirty="0"/>
+              <a:t>LLM iteratively proposes task and pushes to simulator</a:t>
+            </a:r>
+          </a:p>
+          <a:p>
+            <a:pPr lvl="1"/>
+            <a:r>
+              <a:rPr lang="en-US" dirty="0"/>
+              <a:t>Executed and verified using another LLM’s generated policy and success code</a:t>
+            </a:r>
+          </a:p>
+          <a:p>
+            <a:pPr lvl="1"/>
+            <a:r>
+              <a:rPr lang="en-US" dirty="0"/>
+              <a:t>If successful, push to memory</a:t>
+            </a:r>
+          </a:p>
+          <a:p>
+            <a:r>
+              <a:rPr lang="en-US" dirty="0"/>
+              <a:t>Entire process repeated until iteration threshold or objectives are complete</a:t>
+            </a:r>
+          </a:p>
+          <a:p>
+            <a:r>
+              <a:rPr lang="en-US" dirty="0"/>
+              <a:t>Acquired experiences stored in replay buffer: </a:t>
+            </a:r>
+            <a:r>
+              <a:rPr lang="en-US" dirty="0" err="1"/>
+              <a:t>B_t</a:t>
+            </a:r>
+            <a:r>
+              <a:rPr lang="en-US" dirty="0"/>
+              <a:t> = {&lt;s_{0, k}, </a:t>
+            </a:r>
+            <a:r>
+              <a:rPr lang="en-US" dirty="0" err="1"/>
+              <a:t>l_k</a:t>
+            </a:r>
+            <a:r>
+              <a:rPr lang="en-US" dirty="0"/>
+              <a:t>, </a:t>
+            </a:r>
+            <a:r>
+              <a:rPr lang="en-US" dirty="0" err="1"/>
+              <a:t>a_k</a:t>
+            </a:r>
+            <a:r>
+              <a:rPr lang="en-US" dirty="0"/>
+              <a:t>, </a:t>
+            </a:r>
+            <a:r>
+              <a:rPr lang="en-US" dirty="0" err="1"/>
+              <a:t>r_k</a:t>
+            </a:r>
+            <a:r>
+              <a:rPr lang="en-US" dirty="0"/>
+              <a:t>&gt; | </a:t>
+            </a:r>
+            <a:r>
+              <a:rPr lang="en-US" dirty="0" err="1"/>
+              <a:t>r_k</a:t>
+            </a:r>
+            <a:r>
+              <a:rPr lang="en-US" dirty="0"/>
+              <a:t> = 1}</a:t>
+            </a:r>
+          </a:p>
+          <a:p>
+            <a:pPr lvl="1"/>
+            <a:r>
+              <a:rPr lang="en-US" dirty="0"/>
+              <a:t>s_0,k = initial simulation of proposal k</a:t>
+            </a:r>
+          </a:p>
+          <a:p>
+            <a:r>
+              <a:rPr lang="en-US" dirty="0"/>
+              <a:t>f</a:t>
+            </a:r>
+          </a:p>
+          <a:p>
+            <a:pPr lvl="1"/>
+            <a:endParaRPr lang="en-US" dirty="0"/>
+          </a:p>
+        </p:txBody>
+      </p:sp>
+    </p:spTree>
+    <p:extLst>
+      <p:ext uri="{BB962C8B-B14F-4D97-AF65-F5344CB8AC3E}">
+        <p14:creationId xmlns:p14="http://schemas.microsoft.com/office/powerpoint/2010/main" val="2551507816"/>
+      </p:ext>
+    </p:extLst>
+  </p:cSld>
+  <p:clrMapOvr>
+    <a:masterClrMapping/>
+  </p:clrMapOvr>
+</p:notes>
+</file>
+
+<file path=ppt/notesSlides/notesSlide6.xml><?xml version="1.0" encoding="utf-8"?>
+<p:notes xmlns:a="http://schemas.openxmlformats.org/drawingml/2006/main" xmlns:r="http://schemas.openxmlformats.org/officeDocument/2006/relationships" xmlns:p="http://schemas.openxmlformats.org/presentationml/2006/main">
+  <p:cSld>
+    <p:spTree>
+      <p:nvGrpSpPr>
+        <p:cNvPr id="1" name=""/>
+        <p:cNvGrpSpPr/>
+        <p:nvPr/>
+      </p:nvGrpSpPr>
+      <p:grpSpPr>
+        <a:xfrm>
+          <a:off x="0" y="0"/>
+          <a:ext cx="0" cy="0"/>
+          <a:chOff x="0" y="0"/>
+          <a:chExt cx="0" cy="0"/>
+        </a:xfrm>
+      </p:grpSpPr>
+      <p:sp>
+        <p:nvSpPr>
+          <p:cNvPr id="2" name="Slide Image Placeholder 1"/>
+          <p:cNvSpPr>
+            <a:spLocks noGrp="1" noRot="1" noChangeAspect="1"/>
+          </p:cNvSpPr>
+          <p:nvPr>
+            <p:ph type="sldImg"/>
+          </p:nvPr>
+        </p:nvSpPr>
+        <p:spPr>
+          <a:xfrm>
+            <a:off x="381000" y="685800"/>
+            <a:ext cx="6096000" cy="3429000"/>
+          </a:xfrm>
+        </p:spPr>
+      </p:sp>
+      <p:sp>
+        <p:nvSpPr>
+          <p:cNvPr id="3" name="Notes Placeholder 2"/>
+          <p:cNvSpPr>
+            <a:spLocks noGrp="1"/>
+          </p:cNvSpPr>
+          <p:nvPr>
+            <p:ph type="body" idx="1"/>
+          </p:nvPr>
+        </p:nvSpPr>
+        <p:spPr/>
+        <p:txBody>
+          <a:bodyPr/>
+          <a:lstStyle/>
+          <a:p>
+            <a:r>
+              <a:rPr lang="en-US" dirty="0"/>
+              <a:t>First created using an abstract syntax tree of policy code</a:t>
+            </a:r>
+          </a:p>
+          <a:p>
+            <a:r>
+              <a:rPr lang="en-US" dirty="0"/>
+              <a:t>Clustered</a:t>
+            </a:r>
+          </a:p>
+          <a:p>
+            <a:pPr lvl="1"/>
+            <a:r>
+              <a:rPr lang="en-US" dirty="0"/>
+              <a:t>Same tree structure modulo variable</a:t>
+            </a:r>
+          </a:p>
+          <a:p>
+            <a:pPr lvl="1"/>
+            <a:r>
+              <a:rPr lang="en-US" dirty="0"/>
+              <a:t>Constant names</a:t>
+            </a:r>
+          </a:p>
+          <a:p>
+            <a:r>
+              <a:rPr lang="en-US" dirty="0"/>
+              <a:t>Clusters fed into LLM =&gt; examples in order to define new function to update the library; L_{t+1} = </a:t>
+            </a:r>
+            <a:r>
+              <a:rPr lang="en-US" dirty="0" err="1"/>
+              <a:t>L_t</a:t>
+            </a:r>
+            <a:r>
+              <a:rPr lang="en-US" dirty="0"/>
+              <a:t> union (</a:t>
+            </a:r>
+            <a:r>
+              <a:rPr lang="en-US" dirty="0" err="1"/>
+              <a:t>LLAbstract</a:t>
+            </a:r>
+            <a:r>
+              <a:rPr lang="en-US" dirty="0"/>
+              <a:t> of cluster)</a:t>
+            </a:r>
+          </a:p>
+          <a:p>
+            <a:r>
+              <a:rPr lang="en-US" dirty="0"/>
+              <a:t>If previous task fails =&gt; refactored and appended into memory</a:t>
+            </a:r>
+          </a:p>
+        </p:txBody>
+      </p:sp>
+    </p:spTree>
+    <p:extLst>
+      <p:ext uri="{BB962C8B-B14F-4D97-AF65-F5344CB8AC3E}">
+        <p14:creationId xmlns:p14="http://schemas.microsoft.com/office/powerpoint/2010/main" val="3812763987"/>
+      </p:ext>
+    </p:extLst>
+  </p:cSld>
+  <p:clrMapOvr>
+    <a:masterClrMapping/>
+  </p:clrMapOvr>
+</p:notes>
+</file>
+
+<file path=ppt/notesSlides/notesSlide7.xml><?xml version="1.0" encoding="utf-8"?>
+<p:notes xmlns:a="http://schemas.openxmlformats.org/drawingml/2006/main" xmlns:r="http://schemas.openxmlformats.org/officeDocument/2006/relationships" xmlns:p="http://schemas.openxmlformats.org/presentationml/2006/main">
+  <p:cSld>
+    <p:spTree>
+      <p:nvGrpSpPr>
+        <p:cNvPr id="1" name=""/>
+        <p:cNvGrpSpPr/>
+        <p:nvPr/>
+      </p:nvGrpSpPr>
+      <p:grpSpPr>
+        <a:xfrm>
+          <a:off x="0" y="0"/>
+          <a:ext cx="0" cy="0"/>
+          <a:chOff x="0" y="0"/>
+          <a:chExt cx="0" cy="0"/>
+        </a:xfrm>
+      </p:grpSpPr>
+      <p:sp>
+        <p:nvSpPr>
+          <p:cNvPr id="2" name="Slide Image Placeholder 1"/>
+          <p:cNvSpPr>
+            <a:spLocks noGrp="1" noRot="1" noChangeAspect="1"/>
+          </p:cNvSpPr>
+          <p:nvPr>
+            <p:ph type="sldImg"/>
+          </p:nvPr>
+        </p:nvSpPr>
+        <p:spPr>
+          <a:xfrm>
+            <a:off x="381000" y="685800"/>
+            <a:ext cx="6096000" cy="3429000"/>
+          </a:xfrm>
+        </p:spPr>
+      </p:sp>
+      <p:sp>
+        <p:nvSpPr>
+          <p:cNvPr id="3" name="Notes Placeholder 2"/>
+          <p:cNvSpPr>
+            <a:spLocks noGrp="1"/>
+          </p:cNvSpPr>
+          <p:nvPr>
+            <p:ph type="body" idx="1"/>
+          </p:nvPr>
+        </p:nvSpPr>
+        <p:spPr/>
+        <p:txBody>
+          <a:bodyPr/>
+          <a:lstStyle/>
+          <a:p>
+            <a:r>
+              <a:rPr lang="en-US" dirty="0"/>
+              <a:t>Frozen pretrained vision-language model: CLIP and MDETR</a:t>
+            </a:r>
+          </a:p>
+          <a:p>
+            <a:r>
+              <a:rPr lang="en-US" dirty="0"/>
+              <a:t>Experiences reflected as instruction-action-success tuple</a:t>
+            </a:r>
+          </a:p>
+          <a:p>
+            <a:r>
+              <a:rPr lang="en-US" dirty="0"/>
+              <a:t>Indexed by instruction embedding</a:t>
+            </a:r>
+          </a:p>
+          <a:p>
+            <a:pPr lvl="1"/>
+            <a:r>
+              <a:rPr lang="en-US" dirty="0"/>
+              <a:t>Query instruction embedded by same model </a:t>
+            </a:r>
+            <a:r>
+              <a:rPr lang="en-US" dirty="0" err="1"/>
+              <a:t>z_q</a:t>
+            </a:r>
+            <a:r>
+              <a:rPr lang="en-US" dirty="0"/>
+              <a:t> and experience top-k</a:t>
+            </a:r>
+          </a:p>
+          <a:p>
+            <a:r>
+              <a:rPr lang="en-US" dirty="0"/>
+              <a:t>Skill Library</a:t>
+            </a:r>
+          </a:p>
+          <a:p>
+            <a:r>
+              <a:rPr lang="en-US" dirty="0"/>
+              <a:t>Replay Buffer</a:t>
+            </a:r>
+          </a:p>
+          <a:p>
+            <a:pPr lvl="1"/>
+            <a:r>
+              <a:rPr lang="en-US" dirty="0"/>
+              <a:t>Same as experience memory but only for explored experiences</a:t>
+            </a:r>
+          </a:p>
+          <a:p>
+            <a:r>
+              <a:rPr lang="en-US" dirty="0"/>
+              <a:t>Exploration</a:t>
+            </a:r>
+          </a:p>
+          <a:p>
+            <a:pPr lvl="1"/>
+            <a:r>
+              <a:rPr lang="en-US" dirty="0"/>
+              <a:t>Proposes next task to complete in the simulator</a:t>
+            </a:r>
+          </a:p>
+          <a:p>
+            <a:pPr lvl="1"/>
+            <a:r>
+              <a:rPr lang="en-US" dirty="0"/>
+              <a:t>Introduce task variation: alter concepts present in simulator; task compositions: combinations of concepts present in the demos</a:t>
+            </a:r>
+          </a:p>
+          <a:p>
+            <a:r>
+              <a:rPr lang="en-US" dirty="0"/>
+              <a:t>Skill Abstraction</a:t>
+            </a:r>
+          </a:p>
+          <a:p>
+            <a:pPr lvl="1"/>
+            <a:r>
+              <a:rPr lang="en-US" dirty="0"/>
+              <a:t>Maintain same logic code  + abstract code variations</a:t>
+            </a:r>
+          </a:p>
+          <a:p>
+            <a:pPr lvl="1"/>
+            <a:r>
+              <a:rPr lang="en-US" dirty="0"/>
+              <a:t>Boilerplates =&gt; new functions</a:t>
+            </a:r>
+          </a:p>
+          <a:p>
+            <a:pPr lvl="1"/>
+            <a:r>
+              <a:rPr lang="en-US" dirty="0"/>
+              <a:t>Prompt</a:t>
+            </a:r>
+          </a:p>
+          <a:p>
+            <a:pPr lvl="2"/>
+            <a:r>
+              <a:rPr lang="en-US" dirty="0"/>
+              <a:t>General purpose</a:t>
+            </a:r>
+          </a:p>
+          <a:p>
+            <a:pPr lvl="2"/>
+            <a:r>
+              <a:rPr lang="en-US" dirty="0"/>
+              <a:t>API field</a:t>
+            </a:r>
+          </a:p>
+          <a:p>
+            <a:pPr lvl="2"/>
+            <a:r>
+              <a:rPr lang="en-US" dirty="0"/>
+              <a:t>Two exemplar function definitions</a:t>
+            </a:r>
+          </a:p>
+        </p:txBody>
+      </p:sp>
+    </p:spTree>
+    <p:extLst>
+      <p:ext uri="{BB962C8B-B14F-4D97-AF65-F5344CB8AC3E}">
+        <p14:creationId xmlns:p14="http://schemas.microsoft.com/office/powerpoint/2010/main" val="1384860423"/>
+      </p:ext>
+    </p:extLst>
+  </p:cSld>
+  <p:clrMapOvr>
+    <a:masterClrMapping/>
+  </p:clrMapOvr>
+</p:notes>
+</file>
+
+<file path=ppt/notesSlides/notesSlide8.xml><?xml version="1.0" encoding="utf-8"?>
+<p:notes xmlns:a="http://schemas.openxmlformats.org/drawingml/2006/main" xmlns:r="http://schemas.openxmlformats.org/officeDocument/2006/relationships" xmlns:p="http://schemas.openxmlformats.org/presentationml/2006/main">
+  <p:cSld>
+    <p:spTree>
+      <p:nvGrpSpPr>
+        <p:cNvPr id="1" name=""/>
+        <p:cNvGrpSpPr/>
+        <p:nvPr/>
+      </p:nvGrpSpPr>
+      <p:grpSpPr>
+        <a:xfrm>
+          <a:off x="0" y="0"/>
+          <a:ext cx="0" cy="0"/>
+          <a:chOff x="0" y="0"/>
+          <a:chExt cx="0" cy="0"/>
+        </a:xfrm>
+      </p:grpSpPr>
+      <p:sp>
+        <p:nvSpPr>
+          <p:cNvPr id="2" name="Slide Image Placeholder 1"/>
+          <p:cNvSpPr>
+            <a:spLocks noGrp="1" noRot="1" noChangeAspect="1"/>
+          </p:cNvSpPr>
+          <p:nvPr>
+            <p:ph type="sldImg"/>
+          </p:nvPr>
+        </p:nvSpPr>
+        <p:spPr>
+          <a:xfrm>
+            <a:off x="381000" y="685800"/>
+            <a:ext cx="6096000" cy="3429000"/>
+          </a:xfrm>
+        </p:spPr>
+      </p:sp>
+      <p:sp>
+        <p:nvSpPr>
+          <p:cNvPr id="3" name="Notes Placeholder 2"/>
+          <p:cNvSpPr>
+            <a:spLocks noGrp="1"/>
+          </p:cNvSpPr>
+          <p:nvPr>
+            <p:ph type="body" idx="1"/>
+          </p:nvPr>
+        </p:nvSpPr>
+        <p:spPr/>
+        <p:txBody>
+          <a:bodyPr/>
+          <a:lstStyle/>
+          <a:p>
+            <a:r>
+              <a:rPr lang="en-US" dirty="0"/>
+              <a:t>FT: unseen compositions of tasks</a:t>
+            </a:r>
+          </a:p>
+          <a:p>
+            <a:r>
+              <a:rPr lang="en-US" dirty="0"/>
+              <a:t>BT: FT tasks from previous cycle</a:t>
+            </a:r>
+          </a:p>
+        </p:txBody>
+      </p:sp>
+    </p:spTree>
+    <p:extLst>
+      <p:ext uri="{BB962C8B-B14F-4D97-AF65-F5344CB8AC3E}">
+        <p14:creationId xmlns:p14="http://schemas.microsoft.com/office/powerpoint/2010/main" val="1095205906"/>
+      </p:ext>
+    </p:extLst>
+  </p:cSld>
+  <p:clrMapOvr>
+    <a:masterClrMapping/>
+  </p:clrMapOvr>
+</p:notes>
+</file>
+
+<file path=ppt/notesSlides/notesSlide9.xml><?xml version="1.0" encoding="utf-8"?>
+<p:notes xmlns:a="http://schemas.openxmlformats.org/drawingml/2006/main" xmlns:r="http://schemas.openxmlformats.org/officeDocument/2006/relationships" xmlns:p="http://schemas.openxmlformats.org/presentationml/2006/main">
+  <p:cSld>
+    <p:spTree>
+      <p:nvGrpSpPr>
+        <p:cNvPr id="1" name=""/>
+        <p:cNvGrpSpPr/>
+        <p:nvPr/>
+      </p:nvGrpSpPr>
+      <p:grpSpPr>
+        <a:xfrm>
+          <a:off x="0" y="0"/>
+          <a:ext cx="0" cy="0"/>
+          <a:chOff x="0" y="0"/>
+          <a:chExt cx="0" cy="0"/>
+        </a:xfrm>
+      </p:grpSpPr>
+      <p:sp>
+        <p:nvSpPr>
+          <p:cNvPr id="2" name="Slide Image Placeholder 1"/>
+          <p:cNvSpPr>
+            <a:spLocks noGrp="1" noRot="1" noChangeAspect="1"/>
+          </p:cNvSpPr>
+          <p:nvPr>
+            <p:ph type="sldImg"/>
+          </p:nvPr>
+        </p:nvSpPr>
+        <p:spPr>
+          <a:xfrm>
+            <a:off x="381000" y="685800"/>
+            <a:ext cx="6096000" cy="3429000"/>
+          </a:xfrm>
+        </p:spPr>
+      </p:sp>
+      <p:sp>
+        <p:nvSpPr>
+          <p:cNvPr id="3" name="Notes Placeholder 2"/>
+          <p:cNvSpPr>
+            <a:spLocks noGrp="1"/>
+          </p:cNvSpPr>
+          <p:nvPr>
+            <p:ph type="body" idx="1"/>
+          </p:nvPr>
+        </p:nvSpPr>
+        <p:spPr/>
+        <p:txBody>
+          <a:bodyPr/>
+          <a:lstStyle/>
+          <a:p>
+            <a:r>
+              <a:rPr lang="en-US" dirty="0" err="1"/>
+              <a:t>CLIPort</a:t>
+            </a:r>
+            <a:r>
+              <a:rPr lang="en-US" dirty="0"/>
+              <a:t> struggles with unseen attributes</a:t>
+            </a:r>
+          </a:p>
+          <a:p>
+            <a:r>
+              <a:rPr lang="en-US" dirty="0"/>
+              <a:t>Performance degrades with unseen instructions</a:t>
+            </a:r>
+          </a:p>
+          <a:p>
+            <a:r>
+              <a:rPr lang="en-US" dirty="0"/>
+              <a:t>LLM-Static (CAP): robust to unseen attributes; generalize well with unseen instructions; produces non-executable code with unseen instructions at later cycles</a:t>
+            </a:r>
+          </a:p>
+          <a:p>
+            <a:endParaRPr lang="en-US" dirty="0"/>
+          </a:p>
+          <a:p>
+            <a:endParaRPr lang="en-US" dirty="0"/>
+          </a:p>
+        </p:txBody>
+      </p:sp>
+    </p:spTree>
+    <p:extLst>
+      <p:ext uri="{BB962C8B-B14F-4D97-AF65-F5344CB8AC3E}">
+        <p14:creationId xmlns:p14="http://schemas.microsoft.com/office/powerpoint/2010/main" val="4229180690"/>
+      </p:ext>
+    </p:extLst>
   </p:cSld>
   <p:clrMapOvr>
     <a:masterClrMapping/>
@@ -10242,7 +11219,7 @@
           <a:p>
             <a:r>
               <a:rPr lang="en-US" dirty="0"/>
-              <a:t>II. How LRLL works?</a:t>
+              <a:t>III. How LRLL works?</a:t>
             </a:r>
           </a:p>
         </p:txBody>
@@ -10267,8 +11244,8 @@
             </p:nvSpPr>
             <p:spPr>
               <a:xfrm>
-                <a:off x="91890" y="2744683"/>
-                <a:ext cx="5868155" cy="1662857"/>
+                <a:off x="91890" y="2744684"/>
+                <a:ext cx="5751697" cy="1936854"/>
               </a:xfrm>
             </p:spPr>
             <p:txBody>
@@ -10276,14 +11253,14 @@
               <a:lstStyle/>
               <a:p>
                 <a:r>
-                  <a:rPr lang="en-US" b="1" dirty="0">
+                  <a:rPr lang="en-US" sz="1100" b="1" dirty="0">
                     <a:latin typeface="Times New Roman" panose="02020603050405020304" pitchFamily="18" charset="0"/>
                     <a:cs typeface="Times New Roman" panose="02020603050405020304" pitchFamily="18" charset="0"/>
                   </a:rPr>
                   <a:t>Input</a:t>
                 </a:r>
                 <a:r>
-                  <a:rPr lang="en-US" dirty="0">
+                  <a:rPr lang="en-US" sz="1100" dirty="0">
                     <a:latin typeface="Times New Roman" panose="02020603050405020304" pitchFamily="18" charset="0"/>
                     <a:cs typeface="Times New Roman" panose="02020603050405020304" pitchFamily="18" charset="0"/>
                   </a:rPr>
@@ -10294,14 +11271,14 @@
                     <m:sSub>
                       <m:sSubPr>
                         <m:ctrlPr>
-                          <a:rPr lang="en-US" b="0" i="1" smtClean="0">
+                          <a:rPr lang="en-US" sz="1100" b="0" i="1" smtClean="0">
                             <a:latin typeface="Cambria Math" panose="02040503050406030204" pitchFamily="18" charset="0"/>
                           </a:rPr>
                         </m:ctrlPr>
                       </m:sSubPr>
                       <m:e>
                         <m:r>
-                          <a:rPr lang="en-US" b="0" i="1" smtClean="0">
+                          <a:rPr lang="en-US" sz="1100" b="0" i="1" smtClean="0">
                             <a:latin typeface="Cambria Math" panose="02040503050406030204" pitchFamily="18" charset="0"/>
                           </a:rPr>
                           <m:t>𝑋</m:t>
@@ -10309,7 +11286,7 @@
                       </m:e>
                       <m:sub>
                         <m:r>
-                          <a:rPr lang="en-US" b="0" i="1" smtClean="0">
+                          <a:rPr lang="en-US" sz="1100" b="0" i="1" smtClean="0">
                             <a:latin typeface="Cambria Math" panose="02040503050406030204" pitchFamily="18" charset="0"/>
                           </a:rPr>
                           <m:t>𝑡</m:t>
@@ -10317,7 +11294,7 @@
                       </m:sub>
                     </m:sSub>
                     <m:r>
-                      <a:rPr lang="en-US" b="0" i="1" smtClean="0">
+                      <a:rPr lang="en-US" sz="1100" b="0" i="1" smtClean="0">
                         <a:latin typeface="Cambria Math" panose="02040503050406030204" pitchFamily="18" charset="0"/>
                       </a:rPr>
                       <m:t>=&lt;</m:t>
@@ -10325,14 +11302,14 @@
                     <m:sSup>
                       <m:sSupPr>
                         <m:ctrlPr>
-                          <a:rPr lang="en-US" b="0" i="1" smtClean="0">
+                          <a:rPr lang="en-US" sz="1100" b="0" i="1" smtClean="0">
                             <a:latin typeface="Cambria Math" panose="02040503050406030204" pitchFamily="18" charset="0"/>
                           </a:rPr>
                         </m:ctrlPr>
                       </m:sSupPr>
                       <m:e>
                         <m:r>
-                          <a:rPr lang="en-US" b="0" i="1" smtClean="0">
+                          <a:rPr lang="en-US" sz="1100" b="0" i="1" smtClean="0">
                             <a:latin typeface="Cambria Math" panose="02040503050406030204" pitchFamily="18" charset="0"/>
                           </a:rPr>
                           <m:t>𝑙</m:t>
@@ -10340,19 +11317,19 @@
                       </m:e>
                       <m:sup>
                         <m:r>
-                          <a:rPr lang="en-US" b="0" i="1" smtClean="0">
+                          <a:rPr lang="en-US" sz="1100" b="0" i="1" smtClean="0">
                             <a:latin typeface="Cambria Math" panose="02040503050406030204" pitchFamily="18" charset="0"/>
                           </a:rPr>
                           <m:t>(</m:t>
                         </m:r>
                         <m:r>
-                          <a:rPr lang="en-US" b="0" i="1" smtClean="0">
+                          <a:rPr lang="en-US" sz="1100" b="0" i="1" smtClean="0">
                             <a:latin typeface="Cambria Math" panose="02040503050406030204" pitchFamily="18" charset="0"/>
                           </a:rPr>
                           <m:t>𝑖</m:t>
                         </m:r>
                         <m:r>
-                          <a:rPr lang="en-US" b="0" i="1" smtClean="0">
+                          <a:rPr lang="en-US" sz="1100" b="0" i="1" smtClean="0">
                             <a:latin typeface="Cambria Math" panose="02040503050406030204" pitchFamily="18" charset="0"/>
                           </a:rPr>
                           <m:t>)</m:t>
@@ -10360,7 +11337,7 @@
                       </m:sup>
                     </m:sSup>
                     <m:r>
-                      <a:rPr lang="en-US" b="0" i="1" smtClean="0">
+                      <a:rPr lang="en-US" sz="1100" b="0" i="1" smtClean="0">
                         <a:latin typeface="Cambria Math" panose="02040503050406030204" pitchFamily="18" charset="0"/>
                       </a:rPr>
                       <m:t>, </m:t>
@@ -10368,14 +11345,14 @@
                     <m:sSup>
                       <m:sSupPr>
                         <m:ctrlPr>
-                          <a:rPr lang="en-US" b="0" i="1" smtClean="0">
+                          <a:rPr lang="en-US" sz="1100" b="0" i="1" smtClean="0">
                             <a:latin typeface="Cambria Math" panose="02040503050406030204" pitchFamily="18" charset="0"/>
                           </a:rPr>
                         </m:ctrlPr>
                       </m:sSupPr>
                       <m:e>
                         <m:r>
-                          <a:rPr lang="en-US" b="0" i="1" smtClean="0">
+                          <a:rPr lang="en-US" sz="1100" b="0" i="1" smtClean="0">
                             <a:latin typeface="Cambria Math" panose="02040503050406030204" pitchFamily="18" charset="0"/>
                           </a:rPr>
                           <m:t>𝑎</m:t>
@@ -10385,14 +11362,14 @@
                         <m:d>
                           <m:dPr>
                             <m:ctrlPr>
-                              <a:rPr lang="en-US" b="0" i="1" smtClean="0">
+                              <a:rPr lang="en-US" sz="1100" b="0" i="1" smtClean="0">
                                 <a:latin typeface="Cambria Math" panose="02040503050406030204" pitchFamily="18" charset="0"/>
                               </a:rPr>
                             </m:ctrlPr>
                           </m:dPr>
                           <m:e>
                             <m:r>
-                              <a:rPr lang="en-US" b="0" i="1" smtClean="0">
+                              <a:rPr lang="en-US" sz="1100" b="0" i="1" smtClean="0">
                                 <a:latin typeface="Cambria Math" panose="02040503050406030204" pitchFamily="18" charset="0"/>
                               </a:rPr>
                               <m:t>𝑖</m:t>
@@ -10402,7 +11379,7 @@
                       </m:sup>
                     </m:sSup>
                     <m:r>
-                      <a:rPr lang="en-US" b="0" i="1" smtClean="0">
+                      <a:rPr lang="en-US" sz="1100" b="0" i="1" smtClean="0">
                         <a:latin typeface="Cambria Math" panose="02040503050406030204" pitchFamily="18" charset="0"/>
                       </a:rPr>
                       <m:t>, </m:t>
@@ -10410,14 +11387,14 @@
                     <m:sSup>
                       <m:sSupPr>
                         <m:ctrlPr>
-                          <a:rPr lang="en-US" b="0" i="1" smtClean="0">
+                          <a:rPr lang="en-US" sz="1100" b="0" i="1" smtClean="0">
                             <a:latin typeface="Cambria Math" panose="02040503050406030204" pitchFamily="18" charset="0"/>
                           </a:rPr>
                         </m:ctrlPr>
                       </m:sSupPr>
                       <m:e>
                         <m:r>
-                          <a:rPr lang="en-US" b="0" i="1" smtClean="0">
+                          <a:rPr lang="en-US" sz="1100" b="0" i="1" smtClean="0">
                             <a:latin typeface="Cambria Math" panose="02040503050406030204" pitchFamily="18" charset="0"/>
                           </a:rPr>
                           <m:t>𝑟</m:t>
@@ -10427,14 +11404,14 @@
                         <m:d>
                           <m:dPr>
                             <m:ctrlPr>
-                              <a:rPr lang="en-US" b="0" i="1" smtClean="0">
+                              <a:rPr lang="en-US" sz="1100" b="0" i="1" smtClean="0">
                                 <a:latin typeface="Cambria Math" panose="02040503050406030204" pitchFamily="18" charset="0"/>
                               </a:rPr>
                             </m:ctrlPr>
                           </m:dPr>
                           <m:e>
                             <m:r>
-                              <a:rPr lang="en-US" b="0" i="1" smtClean="0">
+                              <a:rPr lang="en-US" sz="1100" b="0" i="1" smtClean="0">
                                 <a:latin typeface="Cambria Math" panose="02040503050406030204" pitchFamily="18" charset="0"/>
                               </a:rPr>
                               <m:t>𝑖</m:t>
@@ -10444,14 +11421,14 @@
                       </m:sup>
                     </m:sSup>
                     <m:r>
-                      <a:rPr lang="en-US" b="0" i="1" smtClean="0">
+                      <a:rPr lang="en-US" sz="1100" b="0" i="1" smtClean="0">
                         <a:latin typeface="Cambria Math" panose="02040503050406030204" pitchFamily="18" charset="0"/>
                       </a:rPr>
                       <m:t>&gt;</m:t>
                     </m:r>
                   </m:oMath>
                 </a14:m>
-                <a:endParaRPr lang="en-US" dirty="0">
+                <a:endParaRPr lang="en-US" sz="1100" dirty="0">
                   <a:latin typeface="Times New Roman" panose="02020603050405020304" pitchFamily="18" charset="0"/>
                   <a:cs typeface="Times New Roman" panose="02020603050405020304" pitchFamily="18" charset="0"/>
                 </a:endParaRPr>
@@ -10463,14 +11440,14 @@
                     <m:sSup>
                       <m:sSupPr>
                         <m:ctrlPr>
-                          <a:rPr lang="en-US" b="0" i="1" smtClean="0">
+                          <a:rPr lang="en-US" sz="1100" b="0" i="1" smtClean="0">
                             <a:latin typeface="Cambria Math" panose="02040503050406030204" pitchFamily="18" charset="0"/>
                           </a:rPr>
                         </m:ctrlPr>
                       </m:sSupPr>
                       <m:e>
                         <m:r>
-                          <a:rPr lang="en-US" b="0" i="1" smtClean="0">
+                          <a:rPr lang="en-US" sz="1100" b="0" i="1" smtClean="0">
                             <a:latin typeface="Cambria Math" panose="02040503050406030204" pitchFamily="18" charset="0"/>
                           </a:rPr>
                           <m:t>𝑙</m:t>
@@ -10478,19 +11455,19 @@
                       </m:e>
                       <m:sup>
                         <m:r>
-                          <a:rPr lang="en-US" b="0" i="1" smtClean="0">
+                          <a:rPr lang="en-US" sz="1100" b="0" i="1" smtClean="0">
                             <a:latin typeface="Cambria Math" panose="02040503050406030204" pitchFamily="18" charset="0"/>
                           </a:rPr>
                           <m:t>(</m:t>
                         </m:r>
                         <m:r>
-                          <a:rPr lang="en-US" b="0" i="1" smtClean="0">
+                          <a:rPr lang="en-US" sz="1100" b="0" i="1" smtClean="0">
                             <a:latin typeface="Cambria Math" panose="02040503050406030204" pitchFamily="18" charset="0"/>
                           </a:rPr>
                           <m:t>𝑖</m:t>
                         </m:r>
                         <m:r>
-                          <a:rPr lang="en-US" b="0" i="1" smtClean="0">
+                          <a:rPr lang="en-US" sz="1100" b="0" i="1" smtClean="0">
                             <a:latin typeface="Cambria Math" panose="02040503050406030204" pitchFamily="18" charset="0"/>
                           </a:rPr>
                           <m:t>)</m:t>
@@ -10498,44 +11475,44 @@
                       </m:sup>
                     </m:sSup>
                     <m:r>
-                      <a:rPr lang="en-US" b="0" i="1" smtClean="0">
+                      <a:rPr lang="en-US" sz="1100" b="0" i="1" smtClean="0">
                         <a:latin typeface="Cambria Math" panose="02040503050406030204" pitchFamily="18" charset="0"/>
                       </a:rPr>
                       <m:t>:</m:t>
                     </m:r>
                     <m:r>
-                      <a:rPr lang="en-US" b="0" i="1" smtClean="0">
+                      <a:rPr lang="en-US" sz="1100" b="0" i="1" smtClean="0">
                         <a:latin typeface="Cambria Math" panose="02040503050406030204" pitchFamily="18" charset="0"/>
                       </a:rPr>
                       <m:t>𝑠𝑒𝑞𝑢𝑒𝑛𝑐𝑒</m:t>
                     </m:r>
                     <m:r>
-                      <a:rPr lang="en-US" b="0" i="1" smtClean="0">
+                      <a:rPr lang="en-US" sz="1100" b="0" i="1" smtClean="0">
                         <a:latin typeface="Cambria Math" panose="02040503050406030204" pitchFamily="18" charset="0"/>
                       </a:rPr>
                       <m:t> </m:t>
                     </m:r>
                     <m:r>
-                      <a:rPr lang="en-US" b="0" i="1" smtClean="0">
+                      <a:rPr lang="en-US" sz="1100" b="0" i="1" smtClean="0">
                         <a:latin typeface="Cambria Math" panose="02040503050406030204" pitchFamily="18" charset="0"/>
                       </a:rPr>
                       <m:t>𝑜𝑓</m:t>
                     </m:r>
                     <m:r>
-                      <a:rPr lang="en-US" b="0" i="1" smtClean="0">
+                      <a:rPr lang="en-US" sz="1100" b="0" i="1" smtClean="0">
                         <a:latin typeface="Cambria Math" panose="02040503050406030204" pitchFamily="18" charset="0"/>
                       </a:rPr>
                       <m:t> </m:t>
                     </m:r>
                     <m:r>
-                      <a:rPr lang="en-US" b="0" i="1" smtClean="0">
+                      <a:rPr lang="en-US" sz="1100" b="0" i="1" smtClean="0">
                         <a:latin typeface="Cambria Math" panose="02040503050406030204" pitchFamily="18" charset="0"/>
                       </a:rPr>
                       <m:t>𝑖𝑛𝑠𝑡𝑟𝑢𝑐𝑡𝑖𝑜𝑛𝑠</m:t>
                     </m:r>
                   </m:oMath>
                 </a14:m>
-                <a:endParaRPr lang="en-US" b="0" dirty="0">
+                <a:endParaRPr lang="en-US" sz="1100" b="0" dirty="0">
                   <a:latin typeface="Times New Roman" panose="02020603050405020304" pitchFamily="18" charset="0"/>
                   <a:cs typeface="Times New Roman" panose="02020603050405020304" pitchFamily="18" charset="0"/>
                 </a:endParaRPr>
@@ -10547,14 +11524,14 @@
                     <m:sSup>
                       <m:sSupPr>
                         <m:ctrlPr>
-                          <a:rPr lang="en-US" b="0" i="1" smtClean="0">
+                          <a:rPr lang="en-US" sz="1100" b="0" i="1" smtClean="0">
                             <a:latin typeface="Cambria Math" panose="02040503050406030204" pitchFamily="18" charset="0"/>
                           </a:rPr>
                         </m:ctrlPr>
                       </m:sSupPr>
                       <m:e>
                         <m:r>
-                          <a:rPr lang="en-US" b="0" i="1" smtClean="0">
+                          <a:rPr lang="en-US" sz="1100" b="0" i="1" smtClean="0">
                             <a:latin typeface="Cambria Math" panose="02040503050406030204" pitchFamily="18" charset="0"/>
                           </a:rPr>
                           <m:t>𝑎</m:t>
@@ -10562,19 +11539,19 @@
                       </m:e>
                       <m:sup>
                         <m:r>
-                          <a:rPr lang="en-US" b="0" i="1" smtClean="0">
+                          <a:rPr lang="en-US" sz="1100" b="0" i="1" smtClean="0">
                             <a:latin typeface="Cambria Math" panose="02040503050406030204" pitchFamily="18" charset="0"/>
                           </a:rPr>
                           <m:t>(</m:t>
                         </m:r>
                         <m:r>
-                          <a:rPr lang="en-US" b="0" i="1" smtClean="0">
+                          <a:rPr lang="en-US" sz="1100" b="0" i="1" smtClean="0">
                             <a:latin typeface="Cambria Math" panose="02040503050406030204" pitchFamily="18" charset="0"/>
                           </a:rPr>
                           <m:t>𝑖</m:t>
                         </m:r>
                         <m:r>
-                          <a:rPr lang="en-US" b="0" i="1" smtClean="0">
+                          <a:rPr lang="en-US" sz="1100" b="0" i="1" smtClean="0">
                             <a:latin typeface="Cambria Math" panose="02040503050406030204" pitchFamily="18" charset="0"/>
                           </a:rPr>
                           <m:t>)</m:t>
@@ -10582,44 +11559,44 @@
                       </m:sup>
                     </m:sSup>
                     <m:r>
-                      <a:rPr lang="en-US" b="0" i="1" smtClean="0">
+                      <a:rPr lang="en-US" sz="1100" b="0" i="1" smtClean="0">
                         <a:latin typeface="Cambria Math" panose="02040503050406030204" pitchFamily="18" charset="0"/>
                       </a:rPr>
                       <m:t>:</m:t>
                     </m:r>
                     <m:r>
-                      <a:rPr lang="en-US" b="0" i="1" smtClean="0">
+                      <a:rPr lang="en-US" sz="1100" b="0" i="1" smtClean="0">
                         <a:latin typeface="Cambria Math" panose="02040503050406030204" pitchFamily="18" charset="0"/>
                       </a:rPr>
                       <m:t>𝑠𝑒𝑞𝑢𝑒𝑛𝑐𝑒</m:t>
                     </m:r>
                     <m:r>
-                      <a:rPr lang="en-US" b="0" i="1" smtClean="0">
+                      <a:rPr lang="en-US" sz="1100" b="0" i="1" smtClean="0">
                         <a:latin typeface="Cambria Math" panose="02040503050406030204" pitchFamily="18" charset="0"/>
                       </a:rPr>
                       <m:t> </m:t>
                     </m:r>
                     <m:r>
-                      <a:rPr lang="en-US" b="0" i="1" smtClean="0">
+                      <a:rPr lang="en-US" sz="1100" b="0" i="1" smtClean="0">
                         <a:latin typeface="Cambria Math" panose="02040503050406030204" pitchFamily="18" charset="0"/>
                       </a:rPr>
                       <m:t>𝑜𝑓</m:t>
                     </m:r>
                     <m:r>
-                      <a:rPr lang="en-US" b="0" i="1" smtClean="0">
+                      <a:rPr lang="en-US" sz="1100" b="0" i="1" smtClean="0">
                         <a:latin typeface="Cambria Math" panose="02040503050406030204" pitchFamily="18" charset="0"/>
                       </a:rPr>
                       <m:t> </m:t>
                     </m:r>
                     <m:r>
-                      <a:rPr lang="en-US" b="0" i="1" smtClean="0">
+                      <a:rPr lang="en-US" sz="1100" b="0" i="1" smtClean="0">
                         <a:latin typeface="Cambria Math" panose="02040503050406030204" pitchFamily="18" charset="0"/>
                       </a:rPr>
                       <m:t>𝑝𝑜𝑙𝑖𝑐𝑖𝑒𝑠</m:t>
                     </m:r>
                   </m:oMath>
                 </a14:m>
-                <a:endParaRPr lang="en-US" b="0" i="1" dirty="0">
+                <a:endParaRPr lang="en-US" sz="1100" b="0" i="1" dirty="0">
                   <a:latin typeface="Times New Roman" panose="02020603050405020304" pitchFamily="18" charset="0"/>
                   <a:cs typeface="Times New Roman" panose="02020603050405020304" pitchFamily="18" charset="0"/>
                 </a:endParaRPr>
@@ -10631,14 +11608,14 @@
                     <m:sSup>
                       <m:sSupPr>
                         <m:ctrlPr>
-                          <a:rPr lang="en-US" b="0" i="1" smtClean="0">
+                          <a:rPr lang="en-US" sz="1100" b="0" i="1" smtClean="0">
                             <a:latin typeface="Cambria Math" panose="02040503050406030204" pitchFamily="18" charset="0"/>
                           </a:rPr>
                         </m:ctrlPr>
                       </m:sSupPr>
                       <m:e>
                         <m:r>
-                          <a:rPr lang="en-US" b="0" i="1" smtClean="0">
+                          <a:rPr lang="en-US" sz="1100" b="0" i="1" smtClean="0">
                             <a:latin typeface="Cambria Math" panose="02040503050406030204" pitchFamily="18" charset="0"/>
                           </a:rPr>
                           <m:t>𝑟</m:t>
@@ -10646,19 +11623,19 @@
                       </m:e>
                       <m:sup>
                         <m:r>
-                          <a:rPr lang="en-US" b="0" i="1" smtClean="0">
+                          <a:rPr lang="en-US" sz="1100" b="0" i="1" smtClean="0">
                             <a:latin typeface="Cambria Math" panose="02040503050406030204" pitchFamily="18" charset="0"/>
                           </a:rPr>
                           <m:t>(</m:t>
                         </m:r>
                         <m:r>
-                          <a:rPr lang="en-US" b="0" i="1" smtClean="0">
+                          <a:rPr lang="en-US" sz="1100" b="0" i="1" smtClean="0">
                             <a:latin typeface="Cambria Math" panose="02040503050406030204" pitchFamily="18" charset="0"/>
                           </a:rPr>
                           <m:t>𝑖</m:t>
                         </m:r>
                         <m:r>
-                          <a:rPr lang="en-US" b="0" i="1" smtClean="0">
+                          <a:rPr lang="en-US" sz="1100" b="0" i="1" smtClean="0">
                             <a:latin typeface="Cambria Math" panose="02040503050406030204" pitchFamily="18" charset="0"/>
                           </a:rPr>
                           <m:t>)</m:t>
@@ -10666,20 +11643,20 @@
                       </m:sup>
                     </m:sSup>
                     <m:r>
-                      <a:rPr lang="en-US" b="0" i="1" smtClean="0">
+                      <a:rPr lang="en-US" sz="1100" b="0" i="1" smtClean="0">
                         <a:latin typeface="Cambria Math" panose="02040503050406030204" pitchFamily="18" charset="0"/>
                       </a:rPr>
                       <m:t>:</m:t>
                     </m:r>
                     <m:r>
-                      <a:rPr lang="en-US" b="0" i="1" smtClean="0">
+                      <a:rPr lang="en-US" sz="1100" b="0" i="1" smtClean="0">
                         <a:latin typeface="Cambria Math" panose="02040503050406030204" pitchFamily="18" charset="0"/>
                       </a:rPr>
                       <m:t>𝑟𝑒𝑤𝑎𝑟𝑑</m:t>
                     </m:r>
                   </m:oMath>
                 </a14:m>
-                <a:endParaRPr lang="en-US" b="0" dirty="0">
+                <a:endParaRPr lang="en-US" sz="1100" b="0" dirty="0">
                   <a:latin typeface="Times New Roman" panose="02020603050405020304" pitchFamily="18" charset="0"/>
                   <a:cs typeface="Times New Roman" panose="02020603050405020304" pitchFamily="18" charset="0"/>
                 </a:endParaRPr>
@@ -10689,41 +11666,57 @@
                 <a14:m>
                   <m:oMath xmlns:m="http://schemas.openxmlformats.org/officeDocument/2006/math">
                     <m:r>
-                      <a:rPr lang="en-US" b="0" i="1" smtClean="0">
+                      <a:rPr lang="en-US" sz="1100" b="0" i="1" smtClean="0">
                         <a:latin typeface="Cambria Math" panose="02040503050406030204" pitchFamily="18" charset="0"/>
                       </a:rPr>
                       <m:t>𝑡</m:t>
                     </m:r>
                     <m:r>
-                      <a:rPr lang="en-US" b="0" i="1" smtClean="0">
+                      <a:rPr lang="en-US" sz="1100" b="0" i="1" smtClean="0">
                         <a:latin typeface="Cambria Math" panose="02040503050406030204" pitchFamily="18" charset="0"/>
                       </a:rPr>
                       <m:t>:</m:t>
                     </m:r>
                     <m:r>
-                      <a:rPr lang="en-US" b="0" i="1" smtClean="0">
+                      <a:rPr lang="en-US" sz="1100" b="0" i="1" smtClean="0">
                         <a:latin typeface="Cambria Math" panose="02040503050406030204" pitchFamily="18" charset="0"/>
                       </a:rPr>
                       <m:t>𝑐𝑦𝑐𝑙𝑒</m:t>
                     </m:r>
                     <m:r>
-                      <a:rPr lang="en-US" b="0" i="1" smtClean="0">
+                      <a:rPr lang="en-US" sz="1100" b="0" i="1" smtClean="0">
                         <a:latin typeface="Cambria Math" panose="02040503050406030204" pitchFamily="18" charset="0"/>
                       </a:rPr>
                       <m:t> </m:t>
                     </m:r>
                     <m:r>
-                      <a:rPr lang="en-US" b="0" i="1" smtClean="0">
+                      <a:rPr lang="en-US" sz="1100" b="0" i="1" smtClean="0">
                         <a:latin typeface="Cambria Math" panose="02040503050406030204" pitchFamily="18" charset="0"/>
                       </a:rPr>
                       <m:t>𝑛𝑢𝑚𝑏𝑒𝑟</m:t>
                     </m:r>
                   </m:oMath>
                 </a14:m>
-                <a:endParaRPr lang="en-US" dirty="0">
+                <a:endParaRPr lang="en-US" sz="1100" dirty="0">
                   <a:latin typeface="Times New Roman" panose="02020603050405020304" pitchFamily="18" charset="0"/>
                   <a:cs typeface="Times New Roman" panose="02020603050405020304" pitchFamily="18" charset="0"/>
                 </a:endParaRPr>
+              </a:p>
+              <a:p>
+                <a:r>
+                  <a:rPr lang="en-US" sz="1100" b="1" dirty="0">
+                    <a:latin typeface="Times New Roman" panose="02020603050405020304" pitchFamily="18" charset="0"/>
+                    <a:cs typeface="Times New Roman" panose="02020603050405020304" pitchFamily="18" charset="0"/>
+                  </a:rPr>
+                  <a:t>Output</a:t>
+                </a:r>
+                <a:r>
+                  <a:rPr lang="en-US" sz="1100" dirty="0">
+                    <a:latin typeface="Times New Roman" panose="02020603050405020304" pitchFamily="18" charset="0"/>
+                    <a:cs typeface="Times New Roman" panose="02020603050405020304" pitchFamily="18" charset="0"/>
+                  </a:rPr>
+                  <a:t>: python code that can used for robot deployment</a:t>
+                </a:r>
               </a:p>
               <a:p>
                 <a:pPr marL="596900" lvl="1" indent="0">
@@ -10753,13 +11746,13 @@
             </p:nvSpPr>
             <p:spPr>
               <a:xfrm>
-                <a:off x="91890" y="2744683"/>
-                <a:ext cx="5868155" cy="1662857"/>
+                <a:off x="91890" y="2744684"/>
+                <a:ext cx="5751697" cy="1936854"/>
               </a:xfrm>
               <a:blipFill>
-                <a:blip r:embed="rId2"/>
+                <a:blip r:embed="rId3"/>
                 <a:stretch>
-                  <a:fillRect b="-366"/>
+                  <a:fillRect t="-1572"/>
                 </a:stretch>
               </a:blipFill>
             </p:spPr>
@@ -10869,7 +11862,7 @@
           <p:nvPr/>
         </p:nvPicPr>
         <p:blipFill>
-          <a:blip r:embed="rId3"/>
+          <a:blip r:embed="rId4"/>
           <a:stretch>
             <a:fillRect/>
           </a:stretch>
@@ -10949,7 +11942,7 @@
         </p:nvSpPr>
         <p:spPr>
           <a:xfrm>
-            <a:off x="6150820" y="3338764"/>
+            <a:off x="4160849" y="2981576"/>
             <a:ext cx="822302" cy="368391"/>
           </a:xfrm>
           <a:prstGeom prst="rightArrow">
@@ -10995,8 +11988,8 @@
         </p:nvSpPr>
         <p:spPr>
           <a:xfrm>
-            <a:off x="7387563" y="2875686"/>
-            <a:ext cx="999919" cy="1361732"/>
+            <a:off x="5367337" y="2744683"/>
+            <a:ext cx="866776" cy="881062"/>
           </a:xfrm>
           <a:prstGeom prst="rect">
             <a:avLst/>
@@ -11030,6 +12023,46 @@
           </a:p>
         </p:txBody>
       </p:sp>
+      <p:pic>
+        <p:nvPicPr>
+          <p:cNvPr id="11" name="Picture 10" descr="A person standing in front of a bed&#10;&#10;Description automatically generated">
+            <a:extLst>
+              <a:ext uri="{FF2B5EF4-FFF2-40B4-BE49-F238E27FC236}">
+                <a16:creationId xmlns:a16="http://schemas.microsoft.com/office/drawing/2014/main" id="{BEE12D95-F759-FED9-3DCC-7D1DBBCFA923}"/>
+              </a:ext>
+            </a:extLst>
+          </p:cNvPr>
+          <p:cNvPicPr>
+            <a:picLocks noChangeAspect="1"/>
+          </p:cNvPicPr>
+          <p:nvPr/>
+        </p:nvPicPr>
+        <p:blipFill>
+          <a:blip r:embed="rId5"/>
+          <a:stretch>
+            <a:fillRect/>
+          </a:stretch>
+        </p:blipFill>
+        <p:spPr>
+          <a:xfrm flipH="1">
+            <a:off x="1414871" y="1282267"/>
+            <a:ext cx="1204845" cy="1204845"/>
+          </a:xfrm>
+          <a:prstGeom prst="rect">
+            <a:avLst/>
+          </a:prstGeom>
+          <a:ln>
+            <a:noFill/>
+          </a:ln>
+          <a:effectLst>
+            <a:outerShdw blurRad="292100" dist="139700" dir="2700000" algn="tl" rotWithShape="0">
+              <a:srgbClr val="333333">
+                <a:alpha val="65000"/>
+              </a:srgbClr>
+            </a:outerShdw>
+          </a:effectLst>
+        </p:spPr>
+      </p:pic>
     </p:spTree>
     <p:extLst>
       <p:ext uri="{BB962C8B-B14F-4D97-AF65-F5344CB8AC3E}">
@@ -11083,7 +12116,7 @@
           <a:p>
             <a:r>
               <a:rPr lang="en-US" dirty="0"/>
-              <a:t>II. How LRLL works?</a:t>
+              <a:t>III. How LRLL works?</a:t>
             </a:r>
           </a:p>
         </p:txBody>
@@ -11179,15 +12212,15 @@
           <p:nvPr/>
         </p:nvPicPr>
         <p:blipFill>
-          <a:blip r:embed="rId2"/>
+          <a:blip r:embed="rId3"/>
           <a:stretch>
             <a:fillRect/>
           </a:stretch>
         </p:blipFill>
         <p:spPr>
           <a:xfrm>
-            <a:off x="3899145" y="932396"/>
-            <a:ext cx="5067661" cy="1554716"/>
+            <a:off x="3623265" y="932396"/>
+            <a:ext cx="5343542" cy="1639354"/>
           </a:xfrm>
           <a:prstGeom prst="rect">
             <a:avLst/>
@@ -11208,7 +12241,7 @@
         </p:nvSpPr>
         <p:spPr>
           <a:xfrm>
-            <a:off x="3899145" y="2402473"/>
+            <a:off x="3584820" y="2487112"/>
             <a:ext cx="3185810" cy="169277"/>
           </a:xfrm>
           <a:prstGeom prst="rect">
@@ -11241,45 +12274,6 @@
             <a:r>
               <a:rPr lang="en-US" sz="500" dirty="0"/>
               <a:t>  </a:t>
-            </a:r>
-          </a:p>
-        </p:txBody>
-      </p:sp>
-      <p:sp>
-        <p:nvSpPr>
-          <p:cNvPr id="11" name="Text Placeholder 10">
-            <a:extLst>
-              <a:ext uri="{FF2B5EF4-FFF2-40B4-BE49-F238E27FC236}">
-                <a16:creationId xmlns:a16="http://schemas.microsoft.com/office/drawing/2014/main" id="{5E5DA92A-54B6-C74C-AE12-6E34C65A18D2}"/>
-              </a:ext>
-            </a:extLst>
-          </p:cNvPr>
-          <p:cNvSpPr>
-            <a:spLocks noGrp="1"/>
-          </p:cNvSpPr>
-          <p:nvPr>
-            <p:ph type="body" idx="1"/>
-          </p:nvPr>
-        </p:nvSpPr>
-        <p:spPr>
-          <a:xfrm>
-            <a:off x="1160316" y="1480251"/>
-            <a:ext cx="1734188" cy="459006"/>
-          </a:xfrm>
-        </p:spPr>
-        <p:txBody>
-          <a:bodyPr/>
-          <a:lstStyle/>
-          <a:p>
-            <a:pPr marL="114300" indent="0">
-              <a:buNone/>
-            </a:pPr>
-            <a:r>
-              <a:rPr lang="en-US" b="1" dirty="0">
-                <a:latin typeface="Times New Roman" panose="02020603050405020304" pitchFamily="18" charset="0"/>
-                <a:cs typeface="Times New Roman" panose="02020603050405020304" pitchFamily="18" charset="0"/>
-              </a:rPr>
-              <a:t>Wake Phase</a:t>
             </a:r>
           </a:p>
         </p:txBody>
@@ -11739,6 +12733,16 @@
                     <a:latin typeface="Times New Roman" panose="02020603050405020304" pitchFamily="18" charset="0"/>
                     <a:cs typeface="Times New Roman" panose="02020603050405020304" pitchFamily="18" charset="0"/>
                   </a:rPr>
+                  <a:t>Uses a critic’s policy and success code</a:t>
+                </a:r>
+              </a:p>
+              <a:p>
+                <a:pPr lvl="1"/>
+                <a:r>
+                  <a:rPr lang="en-US" sz="1100" dirty="0">
+                    <a:latin typeface="Times New Roman" panose="02020603050405020304" pitchFamily="18" charset="0"/>
+                    <a:cs typeface="Times New Roman" panose="02020603050405020304" pitchFamily="18" charset="0"/>
+                  </a:rPr>
                   <a:t>Successful =&gt; appended to memory</a:t>
                 </a:r>
               </a:p>
@@ -12007,6 +13011,93 @@
                   <a:cs typeface="Times New Roman" panose="02020603050405020304" pitchFamily="18" charset="0"/>
                 </a:endParaRPr>
               </a:p>
+              <a:p>
+                <a:pPr lvl="1"/>
+                <a14:m>
+                  <m:oMath xmlns:m="http://schemas.openxmlformats.org/officeDocument/2006/math">
+                    <m:sSub>
+                      <m:sSubPr>
+                        <m:ctrlPr>
+                          <a:rPr lang="en-US" sz="1100" b="0" i="1" smtClean="0">
+                            <a:latin typeface="Cambria Math" panose="02040503050406030204" pitchFamily="18" charset="0"/>
+                            <a:cs typeface="Times New Roman" panose="02020603050405020304" pitchFamily="18" charset="0"/>
+                          </a:rPr>
+                        </m:ctrlPr>
+                      </m:sSubPr>
+                      <m:e>
+                        <m:r>
+                          <a:rPr lang="en-US" sz="1100" b="0" i="1" smtClean="0">
+                            <a:latin typeface="Cambria Math" panose="02040503050406030204" pitchFamily="18" charset="0"/>
+                            <a:cs typeface="Times New Roman" panose="02020603050405020304" pitchFamily="18" charset="0"/>
+                          </a:rPr>
+                          <m:t>𝑠</m:t>
+                        </m:r>
+                      </m:e>
+                      <m:sub>
+                        <m:r>
+                          <a:rPr lang="en-US" sz="1100" b="0" i="1" smtClean="0">
+                            <a:latin typeface="Cambria Math" panose="02040503050406030204" pitchFamily="18" charset="0"/>
+                            <a:cs typeface="Times New Roman" panose="02020603050405020304" pitchFamily="18" charset="0"/>
+                          </a:rPr>
+                          <m:t>0,</m:t>
+                        </m:r>
+                        <m:r>
+                          <a:rPr lang="en-US" sz="1100" b="0" i="1" smtClean="0">
+                            <a:latin typeface="Cambria Math" panose="02040503050406030204" pitchFamily="18" charset="0"/>
+                            <a:cs typeface="Times New Roman" panose="02020603050405020304" pitchFamily="18" charset="0"/>
+                          </a:rPr>
+                          <m:t>𝑘</m:t>
+                        </m:r>
+                      </m:sub>
+                    </m:sSub>
+                  </m:oMath>
+                </a14:m>
+                <a:r>
+                  <a:rPr lang="en-US" sz="1100" dirty="0">
+                    <a:latin typeface="Times New Roman" panose="02020603050405020304" pitchFamily="18" charset="0"/>
+                    <a:cs typeface="Times New Roman" panose="02020603050405020304" pitchFamily="18" charset="0"/>
+                  </a:rPr>
+                  <a:t> = initial simulation of proposal </a:t>
+                </a:r>
+                <a14:m>
+                  <m:oMath xmlns:m="http://schemas.openxmlformats.org/officeDocument/2006/math">
+                    <m:r>
+                      <a:rPr lang="en-US" sz="1100" b="0" i="1" smtClean="0">
+                        <a:latin typeface="Cambria Math" panose="02040503050406030204" pitchFamily="18" charset="0"/>
+                        <a:cs typeface="Times New Roman" panose="02020603050405020304" pitchFamily="18" charset="0"/>
+                      </a:rPr>
+                      <m:t>𝑘</m:t>
+                    </m:r>
+                  </m:oMath>
+                </a14:m>
+                <a:endParaRPr lang="en-US" sz="1100" dirty="0">
+                  <a:latin typeface="Times New Roman" panose="02020603050405020304" pitchFamily="18" charset="0"/>
+                  <a:cs typeface="Times New Roman" panose="02020603050405020304" pitchFamily="18" charset="0"/>
+                </a:endParaRPr>
+              </a:p>
+              <a:p>
+                <a:pPr lvl="1"/>
+                <a:endParaRPr lang="en-US" sz="1100" dirty="0">
+                  <a:latin typeface="Times New Roman" panose="02020603050405020304" pitchFamily="18" charset="0"/>
+                  <a:cs typeface="Times New Roman" panose="02020603050405020304" pitchFamily="18" charset="0"/>
+                </a:endParaRPr>
+              </a:p>
+              <a:p>
+                <a:pPr marL="596900" lvl="1" indent="0">
+                  <a:buNone/>
+                </a:pPr>
+                <a:endParaRPr lang="en-US" sz="1100" dirty="0">
+                  <a:latin typeface="Times New Roman" panose="02020603050405020304" pitchFamily="18" charset="0"/>
+                  <a:cs typeface="Times New Roman" panose="02020603050405020304" pitchFamily="18" charset="0"/>
+                </a:endParaRPr>
+              </a:p>
+              <a:p>
+                <a:pPr lvl="1"/>
+                <a:endParaRPr lang="en-US" sz="1100" dirty="0">
+                  <a:latin typeface="Times New Roman" panose="02020603050405020304" pitchFamily="18" charset="0"/>
+                  <a:cs typeface="Times New Roman" panose="02020603050405020304" pitchFamily="18" charset="0"/>
+                </a:endParaRPr>
+              </a:p>
             </p:txBody>
           </p:sp>
         </mc:Choice>
@@ -12034,7 +13125,7 @@
                 <a:avLst/>
               </a:prstGeom>
               <a:blipFill>
-                <a:blip r:embed="rId3"/>
+                <a:blip r:embed="rId4"/>
                 <a:stretch>
                   <a:fillRect/>
                 </a:stretch>
@@ -12058,6 +13149,46 @@
           </p:sp>
         </mc:Fallback>
       </mc:AlternateContent>
+      <p:pic>
+        <p:nvPicPr>
+          <p:cNvPr id="9" name="Picture 8" descr="A person standing in front of a bed&#10;&#10;Description automatically generated">
+            <a:extLst>
+              <a:ext uri="{FF2B5EF4-FFF2-40B4-BE49-F238E27FC236}">
+                <a16:creationId xmlns:a16="http://schemas.microsoft.com/office/drawing/2014/main" id="{9709C0D6-8286-ADF5-100F-9BDEDA6C62DE}"/>
+              </a:ext>
+            </a:extLst>
+          </p:cNvPr>
+          <p:cNvPicPr>
+            <a:picLocks noChangeAspect="1"/>
+          </p:cNvPicPr>
+          <p:nvPr/>
+        </p:nvPicPr>
+        <p:blipFill>
+          <a:blip r:embed="rId5"/>
+          <a:stretch>
+            <a:fillRect/>
+          </a:stretch>
+        </p:blipFill>
+        <p:spPr>
+          <a:xfrm flipH="1">
+            <a:off x="1414871" y="1282267"/>
+            <a:ext cx="1204845" cy="1204845"/>
+          </a:xfrm>
+          <a:prstGeom prst="rect">
+            <a:avLst/>
+          </a:prstGeom>
+          <a:ln>
+            <a:noFill/>
+          </a:ln>
+          <a:effectLst>
+            <a:outerShdw blurRad="292100" dist="139700" dir="2700000" algn="tl" rotWithShape="0">
+              <a:srgbClr val="333333">
+                <a:alpha val="65000"/>
+              </a:srgbClr>
+            </a:outerShdw>
+          </a:effectLst>
+        </p:spPr>
+      </p:pic>
     </p:spTree>
     <p:extLst>
       <p:ext uri="{BB962C8B-B14F-4D97-AF65-F5344CB8AC3E}">
@@ -12111,7 +13242,7 @@
           <a:p>
             <a:r>
               <a:rPr lang="en-US" dirty="0"/>
-              <a:t>II. How LRLL works?</a:t>
+              <a:t>III. How LRLL works?</a:t>
             </a:r>
           </a:p>
         </p:txBody>
@@ -12207,7 +13338,7 @@
           <p:nvPr/>
         </p:nvPicPr>
         <p:blipFill>
-          <a:blip r:embed="rId2"/>
+          <a:blip r:embed="rId3"/>
           <a:stretch>
             <a:fillRect/>
           </a:stretch>
@@ -12273,47 +13404,8 @@
           </a:p>
         </p:txBody>
       </p:sp>
-      <p:sp>
-        <p:nvSpPr>
-          <p:cNvPr id="11" name="Text Placeholder 10">
-            <a:extLst>
-              <a:ext uri="{FF2B5EF4-FFF2-40B4-BE49-F238E27FC236}">
-                <a16:creationId xmlns:a16="http://schemas.microsoft.com/office/drawing/2014/main" id="{5E5DA92A-54B6-C74C-AE12-6E34C65A18D2}"/>
-              </a:ext>
-            </a:extLst>
-          </p:cNvPr>
-          <p:cNvSpPr>
-            <a:spLocks noGrp="1"/>
-          </p:cNvSpPr>
-          <p:nvPr>
-            <p:ph type="body" idx="1"/>
-          </p:nvPr>
-        </p:nvSpPr>
-        <p:spPr>
-          <a:xfrm>
-            <a:off x="1160316" y="1480251"/>
-            <a:ext cx="1734188" cy="459006"/>
-          </a:xfrm>
-        </p:spPr>
-        <p:txBody>
-          <a:bodyPr/>
-          <a:lstStyle/>
-          <a:p>
-            <a:pPr marL="114300" indent="0">
-              <a:buNone/>
-            </a:pPr>
-            <a:r>
-              <a:rPr lang="en-US" b="1" dirty="0">
-                <a:latin typeface="Times New Roman" panose="02020603050405020304" pitchFamily="18" charset="0"/>
-                <a:cs typeface="Times New Roman" panose="02020603050405020304" pitchFamily="18" charset="0"/>
-              </a:rPr>
-              <a:t>Sleep Phase</a:t>
-            </a:r>
-          </a:p>
-        </p:txBody>
-      </p:sp>
-      <mc:AlternateContent xmlns:mc="http://schemas.openxmlformats.org/markup-compatibility/2006">
-        <mc:Choice xmlns:a14="http://schemas.microsoft.com/office/drawing/2010/main" Requires="a14">
+      <mc:AlternateContent xmlns:mc="http://schemas.openxmlformats.org/markup-compatibility/2006" xmlns:a14="http://schemas.microsoft.com/office/drawing/2010/main">
+        <mc:Choice Requires="a14">
           <p:sp>
             <p:nvSpPr>
               <p:cNvPr id="12" name="Text Placeholder 10">
@@ -12872,7 +13964,7 @@
             </p:txBody>
           </p:sp>
         </mc:Choice>
-        <mc:Fallback>
+        <mc:Fallback xmlns="">
           <p:sp>
             <p:nvSpPr>
               <p:cNvPr id="12" name="Text Placeholder 10">
@@ -12896,7 +13988,7 @@
                 <a:avLst/>
               </a:prstGeom>
               <a:blipFill>
-                <a:blip r:embed="rId3"/>
+                <a:blip r:embed="rId4"/>
                 <a:stretch>
                   <a:fillRect/>
                 </a:stretch>
@@ -12920,6 +14012,36 @@
           </p:sp>
         </mc:Fallback>
       </mc:AlternateContent>
+      <p:pic>
+        <p:nvPicPr>
+          <p:cNvPr id="9" name="Picture 8" descr="A blue bed with a white blanket and a clock on the wall&#10;&#10;Description automatically generated">
+            <a:extLst>
+              <a:ext uri="{FF2B5EF4-FFF2-40B4-BE49-F238E27FC236}">
+                <a16:creationId xmlns:a16="http://schemas.microsoft.com/office/drawing/2014/main" id="{AB8D02E0-1811-1BF1-D33A-1EE44DC0CB99}"/>
+              </a:ext>
+            </a:extLst>
+          </p:cNvPr>
+          <p:cNvPicPr>
+            <a:picLocks noChangeAspect="1"/>
+          </p:cNvPicPr>
+          <p:nvPr/>
+        </p:nvPicPr>
+        <p:blipFill>
+          <a:blip r:embed="rId5"/>
+          <a:stretch>
+            <a:fillRect/>
+          </a:stretch>
+        </p:blipFill>
+        <p:spPr>
+          <a:xfrm>
+            <a:off x="1280419" y="1008074"/>
+            <a:ext cx="1473750" cy="1473750"/>
+          </a:xfrm>
+          <a:prstGeom prst="rect">
+            <a:avLst/>
+          </a:prstGeom>
+        </p:spPr>
+      </p:pic>
     </p:spTree>
     <p:extLst>
       <p:ext uri="{BB962C8B-B14F-4D97-AF65-F5344CB8AC3E}">
@@ -13012,6 +14134,26 @@
                     <a:cs typeface="Times New Roman" panose="02020603050405020304" pitchFamily="18" charset="0"/>
                   </a:rPr>
                   <a:t>Zero-shot vision-language grounding</a:t>
+                </a:r>
+              </a:p>
+              <a:p>
+                <a:pPr lvl="1"/>
+                <a:r>
+                  <a:rPr lang="en-US" dirty="0">
+                    <a:latin typeface="Times New Roman" panose="02020603050405020304" pitchFamily="18" charset="0"/>
+                    <a:cs typeface="Times New Roman" panose="02020603050405020304" pitchFamily="18" charset="0"/>
+                  </a:rPr>
+                  <a:t>CLIP =&gt; open vocabulary</a:t>
+                </a:r>
+              </a:p>
+              <a:p>
+                <a:pPr lvl="1"/>
+                <a:r>
+                  <a:rPr lang="en-US" dirty="0">
+                    <a:latin typeface="Times New Roman" panose="02020603050405020304" pitchFamily="18" charset="0"/>
+                    <a:cs typeface="Times New Roman" panose="02020603050405020304" pitchFamily="18" charset="0"/>
+                  </a:rPr>
+                  <a:t>MDETR =&gt; expression grounding</a:t>
                 </a:r>
               </a:p>
               <a:p>
@@ -13264,9 +14406,9 @@
                 <a:ext cx="8520600" cy="3797373"/>
               </a:xfrm>
               <a:blipFill>
-                <a:blip r:embed="rId2"/>
+                <a:blip r:embed="rId3"/>
                 <a:stretch>
-                  <a:fillRect/>
+                  <a:fillRect b="-14607"/>
                 </a:stretch>
               </a:blipFill>
             </p:spPr>
@@ -13813,7 +14955,7 @@
           <p:cNvPr id="2" name="Title 1">
             <a:extLst>
               <a:ext uri="{FF2B5EF4-FFF2-40B4-BE49-F238E27FC236}">
-                <a16:creationId xmlns:a16="http://schemas.microsoft.com/office/drawing/2014/main" id="{91F313CF-3BA8-3908-350D-76C3C3E9EFE2}"/>
+                <a16:creationId xmlns:a16="http://schemas.microsoft.com/office/drawing/2014/main" id="{F9ACB9B4-5477-94A9-F6B2-6D0C7732FE04}"/>
               </a:ext>
             </a:extLst>
           </p:cNvPr>
@@ -13841,7 +14983,7 @@
           <p:cNvPr id="3" name="Text Placeholder 2">
             <a:extLst>
               <a:ext uri="{FF2B5EF4-FFF2-40B4-BE49-F238E27FC236}">
-                <a16:creationId xmlns:a16="http://schemas.microsoft.com/office/drawing/2014/main" id="{C78765BE-E985-6847-E434-EEC6F64318C9}"/>
+                <a16:creationId xmlns:a16="http://schemas.microsoft.com/office/drawing/2014/main" id="{607E7ED6-4CB1-4473-5C7C-80E8517FB06F}"/>
               </a:ext>
             </a:extLst>
           </p:cNvPr>
@@ -13854,227 +14996,55 @@
         </p:nvSpPr>
         <p:spPr>
           <a:xfrm>
-            <a:off x="159300" y="888086"/>
-            <a:ext cx="8520600" cy="4255414"/>
+            <a:off x="311700" y="1629325"/>
+            <a:ext cx="8520600" cy="1884850"/>
           </a:xfrm>
         </p:spPr>
         <p:txBody>
           <a:bodyPr/>
           <a:lstStyle/>
           <a:p>
-            <a:pPr>
-              <a:lnSpc>
-                <a:spcPct val="100000"/>
-              </a:lnSpc>
-            </a:pPr>
-            <a:r>
-              <a:rPr lang="en-US" sz="1400" dirty="0">
+            <a:r>
+              <a:rPr lang="en-US" sz="2800" b="1" dirty="0">
                 <a:latin typeface="Times New Roman" panose="02020603050405020304" pitchFamily="18" charset="0"/>
                 <a:cs typeface="Times New Roman" panose="02020603050405020304" pitchFamily="18" charset="0"/>
               </a:rPr>
-              <a:t>gpt-3.5-turbo and </a:t>
-            </a:r>
-            <a:r>
-              <a:rPr lang="en-US" sz="1400" dirty="0"/>
-              <a:t>text-embedding-ada-002</a:t>
-            </a:r>
-            <a:endParaRPr lang="en-US" sz="1400" dirty="0">
-              <a:latin typeface="Times New Roman" panose="02020603050405020304" pitchFamily="18" charset="0"/>
-              <a:cs typeface="Times New Roman" panose="02020603050405020304" pitchFamily="18" charset="0"/>
-            </a:endParaRPr>
-          </a:p>
-          <a:p>
-            <a:pPr>
-              <a:lnSpc>
-                <a:spcPct val="100000"/>
-              </a:lnSpc>
-            </a:pPr>
-            <a:r>
-              <a:rPr lang="en-US" sz="1400" dirty="0"/>
-              <a:t>blocks-and-bowls setup replicated from previous works</a:t>
-            </a:r>
-          </a:p>
-          <a:p>
-            <a:pPr>
-              <a:lnSpc>
-                <a:spcPct val="100000"/>
-              </a:lnSpc>
-            </a:pPr>
-            <a:r>
-              <a:rPr lang="en-US" sz="1400" dirty="0"/>
-              <a:t>41 task templates and 4 cycles</a:t>
-            </a:r>
-          </a:p>
-          <a:p>
-            <a:pPr lvl="1">
-              <a:lnSpc>
-                <a:spcPct val="100000"/>
-              </a:lnSpc>
-            </a:pPr>
-            <a:r>
-              <a:rPr lang="en-US" sz="1100" dirty="0"/>
-              <a:t>Spatial coordination</a:t>
-            </a:r>
-          </a:p>
-          <a:p>
-            <a:pPr lvl="1">
-              <a:lnSpc>
-                <a:spcPct val="100000"/>
-              </a:lnSpc>
-            </a:pPr>
-            <a:r>
-              <a:rPr lang="en-US" sz="1100" dirty="0"/>
-              <a:t>Visual reasoning</a:t>
-            </a:r>
-          </a:p>
-          <a:p>
-            <a:pPr lvl="1">
-              <a:lnSpc>
-                <a:spcPct val="100000"/>
-              </a:lnSpc>
-            </a:pPr>
-            <a:r>
-              <a:rPr lang="en-US" sz="1100" dirty="0"/>
-              <a:t>Object manipulation</a:t>
-            </a:r>
-          </a:p>
-          <a:p>
-            <a:pPr lvl="1">
-              <a:lnSpc>
-                <a:spcPct val="100000"/>
-              </a:lnSpc>
-            </a:pPr>
-            <a:r>
-              <a:rPr lang="en-US" sz="1100" dirty="0"/>
-              <a:t>rearrangement</a:t>
-            </a:r>
-          </a:p>
-          <a:p>
-            <a:pPr>
-              <a:lnSpc>
-                <a:spcPct val="100000"/>
-              </a:lnSpc>
-            </a:pPr>
-            <a:r>
-              <a:rPr lang="en-US" sz="1400" dirty="0"/>
-              <a:t>Task instances</a:t>
-            </a:r>
-          </a:p>
-          <a:p>
-            <a:pPr lvl="1">
-              <a:lnSpc>
-                <a:spcPct val="100000"/>
-              </a:lnSpc>
-            </a:pPr>
-            <a:r>
-              <a:rPr lang="en-US" sz="1100" dirty="0"/>
-              <a:t>Seen instructions with seen (SA)/unseen (UA) attributes</a:t>
-            </a:r>
-          </a:p>
-          <a:p>
-            <a:pPr lvl="1">
-              <a:lnSpc>
-                <a:spcPct val="100000"/>
-              </a:lnSpc>
-            </a:pPr>
-            <a:r>
-              <a:rPr lang="en-US" sz="1100" dirty="0"/>
-              <a:t>Unseen instructions with unseen attributes (UI)</a:t>
-            </a:r>
-          </a:p>
-          <a:p>
-            <a:pPr lvl="1">
-              <a:lnSpc>
-                <a:spcPct val="100000"/>
-              </a:lnSpc>
-            </a:pPr>
-            <a:r>
-              <a:rPr lang="en-US" sz="1100" dirty="0"/>
-              <a:t>For lifelong setup</a:t>
-            </a:r>
-          </a:p>
-          <a:p>
-            <a:pPr lvl="2">
-              <a:lnSpc>
-                <a:spcPct val="100000"/>
-              </a:lnSpc>
-            </a:pPr>
-            <a:r>
-              <a:rPr lang="en-US" sz="1100" dirty="0"/>
-              <a:t>Forward-transfer</a:t>
-            </a:r>
-          </a:p>
-          <a:p>
-            <a:pPr lvl="2">
-              <a:lnSpc>
-                <a:spcPct val="100000"/>
-              </a:lnSpc>
-            </a:pPr>
-            <a:r>
-              <a:rPr lang="en-US" sz="1100" dirty="0"/>
-              <a:t>Backward-transfer</a:t>
-            </a:r>
-          </a:p>
-          <a:p>
-            <a:pPr>
-              <a:lnSpc>
-                <a:spcPct val="100000"/>
-              </a:lnSpc>
-            </a:pPr>
-            <a:r>
-              <a:rPr lang="en-US" sz="1400" dirty="0"/>
-              <a:t>Baselines</a:t>
-            </a:r>
-          </a:p>
-          <a:p>
-            <a:pPr lvl="1">
-              <a:lnSpc>
-                <a:spcPct val="100000"/>
-              </a:lnSpc>
-            </a:pPr>
-            <a:r>
-              <a:rPr lang="en-US" sz="1100" dirty="0" err="1"/>
-              <a:t>CLIPort</a:t>
-            </a:r>
-            <a:endParaRPr lang="en-US" sz="1100" dirty="0"/>
-          </a:p>
-          <a:p>
-            <a:pPr lvl="1">
-              <a:lnSpc>
-                <a:spcPct val="100000"/>
-              </a:lnSpc>
-            </a:pPr>
-            <a:r>
-              <a:rPr lang="en-US" sz="1100" dirty="0" err="1"/>
-              <a:t>CaP</a:t>
-            </a:r>
-            <a:endParaRPr lang="en-US" sz="1100" dirty="0"/>
-          </a:p>
-          <a:p>
-            <a:pPr lvl="1">
-              <a:lnSpc>
-                <a:spcPct val="100000"/>
-              </a:lnSpc>
-            </a:pPr>
-            <a:r>
-              <a:rPr lang="en-US" sz="1100" dirty="0"/>
-              <a:t>LLRL-no-sleep</a:t>
-            </a:r>
-          </a:p>
-          <a:p>
-            <a:pPr lvl="1">
-              <a:lnSpc>
-                <a:spcPct val="100000"/>
-              </a:lnSpc>
-            </a:pPr>
-            <a:r>
-              <a:rPr lang="en-US" sz="1100" dirty="0"/>
-              <a:t>LLRL-no-wake</a:t>
+              <a:t>Goals</a:t>
             </a:r>
           </a:p>
           <a:p>
             <a:pPr lvl="1"/>
-            <a:endParaRPr lang="en-US" dirty="0"/>
+            <a:r>
+              <a:rPr lang="en-US" sz="2000" dirty="0">
+                <a:latin typeface="Times New Roman" panose="02020603050405020304" pitchFamily="18" charset="0"/>
+                <a:cs typeface="Times New Roman" panose="02020603050405020304" pitchFamily="18" charset="0"/>
+              </a:rPr>
+              <a:t>Compare against baselines for tabletop manipulation</a:t>
+            </a:r>
+          </a:p>
+          <a:p>
+            <a:pPr lvl="1"/>
+            <a:r>
+              <a:rPr lang="en-US" sz="2000" dirty="0">
+                <a:latin typeface="Times New Roman" panose="02020603050405020304" pitchFamily="18" charset="0"/>
+                <a:cs typeface="Times New Roman" panose="02020603050405020304" pitchFamily="18" charset="0"/>
+              </a:rPr>
+              <a:t>Evaluate impact of contributions</a:t>
+            </a:r>
+          </a:p>
+          <a:p>
+            <a:pPr lvl="1"/>
+            <a:r>
+              <a:rPr lang="en-US" sz="2000" dirty="0">
+                <a:latin typeface="Times New Roman" panose="02020603050405020304" pitchFamily="18" charset="0"/>
+                <a:cs typeface="Times New Roman" panose="02020603050405020304" pitchFamily="18" charset="0"/>
+              </a:rPr>
+              <a:t>Demonstrate transferability</a:t>
+            </a:r>
+          </a:p>
+          <a:p>
+            <a:pPr lvl="1"/>
+            <a:endParaRPr lang="en-US" b="1" dirty="0"/>
           </a:p>
         </p:txBody>
       </p:sp>
@@ -14083,7 +15053,7 @@
           <p:cNvPr id="4" name="Slide Number Placeholder 3">
             <a:extLst>
               <a:ext uri="{FF2B5EF4-FFF2-40B4-BE49-F238E27FC236}">
-                <a16:creationId xmlns:a16="http://schemas.microsoft.com/office/drawing/2014/main" id="{2931AD7A-CACA-C1CD-6BF0-FEEB395F79B4}"/>
+                <a16:creationId xmlns:a16="http://schemas.microsoft.com/office/drawing/2014/main" id="{2EA76B31-3907-36D8-1A2D-C5B042019588}"/>
               </a:ext>
             </a:extLst>
           </p:cNvPr>
@@ -14121,7 +15091,7 @@
           <p:cNvPr id="5" name="Slide Number Placeholder 4">
             <a:extLst>
               <a:ext uri="{FF2B5EF4-FFF2-40B4-BE49-F238E27FC236}">
-                <a16:creationId xmlns:a16="http://schemas.microsoft.com/office/drawing/2014/main" id="{526B02F4-FA15-8789-8ABE-CA48D7551F93}"/>
+                <a16:creationId xmlns:a16="http://schemas.microsoft.com/office/drawing/2014/main" id="{89DB48CA-D124-3D9E-CBB4-2F20DBF34CB0}"/>
               </a:ext>
             </a:extLst>
           </p:cNvPr>
@@ -14157,7 +15127,7 @@
     </p:spTree>
     <p:extLst>
       <p:ext uri="{BB962C8B-B14F-4D97-AF65-F5344CB8AC3E}">
-        <p14:creationId xmlns:p14="http://schemas.microsoft.com/office/powerpoint/2010/main" val="1070569935"/>
+        <p14:creationId xmlns:p14="http://schemas.microsoft.com/office/powerpoint/2010/main" val="1159775155"/>
       </p:ext>
     </p:extLst>
   </p:cSld>
@@ -14230,8 +15200,8 @@
         </p:nvSpPr>
         <p:spPr>
           <a:xfrm>
-            <a:off x="159300" y="1228770"/>
-            <a:ext cx="3919319" cy="3027466"/>
+            <a:off x="159300" y="888086"/>
+            <a:ext cx="8520600" cy="4255414"/>
           </a:xfrm>
         </p:spPr>
         <p:txBody>
@@ -14248,49 +15218,49 @@
                 <a:latin typeface="Times New Roman" panose="02020603050405020304" pitchFamily="18" charset="0"/>
                 <a:cs typeface="Times New Roman" panose="02020603050405020304" pitchFamily="18" charset="0"/>
               </a:rPr>
-              <a:t>Tabletop Manipulation</a:t>
-            </a:r>
-          </a:p>
-          <a:p>
-            <a:pPr lvl="1">
+              <a:t>gpt-3.5-turbo and text-embedding-ada-002</a:t>
+            </a:r>
+          </a:p>
+          <a:p>
+            <a:pPr>
               <a:lnSpc>
                 <a:spcPct val="100000"/>
               </a:lnSpc>
             </a:pPr>
             <a:r>
-              <a:rPr lang="en-US" dirty="0">
+              <a:rPr lang="en-US" sz="1400" dirty="0">
                 <a:latin typeface="Times New Roman" panose="02020603050405020304" pitchFamily="18" charset="0"/>
                 <a:cs typeface="Times New Roman" panose="02020603050405020304" pitchFamily="18" charset="0"/>
               </a:rPr>
-              <a:t>Simulated teacher</a:t>
-            </a:r>
-          </a:p>
-          <a:p>
-            <a:pPr lvl="2">
+              <a:t>blocks-and-bowls setup replicated from previous works</a:t>
+            </a:r>
+          </a:p>
+          <a:p>
+            <a:pPr>
               <a:lnSpc>
                 <a:spcPct val="100000"/>
               </a:lnSpc>
             </a:pPr>
             <a:r>
-              <a:rPr lang="en-US" dirty="0">
+              <a:rPr lang="en-US" sz="1400" dirty="0">
                 <a:latin typeface="Times New Roman" panose="02020603050405020304" pitchFamily="18" charset="0"/>
                 <a:cs typeface="Times New Roman" panose="02020603050405020304" pitchFamily="18" charset="0"/>
               </a:rPr>
-              <a:t>Generated 5 demonstrations</a:t>
-            </a:r>
-          </a:p>
-          <a:p>
-            <a:pPr lvl="2">
+              <a:t>41 task templates and 4 cycles</a:t>
+            </a:r>
+          </a:p>
+          <a:p>
+            <a:pPr lvl="1">
               <a:lnSpc>
                 <a:spcPct val="100000"/>
               </a:lnSpc>
             </a:pPr>
             <a:r>
-              <a:rPr lang="en-US" dirty="0">
+              <a:rPr lang="en-US" sz="1100" dirty="0">
                 <a:latin typeface="Times New Roman" panose="02020603050405020304" pitchFamily="18" charset="0"/>
                 <a:cs typeface="Times New Roman" panose="02020603050405020304" pitchFamily="18" charset="0"/>
               </a:rPr>
-              <a:t>Multiple test for each cycle</a:t>
+              <a:t>Spatial coordination</a:t>
             </a:r>
           </a:p>
           <a:p>
@@ -14300,30 +15270,174 @@
               </a:lnSpc>
             </a:pPr>
             <a:r>
-              <a:rPr lang="en-US" dirty="0" err="1">
+              <a:rPr lang="en-US" sz="1100" dirty="0">
+                <a:latin typeface="Times New Roman" panose="02020603050405020304" pitchFamily="18" charset="0"/>
+                <a:cs typeface="Times New Roman" panose="02020603050405020304" pitchFamily="18" charset="0"/>
+              </a:rPr>
+              <a:t>Visual reasoning</a:t>
+            </a:r>
+          </a:p>
+          <a:p>
+            <a:pPr lvl="1">
+              <a:lnSpc>
+                <a:spcPct val="100000"/>
+              </a:lnSpc>
+            </a:pPr>
+            <a:r>
+              <a:rPr lang="en-US" sz="1100" dirty="0">
+                <a:latin typeface="Times New Roman" panose="02020603050405020304" pitchFamily="18" charset="0"/>
+                <a:cs typeface="Times New Roman" panose="02020603050405020304" pitchFamily="18" charset="0"/>
+              </a:rPr>
+              <a:t>Object manipulation</a:t>
+            </a:r>
+          </a:p>
+          <a:p>
+            <a:pPr lvl="1">
+              <a:lnSpc>
+                <a:spcPct val="100000"/>
+              </a:lnSpc>
+            </a:pPr>
+            <a:r>
+              <a:rPr lang="en-US" sz="1100" dirty="0">
+                <a:latin typeface="Times New Roman" panose="02020603050405020304" pitchFamily="18" charset="0"/>
+                <a:cs typeface="Times New Roman" panose="02020603050405020304" pitchFamily="18" charset="0"/>
+              </a:rPr>
+              <a:t>rearrangement</a:t>
+            </a:r>
+          </a:p>
+          <a:p>
+            <a:pPr>
+              <a:lnSpc>
+                <a:spcPct val="100000"/>
+              </a:lnSpc>
+            </a:pPr>
+            <a:r>
+              <a:rPr lang="en-US" sz="1400" dirty="0">
+                <a:latin typeface="Times New Roman" panose="02020603050405020304" pitchFamily="18" charset="0"/>
+                <a:cs typeface="Times New Roman" panose="02020603050405020304" pitchFamily="18" charset="0"/>
+              </a:rPr>
+              <a:t>Task instances</a:t>
+            </a:r>
+          </a:p>
+          <a:p>
+            <a:pPr lvl="1">
+              <a:lnSpc>
+                <a:spcPct val="100000"/>
+              </a:lnSpc>
+            </a:pPr>
+            <a:r>
+              <a:rPr lang="en-US" sz="1100" dirty="0">
+                <a:latin typeface="Times New Roman" panose="02020603050405020304" pitchFamily="18" charset="0"/>
+                <a:cs typeface="Times New Roman" panose="02020603050405020304" pitchFamily="18" charset="0"/>
+              </a:rPr>
+              <a:t>Seen instructions with seen (SA)/unseen (UA) attributes</a:t>
+            </a:r>
+          </a:p>
+          <a:p>
+            <a:pPr lvl="1">
+              <a:lnSpc>
+                <a:spcPct val="100000"/>
+              </a:lnSpc>
+            </a:pPr>
+            <a:r>
+              <a:rPr lang="en-US" sz="1100" dirty="0">
+                <a:latin typeface="Times New Roman" panose="02020603050405020304" pitchFamily="18" charset="0"/>
+                <a:cs typeface="Times New Roman" panose="02020603050405020304" pitchFamily="18" charset="0"/>
+              </a:rPr>
+              <a:t>Unseen instructions with unseen attributes (UI)</a:t>
+            </a:r>
+          </a:p>
+          <a:p>
+            <a:pPr lvl="1">
+              <a:lnSpc>
+                <a:spcPct val="100000"/>
+              </a:lnSpc>
+            </a:pPr>
+            <a:r>
+              <a:rPr lang="en-US" sz="1100" dirty="0">
+                <a:latin typeface="Times New Roman" panose="02020603050405020304" pitchFamily="18" charset="0"/>
+                <a:cs typeface="Times New Roman" panose="02020603050405020304" pitchFamily="18" charset="0"/>
+              </a:rPr>
+              <a:t>For lifelong setup</a:t>
+            </a:r>
+          </a:p>
+          <a:p>
+            <a:pPr lvl="2">
+              <a:lnSpc>
+                <a:spcPct val="100000"/>
+              </a:lnSpc>
+            </a:pPr>
+            <a:r>
+              <a:rPr lang="en-US" sz="1100" dirty="0">
+                <a:latin typeface="Times New Roman" panose="02020603050405020304" pitchFamily="18" charset="0"/>
+                <a:cs typeface="Times New Roman" panose="02020603050405020304" pitchFamily="18" charset="0"/>
+              </a:rPr>
+              <a:t>Forward-transfer</a:t>
+            </a:r>
+          </a:p>
+          <a:p>
+            <a:pPr lvl="2">
+              <a:lnSpc>
+                <a:spcPct val="100000"/>
+              </a:lnSpc>
+            </a:pPr>
+            <a:r>
+              <a:rPr lang="en-US" sz="1100" dirty="0">
+                <a:latin typeface="Times New Roman" panose="02020603050405020304" pitchFamily="18" charset="0"/>
+                <a:cs typeface="Times New Roman" panose="02020603050405020304" pitchFamily="18" charset="0"/>
+              </a:rPr>
+              <a:t>Backward-transfer</a:t>
+            </a:r>
+          </a:p>
+          <a:p>
+            <a:pPr>
+              <a:lnSpc>
+                <a:spcPct val="100000"/>
+              </a:lnSpc>
+            </a:pPr>
+            <a:r>
+              <a:rPr lang="en-US" sz="1400" dirty="0">
+                <a:latin typeface="Times New Roman" panose="02020603050405020304" pitchFamily="18" charset="0"/>
+                <a:cs typeface="Times New Roman" panose="02020603050405020304" pitchFamily="18" charset="0"/>
+              </a:rPr>
+              <a:t>Baselines</a:t>
+            </a:r>
+          </a:p>
+          <a:p>
+            <a:pPr lvl="1">
+              <a:lnSpc>
+                <a:spcPct val="100000"/>
+              </a:lnSpc>
+            </a:pPr>
+            <a:r>
+              <a:rPr lang="en-US" sz="1100" dirty="0" err="1">
                 <a:latin typeface="Times New Roman" panose="02020603050405020304" pitchFamily="18" charset="0"/>
                 <a:cs typeface="Times New Roman" panose="02020603050405020304" pitchFamily="18" charset="0"/>
               </a:rPr>
               <a:t>CLIPort</a:t>
             </a:r>
-            <a:endParaRPr lang="en-US" dirty="0">
+            <a:endParaRPr lang="en-US" sz="1100" dirty="0">
               <a:latin typeface="Times New Roman" panose="02020603050405020304" pitchFamily="18" charset="0"/>
               <a:cs typeface="Times New Roman" panose="02020603050405020304" pitchFamily="18" charset="0"/>
             </a:endParaRPr>
           </a:p>
           <a:p>
-            <a:pPr lvl="2">
+            <a:pPr lvl="1">
               <a:lnSpc>
                 <a:spcPct val="100000"/>
               </a:lnSpc>
             </a:pPr>
             <a:r>
-              <a:rPr lang="en-US" dirty="0">
+              <a:rPr lang="en-US" sz="1100" dirty="0" err="1">
                 <a:latin typeface="Times New Roman" panose="02020603050405020304" pitchFamily="18" charset="0"/>
                 <a:cs typeface="Times New Roman" panose="02020603050405020304" pitchFamily="18" charset="0"/>
               </a:rPr>
-              <a:t>1k trajectories per task</a:t>
-            </a:r>
+              <a:t>CaP</a:t>
+            </a:r>
+            <a:endParaRPr lang="en-US" sz="1100" dirty="0">
+              <a:latin typeface="Times New Roman" panose="02020603050405020304" pitchFamily="18" charset="0"/>
+              <a:cs typeface="Times New Roman" panose="02020603050405020304" pitchFamily="18" charset="0"/>
+            </a:endParaRPr>
           </a:p>
           <a:p>
             <a:pPr lvl="1">
@@ -14332,34 +15446,30 @@
               </a:lnSpc>
             </a:pPr>
             <a:r>
-              <a:rPr lang="en-US" dirty="0">
+              <a:rPr lang="en-US" sz="1100" dirty="0">
                 <a:latin typeface="Times New Roman" panose="02020603050405020304" pitchFamily="18" charset="0"/>
                 <a:cs typeface="Times New Roman" panose="02020603050405020304" pitchFamily="18" charset="0"/>
               </a:rPr>
-              <a:t>LLM-static</a:t>
-            </a:r>
-          </a:p>
-          <a:p>
-            <a:pPr lvl="2">
+              <a:t>LLRL-no-sleep</a:t>
+            </a:r>
+          </a:p>
+          <a:p>
+            <a:pPr lvl="1">
               <a:lnSpc>
                 <a:spcPct val="100000"/>
               </a:lnSpc>
             </a:pPr>
             <a:r>
-              <a:rPr lang="en-US" dirty="0">
+              <a:rPr lang="en-US" sz="1100" dirty="0">
                 <a:latin typeface="Times New Roman" panose="02020603050405020304" pitchFamily="18" charset="0"/>
                 <a:cs typeface="Times New Roman" panose="02020603050405020304" pitchFamily="18" charset="0"/>
               </a:rPr>
-              <a:t>Demos append to prompt</a:t>
-            </a:r>
-          </a:p>
-          <a:p>
-            <a:pPr lvl="1">
-              <a:lnSpc>
-                <a:spcPct val="100000"/>
-              </a:lnSpc>
-            </a:pPr>
-            <a:endParaRPr lang="en-US" sz="1000" dirty="0">
+              <a:t>LLRL-no-wake</a:t>
+            </a:r>
+          </a:p>
+          <a:p>
+            <a:pPr lvl="1"/>
+            <a:endParaRPr lang="en-US" dirty="0">
               <a:latin typeface="Times New Roman" panose="02020603050405020304" pitchFamily="18" charset="0"/>
               <a:cs typeface="Times New Roman" panose="02020603050405020304" pitchFamily="18" charset="0"/>
             </a:endParaRPr>
@@ -14442,75 +15552,10 @@
           </a:p>
         </p:txBody>
       </p:sp>
-      <p:pic>
-        <p:nvPicPr>
-          <p:cNvPr id="7" name="Picture 6">
-            <a:extLst>
-              <a:ext uri="{FF2B5EF4-FFF2-40B4-BE49-F238E27FC236}">
-                <a16:creationId xmlns:a16="http://schemas.microsoft.com/office/drawing/2014/main" id="{90262091-3398-06A6-7F3D-FE95F21E6C5A}"/>
-              </a:ext>
-            </a:extLst>
-          </p:cNvPr>
-          <p:cNvPicPr>
-            <a:picLocks noChangeAspect="1"/>
-          </p:cNvPicPr>
-          <p:nvPr/>
-        </p:nvPicPr>
-        <p:blipFill>
-          <a:blip r:embed="rId2"/>
-          <a:stretch>
-            <a:fillRect/>
-          </a:stretch>
-        </p:blipFill>
-        <p:spPr>
-          <a:xfrm>
-            <a:off x="4572000" y="1671512"/>
-            <a:ext cx="4001058" cy="1800476"/>
-          </a:xfrm>
-          <a:prstGeom prst="rect">
-            <a:avLst/>
-          </a:prstGeom>
-        </p:spPr>
-      </p:pic>
-      <p:sp>
-        <p:nvSpPr>
-          <p:cNvPr id="12" name="TextBox 11">
-            <a:extLst>
-              <a:ext uri="{FF2B5EF4-FFF2-40B4-BE49-F238E27FC236}">
-                <a16:creationId xmlns:a16="http://schemas.microsoft.com/office/drawing/2014/main" id="{FCCEA652-0D54-4630-A0DA-1ABC35206EBE}"/>
-              </a:ext>
-            </a:extLst>
-          </p:cNvPr>
-          <p:cNvSpPr txBox="1"/>
-          <p:nvPr/>
-        </p:nvSpPr>
-        <p:spPr>
-          <a:xfrm>
-            <a:off x="4644362" y="3471988"/>
-            <a:ext cx="3243159" cy="184666"/>
-          </a:xfrm>
-          <a:prstGeom prst="rect">
-            <a:avLst/>
-          </a:prstGeom>
-          <a:noFill/>
-        </p:spPr>
-        <p:txBody>
-          <a:bodyPr wrap="square" rtlCol="0">
-            <a:spAutoFit/>
-          </a:bodyPr>
-          <a:lstStyle/>
-          <a:p>
-            <a:r>
-              <a:rPr lang="en-US" sz="600" dirty="0"/>
-              <a:t>Image taken from Table I of paper</a:t>
-            </a:r>
-          </a:p>
-        </p:txBody>
-      </p:sp>
     </p:spTree>
     <p:extLst>
       <p:ext uri="{BB962C8B-B14F-4D97-AF65-F5344CB8AC3E}">
-        <p14:creationId xmlns:p14="http://schemas.microsoft.com/office/powerpoint/2010/main" val="1299704287"/>
+        <p14:creationId xmlns:p14="http://schemas.microsoft.com/office/powerpoint/2010/main" val="1070569935"/>
       </p:ext>
     </p:extLst>
   </p:cSld>
@@ -14583,27 +15628,167 @@
         </p:nvSpPr>
         <p:spPr>
           <a:xfrm>
-            <a:off x="1446972" y="1515691"/>
-            <a:ext cx="1695814" cy="572700"/>
+            <a:off x="159300" y="1020777"/>
+            <a:ext cx="3919319" cy="3999722"/>
           </a:xfrm>
         </p:spPr>
         <p:txBody>
           <a:bodyPr/>
           <a:lstStyle/>
           <a:p>
-            <a:pPr marL="114300" indent="0">
-              <a:lnSpc>
-                <a:spcPct val="100000"/>
-              </a:lnSpc>
-              <a:buNone/>
+            <a:pPr>
+              <a:lnSpc>
+                <a:spcPct val="100000"/>
+              </a:lnSpc>
             </a:pPr>
             <a:r>
-              <a:rPr lang="en-US" sz="2800" dirty="0">
+              <a:rPr lang="en-US" sz="1400" dirty="0">
                 <a:latin typeface="Times New Roman" panose="02020603050405020304" pitchFamily="18" charset="0"/>
                 <a:cs typeface="Times New Roman" panose="02020603050405020304" pitchFamily="18" charset="0"/>
               </a:rPr>
-              <a:t>Ablation</a:t>
-            </a:r>
+              <a:t>Tabletop Manipulation</a:t>
+            </a:r>
+          </a:p>
+          <a:p>
+            <a:pPr lvl="1">
+              <a:lnSpc>
+                <a:spcPct val="100000"/>
+              </a:lnSpc>
+            </a:pPr>
+            <a:r>
+              <a:rPr lang="en-US" dirty="0">
+                <a:latin typeface="Times New Roman" panose="02020603050405020304" pitchFamily="18" charset="0"/>
+                <a:cs typeface="Times New Roman" panose="02020603050405020304" pitchFamily="18" charset="0"/>
+              </a:rPr>
+              <a:t>Simulated teacher</a:t>
+            </a:r>
+          </a:p>
+          <a:p>
+            <a:pPr lvl="2">
+              <a:lnSpc>
+                <a:spcPct val="100000"/>
+              </a:lnSpc>
+            </a:pPr>
+            <a:r>
+              <a:rPr lang="en-US" dirty="0">
+                <a:latin typeface="Times New Roman" panose="02020603050405020304" pitchFamily="18" charset="0"/>
+                <a:cs typeface="Times New Roman" panose="02020603050405020304" pitchFamily="18" charset="0"/>
+              </a:rPr>
+              <a:t>Generated 5 demonstrations</a:t>
+            </a:r>
+          </a:p>
+          <a:p>
+            <a:pPr lvl="3">
+              <a:lnSpc>
+                <a:spcPct val="100000"/>
+              </a:lnSpc>
+            </a:pPr>
+            <a:r>
+              <a:rPr lang="en-US" dirty="0">
+                <a:latin typeface="Times New Roman" panose="02020603050405020304" pitchFamily="18" charset="0"/>
+                <a:cs typeface="Times New Roman" panose="02020603050405020304" pitchFamily="18" charset="0"/>
+              </a:rPr>
+              <a:t>1 per seen attribute</a:t>
+            </a:r>
+          </a:p>
+          <a:p>
+            <a:pPr lvl="2">
+              <a:lnSpc>
+                <a:spcPct val="100000"/>
+              </a:lnSpc>
+            </a:pPr>
+            <a:r>
+              <a:rPr lang="en-US" dirty="0">
+                <a:latin typeface="Times New Roman" panose="02020603050405020304" pitchFamily="18" charset="0"/>
+                <a:cs typeface="Times New Roman" panose="02020603050405020304" pitchFamily="18" charset="0"/>
+              </a:rPr>
+              <a:t>Multiple test for each cycle</a:t>
+            </a:r>
+          </a:p>
+          <a:p>
+            <a:pPr lvl="3">
+              <a:lnSpc>
+                <a:spcPct val="100000"/>
+              </a:lnSpc>
+            </a:pPr>
+            <a:r>
+              <a:rPr lang="en-US" dirty="0">
+                <a:latin typeface="Times New Roman" panose="02020603050405020304" pitchFamily="18" charset="0"/>
+                <a:cs typeface="Times New Roman" panose="02020603050405020304" pitchFamily="18" charset="0"/>
+              </a:rPr>
+              <a:t>10 per unseen attributes and unseen attributes with unseen instructions</a:t>
+            </a:r>
+          </a:p>
+          <a:p>
+            <a:pPr lvl="1">
+              <a:lnSpc>
+                <a:spcPct val="100000"/>
+              </a:lnSpc>
+            </a:pPr>
+            <a:r>
+              <a:rPr lang="en-US" dirty="0" err="1">
+                <a:latin typeface="Times New Roman" panose="02020603050405020304" pitchFamily="18" charset="0"/>
+                <a:cs typeface="Times New Roman" panose="02020603050405020304" pitchFamily="18" charset="0"/>
+              </a:rPr>
+              <a:t>CLIPort</a:t>
+            </a:r>
+            <a:endParaRPr lang="en-US" dirty="0">
+              <a:latin typeface="Times New Roman" panose="02020603050405020304" pitchFamily="18" charset="0"/>
+              <a:cs typeface="Times New Roman" panose="02020603050405020304" pitchFamily="18" charset="0"/>
+            </a:endParaRPr>
+          </a:p>
+          <a:p>
+            <a:pPr lvl="2">
+              <a:lnSpc>
+                <a:spcPct val="100000"/>
+              </a:lnSpc>
+            </a:pPr>
+            <a:r>
+              <a:rPr lang="en-US" dirty="0">
+                <a:latin typeface="Times New Roman" panose="02020603050405020304" pitchFamily="18" charset="0"/>
+                <a:cs typeface="Times New Roman" panose="02020603050405020304" pitchFamily="18" charset="0"/>
+              </a:rPr>
+              <a:t>1k trajectories per task</a:t>
+            </a:r>
+          </a:p>
+          <a:p>
+            <a:pPr lvl="1">
+              <a:lnSpc>
+                <a:spcPct val="100000"/>
+              </a:lnSpc>
+            </a:pPr>
+            <a:r>
+              <a:rPr lang="en-US" dirty="0">
+                <a:latin typeface="Times New Roman" panose="02020603050405020304" pitchFamily="18" charset="0"/>
+                <a:cs typeface="Times New Roman" panose="02020603050405020304" pitchFamily="18" charset="0"/>
+              </a:rPr>
+              <a:t>LLM-static</a:t>
+            </a:r>
+          </a:p>
+          <a:p>
+            <a:pPr lvl="2">
+              <a:lnSpc>
+                <a:spcPct val="100000"/>
+              </a:lnSpc>
+            </a:pPr>
+            <a:r>
+              <a:rPr lang="en-US" dirty="0">
+                <a:latin typeface="Times New Roman" panose="02020603050405020304" pitchFamily="18" charset="0"/>
+                <a:cs typeface="Times New Roman" panose="02020603050405020304" pitchFamily="18" charset="0"/>
+              </a:rPr>
+              <a:t>Demos append to prompt</a:t>
+            </a:r>
+          </a:p>
+          <a:p>
+            <a:pPr lvl="1">
+              <a:lnSpc>
+                <a:spcPct val="100000"/>
+              </a:lnSpc>
+            </a:pPr>
+            <a:endParaRPr lang="en-US" sz="1000" dirty="0">
+              <a:latin typeface="Times New Roman" panose="02020603050405020304" pitchFamily="18" charset="0"/>
+              <a:cs typeface="Times New Roman" panose="02020603050405020304" pitchFamily="18" charset="0"/>
+            </a:endParaRPr>
           </a:p>
         </p:txBody>
       </p:sp>
@@ -14685,6 +15870,247 @@
       </p:sp>
       <p:pic>
         <p:nvPicPr>
+          <p:cNvPr id="7" name="Picture 6">
+            <a:extLst>
+              <a:ext uri="{FF2B5EF4-FFF2-40B4-BE49-F238E27FC236}">
+                <a16:creationId xmlns:a16="http://schemas.microsoft.com/office/drawing/2014/main" id="{90262091-3398-06A6-7F3D-FE95F21E6C5A}"/>
+              </a:ext>
+            </a:extLst>
+          </p:cNvPr>
+          <p:cNvPicPr>
+            <a:picLocks noChangeAspect="1"/>
+          </p:cNvPicPr>
+          <p:nvPr/>
+        </p:nvPicPr>
+        <p:blipFill>
+          <a:blip r:embed="rId3"/>
+          <a:stretch>
+            <a:fillRect/>
+          </a:stretch>
+        </p:blipFill>
+        <p:spPr>
+          <a:xfrm>
+            <a:off x="4572000" y="1671512"/>
+            <a:ext cx="4001058" cy="1800476"/>
+          </a:xfrm>
+          <a:prstGeom prst="rect">
+            <a:avLst/>
+          </a:prstGeom>
+        </p:spPr>
+      </p:pic>
+      <p:sp>
+        <p:nvSpPr>
+          <p:cNvPr id="12" name="TextBox 11">
+            <a:extLst>
+              <a:ext uri="{FF2B5EF4-FFF2-40B4-BE49-F238E27FC236}">
+                <a16:creationId xmlns:a16="http://schemas.microsoft.com/office/drawing/2014/main" id="{FCCEA652-0D54-4630-A0DA-1ABC35206EBE}"/>
+              </a:ext>
+            </a:extLst>
+          </p:cNvPr>
+          <p:cNvSpPr txBox="1"/>
+          <p:nvPr/>
+        </p:nvSpPr>
+        <p:spPr>
+          <a:xfrm>
+            <a:off x="4644362" y="3471988"/>
+            <a:ext cx="3243159" cy="184666"/>
+          </a:xfrm>
+          <a:prstGeom prst="rect">
+            <a:avLst/>
+          </a:prstGeom>
+          <a:noFill/>
+        </p:spPr>
+        <p:txBody>
+          <a:bodyPr wrap="square" rtlCol="0">
+            <a:spAutoFit/>
+          </a:bodyPr>
+          <a:lstStyle/>
+          <a:p>
+            <a:r>
+              <a:rPr lang="en-US" sz="600" dirty="0"/>
+              <a:t>Image taken from Table I of paper</a:t>
+            </a:r>
+          </a:p>
+        </p:txBody>
+      </p:sp>
+    </p:spTree>
+    <p:extLst>
+      <p:ext uri="{BB962C8B-B14F-4D97-AF65-F5344CB8AC3E}">
+        <p14:creationId xmlns:p14="http://schemas.microsoft.com/office/powerpoint/2010/main" val="1299704287"/>
+      </p:ext>
+    </p:extLst>
+  </p:cSld>
+  <p:clrMapOvr>
+    <a:masterClrMapping/>
+  </p:clrMapOvr>
+</p:sld>
+</file>
+
+<file path=ppt/slides/slide19.xml><?xml version="1.0" encoding="utf-8"?>
+<p:sld xmlns:a="http://schemas.openxmlformats.org/drawingml/2006/main" xmlns:r="http://schemas.openxmlformats.org/officeDocument/2006/relationships" xmlns:p="http://schemas.openxmlformats.org/presentationml/2006/main">
+  <p:cSld>
+    <p:spTree>
+      <p:nvGrpSpPr>
+        <p:cNvPr id="1" name=""/>
+        <p:cNvGrpSpPr/>
+        <p:nvPr/>
+      </p:nvGrpSpPr>
+      <p:grpSpPr>
+        <a:xfrm>
+          <a:off x="0" y="0"/>
+          <a:ext cx="0" cy="0"/>
+          <a:chOff x="0" y="0"/>
+          <a:chExt cx="0" cy="0"/>
+        </a:xfrm>
+      </p:grpSpPr>
+      <p:sp>
+        <p:nvSpPr>
+          <p:cNvPr id="2" name="Title 1">
+            <a:extLst>
+              <a:ext uri="{FF2B5EF4-FFF2-40B4-BE49-F238E27FC236}">
+                <a16:creationId xmlns:a16="http://schemas.microsoft.com/office/drawing/2014/main" id="{91F313CF-3BA8-3908-350D-76C3C3E9EFE2}"/>
+              </a:ext>
+            </a:extLst>
+          </p:cNvPr>
+          <p:cNvSpPr>
+            <a:spLocks noGrp="1"/>
+          </p:cNvSpPr>
+          <p:nvPr>
+            <p:ph type="title"/>
+          </p:nvPr>
+        </p:nvSpPr>
+        <p:spPr/>
+        <p:txBody>
+          <a:bodyPr/>
+          <a:lstStyle/>
+          <a:p>
+            <a:r>
+              <a:rPr lang="en-US" dirty="0"/>
+              <a:t>IV. Experimental Results</a:t>
+            </a:r>
+          </a:p>
+        </p:txBody>
+      </p:sp>
+      <p:sp>
+        <p:nvSpPr>
+          <p:cNvPr id="3" name="Text Placeholder 2">
+            <a:extLst>
+              <a:ext uri="{FF2B5EF4-FFF2-40B4-BE49-F238E27FC236}">
+                <a16:creationId xmlns:a16="http://schemas.microsoft.com/office/drawing/2014/main" id="{C78765BE-E985-6847-E434-EEC6F64318C9}"/>
+              </a:ext>
+            </a:extLst>
+          </p:cNvPr>
+          <p:cNvSpPr>
+            <a:spLocks noGrp="1"/>
+          </p:cNvSpPr>
+          <p:nvPr>
+            <p:ph type="body" idx="1"/>
+          </p:nvPr>
+        </p:nvSpPr>
+        <p:spPr>
+          <a:xfrm>
+            <a:off x="1446972" y="1187445"/>
+            <a:ext cx="1695814" cy="572700"/>
+          </a:xfrm>
+        </p:spPr>
+        <p:txBody>
+          <a:bodyPr/>
+          <a:lstStyle/>
+          <a:p>
+            <a:pPr marL="114300" indent="0">
+              <a:lnSpc>
+                <a:spcPct val="100000"/>
+              </a:lnSpc>
+              <a:buNone/>
+            </a:pPr>
+            <a:r>
+              <a:rPr lang="en-US" sz="2800" dirty="0">
+                <a:latin typeface="Times New Roman" panose="02020603050405020304" pitchFamily="18" charset="0"/>
+                <a:cs typeface="Times New Roman" panose="02020603050405020304" pitchFamily="18" charset="0"/>
+              </a:rPr>
+              <a:t>Ablation</a:t>
+            </a:r>
+          </a:p>
+        </p:txBody>
+      </p:sp>
+      <p:sp>
+        <p:nvSpPr>
+          <p:cNvPr id="4" name="Slide Number Placeholder 3">
+            <a:extLst>
+              <a:ext uri="{FF2B5EF4-FFF2-40B4-BE49-F238E27FC236}">
+                <a16:creationId xmlns:a16="http://schemas.microsoft.com/office/drawing/2014/main" id="{2931AD7A-CACA-C1CD-6BF0-FEEB395F79B4}"/>
+              </a:ext>
+            </a:extLst>
+          </p:cNvPr>
+          <p:cNvSpPr>
+            <a:spLocks noGrp="1"/>
+          </p:cNvSpPr>
+          <p:nvPr>
+            <p:ph type="sldNum" idx="12"/>
+          </p:nvPr>
+        </p:nvSpPr>
+        <p:spPr/>
+        <p:txBody>
+          <a:bodyPr/>
+          <a:lstStyle/>
+          <a:p>
+            <a:pPr marL="0" lvl="0" indent="0" algn="r" rtl="0">
+              <a:spcBef>
+                <a:spcPts val="0"/>
+              </a:spcBef>
+              <a:spcAft>
+                <a:spcPts val="0"/>
+              </a:spcAft>
+              <a:buNone/>
+            </a:pPr>
+            <a:fld id="{00000000-1234-1234-1234-123412341234}" type="slidenum">
+              <a:rPr lang="en" smtClean="0"/>
+              <a:t>19</a:t>
+            </a:fld>
+            <a:endParaRPr lang="en"/>
+          </a:p>
+        </p:txBody>
+      </p:sp>
+      <p:sp>
+        <p:nvSpPr>
+          <p:cNvPr id="5" name="Slide Number Placeholder 4">
+            <a:extLst>
+              <a:ext uri="{FF2B5EF4-FFF2-40B4-BE49-F238E27FC236}">
+                <a16:creationId xmlns:a16="http://schemas.microsoft.com/office/drawing/2014/main" id="{526B02F4-FA15-8789-8ABE-CA48D7551F93}"/>
+              </a:ext>
+            </a:extLst>
+          </p:cNvPr>
+          <p:cNvSpPr>
+            <a:spLocks noGrp="1"/>
+          </p:cNvSpPr>
+          <p:nvPr>
+            <p:ph type="sldNum" idx="2"/>
+          </p:nvPr>
+        </p:nvSpPr>
+        <p:spPr/>
+        <p:txBody>
+          <a:bodyPr/>
+          <a:lstStyle/>
+          <a:p>
+            <a:pPr marL="0" lvl="0" indent="0" algn="r" rtl="0">
+              <a:spcBef>
+                <a:spcPts val="0"/>
+              </a:spcBef>
+              <a:spcAft>
+                <a:spcPts val="0"/>
+              </a:spcAft>
+              <a:buNone/>
+            </a:pPr>
+            <a:fld id="{00000000-1234-1234-1234-123412341234}" type="slidenum">
+              <a:rPr lang="en" smtClean="0"/>
+              <a:t>19</a:t>
+            </a:fld>
+            <a:endParaRPr lang="en"/>
+          </a:p>
+        </p:txBody>
+      </p:sp>
+      <p:pic>
+        <p:nvPicPr>
           <p:cNvPr id="8" name="Picture 7">
             <a:extLst>
               <a:ext uri="{FF2B5EF4-FFF2-40B4-BE49-F238E27FC236}">
@@ -14698,7 +16124,7 @@
           <p:nvPr/>
         </p:nvPicPr>
         <p:blipFill>
-          <a:blip r:embed="rId2"/>
+          <a:blip r:embed="rId3"/>
           <a:stretch>
             <a:fillRect/>
           </a:stretch>
@@ -14763,7 +16189,7 @@
           <p:nvPr/>
         </p:nvPicPr>
         <p:blipFill>
-          <a:blip r:embed="rId3"/>
+          <a:blip r:embed="rId4"/>
           <a:stretch>
             <a:fillRect/>
           </a:stretch>
@@ -14817,146 +16243,6 @@
     <p:extLst>
       <p:ext uri="{BB962C8B-B14F-4D97-AF65-F5344CB8AC3E}">
         <p14:creationId xmlns:p14="http://schemas.microsoft.com/office/powerpoint/2010/main" val="2758122514"/>
-      </p:ext>
-    </p:extLst>
-  </p:cSld>
-  <p:clrMapOvr>
-    <a:masterClrMapping/>
-  </p:clrMapOvr>
-</p:sld>
-</file>
-
-<file path=ppt/slides/slide19.xml><?xml version="1.0" encoding="utf-8"?>
-<p:sld xmlns:a="http://schemas.openxmlformats.org/drawingml/2006/main" xmlns:r="http://schemas.openxmlformats.org/officeDocument/2006/relationships" xmlns:p="http://schemas.openxmlformats.org/presentationml/2006/main">
-  <p:cSld>
-    <p:spTree>
-      <p:nvGrpSpPr>
-        <p:cNvPr id="1" name=""/>
-        <p:cNvGrpSpPr/>
-        <p:nvPr/>
-      </p:nvGrpSpPr>
-      <p:grpSpPr>
-        <a:xfrm>
-          <a:off x="0" y="0"/>
-          <a:ext cx="0" cy="0"/>
-          <a:chOff x="0" y="0"/>
-          <a:chExt cx="0" cy="0"/>
-        </a:xfrm>
-      </p:grpSpPr>
-      <p:sp>
-        <p:nvSpPr>
-          <p:cNvPr id="2" name="Title 1">
-            <a:extLst>
-              <a:ext uri="{FF2B5EF4-FFF2-40B4-BE49-F238E27FC236}">
-                <a16:creationId xmlns:a16="http://schemas.microsoft.com/office/drawing/2014/main" id="{264C50FF-5EEC-751C-5214-2E8481BE80E0}"/>
-              </a:ext>
-            </a:extLst>
-          </p:cNvPr>
-          <p:cNvSpPr>
-            <a:spLocks noGrp="1"/>
-          </p:cNvSpPr>
-          <p:nvPr>
-            <p:ph type="title"/>
-          </p:nvPr>
-        </p:nvSpPr>
-        <p:spPr>
-          <a:xfrm>
-            <a:off x="311700" y="2571750"/>
-            <a:ext cx="8520600" cy="572700"/>
-          </a:xfrm>
-        </p:spPr>
-        <p:txBody>
-          <a:bodyPr/>
-          <a:lstStyle/>
-          <a:p>
-            <a:pPr algn="ctr"/>
-            <a:r>
-              <a:rPr lang="en-US" dirty="0"/>
-              <a:t>V. Strengths</a:t>
-            </a:r>
-          </a:p>
-        </p:txBody>
-      </p:sp>
-      <p:sp>
-        <p:nvSpPr>
-          <p:cNvPr id="4" name="Slide Number Placeholder 3">
-            <a:extLst>
-              <a:ext uri="{FF2B5EF4-FFF2-40B4-BE49-F238E27FC236}">
-                <a16:creationId xmlns:a16="http://schemas.microsoft.com/office/drawing/2014/main" id="{E4D36E30-C87B-06FC-DD57-4D866BF07AA4}"/>
-              </a:ext>
-            </a:extLst>
-          </p:cNvPr>
-          <p:cNvSpPr>
-            <a:spLocks noGrp="1"/>
-          </p:cNvSpPr>
-          <p:nvPr>
-            <p:ph type="sldNum" idx="12"/>
-          </p:nvPr>
-        </p:nvSpPr>
-        <p:spPr/>
-        <p:txBody>
-          <a:bodyPr/>
-          <a:lstStyle/>
-          <a:p>
-            <a:pPr marL="0" lvl="0" indent="0" algn="r" rtl="0">
-              <a:spcBef>
-                <a:spcPts val="0"/>
-              </a:spcBef>
-              <a:spcAft>
-                <a:spcPts val="0"/>
-              </a:spcAft>
-              <a:buNone/>
-            </a:pPr>
-            <a:fld id="{00000000-1234-1234-1234-123412341234}" type="slidenum">
-              <a:rPr lang="en" smtClean="0"/>
-              <a:t>19</a:t>
-            </a:fld>
-            <a:endParaRPr lang="en"/>
-          </a:p>
-        </p:txBody>
-      </p:sp>
-      <p:sp>
-        <p:nvSpPr>
-          <p:cNvPr id="5" name="Slide Number Placeholder 4">
-            <a:extLst>
-              <a:ext uri="{FF2B5EF4-FFF2-40B4-BE49-F238E27FC236}">
-                <a16:creationId xmlns:a16="http://schemas.microsoft.com/office/drawing/2014/main" id="{486C2341-13FF-6811-A640-58468291EB09}"/>
-              </a:ext>
-            </a:extLst>
-          </p:cNvPr>
-          <p:cNvSpPr>
-            <a:spLocks noGrp="1"/>
-          </p:cNvSpPr>
-          <p:nvPr>
-            <p:ph type="sldNum" idx="2"/>
-          </p:nvPr>
-        </p:nvSpPr>
-        <p:spPr/>
-        <p:txBody>
-          <a:bodyPr/>
-          <a:lstStyle/>
-          <a:p>
-            <a:pPr marL="0" lvl="0" indent="0" algn="r" rtl="0">
-              <a:spcBef>
-                <a:spcPts val="0"/>
-              </a:spcBef>
-              <a:spcAft>
-                <a:spcPts val="0"/>
-              </a:spcAft>
-              <a:buNone/>
-            </a:pPr>
-            <a:fld id="{00000000-1234-1234-1234-123412341234}" type="slidenum">
-              <a:rPr lang="en" smtClean="0"/>
-              <a:t>19</a:t>
-            </a:fld>
-            <a:endParaRPr lang="en"/>
-          </a:p>
-        </p:txBody>
-      </p:sp>
-    </p:spTree>
-    <p:extLst>
-      <p:ext uri="{BB962C8B-B14F-4D97-AF65-F5344CB8AC3E}">
-        <p14:creationId xmlns:p14="http://schemas.microsoft.com/office/powerpoint/2010/main" val="278667017"/>
       </p:ext>
     </p:extLst>
   </p:cSld>
@@ -15354,6 +16640,146 @@
           <p:cNvPr id="2" name="Title 1">
             <a:extLst>
               <a:ext uri="{FF2B5EF4-FFF2-40B4-BE49-F238E27FC236}">
+                <a16:creationId xmlns:a16="http://schemas.microsoft.com/office/drawing/2014/main" id="{264C50FF-5EEC-751C-5214-2E8481BE80E0}"/>
+              </a:ext>
+            </a:extLst>
+          </p:cNvPr>
+          <p:cNvSpPr>
+            <a:spLocks noGrp="1"/>
+          </p:cNvSpPr>
+          <p:nvPr>
+            <p:ph type="title"/>
+          </p:nvPr>
+        </p:nvSpPr>
+        <p:spPr>
+          <a:xfrm>
+            <a:off x="311700" y="2571750"/>
+            <a:ext cx="8520600" cy="572700"/>
+          </a:xfrm>
+        </p:spPr>
+        <p:txBody>
+          <a:bodyPr/>
+          <a:lstStyle/>
+          <a:p>
+            <a:pPr algn="ctr"/>
+            <a:r>
+              <a:rPr lang="en-US" dirty="0"/>
+              <a:t>V. Strengths</a:t>
+            </a:r>
+          </a:p>
+        </p:txBody>
+      </p:sp>
+      <p:sp>
+        <p:nvSpPr>
+          <p:cNvPr id="4" name="Slide Number Placeholder 3">
+            <a:extLst>
+              <a:ext uri="{FF2B5EF4-FFF2-40B4-BE49-F238E27FC236}">
+                <a16:creationId xmlns:a16="http://schemas.microsoft.com/office/drawing/2014/main" id="{E4D36E30-C87B-06FC-DD57-4D866BF07AA4}"/>
+              </a:ext>
+            </a:extLst>
+          </p:cNvPr>
+          <p:cNvSpPr>
+            <a:spLocks noGrp="1"/>
+          </p:cNvSpPr>
+          <p:nvPr>
+            <p:ph type="sldNum" idx="12"/>
+          </p:nvPr>
+        </p:nvSpPr>
+        <p:spPr/>
+        <p:txBody>
+          <a:bodyPr/>
+          <a:lstStyle/>
+          <a:p>
+            <a:pPr marL="0" lvl="0" indent="0" algn="r" rtl="0">
+              <a:spcBef>
+                <a:spcPts val="0"/>
+              </a:spcBef>
+              <a:spcAft>
+                <a:spcPts val="0"/>
+              </a:spcAft>
+              <a:buNone/>
+            </a:pPr>
+            <a:fld id="{00000000-1234-1234-1234-123412341234}" type="slidenum">
+              <a:rPr lang="en" smtClean="0"/>
+              <a:t>20</a:t>
+            </a:fld>
+            <a:endParaRPr lang="en"/>
+          </a:p>
+        </p:txBody>
+      </p:sp>
+      <p:sp>
+        <p:nvSpPr>
+          <p:cNvPr id="5" name="Slide Number Placeholder 4">
+            <a:extLst>
+              <a:ext uri="{FF2B5EF4-FFF2-40B4-BE49-F238E27FC236}">
+                <a16:creationId xmlns:a16="http://schemas.microsoft.com/office/drawing/2014/main" id="{486C2341-13FF-6811-A640-58468291EB09}"/>
+              </a:ext>
+            </a:extLst>
+          </p:cNvPr>
+          <p:cNvSpPr>
+            <a:spLocks noGrp="1"/>
+          </p:cNvSpPr>
+          <p:nvPr>
+            <p:ph type="sldNum" idx="2"/>
+          </p:nvPr>
+        </p:nvSpPr>
+        <p:spPr/>
+        <p:txBody>
+          <a:bodyPr/>
+          <a:lstStyle/>
+          <a:p>
+            <a:pPr marL="0" lvl="0" indent="0" algn="r" rtl="0">
+              <a:spcBef>
+                <a:spcPts val="0"/>
+              </a:spcBef>
+              <a:spcAft>
+                <a:spcPts val="0"/>
+              </a:spcAft>
+              <a:buNone/>
+            </a:pPr>
+            <a:fld id="{00000000-1234-1234-1234-123412341234}" type="slidenum">
+              <a:rPr lang="en" smtClean="0"/>
+              <a:t>20</a:t>
+            </a:fld>
+            <a:endParaRPr lang="en"/>
+          </a:p>
+        </p:txBody>
+      </p:sp>
+    </p:spTree>
+    <p:extLst>
+      <p:ext uri="{BB962C8B-B14F-4D97-AF65-F5344CB8AC3E}">
+        <p14:creationId xmlns:p14="http://schemas.microsoft.com/office/powerpoint/2010/main" val="278667017"/>
+      </p:ext>
+    </p:extLst>
+  </p:cSld>
+  <p:clrMapOvr>
+    <a:masterClrMapping/>
+  </p:clrMapOvr>
+</p:sld>
+</file>
+
+<file path=ppt/slides/slide21.xml><?xml version="1.0" encoding="utf-8"?>
+<p:sld xmlns:a="http://schemas.openxmlformats.org/drawingml/2006/main" xmlns:r="http://schemas.openxmlformats.org/officeDocument/2006/relationships" xmlns:p="http://schemas.openxmlformats.org/presentationml/2006/main">
+  <p:cSld>
+    <p:spTree>
+      <p:nvGrpSpPr>
+        <p:cNvPr id="1" name=""/>
+        <p:cNvGrpSpPr/>
+        <p:nvPr/>
+      </p:nvGrpSpPr>
+      <p:grpSpPr>
+        <a:xfrm>
+          <a:off x="0" y="0"/>
+          <a:ext cx="0" cy="0"/>
+          <a:chOff x="0" y="0"/>
+          <a:chExt cx="0" cy="0"/>
+        </a:xfrm>
+      </p:grpSpPr>
+      <p:sp>
+        <p:nvSpPr>
+          <p:cNvPr id="2" name="Title 1">
+            <a:extLst>
+              <a:ext uri="{FF2B5EF4-FFF2-40B4-BE49-F238E27FC236}">
                 <a16:creationId xmlns:a16="http://schemas.microsoft.com/office/drawing/2014/main" id="{7CC392F4-0363-EFD5-FA3E-1FEC4AAB5612}"/>
               </a:ext>
             </a:extLst>
@@ -15475,7 +16901,7 @@
             </a:pPr>
             <a:fld id="{00000000-1234-1234-1234-123412341234}" type="slidenum">
               <a:rPr lang="en" smtClean="0"/>
-              <a:t>20</a:t>
+              <a:t>21</a:t>
             </a:fld>
             <a:endParaRPr lang="en"/>
           </a:p>
@@ -15513,7 +16939,7 @@
             </a:pPr>
             <a:fld id="{00000000-1234-1234-1234-123412341234}" type="slidenum">
               <a:rPr lang="en" smtClean="0"/>
-              <a:t>20</a:t>
+              <a:t>21</a:t>
             </a:fld>
             <a:endParaRPr lang="en"/>
           </a:p>
@@ -15532,7 +16958,7 @@
 </p:sld>
 </file>
 
-<file path=ppt/slides/slide21.xml><?xml version="1.0" encoding="utf-8"?>
+<file path=ppt/slides/slide22.xml><?xml version="1.0" encoding="utf-8"?>
 <p:sld xmlns:a="http://schemas.openxmlformats.org/drawingml/2006/main" xmlns:r="http://schemas.openxmlformats.org/officeDocument/2006/relationships" xmlns:p="http://schemas.openxmlformats.org/presentationml/2006/main">
   <p:cSld>
     <p:spTree>
@@ -15615,7 +17041,7 @@
             </a:pPr>
             <a:fld id="{00000000-1234-1234-1234-123412341234}" type="slidenum">
               <a:rPr lang="en" smtClean="0"/>
-              <a:t>21</a:t>
+              <a:t>22</a:t>
             </a:fld>
             <a:endParaRPr lang="en"/>
           </a:p>
@@ -15653,7 +17079,7 @@
             </a:pPr>
             <a:fld id="{00000000-1234-1234-1234-123412341234}" type="slidenum">
               <a:rPr lang="en" smtClean="0"/>
-              <a:t>21</a:t>
+              <a:t>22</a:t>
             </a:fld>
             <a:endParaRPr lang="en"/>
           </a:p>
@@ -15672,7 +17098,7 @@
 </p:sld>
 </file>
 
-<file path=ppt/slides/slide22.xml><?xml version="1.0" encoding="utf-8"?>
+<file path=ppt/slides/slide23.xml><?xml version="1.0" encoding="utf-8"?>
 <p:sld xmlns:a="http://schemas.openxmlformats.org/drawingml/2006/main" xmlns:r="http://schemas.openxmlformats.org/officeDocument/2006/relationships" xmlns:p="http://schemas.openxmlformats.org/presentationml/2006/main">
   <p:cSld>
     <p:spTree>
@@ -15800,7 +17226,7 @@
             </a:pPr>
             <a:fld id="{00000000-1234-1234-1234-123412341234}" type="slidenum">
               <a:rPr lang="en" smtClean="0"/>
-              <a:t>22</a:t>
+              <a:t>23</a:t>
             </a:fld>
             <a:endParaRPr lang="en"/>
           </a:p>
@@ -15838,7 +17264,7 @@
             </a:pPr>
             <a:fld id="{00000000-1234-1234-1234-123412341234}" type="slidenum">
               <a:rPr lang="en" smtClean="0"/>
-              <a:t>22</a:t>
+              <a:t>23</a:t>
             </a:fld>
             <a:endParaRPr lang="en"/>
           </a:p>
@@ -15857,7 +17283,7 @@
 </p:sld>
 </file>
 
-<file path=ppt/slides/slide23.xml><?xml version="1.0" encoding="utf-8"?>
+<file path=ppt/slides/slide24.xml><?xml version="1.0" encoding="utf-8"?>
 <p:sld xmlns:a="http://schemas.openxmlformats.org/drawingml/2006/main" xmlns:r="http://schemas.openxmlformats.org/officeDocument/2006/relationships" xmlns:p="http://schemas.openxmlformats.org/presentationml/2006/main">
   <p:cSld>
     <p:spTree>
@@ -15940,7 +17366,7 @@
             </a:pPr>
             <a:fld id="{00000000-1234-1234-1234-123412341234}" type="slidenum">
               <a:rPr lang="en" smtClean="0"/>
-              <a:t>23</a:t>
+              <a:t>24</a:t>
             </a:fld>
             <a:endParaRPr lang="en"/>
           </a:p>
@@ -15978,7 +17404,7 @@
             </a:pPr>
             <a:fld id="{00000000-1234-1234-1234-123412341234}" type="slidenum">
               <a:rPr lang="en" smtClean="0"/>
-              <a:t>23</a:t>
+              <a:t>24</a:t>
             </a:fld>
             <a:endParaRPr lang="en"/>
           </a:p>
@@ -15997,7 +17423,7 @@
 </p:sld>
 </file>
 
-<file path=ppt/slides/slide24.xml><?xml version="1.0" encoding="utf-8"?>
+<file path=ppt/slides/slide25.xml><?xml version="1.0" encoding="utf-8"?>
 <p:sld xmlns:a="http://schemas.openxmlformats.org/drawingml/2006/main" xmlns:r="http://schemas.openxmlformats.org/officeDocument/2006/relationships" xmlns:p="http://schemas.openxmlformats.org/presentationml/2006/main">
   <p:cSld>
     <p:spTree>
@@ -16131,7 +17557,7 @@
             </a:pPr>
             <a:fld id="{00000000-1234-1234-1234-123412341234}" type="slidenum">
               <a:rPr lang="en" smtClean="0"/>
-              <a:t>24</a:t>
+              <a:t>25</a:t>
             </a:fld>
             <a:endParaRPr lang="en"/>
           </a:p>
@@ -16169,7 +17595,7 @@
             </a:pPr>
             <a:fld id="{00000000-1234-1234-1234-123412341234}" type="slidenum">
               <a:rPr lang="en" smtClean="0"/>
-              <a:t>24</a:t>
+              <a:t>25</a:t>
             </a:fld>
             <a:endParaRPr lang="en"/>
           </a:p>
@@ -16179,6 +17605,165 @@
     <p:extLst>
       <p:ext uri="{BB962C8B-B14F-4D97-AF65-F5344CB8AC3E}">
         <p14:creationId xmlns:p14="http://schemas.microsoft.com/office/powerpoint/2010/main" val="935124095"/>
+      </p:ext>
+    </p:extLst>
+  </p:cSld>
+  <p:clrMapOvr>
+    <a:masterClrMapping/>
+  </p:clrMapOvr>
+</p:sld>
+</file>
+
+<file path=ppt/slides/slide26.xml><?xml version="1.0" encoding="utf-8"?>
+<p:sld xmlns:a="http://schemas.openxmlformats.org/drawingml/2006/main" xmlns:r="http://schemas.openxmlformats.org/officeDocument/2006/relationships" xmlns:p="http://schemas.openxmlformats.org/presentationml/2006/main">
+  <p:cSld>
+    <p:spTree>
+      <p:nvGrpSpPr>
+        <p:cNvPr id="1" name=""/>
+        <p:cNvGrpSpPr/>
+        <p:nvPr/>
+      </p:nvGrpSpPr>
+      <p:grpSpPr>
+        <a:xfrm>
+          <a:off x="0" y="0"/>
+          <a:ext cx="0" cy="0"/>
+          <a:chOff x="0" y="0"/>
+          <a:chExt cx="0" cy="0"/>
+        </a:xfrm>
+      </p:grpSpPr>
+      <p:sp>
+        <p:nvSpPr>
+          <p:cNvPr id="2" name="Title 1">
+            <a:extLst>
+              <a:ext uri="{FF2B5EF4-FFF2-40B4-BE49-F238E27FC236}">
+                <a16:creationId xmlns:a16="http://schemas.microsoft.com/office/drawing/2014/main" id="{83B8177B-49C4-45D5-3359-77DD3AA09343}"/>
+              </a:ext>
+            </a:extLst>
+          </p:cNvPr>
+          <p:cNvSpPr>
+            <a:spLocks noGrp="1"/>
+          </p:cNvSpPr>
+          <p:nvPr>
+            <p:ph type="title"/>
+          </p:nvPr>
+        </p:nvSpPr>
+        <p:spPr/>
+        <p:txBody>
+          <a:bodyPr/>
+          <a:lstStyle/>
+          <a:p>
+            <a:r>
+              <a:rPr lang="en-US" dirty="0"/>
+              <a:t>Discussion Questions</a:t>
+            </a:r>
+          </a:p>
+        </p:txBody>
+      </p:sp>
+      <p:sp>
+        <p:nvSpPr>
+          <p:cNvPr id="3" name="Text Placeholder 2">
+            <a:extLst>
+              <a:ext uri="{FF2B5EF4-FFF2-40B4-BE49-F238E27FC236}">
+                <a16:creationId xmlns:a16="http://schemas.microsoft.com/office/drawing/2014/main" id="{B90E4A76-8A98-2B7C-66D3-C9E7051BE235}"/>
+              </a:ext>
+            </a:extLst>
+          </p:cNvPr>
+          <p:cNvSpPr>
+            <a:spLocks noGrp="1"/>
+          </p:cNvSpPr>
+          <p:nvPr>
+            <p:ph type="body" idx="1"/>
+          </p:nvPr>
+        </p:nvSpPr>
+        <p:spPr/>
+        <p:txBody>
+          <a:bodyPr/>
+          <a:lstStyle/>
+          <a:p>
+            <a:endParaRPr lang="en-US" dirty="0"/>
+          </a:p>
+        </p:txBody>
+      </p:sp>
+      <p:sp>
+        <p:nvSpPr>
+          <p:cNvPr id="4" name="Slide Number Placeholder 3">
+            <a:extLst>
+              <a:ext uri="{FF2B5EF4-FFF2-40B4-BE49-F238E27FC236}">
+                <a16:creationId xmlns:a16="http://schemas.microsoft.com/office/drawing/2014/main" id="{99D67C50-C2FE-B4B1-04CC-C4540FEFEE29}"/>
+              </a:ext>
+            </a:extLst>
+          </p:cNvPr>
+          <p:cNvSpPr>
+            <a:spLocks noGrp="1"/>
+          </p:cNvSpPr>
+          <p:nvPr>
+            <p:ph type="sldNum" idx="12"/>
+          </p:nvPr>
+        </p:nvSpPr>
+        <p:spPr/>
+        <p:txBody>
+          <a:bodyPr/>
+          <a:lstStyle/>
+          <a:p>
+            <a:pPr marL="0" lvl="0" indent="0" algn="r" rtl="0">
+              <a:spcBef>
+                <a:spcPts val="0"/>
+              </a:spcBef>
+              <a:spcAft>
+                <a:spcPts val="0"/>
+              </a:spcAft>
+              <a:buNone/>
+            </a:pPr>
+            <a:fld id="{00000000-1234-1234-1234-123412341234}" type="slidenum">
+              <a:rPr lang="en" smtClean="0"/>
+              <a:t>26</a:t>
+            </a:fld>
+            <a:endParaRPr lang="en"/>
+          </a:p>
+        </p:txBody>
+      </p:sp>
+      <p:sp>
+        <p:nvSpPr>
+          <p:cNvPr id="5" name="Slide Number Placeholder 4">
+            <a:extLst>
+              <a:ext uri="{FF2B5EF4-FFF2-40B4-BE49-F238E27FC236}">
+                <a16:creationId xmlns:a16="http://schemas.microsoft.com/office/drawing/2014/main" id="{0894282D-7A03-8948-C2E5-16A1D7A37335}"/>
+              </a:ext>
+            </a:extLst>
+          </p:cNvPr>
+          <p:cNvSpPr>
+            <a:spLocks noGrp="1"/>
+          </p:cNvSpPr>
+          <p:nvPr>
+            <p:ph type="sldNum" idx="2"/>
+          </p:nvPr>
+        </p:nvSpPr>
+        <p:spPr/>
+        <p:txBody>
+          <a:bodyPr/>
+          <a:lstStyle/>
+          <a:p>
+            <a:pPr marL="0" lvl="0" indent="0" algn="r" rtl="0">
+              <a:spcBef>
+                <a:spcPts val="0"/>
+              </a:spcBef>
+              <a:spcAft>
+                <a:spcPts val="0"/>
+              </a:spcAft>
+              <a:buNone/>
+            </a:pPr>
+            <a:fld id="{00000000-1234-1234-1234-123412341234}" type="slidenum">
+              <a:rPr lang="en" smtClean="0"/>
+              <a:t>26</a:t>
+            </a:fld>
+            <a:endParaRPr lang="en"/>
+          </a:p>
+        </p:txBody>
+      </p:sp>
+    </p:spTree>
+    <p:extLst>
+      <p:ext uri="{BB962C8B-B14F-4D97-AF65-F5344CB8AC3E}">
+        <p14:creationId xmlns:p14="http://schemas.microsoft.com/office/powerpoint/2010/main" val="338761287"/>
       </p:ext>
     </p:extLst>
   </p:cSld>
@@ -16860,23 +18445,51 @@
           <a:p>
             <a:pPr lvl="1"/>
             <a:r>
+              <a:rPr lang="en-US" b="1" dirty="0"/>
+              <a:t>Finetuning</a:t>
+            </a:r>
+            <a:r>
               <a:rPr lang="en-US" dirty="0"/>
-              <a:t>Finetuning: process of finding the best value for nontrainable parameters</a:t>
+              <a:t>: process of finding the best value for nontrainable parameters</a:t>
             </a:r>
           </a:p>
           <a:p>
             <a:pPr lvl="1"/>
             <a:r>
+              <a:rPr lang="en-US" b="1" dirty="0"/>
+              <a:t>Gradient-based optimization</a:t>
+            </a:r>
+            <a:r>
               <a:rPr lang="en-US" dirty="0"/>
-              <a:t>Gradient-based optimization: the use of gradients to optimize an objective function</a:t>
+              <a:t>: the use of gradients to optimize an objective function</a:t>
             </a:r>
           </a:p>
           <a:p>
             <a:pPr lvl="1"/>
             <a:r>
+              <a:rPr lang="en-US" b="1" dirty="0"/>
+              <a:t>Large Language Models (LLM): </a:t>
+            </a:r>
+            <a:r>
               <a:rPr lang="en-US" dirty="0"/>
-              <a:t>Large Language Models (LLM): a type of machine learning algorithm that generates natural language and others</a:t>
-            </a:r>
+              <a:t>a type of machine learning algorithm that generates natural language and others</a:t>
+            </a:r>
+          </a:p>
+          <a:p>
+            <a:pPr lvl="1"/>
+            <a:r>
+              <a:rPr lang="en-US" b="1" dirty="0"/>
+              <a:t>Bootstrapping</a:t>
+            </a:r>
+            <a:r>
+              <a:rPr lang="en-US" dirty="0"/>
+              <a:t>: sampling with </a:t>
+            </a:r>
+            <a:r>
+              <a:rPr lang="en-US" dirty="0" err="1"/>
+              <a:t>replacment</a:t>
+            </a:r>
+            <a:endParaRPr lang="en-US" dirty="0"/>
           </a:p>
           <a:p>
             <a:r>
@@ -16887,22 +18500,34 @@
           <a:p>
             <a:pPr lvl="1"/>
             <a:r>
+              <a:rPr lang="en-US" b="1" dirty="0"/>
+              <a:t>Abstract Syntax Tree (AST)</a:t>
+            </a:r>
+            <a:r>
               <a:rPr lang="en-US" dirty="0"/>
-              <a:t>Abstract Syntax Tree (AST): a tree representation of code</a:t>
+              <a:t>: a tree representation of code</a:t>
             </a:r>
           </a:p>
           <a:p>
             <a:pPr lvl="1"/>
             <a:r>
+              <a:rPr lang="en-US" b="1" dirty="0"/>
+              <a:t>Cluster</a:t>
+            </a:r>
+            <a:r>
               <a:rPr lang="en-US" dirty="0"/>
-              <a:t>Cluster: a group of objects that are similar to each other</a:t>
+              <a:t>: a group of objects that are similar to each other</a:t>
             </a:r>
           </a:p>
           <a:p>
             <a:pPr lvl="1"/>
             <a:r>
+              <a:rPr lang="en-US" b="1" dirty="0"/>
+              <a:t>Chain-of-thought</a:t>
+            </a:r>
+            <a:r>
               <a:rPr lang="en-US" dirty="0"/>
-              <a:t>Chain-of-thought: process of approaching a task step-by-step</a:t>
+              <a:t>: process of approaching a task step-by-step</a:t>
             </a:r>
           </a:p>
           <a:p>
@@ -17170,6 +18795,776 @@
           <p:cNvPr id="2" name="Title 1">
             <a:extLst>
               <a:ext uri="{FF2B5EF4-FFF2-40B4-BE49-F238E27FC236}">
+                <a16:creationId xmlns:a16="http://schemas.microsoft.com/office/drawing/2014/main" id="{64A949E5-1138-5D73-59DE-1732A7979DAF}"/>
+              </a:ext>
+            </a:extLst>
+          </p:cNvPr>
+          <p:cNvSpPr>
+            <a:spLocks noGrp="1"/>
+          </p:cNvSpPr>
+          <p:nvPr>
+            <p:ph type="title"/>
+          </p:nvPr>
+        </p:nvSpPr>
+        <p:spPr/>
+        <p:txBody>
+          <a:bodyPr/>
+          <a:lstStyle/>
+          <a:p>
+            <a:r>
+              <a:rPr lang="en-US" dirty="0"/>
+              <a:t>III. How LRLL works?</a:t>
+            </a:r>
+          </a:p>
+        </p:txBody>
+      </p:sp>
+      <p:sp>
+        <p:nvSpPr>
+          <p:cNvPr id="4" name="Slide Number Placeholder 3">
+            <a:extLst>
+              <a:ext uri="{FF2B5EF4-FFF2-40B4-BE49-F238E27FC236}">
+                <a16:creationId xmlns:a16="http://schemas.microsoft.com/office/drawing/2014/main" id="{A91507D9-4242-D0B2-DB5F-71A1E67E1778}"/>
+              </a:ext>
+            </a:extLst>
+          </p:cNvPr>
+          <p:cNvSpPr>
+            <a:spLocks noGrp="1"/>
+          </p:cNvSpPr>
+          <p:nvPr>
+            <p:ph type="sldNum" idx="12"/>
+          </p:nvPr>
+        </p:nvSpPr>
+        <p:spPr/>
+        <p:txBody>
+          <a:bodyPr/>
+          <a:lstStyle/>
+          <a:p>
+            <a:pPr marL="0" lvl="0" indent="0" algn="r" rtl="0">
+              <a:spcBef>
+                <a:spcPts val="0"/>
+              </a:spcBef>
+              <a:spcAft>
+                <a:spcPts val="0"/>
+              </a:spcAft>
+              <a:buNone/>
+            </a:pPr>
+            <a:fld id="{00000000-1234-1234-1234-123412341234}" type="slidenum">
+              <a:rPr lang="en" smtClean="0"/>
+              <a:t>8</a:t>
+            </a:fld>
+            <a:endParaRPr lang="en"/>
+          </a:p>
+        </p:txBody>
+      </p:sp>
+      <p:sp>
+        <p:nvSpPr>
+          <p:cNvPr id="5" name="Slide Number Placeholder 4">
+            <a:extLst>
+              <a:ext uri="{FF2B5EF4-FFF2-40B4-BE49-F238E27FC236}">
+                <a16:creationId xmlns:a16="http://schemas.microsoft.com/office/drawing/2014/main" id="{38DE6CF6-7641-D0B4-C742-3842A9986D9E}"/>
+              </a:ext>
+            </a:extLst>
+          </p:cNvPr>
+          <p:cNvSpPr>
+            <a:spLocks noGrp="1"/>
+          </p:cNvSpPr>
+          <p:nvPr>
+            <p:ph type="sldNum" idx="2"/>
+          </p:nvPr>
+        </p:nvSpPr>
+        <p:spPr/>
+        <p:txBody>
+          <a:bodyPr/>
+          <a:lstStyle/>
+          <a:p>
+            <a:pPr marL="0" lvl="0" indent="0" algn="r" rtl="0">
+              <a:spcBef>
+                <a:spcPts val="0"/>
+              </a:spcBef>
+              <a:spcAft>
+                <a:spcPts val="0"/>
+              </a:spcAft>
+              <a:buNone/>
+            </a:pPr>
+            <a:fld id="{00000000-1234-1234-1234-123412341234}" type="slidenum">
+              <a:rPr lang="en" smtClean="0"/>
+              <a:t>8</a:t>
+            </a:fld>
+            <a:endParaRPr lang="en"/>
+          </a:p>
+        </p:txBody>
+      </p:sp>
+      <p:pic>
+        <p:nvPicPr>
+          <p:cNvPr id="9" name="Picture 8">
+            <a:extLst>
+              <a:ext uri="{FF2B5EF4-FFF2-40B4-BE49-F238E27FC236}">
+                <a16:creationId xmlns:a16="http://schemas.microsoft.com/office/drawing/2014/main" id="{7D2D2082-B904-B5C7-EBE8-9FD95DED52F8}"/>
+              </a:ext>
+            </a:extLst>
+          </p:cNvPr>
+          <p:cNvPicPr>
+            <a:picLocks noChangeAspect="1"/>
+          </p:cNvPicPr>
+          <p:nvPr/>
+        </p:nvPicPr>
+        <p:blipFill>
+          <a:blip r:embed="rId3"/>
+          <a:stretch>
+            <a:fillRect/>
+          </a:stretch>
+        </p:blipFill>
+        <p:spPr>
+          <a:xfrm>
+            <a:off x="235500" y="3338368"/>
+            <a:ext cx="2548421" cy="539831"/>
+          </a:xfrm>
+          <a:prstGeom prst="rect">
+            <a:avLst/>
+          </a:prstGeom>
+        </p:spPr>
+      </p:pic>
+      <p:pic>
+        <p:nvPicPr>
+          <p:cNvPr id="11" name="Picture 10">
+            <a:extLst>
+              <a:ext uri="{FF2B5EF4-FFF2-40B4-BE49-F238E27FC236}">
+                <a16:creationId xmlns:a16="http://schemas.microsoft.com/office/drawing/2014/main" id="{E5E6E582-45B1-E610-9292-68CCF519307A}"/>
+              </a:ext>
+            </a:extLst>
+          </p:cNvPr>
+          <p:cNvPicPr>
+            <a:picLocks noChangeAspect="1"/>
+          </p:cNvPicPr>
+          <p:nvPr/>
+        </p:nvPicPr>
+        <p:blipFill>
+          <a:blip r:embed="rId4"/>
+          <a:stretch>
+            <a:fillRect/>
+          </a:stretch>
+        </p:blipFill>
+        <p:spPr>
+          <a:xfrm>
+            <a:off x="4407307" y="3230967"/>
+            <a:ext cx="645456" cy="1228725"/>
+          </a:xfrm>
+          <a:prstGeom prst="rect">
+            <a:avLst/>
+          </a:prstGeom>
+        </p:spPr>
+      </p:pic>
+      <p:pic>
+        <p:nvPicPr>
+          <p:cNvPr id="13" name="Picture 12">
+            <a:extLst>
+              <a:ext uri="{FF2B5EF4-FFF2-40B4-BE49-F238E27FC236}">
+                <a16:creationId xmlns:a16="http://schemas.microsoft.com/office/drawing/2014/main" id="{B451F1D2-D60C-46C7-E92B-ECC284588280}"/>
+              </a:ext>
+            </a:extLst>
+          </p:cNvPr>
+          <p:cNvPicPr>
+            <a:picLocks noChangeAspect="1"/>
+          </p:cNvPicPr>
+          <p:nvPr/>
+        </p:nvPicPr>
+        <p:blipFill>
+          <a:blip r:embed="rId5"/>
+          <a:stretch>
+            <a:fillRect/>
+          </a:stretch>
+        </p:blipFill>
+        <p:spPr>
+          <a:xfrm>
+            <a:off x="7665594" y="3189305"/>
+            <a:ext cx="792860" cy="1228726"/>
+          </a:xfrm>
+          <a:prstGeom prst="rect">
+            <a:avLst/>
+          </a:prstGeom>
+        </p:spPr>
+      </p:pic>
+      <p:pic>
+        <p:nvPicPr>
+          <p:cNvPr id="15" name="Picture 14">
+            <a:extLst>
+              <a:ext uri="{FF2B5EF4-FFF2-40B4-BE49-F238E27FC236}">
+                <a16:creationId xmlns:a16="http://schemas.microsoft.com/office/drawing/2014/main" id="{CFBF7699-CEE0-7796-CC90-178AF64BB5A6}"/>
+              </a:ext>
+            </a:extLst>
+          </p:cNvPr>
+          <p:cNvPicPr>
+            <a:picLocks noChangeAspect="1"/>
+          </p:cNvPicPr>
+          <p:nvPr/>
+        </p:nvPicPr>
+        <p:blipFill>
+          <a:blip r:embed="rId6"/>
+          <a:stretch>
+            <a:fillRect/>
+          </a:stretch>
+        </p:blipFill>
+        <p:spPr>
+          <a:xfrm>
+            <a:off x="235499" y="3954399"/>
+            <a:ext cx="2548422" cy="421227"/>
+          </a:xfrm>
+          <a:prstGeom prst="rect">
+            <a:avLst/>
+          </a:prstGeom>
+        </p:spPr>
+      </p:pic>
+      <p:pic>
+        <p:nvPicPr>
+          <p:cNvPr id="17" name="Picture 16">
+            <a:extLst>
+              <a:ext uri="{FF2B5EF4-FFF2-40B4-BE49-F238E27FC236}">
+                <a16:creationId xmlns:a16="http://schemas.microsoft.com/office/drawing/2014/main" id="{4D827A0E-6052-A207-923A-724BDAAB5C17}"/>
+              </a:ext>
+            </a:extLst>
+          </p:cNvPr>
+          <p:cNvPicPr>
+            <a:picLocks noChangeAspect="1"/>
+          </p:cNvPicPr>
+          <p:nvPr/>
+        </p:nvPicPr>
+        <p:blipFill>
+          <a:blip r:embed="rId7"/>
+          <a:stretch>
+            <a:fillRect/>
+          </a:stretch>
+        </p:blipFill>
+        <p:spPr>
+          <a:xfrm>
+            <a:off x="6873580" y="3845330"/>
+            <a:ext cx="641750" cy="572701"/>
+          </a:xfrm>
+          <a:prstGeom prst="rect">
+            <a:avLst/>
+          </a:prstGeom>
+        </p:spPr>
+      </p:pic>
+      <p:pic>
+        <p:nvPicPr>
+          <p:cNvPr id="19" name="Picture 18">
+            <a:extLst>
+              <a:ext uri="{FF2B5EF4-FFF2-40B4-BE49-F238E27FC236}">
+                <a16:creationId xmlns:a16="http://schemas.microsoft.com/office/drawing/2014/main" id="{969AF2B0-3752-756A-716E-AB3E039AE33C}"/>
+              </a:ext>
+            </a:extLst>
+          </p:cNvPr>
+          <p:cNvPicPr>
+            <a:picLocks noChangeAspect="1"/>
+          </p:cNvPicPr>
+          <p:nvPr/>
+        </p:nvPicPr>
+        <p:blipFill>
+          <a:blip r:embed="rId8"/>
+          <a:stretch>
+            <a:fillRect/>
+          </a:stretch>
+        </p:blipFill>
+        <p:spPr>
+          <a:xfrm>
+            <a:off x="4395015" y="2039830"/>
+            <a:ext cx="670041" cy="920247"/>
+          </a:xfrm>
+          <a:prstGeom prst="rect">
+            <a:avLst/>
+          </a:prstGeom>
+        </p:spPr>
+      </p:pic>
+      <p:pic>
+        <p:nvPicPr>
+          <p:cNvPr id="21" name="Picture 20">
+            <a:extLst>
+              <a:ext uri="{FF2B5EF4-FFF2-40B4-BE49-F238E27FC236}">
+                <a16:creationId xmlns:a16="http://schemas.microsoft.com/office/drawing/2014/main" id="{A560162E-6A7E-A29F-D02F-BD4B084FE904}"/>
+              </a:ext>
+            </a:extLst>
+          </p:cNvPr>
+          <p:cNvPicPr>
+            <a:picLocks noChangeAspect="1"/>
+          </p:cNvPicPr>
+          <p:nvPr/>
+        </p:nvPicPr>
+        <p:blipFill>
+          <a:blip r:embed="rId9"/>
+          <a:stretch>
+            <a:fillRect/>
+          </a:stretch>
+        </p:blipFill>
+        <p:spPr>
+          <a:xfrm>
+            <a:off x="4487673" y="846064"/>
+            <a:ext cx="484723" cy="890730"/>
+          </a:xfrm>
+          <a:prstGeom prst="rect">
+            <a:avLst/>
+          </a:prstGeom>
+        </p:spPr>
+      </p:pic>
+      <p:sp>
+        <p:nvSpPr>
+          <p:cNvPr id="22" name="TextBox 21">
+            <a:extLst>
+              <a:ext uri="{FF2B5EF4-FFF2-40B4-BE49-F238E27FC236}">
+                <a16:creationId xmlns:a16="http://schemas.microsoft.com/office/drawing/2014/main" id="{5CFFCFA3-4343-907A-FB29-CA78F8F49EE6}"/>
+              </a:ext>
+            </a:extLst>
+          </p:cNvPr>
+          <p:cNvSpPr txBox="1"/>
+          <p:nvPr/>
+        </p:nvSpPr>
+        <p:spPr>
+          <a:xfrm>
+            <a:off x="1069179" y="4487800"/>
+            <a:ext cx="881062" cy="307777"/>
+          </a:xfrm>
+          <a:prstGeom prst="rect">
+            <a:avLst/>
+          </a:prstGeom>
+          <a:noFill/>
+        </p:spPr>
+        <p:txBody>
+          <a:bodyPr wrap="square" rtlCol="0">
+            <a:spAutoFit/>
+          </a:bodyPr>
+          <a:lstStyle/>
+          <a:p>
+            <a:r>
+              <a:rPr lang="en-US" b="1" dirty="0">
+                <a:latin typeface="Times New Roman" panose="02020603050405020304" pitchFamily="18" charset="0"/>
+                <a:cs typeface="Times New Roman" panose="02020603050405020304" pitchFamily="18" charset="0"/>
+              </a:rPr>
+              <a:t>Crafting</a:t>
+            </a:r>
+          </a:p>
+        </p:txBody>
+      </p:sp>
+      <p:sp>
+        <p:nvSpPr>
+          <p:cNvPr id="25" name="TextBox 24">
+            <a:extLst>
+              <a:ext uri="{FF2B5EF4-FFF2-40B4-BE49-F238E27FC236}">
+                <a16:creationId xmlns:a16="http://schemas.microsoft.com/office/drawing/2014/main" id="{64809213-CD46-E494-0969-67CABCEAE69D}"/>
+              </a:ext>
+            </a:extLst>
+          </p:cNvPr>
+          <p:cNvSpPr txBox="1"/>
+          <p:nvPr/>
+        </p:nvSpPr>
+        <p:spPr>
+          <a:xfrm>
+            <a:off x="4395015" y="4487800"/>
+            <a:ext cx="724673" cy="307777"/>
+          </a:xfrm>
+          <a:prstGeom prst="rect">
+            <a:avLst/>
+          </a:prstGeom>
+          <a:noFill/>
+        </p:spPr>
+        <p:txBody>
+          <a:bodyPr wrap="square" rtlCol="0">
+            <a:spAutoFit/>
+          </a:bodyPr>
+          <a:lstStyle/>
+          <a:p>
+            <a:r>
+              <a:rPr lang="en-US" b="1" dirty="0">
+                <a:latin typeface="Times New Roman" panose="02020603050405020304" pitchFamily="18" charset="0"/>
+                <a:cs typeface="Times New Roman" panose="02020603050405020304" pitchFamily="18" charset="0"/>
+              </a:rPr>
+              <a:t>Killing</a:t>
+            </a:r>
+          </a:p>
+        </p:txBody>
+      </p:sp>
+      <p:sp>
+        <p:nvSpPr>
+          <p:cNvPr id="26" name="TextBox 25">
+            <a:extLst>
+              <a:ext uri="{FF2B5EF4-FFF2-40B4-BE49-F238E27FC236}">
+                <a16:creationId xmlns:a16="http://schemas.microsoft.com/office/drawing/2014/main" id="{B60805C6-EE97-48F6-B9EB-06DDE4D7210B}"/>
+              </a:ext>
+            </a:extLst>
+          </p:cNvPr>
+          <p:cNvSpPr txBox="1"/>
+          <p:nvPr/>
+        </p:nvSpPr>
+        <p:spPr>
+          <a:xfrm>
+            <a:off x="6783131" y="4487800"/>
+            <a:ext cx="1757719" cy="307777"/>
+          </a:xfrm>
+          <a:prstGeom prst="rect">
+            <a:avLst/>
+          </a:prstGeom>
+          <a:noFill/>
+        </p:spPr>
+        <p:txBody>
+          <a:bodyPr wrap="square" rtlCol="0">
+            <a:spAutoFit/>
+          </a:bodyPr>
+          <a:lstStyle/>
+          <a:p>
+            <a:r>
+              <a:rPr lang="en-US" b="1" dirty="0">
+                <a:latin typeface="Times New Roman" panose="02020603050405020304" pitchFamily="18" charset="0"/>
+                <a:cs typeface="Times New Roman" panose="02020603050405020304" pitchFamily="18" charset="0"/>
+              </a:rPr>
+              <a:t>Farming/Harvesting</a:t>
+            </a:r>
+          </a:p>
+        </p:txBody>
+      </p:sp>
+      <p:cxnSp>
+        <p:nvCxnSpPr>
+          <p:cNvPr id="28" name="Straight Arrow Connector 27">
+            <a:extLst>
+              <a:ext uri="{FF2B5EF4-FFF2-40B4-BE49-F238E27FC236}">
+                <a16:creationId xmlns:a16="http://schemas.microsoft.com/office/drawing/2014/main" id="{2B06175A-D451-A092-7E9D-3C4A8FE9064C}"/>
+              </a:ext>
+            </a:extLst>
+          </p:cNvPr>
+          <p:cNvCxnSpPr>
+            <a:stCxn id="9" idx="0"/>
+            <a:endCxn id="19" idx="1"/>
+          </p:cNvCxnSpPr>
+          <p:nvPr/>
+        </p:nvCxnSpPr>
+        <p:spPr>
+          <a:xfrm flipV="1">
+            <a:off x="1509711" y="2499954"/>
+            <a:ext cx="2885304" cy="838414"/>
+          </a:xfrm>
+          <a:prstGeom prst="straightConnector1">
+            <a:avLst/>
+          </a:prstGeom>
+          <a:ln>
+            <a:tailEnd type="triangle"/>
+          </a:ln>
+        </p:spPr>
+        <p:style>
+          <a:lnRef idx="1">
+            <a:schemeClr val="dk1"/>
+          </a:lnRef>
+          <a:fillRef idx="0">
+            <a:schemeClr val="dk1"/>
+          </a:fillRef>
+          <a:effectRef idx="0">
+            <a:schemeClr val="dk1"/>
+          </a:effectRef>
+          <a:fontRef idx="minor">
+            <a:schemeClr val="tx1"/>
+          </a:fontRef>
+        </p:style>
+      </p:cxnSp>
+      <p:cxnSp>
+        <p:nvCxnSpPr>
+          <p:cNvPr id="30" name="Straight Arrow Connector 29">
+            <a:extLst>
+              <a:ext uri="{FF2B5EF4-FFF2-40B4-BE49-F238E27FC236}">
+                <a16:creationId xmlns:a16="http://schemas.microsoft.com/office/drawing/2014/main" id="{9D32F0A9-71B4-33F3-1854-DD329ECC4DDF}"/>
+              </a:ext>
+            </a:extLst>
+          </p:cNvPr>
+          <p:cNvCxnSpPr>
+            <a:stCxn id="11" idx="0"/>
+            <a:endCxn id="19" idx="2"/>
+          </p:cNvCxnSpPr>
+          <p:nvPr/>
+        </p:nvCxnSpPr>
+        <p:spPr>
+          <a:xfrm flipV="1">
+            <a:off x="4730035" y="2960077"/>
+            <a:ext cx="1" cy="270890"/>
+          </a:xfrm>
+          <a:prstGeom prst="straightConnector1">
+            <a:avLst/>
+          </a:prstGeom>
+          <a:ln>
+            <a:tailEnd type="triangle"/>
+          </a:ln>
+        </p:spPr>
+        <p:style>
+          <a:lnRef idx="1">
+            <a:schemeClr val="dk1"/>
+          </a:lnRef>
+          <a:fillRef idx="0">
+            <a:schemeClr val="dk1"/>
+          </a:fillRef>
+          <a:effectRef idx="0">
+            <a:schemeClr val="dk1"/>
+          </a:effectRef>
+          <a:fontRef idx="minor">
+            <a:schemeClr val="tx1"/>
+          </a:fontRef>
+        </p:style>
+      </p:cxnSp>
+      <p:cxnSp>
+        <p:nvCxnSpPr>
+          <p:cNvPr id="33" name="Straight Arrow Connector 32">
+            <a:extLst>
+              <a:ext uri="{FF2B5EF4-FFF2-40B4-BE49-F238E27FC236}">
+                <a16:creationId xmlns:a16="http://schemas.microsoft.com/office/drawing/2014/main" id="{BDF50B6D-8CA5-F598-6EC1-1EA3301D9D51}"/>
+              </a:ext>
+            </a:extLst>
+          </p:cNvPr>
+          <p:cNvCxnSpPr>
+            <a:cxnSpLocks/>
+            <a:endCxn id="19" idx="3"/>
+          </p:cNvCxnSpPr>
+          <p:nvPr/>
+        </p:nvCxnSpPr>
+        <p:spPr>
+          <a:xfrm flipH="1" flipV="1">
+            <a:off x="5065056" y="2499954"/>
+            <a:ext cx="2016782" cy="858478"/>
+          </a:xfrm>
+          <a:prstGeom prst="straightConnector1">
+            <a:avLst/>
+          </a:prstGeom>
+          <a:ln>
+            <a:tailEnd type="triangle"/>
+          </a:ln>
+        </p:spPr>
+        <p:style>
+          <a:lnRef idx="1">
+            <a:schemeClr val="dk1"/>
+          </a:lnRef>
+          <a:fillRef idx="0">
+            <a:schemeClr val="dk1"/>
+          </a:fillRef>
+          <a:effectRef idx="0">
+            <a:schemeClr val="dk1"/>
+          </a:effectRef>
+          <a:fontRef idx="minor">
+            <a:schemeClr val="tx1"/>
+          </a:fontRef>
+        </p:style>
+      </p:cxnSp>
+      <p:cxnSp>
+        <p:nvCxnSpPr>
+          <p:cNvPr id="36" name="Straight Arrow Connector 35">
+            <a:extLst>
+              <a:ext uri="{FF2B5EF4-FFF2-40B4-BE49-F238E27FC236}">
+                <a16:creationId xmlns:a16="http://schemas.microsoft.com/office/drawing/2014/main" id="{0C674D39-092F-5338-6695-AD90C179E1FD}"/>
+              </a:ext>
+            </a:extLst>
+          </p:cNvPr>
+          <p:cNvCxnSpPr>
+            <a:stCxn id="19" idx="0"/>
+            <a:endCxn id="21" idx="2"/>
+          </p:cNvCxnSpPr>
+          <p:nvPr/>
+        </p:nvCxnSpPr>
+        <p:spPr>
+          <a:xfrm flipH="1" flipV="1">
+            <a:off x="4730035" y="1736794"/>
+            <a:ext cx="1" cy="303036"/>
+          </a:xfrm>
+          <a:prstGeom prst="straightConnector1">
+            <a:avLst/>
+          </a:prstGeom>
+          <a:ln>
+            <a:tailEnd type="triangle"/>
+          </a:ln>
+        </p:spPr>
+        <p:style>
+          <a:lnRef idx="1">
+            <a:schemeClr val="dk1"/>
+          </a:lnRef>
+          <a:fillRef idx="0">
+            <a:schemeClr val="dk1"/>
+          </a:fillRef>
+          <a:effectRef idx="0">
+            <a:schemeClr val="dk1"/>
+          </a:effectRef>
+          <a:fontRef idx="minor">
+            <a:schemeClr val="tx1"/>
+          </a:fontRef>
+        </p:style>
+      </p:cxnSp>
+      <p:sp>
+        <p:nvSpPr>
+          <p:cNvPr id="38" name="TextBox 37">
+            <a:extLst>
+              <a:ext uri="{FF2B5EF4-FFF2-40B4-BE49-F238E27FC236}">
+                <a16:creationId xmlns:a16="http://schemas.microsoft.com/office/drawing/2014/main" id="{815B964C-AC12-9995-0F83-9DACE7DC1D0A}"/>
+              </a:ext>
+            </a:extLst>
+          </p:cNvPr>
+          <p:cNvSpPr txBox="1"/>
+          <p:nvPr/>
+        </p:nvSpPr>
+        <p:spPr>
+          <a:xfrm>
+            <a:off x="5209402" y="2116004"/>
+            <a:ext cx="838973" cy="307777"/>
+          </a:xfrm>
+          <a:prstGeom prst="rect">
+            <a:avLst/>
+          </a:prstGeom>
+          <a:noFill/>
+        </p:spPr>
+        <p:txBody>
+          <a:bodyPr wrap="square" rtlCol="0">
+            <a:spAutoFit/>
+          </a:bodyPr>
+          <a:lstStyle/>
+          <a:p>
+            <a:r>
+              <a:rPr lang="en-US" b="1" dirty="0">
+                <a:latin typeface="Times New Roman" panose="02020603050405020304" pitchFamily="18" charset="0"/>
+                <a:cs typeface="Times New Roman" panose="02020603050405020304" pitchFamily="18" charset="0"/>
+              </a:rPr>
+              <a:t>Brewing</a:t>
+            </a:r>
+          </a:p>
+        </p:txBody>
+      </p:sp>
+      <p:sp>
+        <p:nvSpPr>
+          <p:cNvPr id="39" name="TextBox 38">
+            <a:extLst>
+              <a:ext uri="{FF2B5EF4-FFF2-40B4-BE49-F238E27FC236}">
+                <a16:creationId xmlns:a16="http://schemas.microsoft.com/office/drawing/2014/main" id="{A64F3774-579D-66EC-243F-A030A38DA942}"/>
+              </a:ext>
+            </a:extLst>
+          </p:cNvPr>
+          <p:cNvSpPr txBox="1"/>
+          <p:nvPr/>
+        </p:nvSpPr>
+        <p:spPr>
+          <a:xfrm>
+            <a:off x="5204879" y="1125724"/>
+            <a:ext cx="938746" cy="307777"/>
+          </a:xfrm>
+          <a:prstGeom prst="rect">
+            <a:avLst/>
+          </a:prstGeom>
+          <a:noFill/>
+        </p:spPr>
+        <p:txBody>
+          <a:bodyPr wrap="square" rtlCol="0">
+            <a:spAutoFit/>
+          </a:bodyPr>
+          <a:lstStyle/>
+          <a:p>
+            <a:r>
+              <a:rPr lang="en-US" b="1" dirty="0">
+                <a:latin typeface="Times New Roman" panose="02020603050405020304" pitchFamily="18" charset="0"/>
+                <a:cs typeface="Times New Roman" panose="02020603050405020304" pitchFamily="18" charset="0"/>
+              </a:rPr>
+              <a:t>Outcome</a:t>
+            </a:r>
+          </a:p>
+        </p:txBody>
+      </p:sp>
+      <p:sp>
+        <p:nvSpPr>
+          <p:cNvPr id="40" name="TextBox 39">
+            <a:extLst>
+              <a:ext uri="{FF2B5EF4-FFF2-40B4-BE49-F238E27FC236}">
+                <a16:creationId xmlns:a16="http://schemas.microsoft.com/office/drawing/2014/main" id="{CE50970E-4518-5712-8068-AF961DC89E64}"/>
+              </a:ext>
+            </a:extLst>
+          </p:cNvPr>
+          <p:cNvSpPr txBox="1"/>
+          <p:nvPr/>
+        </p:nvSpPr>
+        <p:spPr>
+          <a:xfrm>
+            <a:off x="159301" y="4825931"/>
+            <a:ext cx="4060274" cy="200055"/>
+          </a:xfrm>
+          <a:prstGeom prst="rect">
+            <a:avLst/>
+          </a:prstGeom>
+          <a:noFill/>
+        </p:spPr>
+        <p:txBody>
+          <a:bodyPr wrap="square" rtlCol="0">
+            <a:spAutoFit/>
+          </a:bodyPr>
+          <a:lstStyle/>
+          <a:p>
+            <a:r>
+              <a:rPr lang="en-US" sz="700" dirty="0">
+                <a:latin typeface="Times New Roman" panose="02020603050405020304" pitchFamily="18" charset="0"/>
+                <a:cs typeface="Times New Roman" panose="02020603050405020304" pitchFamily="18" charset="0"/>
+              </a:rPr>
+              <a:t>Images from </a:t>
+            </a:r>
+            <a:r>
+              <a:rPr lang="en-US" sz="700" dirty="0">
+                <a:latin typeface="Times New Roman" panose="02020603050405020304" pitchFamily="18" charset="0"/>
+                <a:cs typeface="Times New Roman" panose="02020603050405020304" pitchFamily="18" charset="0"/>
+                <a:hlinkClick r:id="rId10"/>
+              </a:rPr>
+              <a:t>https://minecraft.fandom.com/wiki/Minecraft_Wiki</a:t>
+            </a:r>
+            <a:r>
+              <a:rPr lang="en-US" sz="700" dirty="0">
+                <a:latin typeface="Times New Roman" panose="02020603050405020304" pitchFamily="18" charset="0"/>
+                <a:cs typeface="Times New Roman" panose="02020603050405020304" pitchFamily="18" charset="0"/>
+              </a:rPr>
+              <a:t> and </a:t>
+            </a:r>
+            <a:r>
+              <a:rPr lang="en-US" sz="700" dirty="0">
+                <a:latin typeface="Times New Roman" panose="02020603050405020304" pitchFamily="18" charset="0"/>
+                <a:cs typeface="Times New Roman" panose="02020603050405020304" pitchFamily="18" charset="0"/>
+                <a:hlinkClick r:id="rId11"/>
+              </a:rPr>
+              <a:t>https://www.minecraftcrafting.info/</a:t>
+            </a:r>
+            <a:r>
+              <a:rPr lang="en-US" sz="700" dirty="0">
+                <a:latin typeface="Times New Roman" panose="02020603050405020304" pitchFamily="18" charset="0"/>
+                <a:cs typeface="Times New Roman" panose="02020603050405020304" pitchFamily="18" charset="0"/>
+              </a:rPr>
+              <a:t> </a:t>
+            </a:r>
+          </a:p>
+        </p:txBody>
+      </p:sp>
+    </p:spTree>
+    <p:extLst>
+      <p:ext uri="{BB962C8B-B14F-4D97-AF65-F5344CB8AC3E}">
+        <p14:creationId xmlns:p14="http://schemas.microsoft.com/office/powerpoint/2010/main" val="1472518916"/>
+      </p:ext>
+    </p:extLst>
+  </p:cSld>
+  <p:clrMapOvr>
+    <a:masterClrMapping/>
+  </p:clrMapOvr>
+</p:sld>
+</file>
+
+<file path=ppt/slides/slide9.xml><?xml version="1.0" encoding="utf-8"?>
+<p:sld xmlns:a="http://schemas.openxmlformats.org/drawingml/2006/main" xmlns:r="http://schemas.openxmlformats.org/officeDocument/2006/relationships" xmlns:p="http://schemas.openxmlformats.org/presentationml/2006/main">
+  <p:cSld>
+    <p:spTree>
+      <p:nvGrpSpPr>
+        <p:cNvPr id="1" name=""/>
+        <p:cNvGrpSpPr/>
+        <p:nvPr/>
+      </p:nvGrpSpPr>
+      <p:grpSpPr>
+        <a:xfrm>
+          <a:off x="0" y="0"/>
+          <a:ext cx="0" cy="0"/>
+          <a:chOff x="0" y="0"/>
+          <a:chExt cx="0" cy="0"/>
+        </a:xfrm>
+      </p:grpSpPr>
+      <p:sp>
+        <p:nvSpPr>
+          <p:cNvPr id="2" name="Title 1">
+            <a:extLst>
+              <a:ext uri="{FF2B5EF4-FFF2-40B4-BE49-F238E27FC236}">
                 <a16:creationId xmlns:a16="http://schemas.microsoft.com/office/drawing/2014/main" id="{1C28D6D2-1B64-193A-D978-8BC65385EF33}"/>
               </a:ext>
             </a:extLst>
@@ -17276,7 +19671,7 @@
             </a:pPr>
             <a:fld id="{00000000-1234-1234-1234-123412341234}" type="slidenum">
               <a:rPr lang="en" smtClean="0"/>
-              <a:t>8</a:t>
+              <a:t>9</a:t>
             </a:fld>
             <a:endParaRPr lang="en"/>
           </a:p>
@@ -17314,7 +19709,7 @@
             </a:pPr>
             <a:fld id="{00000000-1234-1234-1234-123412341234}" type="slidenum">
               <a:rPr lang="en" smtClean="0"/>
-              <a:t>8</a:t>
+              <a:t>9</a:t>
             </a:fld>
             <a:endParaRPr lang="en"/>
           </a:p>
@@ -17417,8 +19812,8 @@
         </p:nvSpPr>
         <p:spPr>
           <a:xfrm>
-            <a:off x="159300" y="4105133"/>
-            <a:ext cx="8673000" cy="1038367"/>
+            <a:off x="159300" y="4043379"/>
+            <a:ext cx="6146250" cy="1038367"/>
           </a:xfrm>
           <a:prstGeom prst="rect">
             <a:avLst/>
@@ -17741,681 +20136,12 @@
           </a:p>
         </p:txBody>
       </p:sp>
-    </p:spTree>
-    <p:extLst>
-      <p:ext uri="{BB962C8B-B14F-4D97-AF65-F5344CB8AC3E}">
-        <p14:creationId xmlns:p14="http://schemas.microsoft.com/office/powerpoint/2010/main" val="2321791293"/>
-      </p:ext>
-    </p:extLst>
-  </p:cSld>
-  <p:clrMapOvr>
-    <a:masterClrMapping/>
-  </p:clrMapOvr>
-</p:sld>
-</file>
-
-<file path=ppt/slides/slide9.xml><?xml version="1.0" encoding="utf-8"?>
-<p:sld xmlns:a="http://schemas.openxmlformats.org/drawingml/2006/main" xmlns:r="http://schemas.openxmlformats.org/officeDocument/2006/relationships" xmlns:p="http://schemas.openxmlformats.org/presentationml/2006/main">
-  <p:cSld>
-    <p:spTree>
-      <p:nvGrpSpPr>
-        <p:cNvPr id="1" name=""/>
-        <p:cNvGrpSpPr/>
-        <p:nvPr/>
-      </p:nvGrpSpPr>
-      <p:grpSpPr>
-        <a:xfrm>
-          <a:off x="0" y="0"/>
-          <a:ext cx="0" cy="0"/>
-          <a:chOff x="0" y="0"/>
-          <a:chExt cx="0" cy="0"/>
-        </a:xfrm>
-      </p:grpSpPr>
-      <p:sp>
-        <p:nvSpPr>
-          <p:cNvPr id="2" name="Title 1">
+      <p:pic>
+        <p:nvPicPr>
+          <p:cNvPr id="10" name="Picture 9" descr="A person standing in front of a bed&#10;&#10;Description automatically generated">
             <a:extLst>
               <a:ext uri="{FF2B5EF4-FFF2-40B4-BE49-F238E27FC236}">
-                <a16:creationId xmlns:a16="http://schemas.microsoft.com/office/drawing/2014/main" id="{91F313CF-3BA8-3908-350D-76C3C3E9EFE2}"/>
-              </a:ext>
-            </a:extLst>
-          </p:cNvPr>
-          <p:cNvSpPr>
-            <a:spLocks noGrp="1"/>
-          </p:cNvSpPr>
-          <p:nvPr>
-            <p:ph type="title"/>
-          </p:nvPr>
-        </p:nvSpPr>
-        <p:spPr/>
-        <p:txBody>
-          <a:bodyPr/>
-          <a:lstStyle/>
-          <a:p>
-            <a:r>
-              <a:rPr lang="en-US" dirty="0"/>
-              <a:t>II. How LRLL works?</a:t>
-            </a:r>
-          </a:p>
-        </p:txBody>
-      </p:sp>
-      <mc:AlternateContent xmlns:mc="http://schemas.openxmlformats.org/markup-compatibility/2006">
-        <mc:Choice xmlns:a14="http://schemas.microsoft.com/office/drawing/2010/main" Requires="a14">
-          <p:sp>
-            <p:nvSpPr>
-              <p:cNvPr id="3" name="Text Placeholder 2">
-                <a:extLst>
-                  <a:ext uri="{FF2B5EF4-FFF2-40B4-BE49-F238E27FC236}">
-                    <a16:creationId xmlns:a16="http://schemas.microsoft.com/office/drawing/2014/main" id="{C78765BE-E985-6847-E434-EEC6F64318C9}"/>
-                  </a:ext>
-                </a:extLst>
-              </p:cNvPr>
-              <p:cNvSpPr>
-                <a:spLocks noGrp="1"/>
-              </p:cNvSpPr>
-              <p:nvPr>
-                <p:ph type="body" idx="1"/>
-              </p:nvPr>
-            </p:nvSpPr>
-            <p:spPr>
-              <a:xfrm>
-                <a:off x="302400" y="2744683"/>
-                <a:ext cx="8520600" cy="1662857"/>
-              </a:xfrm>
-            </p:spPr>
-            <p:txBody>
-              <a:bodyPr/>
-              <a:lstStyle/>
-              <a:p>
-                <a:r>
-                  <a:rPr lang="en-US" b="1" dirty="0">
-                    <a:latin typeface="Times New Roman" panose="02020603050405020304" pitchFamily="18" charset="0"/>
-                    <a:cs typeface="Times New Roman" panose="02020603050405020304" pitchFamily="18" charset="0"/>
-                  </a:rPr>
-                  <a:t>Input</a:t>
-                </a:r>
-                <a:r>
-                  <a:rPr lang="en-US" dirty="0">
-                    <a:latin typeface="Times New Roman" panose="02020603050405020304" pitchFamily="18" charset="0"/>
-                    <a:cs typeface="Times New Roman" panose="02020603050405020304" pitchFamily="18" charset="0"/>
-                  </a:rPr>
-                  <a:t>: language demonstrations, </a:t>
-                </a:r>
-                <a14:m>
-                  <m:oMath xmlns:m="http://schemas.openxmlformats.org/officeDocument/2006/math">
-                    <m:sSub>
-                      <m:sSubPr>
-                        <m:ctrlPr>
-                          <a:rPr lang="en-US" b="0" i="1" smtClean="0">
-                            <a:latin typeface="Cambria Math" panose="02040503050406030204" pitchFamily="18" charset="0"/>
-                          </a:rPr>
-                        </m:ctrlPr>
-                      </m:sSubPr>
-                      <m:e>
-                        <m:r>
-                          <a:rPr lang="en-US" b="0" i="1" smtClean="0">
-                            <a:latin typeface="Cambria Math" panose="02040503050406030204" pitchFamily="18" charset="0"/>
-                          </a:rPr>
-                          <m:t>𝑋</m:t>
-                        </m:r>
-                      </m:e>
-                      <m:sub>
-                        <m:r>
-                          <a:rPr lang="en-US" b="0" i="1" smtClean="0">
-                            <a:latin typeface="Cambria Math" panose="02040503050406030204" pitchFamily="18" charset="0"/>
-                          </a:rPr>
-                          <m:t>𝑡</m:t>
-                        </m:r>
-                      </m:sub>
-                    </m:sSub>
-                    <m:r>
-                      <a:rPr lang="en-US" b="0" i="1" smtClean="0">
-                        <a:latin typeface="Cambria Math" panose="02040503050406030204" pitchFamily="18" charset="0"/>
-                      </a:rPr>
-                      <m:t>=&lt;</m:t>
-                    </m:r>
-                    <m:sSup>
-                      <m:sSupPr>
-                        <m:ctrlPr>
-                          <a:rPr lang="en-US" b="0" i="1" smtClean="0">
-                            <a:latin typeface="Cambria Math" panose="02040503050406030204" pitchFamily="18" charset="0"/>
-                          </a:rPr>
-                        </m:ctrlPr>
-                      </m:sSupPr>
-                      <m:e>
-                        <m:r>
-                          <a:rPr lang="en-US" b="0" i="1" smtClean="0">
-                            <a:latin typeface="Cambria Math" panose="02040503050406030204" pitchFamily="18" charset="0"/>
-                          </a:rPr>
-                          <m:t>𝑙</m:t>
-                        </m:r>
-                      </m:e>
-                      <m:sup>
-                        <m:r>
-                          <a:rPr lang="en-US" b="0" i="1" smtClean="0">
-                            <a:latin typeface="Cambria Math" panose="02040503050406030204" pitchFamily="18" charset="0"/>
-                          </a:rPr>
-                          <m:t>(</m:t>
-                        </m:r>
-                        <m:r>
-                          <a:rPr lang="en-US" b="0" i="1" smtClean="0">
-                            <a:latin typeface="Cambria Math" panose="02040503050406030204" pitchFamily="18" charset="0"/>
-                          </a:rPr>
-                          <m:t>𝑖</m:t>
-                        </m:r>
-                        <m:r>
-                          <a:rPr lang="en-US" b="0" i="1" smtClean="0">
-                            <a:latin typeface="Cambria Math" panose="02040503050406030204" pitchFamily="18" charset="0"/>
-                          </a:rPr>
-                          <m:t>)</m:t>
-                        </m:r>
-                      </m:sup>
-                    </m:sSup>
-                    <m:r>
-                      <a:rPr lang="en-US" b="0" i="1" smtClean="0">
-                        <a:latin typeface="Cambria Math" panose="02040503050406030204" pitchFamily="18" charset="0"/>
-                      </a:rPr>
-                      <m:t>, </m:t>
-                    </m:r>
-                    <m:sSup>
-                      <m:sSupPr>
-                        <m:ctrlPr>
-                          <a:rPr lang="en-US" b="0" i="1" smtClean="0">
-                            <a:latin typeface="Cambria Math" panose="02040503050406030204" pitchFamily="18" charset="0"/>
-                          </a:rPr>
-                        </m:ctrlPr>
-                      </m:sSupPr>
-                      <m:e>
-                        <m:r>
-                          <a:rPr lang="en-US" b="0" i="1" smtClean="0">
-                            <a:latin typeface="Cambria Math" panose="02040503050406030204" pitchFamily="18" charset="0"/>
-                          </a:rPr>
-                          <m:t>𝑎</m:t>
-                        </m:r>
-                      </m:e>
-                      <m:sup>
-                        <m:d>
-                          <m:dPr>
-                            <m:ctrlPr>
-                              <a:rPr lang="en-US" b="0" i="1" smtClean="0">
-                                <a:latin typeface="Cambria Math" panose="02040503050406030204" pitchFamily="18" charset="0"/>
-                              </a:rPr>
-                            </m:ctrlPr>
-                          </m:dPr>
-                          <m:e>
-                            <m:r>
-                              <a:rPr lang="en-US" b="0" i="1" smtClean="0">
-                                <a:latin typeface="Cambria Math" panose="02040503050406030204" pitchFamily="18" charset="0"/>
-                              </a:rPr>
-                              <m:t>𝑖</m:t>
-                            </m:r>
-                          </m:e>
-                        </m:d>
-                      </m:sup>
-                    </m:sSup>
-                    <m:r>
-                      <a:rPr lang="en-US" b="0" i="1" smtClean="0">
-                        <a:latin typeface="Cambria Math" panose="02040503050406030204" pitchFamily="18" charset="0"/>
-                      </a:rPr>
-                      <m:t>, </m:t>
-                    </m:r>
-                    <m:sSup>
-                      <m:sSupPr>
-                        <m:ctrlPr>
-                          <a:rPr lang="en-US" b="0" i="1" smtClean="0">
-                            <a:latin typeface="Cambria Math" panose="02040503050406030204" pitchFamily="18" charset="0"/>
-                          </a:rPr>
-                        </m:ctrlPr>
-                      </m:sSupPr>
-                      <m:e>
-                        <m:r>
-                          <a:rPr lang="en-US" b="0" i="1" smtClean="0">
-                            <a:latin typeface="Cambria Math" panose="02040503050406030204" pitchFamily="18" charset="0"/>
-                          </a:rPr>
-                          <m:t>𝑟</m:t>
-                        </m:r>
-                      </m:e>
-                      <m:sup>
-                        <m:d>
-                          <m:dPr>
-                            <m:ctrlPr>
-                              <a:rPr lang="en-US" b="0" i="1" smtClean="0">
-                                <a:latin typeface="Cambria Math" panose="02040503050406030204" pitchFamily="18" charset="0"/>
-                              </a:rPr>
-                            </m:ctrlPr>
-                          </m:dPr>
-                          <m:e>
-                            <m:r>
-                              <a:rPr lang="en-US" b="0" i="1" smtClean="0">
-                                <a:latin typeface="Cambria Math" panose="02040503050406030204" pitchFamily="18" charset="0"/>
-                              </a:rPr>
-                              <m:t>𝑖</m:t>
-                            </m:r>
-                          </m:e>
-                        </m:d>
-                      </m:sup>
-                    </m:sSup>
-                    <m:r>
-                      <a:rPr lang="en-US" b="0" i="1" smtClean="0">
-                        <a:latin typeface="Cambria Math" panose="02040503050406030204" pitchFamily="18" charset="0"/>
-                      </a:rPr>
-                      <m:t>&gt;</m:t>
-                    </m:r>
-                  </m:oMath>
-                </a14:m>
-                <a:endParaRPr lang="en-US" dirty="0">
-                  <a:latin typeface="Times New Roman" panose="02020603050405020304" pitchFamily="18" charset="0"/>
-                  <a:cs typeface="Times New Roman" panose="02020603050405020304" pitchFamily="18" charset="0"/>
-                </a:endParaRPr>
-              </a:p>
-              <a:p>
-                <a:pPr lvl="1"/>
-                <a14:m>
-                  <m:oMath xmlns:m="http://schemas.openxmlformats.org/officeDocument/2006/math">
-                    <m:sSup>
-                      <m:sSupPr>
-                        <m:ctrlPr>
-                          <a:rPr lang="en-US" b="0" i="1" smtClean="0">
-                            <a:latin typeface="Cambria Math" panose="02040503050406030204" pitchFamily="18" charset="0"/>
-                          </a:rPr>
-                        </m:ctrlPr>
-                      </m:sSupPr>
-                      <m:e>
-                        <m:r>
-                          <a:rPr lang="en-US" b="0" i="1" smtClean="0">
-                            <a:latin typeface="Cambria Math" panose="02040503050406030204" pitchFamily="18" charset="0"/>
-                          </a:rPr>
-                          <m:t>𝑙</m:t>
-                        </m:r>
-                      </m:e>
-                      <m:sup>
-                        <m:r>
-                          <a:rPr lang="en-US" b="0" i="1" smtClean="0">
-                            <a:latin typeface="Cambria Math" panose="02040503050406030204" pitchFamily="18" charset="0"/>
-                          </a:rPr>
-                          <m:t>(</m:t>
-                        </m:r>
-                        <m:r>
-                          <a:rPr lang="en-US" b="0" i="1" smtClean="0">
-                            <a:latin typeface="Cambria Math" panose="02040503050406030204" pitchFamily="18" charset="0"/>
-                          </a:rPr>
-                          <m:t>𝑖</m:t>
-                        </m:r>
-                        <m:r>
-                          <a:rPr lang="en-US" b="0" i="1" smtClean="0">
-                            <a:latin typeface="Cambria Math" panose="02040503050406030204" pitchFamily="18" charset="0"/>
-                          </a:rPr>
-                          <m:t>)</m:t>
-                        </m:r>
-                      </m:sup>
-                    </m:sSup>
-                    <m:r>
-                      <a:rPr lang="en-US" b="0" i="1" smtClean="0">
-                        <a:latin typeface="Cambria Math" panose="02040503050406030204" pitchFamily="18" charset="0"/>
-                      </a:rPr>
-                      <m:t>:</m:t>
-                    </m:r>
-                    <m:r>
-                      <a:rPr lang="en-US" b="0" i="1" smtClean="0">
-                        <a:latin typeface="Cambria Math" panose="02040503050406030204" pitchFamily="18" charset="0"/>
-                      </a:rPr>
-                      <m:t>𝑠𝑒𝑞𝑢𝑒𝑛𝑐𝑒</m:t>
-                    </m:r>
-                    <m:r>
-                      <a:rPr lang="en-US" b="0" i="1" smtClean="0">
-                        <a:latin typeface="Cambria Math" panose="02040503050406030204" pitchFamily="18" charset="0"/>
-                      </a:rPr>
-                      <m:t> </m:t>
-                    </m:r>
-                    <m:r>
-                      <a:rPr lang="en-US" b="0" i="1" smtClean="0">
-                        <a:latin typeface="Cambria Math" panose="02040503050406030204" pitchFamily="18" charset="0"/>
-                      </a:rPr>
-                      <m:t>𝑜𝑓</m:t>
-                    </m:r>
-                    <m:r>
-                      <a:rPr lang="en-US" b="0" i="1" smtClean="0">
-                        <a:latin typeface="Cambria Math" panose="02040503050406030204" pitchFamily="18" charset="0"/>
-                      </a:rPr>
-                      <m:t> </m:t>
-                    </m:r>
-                    <m:r>
-                      <a:rPr lang="en-US" b="0" i="1" smtClean="0">
-                        <a:latin typeface="Cambria Math" panose="02040503050406030204" pitchFamily="18" charset="0"/>
-                      </a:rPr>
-                      <m:t>𝑖𝑛𝑠𝑡𝑟𝑢𝑐𝑡𝑖𝑜𝑛𝑠</m:t>
-                    </m:r>
-                  </m:oMath>
-                </a14:m>
-                <a:endParaRPr lang="en-US" b="0" dirty="0">
-                  <a:latin typeface="Times New Roman" panose="02020603050405020304" pitchFamily="18" charset="0"/>
-                  <a:cs typeface="Times New Roman" panose="02020603050405020304" pitchFamily="18" charset="0"/>
-                </a:endParaRPr>
-              </a:p>
-              <a:p>
-                <a:pPr lvl="1"/>
-                <a14:m>
-                  <m:oMath xmlns:m="http://schemas.openxmlformats.org/officeDocument/2006/math">
-                    <m:sSup>
-                      <m:sSupPr>
-                        <m:ctrlPr>
-                          <a:rPr lang="en-US" b="0" i="1" smtClean="0">
-                            <a:latin typeface="Cambria Math" panose="02040503050406030204" pitchFamily="18" charset="0"/>
-                          </a:rPr>
-                        </m:ctrlPr>
-                      </m:sSupPr>
-                      <m:e>
-                        <m:r>
-                          <a:rPr lang="en-US" b="0" i="1" smtClean="0">
-                            <a:latin typeface="Cambria Math" panose="02040503050406030204" pitchFamily="18" charset="0"/>
-                          </a:rPr>
-                          <m:t>𝑎</m:t>
-                        </m:r>
-                      </m:e>
-                      <m:sup>
-                        <m:r>
-                          <a:rPr lang="en-US" b="0" i="1" smtClean="0">
-                            <a:latin typeface="Cambria Math" panose="02040503050406030204" pitchFamily="18" charset="0"/>
-                          </a:rPr>
-                          <m:t>(</m:t>
-                        </m:r>
-                        <m:r>
-                          <a:rPr lang="en-US" b="0" i="1" smtClean="0">
-                            <a:latin typeface="Cambria Math" panose="02040503050406030204" pitchFamily="18" charset="0"/>
-                          </a:rPr>
-                          <m:t>𝑖</m:t>
-                        </m:r>
-                        <m:r>
-                          <a:rPr lang="en-US" b="0" i="1" smtClean="0">
-                            <a:latin typeface="Cambria Math" panose="02040503050406030204" pitchFamily="18" charset="0"/>
-                          </a:rPr>
-                          <m:t>)</m:t>
-                        </m:r>
-                      </m:sup>
-                    </m:sSup>
-                    <m:r>
-                      <a:rPr lang="en-US" b="0" i="1" smtClean="0">
-                        <a:latin typeface="Cambria Math" panose="02040503050406030204" pitchFamily="18" charset="0"/>
-                      </a:rPr>
-                      <m:t>:</m:t>
-                    </m:r>
-                    <m:r>
-                      <a:rPr lang="en-US" b="0" i="1" smtClean="0">
-                        <a:latin typeface="Cambria Math" panose="02040503050406030204" pitchFamily="18" charset="0"/>
-                      </a:rPr>
-                      <m:t>𝑠𝑒𝑞𝑢𝑒𝑛𝑐𝑒</m:t>
-                    </m:r>
-                    <m:r>
-                      <a:rPr lang="en-US" b="0" i="1" smtClean="0">
-                        <a:latin typeface="Cambria Math" panose="02040503050406030204" pitchFamily="18" charset="0"/>
-                      </a:rPr>
-                      <m:t> </m:t>
-                    </m:r>
-                    <m:r>
-                      <a:rPr lang="en-US" b="0" i="1" smtClean="0">
-                        <a:latin typeface="Cambria Math" panose="02040503050406030204" pitchFamily="18" charset="0"/>
-                      </a:rPr>
-                      <m:t>𝑜𝑓</m:t>
-                    </m:r>
-                    <m:r>
-                      <a:rPr lang="en-US" b="0" i="1" smtClean="0">
-                        <a:latin typeface="Cambria Math" panose="02040503050406030204" pitchFamily="18" charset="0"/>
-                      </a:rPr>
-                      <m:t> </m:t>
-                    </m:r>
-                    <m:r>
-                      <a:rPr lang="en-US" b="0" i="1" smtClean="0">
-                        <a:latin typeface="Cambria Math" panose="02040503050406030204" pitchFamily="18" charset="0"/>
-                      </a:rPr>
-                      <m:t>𝑝𝑜𝑙𝑖𝑐𝑖𝑒𝑠</m:t>
-                    </m:r>
-                  </m:oMath>
-                </a14:m>
-                <a:endParaRPr lang="en-US" b="0" i="1" dirty="0">
-                  <a:latin typeface="Times New Roman" panose="02020603050405020304" pitchFamily="18" charset="0"/>
-                  <a:cs typeface="Times New Roman" panose="02020603050405020304" pitchFamily="18" charset="0"/>
-                </a:endParaRPr>
-              </a:p>
-              <a:p>
-                <a:pPr lvl="1"/>
-                <a14:m>
-                  <m:oMath xmlns:m="http://schemas.openxmlformats.org/officeDocument/2006/math">
-                    <m:sSup>
-                      <m:sSupPr>
-                        <m:ctrlPr>
-                          <a:rPr lang="en-US" b="0" i="1" smtClean="0">
-                            <a:latin typeface="Cambria Math" panose="02040503050406030204" pitchFamily="18" charset="0"/>
-                          </a:rPr>
-                        </m:ctrlPr>
-                      </m:sSupPr>
-                      <m:e>
-                        <m:r>
-                          <a:rPr lang="en-US" b="0" i="1" smtClean="0">
-                            <a:latin typeface="Cambria Math" panose="02040503050406030204" pitchFamily="18" charset="0"/>
-                          </a:rPr>
-                          <m:t>𝑟</m:t>
-                        </m:r>
-                      </m:e>
-                      <m:sup>
-                        <m:r>
-                          <a:rPr lang="en-US" b="0" i="1" smtClean="0">
-                            <a:latin typeface="Cambria Math" panose="02040503050406030204" pitchFamily="18" charset="0"/>
-                          </a:rPr>
-                          <m:t>(</m:t>
-                        </m:r>
-                        <m:r>
-                          <a:rPr lang="en-US" b="0" i="1" smtClean="0">
-                            <a:latin typeface="Cambria Math" panose="02040503050406030204" pitchFamily="18" charset="0"/>
-                          </a:rPr>
-                          <m:t>𝑖</m:t>
-                        </m:r>
-                        <m:r>
-                          <a:rPr lang="en-US" b="0" i="1" smtClean="0">
-                            <a:latin typeface="Cambria Math" panose="02040503050406030204" pitchFamily="18" charset="0"/>
-                          </a:rPr>
-                          <m:t>)</m:t>
-                        </m:r>
-                      </m:sup>
-                    </m:sSup>
-                    <m:r>
-                      <a:rPr lang="en-US" b="0" i="1" smtClean="0">
-                        <a:latin typeface="Cambria Math" panose="02040503050406030204" pitchFamily="18" charset="0"/>
-                      </a:rPr>
-                      <m:t>:</m:t>
-                    </m:r>
-                    <m:r>
-                      <a:rPr lang="en-US" b="0" i="1" smtClean="0">
-                        <a:latin typeface="Cambria Math" panose="02040503050406030204" pitchFamily="18" charset="0"/>
-                      </a:rPr>
-                      <m:t>𝑟𝑒𝑤𝑎𝑟𝑑</m:t>
-                    </m:r>
-                  </m:oMath>
-                </a14:m>
-                <a:endParaRPr lang="en-US" b="0" dirty="0">
-                  <a:latin typeface="Times New Roman" panose="02020603050405020304" pitchFamily="18" charset="0"/>
-                  <a:cs typeface="Times New Roman" panose="02020603050405020304" pitchFamily="18" charset="0"/>
-                </a:endParaRPr>
-              </a:p>
-              <a:p>
-                <a:pPr lvl="1"/>
-                <a14:m>
-                  <m:oMath xmlns:m="http://schemas.openxmlformats.org/officeDocument/2006/math">
-                    <m:r>
-                      <a:rPr lang="en-US" b="0" i="1" smtClean="0">
-                        <a:latin typeface="Cambria Math" panose="02040503050406030204" pitchFamily="18" charset="0"/>
-                      </a:rPr>
-                      <m:t>𝑡</m:t>
-                    </m:r>
-                    <m:r>
-                      <a:rPr lang="en-US" b="0" i="1" smtClean="0">
-                        <a:latin typeface="Cambria Math" panose="02040503050406030204" pitchFamily="18" charset="0"/>
-                      </a:rPr>
-                      <m:t>:</m:t>
-                    </m:r>
-                    <m:r>
-                      <a:rPr lang="en-US" b="0" i="1" smtClean="0">
-                        <a:latin typeface="Cambria Math" panose="02040503050406030204" pitchFamily="18" charset="0"/>
-                      </a:rPr>
-                      <m:t>𝑐𝑦𝑐𝑙𝑒</m:t>
-                    </m:r>
-                    <m:r>
-                      <a:rPr lang="en-US" b="0" i="1" smtClean="0">
-                        <a:latin typeface="Cambria Math" panose="02040503050406030204" pitchFamily="18" charset="0"/>
-                      </a:rPr>
-                      <m:t> </m:t>
-                    </m:r>
-                    <m:r>
-                      <a:rPr lang="en-US" b="0" i="1" smtClean="0">
-                        <a:latin typeface="Cambria Math" panose="02040503050406030204" pitchFamily="18" charset="0"/>
-                      </a:rPr>
-                      <m:t>𝑛𝑢𝑚𝑏𝑒𝑟</m:t>
-                    </m:r>
-                  </m:oMath>
-                </a14:m>
-                <a:endParaRPr lang="en-US" dirty="0">
-                  <a:latin typeface="Times New Roman" panose="02020603050405020304" pitchFamily="18" charset="0"/>
-                  <a:cs typeface="Times New Roman" panose="02020603050405020304" pitchFamily="18" charset="0"/>
-                </a:endParaRPr>
-              </a:p>
-              <a:p>
-                <a:pPr marL="596900" lvl="1" indent="0">
-                  <a:buNone/>
-                </a:pPr>
-                <a:endParaRPr lang="en-US" b="0" dirty="0"/>
-              </a:p>
-              <a:p>
-                <a:pPr lvl="1"/>
-                <a:endParaRPr lang="en-US" dirty="0"/>
-              </a:p>
-            </p:txBody>
-          </p:sp>
-        </mc:Choice>
-        <mc:Fallback>
-          <p:sp>
-            <p:nvSpPr>
-              <p:cNvPr id="3" name="Text Placeholder 2">
-                <a:extLst>
-                  <a:ext uri="{FF2B5EF4-FFF2-40B4-BE49-F238E27FC236}">
-                    <a16:creationId xmlns:a16="http://schemas.microsoft.com/office/drawing/2014/main" id="{C78765BE-E985-6847-E434-EEC6F64318C9}"/>
-                  </a:ext>
-                </a:extLst>
-              </p:cNvPr>
-              <p:cNvSpPr>
-                <a:spLocks noGrp="1" noRot="1" noChangeAspect="1" noMove="1" noResize="1" noEditPoints="1" noAdjustHandles="1" noChangeArrowheads="1" noChangeShapeType="1" noTextEdit="1"/>
-              </p:cNvSpPr>
-              <p:nvPr>
-                <p:ph type="body" idx="1"/>
-              </p:nvPr>
-            </p:nvSpPr>
-            <p:spPr>
-              <a:xfrm>
-                <a:off x="302400" y="2744683"/>
-                <a:ext cx="8520600" cy="1662857"/>
-              </a:xfrm>
-              <a:blipFill>
-                <a:blip r:embed="rId2"/>
-                <a:stretch>
-                  <a:fillRect b="-366"/>
-                </a:stretch>
-              </a:blipFill>
-            </p:spPr>
-            <p:txBody>
-              <a:bodyPr/>
-              <a:lstStyle/>
-              <a:p>
-                <a:r>
-                  <a:rPr lang="en-US">
-                    <a:noFill/>
-                  </a:rPr>
-                  <a:t> </a:t>
-                </a:r>
-              </a:p>
-            </p:txBody>
-          </p:sp>
-        </mc:Fallback>
-      </mc:AlternateContent>
-      <p:sp>
-        <p:nvSpPr>
-          <p:cNvPr id="4" name="Slide Number Placeholder 3">
-            <a:extLst>
-              <a:ext uri="{FF2B5EF4-FFF2-40B4-BE49-F238E27FC236}">
-                <a16:creationId xmlns:a16="http://schemas.microsoft.com/office/drawing/2014/main" id="{2931AD7A-CACA-C1CD-6BF0-FEEB395F79B4}"/>
-              </a:ext>
-            </a:extLst>
-          </p:cNvPr>
-          <p:cNvSpPr>
-            <a:spLocks noGrp="1"/>
-          </p:cNvSpPr>
-          <p:nvPr>
-            <p:ph type="sldNum" idx="12"/>
-          </p:nvPr>
-        </p:nvSpPr>
-        <p:spPr/>
-        <p:txBody>
-          <a:bodyPr/>
-          <a:lstStyle/>
-          <a:p>
-            <a:pPr marL="0" lvl="0" indent="0" algn="r" rtl="0">
-              <a:spcBef>
-                <a:spcPts val="0"/>
-              </a:spcBef>
-              <a:spcAft>
-                <a:spcPts val="0"/>
-              </a:spcAft>
-              <a:buNone/>
-            </a:pPr>
-            <a:fld id="{00000000-1234-1234-1234-123412341234}" type="slidenum">
-              <a:rPr lang="en" smtClean="0"/>
-              <a:t>9</a:t>
-            </a:fld>
-            <a:endParaRPr lang="en"/>
-          </a:p>
-        </p:txBody>
-      </p:sp>
-      <p:sp>
-        <p:nvSpPr>
-          <p:cNvPr id="5" name="Slide Number Placeholder 4">
-            <a:extLst>
-              <a:ext uri="{FF2B5EF4-FFF2-40B4-BE49-F238E27FC236}">
-                <a16:creationId xmlns:a16="http://schemas.microsoft.com/office/drawing/2014/main" id="{526B02F4-FA15-8789-8ABE-CA48D7551F93}"/>
-              </a:ext>
-            </a:extLst>
-          </p:cNvPr>
-          <p:cNvSpPr>
-            <a:spLocks noGrp="1"/>
-          </p:cNvSpPr>
-          <p:nvPr>
-            <p:ph type="sldNum" idx="2"/>
-          </p:nvPr>
-        </p:nvSpPr>
-        <p:spPr/>
-        <p:txBody>
-          <a:bodyPr/>
-          <a:lstStyle/>
-          <a:p>
-            <a:pPr marL="0" lvl="0" indent="0" algn="r" rtl="0">
-              <a:spcBef>
-                <a:spcPts val="0"/>
-              </a:spcBef>
-              <a:spcAft>
-                <a:spcPts val="0"/>
-              </a:spcAft>
-              <a:buNone/>
-            </a:pPr>
-            <a:fld id="{00000000-1234-1234-1234-123412341234}" type="slidenum">
-              <a:rPr lang="en" smtClean="0"/>
-              <a:t>9</a:t>
-            </a:fld>
-            <a:endParaRPr lang="en"/>
-          </a:p>
-        </p:txBody>
-      </p:sp>
-      <p:pic>
-        <p:nvPicPr>
-          <p:cNvPr id="6" name="Picture 5">
-            <a:extLst>
-              <a:ext uri="{FF2B5EF4-FFF2-40B4-BE49-F238E27FC236}">
-                <a16:creationId xmlns:a16="http://schemas.microsoft.com/office/drawing/2014/main" id="{065AD4EC-B9CE-83D9-91DC-E45FB92C8CB1}"/>
+                <a16:creationId xmlns:a16="http://schemas.microsoft.com/office/drawing/2014/main" id="{E36B0B7C-2689-CF37-CFC4-B6DEC7940B08}"/>
               </a:ext>
             </a:extLst>
           </p:cNvPr>
@@ -18431,21 +20157,31 @@
           </a:stretch>
         </p:blipFill>
         <p:spPr>
-          <a:xfrm>
-            <a:off x="3899145" y="932396"/>
-            <a:ext cx="5067661" cy="1554716"/>
+          <a:xfrm flipH="1">
+            <a:off x="6624706" y="3902919"/>
+            <a:ext cx="747712" cy="747712"/>
           </a:xfrm>
           <a:prstGeom prst="rect">
             <a:avLst/>
           </a:prstGeom>
+          <a:ln>
+            <a:noFill/>
+          </a:ln>
+          <a:effectLst>
+            <a:outerShdw blurRad="292100" dist="139700" dir="2700000" algn="tl" rotWithShape="0">
+              <a:srgbClr val="333333">
+                <a:alpha val="65000"/>
+              </a:srgbClr>
+            </a:outerShdw>
+          </a:effectLst>
         </p:spPr>
       </p:pic>
       <p:sp>
         <p:nvSpPr>
-          <p:cNvPr id="7" name="TextBox 6">
+          <p:cNvPr id="11" name="TextBox 10">
             <a:extLst>
               <a:ext uri="{FF2B5EF4-FFF2-40B4-BE49-F238E27FC236}">
-                <a16:creationId xmlns:a16="http://schemas.microsoft.com/office/drawing/2014/main" id="{DCD2CA23-1FF5-C248-6034-172031DBC101}"/>
+                <a16:creationId xmlns:a16="http://schemas.microsoft.com/office/drawing/2014/main" id="{58522CFB-3409-3157-DD83-49F79BDAE7BA}"/>
               </a:ext>
             </a:extLst>
           </p:cNvPr>
@@ -18454,8 +20190,8 @@
         </p:nvSpPr>
         <p:spPr>
           <a:xfrm>
-            <a:off x="3899145" y="2402473"/>
-            <a:ext cx="3185810" cy="169277"/>
+            <a:off x="6372718" y="4695920"/>
+            <a:ext cx="2611982" cy="415498"/>
           </a:xfrm>
           <a:prstGeom prst="rect">
             <a:avLst/>
@@ -18469,32 +20205,56 @@
           <a:lstStyle/>
           <a:p>
             <a:r>
-              <a:rPr lang="en-US" sz="500" dirty="0"/>
-              <a:t>Image taken from figure 2 from </a:t>
-            </a:r>
-            <a:r>
-              <a:rPr lang="en-US" sz="500" dirty="0" err="1"/>
-              <a:t>Tziafas</a:t>
-            </a:r>
-            <a:r>
-              <a:rPr lang="en-US" sz="500" dirty="0"/>
-              <a:t> and </a:t>
-            </a:r>
-            <a:r>
-              <a:rPr lang="en-US" sz="500" dirty="0" err="1"/>
-              <a:t>Kasaei</a:t>
-            </a:r>
-            <a:r>
-              <a:rPr lang="en-US" sz="500" dirty="0"/>
-              <a:t>  </a:t>
+              <a:rPr lang="en-US" sz="700" dirty="0"/>
+              <a:t>Image from </a:t>
+            </a:r>
+            <a:r>
+              <a:rPr lang="en-US" sz="700" dirty="0">
+                <a:hlinkClick r:id="rId4"/>
+              </a:rPr>
+              <a:t>https://www.flaticon.com/free-icon/wake-up_760644</a:t>
+            </a:r>
+            <a:r>
+              <a:rPr lang="en-US" sz="700" dirty="0"/>
+              <a:t> and https://www.freepik.com/icon/enough-sleep_6807803 </a:t>
             </a:r>
           </a:p>
         </p:txBody>
       </p:sp>
+      <p:pic>
+        <p:nvPicPr>
+          <p:cNvPr id="13" name="Picture 12" descr="A blue bed with a white blanket and a clock on the wall&#10;&#10;Description automatically generated">
+            <a:extLst>
+              <a:ext uri="{FF2B5EF4-FFF2-40B4-BE49-F238E27FC236}">
+                <a16:creationId xmlns:a16="http://schemas.microsoft.com/office/drawing/2014/main" id="{CA75BF87-306E-20C1-8998-710F1032CCA4}"/>
+              </a:ext>
+            </a:extLst>
+          </p:cNvPr>
+          <p:cNvPicPr>
+            <a:picLocks noChangeAspect="1"/>
+          </p:cNvPicPr>
+          <p:nvPr/>
+        </p:nvPicPr>
+        <p:blipFill>
+          <a:blip r:embed="rId5"/>
+          <a:stretch>
+            <a:fillRect/>
+          </a:stretch>
+        </p:blipFill>
+        <p:spPr>
+          <a:xfrm>
+            <a:off x="7932188" y="3902919"/>
+            <a:ext cx="747712" cy="747712"/>
+          </a:xfrm>
+          <a:prstGeom prst="rect">
+            <a:avLst/>
+          </a:prstGeom>
+        </p:spPr>
+      </p:pic>
     </p:spTree>
     <p:extLst>
       <p:ext uri="{BB962C8B-B14F-4D97-AF65-F5344CB8AC3E}">
-        <p14:creationId xmlns:p14="http://schemas.microsoft.com/office/powerpoint/2010/main" val="1074082548"/>
+        <p14:creationId xmlns:p14="http://schemas.microsoft.com/office/powerpoint/2010/main" val="2321791293"/>
       </p:ext>
     </p:extLst>
   </p:cSld>

--- a/CS-6501_Kuo/paper presentation/lifelong_robot_presentation.pptx
+++ b/CS-6501_Kuo/paper presentation/lifelong_robot_presentation.pptx
@@ -11224,8 +11224,8 @@
           </a:p>
         </p:txBody>
       </p:sp>
-      <mc:AlternateContent xmlns:mc="http://schemas.openxmlformats.org/markup-compatibility/2006">
-        <mc:Choice xmlns:a14="http://schemas.microsoft.com/office/drawing/2010/main" Requires="a14">
+      <mc:AlternateContent xmlns:mc="http://schemas.openxmlformats.org/markup-compatibility/2006" xmlns:a14="http://schemas.microsoft.com/office/drawing/2010/main">
+        <mc:Choice Requires="a14">
           <p:sp>
             <p:nvSpPr>
               <p:cNvPr id="3" name="Text Placeholder 2">
@@ -11727,7 +11727,7 @@
             </p:txBody>
           </p:sp>
         </mc:Choice>
-        <mc:Fallback>
+        <mc:Fallback xmlns="">
           <p:sp>
             <p:nvSpPr>
               <p:cNvPr id="3" name="Text Placeholder 2">
@@ -12278,8 +12278,8 @@
           </a:p>
         </p:txBody>
       </p:sp>
-      <mc:AlternateContent xmlns:mc="http://schemas.openxmlformats.org/markup-compatibility/2006">
-        <mc:Choice xmlns:a14="http://schemas.microsoft.com/office/drawing/2010/main" Requires="a14">
+      <mc:AlternateContent xmlns:mc="http://schemas.openxmlformats.org/markup-compatibility/2006" xmlns:a14="http://schemas.microsoft.com/office/drawing/2010/main">
+        <mc:Choice Requires="a14">
           <p:sp>
             <p:nvSpPr>
               <p:cNvPr id="12" name="Text Placeholder 10">
@@ -13101,7 +13101,7 @@
             </p:txBody>
           </p:sp>
         </mc:Choice>
-        <mc:Fallback>
+        <mc:Fallback xmlns="">
           <p:sp>
             <p:nvSpPr>
               <p:cNvPr id="12" name="Text Placeholder 10">
@@ -14100,8 +14100,8 @@
           </a:p>
         </p:txBody>
       </p:sp>
-      <mc:AlternateContent xmlns:mc="http://schemas.openxmlformats.org/markup-compatibility/2006">
-        <mc:Choice xmlns:a14="http://schemas.microsoft.com/office/drawing/2010/main" Requires="a14">
+      <mc:AlternateContent xmlns:mc="http://schemas.openxmlformats.org/markup-compatibility/2006" xmlns:a14="http://schemas.microsoft.com/office/drawing/2010/main">
+        <mc:Choice Requires="a14">
           <p:sp>
             <p:nvSpPr>
               <p:cNvPr id="3" name="Text Placeholder 2">
@@ -14383,7 +14383,7 @@
             </p:txBody>
           </p:sp>
         </mc:Choice>
-        <mc:Fallback>
+        <mc:Fallback xmlns="">
           <p:sp>
             <p:nvSpPr>
               <p:cNvPr id="3" name="Text Placeholder 2">
@@ -16830,8 +16830,12 @@
           <a:lstStyle/>
           <a:p>
             <a:r>
+              <a:rPr lang="en-US" sz="3200"/>
+              <a:t>Good </a:t>
+            </a:r>
+            <a:r>
               <a:rPr lang="en-US" sz="3200" dirty="0"/>
-              <a:t>Excellent at learning new</a:t>
+              <a:t>at learning new skills</a:t>
             </a:r>
           </a:p>
           <a:p>

--- a/CS-6501_Kuo/paper presentation/lifelong_robot_presentation.pptx
+++ b/CS-6501_Kuo/paper presentation/lifelong_robot_presentation.pptx
@@ -5,7 +5,7 @@
     <p:sldMasterId id="2147483657" r:id="rId1"/>
   </p:sldMasterIdLst>
   <p:notesMasterIdLst>
-    <p:notesMasterId r:id="rId28"/>
+    <p:notesMasterId r:id="rId25"/>
   </p:notesMasterIdLst>
   <p:sldIdLst>
     <p:sldId id="256" r:id="rId2"/>
@@ -18,36 +18,33 @@
     <p:sldId id="280" r:id="rId9"/>
     <p:sldId id="270" r:id="rId10"/>
     <p:sldId id="272" r:id="rId11"/>
-    <p:sldId id="273" r:id="rId12"/>
-    <p:sldId id="274" r:id="rId13"/>
-    <p:sldId id="275" r:id="rId14"/>
-    <p:sldId id="276" r:id="rId15"/>
-    <p:sldId id="262" r:id="rId16"/>
-    <p:sldId id="282" r:id="rId17"/>
-    <p:sldId id="277" r:id="rId18"/>
-    <p:sldId id="278" r:id="rId19"/>
-    <p:sldId id="279" r:id="rId20"/>
-    <p:sldId id="263" r:id="rId21"/>
-    <p:sldId id="266" r:id="rId22"/>
-    <p:sldId id="264" r:id="rId23"/>
-    <p:sldId id="267" r:id="rId24"/>
-    <p:sldId id="265" r:id="rId25"/>
-    <p:sldId id="268" r:id="rId26"/>
-    <p:sldId id="281" r:id="rId27"/>
+    <p:sldId id="274" r:id="rId12"/>
+    <p:sldId id="275" r:id="rId13"/>
+    <p:sldId id="262" r:id="rId14"/>
+    <p:sldId id="282" r:id="rId15"/>
+    <p:sldId id="277" r:id="rId16"/>
+    <p:sldId id="278" r:id="rId17"/>
+    <p:sldId id="279" r:id="rId18"/>
+    <p:sldId id="263" r:id="rId19"/>
+    <p:sldId id="266" r:id="rId20"/>
+    <p:sldId id="265" r:id="rId21"/>
+    <p:sldId id="268" r:id="rId22"/>
+    <p:sldId id="283" r:id="rId23"/>
+    <p:sldId id="281" r:id="rId24"/>
   </p:sldIdLst>
   <p:sldSz cx="9144000" cy="5143500" type="screen16x9"/>
   <p:notesSz cx="6858000" cy="9144000"/>
   <p:embeddedFontLst>
     <p:embeddedFont>
       <p:font typeface="Cambria Math" panose="02040503050406030204" pitchFamily="18" charset="0"/>
-      <p:regular r:id="rId29"/>
+      <p:regular r:id="rId26"/>
     </p:embeddedFont>
     <p:embeddedFont>
       <p:font typeface="Helvetica Neue Light" panose="020B0604020202020204" charset="0"/>
-      <p:regular r:id="rId30"/>
-      <p:bold r:id="rId31"/>
-      <p:italic r:id="rId32"/>
-      <p:boldItalic r:id="rId33"/>
+      <p:regular r:id="rId27"/>
+      <p:bold r:id="rId28"/>
+      <p:italic r:id="rId29"/>
+      <p:boldItalic r:id="rId30"/>
     </p:embeddedFont>
   </p:embeddedFontLst>
   <p:defaultTextStyle>
@@ -1049,6 +1046,97 @@
           <a:lstStyle/>
           <a:p>
             <a:r>
+              <a:rPr lang="en-US" dirty="0" err="1"/>
+              <a:t>CLIPort</a:t>
+            </a:r>
+            <a:r>
+              <a:rPr lang="en-US" dirty="0"/>
+              <a:t> struggles with unseen attributes</a:t>
+            </a:r>
+          </a:p>
+          <a:p>
+            <a:r>
+              <a:rPr lang="en-US" dirty="0"/>
+              <a:t>Performance degrades with unseen instructions</a:t>
+            </a:r>
+          </a:p>
+          <a:p>
+            <a:r>
+              <a:rPr lang="en-US" dirty="0"/>
+              <a:t>LLM-Static (CAP): robust to unseen attributes; generalize well with unseen instructions; produces non-executable code with unseen instructions at later cycles</a:t>
+            </a:r>
+          </a:p>
+          <a:p>
+            <a:endParaRPr lang="en-US" dirty="0"/>
+          </a:p>
+          <a:p>
+            <a:endParaRPr lang="en-US" dirty="0"/>
+          </a:p>
+        </p:txBody>
+      </p:sp>
+    </p:spTree>
+    <p:extLst>
+      <p:ext uri="{BB962C8B-B14F-4D97-AF65-F5344CB8AC3E}">
+        <p14:creationId xmlns:p14="http://schemas.microsoft.com/office/powerpoint/2010/main" val="4229180690"/>
+      </p:ext>
+    </p:extLst>
+  </p:cSld>
+  <p:clrMapOvr>
+    <a:masterClrMapping/>
+  </p:clrMapOvr>
+</p:notes>
+</file>
+
+<file path=ppt/notesSlides/notesSlide11.xml><?xml version="1.0" encoding="utf-8"?>
+<p:notes xmlns:a="http://schemas.openxmlformats.org/drawingml/2006/main" xmlns:r="http://schemas.openxmlformats.org/officeDocument/2006/relationships" xmlns:p="http://schemas.openxmlformats.org/presentationml/2006/main">
+  <p:cSld>
+    <p:spTree>
+      <p:nvGrpSpPr>
+        <p:cNvPr id="1" name=""/>
+        <p:cNvGrpSpPr/>
+        <p:nvPr/>
+      </p:nvGrpSpPr>
+      <p:grpSpPr>
+        <a:xfrm>
+          <a:off x="0" y="0"/>
+          <a:ext cx="0" cy="0"/>
+          <a:chOff x="0" y="0"/>
+          <a:chExt cx="0" cy="0"/>
+        </a:xfrm>
+      </p:grpSpPr>
+      <p:sp>
+        <p:nvSpPr>
+          <p:cNvPr id="2" name="Slide Image Placeholder 1"/>
+          <p:cNvSpPr>
+            <a:spLocks noGrp="1" noRot="1" noChangeAspect="1"/>
+          </p:cNvSpPr>
+          <p:nvPr>
+            <p:ph type="sldImg"/>
+          </p:nvPr>
+        </p:nvSpPr>
+        <p:spPr>
+          <a:xfrm>
+            <a:off x="381000" y="685800"/>
+            <a:ext cx="6096000" cy="3429000"/>
+          </a:xfrm>
+        </p:spPr>
+      </p:sp>
+      <p:sp>
+        <p:nvSpPr>
+          <p:cNvPr id="3" name="Notes Placeholder 2"/>
+          <p:cNvSpPr>
+            <a:spLocks noGrp="1"/>
+          </p:cNvSpPr>
+          <p:nvPr>
+            <p:ph type="body" idx="1"/>
+          </p:nvPr>
+        </p:nvSpPr>
+        <p:spPr/>
+        <p:txBody>
+          <a:bodyPr/>
+          <a:lstStyle/>
+          <a:p>
+            <a:r>
               <a:rPr lang="en-US" dirty="0"/>
               <a:t>Ablation: study of effect of each proposed component</a:t>
             </a:r>
@@ -1138,6 +1226,24 @@
               <a:rPr lang="en-US" dirty="0"/>
               <a:t>LLM and Embedding Models</a:t>
             </a:r>
+          </a:p>
+          <a:p>
+            <a:r>
+              <a:rPr lang="en-US" dirty="0"/>
+              <a:t>Zero-shot sim-to-real</a:t>
+            </a:r>
+          </a:p>
+          <a:p>
+            <a:pPr lvl="1"/>
+            <a:r>
+              <a:rPr lang="en-US" dirty="0"/>
+              <a:t>Errors were due to collisions and CLIP </a:t>
+            </a:r>
+            <a:r>
+              <a:rPr lang="en-US" dirty="0" err="1"/>
+              <a:t>missclassification</a:t>
+            </a:r>
+            <a:endParaRPr lang="en-US" dirty="0"/>
           </a:p>
         </p:txBody>
       </p:sp>
@@ -1307,14 +1413,31 @@
           <a:bodyPr/>
           <a:lstStyle/>
           <a:p>
-            <a:endParaRPr lang="en-US" dirty="0"/>
+            <a:r>
+              <a:rPr lang="en-US" dirty="0"/>
+              <a:t>Motivations</a:t>
+            </a:r>
+          </a:p>
+          <a:p>
+            <a:pPr lvl="1"/>
+            <a:r>
+              <a:rPr lang="en-US" dirty="0"/>
+              <a:t>Stationary range of actions</a:t>
+            </a:r>
+          </a:p>
+          <a:p>
+            <a:pPr lvl="1"/>
+            <a:r>
+              <a:rPr lang="en-US" dirty="0"/>
+              <a:t>Weak scalability</a:t>
+            </a:r>
           </a:p>
         </p:txBody>
       </p:sp>
     </p:spTree>
     <p:extLst>
       <p:ext uri="{BB962C8B-B14F-4D97-AF65-F5344CB8AC3E}">
-        <p14:creationId xmlns:p14="http://schemas.microsoft.com/office/powerpoint/2010/main" val="2678502003"/>
+        <p14:creationId xmlns:p14="http://schemas.microsoft.com/office/powerpoint/2010/main" val="2314039145"/>
       </p:ext>
     </p:extLst>
   </p:cSld>
@@ -1373,51 +1496,14 @@
           <a:bodyPr/>
           <a:lstStyle/>
           <a:p>
-            <a:pPr marL="457200" indent="-298450">
-              <a:buFontTx/>
-              <a:buChar char="-"/>
-            </a:pPr>
-            <a:r>
-              <a:rPr lang="en-US" dirty="0"/>
-              <a:t>Demos appended to memory</a:t>
-            </a:r>
-          </a:p>
-          <a:p>
-            <a:pPr marL="457200" indent="-298450">
-              <a:buFontTx/>
-              <a:buChar char="-"/>
-            </a:pPr>
-            <a:r>
-              <a:rPr lang="en-US" dirty="0"/>
-              <a:t>“a” is factorized based on current library skills</a:t>
-            </a:r>
-          </a:p>
-          <a:p>
-            <a:pPr marL="457200" indent="-298450">
-              <a:buFontTx/>
-              <a:buChar char="-"/>
-            </a:pPr>
-            <a:r>
-              <a:rPr lang="en-US" dirty="0"/>
-              <a:t>“r” way to verify success</a:t>
-            </a:r>
-          </a:p>
-          <a:p>
-            <a:pPr marL="457200" indent="-298450">
-              <a:buFontTx/>
-              <a:buChar char="-"/>
-            </a:pPr>
-            <a:r>
-              <a:rPr lang="en-US" dirty="0"/>
-              <a:t>Output: python functions</a:t>
-            </a:r>
+            <a:endParaRPr lang="en-US" dirty="0"/>
           </a:p>
         </p:txBody>
       </p:sp>
     </p:spTree>
     <p:extLst>
       <p:ext uri="{BB962C8B-B14F-4D97-AF65-F5344CB8AC3E}">
-        <p14:creationId xmlns:p14="http://schemas.microsoft.com/office/powerpoint/2010/main" val="3038475245"/>
+        <p14:creationId xmlns:p14="http://schemas.microsoft.com/office/powerpoint/2010/main" val="2678502003"/>
       </p:ext>
     </p:extLst>
   </p:cSld>
@@ -1478,131 +1564,15 @@
           <a:p>
             <a:r>
               <a:rPr lang="en-US" dirty="0"/>
-              <a:t>Agent interacts with environment</a:t>
-            </a:r>
-          </a:p>
-          <a:p>
-            <a:r>
-              <a:rPr lang="en-US" dirty="0"/>
-              <a:t>Notation</a:t>
-            </a:r>
-          </a:p>
-          <a:p>
-            <a:pPr lvl="1"/>
-            <a:r>
-              <a:rPr lang="en-US" dirty="0"/>
-              <a:t>a =&gt; factorized based on current skill library</a:t>
-            </a:r>
-          </a:p>
-          <a:p>
-            <a:pPr lvl="1"/>
-            <a:r>
-              <a:rPr lang="en-US" dirty="0"/>
-              <a:t>r =&gt; success code</a:t>
-            </a:r>
-          </a:p>
-          <a:p>
-            <a:pPr lvl="1"/>
-            <a:r>
-              <a:rPr lang="en-US" dirty="0"/>
-              <a:t>l =&gt; instruction</a:t>
-            </a:r>
-          </a:p>
-          <a:p>
-            <a:r>
-              <a:rPr lang="en-US" dirty="0"/>
-              <a:t>LLM iteratively proposes task and pushes to simulator</a:t>
-            </a:r>
-          </a:p>
-          <a:p>
-            <a:pPr lvl="1"/>
-            <a:r>
-              <a:rPr lang="en-US" dirty="0"/>
-              <a:t>Executed and verified using another LLM’s generated policy and success code</a:t>
-            </a:r>
-          </a:p>
-          <a:p>
-            <a:pPr lvl="1"/>
-            <a:r>
-              <a:rPr lang="en-US" dirty="0"/>
-              <a:t>If successful, push to memory</a:t>
-            </a:r>
-          </a:p>
-          <a:p>
-            <a:r>
-              <a:rPr lang="en-US" dirty="0"/>
-              <a:t>Entire process repeated until iteration threshold or objectives are complete</a:t>
-            </a:r>
-          </a:p>
-          <a:p>
-            <a:r>
-              <a:rPr lang="en-US" dirty="0"/>
-              <a:t>Acquired experiences stored in replay buffer: </a:t>
-            </a:r>
-            <a:r>
-              <a:rPr lang="en-US" dirty="0" err="1"/>
-              <a:t>B_t</a:t>
-            </a:r>
-            <a:r>
-              <a:rPr lang="en-US" dirty="0"/>
-              <a:t> = {&lt;s_{0, k}, </a:t>
-            </a:r>
-            <a:r>
-              <a:rPr lang="en-US" dirty="0" err="1"/>
-              <a:t>l_k</a:t>
-            </a:r>
-            <a:r>
-              <a:rPr lang="en-US" dirty="0"/>
-              <a:t>, </a:t>
-            </a:r>
-            <a:r>
-              <a:rPr lang="en-US" dirty="0" err="1"/>
-              <a:t>a_k</a:t>
-            </a:r>
-            <a:r>
-              <a:rPr lang="en-US" dirty="0"/>
-              <a:t>, </a:t>
-            </a:r>
-            <a:r>
-              <a:rPr lang="en-US" dirty="0" err="1"/>
-              <a:t>r_k</a:t>
-            </a:r>
-            <a:r>
-              <a:rPr lang="en-US" dirty="0"/>
-              <a:t>&gt; | </a:t>
-            </a:r>
-            <a:r>
-              <a:rPr lang="en-US" dirty="0" err="1"/>
-              <a:t>r_k</a:t>
-            </a:r>
-            <a:r>
-              <a:rPr lang="en-US" dirty="0"/>
-              <a:t> = 1}</a:t>
-            </a:r>
-          </a:p>
-          <a:p>
-            <a:pPr lvl="1"/>
-            <a:r>
-              <a:rPr lang="en-US" dirty="0"/>
-              <a:t>s_0,k = initial simulation of proposal k</a:t>
-            </a:r>
-          </a:p>
-          <a:p>
-            <a:r>
-              <a:rPr lang="en-US" dirty="0"/>
-              <a:t>f</a:t>
-            </a:r>
-          </a:p>
-          <a:p>
-            <a:pPr lvl="1"/>
-            <a:endParaRPr lang="en-US" dirty="0"/>
+              <a:t>Basic high level idea of what each phase does</a:t>
+            </a:r>
           </a:p>
         </p:txBody>
       </p:sp>
     </p:spTree>
     <p:extLst>
       <p:ext uri="{BB962C8B-B14F-4D97-AF65-F5344CB8AC3E}">
-        <p14:creationId xmlns:p14="http://schemas.microsoft.com/office/powerpoint/2010/main" val="2551507816"/>
+        <p14:creationId xmlns:p14="http://schemas.microsoft.com/office/powerpoint/2010/main" val="1901612390"/>
       </p:ext>
     </p:extLst>
   </p:cSld>
@@ -1661,65 +1631,211 @@
           <a:bodyPr/>
           <a:lstStyle/>
           <a:p>
+            <a:pPr marL="457200" indent="-298450">
+              <a:buFontTx/>
+              <a:buChar char="-"/>
+            </a:pPr>
             <a:r>
               <a:rPr lang="en-US" dirty="0"/>
-              <a:t>First created using an abstract syntax tree of policy code</a:t>
-            </a:r>
-          </a:p>
-          <a:p>
+              <a:t>Demos appended to memory</a:t>
+            </a:r>
+          </a:p>
+          <a:p>
+            <a:pPr marL="457200" indent="-298450">
+              <a:buFontTx/>
+              <a:buChar char="-"/>
+            </a:pPr>
             <a:r>
               <a:rPr lang="en-US" dirty="0"/>
-              <a:t>Clustered</a:t>
+              <a:t>“a” is factorized based on current library skills</a:t>
+            </a:r>
+          </a:p>
+          <a:p>
+            <a:pPr marL="457200" indent="-298450">
+              <a:buFontTx/>
+              <a:buChar char="-"/>
+            </a:pPr>
+            <a:r>
+              <a:rPr lang="en-US" dirty="0"/>
+              <a:t>“r” way to verify success</a:t>
+            </a:r>
+          </a:p>
+          <a:p>
+            <a:pPr marL="457200" indent="-298450">
+              <a:buFontTx/>
+              <a:buChar char="-"/>
+            </a:pPr>
+            <a:r>
+              <a:rPr lang="en-US" dirty="0"/>
+              <a:t>Output: python functions</a:t>
+            </a:r>
+          </a:p>
+          <a:p>
+            <a:pPr marL="457200" indent="-298450">
+              <a:buFontTx/>
+              <a:buChar char="-"/>
+            </a:pPr>
+            <a:endParaRPr lang="en-US" dirty="0"/>
+          </a:p>
+          <a:p>
+            <a:r>
+              <a:rPr lang="en-US" dirty="0"/>
+              <a:t>Agent interacts with environment</a:t>
+            </a:r>
+          </a:p>
+          <a:p>
+            <a:r>
+              <a:rPr lang="en-US" dirty="0"/>
+              <a:t>Notation</a:t>
             </a:r>
           </a:p>
           <a:p>
             <a:pPr lvl="1"/>
             <a:r>
               <a:rPr lang="en-US" dirty="0"/>
-              <a:t>Same tree structure modulo variable</a:t>
+              <a:t>a =&gt; factorized based on current skill library</a:t>
             </a:r>
           </a:p>
           <a:p>
             <a:pPr lvl="1"/>
             <a:r>
               <a:rPr lang="en-US" dirty="0"/>
-              <a:t>Constant names</a:t>
-            </a:r>
-          </a:p>
-          <a:p>
+              <a:t>r =&gt; success code</a:t>
+            </a:r>
+          </a:p>
+          <a:p>
+            <a:pPr lvl="1"/>
             <a:r>
               <a:rPr lang="en-US" dirty="0"/>
-              <a:t>Clusters fed into LLM =&gt; examples in order to define new function to update the library; L_{t+1} = </a:t>
+              <a:t>l =&gt; instruction</a:t>
+            </a:r>
+          </a:p>
+          <a:p>
+            <a:r>
+              <a:rPr lang="en-US" dirty="0"/>
+              <a:t>LLM iteratively proposes task and pushes to simulator</a:t>
+            </a:r>
+          </a:p>
+          <a:p>
+            <a:pPr lvl="1"/>
+            <a:r>
+              <a:rPr lang="en-US" dirty="0"/>
+              <a:t>Executed and verified using another LLM’s generated policy and success code</a:t>
+            </a:r>
+          </a:p>
+          <a:p>
+            <a:pPr lvl="1"/>
+            <a:r>
+              <a:rPr lang="en-US" dirty="0"/>
+              <a:t>If successful, push to memory</a:t>
+            </a:r>
+          </a:p>
+          <a:p>
+            <a:pPr lvl="1"/>
+            <a:r>
+              <a:rPr lang="en-US" dirty="0"/>
+              <a:t>Task </a:t>
+            </a:r>
+          </a:p>
+          <a:p>
+            <a:pPr lvl="2"/>
+            <a:r>
+              <a:rPr lang="en-US" dirty="0">
+                <a:latin typeface="Times New Roman" panose="02020603050405020304" pitchFamily="18" charset="0"/>
+                <a:cs typeface="Times New Roman" panose="02020603050405020304" pitchFamily="18" charset="0"/>
+              </a:rPr>
+              <a:t>Variations: alter concepts present in instruction</a:t>
+            </a:r>
+          </a:p>
+          <a:p>
+            <a:pPr lvl="2"/>
+            <a:r>
+              <a:rPr lang="en-US" dirty="0">
+                <a:latin typeface="Times New Roman" panose="02020603050405020304" pitchFamily="18" charset="0"/>
+                <a:cs typeface="Times New Roman" panose="02020603050405020304" pitchFamily="18" charset="0"/>
+              </a:rPr>
+              <a:t>Compositions: combinations of concepts present in demos</a:t>
+            </a:r>
+            <a:endParaRPr lang="en-US" dirty="0"/>
+          </a:p>
+          <a:p>
+            <a:r>
+              <a:rPr lang="en-US" dirty="0"/>
+              <a:t>Entire process repeated until iteration threshold or objectives are complete</a:t>
+            </a:r>
+          </a:p>
+          <a:p>
+            <a:r>
+              <a:rPr lang="en-US" dirty="0"/>
+              <a:t>Acquired experiences stored in replay buffer: </a:t>
             </a:r>
             <a:r>
               <a:rPr lang="en-US" dirty="0" err="1"/>
-              <a:t>L_t</a:t>
+              <a:t>B_t</a:t>
             </a:r>
             <a:r>
               <a:rPr lang="en-US" dirty="0"/>
-              <a:t> union (</a:t>
+              <a:t> = {&lt;s_{0, k}, </a:t>
             </a:r>
             <a:r>
               <a:rPr lang="en-US" dirty="0" err="1"/>
-              <a:t>LLAbstract</a:t>
+              <a:t>l_k</a:t>
             </a:r>
             <a:r>
               <a:rPr lang="en-US" dirty="0"/>
-              <a:t> of cluster)</a:t>
-            </a:r>
-          </a:p>
-          <a:p>
+              <a:t>, </a:t>
+            </a:r>
+            <a:r>
+              <a:rPr lang="en-US" dirty="0" err="1"/>
+              <a:t>a_k</a:t>
+            </a:r>
             <a:r>
               <a:rPr lang="en-US" dirty="0"/>
-              <a:t>If previous task fails =&gt; refactored and appended into memory</a:t>
-            </a:r>
+              <a:t>, </a:t>
+            </a:r>
+            <a:r>
+              <a:rPr lang="en-US" dirty="0" err="1"/>
+              <a:t>r_k</a:t>
+            </a:r>
+            <a:r>
+              <a:rPr lang="en-US" dirty="0"/>
+              <a:t>&gt; | </a:t>
+            </a:r>
+            <a:r>
+              <a:rPr lang="en-US" dirty="0" err="1"/>
+              <a:t>r_k</a:t>
+            </a:r>
+            <a:r>
+              <a:rPr lang="en-US" dirty="0"/>
+              <a:t> = 1}</a:t>
+            </a:r>
+          </a:p>
+          <a:p>
+            <a:pPr lvl="1"/>
+            <a:r>
+              <a:rPr lang="en-US" dirty="0"/>
+              <a:t>s_0,k = initial simulation of proposal k</a:t>
+            </a:r>
+          </a:p>
+          <a:p>
+            <a:r>
+              <a:rPr lang="en-US" dirty="0"/>
+              <a:t>f</a:t>
+            </a:r>
+          </a:p>
+          <a:p>
+            <a:pPr marL="457200" indent="-298450">
+              <a:buFontTx/>
+              <a:buChar char="-"/>
+            </a:pPr>
+            <a:endParaRPr lang="en-US" dirty="0"/>
           </a:p>
         </p:txBody>
       </p:sp>
     </p:spTree>
     <p:extLst>
       <p:ext uri="{BB962C8B-B14F-4D97-AF65-F5344CB8AC3E}">
-        <p14:creationId xmlns:p14="http://schemas.microsoft.com/office/powerpoint/2010/main" val="3812763987"/>
+        <p14:creationId xmlns:p14="http://schemas.microsoft.com/office/powerpoint/2010/main" val="3038475245"/>
       </p:ext>
     </p:extLst>
   </p:cSld>
@@ -1780,129 +1896,112 @@
           <a:p>
             <a:r>
               <a:rPr lang="en-US" dirty="0"/>
-              <a:t>Frozen pretrained vision-language model: CLIP and MDETR</a:t>
+              <a:t>First created using an abstract syntax tree of policy code</a:t>
             </a:r>
           </a:p>
           <a:p>
             <a:r>
               <a:rPr lang="en-US" dirty="0"/>
-              <a:t>Experiences reflected as instruction-action-success tuple</a:t>
-            </a:r>
-          </a:p>
-          <a:p>
+              <a:t>Clustered</a:t>
+            </a:r>
+          </a:p>
+          <a:p>
+            <a:pPr lvl="1"/>
             <a:r>
               <a:rPr lang="en-US" dirty="0"/>
-              <a:t>Indexed by instruction embedding</a:t>
+              <a:t>Same tree structure modulo variable</a:t>
             </a:r>
           </a:p>
           <a:p>
             <a:pPr lvl="1"/>
             <a:r>
               <a:rPr lang="en-US" dirty="0"/>
-              <a:t>Query instruction embedded by same model </a:t>
+              <a:t>Constant names</a:t>
+            </a:r>
+          </a:p>
+          <a:p>
+            <a:r>
+              <a:rPr lang="en-US" dirty="0"/>
+              <a:t>Clusters fed into LLM =&gt; examples in order to define new function to update the library; L_{t+1} = </a:t>
             </a:r>
             <a:r>
               <a:rPr lang="en-US" dirty="0" err="1"/>
-              <a:t>z_q</a:t>
+              <a:t>L_t</a:t>
             </a:r>
             <a:r>
               <a:rPr lang="en-US" dirty="0"/>
-              <a:t> and experience top-k</a:t>
-            </a:r>
-          </a:p>
-          <a:p>
+              <a:t> union (</a:t>
+            </a:r>
+            <a:r>
+              <a:rPr lang="en-US" dirty="0" err="1"/>
+              <a:t>LLAbstract</a:t>
+            </a:r>
             <a:r>
               <a:rPr lang="en-US" dirty="0"/>
-              <a:t>Skill Library</a:t>
-            </a:r>
-          </a:p>
-          <a:p>
+              <a:t> of cluster)</a:t>
+            </a:r>
+          </a:p>
+          <a:p>
+            <a:pPr lvl="1"/>
             <a:r>
               <a:rPr lang="en-US" dirty="0"/>
-              <a:t>Replay Buffer</a:t>
+              <a:t>Maintain logic but account for variations</a:t>
             </a:r>
           </a:p>
           <a:p>
             <a:pPr lvl="1"/>
             <a:r>
               <a:rPr lang="en-US" dirty="0"/>
-              <a:t>Same as experience memory but only for explored experiences</a:t>
+              <a:t>Extract boilerplates snippets and abstract into functions</a:t>
             </a:r>
           </a:p>
           <a:p>
             <a:r>
               <a:rPr lang="en-US" dirty="0"/>
-              <a:t>Exploration</a:t>
+              <a:t>Skills refactor the experiences (set of tasks) and the demo</a:t>
+            </a:r>
+          </a:p>
+          <a:p>
+            <a:pPr marL="914400" marR="0" lvl="1" indent="-298450" algn="l" defTabSz="914400" rtl="0" eaLnBrk="1" fontAlgn="auto" latinLnBrk="0" hangingPunct="1">
+              <a:lnSpc>
+                <a:spcPct val="100000"/>
+              </a:lnSpc>
+              <a:spcBef>
+                <a:spcPts val="0"/>
+              </a:spcBef>
+              <a:spcAft>
+                <a:spcPts val="0"/>
+              </a:spcAft>
+              <a:buClr>
+                <a:srgbClr val="000000"/>
+              </a:buClr>
+              <a:buSzPts val="1100"/>
+              <a:buFont typeface="Arial"/>
+              <a:buChar char="●"/>
+              <a:tabLst/>
+              <a:defRPr/>
+            </a:pPr>
+            <a:r>
+              <a:rPr lang="en-US" dirty="0"/>
+              <a:t>If previous task fails =&gt; refactored and appended into memory</a:t>
+            </a:r>
+          </a:p>
+          <a:p>
+            <a:r>
+              <a:rPr lang="en-US" dirty="0"/>
+              <a:t>f</a:t>
             </a:r>
           </a:p>
           <a:p>
             <a:pPr lvl="1"/>
-            <a:r>
-              <a:rPr lang="en-US" dirty="0"/>
-              <a:t>Proposes next task to complete in the simulator</a:t>
-            </a:r>
-          </a:p>
-          <a:p>
-            <a:pPr lvl="1"/>
-            <a:r>
-              <a:rPr lang="en-US" dirty="0"/>
-              <a:t>Introduce task variation: alter concepts present in simulator; task compositions: combinations of concepts present in the demos</a:t>
-            </a:r>
-          </a:p>
-          <a:p>
-            <a:r>
-              <a:rPr lang="en-US" dirty="0"/>
-              <a:t>Skill Abstraction</a:t>
-            </a:r>
-          </a:p>
-          <a:p>
-            <a:pPr lvl="1"/>
-            <a:r>
-              <a:rPr lang="en-US" dirty="0"/>
-              <a:t>Maintain same logic code  + abstract code variations</a:t>
-            </a:r>
-          </a:p>
-          <a:p>
-            <a:pPr lvl="1"/>
-            <a:r>
-              <a:rPr lang="en-US" dirty="0"/>
-              <a:t>Boilerplates =&gt; new functions</a:t>
-            </a:r>
-          </a:p>
-          <a:p>
-            <a:pPr lvl="1"/>
-            <a:r>
-              <a:rPr lang="en-US" dirty="0"/>
-              <a:t>Prompt</a:t>
-            </a:r>
-          </a:p>
-          <a:p>
-            <a:pPr lvl="2"/>
-            <a:r>
-              <a:rPr lang="en-US" dirty="0"/>
-              <a:t>General purpose</a:t>
-            </a:r>
-          </a:p>
-          <a:p>
-            <a:pPr lvl="2"/>
-            <a:r>
-              <a:rPr lang="en-US" dirty="0"/>
-              <a:t>API field</a:t>
-            </a:r>
-          </a:p>
-          <a:p>
-            <a:pPr lvl="2"/>
-            <a:r>
-              <a:rPr lang="en-US" dirty="0"/>
-              <a:t>Two exemplar function definitions</a:t>
-            </a:r>
+            <a:endParaRPr lang="en-US" dirty="0"/>
           </a:p>
         </p:txBody>
       </p:sp>
     </p:spTree>
     <p:extLst>
       <p:ext uri="{BB962C8B-B14F-4D97-AF65-F5344CB8AC3E}">
-        <p14:creationId xmlns:p14="http://schemas.microsoft.com/office/powerpoint/2010/main" val="1384860423"/>
+        <p14:creationId xmlns:p14="http://schemas.microsoft.com/office/powerpoint/2010/main" val="3812763987"/>
       </p:ext>
     </p:extLst>
   </p:cSld>
@@ -1963,13 +2062,121 @@
           <a:p>
             <a:r>
               <a:rPr lang="en-US" dirty="0"/>
-              <a:t>FT: unseen compositions of tasks</a:t>
+              <a:t>Frozen pretrained vision-language model: CLIP and MDETR</a:t>
             </a:r>
           </a:p>
           <a:p>
             <a:r>
               <a:rPr lang="en-US" dirty="0"/>
-              <a:t>BT: FT tasks from previous cycle</a:t>
+              <a:t>Experiences reflected as instruction-action-success tuple</a:t>
+            </a:r>
+          </a:p>
+          <a:p>
+            <a:r>
+              <a:rPr lang="en-US" dirty="0"/>
+              <a:t>Indexed by instruction embedding</a:t>
+            </a:r>
+          </a:p>
+          <a:p>
+            <a:pPr lvl="1"/>
+            <a:r>
+              <a:rPr lang="en-US" dirty="0"/>
+              <a:t>Query instruction embedded by same model </a:t>
+            </a:r>
+            <a:r>
+              <a:rPr lang="en-US" dirty="0" err="1"/>
+              <a:t>z_q</a:t>
+            </a:r>
+            <a:r>
+              <a:rPr lang="en-US" dirty="0"/>
+              <a:t> and experience top-k</a:t>
+            </a:r>
+          </a:p>
+          <a:p>
+            <a:r>
+              <a:rPr lang="en-US" dirty="0"/>
+              <a:t>Skill Library</a:t>
+            </a:r>
+          </a:p>
+          <a:p>
+            <a:r>
+              <a:rPr lang="en-US" dirty="0"/>
+              <a:t>Replay Buffer</a:t>
+            </a:r>
+          </a:p>
+          <a:p>
+            <a:pPr lvl="1"/>
+            <a:r>
+              <a:rPr lang="en-US" dirty="0"/>
+              <a:t>Same as experience memory but only for explored experiences</a:t>
+            </a:r>
+          </a:p>
+          <a:p>
+            <a:r>
+              <a:rPr lang="en-US" dirty="0"/>
+              <a:t>Exploration</a:t>
+            </a:r>
+          </a:p>
+          <a:p>
+            <a:pPr lvl="1"/>
+            <a:r>
+              <a:rPr lang="en-US" dirty="0"/>
+              <a:t>Proposes next task to complete in the simulator</a:t>
+            </a:r>
+          </a:p>
+          <a:p>
+            <a:pPr lvl="1"/>
+            <a:r>
+              <a:rPr lang="en-US" dirty="0"/>
+              <a:t>Introduce task variation: alter concepts present in simulator; task compositions: combinations of concepts present in the demos</a:t>
+            </a:r>
+          </a:p>
+          <a:p>
+            <a:r>
+              <a:rPr lang="en-US" dirty="0"/>
+              <a:t>Skill Abstraction</a:t>
+            </a:r>
+          </a:p>
+          <a:p>
+            <a:pPr lvl="1"/>
+            <a:r>
+              <a:rPr lang="en-US" dirty="0"/>
+              <a:t>Maintain same logic code  + abstract code variations</a:t>
+            </a:r>
+          </a:p>
+          <a:p>
+            <a:pPr lvl="1"/>
+            <a:r>
+              <a:rPr lang="en-US" dirty="0"/>
+              <a:t>Boilerplates =&gt; new functions</a:t>
+            </a:r>
+          </a:p>
+          <a:p>
+            <a:pPr lvl="1"/>
+            <a:r>
+              <a:rPr lang="en-US" dirty="0"/>
+              <a:t>Prompt</a:t>
+            </a:r>
+          </a:p>
+          <a:p>
+            <a:pPr lvl="2"/>
+            <a:r>
+              <a:rPr lang="en-US" dirty="0"/>
+              <a:t>General purpose</a:t>
+            </a:r>
+          </a:p>
+          <a:p>
+            <a:pPr lvl="2"/>
+            <a:r>
+              <a:rPr lang="en-US" dirty="0"/>
+              <a:t>API field</a:t>
+            </a:r>
+          </a:p>
+          <a:p>
+            <a:pPr lvl="2"/>
+            <a:r>
+              <a:rPr lang="en-US" dirty="0"/>
+              <a:t>Two exemplar function definitions</a:t>
             </a:r>
           </a:p>
         </p:txBody>
@@ -1977,7 +2184,7 @@
     </p:spTree>
     <p:extLst>
       <p:ext uri="{BB962C8B-B14F-4D97-AF65-F5344CB8AC3E}">
-        <p14:creationId xmlns:p14="http://schemas.microsoft.com/office/powerpoint/2010/main" val="1095205906"/>
+        <p14:creationId xmlns:p14="http://schemas.microsoft.com/office/powerpoint/2010/main" val="1384860423"/>
       </p:ext>
     </p:extLst>
   </p:cSld>
@@ -2037,38 +2244,36 @@
           <a:lstStyle/>
           <a:p>
             <a:r>
-              <a:rPr lang="en-US" dirty="0" err="1"/>
-              <a:t>CLIPort</a:t>
-            </a:r>
-            <a:r>
               <a:rPr lang="en-US" dirty="0"/>
-              <a:t> struggles with unseen attributes</a:t>
-            </a:r>
-          </a:p>
-          <a:p>
+              <a:t>FT: unseen compositions of tasks</a:t>
+            </a:r>
+          </a:p>
+          <a:p>
+            <a:pPr lvl="1"/>
             <a:r>
               <a:rPr lang="en-US" dirty="0"/>
-              <a:t>Performance degrades with unseen instructions</a:t>
+              <a:t>Test whether agent can learn to transfer knowledge between tasks</a:t>
             </a:r>
           </a:p>
           <a:p>
             <a:r>
               <a:rPr lang="en-US" dirty="0"/>
-              <a:t>LLM-Static (CAP): robust to unseen attributes; generalize well with unseen instructions; produces non-executable code with unseen instructions at later cycles</a:t>
-            </a:r>
-          </a:p>
-          <a:p>
-            <a:endParaRPr lang="en-US" dirty="0"/>
-          </a:p>
-          <a:p>
-            <a:endParaRPr lang="en-US" dirty="0"/>
+              <a:t>BT: FT tasks from previous cycle</a:t>
+            </a:r>
+          </a:p>
+          <a:p>
+            <a:pPr lvl="1"/>
+            <a:r>
+              <a:rPr lang="en-US" dirty="0"/>
+              <a:t>Test the extent that the agent forgets or improves upon a given task</a:t>
+            </a:r>
           </a:p>
         </p:txBody>
       </p:sp>
     </p:spTree>
     <p:extLst>
       <p:ext uri="{BB962C8B-B14F-4D97-AF65-F5344CB8AC3E}">
-        <p14:creationId xmlns:p14="http://schemas.microsoft.com/office/powerpoint/2010/main" val="4229180690"/>
+        <p14:creationId xmlns:p14="http://schemas.microsoft.com/office/powerpoint/2010/main" val="1095205906"/>
       </p:ext>
     </p:extLst>
   </p:cSld>
@@ -11244,14 +11449,17 @@
             </p:nvSpPr>
             <p:spPr>
               <a:xfrm>
-                <a:off x="91890" y="2744684"/>
-                <a:ext cx="5751697" cy="1936854"/>
+                <a:off x="91890" y="2830805"/>
+                <a:ext cx="4048704" cy="1936854"/>
               </a:xfrm>
             </p:spPr>
             <p:txBody>
               <a:bodyPr/>
               <a:lstStyle/>
               <a:p>
+                <a:pPr marL="114300" indent="0">
+                  <a:buNone/>
+                </a:pPr>
                 <a:r>
                   <a:rPr lang="en-US" sz="1100" b="1" dirty="0">
                     <a:latin typeface="Times New Roman" panose="02020603050405020304" pitchFamily="18" charset="0"/>
@@ -11434,7 +11642,6 @@
                 </a:endParaRPr>
               </a:p>
               <a:p>
-                <a:pPr lvl="1"/>
                 <a14:m>
                   <m:oMath xmlns:m="http://schemas.openxmlformats.org/officeDocument/2006/math">
                     <m:sSup>
@@ -11518,7 +11725,6 @@
                 </a:endParaRPr>
               </a:p>
               <a:p>
-                <a:pPr lvl="1"/>
                 <a14:m>
                   <m:oMath xmlns:m="http://schemas.openxmlformats.org/officeDocument/2006/math">
                     <m:sSup>
@@ -11602,7 +11808,6 @@
                 </a:endParaRPr>
               </a:p>
               <a:p>
-                <a:pPr lvl="1"/>
                 <a14:m>
                   <m:oMath xmlns:m="http://schemas.openxmlformats.org/officeDocument/2006/math">
                     <m:sSup>
@@ -11662,7 +11867,6 @@
                 </a:endParaRPr>
               </a:p>
               <a:p>
-                <a:pPr lvl="1"/>
                 <a14:m>
                   <m:oMath xmlns:m="http://schemas.openxmlformats.org/officeDocument/2006/math">
                     <m:r>
@@ -11703,6 +11907,18 @@
                 </a:endParaRPr>
               </a:p>
               <a:p>
+                <a:pPr marL="114300" indent="0">
+                  <a:buNone/>
+                </a:pPr>
+                <a:endParaRPr lang="en-US" sz="1100" dirty="0">
+                  <a:latin typeface="Times New Roman" panose="02020603050405020304" pitchFamily="18" charset="0"/>
+                  <a:cs typeface="Times New Roman" panose="02020603050405020304" pitchFamily="18" charset="0"/>
+                </a:endParaRPr>
+              </a:p>
+              <a:p>
+                <a:pPr marL="114300" indent="0">
+                  <a:buNone/>
+                </a:pPr>
                 <a:r>
                   <a:rPr lang="en-US" sz="1100" b="1" dirty="0">
                     <a:latin typeface="Times New Roman" panose="02020603050405020304" pitchFamily="18" charset="0"/>
@@ -11746,13 +11962,13 @@
             </p:nvSpPr>
             <p:spPr>
               <a:xfrm>
-                <a:off x="91890" y="2744684"/>
-                <a:ext cx="5751697" cy="1936854"/>
+                <a:off x="91890" y="2830805"/>
+                <a:ext cx="4048704" cy="1936854"/>
               </a:xfrm>
               <a:blipFill>
                 <a:blip r:embed="rId3"/>
                 <a:stretch>
-                  <a:fillRect t="-1572"/>
+                  <a:fillRect/>
                 </a:stretch>
               </a:blipFill>
             </p:spPr>
@@ -11869,160 +12085,14 @@
         </p:blipFill>
         <p:spPr>
           <a:xfrm>
-            <a:off x="3899145" y="932396"/>
-            <a:ext cx="5067661" cy="1554716"/>
+            <a:off x="3566741" y="911716"/>
+            <a:ext cx="5410946" cy="1660033"/>
           </a:xfrm>
           <a:prstGeom prst="rect">
             <a:avLst/>
           </a:prstGeom>
         </p:spPr>
       </p:pic>
-      <p:sp>
-        <p:nvSpPr>
-          <p:cNvPr id="7" name="TextBox 6">
-            <a:extLst>
-              <a:ext uri="{FF2B5EF4-FFF2-40B4-BE49-F238E27FC236}">
-                <a16:creationId xmlns:a16="http://schemas.microsoft.com/office/drawing/2014/main" id="{DCD2CA23-1FF5-C248-6034-172031DBC101}"/>
-              </a:ext>
-            </a:extLst>
-          </p:cNvPr>
-          <p:cNvSpPr txBox="1"/>
-          <p:nvPr/>
-        </p:nvSpPr>
-        <p:spPr>
-          <a:xfrm>
-            <a:off x="3899145" y="2402473"/>
-            <a:ext cx="3185810" cy="169277"/>
-          </a:xfrm>
-          <a:prstGeom prst="rect">
-            <a:avLst/>
-          </a:prstGeom>
-          <a:noFill/>
-        </p:spPr>
-        <p:txBody>
-          <a:bodyPr wrap="square" rtlCol="0">
-            <a:spAutoFit/>
-          </a:bodyPr>
-          <a:lstStyle/>
-          <a:p>
-            <a:r>
-              <a:rPr lang="en-US" sz="500" dirty="0"/>
-              <a:t>Image taken from figure 2 from </a:t>
-            </a:r>
-            <a:r>
-              <a:rPr lang="en-US" sz="500" dirty="0" err="1"/>
-              <a:t>Tziafas</a:t>
-            </a:r>
-            <a:r>
-              <a:rPr lang="en-US" sz="500" dirty="0"/>
-              <a:t> and </a:t>
-            </a:r>
-            <a:r>
-              <a:rPr lang="en-US" sz="500" dirty="0" err="1"/>
-              <a:t>Kasaei</a:t>
-            </a:r>
-            <a:r>
-              <a:rPr lang="en-US" sz="500" dirty="0"/>
-              <a:t>  </a:t>
-            </a:r>
-          </a:p>
-        </p:txBody>
-      </p:sp>
-      <p:sp>
-        <p:nvSpPr>
-          <p:cNvPr id="8" name="Arrow: Right 7">
-            <a:extLst>
-              <a:ext uri="{FF2B5EF4-FFF2-40B4-BE49-F238E27FC236}">
-                <a16:creationId xmlns:a16="http://schemas.microsoft.com/office/drawing/2014/main" id="{8DE94FB9-1B90-906B-1FF4-41234FE9B8F8}"/>
-              </a:ext>
-            </a:extLst>
-          </p:cNvPr>
-          <p:cNvSpPr/>
-          <p:nvPr/>
-        </p:nvSpPr>
-        <p:spPr>
-          <a:xfrm>
-            <a:off x="4160849" y="2981576"/>
-            <a:ext cx="822302" cy="368391"/>
-          </a:xfrm>
-          <a:prstGeom prst="rightArrow">
-            <a:avLst/>
-          </a:prstGeom>
-        </p:spPr>
-        <p:style>
-          <a:lnRef idx="2">
-            <a:schemeClr val="accent1">
-              <a:shade val="15000"/>
-            </a:schemeClr>
-          </a:lnRef>
-          <a:fillRef idx="1">
-            <a:schemeClr val="accent1"/>
-          </a:fillRef>
-          <a:effectRef idx="0">
-            <a:schemeClr val="accent1"/>
-          </a:effectRef>
-          <a:fontRef idx="minor">
-            <a:schemeClr val="lt1"/>
-          </a:fontRef>
-        </p:style>
-        <p:txBody>
-          <a:bodyPr rtlCol="0" anchor="ctr"/>
-          <a:lstStyle/>
-          <a:p>
-            <a:pPr algn="ctr"/>
-            <a:endParaRPr lang="en-US"/>
-          </a:p>
-        </p:txBody>
-      </p:sp>
-      <p:sp>
-        <p:nvSpPr>
-          <p:cNvPr id="9" name="Rectangle 8">
-            <a:extLst>
-              <a:ext uri="{FF2B5EF4-FFF2-40B4-BE49-F238E27FC236}">
-                <a16:creationId xmlns:a16="http://schemas.microsoft.com/office/drawing/2014/main" id="{6C658180-C779-B30D-391F-D030CE02E330}"/>
-              </a:ext>
-            </a:extLst>
-          </p:cNvPr>
-          <p:cNvSpPr/>
-          <p:nvPr/>
-        </p:nvSpPr>
-        <p:spPr>
-          <a:xfrm>
-            <a:off x="5367337" y="2744683"/>
-            <a:ext cx="866776" cy="881062"/>
-          </a:xfrm>
-          <a:prstGeom prst="rect">
-            <a:avLst/>
-          </a:prstGeom>
-        </p:spPr>
-        <p:style>
-          <a:lnRef idx="2">
-            <a:schemeClr val="accent1">
-              <a:shade val="15000"/>
-            </a:schemeClr>
-          </a:lnRef>
-          <a:fillRef idx="1">
-            <a:schemeClr val="accent1"/>
-          </a:fillRef>
-          <a:effectRef idx="0">
-            <a:schemeClr val="accent1"/>
-          </a:effectRef>
-          <a:fontRef idx="minor">
-            <a:schemeClr val="lt1"/>
-          </a:fontRef>
-        </p:style>
-        <p:txBody>
-          <a:bodyPr rtlCol="0" anchor="ctr"/>
-          <a:lstStyle/>
-          <a:p>
-            <a:pPr algn="ctr"/>
-            <a:r>
-              <a:rPr lang="en-US" dirty="0"/>
-              <a:t>memory</a:t>
-            </a:r>
-          </a:p>
-        </p:txBody>
-      </p:sp>
       <p:pic>
         <p:nvPicPr>
           <p:cNvPr id="11" name="Picture 10" descr="A person standing in front of a bed&#10;&#10;Description automatically generated">
@@ -12063,218 +12133,57 @@
           </a:effectLst>
         </p:spPr>
       </p:pic>
-    </p:spTree>
-    <p:extLst>
-      <p:ext uri="{BB962C8B-B14F-4D97-AF65-F5344CB8AC3E}">
-        <p14:creationId xmlns:p14="http://schemas.microsoft.com/office/powerpoint/2010/main" val="3822920687"/>
-      </p:ext>
-    </p:extLst>
-  </p:cSld>
-  <p:clrMapOvr>
-    <a:masterClrMapping/>
-  </p:clrMapOvr>
-</p:sld>
-</file>
-
-<file path=ppt/slides/slide11.xml><?xml version="1.0" encoding="utf-8"?>
-<p:sld xmlns:a="http://schemas.openxmlformats.org/drawingml/2006/main" xmlns:r="http://schemas.openxmlformats.org/officeDocument/2006/relationships" xmlns:p="http://schemas.openxmlformats.org/presentationml/2006/main">
-  <p:cSld>
-    <p:spTree>
-      <p:nvGrpSpPr>
-        <p:cNvPr id="1" name=""/>
-        <p:cNvGrpSpPr/>
-        <p:nvPr/>
-      </p:nvGrpSpPr>
-      <p:grpSpPr>
-        <a:xfrm>
-          <a:off x="0" y="0"/>
-          <a:ext cx="0" cy="0"/>
-          <a:chOff x="0" y="0"/>
-          <a:chExt cx="0" cy="0"/>
-        </a:xfrm>
-      </p:grpSpPr>
       <p:sp>
         <p:nvSpPr>
-          <p:cNvPr id="2" name="Title 1">
+          <p:cNvPr id="12" name="Rectangle 11">
             <a:extLst>
               <a:ext uri="{FF2B5EF4-FFF2-40B4-BE49-F238E27FC236}">
-                <a16:creationId xmlns:a16="http://schemas.microsoft.com/office/drawing/2014/main" id="{91F313CF-3BA8-3908-350D-76C3C3E9EFE2}"/>
+                <a16:creationId xmlns:a16="http://schemas.microsoft.com/office/drawing/2014/main" id="{5A6B569B-8901-0D6B-C8F6-4333291C1D5D}"/>
               </a:ext>
             </a:extLst>
           </p:cNvPr>
-          <p:cNvSpPr>
-            <a:spLocks noGrp="1"/>
-          </p:cNvSpPr>
-          <p:nvPr>
-            <p:ph type="title"/>
-          </p:nvPr>
-        </p:nvSpPr>
-        <p:spPr/>
-        <p:txBody>
-          <a:bodyPr/>
-          <a:lstStyle/>
-          <a:p>
-            <a:r>
-              <a:rPr lang="en-US" dirty="0"/>
-              <a:t>III. How LRLL works?</a:t>
-            </a:r>
-          </a:p>
-        </p:txBody>
-      </p:sp>
-      <p:sp>
-        <p:nvSpPr>
-          <p:cNvPr id="4" name="Slide Number Placeholder 3">
-            <a:extLst>
-              <a:ext uri="{FF2B5EF4-FFF2-40B4-BE49-F238E27FC236}">
-                <a16:creationId xmlns:a16="http://schemas.microsoft.com/office/drawing/2014/main" id="{2931AD7A-CACA-C1CD-6BF0-FEEB395F79B4}"/>
-              </a:ext>
-            </a:extLst>
-          </p:cNvPr>
-          <p:cNvSpPr>
-            <a:spLocks noGrp="1"/>
-          </p:cNvSpPr>
-          <p:nvPr>
-            <p:ph type="sldNum" idx="12"/>
-          </p:nvPr>
-        </p:nvSpPr>
-        <p:spPr/>
-        <p:txBody>
-          <a:bodyPr/>
-          <a:lstStyle/>
-          <a:p>
-            <a:pPr marL="0" lvl="0" indent="0" algn="r" rtl="0">
-              <a:spcBef>
-                <a:spcPts val="0"/>
-              </a:spcBef>
-              <a:spcAft>
-                <a:spcPts val="0"/>
-              </a:spcAft>
-              <a:buNone/>
-            </a:pPr>
-            <a:fld id="{00000000-1234-1234-1234-123412341234}" type="slidenum">
-              <a:rPr lang="en" smtClean="0"/>
-              <a:t>11</a:t>
-            </a:fld>
-            <a:endParaRPr lang="en"/>
-          </a:p>
-        </p:txBody>
-      </p:sp>
-      <p:sp>
-        <p:nvSpPr>
-          <p:cNvPr id="5" name="Slide Number Placeholder 4">
-            <a:extLst>
-              <a:ext uri="{FF2B5EF4-FFF2-40B4-BE49-F238E27FC236}">
-                <a16:creationId xmlns:a16="http://schemas.microsoft.com/office/drawing/2014/main" id="{526B02F4-FA15-8789-8ABE-CA48D7551F93}"/>
-              </a:ext>
-            </a:extLst>
-          </p:cNvPr>
-          <p:cNvSpPr>
-            <a:spLocks noGrp="1"/>
-          </p:cNvSpPr>
-          <p:nvPr>
-            <p:ph type="sldNum" idx="2"/>
-          </p:nvPr>
-        </p:nvSpPr>
-        <p:spPr/>
-        <p:txBody>
-          <a:bodyPr/>
-          <a:lstStyle/>
-          <a:p>
-            <a:pPr marL="0" lvl="0" indent="0" algn="r" rtl="0">
-              <a:spcBef>
-                <a:spcPts val="0"/>
-              </a:spcBef>
-              <a:spcAft>
-                <a:spcPts val="0"/>
-              </a:spcAft>
-              <a:buNone/>
-            </a:pPr>
-            <a:fld id="{00000000-1234-1234-1234-123412341234}" type="slidenum">
-              <a:rPr lang="en" smtClean="0"/>
-              <a:t>11</a:t>
-            </a:fld>
-            <a:endParaRPr lang="en"/>
-          </a:p>
-        </p:txBody>
-      </p:sp>
-      <p:pic>
-        <p:nvPicPr>
-          <p:cNvPr id="6" name="Picture 5">
-            <a:extLst>
-              <a:ext uri="{FF2B5EF4-FFF2-40B4-BE49-F238E27FC236}">
-                <a16:creationId xmlns:a16="http://schemas.microsoft.com/office/drawing/2014/main" id="{065AD4EC-B9CE-83D9-91DC-E45FB92C8CB1}"/>
-              </a:ext>
-            </a:extLst>
-          </p:cNvPr>
-          <p:cNvPicPr>
-            <a:picLocks noChangeAspect="1"/>
-          </p:cNvPicPr>
-          <p:nvPr/>
-        </p:nvPicPr>
-        <p:blipFill>
-          <a:blip r:embed="rId3"/>
-          <a:stretch>
-            <a:fillRect/>
-          </a:stretch>
-        </p:blipFill>
-        <p:spPr>
-          <a:xfrm>
-            <a:off x="3623265" y="932396"/>
-            <a:ext cx="5343542" cy="1639354"/>
-          </a:xfrm>
-          <a:prstGeom prst="rect">
-            <a:avLst/>
-          </a:prstGeom>
-        </p:spPr>
-      </p:pic>
-      <p:sp>
-        <p:nvSpPr>
-          <p:cNvPr id="7" name="TextBox 6">
-            <a:extLst>
-              <a:ext uri="{FF2B5EF4-FFF2-40B4-BE49-F238E27FC236}">
-                <a16:creationId xmlns:a16="http://schemas.microsoft.com/office/drawing/2014/main" id="{DCD2CA23-1FF5-C248-6034-172031DBC101}"/>
-              </a:ext>
-            </a:extLst>
-          </p:cNvPr>
-          <p:cNvSpPr txBox="1"/>
+          <p:cNvSpPr/>
           <p:nvPr/>
         </p:nvSpPr>
         <p:spPr>
           <a:xfrm>
-            <a:off x="3584820" y="2487112"/>
-            <a:ext cx="3185810" cy="169277"/>
+            <a:off x="3522786" y="932397"/>
+            <a:ext cx="2784230" cy="1042037"/>
           </a:xfrm>
           <a:prstGeom prst="rect">
             <a:avLst/>
           </a:prstGeom>
           <a:noFill/>
+          <a:ln w="19050" cap="flat" cmpd="sng" algn="ctr">
+            <a:solidFill>
+              <a:srgbClr val="FFC000"/>
+            </a:solidFill>
+            <a:prstDash val="solid"/>
+            <a:round/>
+            <a:headEnd type="none" w="med" len="med"/>
+            <a:tailEnd type="none" w="med" len="med"/>
+          </a:ln>
         </p:spPr>
+        <p:style>
+          <a:lnRef idx="0">
+            <a:scrgbClr r="0" g="0" b="0"/>
+          </a:lnRef>
+          <a:fillRef idx="0">
+            <a:scrgbClr r="0" g="0" b="0"/>
+          </a:fillRef>
+          <a:effectRef idx="0">
+            <a:scrgbClr r="0" g="0" b="0"/>
+          </a:effectRef>
+          <a:fontRef idx="minor">
+            <a:schemeClr val="accent1"/>
+          </a:fontRef>
+        </p:style>
         <p:txBody>
-          <a:bodyPr wrap="square" rtlCol="0">
-            <a:spAutoFit/>
-          </a:bodyPr>
+          <a:bodyPr rtlCol="0" anchor="ctr"/>
           <a:lstStyle/>
           <a:p>
-            <a:r>
-              <a:rPr lang="en-US" sz="500" dirty="0"/>
-              <a:t>Image taken from figure 2 from </a:t>
-            </a:r>
-            <a:r>
-              <a:rPr lang="en-US" sz="500" dirty="0" err="1"/>
-              <a:t>Tziafas</a:t>
-            </a:r>
-            <a:r>
-              <a:rPr lang="en-US" sz="500" dirty="0"/>
-              <a:t> and </a:t>
-            </a:r>
-            <a:r>
-              <a:rPr lang="en-US" sz="500" dirty="0" err="1"/>
-              <a:t>Kasaei</a:t>
-            </a:r>
-            <a:r>
-              <a:rPr lang="en-US" sz="500" dirty="0"/>
-              <a:t>  </a:t>
-            </a:r>
+            <a:pPr algn="ctr"/>
+            <a:endParaRPr lang="en-US"/>
           </a:p>
         </p:txBody>
       </p:sp>
@@ -12282,10 +12191,10 @@
         <mc:Choice Requires="a14">
           <p:sp>
             <p:nvSpPr>
-              <p:cNvPr id="12" name="Text Placeholder 10">
+              <p:cNvPr id="13" name="Text Placeholder 10">
                 <a:extLst>
                   <a:ext uri="{FF2B5EF4-FFF2-40B4-BE49-F238E27FC236}">
-                    <a16:creationId xmlns:a16="http://schemas.microsoft.com/office/drawing/2014/main" id="{F68E4C48-5126-6730-3B21-A7A83F0BE05C}"/>
+                    <a16:creationId xmlns:a16="http://schemas.microsoft.com/office/drawing/2014/main" id="{FD493385-06A2-CFCD-4232-176CA931A2F4}"/>
                   </a:ext>
                 </a:extLst>
               </p:cNvPr>
@@ -12296,8 +12205,8 @@
             </p:nvSpPr>
             <p:spPr>
               <a:xfrm>
-                <a:off x="227276" y="2745237"/>
-                <a:ext cx="8640429" cy="2181961"/>
+                <a:off x="4140594" y="2744684"/>
+                <a:ext cx="4837093" cy="1762286"/>
               </a:xfrm>
               <a:prstGeom prst="rect">
                 <a:avLst/>
@@ -12590,7 +12499,7 @@
                     <a:latin typeface="Times New Roman" panose="02020603050405020304" pitchFamily="18" charset="0"/>
                     <a:cs typeface="Times New Roman" panose="02020603050405020304" pitchFamily="18" charset="0"/>
                   </a:rPr>
-                  <a:t>LLM iteratively propose task</a:t>
+                  <a:t>LLM iteratively proposes and verifies tasks </a:t>
                 </a:r>
               </a:p>
               <a:p>
@@ -12718,32 +12627,13 @@
                 </a:endParaRPr>
               </a:p>
               <a:p>
-                <a:r>
-                  <a:rPr lang="en-US" sz="1100" dirty="0">
-                    <a:latin typeface="Times New Roman" panose="02020603050405020304" pitchFamily="18" charset="0"/>
-                    <a:cs typeface="Times New Roman" panose="02020603050405020304" pitchFamily="18" charset="0"/>
-                  </a:rPr>
-                  <a:t>Proposed tasks are executed and verified in simulator</a:t>
-                </a:r>
-              </a:p>
-              <a:p>
                 <a:pPr lvl="1"/>
                 <a:r>
                   <a:rPr lang="en-US" sz="1100" dirty="0">
                     <a:latin typeface="Times New Roman" panose="02020603050405020304" pitchFamily="18" charset="0"/>
                     <a:cs typeface="Times New Roman" panose="02020603050405020304" pitchFamily="18" charset="0"/>
                   </a:rPr>
-                  <a:t>Uses a critic’s policy and success code</a:t>
-                </a:r>
-              </a:p>
-              <a:p>
-                <a:pPr lvl="1"/>
-                <a:r>
-                  <a:rPr lang="en-US" sz="1100" dirty="0">
-                    <a:latin typeface="Times New Roman" panose="02020603050405020304" pitchFamily="18" charset="0"/>
-                    <a:cs typeface="Times New Roman" panose="02020603050405020304" pitchFamily="18" charset="0"/>
-                  </a:rPr>
-                  <a:t>Successful =&gt; appended to memory</a:t>
+                  <a:t>Uses 2 LLMs for the critic’s policy and the actor’s success code</a:t>
                 </a:r>
               </a:p>
               <a:p>
@@ -13104,10 +12994,10 @@
         <mc:Fallback xmlns="">
           <p:sp>
             <p:nvSpPr>
-              <p:cNvPr id="12" name="Text Placeholder 10">
+              <p:cNvPr id="13" name="Text Placeholder 10">
                 <a:extLst>
                   <a:ext uri="{FF2B5EF4-FFF2-40B4-BE49-F238E27FC236}">
-                    <a16:creationId xmlns:a16="http://schemas.microsoft.com/office/drawing/2014/main" id="{F68E4C48-5126-6730-3B21-A7A83F0BE05C}"/>
+                    <a16:creationId xmlns:a16="http://schemas.microsoft.com/office/drawing/2014/main" id="{FD493385-06A2-CFCD-4232-176CA931A2F4}"/>
                   </a:ext>
                 </a:extLst>
               </p:cNvPr>
@@ -13118,14 +13008,14 @@
             </p:nvSpPr>
             <p:spPr>
               <a:xfrm>
-                <a:off x="227276" y="2745237"/>
-                <a:ext cx="8640429" cy="2181961"/>
+                <a:off x="4140594" y="2744684"/>
+                <a:ext cx="4837093" cy="1762286"/>
               </a:xfrm>
               <a:prstGeom prst="rect">
                 <a:avLst/>
               </a:prstGeom>
               <a:blipFill>
-                <a:blip r:embed="rId4"/>
+                <a:blip r:embed="rId6"/>
                 <a:stretch>
                   <a:fillRect/>
                 </a:stretch>
@@ -13149,50 +13039,10 @@
           </p:sp>
         </mc:Fallback>
       </mc:AlternateContent>
-      <p:pic>
-        <p:nvPicPr>
-          <p:cNvPr id="9" name="Picture 8" descr="A person standing in front of a bed&#10;&#10;Description automatically generated">
-            <a:extLst>
-              <a:ext uri="{FF2B5EF4-FFF2-40B4-BE49-F238E27FC236}">
-                <a16:creationId xmlns:a16="http://schemas.microsoft.com/office/drawing/2014/main" id="{9709C0D6-8286-ADF5-100F-9BDEDA6C62DE}"/>
-              </a:ext>
-            </a:extLst>
-          </p:cNvPr>
-          <p:cNvPicPr>
-            <a:picLocks noChangeAspect="1"/>
-          </p:cNvPicPr>
-          <p:nvPr/>
-        </p:nvPicPr>
-        <p:blipFill>
-          <a:blip r:embed="rId5"/>
-          <a:stretch>
-            <a:fillRect/>
-          </a:stretch>
-        </p:blipFill>
-        <p:spPr>
-          <a:xfrm flipH="1">
-            <a:off x="1414871" y="1282267"/>
-            <a:ext cx="1204845" cy="1204845"/>
-          </a:xfrm>
-          <a:prstGeom prst="rect">
-            <a:avLst/>
-          </a:prstGeom>
-          <a:ln>
-            <a:noFill/>
-          </a:ln>
-          <a:effectLst>
-            <a:outerShdw blurRad="292100" dist="139700" dir="2700000" algn="tl" rotWithShape="0">
-              <a:srgbClr val="333333">
-                <a:alpha val="65000"/>
-              </a:srgbClr>
-            </a:outerShdw>
-          </a:effectLst>
-        </p:spPr>
-      </p:pic>
     </p:spTree>
     <p:extLst>
       <p:ext uri="{BB962C8B-B14F-4D97-AF65-F5344CB8AC3E}">
-        <p14:creationId xmlns:p14="http://schemas.microsoft.com/office/powerpoint/2010/main" val="2759867945"/>
+        <p14:creationId xmlns:p14="http://schemas.microsoft.com/office/powerpoint/2010/main" val="3822920687"/>
       </p:ext>
     </p:extLst>
   </p:cSld>
@@ -13202,7 +13052,7 @@
 </p:sld>
 </file>
 
-<file path=ppt/slides/slide12.xml><?xml version="1.0" encoding="utf-8"?>
+<file path=ppt/slides/slide11.xml><?xml version="1.0" encoding="utf-8"?>
 <p:sld xmlns:a="http://schemas.openxmlformats.org/drawingml/2006/main" xmlns:r="http://schemas.openxmlformats.org/officeDocument/2006/relationships" xmlns:p="http://schemas.openxmlformats.org/presentationml/2006/main">
   <p:cSld>
     <p:spTree>
@@ -13279,7 +13129,7 @@
             </a:pPr>
             <a:fld id="{00000000-1234-1234-1234-123412341234}" type="slidenum">
               <a:rPr lang="en" smtClean="0"/>
-              <a:t>12</a:t>
+              <a:t>11</a:t>
             </a:fld>
             <a:endParaRPr lang="en"/>
           </a:p>
@@ -13317,7 +13167,7 @@
             </a:pPr>
             <a:fld id="{00000000-1234-1234-1234-123412341234}" type="slidenum">
               <a:rPr lang="en" smtClean="0"/>
-              <a:t>12</a:t>
+              <a:t>11</a:t>
             </a:fld>
             <a:endParaRPr lang="en"/>
           </a:p>
@@ -13345,65 +13195,14 @@
         </p:blipFill>
         <p:spPr>
           <a:xfrm>
-            <a:off x="3899145" y="932396"/>
-            <a:ext cx="5067661" cy="1554716"/>
+            <a:off x="3623265" y="932396"/>
+            <a:ext cx="5343542" cy="1639354"/>
           </a:xfrm>
           <a:prstGeom prst="rect">
             <a:avLst/>
           </a:prstGeom>
         </p:spPr>
       </p:pic>
-      <p:sp>
-        <p:nvSpPr>
-          <p:cNvPr id="7" name="TextBox 6">
-            <a:extLst>
-              <a:ext uri="{FF2B5EF4-FFF2-40B4-BE49-F238E27FC236}">
-                <a16:creationId xmlns:a16="http://schemas.microsoft.com/office/drawing/2014/main" id="{DCD2CA23-1FF5-C248-6034-172031DBC101}"/>
-              </a:ext>
-            </a:extLst>
-          </p:cNvPr>
-          <p:cNvSpPr txBox="1"/>
-          <p:nvPr/>
-        </p:nvSpPr>
-        <p:spPr>
-          <a:xfrm>
-            <a:off x="3899145" y="2402473"/>
-            <a:ext cx="3185810" cy="169277"/>
-          </a:xfrm>
-          <a:prstGeom prst="rect">
-            <a:avLst/>
-          </a:prstGeom>
-          <a:noFill/>
-        </p:spPr>
-        <p:txBody>
-          <a:bodyPr wrap="square" rtlCol="0">
-            <a:spAutoFit/>
-          </a:bodyPr>
-          <a:lstStyle/>
-          <a:p>
-            <a:r>
-              <a:rPr lang="en-US" sz="500" dirty="0"/>
-              <a:t>Image taken from figure 2 from </a:t>
-            </a:r>
-            <a:r>
-              <a:rPr lang="en-US" sz="500" dirty="0" err="1"/>
-              <a:t>Tziafas</a:t>
-            </a:r>
-            <a:r>
-              <a:rPr lang="en-US" sz="500" dirty="0"/>
-              <a:t> and </a:t>
-            </a:r>
-            <a:r>
-              <a:rPr lang="en-US" sz="500" dirty="0" err="1"/>
-              <a:t>Kasaei</a:t>
-            </a:r>
-            <a:r>
-              <a:rPr lang="en-US" sz="500" dirty="0"/>
-              <a:t>  </a:t>
-            </a:r>
-          </a:p>
-        </p:txBody>
-      </p:sp>
       <mc:AlternateContent xmlns:mc="http://schemas.openxmlformats.org/markup-compatibility/2006" xmlns:a14="http://schemas.microsoft.com/office/drawing/2010/main">
         <mc:Choice Requires="a14">
           <p:sp>
@@ -13718,7 +13517,7 @@
                     <a:latin typeface="Times New Roman" panose="02020603050405020304" pitchFamily="18" charset="0"/>
                     <a:cs typeface="Times New Roman" panose="02020603050405020304" pitchFamily="18" charset="0"/>
                   </a:rPr>
-                  <a:t>Cluster experiences</a:t>
+                  <a:t>Cluster experiences based on abstract syntax tree modulo variable and constant names</a:t>
                 </a:r>
               </a:p>
               <a:p>
@@ -13932,7 +13731,7 @@
                     <a:latin typeface="Times New Roman" panose="02020603050405020304" pitchFamily="18" charset="0"/>
                     <a:cs typeface="Times New Roman" panose="02020603050405020304" pitchFamily="18" charset="0"/>
                   </a:rPr>
-                  <a:t>Demonstration policies refactored</a:t>
+                  <a:t>Demonstration policies and experiences refactored</a:t>
                 </a:r>
               </a:p>
               <a:p>
@@ -13942,7 +13741,7 @@
                     <a:latin typeface="Times New Roman" panose="02020603050405020304" pitchFamily="18" charset="0"/>
                     <a:cs typeface="Times New Roman" panose="02020603050405020304" pitchFamily="18" charset="0"/>
                   </a:rPr>
-                  <a:t>If fails in previously successful task =&gt; policy-success refactored and appended into memory</a:t>
+                  <a:t>Wake phase replays from scratch with refactored demo</a:t>
                 </a:r>
               </a:p>
               <a:p>
@@ -13952,14 +13751,8 @@
                     <a:latin typeface="Times New Roman" panose="02020603050405020304" pitchFamily="18" charset="0"/>
                     <a:cs typeface="Times New Roman" panose="02020603050405020304" pitchFamily="18" charset="0"/>
                   </a:rPr>
-                  <a:t>Replay wake phase</a:t>
+                  <a:t>Minimize number of required experiences</a:t>
                 </a:r>
-              </a:p>
-              <a:p>
-                <a:endParaRPr lang="en-US" b="1" dirty="0">
-                  <a:latin typeface="Times New Roman" panose="02020603050405020304" pitchFamily="18" charset="0"/>
-                  <a:cs typeface="Times New Roman" panose="02020603050405020304" pitchFamily="18" charset="0"/>
-                </a:endParaRPr>
               </a:p>
             </p:txBody>
           </p:sp>
@@ -14042,6 +13835,164 @@
           </a:prstGeom>
         </p:spPr>
       </p:pic>
+      <p:sp>
+        <p:nvSpPr>
+          <p:cNvPr id="3" name="Rectangle 2">
+            <a:extLst>
+              <a:ext uri="{FF2B5EF4-FFF2-40B4-BE49-F238E27FC236}">
+                <a16:creationId xmlns:a16="http://schemas.microsoft.com/office/drawing/2014/main" id="{D561E061-2A26-3FB9-670F-24AF4FC1EEB8}"/>
+              </a:ext>
+            </a:extLst>
+          </p:cNvPr>
+          <p:cNvSpPr/>
+          <p:nvPr/>
+        </p:nvSpPr>
+        <p:spPr>
+          <a:xfrm>
+            <a:off x="6295036" y="971272"/>
+            <a:ext cx="2671771" cy="1025359"/>
+          </a:xfrm>
+          <a:prstGeom prst="rect">
+            <a:avLst/>
+          </a:prstGeom>
+          <a:noFill/>
+          <a:ln w="19050" cap="flat" cmpd="sng" algn="ctr">
+            <a:solidFill>
+              <a:srgbClr val="0070C0"/>
+            </a:solidFill>
+            <a:prstDash val="solid"/>
+            <a:round/>
+            <a:headEnd type="none" w="med" len="med"/>
+            <a:tailEnd type="none" w="med" len="med"/>
+          </a:ln>
+        </p:spPr>
+        <p:style>
+          <a:lnRef idx="0">
+            <a:scrgbClr r="0" g="0" b="0"/>
+          </a:lnRef>
+          <a:fillRef idx="0">
+            <a:scrgbClr r="0" g="0" b="0"/>
+          </a:fillRef>
+          <a:effectRef idx="0">
+            <a:scrgbClr r="0" g="0" b="0"/>
+          </a:effectRef>
+          <a:fontRef idx="minor">
+            <a:schemeClr val="accent1"/>
+          </a:fontRef>
+        </p:style>
+        <p:txBody>
+          <a:bodyPr rtlCol="0" anchor="ctr"/>
+          <a:lstStyle/>
+          <a:p>
+            <a:pPr algn="ctr"/>
+            <a:endParaRPr lang="en-US"/>
+          </a:p>
+        </p:txBody>
+      </p:sp>
+      <p:pic>
+        <p:nvPicPr>
+          <p:cNvPr id="8" name="Picture 7" descr="A diagram of a program&#10;&#10;Description automatically generated">
+            <a:extLst>
+              <a:ext uri="{FF2B5EF4-FFF2-40B4-BE49-F238E27FC236}">
+                <a16:creationId xmlns:a16="http://schemas.microsoft.com/office/drawing/2014/main" id="{D282F663-B6FD-E866-C0EF-F0C48BA1FE74}"/>
+              </a:ext>
+            </a:extLst>
+          </p:cNvPr>
+          <p:cNvPicPr>
+            <a:picLocks noChangeAspect="1"/>
+          </p:cNvPicPr>
+          <p:nvPr/>
+        </p:nvPicPr>
+        <p:blipFill>
+          <a:blip r:embed="rId6"/>
+          <a:stretch>
+            <a:fillRect/>
+          </a:stretch>
+        </p:blipFill>
+        <p:spPr>
+          <a:xfrm>
+            <a:off x="6095868" y="2661676"/>
+            <a:ext cx="2207581" cy="980166"/>
+          </a:xfrm>
+          <a:prstGeom prst="rect">
+            <a:avLst/>
+          </a:prstGeom>
+        </p:spPr>
+      </p:pic>
+      <p:sp>
+        <p:nvSpPr>
+          <p:cNvPr id="10" name="TextBox 9">
+            <a:extLst>
+              <a:ext uri="{FF2B5EF4-FFF2-40B4-BE49-F238E27FC236}">
+                <a16:creationId xmlns:a16="http://schemas.microsoft.com/office/drawing/2014/main" id="{FFAF2947-3BB6-2A0E-4502-FA1C811CEA93}"/>
+              </a:ext>
+            </a:extLst>
+          </p:cNvPr>
+          <p:cNvSpPr txBox="1"/>
+          <p:nvPr/>
+        </p:nvSpPr>
+        <p:spPr>
+          <a:xfrm>
+            <a:off x="6223583" y="3680382"/>
+            <a:ext cx="1952149" cy="276999"/>
+          </a:xfrm>
+          <a:prstGeom prst="rect">
+            <a:avLst/>
+          </a:prstGeom>
+          <a:noFill/>
+        </p:spPr>
+        <p:txBody>
+          <a:bodyPr wrap="square" rtlCol="0">
+            <a:spAutoFit/>
+          </a:bodyPr>
+          <a:lstStyle/>
+          <a:p>
+            <a:pPr algn="ctr"/>
+            <a:r>
+              <a:rPr lang="en-US" sz="1200" dirty="0">
+                <a:latin typeface="Times New Roman" panose="02020603050405020304" pitchFamily="18" charset="0"/>
+                <a:cs typeface="Times New Roman" panose="02020603050405020304" pitchFamily="18" charset="0"/>
+              </a:rPr>
+              <a:t>Abstract Syntax Tree</a:t>
+            </a:r>
+          </a:p>
+        </p:txBody>
+      </p:sp>
+      <p:sp>
+        <p:nvSpPr>
+          <p:cNvPr id="11" name="TextBox 10">
+            <a:extLst>
+              <a:ext uri="{FF2B5EF4-FFF2-40B4-BE49-F238E27FC236}">
+                <a16:creationId xmlns:a16="http://schemas.microsoft.com/office/drawing/2014/main" id="{8A7A354E-A542-0BDA-E211-F68B3CB17C8C}"/>
+              </a:ext>
+            </a:extLst>
+          </p:cNvPr>
+          <p:cNvSpPr txBox="1"/>
+          <p:nvPr/>
+        </p:nvSpPr>
+        <p:spPr>
+          <a:xfrm>
+            <a:off x="6019561" y="3615868"/>
+            <a:ext cx="2207581" cy="138499"/>
+          </a:xfrm>
+          <a:prstGeom prst="rect">
+            <a:avLst/>
+          </a:prstGeom>
+          <a:noFill/>
+        </p:spPr>
+        <p:txBody>
+          <a:bodyPr wrap="square" rtlCol="0">
+            <a:spAutoFit/>
+          </a:bodyPr>
+          <a:lstStyle/>
+          <a:p>
+            <a:r>
+              <a:rPr lang="en-US" sz="300" dirty="0"/>
+              <a:t>Image from https://medium.com/hootsuite-engineering/static-analysis-using-asts-ebcd170c955e</a:t>
+            </a:r>
+          </a:p>
+        </p:txBody>
+      </p:sp>
     </p:spTree>
     <p:extLst>
       <p:ext uri="{BB962C8B-B14F-4D97-AF65-F5344CB8AC3E}">
@@ -14055,7 +14006,7 @@
 </p:sld>
 </file>
 
-<file path=ppt/slides/slide13.xml><?xml version="1.0" encoding="utf-8"?>
+<file path=ppt/slides/slide12.xml><?xml version="1.0" encoding="utf-8"?>
 <p:sld xmlns:a="http://schemas.openxmlformats.org/drawingml/2006/main" xmlns:r="http://schemas.openxmlformats.org/officeDocument/2006/relationships" xmlns:p="http://schemas.openxmlformats.org/presentationml/2006/main">
   <p:cSld>
     <p:spTree>
@@ -14100,467 +14051,6 @@
           </a:p>
         </p:txBody>
       </p:sp>
-      <mc:AlternateContent xmlns:mc="http://schemas.openxmlformats.org/markup-compatibility/2006" xmlns:a14="http://schemas.microsoft.com/office/drawing/2010/main">
-        <mc:Choice Requires="a14">
-          <p:sp>
-            <p:nvSpPr>
-              <p:cNvPr id="3" name="Text Placeholder 2">
-                <a:extLst>
-                  <a:ext uri="{FF2B5EF4-FFF2-40B4-BE49-F238E27FC236}">
-                    <a16:creationId xmlns:a16="http://schemas.microsoft.com/office/drawing/2014/main" id="{B0D585EB-9799-7960-D590-C114C2257420}"/>
-                  </a:ext>
-                </a:extLst>
-              </p:cNvPr>
-              <p:cNvSpPr>
-                <a:spLocks noGrp="1"/>
-              </p:cNvSpPr>
-              <p:nvPr>
-                <p:ph type="body" idx="1"/>
-              </p:nvPr>
-            </p:nvSpPr>
-            <p:spPr>
-              <a:xfrm>
-                <a:off x="311700" y="866725"/>
-                <a:ext cx="8520600" cy="3797373"/>
-              </a:xfrm>
-            </p:spPr>
-            <p:txBody>
-              <a:bodyPr/>
-              <a:lstStyle/>
-              <a:p>
-                <a:r>
-                  <a:rPr lang="en-US" dirty="0">
-                    <a:latin typeface="Times New Roman" panose="02020603050405020304" pitchFamily="18" charset="0"/>
-                    <a:cs typeface="Times New Roman" panose="02020603050405020304" pitchFamily="18" charset="0"/>
-                  </a:rPr>
-                  <a:t>Zero-shot vision-language grounding</a:t>
-                </a:r>
-              </a:p>
-              <a:p>
-                <a:pPr lvl="1"/>
-                <a:r>
-                  <a:rPr lang="en-US" dirty="0">
-                    <a:latin typeface="Times New Roman" panose="02020603050405020304" pitchFamily="18" charset="0"/>
-                    <a:cs typeface="Times New Roman" panose="02020603050405020304" pitchFamily="18" charset="0"/>
-                  </a:rPr>
-                  <a:t>CLIP =&gt; open vocabulary</a:t>
-                </a:r>
-              </a:p>
-              <a:p>
-                <a:pPr lvl="1"/>
-                <a:r>
-                  <a:rPr lang="en-US" dirty="0">
-                    <a:latin typeface="Times New Roman" panose="02020603050405020304" pitchFamily="18" charset="0"/>
-                    <a:cs typeface="Times New Roman" panose="02020603050405020304" pitchFamily="18" charset="0"/>
-                  </a:rPr>
-                  <a:t>MDETR =&gt; expression grounding</a:t>
-                </a:r>
-              </a:p>
-              <a:p>
-                <a:r>
-                  <a:rPr lang="en-US" dirty="0">
-                    <a:latin typeface="Times New Roman" panose="02020603050405020304" pitchFamily="18" charset="0"/>
-                    <a:cs typeface="Times New Roman" panose="02020603050405020304" pitchFamily="18" charset="0"/>
-                  </a:rPr>
-                  <a:t>Most basic primitives</a:t>
-                </a:r>
-              </a:p>
-              <a:p>
-                <a:pPr lvl="1"/>
-                <a:r>
-                  <a:rPr lang="en-US" dirty="0">
-                    <a:latin typeface="Times New Roman" panose="02020603050405020304" pitchFamily="18" charset="0"/>
-                    <a:cs typeface="Times New Roman" panose="02020603050405020304" pitchFamily="18" charset="0"/>
-                  </a:rPr>
-                  <a:t>Move arm to certain pose</a:t>
-                </a:r>
-              </a:p>
-              <a:p>
-                <a:pPr lvl="1"/>
-                <a:r>
-                  <a:rPr lang="en-US" dirty="0">
-                    <a:latin typeface="Times New Roman" panose="02020603050405020304" pitchFamily="18" charset="0"/>
-                    <a:cs typeface="Times New Roman" panose="02020603050405020304" pitchFamily="18" charset="0"/>
-                  </a:rPr>
-                  <a:t>Opening/closing gripper</a:t>
-                </a:r>
-              </a:p>
-              <a:p>
-                <a:r>
-                  <a:rPr lang="en-US" dirty="0">
-                    <a:latin typeface="Times New Roman" panose="02020603050405020304" pitchFamily="18" charset="0"/>
-                    <a:cs typeface="Times New Roman" panose="02020603050405020304" pitchFamily="18" charset="0"/>
-                  </a:rPr>
-                  <a:t>Experience indexed by instruction embedding</a:t>
-                </a:r>
-              </a:p>
-              <a:p>
-                <a:pPr lvl="1"/>
-                <a:r>
-                  <a:rPr lang="en-US" dirty="0">
-                    <a:latin typeface="Times New Roman" panose="02020603050405020304" pitchFamily="18" charset="0"/>
-                    <a:cs typeface="Times New Roman" panose="02020603050405020304" pitchFamily="18" charset="0"/>
-                  </a:rPr>
-                  <a:t>Provided by encoder-based LM [59]</a:t>
-                </a:r>
-              </a:p>
-              <a:p>
-                <a:pPr lvl="1"/>
-                <a:r>
-                  <a:rPr lang="en-US" dirty="0">
-                    <a:latin typeface="Times New Roman" panose="02020603050405020304" pitchFamily="18" charset="0"/>
-                    <a:cs typeface="Times New Roman" panose="02020603050405020304" pitchFamily="18" charset="0"/>
-                  </a:rPr>
-                  <a:t>[60] </a:t>
-                </a:r>
-                <a14:m>
-                  <m:oMath xmlns:m="http://schemas.openxmlformats.org/officeDocument/2006/math">
-                    <m:sSub>
-                      <m:sSubPr>
-                        <m:ctrlPr>
-                          <a:rPr lang="en-US" b="0" i="1" smtClean="0">
-                            <a:latin typeface="Cambria Math" panose="02040503050406030204" pitchFamily="18" charset="0"/>
-                          </a:rPr>
-                        </m:ctrlPr>
-                      </m:sSubPr>
-                      <m:e>
-                        <m:r>
-                          <a:rPr lang="en-US" b="0" i="1" smtClean="0">
-                            <a:latin typeface="Cambria Math" panose="02040503050406030204" pitchFamily="18" charset="0"/>
-                          </a:rPr>
-                          <m:t>𝑧</m:t>
-                        </m:r>
-                      </m:e>
-                      <m:sub>
-                        <m:r>
-                          <a:rPr lang="en-US" b="0" i="1" smtClean="0">
-                            <a:latin typeface="Cambria Math" panose="02040503050406030204" pitchFamily="18" charset="0"/>
-                          </a:rPr>
-                          <m:t>𝑖</m:t>
-                        </m:r>
-                      </m:sub>
-                    </m:sSub>
-                    <m:r>
-                      <a:rPr lang="en-US" b="0" i="1" smtClean="0">
-                        <a:latin typeface="Cambria Math" panose="02040503050406030204" pitchFamily="18" charset="0"/>
-                      </a:rPr>
-                      <m:t>=</m:t>
-                    </m:r>
-                    <m:sSup>
-                      <m:sSupPr>
-                        <m:ctrlPr>
-                          <a:rPr lang="en-US" b="0" i="1" smtClean="0">
-                            <a:latin typeface="Cambria Math" panose="02040503050406030204" pitchFamily="18" charset="0"/>
-                          </a:rPr>
-                        </m:ctrlPr>
-                      </m:sSupPr>
-                      <m:e>
-                        <m:r>
-                          <a:rPr lang="en-US" b="0" i="1" smtClean="0">
-                            <a:latin typeface="Cambria Math" panose="02040503050406030204" pitchFamily="18" charset="0"/>
-                          </a:rPr>
-                          <m:t>𝐹</m:t>
-                        </m:r>
-                      </m:e>
-                      <m:sup>
-                        <m:r>
-                          <a:rPr lang="en-US" b="0" i="1" smtClean="0">
-                            <a:latin typeface="Cambria Math" panose="02040503050406030204" pitchFamily="18" charset="0"/>
-                          </a:rPr>
-                          <m:t>𝐿𝑀</m:t>
-                        </m:r>
-                      </m:sup>
-                    </m:sSup>
-                    <m:r>
-                      <a:rPr lang="en-US" b="0" i="1" smtClean="0">
-                        <a:latin typeface="Cambria Math" panose="02040503050406030204" pitchFamily="18" charset="0"/>
-                      </a:rPr>
-                      <m:t>(</m:t>
-                    </m:r>
-                    <m:sSup>
-                      <m:sSupPr>
-                        <m:ctrlPr>
-                          <a:rPr lang="en-US" b="0" i="1" smtClean="0">
-                            <a:latin typeface="Cambria Math" panose="02040503050406030204" pitchFamily="18" charset="0"/>
-                          </a:rPr>
-                        </m:ctrlPr>
-                      </m:sSupPr>
-                      <m:e>
-                        <m:r>
-                          <a:rPr lang="en-US" b="0" i="1" smtClean="0">
-                            <a:latin typeface="Cambria Math" panose="02040503050406030204" pitchFamily="18" charset="0"/>
-                          </a:rPr>
-                          <m:t>𝑙</m:t>
-                        </m:r>
-                      </m:e>
-                      <m:sup>
-                        <m:r>
-                          <a:rPr lang="en-US" b="0" i="1" smtClean="0">
-                            <a:latin typeface="Cambria Math" panose="02040503050406030204" pitchFamily="18" charset="0"/>
-                          </a:rPr>
-                          <m:t>(</m:t>
-                        </m:r>
-                        <m:r>
-                          <a:rPr lang="en-US" b="0" i="1" smtClean="0">
-                            <a:latin typeface="Cambria Math" panose="02040503050406030204" pitchFamily="18" charset="0"/>
-                          </a:rPr>
-                          <m:t>𝑖</m:t>
-                        </m:r>
-                      </m:sup>
-                    </m:sSup>
-                    <m:r>
-                      <a:rPr lang="en-US" b="0" i="1" smtClean="0">
-                        <a:latin typeface="Cambria Math" panose="02040503050406030204" pitchFamily="18" charset="0"/>
-                      </a:rPr>
-                      <m:t>)</m:t>
-                    </m:r>
-                  </m:oMath>
-                </a14:m>
-                <a:endParaRPr lang="en-US" dirty="0">
-                  <a:latin typeface="Times New Roman" panose="02020603050405020304" pitchFamily="18" charset="0"/>
-                  <a:cs typeface="Times New Roman" panose="02020603050405020304" pitchFamily="18" charset="0"/>
-                </a:endParaRPr>
-              </a:p>
-              <a:p>
-                <a:r>
-                  <a:rPr lang="en-US" dirty="0">
-                    <a:latin typeface="Times New Roman" panose="02020603050405020304" pitchFamily="18" charset="0"/>
-                    <a:cs typeface="Times New Roman" panose="02020603050405020304" pitchFamily="18" charset="0"/>
-                  </a:rPr>
-                  <a:t>To retrieve experience</a:t>
-                </a:r>
-              </a:p>
-              <a:p>
-                <a:pPr lvl="1"/>
-                <a:r>
-                  <a:rPr lang="en-US" dirty="0">
-                    <a:latin typeface="Times New Roman" panose="02020603050405020304" pitchFamily="18" charset="0"/>
-                    <a:cs typeface="Times New Roman" panose="02020603050405020304" pitchFamily="18" charset="0"/>
-                  </a:rPr>
-                  <a:t>Query embedded with model and top-k experiences</a:t>
-                </a:r>
-              </a:p>
-              <a:p>
-                <a:r>
-                  <a:rPr lang="en-US" dirty="0">
-                    <a:latin typeface="Times New Roman" panose="02020603050405020304" pitchFamily="18" charset="0"/>
-                    <a:cs typeface="Times New Roman" panose="02020603050405020304" pitchFamily="18" charset="0"/>
-                  </a:rPr>
-                  <a:t>Agent skill corresponds to python function</a:t>
-                </a:r>
-              </a:p>
-              <a:p>
-                <a:r>
-                  <a:rPr lang="en-US" dirty="0">
-                    <a:latin typeface="Times New Roman" panose="02020603050405020304" pitchFamily="18" charset="0"/>
-                    <a:cs typeface="Times New Roman" panose="02020603050405020304" pitchFamily="18" charset="0"/>
-                  </a:rPr>
-                  <a:t>Replay buffer holds only explored experience of current cycle</a:t>
-                </a:r>
-              </a:p>
-              <a:p>
-                <a:pPr lvl="1"/>
-                <a:r>
-                  <a:rPr lang="en-US" dirty="0">
-                    <a:latin typeface="Times New Roman" panose="02020603050405020304" pitchFamily="18" charset="0"/>
-                    <a:cs typeface="Times New Roman" panose="02020603050405020304" pitchFamily="18" charset="0"/>
-                  </a:rPr>
-                  <a:t>Resets at beginning of cycle</a:t>
-                </a:r>
-              </a:p>
-              <a:p>
-                <a:pPr lvl="1"/>
-                <a:endParaRPr lang="en-US" dirty="0"/>
-              </a:p>
-              <a:p>
-                <a:pPr lvl="1"/>
-                <a:endParaRPr lang="en-US" dirty="0"/>
-              </a:p>
-              <a:p>
-                <a:pPr lvl="1"/>
-                <a:endParaRPr lang="en-US" dirty="0"/>
-              </a:p>
-            </p:txBody>
-          </p:sp>
-        </mc:Choice>
-        <mc:Fallback xmlns="">
-          <p:sp>
-            <p:nvSpPr>
-              <p:cNvPr id="3" name="Text Placeholder 2">
-                <a:extLst>
-                  <a:ext uri="{FF2B5EF4-FFF2-40B4-BE49-F238E27FC236}">
-                    <a16:creationId xmlns:a16="http://schemas.microsoft.com/office/drawing/2014/main" id="{B0D585EB-9799-7960-D590-C114C2257420}"/>
-                  </a:ext>
-                </a:extLst>
-              </p:cNvPr>
-              <p:cNvSpPr>
-                <a:spLocks noGrp="1" noRot="1" noChangeAspect="1" noMove="1" noResize="1" noEditPoints="1" noAdjustHandles="1" noChangeArrowheads="1" noChangeShapeType="1" noTextEdit="1"/>
-              </p:cNvSpPr>
-              <p:nvPr>
-                <p:ph type="body" idx="1"/>
-              </p:nvPr>
-            </p:nvSpPr>
-            <p:spPr>
-              <a:xfrm>
-                <a:off x="311700" y="866725"/>
-                <a:ext cx="8520600" cy="3797373"/>
-              </a:xfrm>
-              <a:blipFill>
-                <a:blip r:embed="rId3"/>
-                <a:stretch>
-                  <a:fillRect b="-14607"/>
-                </a:stretch>
-              </a:blipFill>
-            </p:spPr>
-            <p:txBody>
-              <a:bodyPr/>
-              <a:lstStyle/>
-              <a:p>
-                <a:r>
-                  <a:rPr lang="en-US">
-                    <a:noFill/>
-                  </a:rPr>
-                  <a:t> </a:t>
-                </a:r>
-              </a:p>
-            </p:txBody>
-          </p:sp>
-        </mc:Fallback>
-      </mc:AlternateContent>
-      <p:sp>
-        <p:nvSpPr>
-          <p:cNvPr id="4" name="Slide Number Placeholder 3">
-            <a:extLst>
-              <a:ext uri="{FF2B5EF4-FFF2-40B4-BE49-F238E27FC236}">
-                <a16:creationId xmlns:a16="http://schemas.microsoft.com/office/drawing/2014/main" id="{96507D9B-2FD9-F141-99AC-D9B91360283D}"/>
-              </a:ext>
-            </a:extLst>
-          </p:cNvPr>
-          <p:cNvSpPr>
-            <a:spLocks noGrp="1"/>
-          </p:cNvSpPr>
-          <p:nvPr>
-            <p:ph type="sldNum" idx="12"/>
-          </p:nvPr>
-        </p:nvSpPr>
-        <p:spPr/>
-        <p:txBody>
-          <a:bodyPr/>
-          <a:lstStyle/>
-          <a:p>
-            <a:pPr marL="0" lvl="0" indent="0" algn="r" rtl="0">
-              <a:spcBef>
-                <a:spcPts val="0"/>
-              </a:spcBef>
-              <a:spcAft>
-                <a:spcPts val="0"/>
-              </a:spcAft>
-              <a:buNone/>
-            </a:pPr>
-            <a:fld id="{00000000-1234-1234-1234-123412341234}" type="slidenum">
-              <a:rPr lang="en" smtClean="0"/>
-              <a:t>13</a:t>
-            </a:fld>
-            <a:endParaRPr lang="en"/>
-          </a:p>
-        </p:txBody>
-      </p:sp>
-      <p:sp>
-        <p:nvSpPr>
-          <p:cNvPr id="5" name="Slide Number Placeholder 4">
-            <a:extLst>
-              <a:ext uri="{FF2B5EF4-FFF2-40B4-BE49-F238E27FC236}">
-                <a16:creationId xmlns:a16="http://schemas.microsoft.com/office/drawing/2014/main" id="{C5B7D20A-E5BB-FC2F-B1DB-ACDD93E1D321}"/>
-              </a:ext>
-            </a:extLst>
-          </p:cNvPr>
-          <p:cNvSpPr>
-            <a:spLocks noGrp="1"/>
-          </p:cNvSpPr>
-          <p:nvPr>
-            <p:ph type="sldNum" idx="2"/>
-          </p:nvPr>
-        </p:nvSpPr>
-        <p:spPr/>
-        <p:txBody>
-          <a:bodyPr/>
-          <a:lstStyle/>
-          <a:p>
-            <a:pPr marL="0" lvl="0" indent="0" algn="r" rtl="0">
-              <a:spcBef>
-                <a:spcPts val="0"/>
-              </a:spcBef>
-              <a:spcAft>
-                <a:spcPts val="0"/>
-              </a:spcAft>
-              <a:buNone/>
-            </a:pPr>
-            <a:fld id="{00000000-1234-1234-1234-123412341234}" type="slidenum">
-              <a:rPr lang="en" smtClean="0"/>
-              <a:t>13</a:t>
-            </a:fld>
-            <a:endParaRPr lang="en"/>
-          </a:p>
-        </p:txBody>
-      </p:sp>
-    </p:spTree>
-    <p:extLst>
-      <p:ext uri="{BB962C8B-B14F-4D97-AF65-F5344CB8AC3E}">
-        <p14:creationId xmlns:p14="http://schemas.microsoft.com/office/powerpoint/2010/main" val="727089573"/>
-      </p:ext>
-    </p:extLst>
-  </p:cSld>
-  <p:clrMapOvr>
-    <a:masterClrMapping/>
-  </p:clrMapOvr>
-</p:sld>
-</file>
-
-<file path=ppt/slides/slide14.xml><?xml version="1.0" encoding="utf-8"?>
-<p:sld xmlns:a="http://schemas.openxmlformats.org/drawingml/2006/main" xmlns:r="http://schemas.openxmlformats.org/officeDocument/2006/relationships" xmlns:p="http://schemas.openxmlformats.org/presentationml/2006/main">
-  <p:cSld>
-    <p:spTree>
-      <p:nvGrpSpPr>
-        <p:cNvPr id="1" name=""/>
-        <p:cNvGrpSpPr/>
-        <p:nvPr/>
-      </p:nvGrpSpPr>
-      <p:grpSpPr>
-        <a:xfrm>
-          <a:off x="0" y="0"/>
-          <a:ext cx="0" cy="0"/>
-          <a:chOff x="0" y="0"/>
-          <a:chExt cx="0" cy="0"/>
-        </a:xfrm>
-      </p:grpSpPr>
-      <p:sp>
-        <p:nvSpPr>
-          <p:cNvPr id="2" name="Title 1">
-            <a:extLst>
-              <a:ext uri="{FF2B5EF4-FFF2-40B4-BE49-F238E27FC236}">
-                <a16:creationId xmlns:a16="http://schemas.microsoft.com/office/drawing/2014/main" id="{FC0648C6-E769-5DFF-BC98-0595BE6000C4}"/>
-              </a:ext>
-            </a:extLst>
-          </p:cNvPr>
-          <p:cNvSpPr>
-            <a:spLocks noGrp="1"/>
-          </p:cNvSpPr>
-          <p:nvPr>
-            <p:ph type="title"/>
-          </p:nvPr>
-        </p:nvSpPr>
-        <p:spPr/>
-        <p:txBody>
-          <a:bodyPr/>
-          <a:lstStyle/>
-          <a:p>
-            <a:r>
-              <a:rPr lang="en-US" dirty="0"/>
-              <a:t>III. How LRLL works?</a:t>
-            </a:r>
-          </a:p>
-        </p:txBody>
-      </p:sp>
       <p:sp>
         <p:nvSpPr>
           <p:cNvPr id="3" name="Text Placeholder 2">
@@ -14592,7 +14082,7 @@
                 <a:latin typeface="Times New Roman" panose="02020603050405020304" pitchFamily="18" charset="0"/>
                 <a:cs typeface="Times New Roman" panose="02020603050405020304" pitchFamily="18" charset="0"/>
               </a:rPr>
-              <a:t>LLM Prompts</a:t>
+              <a:t>Zero-shot vision-language grounding</a:t>
             </a:r>
           </a:p>
           <a:p>
@@ -14602,7 +14092,7 @@
                 <a:latin typeface="Times New Roman" panose="02020603050405020304" pitchFamily="18" charset="0"/>
                 <a:cs typeface="Times New Roman" panose="02020603050405020304" pitchFamily="18" charset="0"/>
               </a:rPr>
-              <a:t>Comment describing general purpose</a:t>
+              <a:t>CLIP =&gt; open vocabulary</a:t>
             </a:r>
           </a:p>
           <a:p>
@@ -14612,17 +14102,16 @@
                 <a:latin typeface="Times New Roman" panose="02020603050405020304" pitchFamily="18" charset="0"/>
                 <a:cs typeface="Times New Roman" panose="02020603050405020304" pitchFamily="18" charset="0"/>
               </a:rPr>
-              <a:t>API information</a:t>
-            </a:r>
-          </a:p>
-          <a:p>
-            <a:pPr lvl="1"/>
+              <a:t>MDETR =&gt; expression grounding</a:t>
+            </a:r>
+          </a:p>
+          <a:p>
             <a:r>
               <a:rPr lang="en-US" dirty="0">
                 <a:latin typeface="Times New Roman" panose="02020603050405020304" pitchFamily="18" charset="0"/>
                 <a:cs typeface="Times New Roman" panose="02020603050405020304" pitchFamily="18" charset="0"/>
               </a:rPr>
-              <a:t>Sequence of task-code pairs from retrieved experiences</a:t>
+              <a:t>Most basic primitives</a:t>
             </a:r>
           </a:p>
           <a:p>
@@ -14632,26 +14121,26 @@
                 <a:latin typeface="Times New Roman" panose="02020603050405020304" pitchFamily="18" charset="0"/>
                 <a:cs typeface="Times New Roman" panose="02020603050405020304" pitchFamily="18" charset="0"/>
               </a:rPr>
-              <a:t>Chain-of-thoughts provided as comments</a:t>
-            </a:r>
-          </a:p>
-          <a:p>
+              <a:t>Move arm to certain pose</a:t>
+            </a:r>
+          </a:p>
+          <a:p>
+            <a:pPr lvl="1"/>
             <a:r>
               <a:rPr lang="en-US" dirty="0">
                 <a:latin typeface="Times New Roman" panose="02020603050405020304" pitchFamily="18" charset="0"/>
                 <a:cs typeface="Times New Roman" panose="02020603050405020304" pitchFamily="18" charset="0"/>
               </a:rPr>
-              <a:t>Exploration</a:t>
-            </a:r>
-          </a:p>
-          <a:p>
-            <a:pPr lvl="1"/>
+              <a:t>Opening/closing gripper</a:t>
+            </a:r>
+          </a:p>
+          <a:p>
             <a:r>
               <a:rPr lang="en-US" dirty="0">
                 <a:latin typeface="Times New Roman" panose="02020603050405020304" pitchFamily="18" charset="0"/>
                 <a:cs typeface="Times New Roman" panose="02020603050405020304" pitchFamily="18" charset="0"/>
               </a:rPr>
-              <a:t>Variations: alter concepts present in instruction</a:t>
+              <a:t>To retrieve experience</a:t>
             </a:r>
           </a:p>
           <a:p>
@@ -14661,7 +14150,7 @@
                 <a:latin typeface="Times New Roman" panose="02020603050405020304" pitchFamily="18" charset="0"/>
                 <a:cs typeface="Times New Roman" panose="02020603050405020304" pitchFamily="18" charset="0"/>
               </a:rPr>
-              <a:t>Compositions: combinations of concepts present in demos</a:t>
+              <a:t>Uses a query q and top-k most similar experiences</a:t>
             </a:r>
           </a:p>
           <a:p>
@@ -14670,17 +14159,16 @@
                 <a:latin typeface="Times New Roman" panose="02020603050405020304" pitchFamily="18" charset="0"/>
                 <a:cs typeface="Times New Roman" panose="02020603050405020304" pitchFamily="18" charset="0"/>
               </a:rPr>
-              <a:t>Skill Abstraction</a:t>
-            </a:r>
-          </a:p>
-          <a:p>
-            <a:pPr lvl="1"/>
+              <a:t>Agent skill corresponds to python function</a:t>
+            </a:r>
+          </a:p>
+          <a:p>
             <a:r>
               <a:rPr lang="en-US" dirty="0">
                 <a:latin typeface="Times New Roman" panose="02020603050405020304" pitchFamily="18" charset="0"/>
                 <a:cs typeface="Times New Roman" panose="02020603050405020304" pitchFamily="18" charset="0"/>
               </a:rPr>
-              <a:t>Maintain logic but account for variations</a:t>
+              <a:t>Replay buffer holds only explored experience of current cycle</a:t>
             </a:r>
           </a:p>
           <a:p>
@@ -14690,8 +14178,11 @@
                 <a:latin typeface="Times New Roman" panose="02020603050405020304" pitchFamily="18" charset="0"/>
                 <a:cs typeface="Times New Roman" panose="02020603050405020304" pitchFamily="18" charset="0"/>
               </a:rPr>
-              <a:t>Extract boilerplate snippets and abstract them to new functions</a:t>
-            </a:r>
+              <a:t>Resets at beginning of cycle</a:t>
+            </a:r>
+          </a:p>
+          <a:p>
+            <a:pPr lvl="1"/>
             <a:endParaRPr lang="en-US" dirty="0"/>
           </a:p>
           <a:p>
@@ -14736,7 +14227,7 @@
             </a:pPr>
             <a:fld id="{00000000-1234-1234-1234-123412341234}" type="slidenum">
               <a:rPr lang="en" smtClean="0"/>
-              <a:t>14</a:t>
+              <a:t>12</a:t>
             </a:fld>
             <a:endParaRPr lang="en"/>
           </a:p>
@@ -14774,7 +14265,7 @@
             </a:pPr>
             <a:fld id="{00000000-1234-1234-1234-123412341234}" type="slidenum">
               <a:rPr lang="en" smtClean="0"/>
-              <a:t>14</a:t>
+              <a:t>12</a:t>
             </a:fld>
             <a:endParaRPr lang="en"/>
           </a:p>
@@ -14783,7 +14274,7 @@
     </p:spTree>
     <p:extLst>
       <p:ext uri="{BB962C8B-B14F-4D97-AF65-F5344CB8AC3E}">
-        <p14:creationId xmlns:p14="http://schemas.microsoft.com/office/powerpoint/2010/main" val="2247702886"/>
+        <p14:creationId xmlns:p14="http://schemas.microsoft.com/office/powerpoint/2010/main" val="727089573"/>
       </p:ext>
     </p:extLst>
   </p:cSld>
@@ -14793,7 +14284,7 @@
 </p:sld>
 </file>
 
-<file path=ppt/slides/slide15.xml><?xml version="1.0" encoding="utf-8"?>
+<file path=ppt/slides/slide13.xml><?xml version="1.0" encoding="utf-8"?>
 <p:sld xmlns:a="http://schemas.openxmlformats.org/drawingml/2006/main" xmlns:r="http://schemas.openxmlformats.org/officeDocument/2006/relationships" xmlns:p="http://schemas.openxmlformats.org/presentationml/2006/main">
   <p:cSld>
     <p:spTree>
@@ -14876,7 +14367,7 @@
             </a:pPr>
             <a:fld id="{00000000-1234-1234-1234-123412341234}" type="slidenum">
               <a:rPr lang="en" smtClean="0"/>
-              <a:t>15</a:t>
+              <a:t>13</a:t>
             </a:fld>
             <a:endParaRPr lang="en"/>
           </a:p>
@@ -14914,7 +14405,7 @@
             </a:pPr>
             <a:fld id="{00000000-1234-1234-1234-123412341234}" type="slidenum">
               <a:rPr lang="en" smtClean="0"/>
-              <a:t>15</a:t>
+              <a:t>13</a:t>
             </a:fld>
             <a:endParaRPr lang="en"/>
           </a:p>
@@ -14933,7 +14424,7 @@
 </p:sld>
 </file>
 
-<file path=ppt/slides/slide16.xml><?xml version="1.0" encoding="utf-8"?>
+<file path=ppt/slides/slide14.xml><?xml version="1.0" encoding="utf-8"?>
 <p:sld xmlns:a="http://schemas.openxmlformats.org/drawingml/2006/main" xmlns:r="http://schemas.openxmlformats.org/officeDocument/2006/relationships" xmlns:p="http://schemas.openxmlformats.org/presentationml/2006/main">
   <p:cSld>
     <p:spTree>
@@ -15019,7 +14510,7 @@
                 <a:latin typeface="Times New Roman" panose="02020603050405020304" pitchFamily="18" charset="0"/>
                 <a:cs typeface="Times New Roman" panose="02020603050405020304" pitchFamily="18" charset="0"/>
               </a:rPr>
-              <a:t>Compare against baselines for tabletop manipulation</a:t>
+              <a:t>Compare against baselines for tabletop simulation</a:t>
             </a:r>
           </a:p>
           <a:p>
@@ -15080,7 +14571,7 @@
             </a:pPr>
             <a:fld id="{00000000-1234-1234-1234-123412341234}" type="slidenum">
               <a:rPr lang="en" smtClean="0"/>
-              <a:t>16</a:t>
+              <a:t>14</a:t>
             </a:fld>
             <a:endParaRPr lang="en"/>
           </a:p>
@@ -15118,7 +14609,7 @@
             </a:pPr>
             <a:fld id="{00000000-1234-1234-1234-123412341234}" type="slidenum">
               <a:rPr lang="en" smtClean="0"/>
-              <a:t>16</a:t>
+              <a:t>14</a:t>
             </a:fld>
             <a:endParaRPr lang="en"/>
           </a:p>
@@ -15128,6 +14619,1409 @@
     <p:extLst>
       <p:ext uri="{BB962C8B-B14F-4D97-AF65-F5344CB8AC3E}">
         <p14:creationId xmlns:p14="http://schemas.microsoft.com/office/powerpoint/2010/main" val="1159775155"/>
+      </p:ext>
+    </p:extLst>
+  </p:cSld>
+  <p:clrMapOvr>
+    <a:masterClrMapping/>
+  </p:clrMapOvr>
+</p:sld>
+</file>
+
+<file path=ppt/slides/slide15.xml><?xml version="1.0" encoding="utf-8"?>
+<p:sld xmlns:a="http://schemas.openxmlformats.org/drawingml/2006/main" xmlns:r="http://schemas.openxmlformats.org/officeDocument/2006/relationships" xmlns:p="http://schemas.openxmlformats.org/presentationml/2006/main">
+  <p:cSld>
+    <p:spTree>
+      <p:nvGrpSpPr>
+        <p:cNvPr id="1" name=""/>
+        <p:cNvGrpSpPr/>
+        <p:nvPr/>
+      </p:nvGrpSpPr>
+      <p:grpSpPr>
+        <a:xfrm>
+          <a:off x="0" y="0"/>
+          <a:ext cx="0" cy="0"/>
+          <a:chOff x="0" y="0"/>
+          <a:chExt cx="0" cy="0"/>
+        </a:xfrm>
+      </p:grpSpPr>
+      <p:sp>
+        <p:nvSpPr>
+          <p:cNvPr id="2" name="Title 1">
+            <a:extLst>
+              <a:ext uri="{FF2B5EF4-FFF2-40B4-BE49-F238E27FC236}">
+                <a16:creationId xmlns:a16="http://schemas.microsoft.com/office/drawing/2014/main" id="{91F313CF-3BA8-3908-350D-76C3C3E9EFE2}"/>
+              </a:ext>
+            </a:extLst>
+          </p:cNvPr>
+          <p:cNvSpPr>
+            <a:spLocks noGrp="1"/>
+          </p:cNvSpPr>
+          <p:nvPr>
+            <p:ph type="title"/>
+          </p:nvPr>
+        </p:nvSpPr>
+        <p:spPr/>
+        <p:txBody>
+          <a:bodyPr/>
+          <a:lstStyle/>
+          <a:p>
+            <a:r>
+              <a:rPr lang="en-US" dirty="0"/>
+              <a:t>IV. Experimental Results</a:t>
+            </a:r>
+          </a:p>
+        </p:txBody>
+      </p:sp>
+      <p:sp>
+        <p:nvSpPr>
+          <p:cNvPr id="3" name="Text Placeholder 2">
+            <a:extLst>
+              <a:ext uri="{FF2B5EF4-FFF2-40B4-BE49-F238E27FC236}">
+                <a16:creationId xmlns:a16="http://schemas.microsoft.com/office/drawing/2014/main" id="{C78765BE-E985-6847-E434-EEC6F64318C9}"/>
+              </a:ext>
+            </a:extLst>
+          </p:cNvPr>
+          <p:cNvSpPr>
+            <a:spLocks noGrp="1"/>
+          </p:cNvSpPr>
+          <p:nvPr>
+            <p:ph type="body" idx="1"/>
+          </p:nvPr>
+        </p:nvSpPr>
+        <p:spPr>
+          <a:xfrm>
+            <a:off x="159300" y="888086"/>
+            <a:ext cx="8520600" cy="4255414"/>
+          </a:xfrm>
+        </p:spPr>
+        <p:txBody>
+          <a:bodyPr/>
+          <a:lstStyle/>
+          <a:p>
+            <a:pPr>
+              <a:lnSpc>
+                <a:spcPct val="100000"/>
+              </a:lnSpc>
+            </a:pPr>
+            <a:r>
+              <a:rPr lang="en-US" sz="1200" dirty="0">
+                <a:latin typeface="Times New Roman" panose="02020603050405020304" pitchFamily="18" charset="0"/>
+                <a:cs typeface="Times New Roman" panose="02020603050405020304" pitchFamily="18" charset="0"/>
+              </a:rPr>
+              <a:t>GPT-3.5-turbo for vision, text-embedding-ada-002 for memory embedding, and </a:t>
+            </a:r>
+            <a:r>
+              <a:rPr lang="en-US" sz="1200" dirty="0" err="1">
+                <a:latin typeface="Times New Roman" panose="02020603050405020304" pitchFamily="18" charset="0"/>
+                <a:cs typeface="Times New Roman" panose="02020603050405020304" pitchFamily="18" charset="0"/>
+              </a:rPr>
+              <a:t>LangChain</a:t>
+            </a:r>
+            <a:r>
+              <a:rPr lang="en-US" sz="1200" dirty="0">
+                <a:latin typeface="Times New Roman" panose="02020603050405020304" pitchFamily="18" charset="0"/>
+                <a:cs typeface="Times New Roman" panose="02020603050405020304" pitchFamily="18" charset="0"/>
+              </a:rPr>
+              <a:t> for LLM’s and agents</a:t>
+            </a:r>
+          </a:p>
+          <a:p>
+            <a:pPr>
+              <a:lnSpc>
+                <a:spcPct val="100000"/>
+              </a:lnSpc>
+            </a:pPr>
+            <a:r>
+              <a:rPr lang="en-US" sz="1200" dirty="0">
+                <a:latin typeface="Times New Roman" panose="02020603050405020304" pitchFamily="18" charset="0"/>
+                <a:cs typeface="Times New Roman" panose="02020603050405020304" pitchFamily="18" charset="0"/>
+              </a:rPr>
+              <a:t>Blocks-and-bowls setup replicated from previous works [15], [34]</a:t>
+            </a:r>
+          </a:p>
+          <a:p>
+            <a:pPr>
+              <a:lnSpc>
+                <a:spcPct val="100000"/>
+              </a:lnSpc>
+            </a:pPr>
+            <a:r>
+              <a:rPr lang="en-US" sz="1200" dirty="0">
+                <a:latin typeface="Times New Roman" panose="02020603050405020304" pitchFamily="18" charset="0"/>
+                <a:cs typeface="Times New Roman" panose="02020603050405020304" pitchFamily="18" charset="0"/>
+              </a:rPr>
+              <a:t>41 task templates and 4 curriculums</a:t>
+            </a:r>
+          </a:p>
+          <a:p>
+            <a:pPr lvl="1">
+              <a:lnSpc>
+                <a:spcPct val="100000"/>
+              </a:lnSpc>
+            </a:pPr>
+            <a:r>
+              <a:rPr lang="en-US" sz="1050" b="1" dirty="0">
+                <a:latin typeface="Times New Roman" panose="02020603050405020304" pitchFamily="18" charset="0"/>
+                <a:cs typeface="Times New Roman" panose="02020603050405020304" pitchFamily="18" charset="0"/>
+              </a:rPr>
+              <a:t>Spatial coordination</a:t>
+            </a:r>
+            <a:r>
+              <a:rPr lang="en-US" sz="1050" dirty="0">
+                <a:latin typeface="Times New Roman" panose="02020603050405020304" pitchFamily="18" charset="0"/>
+                <a:cs typeface="Times New Roman" panose="02020603050405020304" pitchFamily="18" charset="0"/>
+              </a:rPr>
+              <a:t>: precise motion relative to objects/regions</a:t>
+            </a:r>
+          </a:p>
+          <a:p>
+            <a:pPr lvl="1">
+              <a:lnSpc>
+                <a:spcPct val="100000"/>
+              </a:lnSpc>
+            </a:pPr>
+            <a:r>
+              <a:rPr lang="en-US" sz="1050" b="1" dirty="0">
+                <a:latin typeface="Times New Roman" panose="02020603050405020304" pitchFamily="18" charset="0"/>
+                <a:cs typeface="Times New Roman" panose="02020603050405020304" pitchFamily="18" charset="0"/>
+              </a:rPr>
+              <a:t>Visual reasoning</a:t>
+            </a:r>
+            <a:r>
+              <a:rPr lang="en-US" sz="1050" dirty="0">
+                <a:latin typeface="Times New Roman" panose="02020603050405020304" pitchFamily="18" charset="0"/>
+                <a:cs typeface="Times New Roman" panose="02020603050405020304" pitchFamily="18" charset="0"/>
+              </a:rPr>
+              <a:t>: determining attributes, resolving spatial relations and counting/enumerating objects</a:t>
+            </a:r>
+            <a:endParaRPr lang="en-US" sz="1050" b="1" dirty="0">
+              <a:latin typeface="Times New Roman" panose="02020603050405020304" pitchFamily="18" charset="0"/>
+              <a:cs typeface="Times New Roman" panose="02020603050405020304" pitchFamily="18" charset="0"/>
+            </a:endParaRPr>
+          </a:p>
+          <a:p>
+            <a:pPr lvl="1">
+              <a:lnSpc>
+                <a:spcPct val="100000"/>
+              </a:lnSpc>
+            </a:pPr>
+            <a:r>
+              <a:rPr lang="en-US" sz="1050" b="1" dirty="0">
+                <a:latin typeface="Times New Roman" panose="02020603050405020304" pitchFamily="18" charset="0"/>
+                <a:cs typeface="Times New Roman" panose="02020603050405020304" pitchFamily="18" charset="0"/>
+              </a:rPr>
+              <a:t>Object manipulation: </a:t>
+            </a:r>
+            <a:r>
+              <a:rPr lang="en-US" sz="1050" dirty="0">
+                <a:latin typeface="Times New Roman" panose="02020603050405020304" pitchFamily="18" charset="0"/>
+                <a:cs typeface="Times New Roman" panose="02020603050405020304" pitchFamily="18" charset="0"/>
+              </a:rPr>
+              <a:t>single picking, releasing and placing tasks</a:t>
+            </a:r>
+            <a:endParaRPr lang="en-US" sz="1050" b="1" dirty="0">
+              <a:latin typeface="Times New Roman" panose="02020603050405020304" pitchFamily="18" charset="0"/>
+              <a:cs typeface="Times New Roman" panose="02020603050405020304" pitchFamily="18" charset="0"/>
+            </a:endParaRPr>
+          </a:p>
+          <a:p>
+            <a:pPr lvl="1">
+              <a:lnSpc>
+                <a:spcPct val="100000"/>
+              </a:lnSpc>
+            </a:pPr>
+            <a:r>
+              <a:rPr lang="en-US" sz="1050" b="1" dirty="0">
+                <a:latin typeface="Times New Roman" panose="02020603050405020304" pitchFamily="18" charset="0"/>
+                <a:cs typeface="Times New Roman" panose="02020603050405020304" pitchFamily="18" charset="0"/>
+              </a:rPr>
+              <a:t>Rearrangement</a:t>
+            </a:r>
+            <a:r>
+              <a:rPr lang="en-US" sz="1050" dirty="0">
+                <a:latin typeface="Times New Roman" panose="02020603050405020304" pitchFamily="18" charset="0"/>
+                <a:cs typeface="Times New Roman" panose="02020603050405020304" pitchFamily="18" charset="0"/>
+              </a:rPr>
+              <a:t>: long-horizon tasks that involve multiple objects and destinations</a:t>
+            </a:r>
+            <a:endParaRPr lang="en-US" sz="1050" b="1" dirty="0">
+              <a:latin typeface="Times New Roman" panose="02020603050405020304" pitchFamily="18" charset="0"/>
+              <a:cs typeface="Times New Roman" panose="02020603050405020304" pitchFamily="18" charset="0"/>
+            </a:endParaRPr>
+          </a:p>
+          <a:p>
+            <a:pPr>
+              <a:lnSpc>
+                <a:spcPct val="100000"/>
+              </a:lnSpc>
+            </a:pPr>
+            <a:r>
+              <a:rPr lang="en-US" sz="1200" dirty="0">
+                <a:latin typeface="Times New Roman" panose="02020603050405020304" pitchFamily="18" charset="0"/>
+                <a:cs typeface="Times New Roman" panose="02020603050405020304" pitchFamily="18" charset="0"/>
+              </a:rPr>
+              <a:t>Task instances</a:t>
+            </a:r>
+          </a:p>
+          <a:p>
+            <a:pPr lvl="1">
+              <a:lnSpc>
+                <a:spcPct val="100000"/>
+              </a:lnSpc>
+            </a:pPr>
+            <a:r>
+              <a:rPr lang="en-US" sz="1050" dirty="0">
+                <a:latin typeface="Times New Roman" panose="02020603050405020304" pitchFamily="18" charset="0"/>
+                <a:cs typeface="Times New Roman" panose="02020603050405020304" pitchFamily="18" charset="0"/>
+              </a:rPr>
+              <a:t>Seen instructions with seen (SA)/unseen (UA) attributes</a:t>
+            </a:r>
+          </a:p>
+          <a:p>
+            <a:pPr lvl="1">
+              <a:lnSpc>
+                <a:spcPct val="100000"/>
+              </a:lnSpc>
+            </a:pPr>
+            <a:r>
+              <a:rPr lang="en-US" sz="1050" dirty="0">
+                <a:latin typeface="Times New Roman" panose="02020603050405020304" pitchFamily="18" charset="0"/>
+                <a:cs typeface="Times New Roman" panose="02020603050405020304" pitchFamily="18" charset="0"/>
+              </a:rPr>
+              <a:t>Unseen instructions with unseen attributes (UI)</a:t>
+            </a:r>
+          </a:p>
+          <a:p>
+            <a:pPr lvl="1">
+              <a:lnSpc>
+                <a:spcPct val="100000"/>
+              </a:lnSpc>
+            </a:pPr>
+            <a:r>
+              <a:rPr lang="en-US" sz="1050" dirty="0">
+                <a:latin typeface="Times New Roman" panose="02020603050405020304" pitchFamily="18" charset="0"/>
+                <a:cs typeface="Times New Roman" panose="02020603050405020304" pitchFamily="18" charset="0"/>
+              </a:rPr>
+              <a:t>For lifelong setup</a:t>
+            </a:r>
+          </a:p>
+          <a:p>
+            <a:pPr lvl="2">
+              <a:lnSpc>
+                <a:spcPct val="100000"/>
+              </a:lnSpc>
+            </a:pPr>
+            <a:r>
+              <a:rPr lang="en-US" sz="1050" b="1" dirty="0">
+                <a:latin typeface="Times New Roman" panose="02020603050405020304" pitchFamily="18" charset="0"/>
+                <a:cs typeface="Times New Roman" panose="02020603050405020304" pitchFamily="18" charset="0"/>
+              </a:rPr>
+              <a:t>Forward-transfer</a:t>
+            </a:r>
+            <a:r>
+              <a:rPr lang="en-US" sz="1050" dirty="0">
+                <a:latin typeface="Times New Roman" panose="02020603050405020304" pitchFamily="18" charset="0"/>
+                <a:cs typeface="Times New Roman" panose="02020603050405020304" pitchFamily="18" charset="0"/>
+              </a:rPr>
+              <a:t>: unseen combination of tasks</a:t>
+            </a:r>
+          </a:p>
+          <a:p>
+            <a:pPr lvl="2">
+              <a:lnSpc>
+                <a:spcPct val="100000"/>
+              </a:lnSpc>
+            </a:pPr>
+            <a:r>
+              <a:rPr lang="en-US" sz="1050" b="1" dirty="0">
+                <a:latin typeface="Times New Roman" panose="02020603050405020304" pitchFamily="18" charset="0"/>
+                <a:cs typeface="Times New Roman" panose="02020603050405020304" pitchFamily="18" charset="0"/>
+              </a:rPr>
+              <a:t>Backward-transfer</a:t>
+            </a:r>
+            <a:r>
+              <a:rPr lang="en-US" sz="1050" dirty="0">
+                <a:latin typeface="Times New Roman" panose="02020603050405020304" pitchFamily="18" charset="0"/>
+                <a:cs typeface="Times New Roman" panose="02020603050405020304" pitchFamily="18" charset="0"/>
+              </a:rPr>
+              <a:t>: contains the forward transformation tasks from previous cycles</a:t>
+            </a:r>
+            <a:endParaRPr lang="en-US" sz="1050" b="1" dirty="0">
+              <a:latin typeface="Times New Roman" panose="02020603050405020304" pitchFamily="18" charset="0"/>
+              <a:cs typeface="Times New Roman" panose="02020603050405020304" pitchFamily="18" charset="0"/>
+            </a:endParaRPr>
+          </a:p>
+          <a:p>
+            <a:pPr>
+              <a:lnSpc>
+                <a:spcPct val="100000"/>
+              </a:lnSpc>
+            </a:pPr>
+            <a:r>
+              <a:rPr lang="en-US" sz="1200" dirty="0">
+                <a:latin typeface="Times New Roman" panose="02020603050405020304" pitchFamily="18" charset="0"/>
+                <a:cs typeface="Times New Roman" panose="02020603050405020304" pitchFamily="18" charset="0"/>
+              </a:rPr>
+              <a:t>Baselines</a:t>
+            </a:r>
+          </a:p>
+          <a:p>
+            <a:pPr lvl="1">
+              <a:lnSpc>
+                <a:spcPct val="100000"/>
+              </a:lnSpc>
+            </a:pPr>
+            <a:r>
+              <a:rPr lang="en-US" sz="1050" dirty="0" err="1">
+                <a:latin typeface="Times New Roman" panose="02020603050405020304" pitchFamily="18" charset="0"/>
+                <a:cs typeface="Times New Roman" panose="02020603050405020304" pitchFamily="18" charset="0"/>
+              </a:rPr>
+              <a:t>CLIPort</a:t>
+            </a:r>
+            <a:endParaRPr lang="en-US" sz="1050" dirty="0">
+              <a:latin typeface="Times New Roman" panose="02020603050405020304" pitchFamily="18" charset="0"/>
+              <a:cs typeface="Times New Roman" panose="02020603050405020304" pitchFamily="18" charset="0"/>
+            </a:endParaRPr>
+          </a:p>
+          <a:p>
+            <a:pPr lvl="1">
+              <a:lnSpc>
+                <a:spcPct val="100000"/>
+              </a:lnSpc>
+            </a:pPr>
+            <a:r>
+              <a:rPr lang="en-US" sz="1050" dirty="0">
+                <a:latin typeface="Times New Roman" panose="02020603050405020304" pitchFamily="18" charset="0"/>
+                <a:cs typeface="Times New Roman" panose="02020603050405020304" pitchFamily="18" charset="0"/>
+              </a:rPr>
+              <a:t>LLM-static: LLMs provided with static prompts</a:t>
+            </a:r>
+          </a:p>
+          <a:p>
+            <a:pPr lvl="1">
+              <a:lnSpc>
+                <a:spcPct val="100000"/>
+              </a:lnSpc>
+            </a:pPr>
+            <a:r>
+              <a:rPr lang="en-US" sz="1050" dirty="0">
+                <a:latin typeface="Times New Roman" panose="02020603050405020304" pitchFamily="18" charset="0"/>
+                <a:cs typeface="Times New Roman" panose="02020603050405020304" pitchFamily="18" charset="0"/>
+              </a:rPr>
+              <a:t>LLRL-no-sleep</a:t>
+            </a:r>
+          </a:p>
+          <a:p>
+            <a:pPr lvl="1">
+              <a:lnSpc>
+                <a:spcPct val="100000"/>
+              </a:lnSpc>
+            </a:pPr>
+            <a:r>
+              <a:rPr lang="en-US" sz="1050" dirty="0">
+                <a:latin typeface="Times New Roman" panose="02020603050405020304" pitchFamily="18" charset="0"/>
+                <a:cs typeface="Times New Roman" panose="02020603050405020304" pitchFamily="18" charset="0"/>
+              </a:rPr>
+              <a:t>LLRL-no-wake</a:t>
+            </a:r>
+          </a:p>
+          <a:p>
+            <a:pPr lvl="1"/>
+            <a:endParaRPr lang="en-US" dirty="0">
+              <a:latin typeface="Times New Roman" panose="02020603050405020304" pitchFamily="18" charset="0"/>
+              <a:cs typeface="Times New Roman" panose="02020603050405020304" pitchFamily="18" charset="0"/>
+            </a:endParaRPr>
+          </a:p>
+        </p:txBody>
+      </p:sp>
+      <p:sp>
+        <p:nvSpPr>
+          <p:cNvPr id="4" name="Slide Number Placeholder 3">
+            <a:extLst>
+              <a:ext uri="{FF2B5EF4-FFF2-40B4-BE49-F238E27FC236}">
+                <a16:creationId xmlns:a16="http://schemas.microsoft.com/office/drawing/2014/main" id="{2931AD7A-CACA-C1CD-6BF0-FEEB395F79B4}"/>
+              </a:ext>
+            </a:extLst>
+          </p:cNvPr>
+          <p:cNvSpPr>
+            <a:spLocks noGrp="1"/>
+          </p:cNvSpPr>
+          <p:nvPr>
+            <p:ph type="sldNum" idx="12"/>
+          </p:nvPr>
+        </p:nvSpPr>
+        <p:spPr/>
+        <p:txBody>
+          <a:bodyPr/>
+          <a:lstStyle/>
+          <a:p>
+            <a:pPr marL="0" lvl="0" indent="0" algn="r" rtl="0">
+              <a:spcBef>
+                <a:spcPts val="0"/>
+              </a:spcBef>
+              <a:spcAft>
+                <a:spcPts val="0"/>
+              </a:spcAft>
+              <a:buNone/>
+            </a:pPr>
+            <a:fld id="{00000000-1234-1234-1234-123412341234}" type="slidenum">
+              <a:rPr lang="en" smtClean="0"/>
+              <a:t>15</a:t>
+            </a:fld>
+            <a:endParaRPr lang="en"/>
+          </a:p>
+        </p:txBody>
+      </p:sp>
+      <p:sp>
+        <p:nvSpPr>
+          <p:cNvPr id="5" name="Slide Number Placeholder 4">
+            <a:extLst>
+              <a:ext uri="{FF2B5EF4-FFF2-40B4-BE49-F238E27FC236}">
+                <a16:creationId xmlns:a16="http://schemas.microsoft.com/office/drawing/2014/main" id="{526B02F4-FA15-8789-8ABE-CA48D7551F93}"/>
+              </a:ext>
+            </a:extLst>
+          </p:cNvPr>
+          <p:cNvSpPr>
+            <a:spLocks noGrp="1"/>
+          </p:cNvSpPr>
+          <p:nvPr>
+            <p:ph type="sldNum" idx="2"/>
+          </p:nvPr>
+        </p:nvSpPr>
+        <p:spPr/>
+        <p:txBody>
+          <a:bodyPr/>
+          <a:lstStyle/>
+          <a:p>
+            <a:pPr marL="0" lvl="0" indent="0" algn="r" rtl="0">
+              <a:spcBef>
+                <a:spcPts val="0"/>
+              </a:spcBef>
+              <a:spcAft>
+                <a:spcPts val="0"/>
+              </a:spcAft>
+              <a:buNone/>
+            </a:pPr>
+            <a:fld id="{00000000-1234-1234-1234-123412341234}" type="slidenum">
+              <a:rPr lang="en" smtClean="0"/>
+              <a:t>15</a:t>
+            </a:fld>
+            <a:endParaRPr lang="en"/>
+          </a:p>
+        </p:txBody>
+      </p:sp>
+    </p:spTree>
+    <p:extLst>
+      <p:ext uri="{BB962C8B-B14F-4D97-AF65-F5344CB8AC3E}">
+        <p14:creationId xmlns:p14="http://schemas.microsoft.com/office/powerpoint/2010/main" val="1070569935"/>
+      </p:ext>
+    </p:extLst>
+  </p:cSld>
+  <p:clrMapOvr>
+    <a:masterClrMapping/>
+  </p:clrMapOvr>
+</p:sld>
+</file>
+
+<file path=ppt/slides/slide16.xml><?xml version="1.0" encoding="utf-8"?>
+<p:sld xmlns:a="http://schemas.openxmlformats.org/drawingml/2006/main" xmlns:r="http://schemas.openxmlformats.org/officeDocument/2006/relationships" xmlns:p="http://schemas.openxmlformats.org/presentationml/2006/main">
+  <p:cSld>
+    <p:spTree>
+      <p:nvGrpSpPr>
+        <p:cNvPr id="1" name=""/>
+        <p:cNvGrpSpPr/>
+        <p:nvPr/>
+      </p:nvGrpSpPr>
+      <p:grpSpPr>
+        <a:xfrm>
+          <a:off x="0" y="0"/>
+          <a:ext cx="0" cy="0"/>
+          <a:chOff x="0" y="0"/>
+          <a:chExt cx="0" cy="0"/>
+        </a:xfrm>
+      </p:grpSpPr>
+      <p:sp>
+        <p:nvSpPr>
+          <p:cNvPr id="2" name="Title 1">
+            <a:extLst>
+              <a:ext uri="{FF2B5EF4-FFF2-40B4-BE49-F238E27FC236}">
+                <a16:creationId xmlns:a16="http://schemas.microsoft.com/office/drawing/2014/main" id="{91F313CF-3BA8-3908-350D-76C3C3E9EFE2}"/>
+              </a:ext>
+            </a:extLst>
+          </p:cNvPr>
+          <p:cNvSpPr>
+            <a:spLocks noGrp="1"/>
+          </p:cNvSpPr>
+          <p:nvPr>
+            <p:ph type="title"/>
+          </p:nvPr>
+        </p:nvSpPr>
+        <p:spPr/>
+        <p:txBody>
+          <a:bodyPr/>
+          <a:lstStyle/>
+          <a:p>
+            <a:r>
+              <a:rPr lang="en-US" dirty="0"/>
+              <a:t>IV. Experimental Results</a:t>
+            </a:r>
+          </a:p>
+        </p:txBody>
+      </p:sp>
+      <p:sp>
+        <p:nvSpPr>
+          <p:cNvPr id="4" name="Slide Number Placeholder 3">
+            <a:extLst>
+              <a:ext uri="{FF2B5EF4-FFF2-40B4-BE49-F238E27FC236}">
+                <a16:creationId xmlns:a16="http://schemas.microsoft.com/office/drawing/2014/main" id="{2931AD7A-CACA-C1CD-6BF0-FEEB395F79B4}"/>
+              </a:ext>
+            </a:extLst>
+          </p:cNvPr>
+          <p:cNvSpPr>
+            <a:spLocks noGrp="1"/>
+          </p:cNvSpPr>
+          <p:nvPr>
+            <p:ph type="sldNum" idx="12"/>
+          </p:nvPr>
+        </p:nvSpPr>
+        <p:spPr/>
+        <p:txBody>
+          <a:bodyPr/>
+          <a:lstStyle/>
+          <a:p>
+            <a:pPr marL="0" lvl="0" indent="0" algn="r" rtl="0">
+              <a:spcBef>
+                <a:spcPts val="0"/>
+              </a:spcBef>
+              <a:spcAft>
+                <a:spcPts val="0"/>
+              </a:spcAft>
+              <a:buNone/>
+            </a:pPr>
+            <a:fld id="{00000000-1234-1234-1234-123412341234}" type="slidenum">
+              <a:rPr lang="en" smtClean="0"/>
+              <a:t>16</a:t>
+            </a:fld>
+            <a:endParaRPr lang="en"/>
+          </a:p>
+        </p:txBody>
+      </p:sp>
+      <p:sp>
+        <p:nvSpPr>
+          <p:cNvPr id="5" name="Slide Number Placeholder 4">
+            <a:extLst>
+              <a:ext uri="{FF2B5EF4-FFF2-40B4-BE49-F238E27FC236}">
+                <a16:creationId xmlns:a16="http://schemas.microsoft.com/office/drawing/2014/main" id="{526B02F4-FA15-8789-8ABE-CA48D7551F93}"/>
+              </a:ext>
+            </a:extLst>
+          </p:cNvPr>
+          <p:cNvSpPr>
+            <a:spLocks noGrp="1"/>
+          </p:cNvSpPr>
+          <p:nvPr>
+            <p:ph type="sldNum" idx="2"/>
+          </p:nvPr>
+        </p:nvSpPr>
+        <p:spPr/>
+        <p:txBody>
+          <a:bodyPr/>
+          <a:lstStyle/>
+          <a:p>
+            <a:pPr marL="0" lvl="0" indent="0" algn="r" rtl="0">
+              <a:spcBef>
+                <a:spcPts val="0"/>
+              </a:spcBef>
+              <a:spcAft>
+                <a:spcPts val="0"/>
+              </a:spcAft>
+              <a:buNone/>
+            </a:pPr>
+            <a:fld id="{00000000-1234-1234-1234-123412341234}" type="slidenum">
+              <a:rPr lang="en" smtClean="0"/>
+              <a:t>16</a:t>
+            </a:fld>
+            <a:endParaRPr lang="en"/>
+          </a:p>
+        </p:txBody>
+      </p:sp>
+      <p:pic>
+        <p:nvPicPr>
+          <p:cNvPr id="7" name="Picture 6">
+            <a:extLst>
+              <a:ext uri="{FF2B5EF4-FFF2-40B4-BE49-F238E27FC236}">
+                <a16:creationId xmlns:a16="http://schemas.microsoft.com/office/drawing/2014/main" id="{90262091-3398-06A6-7F3D-FE95F21E6C5A}"/>
+              </a:ext>
+            </a:extLst>
+          </p:cNvPr>
+          <p:cNvPicPr>
+            <a:picLocks noChangeAspect="1"/>
+          </p:cNvPicPr>
+          <p:nvPr/>
+        </p:nvPicPr>
+        <p:blipFill>
+          <a:blip r:embed="rId3"/>
+          <a:stretch>
+            <a:fillRect/>
+          </a:stretch>
+        </p:blipFill>
+        <p:spPr>
+          <a:xfrm>
+            <a:off x="1961258" y="866481"/>
+            <a:ext cx="5039775" cy="2267898"/>
+          </a:xfrm>
+          <a:prstGeom prst="rect">
+            <a:avLst/>
+          </a:prstGeom>
+        </p:spPr>
+      </p:pic>
+      <p:sp>
+        <p:nvSpPr>
+          <p:cNvPr id="12" name="TextBox 11">
+            <a:extLst>
+              <a:ext uri="{FF2B5EF4-FFF2-40B4-BE49-F238E27FC236}">
+                <a16:creationId xmlns:a16="http://schemas.microsoft.com/office/drawing/2014/main" id="{FCCEA652-0D54-4630-A0DA-1ABC35206EBE}"/>
+              </a:ext>
+            </a:extLst>
+          </p:cNvPr>
+          <p:cNvSpPr txBox="1"/>
+          <p:nvPr/>
+        </p:nvSpPr>
+        <p:spPr>
+          <a:xfrm>
+            <a:off x="1961258" y="3087130"/>
+            <a:ext cx="3310928" cy="184666"/>
+          </a:xfrm>
+          <a:prstGeom prst="rect">
+            <a:avLst/>
+          </a:prstGeom>
+          <a:noFill/>
+        </p:spPr>
+        <p:txBody>
+          <a:bodyPr wrap="square" rtlCol="0">
+            <a:spAutoFit/>
+          </a:bodyPr>
+          <a:lstStyle/>
+          <a:p>
+            <a:r>
+              <a:rPr lang="en-US" sz="600" dirty="0"/>
+              <a:t>Image taken from Table I of paper</a:t>
+            </a:r>
+          </a:p>
+        </p:txBody>
+      </p:sp>
+      <p:sp>
+        <p:nvSpPr>
+          <p:cNvPr id="6" name="Text Placeholder 2">
+            <a:extLst>
+              <a:ext uri="{FF2B5EF4-FFF2-40B4-BE49-F238E27FC236}">
+                <a16:creationId xmlns:a16="http://schemas.microsoft.com/office/drawing/2014/main" id="{9F663E7F-09E8-64B7-C5AC-E20C2E371880}"/>
+              </a:ext>
+            </a:extLst>
+          </p:cNvPr>
+          <p:cNvSpPr>
+            <a:spLocks noGrp="1"/>
+          </p:cNvSpPr>
+          <p:nvPr>
+            <p:ph type="body" idx="1"/>
+          </p:nvPr>
+        </p:nvSpPr>
+        <p:spPr>
+          <a:xfrm>
+            <a:off x="-521676" y="1094563"/>
+            <a:ext cx="2379784" cy="416352"/>
+          </a:xfrm>
+        </p:spPr>
+        <p:txBody>
+          <a:bodyPr/>
+          <a:lstStyle/>
+          <a:p>
+            <a:pPr marL="596900" lvl="1" indent="0">
+              <a:buNone/>
+            </a:pPr>
+            <a:r>
+              <a:rPr lang="en-US" b="1" dirty="0">
+                <a:latin typeface="Times New Roman" panose="02020603050405020304" pitchFamily="18" charset="0"/>
+                <a:cs typeface="Times New Roman" panose="02020603050405020304" pitchFamily="18" charset="0"/>
+              </a:rPr>
+              <a:t>Tabletop Simulation</a:t>
+            </a:r>
+          </a:p>
+        </p:txBody>
+      </p:sp>
+      <p:sp>
+        <p:nvSpPr>
+          <p:cNvPr id="8" name="Rectangle 7">
+            <a:extLst>
+              <a:ext uri="{FF2B5EF4-FFF2-40B4-BE49-F238E27FC236}">
+                <a16:creationId xmlns:a16="http://schemas.microsoft.com/office/drawing/2014/main" id="{5E3D49B1-A097-CC30-1E52-0B454118C7C0}"/>
+              </a:ext>
+            </a:extLst>
+          </p:cNvPr>
+          <p:cNvSpPr/>
+          <p:nvPr/>
+        </p:nvSpPr>
+        <p:spPr>
+          <a:xfrm>
+            <a:off x="3577894" y="2885824"/>
+            <a:ext cx="609600" cy="152400"/>
+          </a:xfrm>
+          <a:prstGeom prst="rect">
+            <a:avLst/>
+          </a:prstGeom>
+          <a:noFill/>
+          <a:ln w="28575" cap="flat" cmpd="sng" algn="ctr">
+            <a:solidFill>
+              <a:schemeClr val="accent1"/>
+            </a:solidFill>
+            <a:prstDash val="solid"/>
+            <a:round/>
+            <a:headEnd type="none" w="med" len="med"/>
+            <a:tailEnd type="none" w="med" len="med"/>
+          </a:ln>
+        </p:spPr>
+        <p:style>
+          <a:lnRef idx="0">
+            <a:scrgbClr r="0" g="0" b="0"/>
+          </a:lnRef>
+          <a:fillRef idx="0">
+            <a:scrgbClr r="0" g="0" b="0"/>
+          </a:fillRef>
+          <a:effectRef idx="0">
+            <a:scrgbClr r="0" g="0" b="0"/>
+          </a:effectRef>
+          <a:fontRef idx="minor">
+            <a:schemeClr val="accent1"/>
+          </a:fontRef>
+        </p:style>
+        <p:txBody>
+          <a:bodyPr rtlCol="0" anchor="ctr"/>
+          <a:lstStyle/>
+          <a:p>
+            <a:pPr algn="ctr"/>
+            <a:endParaRPr lang="en-US"/>
+          </a:p>
+        </p:txBody>
+      </p:sp>
+      <p:sp>
+        <p:nvSpPr>
+          <p:cNvPr id="9" name="TextBox 8">
+            <a:extLst>
+              <a:ext uri="{FF2B5EF4-FFF2-40B4-BE49-F238E27FC236}">
+                <a16:creationId xmlns:a16="http://schemas.microsoft.com/office/drawing/2014/main" id="{4186153F-93A8-A221-5397-065B02B1101A}"/>
+              </a:ext>
+            </a:extLst>
+          </p:cNvPr>
+          <p:cNvSpPr txBox="1"/>
+          <p:nvPr/>
+        </p:nvSpPr>
+        <p:spPr>
+          <a:xfrm>
+            <a:off x="1213604" y="3436578"/>
+            <a:ext cx="1817077" cy="523220"/>
+          </a:xfrm>
+          <a:prstGeom prst="rect">
+            <a:avLst/>
+          </a:prstGeom>
+          <a:noFill/>
+        </p:spPr>
+        <p:txBody>
+          <a:bodyPr wrap="square" rtlCol="0">
+            <a:spAutoFit/>
+          </a:bodyPr>
+          <a:lstStyle/>
+          <a:p>
+            <a:pPr algn="ctr"/>
+            <a:r>
+              <a:rPr lang="en-US" dirty="0" err="1">
+                <a:latin typeface="Times New Roman" panose="02020603050405020304" pitchFamily="18" charset="0"/>
+                <a:cs typeface="Times New Roman" panose="02020603050405020304" pitchFamily="18" charset="0"/>
+              </a:rPr>
+              <a:t>CLIPort</a:t>
+            </a:r>
+            <a:r>
+              <a:rPr lang="en-US" dirty="0">
+                <a:latin typeface="Times New Roman" panose="02020603050405020304" pitchFamily="18" charset="0"/>
+                <a:cs typeface="Times New Roman" panose="02020603050405020304" pitchFamily="18" charset="0"/>
+              </a:rPr>
+              <a:t> struggles with unseen attributes</a:t>
+            </a:r>
+          </a:p>
+        </p:txBody>
+      </p:sp>
+      <p:cxnSp>
+        <p:nvCxnSpPr>
+          <p:cNvPr id="11" name="Straight Connector 10">
+            <a:extLst>
+              <a:ext uri="{FF2B5EF4-FFF2-40B4-BE49-F238E27FC236}">
+                <a16:creationId xmlns:a16="http://schemas.microsoft.com/office/drawing/2014/main" id="{0722242C-7C73-A872-7D67-F56A92A5B736}"/>
+              </a:ext>
+            </a:extLst>
+          </p:cNvPr>
+          <p:cNvCxnSpPr>
+            <a:stCxn id="8" idx="2"/>
+            <a:endCxn id="9" idx="0"/>
+          </p:cNvCxnSpPr>
+          <p:nvPr/>
+        </p:nvCxnSpPr>
+        <p:spPr>
+          <a:xfrm flipH="1">
+            <a:off x="2122143" y="3038224"/>
+            <a:ext cx="1760551" cy="398354"/>
+          </a:xfrm>
+          <a:prstGeom prst="line">
+            <a:avLst/>
+          </a:prstGeom>
+        </p:spPr>
+        <p:style>
+          <a:lnRef idx="1">
+            <a:schemeClr val="accent1"/>
+          </a:lnRef>
+          <a:fillRef idx="0">
+            <a:schemeClr val="accent1"/>
+          </a:fillRef>
+          <a:effectRef idx="0">
+            <a:schemeClr val="accent1"/>
+          </a:effectRef>
+          <a:fontRef idx="minor">
+            <a:schemeClr val="tx1"/>
+          </a:fontRef>
+        </p:style>
+      </p:cxnSp>
+      <p:sp>
+        <p:nvSpPr>
+          <p:cNvPr id="13" name="Rectangle 12">
+            <a:extLst>
+              <a:ext uri="{FF2B5EF4-FFF2-40B4-BE49-F238E27FC236}">
+                <a16:creationId xmlns:a16="http://schemas.microsoft.com/office/drawing/2014/main" id="{B8B3E954-8DA0-48FA-D70B-A2C966FA8F8D}"/>
+              </a:ext>
+            </a:extLst>
+          </p:cNvPr>
+          <p:cNvSpPr/>
+          <p:nvPr/>
+        </p:nvSpPr>
+        <p:spPr>
+          <a:xfrm>
+            <a:off x="1130156" y="3436578"/>
+            <a:ext cx="1869831" cy="523220"/>
+          </a:xfrm>
+          <a:prstGeom prst="rect">
+            <a:avLst/>
+          </a:prstGeom>
+          <a:noFill/>
+          <a:ln w="9525" cap="flat" cmpd="sng" algn="ctr">
+            <a:solidFill>
+              <a:schemeClr val="accent1"/>
+            </a:solidFill>
+            <a:prstDash val="solid"/>
+            <a:round/>
+            <a:headEnd type="none" w="med" len="med"/>
+            <a:tailEnd type="none" w="med" len="med"/>
+          </a:ln>
+        </p:spPr>
+        <p:style>
+          <a:lnRef idx="0">
+            <a:scrgbClr r="0" g="0" b="0"/>
+          </a:lnRef>
+          <a:fillRef idx="0">
+            <a:scrgbClr r="0" g="0" b="0"/>
+          </a:fillRef>
+          <a:effectRef idx="0">
+            <a:scrgbClr r="0" g="0" b="0"/>
+          </a:effectRef>
+          <a:fontRef idx="minor">
+            <a:schemeClr val="accent1"/>
+          </a:fontRef>
+        </p:style>
+        <p:txBody>
+          <a:bodyPr rtlCol="0" anchor="ctr"/>
+          <a:lstStyle/>
+          <a:p>
+            <a:pPr algn="ctr"/>
+            <a:endParaRPr lang="en-US"/>
+          </a:p>
+        </p:txBody>
+      </p:sp>
+      <p:sp>
+        <p:nvSpPr>
+          <p:cNvPr id="14" name="Rectangle 13">
+            <a:extLst>
+              <a:ext uri="{FF2B5EF4-FFF2-40B4-BE49-F238E27FC236}">
+                <a16:creationId xmlns:a16="http://schemas.microsoft.com/office/drawing/2014/main" id="{203CEF2A-F266-96BF-C896-41BFB60BD739}"/>
+              </a:ext>
+            </a:extLst>
+          </p:cNvPr>
+          <p:cNvSpPr/>
+          <p:nvPr/>
+        </p:nvSpPr>
+        <p:spPr>
+          <a:xfrm>
+            <a:off x="5686594" y="2883667"/>
+            <a:ext cx="1213338" cy="168690"/>
+          </a:xfrm>
+          <a:prstGeom prst="rect">
+            <a:avLst/>
+          </a:prstGeom>
+          <a:noFill/>
+          <a:ln w="28575" cap="flat" cmpd="sng" algn="ctr">
+            <a:solidFill>
+              <a:srgbClr val="0070C0"/>
+            </a:solidFill>
+            <a:prstDash val="solid"/>
+            <a:round/>
+            <a:headEnd type="none" w="med" len="med"/>
+            <a:tailEnd type="none" w="med" len="med"/>
+          </a:ln>
+        </p:spPr>
+        <p:style>
+          <a:lnRef idx="0">
+            <a:scrgbClr r="0" g="0" b="0"/>
+          </a:lnRef>
+          <a:fillRef idx="0">
+            <a:scrgbClr r="0" g="0" b="0"/>
+          </a:fillRef>
+          <a:effectRef idx="0">
+            <a:scrgbClr r="0" g="0" b="0"/>
+          </a:effectRef>
+          <a:fontRef idx="minor">
+            <a:schemeClr val="accent1"/>
+          </a:fontRef>
+        </p:style>
+        <p:txBody>
+          <a:bodyPr rtlCol="0" anchor="ctr"/>
+          <a:lstStyle/>
+          <a:p>
+            <a:pPr algn="ctr"/>
+            <a:endParaRPr lang="en-US"/>
+          </a:p>
+        </p:txBody>
+      </p:sp>
+      <p:sp>
+        <p:nvSpPr>
+          <p:cNvPr id="15" name="TextBox 14">
+            <a:extLst>
+              <a:ext uri="{FF2B5EF4-FFF2-40B4-BE49-F238E27FC236}">
+                <a16:creationId xmlns:a16="http://schemas.microsoft.com/office/drawing/2014/main" id="{9FDC73D2-ECCB-D513-5501-B208E644E5C3}"/>
+              </a:ext>
+            </a:extLst>
+          </p:cNvPr>
+          <p:cNvSpPr txBox="1"/>
+          <p:nvPr/>
+        </p:nvSpPr>
+        <p:spPr>
+          <a:xfrm>
+            <a:off x="7090409" y="3276694"/>
+            <a:ext cx="2198077" cy="307777"/>
+          </a:xfrm>
+          <a:prstGeom prst="rect">
+            <a:avLst/>
+          </a:prstGeom>
+          <a:noFill/>
+        </p:spPr>
+        <p:txBody>
+          <a:bodyPr wrap="square" rtlCol="0">
+            <a:spAutoFit/>
+          </a:bodyPr>
+          <a:lstStyle/>
+          <a:p>
+            <a:r>
+              <a:rPr lang="en-US" dirty="0">
+                <a:latin typeface="Times New Roman" panose="02020603050405020304" pitchFamily="18" charset="0"/>
+                <a:cs typeface="Times New Roman" panose="02020603050405020304" pitchFamily="18" charset="0"/>
+              </a:rPr>
+              <a:t>LRLL performed the best</a:t>
+            </a:r>
+          </a:p>
+        </p:txBody>
+      </p:sp>
+      <p:sp>
+        <p:nvSpPr>
+          <p:cNvPr id="16" name="Rectangle 15">
+            <a:extLst>
+              <a:ext uri="{FF2B5EF4-FFF2-40B4-BE49-F238E27FC236}">
+                <a16:creationId xmlns:a16="http://schemas.microsoft.com/office/drawing/2014/main" id="{D5B25593-3D37-EEBC-148F-0C47248426D6}"/>
+              </a:ext>
+            </a:extLst>
+          </p:cNvPr>
+          <p:cNvSpPr/>
+          <p:nvPr/>
+        </p:nvSpPr>
+        <p:spPr>
+          <a:xfrm>
+            <a:off x="6842771" y="3253871"/>
+            <a:ext cx="2268416" cy="357553"/>
+          </a:xfrm>
+          <a:prstGeom prst="rect">
+            <a:avLst/>
+          </a:prstGeom>
+          <a:noFill/>
+          <a:ln w="19050" cap="flat" cmpd="sng" algn="ctr">
+            <a:solidFill>
+              <a:srgbClr val="0070C0"/>
+            </a:solidFill>
+            <a:prstDash val="solid"/>
+            <a:round/>
+            <a:headEnd type="none" w="med" len="med"/>
+            <a:tailEnd type="none" w="med" len="med"/>
+          </a:ln>
+        </p:spPr>
+        <p:style>
+          <a:lnRef idx="0">
+            <a:scrgbClr r="0" g="0" b="0"/>
+          </a:lnRef>
+          <a:fillRef idx="0">
+            <a:scrgbClr r="0" g="0" b="0"/>
+          </a:fillRef>
+          <a:effectRef idx="0">
+            <a:scrgbClr r="0" g="0" b="0"/>
+          </a:effectRef>
+          <a:fontRef idx="minor">
+            <a:schemeClr val="accent1"/>
+          </a:fontRef>
+        </p:style>
+        <p:txBody>
+          <a:bodyPr rtlCol="0" anchor="ctr"/>
+          <a:lstStyle/>
+          <a:p>
+            <a:pPr algn="ctr"/>
+            <a:endParaRPr lang="en-US"/>
+          </a:p>
+        </p:txBody>
+      </p:sp>
+      <p:cxnSp>
+        <p:nvCxnSpPr>
+          <p:cNvPr id="18" name="Straight Connector 17">
+            <a:extLst>
+              <a:ext uri="{FF2B5EF4-FFF2-40B4-BE49-F238E27FC236}">
+                <a16:creationId xmlns:a16="http://schemas.microsoft.com/office/drawing/2014/main" id="{55C8A1DD-AD01-CB95-540C-8AA19493965D}"/>
+              </a:ext>
+            </a:extLst>
+          </p:cNvPr>
+          <p:cNvCxnSpPr>
+            <a:cxnSpLocks/>
+            <a:stCxn id="14" idx="3"/>
+            <a:endCxn id="16" idx="0"/>
+          </p:cNvCxnSpPr>
+          <p:nvPr/>
+        </p:nvCxnSpPr>
+        <p:spPr>
+          <a:xfrm>
+            <a:off x="6899932" y="2968012"/>
+            <a:ext cx="1077047" cy="285859"/>
+          </a:xfrm>
+          <a:prstGeom prst="line">
+            <a:avLst/>
+          </a:prstGeom>
+          <a:ln>
+            <a:solidFill>
+              <a:srgbClr val="0070C0"/>
+            </a:solidFill>
+          </a:ln>
+        </p:spPr>
+        <p:style>
+          <a:lnRef idx="1">
+            <a:schemeClr val="accent1"/>
+          </a:lnRef>
+          <a:fillRef idx="0">
+            <a:schemeClr val="accent1"/>
+          </a:fillRef>
+          <a:effectRef idx="0">
+            <a:schemeClr val="accent1"/>
+          </a:effectRef>
+          <a:fontRef idx="minor">
+            <a:schemeClr val="tx1"/>
+          </a:fontRef>
+        </p:style>
+      </p:cxnSp>
+      <p:sp>
+        <p:nvSpPr>
+          <p:cNvPr id="19" name="TextBox 18">
+            <a:extLst>
+              <a:ext uri="{FF2B5EF4-FFF2-40B4-BE49-F238E27FC236}">
+                <a16:creationId xmlns:a16="http://schemas.microsoft.com/office/drawing/2014/main" id="{DDAFDED6-B571-F23A-8B91-6D294A2260AC}"/>
+              </a:ext>
+            </a:extLst>
+          </p:cNvPr>
+          <p:cNvSpPr txBox="1"/>
+          <p:nvPr/>
+        </p:nvSpPr>
+        <p:spPr>
+          <a:xfrm>
+            <a:off x="5453158" y="4049280"/>
+            <a:ext cx="2268416" cy="738664"/>
+          </a:xfrm>
+          <a:prstGeom prst="rect">
+            <a:avLst/>
+          </a:prstGeom>
+          <a:noFill/>
+          <a:ln>
+            <a:solidFill>
+              <a:srgbClr val="FFC000"/>
+            </a:solidFill>
+          </a:ln>
+        </p:spPr>
+        <p:txBody>
+          <a:bodyPr wrap="square" rtlCol="0">
+            <a:spAutoFit/>
+          </a:bodyPr>
+          <a:lstStyle/>
+          <a:p>
+            <a:r>
+              <a:rPr lang="en-US" dirty="0">
+                <a:latin typeface="Times New Roman" panose="02020603050405020304" pitchFamily="18" charset="0"/>
+                <a:cs typeface="Times New Roman" panose="02020603050405020304" pitchFamily="18" charset="0"/>
+              </a:rPr>
+              <a:t>LLM-Static produces non-executable code with unseen instructions at later cycles</a:t>
+            </a:r>
+          </a:p>
+        </p:txBody>
+      </p:sp>
+      <p:sp>
+        <p:nvSpPr>
+          <p:cNvPr id="29" name="Rectangle 28">
+            <a:extLst>
+              <a:ext uri="{FF2B5EF4-FFF2-40B4-BE49-F238E27FC236}">
+                <a16:creationId xmlns:a16="http://schemas.microsoft.com/office/drawing/2014/main" id="{EFC6CB78-4BE1-A9FC-DA48-D0CF9D7F5CAC}"/>
+              </a:ext>
+            </a:extLst>
+          </p:cNvPr>
+          <p:cNvSpPr/>
+          <p:nvPr/>
+        </p:nvSpPr>
+        <p:spPr>
+          <a:xfrm>
+            <a:off x="5199185" y="2877679"/>
+            <a:ext cx="300145" cy="168690"/>
+          </a:xfrm>
+          <a:prstGeom prst="rect">
+            <a:avLst/>
+          </a:prstGeom>
+          <a:noFill/>
+          <a:ln w="28575" cap="flat" cmpd="sng" algn="ctr">
+            <a:solidFill>
+              <a:srgbClr val="FFC000"/>
+            </a:solidFill>
+            <a:prstDash val="solid"/>
+            <a:round/>
+            <a:headEnd type="none" w="med" len="med"/>
+            <a:tailEnd type="none" w="med" len="med"/>
+          </a:ln>
+        </p:spPr>
+        <p:style>
+          <a:lnRef idx="0">
+            <a:scrgbClr r="0" g="0" b="0"/>
+          </a:lnRef>
+          <a:fillRef idx="0">
+            <a:scrgbClr r="0" g="0" b="0"/>
+          </a:fillRef>
+          <a:effectRef idx="0">
+            <a:scrgbClr r="0" g="0" b="0"/>
+          </a:effectRef>
+          <a:fontRef idx="minor">
+            <a:schemeClr val="accent1"/>
+          </a:fontRef>
+        </p:style>
+        <p:txBody>
+          <a:bodyPr rtlCol="0" anchor="ctr"/>
+          <a:lstStyle/>
+          <a:p>
+            <a:pPr algn="ctr"/>
+            <a:endParaRPr lang="en-US"/>
+          </a:p>
+        </p:txBody>
+      </p:sp>
+      <p:cxnSp>
+        <p:nvCxnSpPr>
+          <p:cNvPr id="31" name="Straight Connector 30">
+            <a:extLst>
+              <a:ext uri="{FF2B5EF4-FFF2-40B4-BE49-F238E27FC236}">
+                <a16:creationId xmlns:a16="http://schemas.microsoft.com/office/drawing/2014/main" id="{961F5EAA-9FA4-06EC-6420-219F6FC7C1F9}"/>
+              </a:ext>
+            </a:extLst>
+          </p:cNvPr>
+          <p:cNvCxnSpPr>
+            <a:cxnSpLocks/>
+            <a:stCxn id="29" idx="2"/>
+            <a:endCxn id="19" idx="0"/>
+          </p:cNvCxnSpPr>
+          <p:nvPr/>
+        </p:nvCxnSpPr>
+        <p:spPr>
+          <a:xfrm>
+            <a:off x="5349258" y="3046369"/>
+            <a:ext cx="1238108" cy="1002911"/>
+          </a:xfrm>
+          <a:prstGeom prst="line">
+            <a:avLst/>
+          </a:prstGeom>
+          <a:ln>
+            <a:solidFill>
+              <a:srgbClr val="FFC000"/>
+            </a:solidFill>
+          </a:ln>
+        </p:spPr>
+        <p:style>
+          <a:lnRef idx="1">
+            <a:schemeClr val="accent1"/>
+          </a:lnRef>
+          <a:fillRef idx="0">
+            <a:schemeClr val="accent1"/>
+          </a:fillRef>
+          <a:effectRef idx="0">
+            <a:schemeClr val="accent1"/>
+          </a:effectRef>
+          <a:fontRef idx="minor">
+            <a:schemeClr val="tx1"/>
+          </a:fontRef>
+        </p:style>
+      </p:cxnSp>
+      <p:sp>
+        <p:nvSpPr>
+          <p:cNvPr id="39" name="Rectangle 38">
+            <a:extLst>
+              <a:ext uri="{FF2B5EF4-FFF2-40B4-BE49-F238E27FC236}">
+                <a16:creationId xmlns:a16="http://schemas.microsoft.com/office/drawing/2014/main" id="{463226D7-F383-9CC6-6B0F-622BFE2F4B1D}"/>
+              </a:ext>
+            </a:extLst>
+          </p:cNvPr>
+          <p:cNvSpPr/>
+          <p:nvPr/>
+        </p:nvSpPr>
+        <p:spPr>
+          <a:xfrm>
+            <a:off x="4745530" y="2870660"/>
+            <a:ext cx="300145" cy="167563"/>
+          </a:xfrm>
+          <a:prstGeom prst="rect">
+            <a:avLst/>
+          </a:prstGeom>
+          <a:noFill/>
+          <a:ln w="28575" cap="flat" cmpd="sng" algn="ctr">
+            <a:solidFill>
+              <a:srgbClr val="0070C0"/>
+            </a:solidFill>
+            <a:prstDash val="solid"/>
+            <a:round/>
+            <a:headEnd type="none" w="med" len="med"/>
+            <a:tailEnd type="none" w="med" len="med"/>
+          </a:ln>
+        </p:spPr>
+        <p:style>
+          <a:lnRef idx="0">
+            <a:scrgbClr r="0" g="0" b="0"/>
+          </a:lnRef>
+          <a:fillRef idx="0">
+            <a:scrgbClr r="0" g="0" b="0"/>
+          </a:fillRef>
+          <a:effectRef idx="0">
+            <a:scrgbClr r="0" g="0" b="0"/>
+          </a:effectRef>
+          <a:fontRef idx="minor">
+            <a:schemeClr val="accent1"/>
+          </a:fontRef>
+        </p:style>
+        <p:txBody>
+          <a:bodyPr rtlCol="0" anchor="ctr"/>
+          <a:lstStyle/>
+          <a:p>
+            <a:pPr algn="ctr"/>
+            <a:endParaRPr lang="en-US"/>
+          </a:p>
+        </p:txBody>
+      </p:sp>
+      <p:sp>
+        <p:nvSpPr>
+          <p:cNvPr id="42" name="TextBox 41">
+            <a:extLst>
+              <a:ext uri="{FF2B5EF4-FFF2-40B4-BE49-F238E27FC236}">
+                <a16:creationId xmlns:a16="http://schemas.microsoft.com/office/drawing/2014/main" id="{2776291C-F25A-9038-CCCB-22217FEE747B}"/>
+              </a:ext>
+            </a:extLst>
+          </p:cNvPr>
+          <p:cNvSpPr txBox="1"/>
+          <p:nvPr/>
+        </p:nvSpPr>
+        <p:spPr>
+          <a:xfrm>
+            <a:off x="3087500" y="4179570"/>
+            <a:ext cx="1817077" cy="523220"/>
+          </a:xfrm>
+          <a:prstGeom prst="rect">
+            <a:avLst/>
+          </a:prstGeom>
+          <a:noFill/>
+          <a:ln>
+            <a:solidFill>
+              <a:srgbClr val="0070C0"/>
+            </a:solidFill>
+          </a:ln>
+        </p:spPr>
+        <p:txBody>
+          <a:bodyPr wrap="square" rtlCol="0">
+            <a:spAutoFit/>
+          </a:bodyPr>
+          <a:lstStyle/>
+          <a:p>
+            <a:pPr algn="ctr"/>
+            <a:r>
+              <a:rPr lang="en-US" dirty="0">
+                <a:latin typeface="Times New Roman" panose="02020603050405020304" pitchFamily="18" charset="0"/>
+                <a:cs typeface="Times New Roman" panose="02020603050405020304" pitchFamily="18" charset="0"/>
+              </a:rPr>
+              <a:t>LLM-static is robust to unseen attributes</a:t>
+            </a:r>
+          </a:p>
+        </p:txBody>
+      </p:sp>
+      <p:cxnSp>
+        <p:nvCxnSpPr>
+          <p:cNvPr id="45" name="Straight Connector 44">
+            <a:extLst>
+              <a:ext uri="{FF2B5EF4-FFF2-40B4-BE49-F238E27FC236}">
+                <a16:creationId xmlns:a16="http://schemas.microsoft.com/office/drawing/2014/main" id="{B1C1656B-7C39-5154-004F-C2F40A7BFCEF}"/>
+              </a:ext>
+            </a:extLst>
+          </p:cNvPr>
+          <p:cNvCxnSpPr>
+            <a:cxnSpLocks/>
+            <a:stCxn id="39" idx="2"/>
+            <a:endCxn id="42" idx="0"/>
+          </p:cNvCxnSpPr>
+          <p:nvPr/>
+        </p:nvCxnSpPr>
+        <p:spPr>
+          <a:xfrm flipH="1">
+            <a:off x="3996039" y="3038223"/>
+            <a:ext cx="899564" cy="1141347"/>
+          </a:xfrm>
+          <a:prstGeom prst="line">
+            <a:avLst/>
+          </a:prstGeom>
+          <a:ln>
+            <a:solidFill>
+              <a:srgbClr val="0070C0"/>
+            </a:solidFill>
+          </a:ln>
+        </p:spPr>
+        <p:style>
+          <a:lnRef idx="1">
+            <a:schemeClr val="accent1"/>
+          </a:lnRef>
+          <a:fillRef idx="0">
+            <a:schemeClr val="accent1"/>
+          </a:fillRef>
+          <a:effectRef idx="0">
+            <a:schemeClr val="accent1"/>
+          </a:effectRef>
+          <a:fontRef idx="minor">
+            <a:schemeClr val="tx1"/>
+          </a:fontRef>
+        </p:style>
+      </p:cxnSp>
+    </p:spTree>
+    <p:extLst>
+      <p:ext uri="{BB962C8B-B14F-4D97-AF65-F5344CB8AC3E}">
+        <p14:creationId xmlns:p14="http://schemas.microsoft.com/office/powerpoint/2010/main" val="1299704287"/>
       </p:ext>
     </p:extLst>
   </p:cSld>
@@ -15200,279 +16094,27 @@
         </p:nvSpPr>
         <p:spPr>
           <a:xfrm>
-            <a:off x="159300" y="888086"/>
-            <a:ext cx="8520600" cy="4255414"/>
+            <a:off x="1599372" y="1375688"/>
+            <a:ext cx="1695814" cy="572700"/>
           </a:xfrm>
         </p:spPr>
         <p:txBody>
           <a:bodyPr/>
           <a:lstStyle/>
           <a:p>
-            <a:pPr>
-              <a:lnSpc>
-                <a:spcPct val="100000"/>
-              </a:lnSpc>
+            <a:pPr marL="114300" indent="0">
+              <a:lnSpc>
+                <a:spcPct val="100000"/>
+              </a:lnSpc>
+              <a:buNone/>
             </a:pPr>
             <a:r>
-              <a:rPr lang="en-US" sz="1400" dirty="0">
+              <a:rPr lang="en-US" sz="2800" dirty="0">
                 <a:latin typeface="Times New Roman" panose="02020603050405020304" pitchFamily="18" charset="0"/>
                 <a:cs typeface="Times New Roman" panose="02020603050405020304" pitchFamily="18" charset="0"/>
               </a:rPr>
-              <a:t>gpt-3.5-turbo and text-embedding-ada-002</a:t>
-            </a:r>
-          </a:p>
-          <a:p>
-            <a:pPr>
-              <a:lnSpc>
-                <a:spcPct val="100000"/>
-              </a:lnSpc>
-            </a:pPr>
-            <a:r>
-              <a:rPr lang="en-US" sz="1400" dirty="0">
-                <a:latin typeface="Times New Roman" panose="02020603050405020304" pitchFamily="18" charset="0"/>
-                <a:cs typeface="Times New Roman" panose="02020603050405020304" pitchFamily="18" charset="0"/>
-              </a:rPr>
-              <a:t>blocks-and-bowls setup replicated from previous works</a:t>
-            </a:r>
-          </a:p>
-          <a:p>
-            <a:pPr>
-              <a:lnSpc>
-                <a:spcPct val="100000"/>
-              </a:lnSpc>
-            </a:pPr>
-            <a:r>
-              <a:rPr lang="en-US" sz="1400" dirty="0">
-                <a:latin typeface="Times New Roman" panose="02020603050405020304" pitchFamily="18" charset="0"/>
-                <a:cs typeface="Times New Roman" panose="02020603050405020304" pitchFamily="18" charset="0"/>
-              </a:rPr>
-              <a:t>41 task templates and 4 cycles</a:t>
-            </a:r>
-          </a:p>
-          <a:p>
-            <a:pPr lvl="1">
-              <a:lnSpc>
-                <a:spcPct val="100000"/>
-              </a:lnSpc>
-            </a:pPr>
-            <a:r>
-              <a:rPr lang="en-US" sz="1100" dirty="0">
-                <a:latin typeface="Times New Roman" panose="02020603050405020304" pitchFamily="18" charset="0"/>
-                <a:cs typeface="Times New Roman" panose="02020603050405020304" pitchFamily="18" charset="0"/>
-              </a:rPr>
-              <a:t>Spatial coordination</a:t>
-            </a:r>
-          </a:p>
-          <a:p>
-            <a:pPr lvl="1">
-              <a:lnSpc>
-                <a:spcPct val="100000"/>
-              </a:lnSpc>
-            </a:pPr>
-            <a:r>
-              <a:rPr lang="en-US" sz="1100" dirty="0">
-                <a:latin typeface="Times New Roman" panose="02020603050405020304" pitchFamily="18" charset="0"/>
-                <a:cs typeface="Times New Roman" panose="02020603050405020304" pitchFamily="18" charset="0"/>
-              </a:rPr>
-              <a:t>Visual reasoning</a:t>
-            </a:r>
-          </a:p>
-          <a:p>
-            <a:pPr lvl="1">
-              <a:lnSpc>
-                <a:spcPct val="100000"/>
-              </a:lnSpc>
-            </a:pPr>
-            <a:r>
-              <a:rPr lang="en-US" sz="1100" dirty="0">
-                <a:latin typeface="Times New Roman" panose="02020603050405020304" pitchFamily="18" charset="0"/>
-                <a:cs typeface="Times New Roman" panose="02020603050405020304" pitchFamily="18" charset="0"/>
-              </a:rPr>
-              <a:t>Object manipulation</a:t>
-            </a:r>
-          </a:p>
-          <a:p>
-            <a:pPr lvl="1">
-              <a:lnSpc>
-                <a:spcPct val="100000"/>
-              </a:lnSpc>
-            </a:pPr>
-            <a:r>
-              <a:rPr lang="en-US" sz="1100" dirty="0">
-                <a:latin typeface="Times New Roman" panose="02020603050405020304" pitchFamily="18" charset="0"/>
-                <a:cs typeface="Times New Roman" panose="02020603050405020304" pitchFamily="18" charset="0"/>
-              </a:rPr>
-              <a:t>rearrangement</a:t>
-            </a:r>
-          </a:p>
-          <a:p>
-            <a:pPr>
-              <a:lnSpc>
-                <a:spcPct val="100000"/>
-              </a:lnSpc>
-            </a:pPr>
-            <a:r>
-              <a:rPr lang="en-US" sz="1400" dirty="0">
-                <a:latin typeface="Times New Roman" panose="02020603050405020304" pitchFamily="18" charset="0"/>
-                <a:cs typeface="Times New Roman" panose="02020603050405020304" pitchFamily="18" charset="0"/>
-              </a:rPr>
-              <a:t>Task instances</a:t>
-            </a:r>
-          </a:p>
-          <a:p>
-            <a:pPr lvl="1">
-              <a:lnSpc>
-                <a:spcPct val="100000"/>
-              </a:lnSpc>
-            </a:pPr>
-            <a:r>
-              <a:rPr lang="en-US" sz="1100" dirty="0">
-                <a:latin typeface="Times New Roman" panose="02020603050405020304" pitchFamily="18" charset="0"/>
-                <a:cs typeface="Times New Roman" panose="02020603050405020304" pitchFamily="18" charset="0"/>
-              </a:rPr>
-              <a:t>Seen instructions with seen (SA)/unseen (UA) attributes</a:t>
-            </a:r>
-          </a:p>
-          <a:p>
-            <a:pPr lvl="1">
-              <a:lnSpc>
-                <a:spcPct val="100000"/>
-              </a:lnSpc>
-            </a:pPr>
-            <a:r>
-              <a:rPr lang="en-US" sz="1100" dirty="0">
-                <a:latin typeface="Times New Roman" panose="02020603050405020304" pitchFamily="18" charset="0"/>
-                <a:cs typeface="Times New Roman" panose="02020603050405020304" pitchFamily="18" charset="0"/>
-              </a:rPr>
-              <a:t>Unseen instructions with unseen attributes (UI)</a:t>
-            </a:r>
-          </a:p>
-          <a:p>
-            <a:pPr lvl="1">
-              <a:lnSpc>
-                <a:spcPct val="100000"/>
-              </a:lnSpc>
-            </a:pPr>
-            <a:r>
-              <a:rPr lang="en-US" sz="1100" dirty="0">
-                <a:latin typeface="Times New Roman" panose="02020603050405020304" pitchFamily="18" charset="0"/>
-                <a:cs typeface="Times New Roman" panose="02020603050405020304" pitchFamily="18" charset="0"/>
-              </a:rPr>
-              <a:t>For lifelong setup</a:t>
-            </a:r>
-          </a:p>
-          <a:p>
-            <a:pPr lvl="2">
-              <a:lnSpc>
-                <a:spcPct val="100000"/>
-              </a:lnSpc>
-            </a:pPr>
-            <a:r>
-              <a:rPr lang="en-US" sz="1100" dirty="0">
-                <a:latin typeface="Times New Roman" panose="02020603050405020304" pitchFamily="18" charset="0"/>
-                <a:cs typeface="Times New Roman" panose="02020603050405020304" pitchFamily="18" charset="0"/>
-              </a:rPr>
-              <a:t>Forward-transfer</a:t>
-            </a:r>
-          </a:p>
-          <a:p>
-            <a:pPr lvl="2">
-              <a:lnSpc>
-                <a:spcPct val="100000"/>
-              </a:lnSpc>
-            </a:pPr>
-            <a:r>
-              <a:rPr lang="en-US" sz="1100" dirty="0">
-                <a:latin typeface="Times New Roman" panose="02020603050405020304" pitchFamily="18" charset="0"/>
-                <a:cs typeface="Times New Roman" panose="02020603050405020304" pitchFamily="18" charset="0"/>
-              </a:rPr>
-              <a:t>Backward-transfer</a:t>
-            </a:r>
-          </a:p>
-          <a:p>
-            <a:pPr>
-              <a:lnSpc>
-                <a:spcPct val="100000"/>
-              </a:lnSpc>
-            </a:pPr>
-            <a:r>
-              <a:rPr lang="en-US" sz="1400" dirty="0">
-                <a:latin typeface="Times New Roman" panose="02020603050405020304" pitchFamily="18" charset="0"/>
-                <a:cs typeface="Times New Roman" panose="02020603050405020304" pitchFamily="18" charset="0"/>
-              </a:rPr>
-              <a:t>Baselines</a:t>
-            </a:r>
-          </a:p>
-          <a:p>
-            <a:pPr lvl="1">
-              <a:lnSpc>
-                <a:spcPct val="100000"/>
-              </a:lnSpc>
-            </a:pPr>
-            <a:r>
-              <a:rPr lang="en-US" sz="1100" dirty="0" err="1">
-                <a:latin typeface="Times New Roman" panose="02020603050405020304" pitchFamily="18" charset="0"/>
-                <a:cs typeface="Times New Roman" panose="02020603050405020304" pitchFamily="18" charset="0"/>
-              </a:rPr>
-              <a:t>CLIPort</a:t>
-            </a:r>
-            <a:endParaRPr lang="en-US" sz="1100" dirty="0">
-              <a:latin typeface="Times New Roman" panose="02020603050405020304" pitchFamily="18" charset="0"/>
-              <a:cs typeface="Times New Roman" panose="02020603050405020304" pitchFamily="18" charset="0"/>
-            </a:endParaRPr>
-          </a:p>
-          <a:p>
-            <a:pPr lvl="1">
-              <a:lnSpc>
-                <a:spcPct val="100000"/>
-              </a:lnSpc>
-            </a:pPr>
-            <a:r>
-              <a:rPr lang="en-US" sz="1100" dirty="0" err="1">
-                <a:latin typeface="Times New Roman" panose="02020603050405020304" pitchFamily="18" charset="0"/>
-                <a:cs typeface="Times New Roman" panose="02020603050405020304" pitchFamily="18" charset="0"/>
-              </a:rPr>
-              <a:t>CaP</a:t>
-            </a:r>
-            <a:endParaRPr lang="en-US" sz="1100" dirty="0">
-              <a:latin typeface="Times New Roman" panose="02020603050405020304" pitchFamily="18" charset="0"/>
-              <a:cs typeface="Times New Roman" panose="02020603050405020304" pitchFamily="18" charset="0"/>
-            </a:endParaRPr>
-          </a:p>
-          <a:p>
-            <a:pPr lvl="1">
-              <a:lnSpc>
-                <a:spcPct val="100000"/>
-              </a:lnSpc>
-            </a:pPr>
-            <a:r>
-              <a:rPr lang="en-US" sz="1100" dirty="0">
-                <a:latin typeface="Times New Roman" panose="02020603050405020304" pitchFamily="18" charset="0"/>
-                <a:cs typeface="Times New Roman" panose="02020603050405020304" pitchFamily="18" charset="0"/>
-              </a:rPr>
-              <a:t>LLRL-no-sleep</a:t>
-            </a:r>
-          </a:p>
-          <a:p>
-            <a:pPr lvl="1">
-              <a:lnSpc>
-                <a:spcPct val="100000"/>
-              </a:lnSpc>
-            </a:pPr>
-            <a:r>
-              <a:rPr lang="en-US" sz="1100" dirty="0">
-                <a:latin typeface="Times New Roman" panose="02020603050405020304" pitchFamily="18" charset="0"/>
-                <a:cs typeface="Times New Roman" panose="02020603050405020304" pitchFamily="18" charset="0"/>
-              </a:rPr>
-              <a:t>LLRL-no-wake</a:t>
-            </a:r>
-          </a:p>
-          <a:p>
-            <a:pPr lvl="1"/>
-            <a:endParaRPr lang="en-US" dirty="0">
-              <a:latin typeface="Times New Roman" panose="02020603050405020304" pitchFamily="18" charset="0"/>
-              <a:cs typeface="Times New Roman" panose="02020603050405020304" pitchFamily="18" charset="0"/>
-            </a:endParaRPr>
+              <a:t>Ablation</a:t>
+            </a:r>
           </a:p>
         </p:txBody>
       </p:sp>
@@ -15552,10 +16194,140 @@
           </a:p>
         </p:txBody>
       </p:sp>
+      <p:pic>
+        <p:nvPicPr>
+          <p:cNvPr id="8" name="Picture 7">
+            <a:extLst>
+              <a:ext uri="{FF2B5EF4-FFF2-40B4-BE49-F238E27FC236}">
+                <a16:creationId xmlns:a16="http://schemas.microsoft.com/office/drawing/2014/main" id="{9DB30DA6-2219-3203-E061-00F54BA570A2}"/>
+              </a:ext>
+            </a:extLst>
+          </p:cNvPr>
+          <p:cNvPicPr>
+            <a:picLocks noChangeAspect="1"/>
+          </p:cNvPicPr>
+          <p:nvPr/>
+        </p:nvPicPr>
+        <p:blipFill>
+          <a:blip r:embed="rId3"/>
+          <a:stretch>
+            <a:fillRect/>
+          </a:stretch>
+        </p:blipFill>
+        <p:spPr>
+          <a:xfrm>
+            <a:off x="4922740" y="948233"/>
+            <a:ext cx="3243160" cy="1427611"/>
+          </a:xfrm>
+          <a:prstGeom prst="rect">
+            <a:avLst/>
+          </a:prstGeom>
+        </p:spPr>
+      </p:pic>
+      <p:sp>
+        <p:nvSpPr>
+          <p:cNvPr id="9" name="TextBox 8">
+            <a:extLst>
+              <a:ext uri="{FF2B5EF4-FFF2-40B4-BE49-F238E27FC236}">
+                <a16:creationId xmlns:a16="http://schemas.microsoft.com/office/drawing/2014/main" id="{4D9187B8-A2C9-4489-1051-5A883A38F3A5}"/>
+              </a:ext>
+            </a:extLst>
+          </p:cNvPr>
+          <p:cNvSpPr txBox="1"/>
+          <p:nvPr/>
+        </p:nvSpPr>
+        <p:spPr>
+          <a:xfrm>
+            <a:off x="4922740" y="2344695"/>
+            <a:ext cx="3243159" cy="184666"/>
+          </a:xfrm>
+          <a:prstGeom prst="rect">
+            <a:avLst/>
+          </a:prstGeom>
+          <a:noFill/>
+        </p:spPr>
+        <p:txBody>
+          <a:bodyPr wrap="square" rtlCol="0">
+            <a:spAutoFit/>
+          </a:bodyPr>
+          <a:lstStyle/>
+          <a:p>
+            <a:r>
+              <a:rPr lang="en-US" sz="600" dirty="0"/>
+              <a:t>Image taken from Table 2 of paper</a:t>
+            </a:r>
+          </a:p>
+        </p:txBody>
+      </p:sp>
+      <p:pic>
+        <p:nvPicPr>
+          <p:cNvPr id="11" name="Picture 10">
+            <a:extLst>
+              <a:ext uri="{FF2B5EF4-FFF2-40B4-BE49-F238E27FC236}">
+                <a16:creationId xmlns:a16="http://schemas.microsoft.com/office/drawing/2014/main" id="{BBDC33B1-4B5E-BD79-0F37-2051932DAC46}"/>
+              </a:ext>
+            </a:extLst>
+          </p:cNvPr>
+          <p:cNvPicPr>
+            <a:picLocks noChangeAspect="1"/>
+          </p:cNvPicPr>
+          <p:nvPr/>
+        </p:nvPicPr>
+        <p:blipFill>
+          <a:blip r:embed="rId4"/>
+          <a:stretch>
+            <a:fillRect/>
+          </a:stretch>
+        </p:blipFill>
+        <p:spPr>
+          <a:xfrm>
+            <a:off x="825700" y="2682878"/>
+            <a:ext cx="7492600" cy="2337621"/>
+          </a:xfrm>
+          <a:prstGeom prst="rect">
+            <a:avLst/>
+          </a:prstGeom>
+        </p:spPr>
+      </p:pic>
+      <p:sp>
+        <p:nvSpPr>
+          <p:cNvPr id="13" name="TextBox 12">
+            <a:extLst>
+              <a:ext uri="{FF2B5EF4-FFF2-40B4-BE49-F238E27FC236}">
+                <a16:creationId xmlns:a16="http://schemas.microsoft.com/office/drawing/2014/main" id="{BC5A578C-9436-D4C3-29BA-2F168322D321}"/>
+              </a:ext>
+            </a:extLst>
+          </p:cNvPr>
+          <p:cNvSpPr txBox="1"/>
+          <p:nvPr/>
+        </p:nvSpPr>
+        <p:spPr>
+          <a:xfrm>
+            <a:off x="825700" y="4883662"/>
+            <a:ext cx="3243159" cy="184666"/>
+          </a:xfrm>
+          <a:prstGeom prst="rect">
+            <a:avLst/>
+          </a:prstGeom>
+          <a:noFill/>
+        </p:spPr>
+        <p:txBody>
+          <a:bodyPr wrap="square" rtlCol="0">
+            <a:spAutoFit/>
+          </a:bodyPr>
+          <a:lstStyle/>
+          <a:p>
+            <a:r>
+              <a:rPr lang="en-US" sz="600" dirty="0"/>
+              <a:t>Image taken from figures 3 and 4</a:t>
+            </a:r>
+          </a:p>
+        </p:txBody>
+      </p:sp>
     </p:spTree>
     <p:extLst>
       <p:ext uri="{BB962C8B-B14F-4D97-AF65-F5344CB8AC3E}">
-        <p14:creationId xmlns:p14="http://schemas.microsoft.com/office/powerpoint/2010/main" val="1070569935"/>
+        <p14:creationId xmlns:p14="http://schemas.microsoft.com/office/powerpoint/2010/main" val="2758122514"/>
       </p:ext>
     </p:extLst>
   </p:cSld>
@@ -15587,7 +16359,7 @@
           <p:cNvPr id="2" name="Title 1">
             <a:extLst>
               <a:ext uri="{FF2B5EF4-FFF2-40B4-BE49-F238E27FC236}">
-                <a16:creationId xmlns:a16="http://schemas.microsoft.com/office/drawing/2014/main" id="{91F313CF-3BA8-3908-350D-76C3C3E9EFE2}"/>
+                <a16:creationId xmlns:a16="http://schemas.microsoft.com/office/drawing/2014/main" id="{264C50FF-5EEC-751C-5214-2E8481BE80E0}"/>
               </a:ext>
             </a:extLst>
           </p:cNvPr>
@@ -15598,197 +16370,21 @@
             <p:ph type="title"/>
           </p:nvPr>
         </p:nvSpPr>
-        <p:spPr/>
-        <p:txBody>
-          <a:bodyPr/>
-          <a:lstStyle/>
-          <a:p>
-            <a:r>
-              <a:rPr lang="en-US" dirty="0"/>
-              <a:t>IV. Experimental Results</a:t>
-            </a:r>
-          </a:p>
-        </p:txBody>
-      </p:sp>
-      <p:sp>
-        <p:nvSpPr>
-          <p:cNvPr id="3" name="Text Placeholder 2">
-            <a:extLst>
-              <a:ext uri="{FF2B5EF4-FFF2-40B4-BE49-F238E27FC236}">
-                <a16:creationId xmlns:a16="http://schemas.microsoft.com/office/drawing/2014/main" id="{C78765BE-E985-6847-E434-EEC6F64318C9}"/>
-              </a:ext>
-            </a:extLst>
-          </p:cNvPr>
-          <p:cNvSpPr>
-            <a:spLocks noGrp="1"/>
-          </p:cNvSpPr>
-          <p:nvPr>
-            <p:ph type="body" idx="1"/>
-          </p:nvPr>
-        </p:nvSpPr>
         <p:spPr>
           <a:xfrm>
-            <a:off x="159300" y="1020777"/>
-            <a:ext cx="3919319" cy="3999722"/>
+            <a:off x="311700" y="2571750"/>
+            <a:ext cx="8520600" cy="572700"/>
           </a:xfrm>
         </p:spPr>
         <p:txBody>
           <a:bodyPr/>
           <a:lstStyle/>
           <a:p>
-            <a:pPr>
-              <a:lnSpc>
-                <a:spcPct val="100000"/>
-              </a:lnSpc>
-            </a:pPr>
-            <a:r>
-              <a:rPr lang="en-US" sz="1400" dirty="0">
-                <a:latin typeface="Times New Roman" panose="02020603050405020304" pitchFamily="18" charset="0"/>
-                <a:cs typeface="Times New Roman" panose="02020603050405020304" pitchFamily="18" charset="0"/>
-              </a:rPr>
-              <a:t>Tabletop Manipulation</a:t>
-            </a:r>
-          </a:p>
-          <a:p>
-            <a:pPr lvl="1">
-              <a:lnSpc>
-                <a:spcPct val="100000"/>
-              </a:lnSpc>
-            </a:pPr>
-            <a:r>
-              <a:rPr lang="en-US" dirty="0">
-                <a:latin typeface="Times New Roman" panose="02020603050405020304" pitchFamily="18" charset="0"/>
-                <a:cs typeface="Times New Roman" panose="02020603050405020304" pitchFamily="18" charset="0"/>
-              </a:rPr>
-              <a:t>Simulated teacher</a:t>
-            </a:r>
-          </a:p>
-          <a:p>
-            <a:pPr lvl="2">
-              <a:lnSpc>
-                <a:spcPct val="100000"/>
-              </a:lnSpc>
-            </a:pPr>
-            <a:r>
-              <a:rPr lang="en-US" dirty="0">
-                <a:latin typeface="Times New Roman" panose="02020603050405020304" pitchFamily="18" charset="0"/>
-                <a:cs typeface="Times New Roman" panose="02020603050405020304" pitchFamily="18" charset="0"/>
-              </a:rPr>
-              <a:t>Generated 5 demonstrations</a:t>
-            </a:r>
-          </a:p>
-          <a:p>
-            <a:pPr lvl="3">
-              <a:lnSpc>
-                <a:spcPct val="100000"/>
-              </a:lnSpc>
-            </a:pPr>
-            <a:r>
-              <a:rPr lang="en-US" dirty="0">
-                <a:latin typeface="Times New Roman" panose="02020603050405020304" pitchFamily="18" charset="0"/>
-                <a:cs typeface="Times New Roman" panose="02020603050405020304" pitchFamily="18" charset="0"/>
-              </a:rPr>
-              <a:t>1 per seen attribute</a:t>
-            </a:r>
-          </a:p>
-          <a:p>
-            <a:pPr lvl="2">
-              <a:lnSpc>
-                <a:spcPct val="100000"/>
-              </a:lnSpc>
-            </a:pPr>
-            <a:r>
-              <a:rPr lang="en-US" dirty="0">
-                <a:latin typeface="Times New Roman" panose="02020603050405020304" pitchFamily="18" charset="0"/>
-                <a:cs typeface="Times New Roman" panose="02020603050405020304" pitchFamily="18" charset="0"/>
-              </a:rPr>
-              <a:t>Multiple test for each cycle</a:t>
-            </a:r>
-          </a:p>
-          <a:p>
-            <a:pPr lvl="3">
-              <a:lnSpc>
-                <a:spcPct val="100000"/>
-              </a:lnSpc>
-            </a:pPr>
-            <a:r>
-              <a:rPr lang="en-US" dirty="0">
-                <a:latin typeface="Times New Roman" panose="02020603050405020304" pitchFamily="18" charset="0"/>
-                <a:cs typeface="Times New Roman" panose="02020603050405020304" pitchFamily="18" charset="0"/>
-              </a:rPr>
-              <a:t>10 per unseen attributes and unseen attributes with unseen instructions</a:t>
-            </a:r>
-          </a:p>
-          <a:p>
-            <a:pPr lvl="1">
-              <a:lnSpc>
-                <a:spcPct val="100000"/>
-              </a:lnSpc>
-            </a:pPr>
-            <a:r>
-              <a:rPr lang="en-US" dirty="0" err="1">
-                <a:latin typeface="Times New Roman" panose="02020603050405020304" pitchFamily="18" charset="0"/>
-                <a:cs typeface="Times New Roman" panose="02020603050405020304" pitchFamily="18" charset="0"/>
-              </a:rPr>
-              <a:t>CLIPort</a:t>
-            </a:r>
-            <a:endParaRPr lang="en-US" dirty="0">
-              <a:latin typeface="Times New Roman" panose="02020603050405020304" pitchFamily="18" charset="0"/>
-              <a:cs typeface="Times New Roman" panose="02020603050405020304" pitchFamily="18" charset="0"/>
-            </a:endParaRPr>
-          </a:p>
-          <a:p>
-            <a:pPr lvl="2">
-              <a:lnSpc>
-                <a:spcPct val="100000"/>
-              </a:lnSpc>
-            </a:pPr>
-            <a:r>
-              <a:rPr lang="en-US" dirty="0">
-                <a:latin typeface="Times New Roman" panose="02020603050405020304" pitchFamily="18" charset="0"/>
-                <a:cs typeface="Times New Roman" panose="02020603050405020304" pitchFamily="18" charset="0"/>
-              </a:rPr>
-              <a:t>1k trajectories per task</a:t>
-            </a:r>
-          </a:p>
-          <a:p>
-            <a:pPr lvl="1">
-              <a:lnSpc>
-                <a:spcPct val="100000"/>
-              </a:lnSpc>
-            </a:pPr>
-            <a:r>
-              <a:rPr lang="en-US" dirty="0">
-                <a:latin typeface="Times New Roman" panose="02020603050405020304" pitchFamily="18" charset="0"/>
-                <a:cs typeface="Times New Roman" panose="02020603050405020304" pitchFamily="18" charset="0"/>
-              </a:rPr>
-              <a:t>LLM-static</a:t>
-            </a:r>
-          </a:p>
-          <a:p>
-            <a:pPr lvl="2">
-              <a:lnSpc>
-                <a:spcPct val="100000"/>
-              </a:lnSpc>
-            </a:pPr>
-            <a:r>
-              <a:rPr lang="en-US" dirty="0">
-                <a:latin typeface="Times New Roman" panose="02020603050405020304" pitchFamily="18" charset="0"/>
-                <a:cs typeface="Times New Roman" panose="02020603050405020304" pitchFamily="18" charset="0"/>
-              </a:rPr>
-              <a:t>Demos append to prompt</a:t>
-            </a:r>
-          </a:p>
-          <a:p>
-            <a:pPr lvl="1">
-              <a:lnSpc>
-                <a:spcPct val="100000"/>
-              </a:lnSpc>
-            </a:pPr>
-            <a:endParaRPr lang="en-US" sz="1000" dirty="0">
-              <a:latin typeface="Times New Roman" panose="02020603050405020304" pitchFamily="18" charset="0"/>
-              <a:cs typeface="Times New Roman" panose="02020603050405020304" pitchFamily="18" charset="0"/>
-            </a:endParaRPr>
+            <a:pPr algn="ctr"/>
+            <a:r>
+              <a:rPr lang="en-US" dirty="0"/>
+              <a:t>V. Strengths and Weaknesses</a:t>
+            </a:r>
           </a:p>
         </p:txBody>
       </p:sp>
@@ -15797,7 +16393,7 @@
           <p:cNvPr id="4" name="Slide Number Placeholder 3">
             <a:extLst>
               <a:ext uri="{FF2B5EF4-FFF2-40B4-BE49-F238E27FC236}">
-                <a16:creationId xmlns:a16="http://schemas.microsoft.com/office/drawing/2014/main" id="{2931AD7A-CACA-C1CD-6BF0-FEEB395F79B4}"/>
+                <a16:creationId xmlns:a16="http://schemas.microsoft.com/office/drawing/2014/main" id="{E4D36E30-C87B-06FC-DD57-4D866BF07AA4}"/>
               </a:ext>
             </a:extLst>
           </p:cNvPr>
@@ -15835,7 +16431,7 @@
           <p:cNvPr id="5" name="Slide Number Placeholder 4">
             <a:extLst>
               <a:ext uri="{FF2B5EF4-FFF2-40B4-BE49-F238E27FC236}">
-                <a16:creationId xmlns:a16="http://schemas.microsoft.com/office/drawing/2014/main" id="{526B02F4-FA15-8789-8ABE-CA48D7551F93}"/>
+                <a16:creationId xmlns:a16="http://schemas.microsoft.com/office/drawing/2014/main" id="{486C2341-13FF-6811-A640-58468291EB09}"/>
               </a:ext>
             </a:extLst>
           </p:cNvPr>
@@ -15868,75 +16464,10 @@
           </a:p>
         </p:txBody>
       </p:sp>
-      <p:pic>
-        <p:nvPicPr>
-          <p:cNvPr id="7" name="Picture 6">
-            <a:extLst>
-              <a:ext uri="{FF2B5EF4-FFF2-40B4-BE49-F238E27FC236}">
-                <a16:creationId xmlns:a16="http://schemas.microsoft.com/office/drawing/2014/main" id="{90262091-3398-06A6-7F3D-FE95F21E6C5A}"/>
-              </a:ext>
-            </a:extLst>
-          </p:cNvPr>
-          <p:cNvPicPr>
-            <a:picLocks noChangeAspect="1"/>
-          </p:cNvPicPr>
-          <p:nvPr/>
-        </p:nvPicPr>
-        <p:blipFill>
-          <a:blip r:embed="rId3"/>
-          <a:stretch>
-            <a:fillRect/>
-          </a:stretch>
-        </p:blipFill>
-        <p:spPr>
-          <a:xfrm>
-            <a:off x="4572000" y="1671512"/>
-            <a:ext cx="4001058" cy="1800476"/>
-          </a:xfrm>
-          <a:prstGeom prst="rect">
-            <a:avLst/>
-          </a:prstGeom>
-        </p:spPr>
-      </p:pic>
-      <p:sp>
-        <p:nvSpPr>
-          <p:cNvPr id="12" name="TextBox 11">
-            <a:extLst>
-              <a:ext uri="{FF2B5EF4-FFF2-40B4-BE49-F238E27FC236}">
-                <a16:creationId xmlns:a16="http://schemas.microsoft.com/office/drawing/2014/main" id="{FCCEA652-0D54-4630-A0DA-1ABC35206EBE}"/>
-              </a:ext>
-            </a:extLst>
-          </p:cNvPr>
-          <p:cNvSpPr txBox="1"/>
-          <p:nvPr/>
-        </p:nvSpPr>
-        <p:spPr>
-          <a:xfrm>
-            <a:off x="4644362" y="3471988"/>
-            <a:ext cx="3243159" cy="184666"/>
-          </a:xfrm>
-          <a:prstGeom prst="rect">
-            <a:avLst/>
-          </a:prstGeom>
-          <a:noFill/>
-        </p:spPr>
-        <p:txBody>
-          <a:bodyPr wrap="square" rtlCol="0">
-            <a:spAutoFit/>
-          </a:bodyPr>
-          <a:lstStyle/>
-          <a:p>
-            <a:r>
-              <a:rPr lang="en-US" sz="600" dirty="0"/>
-              <a:t>Image taken from Table I of paper</a:t>
-            </a:r>
-          </a:p>
-        </p:txBody>
-      </p:sp>
     </p:spTree>
     <p:extLst>
       <p:ext uri="{BB962C8B-B14F-4D97-AF65-F5344CB8AC3E}">
-        <p14:creationId xmlns:p14="http://schemas.microsoft.com/office/powerpoint/2010/main" val="1299704287"/>
+        <p14:creationId xmlns:p14="http://schemas.microsoft.com/office/powerpoint/2010/main" val="278667017"/>
       </p:ext>
     </p:extLst>
   </p:cSld>
@@ -15968,7 +16499,7 @@
           <p:cNvPr id="2" name="Title 1">
             <a:extLst>
               <a:ext uri="{FF2B5EF4-FFF2-40B4-BE49-F238E27FC236}">
-                <a16:creationId xmlns:a16="http://schemas.microsoft.com/office/drawing/2014/main" id="{91F313CF-3BA8-3908-350D-76C3C3E9EFE2}"/>
+                <a16:creationId xmlns:a16="http://schemas.microsoft.com/office/drawing/2014/main" id="{7CC392F4-0363-EFD5-FA3E-1FEC4AAB5612}"/>
               </a:ext>
             </a:extLst>
           </p:cNvPr>
@@ -15986,7 +16517,7 @@
           <a:p>
             <a:r>
               <a:rPr lang="en-US" dirty="0"/>
-              <a:t>IV. Experimental Results</a:t>
+              <a:t>V. Strengths and Weaknesses</a:t>
             </a:r>
           </a:p>
         </p:txBody>
@@ -15996,7 +16527,7 @@
           <p:cNvPr id="3" name="Text Placeholder 2">
             <a:extLst>
               <a:ext uri="{FF2B5EF4-FFF2-40B4-BE49-F238E27FC236}">
-                <a16:creationId xmlns:a16="http://schemas.microsoft.com/office/drawing/2014/main" id="{C78765BE-E985-6847-E434-EEC6F64318C9}"/>
+                <a16:creationId xmlns:a16="http://schemas.microsoft.com/office/drawing/2014/main" id="{478CC15D-0E3D-7CDD-6EDC-798612F8030E}"/>
               </a:ext>
             </a:extLst>
           </p:cNvPr>
@@ -16009,8 +16540,8 @@
         </p:nvSpPr>
         <p:spPr>
           <a:xfrm>
-            <a:off x="1446972" y="1187445"/>
-            <a:ext cx="1695814" cy="572700"/>
+            <a:off x="321184" y="1101970"/>
+            <a:ext cx="2263753" cy="690914"/>
           </a:xfrm>
         </p:spPr>
         <p:txBody>
@@ -16018,18 +16549,22 @@
           <a:lstStyle/>
           <a:p>
             <a:pPr marL="114300" indent="0">
-              <a:lnSpc>
-                <a:spcPct val="100000"/>
-              </a:lnSpc>
               <a:buNone/>
             </a:pPr>
             <a:r>
-              <a:rPr lang="en-US" sz="2800" dirty="0">
+              <a:rPr lang="en-US" sz="3200" b="1" dirty="0">
                 <a:latin typeface="Times New Roman" panose="02020603050405020304" pitchFamily="18" charset="0"/>
                 <a:cs typeface="Times New Roman" panose="02020603050405020304" pitchFamily="18" charset="0"/>
               </a:rPr>
-              <a:t>Ablation</a:t>
-            </a:r>
+              <a:t>Strengths</a:t>
+            </a:r>
+            <a:endParaRPr lang="en-US" b="1" dirty="0">
+              <a:latin typeface="Times New Roman" panose="02020603050405020304" pitchFamily="18" charset="0"/>
+              <a:cs typeface="Times New Roman" panose="02020603050405020304" pitchFamily="18" charset="0"/>
+            </a:endParaRPr>
+          </a:p>
+          <a:p>
+            <a:endParaRPr lang="en-US" dirty="0"/>
           </a:p>
         </p:txBody>
       </p:sp>
@@ -16038,7 +16573,7 @@
           <p:cNvPr id="4" name="Slide Number Placeholder 3">
             <a:extLst>
               <a:ext uri="{FF2B5EF4-FFF2-40B4-BE49-F238E27FC236}">
-                <a16:creationId xmlns:a16="http://schemas.microsoft.com/office/drawing/2014/main" id="{2931AD7A-CACA-C1CD-6BF0-FEEB395F79B4}"/>
+                <a16:creationId xmlns:a16="http://schemas.microsoft.com/office/drawing/2014/main" id="{840F6CE5-BDC4-3B5D-BB93-CFC5C5FA6867}"/>
               </a:ext>
             </a:extLst>
           </p:cNvPr>
@@ -16076,7 +16611,7 @@
           <p:cNvPr id="5" name="Slide Number Placeholder 4">
             <a:extLst>
               <a:ext uri="{FF2B5EF4-FFF2-40B4-BE49-F238E27FC236}">
-                <a16:creationId xmlns:a16="http://schemas.microsoft.com/office/drawing/2014/main" id="{526B02F4-FA15-8789-8ABE-CA48D7551F93}"/>
+                <a16:creationId xmlns:a16="http://schemas.microsoft.com/office/drawing/2014/main" id="{95E7406A-D76E-8917-F803-18C4570DF432}"/>
               </a:ext>
             </a:extLst>
           </p:cNvPr>
@@ -16109,42 +16644,12 @@
           </a:p>
         </p:txBody>
       </p:sp>
-      <p:pic>
-        <p:nvPicPr>
-          <p:cNvPr id="8" name="Picture 7">
+      <p:sp>
+        <p:nvSpPr>
+          <p:cNvPr id="6" name="TextBox 5">
             <a:extLst>
               <a:ext uri="{FF2B5EF4-FFF2-40B4-BE49-F238E27FC236}">
-                <a16:creationId xmlns:a16="http://schemas.microsoft.com/office/drawing/2014/main" id="{9DB30DA6-2219-3203-E061-00F54BA570A2}"/>
-              </a:ext>
-            </a:extLst>
-          </p:cNvPr>
-          <p:cNvPicPr>
-            <a:picLocks noChangeAspect="1"/>
-          </p:cNvPicPr>
-          <p:nvPr/>
-        </p:nvPicPr>
-        <p:blipFill>
-          <a:blip r:embed="rId3"/>
-          <a:stretch>
-            <a:fillRect/>
-          </a:stretch>
-        </p:blipFill>
-        <p:spPr>
-          <a:xfrm>
-            <a:off x="5108850" y="1088236"/>
-            <a:ext cx="3243160" cy="1427611"/>
-          </a:xfrm>
-          <a:prstGeom prst="rect">
-            <a:avLst/>
-          </a:prstGeom>
-        </p:spPr>
-      </p:pic>
-      <p:sp>
-        <p:nvSpPr>
-          <p:cNvPr id="9" name="TextBox 8">
-            <a:extLst>
-              <a:ext uri="{FF2B5EF4-FFF2-40B4-BE49-F238E27FC236}">
-                <a16:creationId xmlns:a16="http://schemas.microsoft.com/office/drawing/2014/main" id="{4D9187B8-A2C9-4489-1051-5A883A38F3A5}"/>
+                <a16:creationId xmlns:a16="http://schemas.microsoft.com/office/drawing/2014/main" id="{563C40DC-71F6-4F39-72B0-1A4DC1B858B5}"/>
               </a:ext>
             </a:extLst>
           </p:cNvPr>
@@ -16153,8 +16658,8 @@
         </p:nvSpPr>
         <p:spPr>
           <a:xfrm>
-            <a:off x="5108850" y="2515436"/>
-            <a:ext cx="3243159" cy="184666"/>
+            <a:off x="405646" y="1792884"/>
+            <a:ext cx="4013954" cy="1200329"/>
           </a:xfrm>
           <a:prstGeom prst="rect">
             <a:avLst/>
@@ -16167,49 +16672,365 @@
           </a:bodyPr>
           <a:lstStyle/>
           <a:p>
-            <a:r>
-              <a:rPr lang="en-US" sz="600" dirty="0"/>
-              <a:t>Image taken from Table 2 of paper</a:t>
+            <a:pPr marL="285750" indent="-285750">
+              <a:buFont typeface="Arial" panose="020B0604020202020204" pitchFamily="34" charset="0"/>
+              <a:buChar char="•"/>
+            </a:pPr>
+            <a:r>
+              <a:rPr lang="en-US" sz="1800" dirty="0">
+                <a:latin typeface="Times New Roman" panose="02020603050405020304" pitchFamily="18" charset="0"/>
+                <a:cs typeface="Times New Roman" panose="02020603050405020304" pitchFamily="18" charset="0"/>
+              </a:rPr>
+              <a:t>Memory efficient</a:t>
+            </a:r>
+          </a:p>
+          <a:p>
+            <a:pPr marL="285750" indent="-285750">
+              <a:buFont typeface="Arial" panose="020B0604020202020204" pitchFamily="34" charset="0"/>
+              <a:buChar char="•"/>
+            </a:pPr>
+            <a:r>
+              <a:rPr lang="en-US" sz="1800" dirty="0">
+                <a:latin typeface="Times New Roman" panose="02020603050405020304" pitchFamily="18" charset="0"/>
+                <a:cs typeface="Times New Roman" panose="02020603050405020304" pitchFamily="18" charset="0"/>
+              </a:rPr>
+              <a:t>Good at learning new skills</a:t>
+            </a:r>
+          </a:p>
+          <a:p>
+            <a:pPr marL="285750" indent="-285750">
+              <a:buFont typeface="Arial" panose="020B0604020202020204" pitchFamily="34" charset="0"/>
+              <a:buChar char="•"/>
+            </a:pPr>
+            <a:r>
+              <a:rPr lang="en-US" sz="1800" dirty="0">
+                <a:latin typeface="Times New Roman" panose="02020603050405020304" pitchFamily="18" charset="0"/>
+                <a:cs typeface="Times New Roman" panose="02020603050405020304" pitchFamily="18" charset="0"/>
+              </a:rPr>
+              <a:t>Minimal expert intervention</a:t>
+            </a:r>
+          </a:p>
+          <a:p>
+            <a:pPr marL="285750" indent="-285750">
+              <a:buFont typeface="Arial" panose="020B0604020202020204" pitchFamily="34" charset="0"/>
+              <a:buChar char="•"/>
+            </a:pPr>
+            <a:r>
+              <a:rPr lang="en-US" sz="1800" dirty="0">
+                <a:latin typeface="Times New Roman" panose="02020603050405020304" pitchFamily="18" charset="0"/>
+                <a:cs typeface="Times New Roman" panose="02020603050405020304" pitchFamily="18" charset="0"/>
+              </a:rPr>
+              <a:t>Scalability</a:t>
             </a:r>
           </a:p>
         </p:txBody>
       </p:sp>
-      <p:pic>
-        <p:nvPicPr>
-          <p:cNvPr id="11" name="Picture 10">
+      <p:sp>
+        <p:nvSpPr>
+          <p:cNvPr id="7" name="Text Placeholder 2">
             <a:extLst>
               <a:ext uri="{FF2B5EF4-FFF2-40B4-BE49-F238E27FC236}">
-                <a16:creationId xmlns:a16="http://schemas.microsoft.com/office/drawing/2014/main" id="{BBDC33B1-4B5E-BD79-0F37-2051932DAC46}"/>
+                <a16:creationId xmlns:a16="http://schemas.microsoft.com/office/drawing/2014/main" id="{1075362E-637E-1287-4FA6-47AE502B9196}"/>
               </a:ext>
             </a:extLst>
           </p:cNvPr>
-          <p:cNvPicPr>
-            <a:picLocks noChangeAspect="1"/>
-          </p:cNvPicPr>
+          <p:cNvSpPr txBox="1">
+            <a:spLocks/>
+          </p:cNvSpPr>
           <p:nvPr/>
-        </p:nvPicPr>
-        <p:blipFill>
-          <a:blip r:embed="rId4"/>
-          <a:stretch>
-            <a:fillRect/>
-          </a:stretch>
-        </p:blipFill>
+        </p:nvSpPr>
         <p:spPr>
           <a:xfrm>
-            <a:off x="673300" y="2649252"/>
-            <a:ext cx="7492600" cy="2337621"/>
+            <a:off x="4724401" y="1095362"/>
+            <a:ext cx="2526321" cy="690914"/>
           </a:xfrm>
           <a:prstGeom prst="rect">
             <a:avLst/>
           </a:prstGeom>
+          <a:noFill/>
+          <a:ln>
+            <a:noFill/>
+          </a:ln>
         </p:spPr>
-      </p:pic>
+        <p:txBody>
+          <a:bodyPr spcFirstLastPara="1" wrap="square" lIns="91425" tIns="91425" rIns="91425" bIns="91425" anchor="t" anchorCtr="0">
+            <a:noAutofit/>
+          </a:bodyPr>
+          <a:lstStyle>
+            <a:defPPr marR="0" lvl="0" algn="l" rtl="0">
+              <a:lnSpc>
+                <a:spcPct val="100000"/>
+              </a:lnSpc>
+              <a:spcBef>
+                <a:spcPts val="0"/>
+              </a:spcBef>
+              <a:spcAft>
+                <a:spcPts val="0"/>
+              </a:spcAft>
+            </a:defPPr>
+            <a:lvl1pPr marL="457200" marR="0" lvl="0" indent="-342900" algn="l" rtl="0">
+              <a:lnSpc>
+                <a:spcPct val="115000"/>
+              </a:lnSpc>
+              <a:spcBef>
+                <a:spcPts val="0"/>
+              </a:spcBef>
+              <a:spcAft>
+                <a:spcPts val="0"/>
+              </a:spcAft>
+              <a:buClr>
+                <a:srgbClr val="000000"/>
+              </a:buClr>
+              <a:buSzPts val="1800"/>
+              <a:buFont typeface="Helvetica Neue Light"/>
+              <a:buChar char="●"/>
+              <a:defRPr sz="1800" b="0" i="0" u="none" strike="noStrike" cap="none">
+                <a:solidFill>
+                  <a:srgbClr val="000000"/>
+                </a:solidFill>
+                <a:latin typeface="Helvetica Neue Light"/>
+                <a:ea typeface="Helvetica Neue Light"/>
+                <a:cs typeface="Helvetica Neue Light"/>
+                <a:sym typeface="Helvetica Neue Light"/>
+              </a:defRPr>
+            </a:lvl1pPr>
+            <a:lvl2pPr marL="914400" marR="0" lvl="1" indent="-317500" algn="l" rtl="0">
+              <a:lnSpc>
+                <a:spcPct val="115000"/>
+              </a:lnSpc>
+              <a:spcBef>
+                <a:spcPts val="300"/>
+              </a:spcBef>
+              <a:spcAft>
+                <a:spcPts val="0"/>
+              </a:spcAft>
+              <a:buClr>
+                <a:srgbClr val="000000"/>
+              </a:buClr>
+              <a:buSzPts val="1400"/>
+              <a:buFont typeface="Helvetica Neue Light"/>
+              <a:buChar char="○"/>
+              <a:defRPr sz="1400" b="0" i="0" u="none" strike="noStrike" cap="none">
+                <a:solidFill>
+                  <a:srgbClr val="000000"/>
+                </a:solidFill>
+                <a:latin typeface="Helvetica Neue Light"/>
+                <a:ea typeface="Helvetica Neue Light"/>
+                <a:cs typeface="Helvetica Neue Light"/>
+                <a:sym typeface="Helvetica Neue Light"/>
+              </a:defRPr>
+            </a:lvl2pPr>
+            <a:lvl3pPr marL="1371600" marR="0" lvl="2" indent="-317500" algn="l" rtl="0">
+              <a:lnSpc>
+                <a:spcPct val="115000"/>
+              </a:lnSpc>
+              <a:spcBef>
+                <a:spcPts val="1600"/>
+              </a:spcBef>
+              <a:spcAft>
+                <a:spcPts val="0"/>
+              </a:spcAft>
+              <a:buClr>
+                <a:srgbClr val="000000"/>
+              </a:buClr>
+              <a:buSzPts val="1400"/>
+              <a:buFont typeface="Helvetica Neue Light"/>
+              <a:buChar char="■"/>
+              <a:defRPr sz="1400" b="0" i="0" u="none" strike="noStrike" cap="none">
+                <a:solidFill>
+                  <a:srgbClr val="000000"/>
+                </a:solidFill>
+                <a:latin typeface="Helvetica Neue Light"/>
+                <a:ea typeface="Helvetica Neue Light"/>
+                <a:cs typeface="Helvetica Neue Light"/>
+                <a:sym typeface="Helvetica Neue Light"/>
+              </a:defRPr>
+            </a:lvl3pPr>
+            <a:lvl4pPr marL="1828800" marR="0" lvl="3" indent="-317500" algn="l" rtl="0">
+              <a:lnSpc>
+                <a:spcPct val="115000"/>
+              </a:lnSpc>
+              <a:spcBef>
+                <a:spcPts val="1600"/>
+              </a:spcBef>
+              <a:spcAft>
+                <a:spcPts val="0"/>
+              </a:spcAft>
+              <a:buClr>
+                <a:srgbClr val="000000"/>
+              </a:buClr>
+              <a:buSzPts val="1400"/>
+              <a:buFont typeface="Helvetica Neue Light"/>
+              <a:buChar char="●"/>
+              <a:defRPr sz="1400" b="0" i="0" u="none" strike="noStrike" cap="none">
+                <a:solidFill>
+                  <a:srgbClr val="000000"/>
+                </a:solidFill>
+                <a:latin typeface="Helvetica Neue Light"/>
+                <a:ea typeface="Helvetica Neue Light"/>
+                <a:cs typeface="Helvetica Neue Light"/>
+                <a:sym typeface="Helvetica Neue Light"/>
+              </a:defRPr>
+            </a:lvl4pPr>
+            <a:lvl5pPr marL="2286000" marR="0" lvl="4" indent="-317500" algn="l" rtl="0">
+              <a:lnSpc>
+                <a:spcPct val="115000"/>
+              </a:lnSpc>
+              <a:spcBef>
+                <a:spcPts val="1600"/>
+              </a:spcBef>
+              <a:spcAft>
+                <a:spcPts val="0"/>
+              </a:spcAft>
+              <a:buClr>
+                <a:srgbClr val="000000"/>
+              </a:buClr>
+              <a:buSzPts val="1400"/>
+              <a:buFont typeface="Helvetica Neue Light"/>
+              <a:buChar char="○"/>
+              <a:defRPr sz="1400" b="0" i="0" u="none" strike="noStrike" cap="none">
+                <a:solidFill>
+                  <a:srgbClr val="000000"/>
+                </a:solidFill>
+                <a:latin typeface="Helvetica Neue Light"/>
+                <a:ea typeface="Helvetica Neue Light"/>
+                <a:cs typeface="Helvetica Neue Light"/>
+                <a:sym typeface="Helvetica Neue Light"/>
+              </a:defRPr>
+            </a:lvl5pPr>
+            <a:lvl6pPr marL="2743200" marR="0" lvl="5" indent="-317500" algn="l" rtl="0">
+              <a:lnSpc>
+                <a:spcPct val="115000"/>
+              </a:lnSpc>
+              <a:spcBef>
+                <a:spcPts val="1600"/>
+              </a:spcBef>
+              <a:spcAft>
+                <a:spcPts val="0"/>
+              </a:spcAft>
+              <a:buClr>
+                <a:srgbClr val="000000"/>
+              </a:buClr>
+              <a:buSzPts val="1400"/>
+              <a:buFont typeface="Helvetica Neue Light"/>
+              <a:buChar char="■"/>
+              <a:defRPr sz="1400" b="0" i="0" u="none" strike="noStrike" cap="none">
+                <a:solidFill>
+                  <a:srgbClr val="000000"/>
+                </a:solidFill>
+                <a:latin typeface="Helvetica Neue Light"/>
+                <a:ea typeface="Helvetica Neue Light"/>
+                <a:cs typeface="Helvetica Neue Light"/>
+                <a:sym typeface="Helvetica Neue Light"/>
+              </a:defRPr>
+            </a:lvl6pPr>
+            <a:lvl7pPr marL="3200400" marR="0" lvl="6" indent="-317500" algn="l" rtl="0">
+              <a:lnSpc>
+                <a:spcPct val="115000"/>
+              </a:lnSpc>
+              <a:spcBef>
+                <a:spcPts val="1600"/>
+              </a:spcBef>
+              <a:spcAft>
+                <a:spcPts val="0"/>
+              </a:spcAft>
+              <a:buClr>
+                <a:srgbClr val="000000"/>
+              </a:buClr>
+              <a:buSzPts val="1400"/>
+              <a:buFont typeface="Helvetica Neue Light"/>
+              <a:buChar char="●"/>
+              <a:defRPr sz="1400" b="0" i="0" u="none" strike="noStrike" cap="none">
+                <a:solidFill>
+                  <a:srgbClr val="000000"/>
+                </a:solidFill>
+                <a:latin typeface="Helvetica Neue Light"/>
+                <a:ea typeface="Helvetica Neue Light"/>
+                <a:cs typeface="Helvetica Neue Light"/>
+                <a:sym typeface="Helvetica Neue Light"/>
+              </a:defRPr>
+            </a:lvl7pPr>
+            <a:lvl8pPr marL="3657600" marR="0" lvl="7" indent="-317500" algn="l" rtl="0">
+              <a:lnSpc>
+                <a:spcPct val="115000"/>
+              </a:lnSpc>
+              <a:spcBef>
+                <a:spcPts val="1600"/>
+              </a:spcBef>
+              <a:spcAft>
+                <a:spcPts val="0"/>
+              </a:spcAft>
+              <a:buClr>
+                <a:srgbClr val="000000"/>
+              </a:buClr>
+              <a:buSzPts val="1400"/>
+              <a:buFont typeface="Helvetica Neue Light"/>
+              <a:buChar char="○"/>
+              <a:defRPr sz="1400" b="0" i="0" u="none" strike="noStrike" cap="none">
+                <a:solidFill>
+                  <a:srgbClr val="000000"/>
+                </a:solidFill>
+                <a:latin typeface="Helvetica Neue Light"/>
+                <a:ea typeface="Helvetica Neue Light"/>
+                <a:cs typeface="Helvetica Neue Light"/>
+                <a:sym typeface="Helvetica Neue Light"/>
+              </a:defRPr>
+            </a:lvl8pPr>
+            <a:lvl9pPr marL="4114800" marR="0" lvl="8" indent="-317500" algn="l" rtl="0">
+              <a:lnSpc>
+                <a:spcPct val="115000"/>
+              </a:lnSpc>
+              <a:spcBef>
+                <a:spcPts val="1600"/>
+              </a:spcBef>
+              <a:spcAft>
+                <a:spcPts val="1600"/>
+              </a:spcAft>
+              <a:buClr>
+                <a:srgbClr val="000000"/>
+              </a:buClr>
+              <a:buSzPts val="1400"/>
+              <a:buFont typeface="Helvetica Neue Light"/>
+              <a:buChar char="■"/>
+              <a:defRPr sz="1400" b="0" i="0" u="none" strike="noStrike" cap="none">
+                <a:solidFill>
+                  <a:srgbClr val="000000"/>
+                </a:solidFill>
+                <a:latin typeface="Helvetica Neue Light"/>
+                <a:ea typeface="Helvetica Neue Light"/>
+                <a:cs typeface="Helvetica Neue Light"/>
+                <a:sym typeface="Helvetica Neue Light"/>
+              </a:defRPr>
+            </a:lvl9pPr>
+          </a:lstStyle>
+          <a:p>
+            <a:pPr marL="114300" indent="0">
+              <a:buFont typeface="Helvetica Neue Light"/>
+              <a:buNone/>
+            </a:pPr>
+            <a:r>
+              <a:rPr lang="en-US" sz="3200" b="1" dirty="0">
+                <a:latin typeface="Times New Roman" panose="02020603050405020304" pitchFamily="18" charset="0"/>
+                <a:cs typeface="Times New Roman" panose="02020603050405020304" pitchFamily="18" charset="0"/>
+              </a:rPr>
+              <a:t>Weaknesses</a:t>
+            </a:r>
+            <a:endParaRPr lang="en-US" b="1" dirty="0">
+              <a:latin typeface="Times New Roman" panose="02020603050405020304" pitchFamily="18" charset="0"/>
+              <a:cs typeface="Times New Roman" panose="02020603050405020304" pitchFamily="18" charset="0"/>
+            </a:endParaRPr>
+          </a:p>
+          <a:p>
+            <a:endParaRPr lang="en-US" dirty="0"/>
+          </a:p>
+        </p:txBody>
+      </p:sp>
       <p:sp>
         <p:nvSpPr>
-          <p:cNvPr id="13" name="TextBox 12">
+          <p:cNvPr id="8" name="TextBox 7">
             <a:extLst>
               <a:ext uri="{FF2B5EF4-FFF2-40B4-BE49-F238E27FC236}">
-                <a16:creationId xmlns:a16="http://schemas.microsoft.com/office/drawing/2014/main" id="{BC5A578C-9436-D4C3-29BA-2F168322D321}"/>
+                <a16:creationId xmlns:a16="http://schemas.microsoft.com/office/drawing/2014/main" id="{8E584734-0876-5D29-1544-2CCBF074BAC8}"/>
               </a:ext>
             </a:extLst>
           </p:cNvPr>
@@ -16218,8 +17039,8 @@
         </p:nvSpPr>
         <p:spPr>
           <a:xfrm>
-            <a:off x="673300" y="4894540"/>
-            <a:ext cx="3243159" cy="184666"/>
+            <a:off x="4808864" y="1786276"/>
+            <a:ext cx="4013954" cy="2554545"/>
           </a:xfrm>
           <a:prstGeom prst="rect">
             <a:avLst/>
@@ -16232,9 +17053,55 @@
           </a:bodyPr>
           <a:lstStyle/>
           <a:p>
-            <a:r>
-              <a:rPr lang="en-US" sz="600" dirty="0"/>
-              <a:t>Image taken from figures 3 and 4</a:t>
+            <a:pPr marL="342900" indent="-342900">
+              <a:buFont typeface="Arial" panose="020B0604020202020204" pitchFamily="34" charset="0"/>
+              <a:buChar char="•"/>
+            </a:pPr>
+            <a:r>
+              <a:rPr lang="en-US" sz="2000" dirty="0">
+                <a:latin typeface="Times New Roman" panose="02020603050405020304" pitchFamily="18" charset="0"/>
+                <a:cs typeface="Times New Roman" panose="02020603050405020304" pitchFamily="18" charset="0"/>
+              </a:rPr>
+              <a:t>Limited by choice of vision API</a:t>
+            </a:r>
+          </a:p>
+          <a:p>
+            <a:pPr marL="342900" indent="-342900">
+              <a:buFont typeface="Arial" panose="020B0604020202020204" pitchFamily="34" charset="0"/>
+              <a:buChar char="•"/>
+            </a:pPr>
+            <a:r>
+              <a:rPr lang="en-US" sz="2000" dirty="0">
+                <a:latin typeface="Times New Roman" panose="02020603050405020304" pitchFamily="18" charset="0"/>
+                <a:cs typeface="Times New Roman" panose="02020603050405020304" pitchFamily="18" charset="0"/>
+              </a:rPr>
+              <a:t>Limited scalability to skills that can be expressed symbolically</a:t>
+            </a:r>
+          </a:p>
+          <a:p>
+            <a:pPr marL="342900" indent="-342900">
+              <a:buFont typeface="Arial" panose="020B0604020202020204" pitchFamily="34" charset="0"/>
+              <a:buChar char="•"/>
+            </a:pPr>
+            <a:r>
+              <a:rPr lang="en-US" sz="2000" dirty="0">
+                <a:latin typeface="Times New Roman" panose="02020603050405020304" pitchFamily="18" charset="0"/>
+                <a:cs typeface="Times New Roman" panose="02020603050405020304" pitchFamily="18" charset="0"/>
+              </a:rPr>
+              <a:t>Refining initial prompts to exploration/abstraction modules when changing domains or LLM engines</a:t>
+            </a:r>
+          </a:p>
+          <a:p>
+            <a:pPr marL="342900" indent="-342900">
+              <a:buFont typeface="Arial" panose="020B0604020202020204" pitchFamily="34" charset="0"/>
+              <a:buChar char="•"/>
+            </a:pPr>
+            <a:r>
+              <a:rPr lang="en-US" sz="2000" dirty="0">
+                <a:latin typeface="Times New Roman" panose="02020603050405020304" pitchFamily="18" charset="0"/>
+                <a:cs typeface="Times New Roman" panose="02020603050405020304" pitchFamily="18" charset="0"/>
+              </a:rPr>
+              <a:t>Latency and price</a:t>
             </a:r>
           </a:p>
         </p:txBody>
@@ -16242,7 +17109,7 @@
     </p:spTree>
     <p:extLst>
       <p:ext uri="{BB962C8B-B14F-4D97-AF65-F5344CB8AC3E}">
-        <p14:creationId xmlns:p14="http://schemas.microsoft.com/office/powerpoint/2010/main" val="2758122514"/>
+        <p14:creationId xmlns:p14="http://schemas.microsoft.com/office/powerpoint/2010/main" val="3775096884"/>
       </p:ext>
     </p:extLst>
   </p:cSld>
@@ -16332,7 +17199,7 @@
         <p:spPr>
           <a:xfrm>
             <a:off x="311700" y="945666"/>
-            <a:ext cx="8520600" cy="3415825"/>
+            <a:ext cx="8520600" cy="3514965"/>
           </a:xfrm>
           <a:prstGeom prst="rect">
             <a:avLst/>
@@ -16459,30 +17326,7 @@
                 <a:latin typeface="Times New Roman" panose="02020603050405020304" pitchFamily="18" charset="0"/>
                 <a:cs typeface="Times New Roman" panose="02020603050405020304" pitchFamily="18" charset="0"/>
               </a:rPr>
-              <a:t>Strengths</a:t>
-            </a:r>
-          </a:p>
-          <a:p>
-            <a:pPr marL="628650" lvl="0" indent="-400050" algn="l" rtl="0">
-              <a:lnSpc>
-                <a:spcPct val="115000"/>
-              </a:lnSpc>
-              <a:spcBef>
-                <a:spcPts val="0"/>
-              </a:spcBef>
-              <a:spcAft>
-                <a:spcPts val="0"/>
-              </a:spcAft>
-              <a:buSzPts val="1800"/>
-              <a:buFont typeface="+mj-lt"/>
-              <a:buAutoNum type="romanUcPeriod"/>
-            </a:pPr>
-            <a:r>
-              <a:rPr lang="en-US" sz="2800" dirty="0">
-                <a:latin typeface="Times New Roman" panose="02020603050405020304" pitchFamily="18" charset="0"/>
-                <a:cs typeface="Times New Roman" panose="02020603050405020304" pitchFamily="18" charset="0"/>
-              </a:rPr>
-              <a:t>Weaknesses</a:t>
+              <a:t>Strengths And Weaknesses</a:t>
             </a:r>
           </a:p>
           <a:p>
@@ -16506,6 +17350,29 @@
                 <a:cs typeface="Times New Roman" panose="02020603050405020304" pitchFamily="18" charset="0"/>
               </a:rPr>
               <a:t>Extensions</a:t>
+            </a:r>
+          </a:p>
+          <a:p>
+            <a:pPr marL="628650" lvl="0" indent="-400050" algn="l" rtl="0">
+              <a:lnSpc>
+                <a:spcPct val="115000"/>
+              </a:lnSpc>
+              <a:spcBef>
+                <a:spcPts val="0"/>
+              </a:spcBef>
+              <a:spcAft>
+                <a:spcPts val="0"/>
+              </a:spcAft>
+              <a:buSzPts val="1800"/>
+              <a:buFont typeface="+mj-lt"/>
+              <a:buAutoNum type="romanUcPeriod"/>
+            </a:pPr>
+            <a:r>
+              <a:rPr lang="en-US" sz="2800" dirty="0">
+                <a:latin typeface="Times New Roman" panose="02020603050405020304" pitchFamily="18" charset="0"/>
+                <a:cs typeface="Times New Roman" panose="02020603050405020304" pitchFamily="18" charset="0"/>
+              </a:rPr>
+              <a:t>Appendix</a:t>
             </a:r>
           </a:p>
         </p:txBody>
@@ -16664,7 +17531,7 @@
             <a:pPr algn="ctr"/>
             <a:r>
               <a:rPr lang="en-US" dirty="0"/>
-              <a:t>V. Strengths</a:t>
+              <a:t>VI. Extensions </a:t>
             </a:r>
           </a:p>
         </p:txBody>
@@ -16748,7 +17615,7 @@
     </p:spTree>
     <p:extLst>
       <p:ext uri="{BB962C8B-B14F-4D97-AF65-F5344CB8AC3E}">
-        <p14:creationId xmlns:p14="http://schemas.microsoft.com/office/powerpoint/2010/main" val="278667017"/>
+        <p14:creationId xmlns:p14="http://schemas.microsoft.com/office/powerpoint/2010/main" val="3762460611"/>
       </p:ext>
     </p:extLst>
   </p:cSld>
@@ -16780,7 +17647,7 @@
           <p:cNvPr id="2" name="Title 1">
             <a:extLst>
               <a:ext uri="{FF2B5EF4-FFF2-40B4-BE49-F238E27FC236}">
-                <a16:creationId xmlns:a16="http://schemas.microsoft.com/office/drawing/2014/main" id="{7CC392F4-0363-EFD5-FA3E-1FEC4AAB5612}"/>
+                <a16:creationId xmlns:a16="http://schemas.microsoft.com/office/drawing/2014/main" id="{0BC9075D-7707-A925-F8A4-A90F6656C4FB}"/>
               </a:ext>
             </a:extLst>
           </p:cNvPr>
@@ -16798,7 +17665,7 @@
           <a:p>
             <a:r>
               <a:rPr lang="en-US" dirty="0"/>
-              <a:t>V. Strengths</a:t>
+              <a:t>VI. Extensions </a:t>
             </a:r>
           </a:p>
         </p:txBody>
@@ -16808,7 +17675,7 @@
           <p:cNvPr id="3" name="Text Placeholder 2">
             <a:extLst>
               <a:ext uri="{FF2B5EF4-FFF2-40B4-BE49-F238E27FC236}">
-                <a16:creationId xmlns:a16="http://schemas.microsoft.com/office/drawing/2014/main" id="{478CC15D-0E3D-7CDD-6EDC-798612F8030E}"/>
+                <a16:creationId xmlns:a16="http://schemas.microsoft.com/office/drawing/2014/main" id="{80EDE05F-777E-8145-BD96-0956E7E717E9}"/>
               </a:ext>
             </a:extLst>
           </p:cNvPr>
@@ -16821,7 +17688,7 @@
         </p:nvSpPr>
         <p:spPr>
           <a:xfrm>
-            <a:off x="302400" y="1241695"/>
+            <a:off x="311700" y="863550"/>
             <a:ext cx="8520600" cy="3416400"/>
           </a:xfrm>
         </p:spPr>
@@ -16830,42 +17697,21 @@
           <a:lstStyle/>
           <a:p>
             <a:r>
-              <a:rPr lang="en-US" sz="3200"/>
-              <a:t>Good </a:t>
-            </a:r>
-            <a:r>
-              <a:rPr lang="en-US" sz="3200" dirty="0"/>
-              <a:t>at learning new skills</a:t>
-            </a:r>
-          </a:p>
-          <a:p>
-            <a:r>
-              <a:rPr lang="en-US" sz="3200" dirty="0"/>
-              <a:t>Memory efficient</a:t>
-            </a:r>
-          </a:p>
-          <a:p>
-            <a:r>
-              <a:rPr lang="en-US" sz="3200" dirty="0"/>
-              <a:t>Dynamically learn skills for increasing complex situations</a:t>
-            </a:r>
-          </a:p>
-          <a:p>
-            <a:r>
-              <a:rPr lang="en-US" sz="3200" dirty="0"/>
-              <a:t>Minimal expert intervention</a:t>
-            </a:r>
-          </a:p>
-          <a:p>
-            <a:r>
-              <a:rPr lang="en-US" sz="3200" dirty="0"/>
-              <a:t>Scalability in learning new skills</a:t>
-            </a:r>
-          </a:p>
-          <a:p>
-            <a:endParaRPr lang="en-US" dirty="0"/>
-          </a:p>
-          <a:p>
+              <a:rPr lang="en-US" sz="2400" dirty="0"/>
+              <a:t>Authors want investigate gap between GPT and other alternatives</a:t>
+            </a:r>
+          </a:p>
+          <a:p>
+            <a:r>
+              <a:rPr lang="en-US" sz="2400" dirty="0"/>
+              <a:t>What applications could LRLL have in a more complicated end-effector such as a humanoid hand?</a:t>
+            </a:r>
+          </a:p>
+          <a:p>
+            <a:r>
+              <a:rPr lang="en-US" sz="2400" dirty="0"/>
+              <a:t>An LRLL that can learn from visual data?</a:t>
+            </a:r>
             <a:endParaRPr lang="en-US" dirty="0"/>
           </a:p>
           <a:p>
@@ -16878,7 +17724,7 @@
           <p:cNvPr id="4" name="Slide Number Placeholder 3">
             <a:extLst>
               <a:ext uri="{FF2B5EF4-FFF2-40B4-BE49-F238E27FC236}">
-                <a16:creationId xmlns:a16="http://schemas.microsoft.com/office/drawing/2014/main" id="{840F6CE5-BDC4-3B5D-BB93-CFC5C5FA6867}"/>
+                <a16:creationId xmlns:a16="http://schemas.microsoft.com/office/drawing/2014/main" id="{1130ABDF-E1EF-F4BC-2B44-9D7C30C72AB1}"/>
               </a:ext>
             </a:extLst>
           </p:cNvPr>
@@ -16916,7 +17762,7 @@
           <p:cNvPr id="5" name="Slide Number Placeholder 4">
             <a:extLst>
               <a:ext uri="{FF2B5EF4-FFF2-40B4-BE49-F238E27FC236}">
-                <a16:creationId xmlns:a16="http://schemas.microsoft.com/office/drawing/2014/main" id="{95E7406A-D76E-8917-F803-18C4570DF432}"/>
+                <a16:creationId xmlns:a16="http://schemas.microsoft.com/office/drawing/2014/main" id="{F06C1D53-0080-DC66-5297-FFD4D612D4B7}"/>
               </a:ext>
             </a:extLst>
           </p:cNvPr>
@@ -16952,7 +17798,7 @@
     </p:spTree>
     <p:extLst>
       <p:ext uri="{BB962C8B-B14F-4D97-AF65-F5344CB8AC3E}">
-        <p14:creationId xmlns:p14="http://schemas.microsoft.com/office/powerpoint/2010/main" val="3775096884"/>
+        <p14:creationId xmlns:p14="http://schemas.microsoft.com/office/powerpoint/2010/main" val="935124095"/>
       </p:ext>
     </p:extLst>
   </p:cSld>
@@ -17008,7 +17854,7 @@
             <a:pPr algn="ctr"/>
             <a:r>
               <a:rPr lang="en-US" dirty="0"/>
-              <a:t>VI. Weaknesses</a:t>
+              <a:t>VII. Appendix </a:t>
             </a:r>
           </a:p>
         </p:txBody>
@@ -17092,7 +17938,7 @@
     </p:spTree>
     <p:extLst>
       <p:ext uri="{BB962C8B-B14F-4D97-AF65-F5344CB8AC3E}">
-        <p14:creationId xmlns:p14="http://schemas.microsoft.com/office/powerpoint/2010/main" val="3074243961"/>
+        <p14:creationId xmlns:p14="http://schemas.microsoft.com/office/powerpoint/2010/main" val="4016568559"/>
       </p:ext>
     </p:extLst>
   </p:cSld>
@@ -17103,522 +17949,6 @@
 </file>
 
 <file path=ppt/slides/slide23.xml><?xml version="1.0" encoding="utf-8"?>
-<p:sld xmlns:a="http://schemas.openxmlformats.org/drawingml/2006/main" xmlns:r="http://schemas.openxmlformats.org/officeDocument/2006/relationships" xmlns:p="http://schemas.openxmlformats.org/presentationml/2006/main">
-  <p:cSld>
-    <p:spTree>
-      <p:nvGrpSpPr>
-        <p:cNvPr id="1" name=""/>
-        <p:cNvGrpSpPr/>
-        <p:nvPr/>
-      </p:nvGrpSpPr>
-      <p:grpSpPr>
-        <a:xfrm>
-          <a:off x="0" y="0"/>
-          <a:ext cx="0" cy="0"/>
-          <a:chOff x="0" y="0"/>
-          <a:chExt cx="0" cy="0"/>
-        </a:xfrm>
-      </p:grpSpPr>
-      <p:sp>
-        <p:nvSpPr>
-          <p:cNvPr id="2" name="Title 1">
-            <a:extLst>
-              <a:ext uri="{FF2B5EF4-FFF2-40B4-BE49-F238E27FC236}">
-                <a16:creationId xmlns:a16="http://schemas.microsoft.com/office/drawing/2014/main" id="{04C0D909-EA2E-A171-5488-4380A262A59E}"/>
-              </a:ext>
-            </a:extLst>
-          </p:cNvPr>
-          <p:cNvSpPr>
-            <a:spLocks noGrp="1"/>
-          </p:cNvSpPr>
-          <p:nvPr>
-            <p:ph type="title"/>
-          </p:nvPr>
-        </p:nvSpPr>
-        <p:spPr/>
-        <p:txBody>
-          <a:bodyPr/>
-          <a:lstStyle/>
-          <a:p>
-            <a:r>
-              <a:rPr lang="en-US" dirty="0"/>
-              <a:t>VI. Weaknesses</a:t>
-            </a:r>
-          </a:p>
-        </p:txBody>
-      </p:sp>
-      <p:sp>
-        <p:nvSpPr>
-          <p:cNvPr id="3" name="Text Placeholder 2">
-            <a:extLst>
-              <a:ext uri="{FF2B5EF4-FFF2-40B4-BE49-F238E27FC236}">
-                <a16:creationId xmlns:a16="http://schemas.microsoft.com/office/drawing/2014/main" id="{0FC084A5-17F0-3657-32AD-EBD96D8DBCE4}"/>
-              </a:ext>
-            </a:extLst>
-          </p:cNvPr>
-          <p:cNvSpPr>
-            <a:spLocks noGrp="1"/>
-          </p:cNvSpPr>
-          <p:nvPr>
-            <p:ph type="body" idx="1"/>
-          </p:nvPr>
-        </p:nvSpPr>
-        <p:spPr>
-          <a:xfrm>
-            <a:off x="311700" y="1053324"/>
-            <a:ext cx="8520600" cy="3731589"/>
-          </a:xfrm>
-        </p:spPr>
-        <p:txBody>
-          <a:bodyPr/>
-          <a:lstStyle/>
-          <a:p>
-            <a:r>
-              <a:rPr lang="en-US" sz="2800" dirty="0"/>
-              <a:t>Limited by choice of vision API</a:t>
-            </a:r>
-          </a:p>
-          <a:p>
-            <a:r>
-              <a:rPr lang="en-US" sz="2800" dirty="0"/>
-              <a:t>Limited scalability to skills that can be expressed symbolically</a:t>
-            </a:r>
-          </a:p>
-          <a:p>
-            <a:r>
-              <a:rPr lang="en-US" sz="2800" dirty="0"/>
-              <a:t>Refining initial prompts to exploration/abstraction modules when changing domains or LLM engines</a:t>
-            </a:r>
-          </a:p>
-          <a:p>
-            <a:r>
-              <a:rPr lang="en-US" sz="2800" dirty="0"/>
-              <a:t>Latency and price</a:t>
-            </a:r>
-          </a:p>
-        </p:txBody>
-      </p:sp>
-      <p:sp>
-        <p:nvSpPr>
-          <p:cNvPr id="4" name="Slide Number Placeholder 3">
-            <a:extLst>
-              <a:ext uri="{FF2B5EF4-FFF2-40B4-BE49-F238E27FC236}">
-                <a16:creationId xmlns:a16="http://schemas.microsoft.com/office/drawing/2014/main" id="{33E8710B-3BE8-D636-2D43-B310AC049EF3}"/>
-              </a:ext>
-            </a:extLst>
-          </p:cNvPr>
-          <p:cNvSpPr>
-            <a:spLocks noGrp="1"/>
-          </p:cNvSpPr>
-          <p:nvPr>
-            <p:ph type="sldNum" idx="12"/>
-          </p:nvPr>
-        </p:nvSpPr>
-        <p:spPr/>
-        <p:txBody>
-          <a:bodyPr/>
-          <a:lstStyle/>
-          <a:p>
-            <a:pPr marL="0" lvl="0" indent="0" algn="r" rtl="0">
-              <a:spcBef>
-                <a:spcPts val="0"/>
-              </a:spcBef>
-              <a:spcAft>
-                <a:spcPts val="0"/>
-              </a:spcAft>
-              <a:buNone/>
-            </a:pPr>
-            <a:fld id="{00000000-1234-1234-1234-123412341234}" type="slidenum">
-              <a:rPr lang="en" smtClean="0"/>
-              <a:t>23</a:t>
-            </a:fld>
-            <a:endParaRPr lang="en"/>
-          </a:p>
-        </p:txBody>
-      </p:sp>
-      <p:sp>
-        <p:nvSpPr>
-          <p:cNvPr id="5" name="Slide Number Placeholder 4">
-            <a:extLst>
-              <a:ext uri="{FF2B5EF4-FFF2-40B4-BE49-F238E27FC236}">
-                <a16:creationId xmlns:a16="http://schemas.microsoft.com/office/drawing/2014/main" id="{E32D2C9A-F728-5CC7-3544-2E48C727C262}"/>
-              </a:ext>
-            </a:extLst>
-          </p:cNvPr>
-          <p:cNvSpPr>
-            <a:spLocks noGrp="1"/>
-          </p:cNvSpPr>
-          <p:nvPr>
-            <p:ph type="sldNum" idx="2"/>
-          </p:nvPr>
-        </p:nvSpPr>
-        <p:spPr/>
-        <p:txBody>
-          <a:bodyPr/>
-          <a:lstStyle/>
-          <a:p>
-            <a:pPr marL="0" lvl="0" indent="0" algn="r" rtl="0">
-              <a:spcBef>
-                <a:spcPts val="0"/>
-              </a:spcBef>
-              <a:spcAft>
-                <a:spcPts val="0"/>
-              </a:spcAft>
-              <a:buNone/>
-            </a:pPr>
-            <a:fld id="{00000000-1234-1234-1234-123412341234}" type="slidenum">
-              <a:rPr lang="en" smtClean="0"/>
-              <a:t>23</a:t>
-            </a:fld>
-            <a:endParaRPr lang="en"/>
-          </a:p>
-        </p:txBody>
-      </p:sp>
-    </p:spTree>
-    <p:extLst>
-      <p:ext uri="{BB962C8B-B14F-4D97-AF65-F5344CB8AC3E}">
-        <p14:creationId xmlns:p14="http://schemas.microsoft.com/office/powerpoint/2010/main" val="421086179"/>
-      </p:ext>
-    </p:extLst>
-  </p:cSld>
-  <p:clrMapOvr>
-    <a:masterClrMapping/>
-  </p:clrMapOvr>
-</p:sld>
-</file>
-
-<file path=ppt/slides/slide24.xml><?xml version="1.0" encoding="utf-8"?>
-<p:sld xmlns:a="http://schemas.openxmlformats.org/drawingml/2006/main" xmlns:r="http://schemas.openxmlformats.org/officeDocument/2006/relationships" xmlns:p="http://schemas.openxmlformats.org/presentationml/2006/main">
-  <p:cSld>
-    <p:spTree>
-      <p:nvGrpSpPr>
-        <p:cNvPr id="1" name=""/>
-        <p:cNvGrpSpPr/>
-        <p:nvPr/>
-      </p:nvGrpSpPr>
-      <p:grpSpPr>
-        <a:xfrm>
-          <a:off x="0" y="0"/>
-          <a:ext cx="0" cy="0"/>
-          <a:chOff x="0" y="0"/>
-          <a:chExt cx="0" cy="0"/>
-        </a:xfrm>
-      </p:grpSpPr>
-      <p:sp>
-        <p:nvSpPr>
-          <p:cNvPr id="2" name="Title 1">
-            <a:extLst>
-              <a:ext uri="{FF2B5EF4-FFF2-40B4-BE49-F238E27FC236}">
-                <a16:creationId xmlns:a16="http://schemas.microsoft.com/office/drawing/2014/main" id="{264C50FF-5EEC-751C-5214-2E8481BE80E0}"/>
-              </a:ext>
-            </a:extLst>
-          </p:cNvPr>
-          <p:cNvSpPr>
-            <a:spLocks noGrp="1"/>
-          </p:cNvSpPr>
-          <p:nvPr>
-            <p:ph type="title"/>
-          </p:nvPr>
-        </p:nvSpPr>
-        <p:spPr>
-          <a:xfrm>
-            <a:off x="311700" y="2571750"/>
-            <a:ext cx="8520600" cy="572700"/>
-          </a:xfrm>
-        </p:spPr>
-        <p:txBody>
-          <a:bodyPr/>
-          <a:lstStyle/>
-          <a:p>
-            <a:pPr algn="ctr"/>
-            <a:r>
-              <a:rPr lang="en-US" dirty="0"/>
-              <a:t>VII. Extensions </a:t>
-            </a:r>
-          </a:p>
-        </p:txBody>
-      </p:sp>
-      <p:sp>
-        <p:nvSpPr>
-          <p:cNvPr id="4" name="Slide Number Placeholder 3">
-            <a:extLst>
-              <a:ext uri="{FF2B5EF4-FFF2-40B4-BE49-F238E27FC236}">
-                <a16:creationId xmlns:a16="http://schemas.microsoft.com/office/drawing/2014/main" id="{E4D36E30-C87B-06FC-DD57-4D866BF07AA4}"/>
-              </a:ext>
-            </a:extLst>
-          </p:cNvPr>
-          <p:cNvSpPr>
-            <a:spLocks noGrp="1"/>
-          </p:cNvSpPr>
-          <p:nvPr>
-            <p:ph type="sldNum" idx="12"/>
-          </p:nvPr>
-        </p:nvSpPr>
-        <p:spPr/>
-        <p:txBody>
-          <a:bodyPr/>
-          <a:lstStyle/>
-          <a:p>
-            <a:pPr marL="0" lvl="0" indent="0" algn="r" rtl="0">
-              <a:spcBef>
-                <a:spcPts val="0"/>
-              </a:spcBef>
-              <a:spcAft>
-                <a:spcPts val="0"/>
-              </a:spcAft>
-              <a:buNone/>
-            </a:pPr>
-            <a:fld id="{00000000-1234-1234-1234-123412341234}" type="slidenum">
-              <a:rPr lang="en" smtClean="0"/>
-              <a:t>24</a:t>
-            </a:fld>
-            <a:endParaRPr lang="en"/>
-          </a:p>
-        </p:txBody>
-      </p:sp>
-      <p:sp>
-        <p:nvSpPr>
-          <p:cNvPr id="5" name="Slide Number Placeholder 4">
-            <a:extLst>
-              <a:ext uri="{FF2B5EF4-FFF2-40B4-BE49-F238E27FC236}">
-                <a16:creationId xmlns:a16="http://schemas.microsoft.com/office/drawing/2014/main" id="{486C2341-13FF-6811-A640-58468291EB09}"/>
-              </a:ext>
-            </a:extLst>
-          </p:cNvPr>
-          <p:cNvSpPr>
-            <a:spLocks noGrp="1"/>
-          </p:cNvSpPr>
-          <p:nvPr>
-            <p:ph type="sldNum" idx="2"/>
-          </p:nvPr>
-        </p:nvSpPr>
-        <p:spPr/>
-        <p:txBody>
-          <a:bodyPr/>
-          <a:lstStyle/>
-          <a:p>
-            <a:pPr marL="0" lvl="0" indent="0" algn="r" rtl="0">
-              <a:spcBef>
-                <a:spcPts val="0"/>
-              </a:spcBef>
-              <a:spcAft>
-                <a:spcPts val="0"/>
-              </a:spcAft>
-              <a:buNone/>
-            </a:pPr>
-            <a:fld id="{00000000-1234-1234-1234-123412341234}" type="slidenum">
-              <a:rPr lang="en" smtClean="0"/>
-              <a:t>24</a:t>
-            </a:fld>
-            <a:endParaRPr lang="en"/>
-          </a:p>
-        </p:txBody>
-      </p:sp>
-    </p:spTree>
-    <p:extLst>
-      <p:ext uri="{BB962C8B-B14F-4D97-AF65-F5344CB8AC3E}">
-        <p14:creationId xmlns:p14="http://schemas.microsoft.com/office/powerpoint/2010/main" val="3762460611"/>
-      </p:ext>
-    </p:extLst>
-  </p:cSld>
-  <p:clrMapOvr>
-    <a:masterClrMapping/>
-  </p:clrMapOvr>
-</p:sld>
-</file>
-
-<file path=ppt/slides/slide25.xml><?xml version="1.0" encoding="utf-8"?>
-<p:sld xmlns:a="http://schemas.openxmlformats.org/drawingml/2006/main" xmlns:r="http://schemas.openxmlformats.org/officeDocument/2006/relationships" xmlns:p="http://schemas.openxmlformats.org/presentationml/2006/main">
-  <p:cSld>
-    <p:spTree>
-      <p:nvGrpSpPr>
-        <p:cNvPr id="1" name=""/>
-        <p:cNvGrpSpPr/>
-        <p:nvPr/>
-      </p:nvGrpSpPr>
-      <p:grpSpPr>
-        <a:xfrm>
-          <a:off x="0" y="0"/>
-          <a:ext cx="0" cy="0"/>
-          <a:chOff x="0" y="0"/>
-          <a:chExt cx="0" cy="0"/>
-        </a:xfrm>
-      </p:grpSpPr>
-      <p:sp>
-        <p:nvSpPr>
-          <p:cNvPr id="2" name="Title 1">
-            <a:extLst>
-              <a:ext uri="{FF2B5EF4-FFF2-40B4-BE49-F238E27FC236}">
-                <a16:creationId xmlns:a16="http://schemas.microsoft.com/office/drawing/2014/main" id="{0BC9075D-7707-A925-F8A4-A90F6656C4FB}"/>
-              </a:ext>
-            </a:extLst>
-          </p:cNvPr>
-          <p:cNvSpPr>
-            <a:spLocks noGrp="1"/>
-          </p:cNvSpPr>
-          <p:nvPr>
-            <p:ph type="title"/>
-          </p:nvPr>
-        </p:nvSpPr>
-        <p:spPr/>
-        <p:txBody>
-          <a:bodyPr/>
-          <a:lstStyle/>
-          <a:p>
-            <a:r>
-              <a:rPr lang="en-US" dirty="0"/>
-              <a:t>VII. Extensions</a:t>
-            </a:r>
-          </a:p>
-        </p:txBody>
-      </p:sp>
-      <p:sp>
-        <p:nvSpPr>
-          <p:cNvPr id="3" name="Text Placeholder 2">
-            <a:extLst>
-              <a:ext uri="{FF2B5EF4-FFF2-40B4-BE49-F238E27FC236}">
-                <a16:creationId xmlns:a16="http://schemas.microsoft.com/office/drawing/2014/main" id="{80EDE05F-777E-8145-BD96-0956E7E717E9}"/>
-              </a:ext>
-            </a:extLst>
-          </p:cNvPr>
-          <p:cNvSpPr>
-            <a:spLocks noGrp="1"/>
-          </p:cNvSpPr>
-          <p:nvPr>
-            <p:ph type="body" idx="1"/>
-          </p:nvPr>
-        </p:nvSpPr>
-        <p:spPr>
-          <a:xfrm>
-            <a:off x="311700" y="863550"/>
-            <a:ext cx="8520600" cy="3416400"/>
-          </a:xfrm>
-        </p:spPr>
-        <p:txBody>
-          <a:bodyPr/>
-          <a:lstStyle/>
-          <a:p>
-            <a:r>
-              <a:rPr lang="en-US" sz="2400" dirty="0"/>
-              <a:t>Authors want investigate gap between GPT and other alternatives</a:t>
-            </a:r>
-          </a:p>
-          <a:p>
-            <a:r>
-              <a:rPr lang="en-US" sz="2400" dirty="0"/>
-              <a:t>What applications could LRLL have in a more complicated end-effector such as a humanoid hand?</a:t>
-            </a:r>
-          </a:p>
-          <a:p>
-            <a:r>
-              <a:rPr lang="en-US" sz="2400" dirty="0"/>
-              <a:t>How would a multimodal input affect the number of new skills that LRLL robot could learn?</a:t>
-            </a:r>
-          </a:p>
-          <a:p>
-            <a:r>
-              <a:rPr lang="en-US" sz="2400" dirty="0"/>
-              <a:t>What are other ways that LRLL can explore and propose different tasks?</a:t>
-            </a:r>
-          </a:p>
-          <a:p>
-            <a:endParaRPr lang="en-US" dirty="0"/>
-          </a:p>
-          <a:p>
-            <a:endParaRPr lang="en-US" dirty="0"/>
-          </a:p>
-        </p:txBody>
-      </p:sp>
-      <p:sp>
-        <p:nvSpPr>
-          <p:cNvPr id="4" name="Slide Number Placeholder 3">
-            <a:extLst>
-              <a:ext uri="{FF2B5EF4-FFF2-40B4-BE49-F238E27FC236}">
-                <a16:creationId xmlns:a16="http://schemas.microsoft.com/office/drawing/2014/main" id="{1130ABDF-E1EF-F4BC-2B44-9D7C30C72AB1}"/>
-              </a:ext>
-            </a:extLst>
-          </p:cNvPr>
-          <p:cNvSpPr>
-            <a:spLocks noGrp="1"/>
-          </p:cNvSpPr>
-          <p:nvPr>
-            <p:ph type="sldNum" idx="12"/>
-          </p:nvPr>
-        </p:nvSpPr>
-        <p:spPr/>
-        <p:txBody>
-          <a:bodyPr/>
-          <a:lstStyle/>
-          <a:p>
-            <a:pPr marL="0" lvl="0" indent="0" algn="r" rtl="0">
-              <a:spcBef>
-                <a:spcPts val="0"/>
-              </a:spcBef>
-              <a:spcAft>
-                <a:spcPts val="0"/>
-              </a:spcAft>
-              <a:buNone/>
-            </a:pPr>
-            <a:fld id="{00000000-1234-1234-1234-123412341234}" type="slidenum">
-              <a:rPr lang="en" smtClean="0"/>
-              <a:t>25</a:t>
-            </a:fld>
-            <a:endParaRPr lang="en"/>
-          </a:p>
-        </p:txBody>
-      </p:sp>
-      <p:sp>
-        <p:nvSpPr>
-          <p:cNvPr id="5" name="Slide Number Placeholder 4">
-            <a:extLst>
-              <a:ext uri="{FF2B5EF4-FFF2-40B4-BE49-F238E27FC236}">
-                <a16:creationId xmlns:a16="http://schemas.microsoft.com/office/drawing/2014/main" id="{F06C1D53-0080-DC66-5297-FFD4D612D4B7}"/>
-              </a:ext>
-            </a:extLst>
-          </p:cNvPr>
-          <p:cNvSpPr>
-            <a:spLocks noGrp="1"/>
-          </p:cNvSpPr>
-          <p:nvPr>
-            <p:ph type="sldNum" idx="2"/>
-          </p:nvPr>
-        </p:nvSpPr>
-        <p:spPr/>
-        <p:txBody>
-          <a:bodyPr/>
-          <a:lstStyle/>
-          <a:p>
-            <a:pPr marL="0" lvl="0" indent="0" algn="r" rtl="0">
-              <a:spcBef>
-                <a:spcPts val="0"/>
-              </a:spcBef>
-              <a:spcAft>
-                <a:spcPts val="0"/>
-              </a:spcAft>
-              <a:buNone/>
-            </a:pPr>
-            <a:fld id="{00000000-1234-1234-1234-123412341234}" type="slidenum">
-              <a:rPr lang="en" smtClean="0"/>
-              <a:t>25</a:t>
-            </a:fld>
-            <a:endParaRPr lang="en"/>
-          </a:p>
-        </p:txBody>
-      </p:sp>
-    </p:spTree>
-    <p:extLst>
-      <p:ext uri="{BB962C8B-B14F-4D97-AF65-F5344CB8AC3E}">
-        <p14:creationId xmlns:p14="http://schemas.microsoft.com/office/powerpoint/2010/main" val="935124095"/>
-      </p:ext>
-    </p:extLst>
-  </p:cSld>
-  <p:clrMapOvr>
-    <a:masterClrMapping/>
-  </p:clrMapOvr>
-</p:sld>
-</file>
-
-<file path=ppt/slides/slide26.xml><?xml version="1.0" encoding="utf-8"?>
 <p:sld xmlns:a="http://schemas.openxmlformats.org/drawingml/2006/main" xmlns:r="http://schemas.openxmlformats.org/officeDocument/2006/relationships" xmlns:p="http://schemas.openxmlformats.org/presentationml/2006/main">
   <p:cSld>
     <p:spTree>
@@ -17658,7 +17988,7 @@
           <a:p>
             <a:r>
               <a:rPr lang="en-US" dirty="0"/>
-              <a:t>Discussion Questions</a:t>
+              <a:t>VII. Appendix </a:t>
             </a:r>
           </a:p>
         </p:txBody>
@@ -17684,6 +18014,159 @@
           <a:bodyPr/>
           <a:lstStyle/>
           <a:p>
+            <a:pPr marL="114300" indent="0">
+              <a:buNone/>
+            </a:pPr>
+            <a:r>
+              <a:rPr lang="en-US" dirty="0"/>
+              <a:t>Tabletop Simulation Details</a:t>
+            </a:r>
+          </a:p>
+          <a:p>
+            <a:pPr>
+              <a:lnSpc>
+                <a:spcPct val="100000"/>
+              </a:lnSpc>
+            </a:pPr>
+            <a:r>
+              <a:rPr lang="en-US" sz="1400" dirty="0">
+                <a:latin typeface="Times New Roman" panose="02020603050405020304" pitchFamily="18" charset="0"/>
+                <a:cs typeface="Times New Roman" panose="02020603050405020304" pitchFamily="18" charset="0"/>
+              </a:rPr>
+              <a:t>Tabletop Manipulation</a:t>
+            </a:r>
+          </a:p>
+          <a:p>
+            <a:pPr lvl="1">
+              <a:lnSpc>
+                <a:spcPct val="100000"/>
+              </a:lnSpc>
+            </a:pPr>
+            <a:r>
+              <a:rPr lang="en-US" dirty="0">
+                <a:latin typeface="Times New Roman" panose="02020603050405020304" pitchFamily="18" charset="0"/>
+                <a:cs typeface="Times New Roman" panose="02020603050405020304" pitchFamily="18" charset="0"/>
+              </a:rPr>
+              <a:t>Simulated teacher</a:t>
+            </a:r>
+          </a:p>
+          <a:p>
+            <a:pPr lvl="2">
+              <a:lnSpc>
+                <a:spcPct val="100000"/>
+              </a:lnSpc>
+            </a:pPr>
+            <a:r>
+              <a:rPr lang="en-US" dirty="0">
+                <a:latin typeface="Times New Roman" panose="02020603050405020304" pitchFamily="18" charset="0"/>
+                <a:cs typeface="Times New Roman" panose="02020603050405020304" pitchFamily="18" charset="0"/>
+              </a:rPr>
+              <a:t>Generated 5 demonstrations</a:t>
+            </a:r>
+          </a:p>
+          <a:p>
+            <a:pPr lvl="3">
+              <a:lnSpc>
+                <a:spcPct val="100000"/>
+              </a:lnSpc>
+            </a:pPr>
+            <a:r>
+              <a:rPr lang="en-US" dirty="0">
+                <a:latin typeface="Times New Roman" panose="02020603050405020304" pitchFamily="18" charset="0"/>
+                <a:cs typeface="Times New Roman" panose="02020603050405020304" pitchFamily="18" charset="0"/>
+              </a:rPr>
+              <a:t>1 per seen attribute</a:t>
+            </a:r>
+          </a:p>
+          <a:p>
+            <a:pPr lvl="2">
+              <a:lnSpc>
+                <a:spcPct val="100000"/>
+              </a:lnSpc>
+            </a:pPr>
+            <a:r>
+              <a:rPr lang="en-US" dirty="0">
+                <a:latin typeface="Times New Roman" panose="02020603050405020304" pitchFamily="18" charset="0"/>
+                <a:cs typeface="Times New Roman" panose="02020603050405020304" pitchFamily="18" charset="0"/>
+              </a:rPr>
+              <a:t>Multiple test for each cycle</a:t>
+            </a:r>
+          </a:p>
+          <a:p>
+            <a:pPr lvl="3">
+              <a:lnSpc>
+                <a:spcPct val="100000"/>
+              </a:lnSpc>
+            </a:pPr>
+            <a:r>
+              <a:rPr lang="en-US" dirty="0">
+                <a:latin typeface="Times New Roman" panose="02020603050405020304" pitchFamily="18" charset="0"/>
+                <a:cs typeface="Times New Roman" panose="02020603050405020304" pitchFamily="18" charset="0"/>
+              </a:rPr>
+              <a:t>10 per unseen attributes and unseen attributes with unseen instructions</a:t>
+            </a:r>
+          </a:p>
+          <a:p>
+            <a:pPr lvl="1">
+              <a:lnSpc>
+                <a:spcPct val="100000"/>
+              </a:lnSpc>
+            </a:pPr>
+            <a:r>
+              <a:rPr lang="en-US" dirty="0" err="1">
+                <a:latin typeface="Times New Roman" panose="02020603050405020304" pitchFamily="18" charset="0"/>
+                <a:cs typeface="Times New Roman" panose="02020603050405020304" pitchFamily="18" charset="0"/>
+              </a:rPr>
+              <a:t>CLIPort</a:t>
+            </a:r>
+            <a:endParaRPr lang="en-US" dirty="0">
+              <a:latin typeface="Times New Roman" panose="02020603050405020304" pitchFamily="18" charset="0"/>
+              <a:cs typeface="Times New Roman" panose="02020603050405020304" pitchFamily="18" charset="0"/>
+            </a:endParaRPr>
+          </a:p>
+          <a:p>
+            <a:pPr lvl="2">
+              <a:lnSpc>
+                <a:spcPct val="100000"/>
+              </a:lnSpc>
+            </a:pPr>
+            <a:r>
+              <a:rPr lang="en-US" dirty="0">
+                <a:latin typeface="Times New Roman" panose="02020603050405020304" pitchFamily="18" charset="0"/>
+                <a:cs typeface="Times New Roman" panose="02020603050405020304" pitchFamily="18" charset="0"/>
+              </a:rPr>
+              <a:t>1k trajectories per task</a:t>
+            </a:r>
+          </a:p>
+          <a:p>
+            <a:pPr lvl="1">
+              <a:lnSpc>
+                <a:spcPct val="100000"/>
+              </a:lnSpc>
+            </a:pPr>
+            <a:r>
+              <a:rPr lang="en-US" dirty="0">
+                <a:latin typeface="Times New Roman" panose="02020603050405020304" pitchFamily="18" charset="0"/>
+                <a:cs typeface="Times New Roman" panose="02020603050405020304" pitchFamily="18" charset="0"/>
+              </a:rPr>
+              <a:t>LLM-static</a:t>
+            </a:r>
+          </a:p>
+          <a:p>
+            <a:pPr lvl="2">
+              <a:lnSpc>
+                <a:spcPct val="100000"/>
+              </a:lnSpc>
+            </a:pPr>
+            <a:r>
+              <a:rPr lang="en-US" dirty="0">
+                <a:latin typeface="Times New Roman" panose="02020603050405020304" pitchFamily="18" charset="0"/>
+                <a:cs typeface="Times New Roman" panose="02020603050405020304" pitchFamily="18" charset="0"/>
+              </a:rPr>
+              <a:t>Demos append to prompt</a:t>
+            </a:r>
+          </a:p>
+          <a:p>
             <a:endParaRPr lang="en-US" dirty="0"/>
           </a:p>
         </p:txBody>
@@ -17720,7 +18203,7 @@
             </a:pPr>
             <a:fld id="{00000000-1234-1234-1234-123412341234}" type="slidenum">
               <a:rPr lang="en" smtClean="0"/>
-              <a:t>26</a:t>
+              <a:t>23</a:t>
             </a:fld>
             <a:endParaRPr lang="en"/>
           </a:p>
@@ -17758,7 +18241,7 @@
             </a:pPr>
             <a:fld id="{00000000-1234-1234-1234-123412341234}" type="slidenum">
               <a:rPr lang="en" smtClean="0"/>
-              <a:t>26</a:t>
+              <a:t>23</a:t>
             </a:fld>
             <a:endParaRPr lang="en"/>
           </a:p>
@@ -18487,13 +18970,8 @@
             </a:r>
             <a:r>
               <a:rPr lang="en-US" dirty="0"/>
-              <a:t>: sampling with </a:t>
-            </a:r>
-            <a:r>
-              <a:rPr lang="en-US" dirty="0" err="1"/>
-              <a:t>replacment</a:t>
-            </a:r>
-            <a:endParaRPr lang="en-US" dirty="0"/>
+              <a:t>: sampling with replacement</a:t>
+            </a:r>
           </a:p>
           <a:p>
             <a:r>
@@ -19734,7 +20212,7 @@
           <p:nvPr/>
         </p:nvPicPr>
         <p:blipFill>
-          <a:blip r:embed="rId2"/>
+          <a:blip r:embed="rId3"/>
           <a:stretch>
             <a:fillRect/>
           </a:stretch>
@@ -20155,7 +20633,7 @@
           <p:nvPr/>
         </p:nvPicPr>
         <p:blipFill>
-          <a:blip r:embed="rId3"/>
+          <a:blip r:embed="rId4"/>
           <a:stretch>
             <a:fillRect/>
           </a:stretch>
@@ -20214,7 +20692,7 @@
             </a:r>
             <a:r>
               <a:rPr lang="en-US" sz="700" dirty="0">
-                <a:hlinkClick r:id="rId4"/>
+                <a:hlinkClick r:id="rId5"/>
               </a:rPr>
               <a:t>https://www.flaticon.com/free-icon/wake-up_760644</a:t>
             </a:r>
@@ -20240,7 +20718,7 @@
           <p:nvPr/>
         </p:nvPicPr>
         <p:blipFill>
-          <a:blip r:embed="rId5"/>
+          <a:blip r:embed="rId6"/>
           <a:stretch>
             <a:fillRect/>
           </a:stretch>

--- a/CS-6501_Kuo/paper presentation/lifelong_robot_presentation.pptx
+++ b/CS-6501_Kuo/paper presentation/lifelong_robot_presentation.pptx
@@ -1222,6 +1222,21 @@
             </a:r>
           </a:p>
           <a:p>
+            <a:pPr lvl="1"/>
+            <a:r>
+              <a:rPr lang="en-US" dirty="0"/>
+              <a:t>No axis because it uses </a:t>
+            </a:r>
+            <a:r>
+              <a:rPr lang="en-US" dirty="0" err="1"/>
+              <a:t>tSNE</a:t>
+            </a:r>
+            <a:r>
+              <a:rPr lang="en-US" dirty="0"/>
+              <a:t> just to show variation</a:t>
+            </a:r>
+          </a:p>
+          <a:p>
             <a:r>
               <a:rPr lang="en-US" dirty="0"/>
               <a:t>LLM and Embedding Models</a:t>
@@ -1237,13 +1252,8 @@
             <a:pPr lvl="1"/>
             <a:r>
               <a:rPr lang="en-US" dirty="0"/>
-              <a:t>Errors were due to collisions and CLIP </a:t>
-            </a:r>
-            <a:r>
-              <a:rPr lang="en-US" dirty="0" err="1"/>
-              <a:t>missclassification</a:t>
-            </a:r>
-            <a:endParaRPr lang="en-US" dirty="0"/>
+              <a:t>Errors were due to collisions and CLIP misclassification</a:t>
+            </a:r>
           </a:p>
         </p:txBody>
       </p:sp>
@@ -1680,12 +1690,6 @@
           <a:p>
             <a:r>
               <a:rPr lang="en-US" dirty="0"/>
-              <a:t>Agent interacts with environment</a:t>
-            </a:r>
-          </a:p>
-          <a:p>
-            <a:r>
-              <a:rPr lang="en-US" dirty="0"/>
               <a:t>Notation</a:t>
             </a:r>
           </a:p>
@@ -1767,61 +1771,17 @@
           <a:p>
             <a:r>
               <a:rPr lang="en-US" dirty="0"/>
-              <a:t>Acquired experiences stored in replay buffer: </a:t>
-            </a:r>
-            <a:r>
-              <a:rPr lang="en-US" dirty="0" err="1"/>
-              <a:t>B_t</a:t>
-            </a:r>
+              <a:t>Query which is essentially a task grabs appropriate experience from memory using embedding model</a:t>
+            </a:r>
+          </a:p>
+          <a:p>
             <a:r>
               <a:rPr lang="en-US" dirty="0"/>
-              <a:t> = {&lt;s_{0, k}, </a:t>
-            </a:r>
-            <a:r>
-              <a:rPr lang="en-US" dirty="0" err="1"/>
-              <a:t>l_k</a:t>
-            </a:r>
-            <a:r>
-              <a:rPr lang="en-US" dirty="0"/>
-              <a:t>, </a:t>
-            </a:r>
-            <a:r>
-              <a:rPr lang="en-US" dirty="0" err="1"/>
-              <a:t>a_k</a:t>
-            </a:r>
-            <a:r>
-              <a:rPr lang="en-US" dirty="0"/>
-              <a:t>, </a:t>
-            </a:r>
-            <a:r>
-              <a:rPr lang="en-US" dirty="0" err="1"/>
-              <a:t>r_k</a:t>
-            </a:r>
-            <a:r>
-              <a:rPr lang="en-US" dirty="0"/>
-              <a:t>&gt; | </a:t>
-            </a:r>
-            <a:r>
-              <a:rPr lang="en-US" dirty="0" err="1"/>
-              <a:t>r_k</a:t>
-            </a:r>
-            <a:r>
-              <a:rPr lang="en-US" dirty="0"/>
-              <a:t> = 1}</a:t>
-            </a:r>
-          </a:p>
-          <a:p>
-            <a:pPr lvl="1"/>
-            <a:r>
-              <a:rPr lang="en-US" dirty="0"/>
-              <a:t>s_0,k = initial simulation of proposal k</a:t>
-            </a:r>
-          </a:p>
-          <a:p>
-            <a:r>
-              <a:rPr lang="en-US" dirty="0"/>
-              <a:t>f</a:t>
-            </a:r>
+              <a:t>j</a:t>
+            </a:r>
+          </a:p>
+          <a:p>
+            <a:endParaRPr lang="en-US" dirty="0"/>
           </a:p>
           <a:p>
             <a:pPr marL="457200" indent="-298450">
@@ -1958,7 +1918,7 @@
           <a:p>
             <a:r>
               <a:rPr lang="en-US" dirty="0"/>
-              <a:t>Skills refactor the experiences (set of tasks) and the demo</a:t>
+              <a:t>Skills refactor/refine the experiences (set of tasks) and the demo</a:t>
             </a:r>
           </a:p>
           <a:p>
@@ -2081,6 +2041,13 @@
             <a:pPr lvl="1"/>
             <a:r>
               <a:rPr lang="en-US" dirty="0"/>
+              <a:t>Queries are tasks</a:t>
+            </a:r>
+          </a:p>
+          <a:p>
+            <a:pPr lvl="1"/>
+            <a:r>
+              <a:rPr lang="en-US" dirty="0"/>
               <a:t>Query instruction embedded by same model </a:t>
             </a:r>
             <a:r>
@@ -2262,11 +2229,21 @@
             </a:r>
           </a:p>
           <a:p>
+            <a:r>
+              <a:rPr lang="en-US" dirty="0"/>
+              <a:t>Note that authors denote seen instructions with seen attributes  as (SA), UA for unseen attributes, and UI for unseen instructions and attributes</a:t>
+            </a:r>
+          </a:p>
+          <a:p>
             <a:pPr lvl="1"/>
             <a:r>
               <a:rPr lang="en-US" dirty="0"/>
               <a:t>Test the extent that the agent forgets or improves upon a given task</a:t>
             </a:r>
+          </a:p>
+          <a:p>
+            <a:pPr lvl="1"/>
+            <a:endParaRPr lang="en-US" dirty="0"/>
           </a:p>
         </p:txBody>
       </p:sp>
@@ -12065,10 +12042,10 @@
       </p:sp>
       <p:pic>
         <p:nvPicPr>
-          <p:cNvPr id="6" name="Picture 5">
+          <p:cNvPr id="11" name="Picture 10" descr="A person standing in front of a bed&#10;&#10;Description automatically generated">
             <a:extLst>
               <a:ext uri="{FF2B5EF4-FFF2-40B4-BE49-F238E27FC236}">
-                <a16:creationId xmlns:a16="http://schemas.microsoft.com/office/drawing/2014/main" id="{065AD4EC-B9CE-83D9-91DC-E45FB92C8CB1}"/>
+                <a16:creationId xmlns:a16="http://schemas.microsoft.com/office/drawing/2014/main" id="{BEE12D95-F759-FED9-3DCC-7D1DBBCFA923}"/>
               </a:ext>
             </a:extLst>
           </p:cNvPr>
@@ -12084,38 +12061,8 @@
           </a:stretch>
         </p:blipFill>
         <p:spPr>
-          <a:xfrm>
-            <a:off x="3566741" y="911716"/>
-            <a:ext cx="5410946" cy="1660033"/>
-          </a:xfrm>
-          <a:prstGeom prst="rect">
-            <a:avLst/>
-          </a:prstGeom>
-        </p:spPr>
-      </p:pic>
-      <p:pic>
-        <p:nvPicPr>
-          <p:cNvPr id="11" name="Picture 10" descr="A person standing in front of a bed&#10;&#10;Description automatically generated">
-            <a:extLst>
-              <a:ext uri="{FF2B5EF4-FFF2-40B4-BE49-F238E27FC236}">
-                <a16:creationId xmlns:a16="http://schemas.microsoft.com/office/drawing/2014/main" id="{BEE12D95-F759-FED9-3DCC-7D1DBBCFA923}"/>
-              </a:ext>
-            </a:extLst>
-          </p:cNvPr>
-          <p:cNvPicPr>
-            <a:picLocks noChangeAspect="1"/>
-          </p:cNvPicPr>
-          <p:nvPr/>
-        </p:nvPicPr>
-        <p:blipFill>
-          <a:blip r:embed="rId5"/>
-          <a:stretch>
-            <a:fillRect/>
-          </a:stretch>
-        </p:blipFill>
-        <p:spPr>
           <a:xfrm flipH="1">
-            <a:off x="1414871" y="1282267"/>
+            <a:off x="500471" y="1106179"/>
             <a:ext cx="1204845" cy="1204845"/>
           </a:xfrm>
           <a:prstGeom prst="rect">
@@ -12133,60 +12080,6 @@
           </a:effectLst>
         </p:spPr>
       </p:pic>
-      <p:sp>
-        <p:nvSpPr>
-          <p:cNvPr id="12" name="Rectangle 11">
-            <a:extLst>
-              <a:ext uri="{FF2B5EF4-FFF2-40B4-BE49-F238E27FC236}">
-                <a16:creationId xmlns:a16="http://schemas.microsoft.com/office/drawing/2014/main" id="{5A6B569B-8901-0D6B-C8F6-4333291C1D5D}"/>
-              </a:ext>
-            </a:extLst>
-          </p:cNvPr>
-          <p:cNvSpPr/>
-          <p:nvPr/>
-        </p:nvSpPr>
-        <p:spPr>
-          <a:xfrm>
-            <a:off x="3522786" y="932397"/>
-            <a:ext cx="2784230" cy="1042037"/>
-          </a:xfrm>
-          <a:prstGeom prst="rect">
-            <a:avLst/>
-          </a:prstGeom>
-          <a:noFill/>
-          <a:ln w="19050" cap="flat" cmpd="sng" algn="ctr">
-            <a:solidFill>
-              <a:srgbClr val="FFC000"/>
-            </a:solidFill>
-            <a:prstDash val="solid"/>
-            <a:round/>
-            <a:headEnd type="none" w="med" len="med"/>
-            <a:tailEnd type="none" w="med" len="med"/>
-          </a:ln>
-        </p:spPr>
-        <p:style>
-          <a:lnRef idx="0">
-            <a:scrgbClr r="0" g="0" b="0"/>
-          </a:lnRef>
-          <a:fillRef idx="0">
-            <a:scrgbClr r="0" g="0" b="0"/>
-          </a:fillRef>
-          <a:effectRef idx="0">
-            <a:scrgbClr r="0" g="0" b="0"/>
-          </a:effectRef>
-          <a:fontRef idx="minor">
-            <a:schemeClr val="accent1"/>
-          </a:fontRef>
-        </p:style>
-        <p:txBody>
-          <a:bodyPr rtlCol="0" anchor="ctr"/>
-          <a:lstStyle/>
-          <a:p>
-            <a:pPr algn="ctr"/>
-            <a:endParaRPr lang="en-US"/>
-          </a:p>
-        </p:txBody>
-      </p:sp>
       <mc:AlternateContent xmlns:mc="http://schemas.openxmlformats.org/markup-compatibility/2006" xmlns:a14="http://schemas.microsoft.com/office/drawing/2010/main">
         <mc:Choice Requires="a14">
           <p:sp>
@@ -13039,6 +12932,90 @@
           </p:sp>
         </mc:Fallback>
       </mc:AlternateContent>
+      <p:pic>
+        <p:nvPicPr>
+          <p:cNvPr id="8" name="Picture 7">
+            <a:extLst>
+              <a:ext uri="{FF2B5EF4-FFF2-40B4-BE49-F238E27FC236}">
+                <a16:creationId xmlns:a16="http://schemas.microsoft.com/office/drawing/2014/main" id="{83723DDE-0AFD-BDB7-7399-AF2F3BBE70C9}"/>
+              </a:ext>
+            </a:extLst>
+          </p:cNvPr>
+          <p:cNvPicPr>
+            <a:picLocks noChangeAspect="1"/>
+          </p:cNvPicPr>
+          <p:nvPr/>
+        </p:nvPicPr>
+        <p:blipFill>
+          <a:blip r:embed="rId7"/>
+          <a:stretch>
+            <a:fillRect/>
+          </a:stretch>
+        </p:blipFill>
+        <p:spPr>
+          <a:xfrm>
+            <a:off x="2383008" y="998173"/>
+            <a:ext cx="6434130" cy="1256548"/>
+          </a:xfrm>
+          <a:prstGeom prst="rect">
+            <a:avLst/>
+          </a:prstGeom>
+        </p:spPr>
+      </p:pic>
+      <p:sp>
+        <p:nvSpPr>
+          <p:cNvPr id="9" name="Rectangle 8">
+            <a:extLst>
+              <a:ext uri="{FF2B5EF4-FFF2-40B4-BE49-F238E27FC236}">
+                <a16:creationId xmlns:a16="http://schemas.microsoft.com/office/drawing/2014/main" id="{5A6B569B-8901-0D6B-C8F6-4333291C1D5D}"/>
+              </a:ext>
+            </a:extLst>
+          </p:cNvPr>
+          <p:cNvSpPr/>
+          <p:nvPr/>
+        </p:nvSpPr>
+        <p:spPr>
+          <a:xfrm>
+            <a:off x="2383008" y="977828"/>
+            <a:ext cx="3206055" cy="1276893"/>
+          </a:xfrm>
+          <a:prstGeom prst="rect">
+            <a:avLst/>
+          </a:prstGeom>
+          <a:noFill/>
+          <a:ln w="19050" cap="flat" cmpd="sng" algn="ctr">
+            <a:solidFill>
+              <a:srgbClr val="FFC000"/>
+            </a:solidFill>
+            <a:prstDash val="solid"/>
+            <a:round/>
+            <a:headEnd type="none" w="med" len="med"/>
+            <a:tailEnd type="none" w="med" len="med"/>
+          </a:ln>
+        </p:spPr>
+        <p:style>
+          <a:lnRef idx="0">
+            <a:scrgbClr r="0" g="0" b="0"/>
+          </a:lnRef>
+          <a:fillRef idx="0">
+            <a:scrgbClr r="0" g="0" b="0"/>
+          </a:fillRef>
+          <a:effectRef idx="0">
+            <a:scrgbClr r="0" g="0" b="0"/>
+          </a:effectRef>
+          <a:fontRef idx="minor">
+            <a:schemeClr val="accent1"/>
+          </a:fontRef>
+        </p:style>
+        <p:txBody>
+          <a:bodyPr rtlCol="0" anchor="ctr"/>
+          <a:lstStyle/>
+          <a:p>
+            <a:pPr algn="ctr"/>
+            <a:endParaRPr lang="en-US"/>
+          </a:p>
+        </p:txBody>
+      </p:sp>
     </p:spTree>
     <p:extLst>
       <p:ext uri="{BB962C8B-B14F-4D97-AF65-F5344CB8AC3E}">
@@ -13173,38 +13150,8 @@
           </a:p>
         </p:txBody>
       </p:sp>
-      <p:pic>
-        <p:nvPicPr>
-          <p:cNvPr id="6" name="Picture 5">
-            <a:extLst>
-              <a:ext uri="{FF2B5EF4-FFF2-40B4-BE49-F238E27FC236}">
-                <a16:creationId xmlns:a16="http://schemas.microsoft.com/office/drawing/2014/main" id="{065AD4EC-B9CE-83D9-91DC-E45FB92C8CB1}"/>
-              </a:ext>
-            </a:extLst>
-          </p:cNvPr>
-          <p:cNvPicPr>
-            <a:picLocks noChangeAspect="1"/>
-          </p:cNvPicPr>
-          <p:nvPr/>
-        </p:nvPicPr>
-        <p:blipFill>
-          <a:blip r:embed="rId3"/>
-          <a:stretch>
-            <a:fillRect/>
-          </a:stretch>
-        </p:blipFill>
-        <p:spPr>
-          <a:xfrm>
-            <a:off x="3623265" y="932396"/>
-            <a:ext cx="5343542" cy="1639354"/>
-          </a:xfrm>
-          <a:prstGeom prst="rect">
-            <a:avLst/>
-          </a:prstGeom>
-        </p:spPr>
-      </p:pic>
-      <mc:AlternateContent xmlns:mc="http://schemas.openxmlformats.org/markup-compatibility/2006" xmlns:a14="http://schemas.microsoft.com/office/drawing/2010/main">
-        <mc:Choice Requires="a14">
+      <mc:AlternateContent xmlns:mc="http://schemas.openxmlformats.org/markup-compatibility/2006">
+        <mc:Choice xmlns:a14="http://schemas.microsoft.com/office/drawing/2010/main" Requires="a14">
           <p:sp>
             <p:nvSpPr>
               <p:cNvPr id="12" name="Text Placeholder 10">
@@ -13508,16 +13455,7 @@
                     <a:latin typeface="Times New Roman" panose="02020603050405020304" pitchFamily="18" charset="0"/>
                     <a:cs typeface="Times New Roman" panose="02020603050405020304" pitchFamily="18" charset="0"/>
                   </a:rPr>
-                  <a:t>Experience represented as abstract syntax tree of policy code</a:t>
-                </a:r>
-              </a:p>
-              <a:p>
-                <a:r>
-                  <a:rPr lang="en-US" sz="1100" dirty="0">
-                    <a:latin typeface="Times New Roman" panose="02020603050405020304" pitchFamily="18" charset="0"/>
-                    <a:cs typeface="Times New Roman" panose="02020603050405020304" pitchFamily="18" charset="0"/>
-                  </a:rPr>
-                  <a:t>Cluster experiences based on abstract syntax tree modulo variable and constant names</a:t>
+                  <a:t>Cluster tasks based on abstract syntax tree modulo variable and constant names</a:t>
                 </a:r>
               </a:p>
               <a:p>
@@ -13741,7 +13679,7 @@
                     <a:latin typeface="Times New Roman" panose="02020603050405020304" pitchFamily="18" charset="0"/>
                     <a:cs typeface="Times New Roman" panose="02020603050405020304" pitchFamily="18" charset="0"/>
                   </a:rPr>
-                  <a:t>Wake phase replays from scratch with refactored demo</a:t>
+                  <a:t>Wake phase replays from scratch</a:t>
                 </a:r>
               </a:p>
               <a:p>
@@ -13757,7 +13695,7 @@
             </p:txBody>
           </p:sp>
         </mc:Choice>
-        <mc:Fallback xmlns="">
+        <mc:Fallback>
           <p:sp>
             <p:nvSpPr>
               <p:cNvPr id="12" name="Text Placeholder 10">
@@ -13781,7 +13719,7 @@
                 <a:avLst/>
               </a:prstGeom>
               <a:blipFill>
-                <a:blip r:embed="rId4"/>
+                <a:blip r:embed="rId3"/>
                 <a:stretch>
                   <a:fillRect/>
                 </a:stretch>
@@ -13820,14 +13758,14 @@
           <p:nvPr/>
         </p:nvPicPr>
         <p:blipFill>
-          <a:blip r:embed="rId5"/>
+          <a:blip r:embed="rId4"/>
           <a:stretch>
             <a:fillRect/>
           </a:stretch>
         </p:blipFill>
         <p:spPr>
           <a:xfrm>
-            <a:off x="1280419" y="1008074"/>
+            <a:off x="553587" y="899473"/>
             <a:ext cx="1473750" cy="1473750"/>
           </a:xfrm>
           <a:prstGeom prst="rect">
@@ -13835,60 +13773,6 @@
           </a:prstGeom>
         </p:spPr>
       </p:pic>
-      <p:sp>
-        <p:nvSpPr>
-          <p:cNvPr id="3" name="Rectangle 2">
-            <a:extLst>
-              <a:ext uri="{FF2B5EF4-FFF2-40B4-BE49-F238E27FC236}">
-                <a16:creationId xmlns:a16="http://schemas.microsoft.com/office/drawing/2014/main" id="{D561E061-2A26-3FB9-670F-24AF4FC1EEB8}"/>
-              </a:ext>
-            </a:extLst>
-          </p:cNvPr>
-          <p:cNvSpPr/>
-          <p:nvPr/>
-        </p:nvSpPr>
-        <p:spPr>
-          <a:xfrm>
-            <a:off x="6295036" y="971272"/>
-            <a:ext cx="2671771" cy="1025359"/>
-          </a:xfrm>
-          <a:prstGeom prst="rect">
-            <a:avLst/>
-          </a:prstGeom>
-          <a:noFill/>
-          <a:ln w="19050" cap="flat" cmpd="sng" algn="ctr">
-            <a:solidFill>
-              <a:srgbClr val="0070C0"/>
-            </a:solidFill>
-            <a:prstDash val="solid"/>
-            <a:round/>
-            <a:headEnd type="none" w="med" len="med"/>
-            <a:tailEnd type="none" w="med" len="med"/>
-          </a:ln>
-        </p:spPr>
-        <p:style>
-          <a:lnRef idx="0">
-            <a:scrgbClr r="0" g="0" b="0"/>
-          </a:lnRef>
-          <a:fillRef idx="0">
-            <a:scrgbClr r="0" g="0" b="0"/>
-          </a:fillRef>
-          <a:effectRef idx="0">
-            <a:scrgbClr r="0" g="0" b="0"/>
-          </a:effectRef>
-          <a:fontRef idx="minor">
-            <a:schemeClr val="accent1"/>
-          </a:fontRef>
-        </p:style>
-        <p:txBody>
-          <a:bodyPr rtlCol="0" anchor="ctr"/>
-          <a:lstStyle/>
-          <a:p>
-            <a:pPr algn="ctr"/>
-            <a:endParaRPr lang="en-US"/>
-          </a:p>
-        </p:txBody>
-      </p:sp>
       <p:pic>
         <p:nvPicPr>
           <p:cNvPr id="8" name="Picture 7" descr="A diagram of a program&#10;&#10;Description automatically generated">
@@ -13904,7 +13788,7 @@
           <p:nvPr/>
         </p:nvPicPr>
         <p:blipFill>
-          <a:blip r:embed="rId6"/>
+          <a:blip r:embed="rId5"/>
           <a:stretch>
             <a:fillRect/>
           </a:stretch>
@@ -13990,6 +13874,90 @@
               <a:rPr lang="en-US" sz="300" dirty="0"/>
               <a:t>Image from https://medium.com/hootsuite-engineering/static-analysis-using-asts-ebcd170c955e</a:t>
             </a:r>
+          </a:p>
+        </p:txBody>
+      </p:sp>
+      <p:pic>
+        <p:nvPicPr>
+          <p:cNvPr id="14" name="Picture 13">
+            <a:extLst>
+              <a:ext uri="{FF2B5EF4-FFF2-40B4-BE49-F238E27FC236}">
+                <a16:creationId xmlns:a16="http://schemas.microsoft.com/office/drawing/2014/main" id="{B24106C9-9C48-0D2C-16CF-169C8D14F6E8}"/>
+              </a:ext>
+            </a:extLst>
+          </p:cNvPr>
+          <p:cNvPicPr>
+            <a:picLocks noChangeAspect="1"/>
+          </p:cNvPicPr>
+          <p:nvPr/>
+        </p:nvPicPr>
+        <p:blipFill>
+          <a:blip r:embed="rId6"/>
+          <a:stretch>
+            <a:fillRect/>
+          </a:stretch>
+        </p:blipFill>
+        <p:spPr>
+          <a:xfrm>
+            <a:off x="2388870" y="1008074"/>
+            <a:ext cx="6434130" cy="1256548"/>
+          </a:xfrm>
+          <a:prstGeom prst="rect">
+            <a:avLst/>
+          </a:prstGeom>
+        </p:spPr>
+      </p:pic>
+      <p:sp>
+        <p:nvSpPr>
+          <p:cNvPr id="15" name="Rectangle 14">
+            <a:extLst>
+              <a:ext uri="{FF2B5EF4-FFF2-40B4-BE49-F238E27FC236}">
+                <a16:creationId xmlns:a16="http://schemas.microsoft.com/office/drawing/2014/main" id="{D561E061-2A26-3FB9-670F-24AF4FC1EEB8}"/>
+              </a:ext>
+            </a:extLst>
+          </p:cNvPr>
+          <p:cNvSpPr/>
+          <p:nvPr/>
+        </p:nvSpPr>
+        <p:spPr>
+          <a:xfrm>
+            <a:off x="5572531" y="1011491"/>
+            <a:ext cx="3250469" cy="1229573"/>
+          </a:xfrm>
+          <a:prstGeom prst="rect">
+            <a:avLst/>
+          </a:prstGeom>
+          <a:noFill/>
+          <a:ln w="19050" cap="flat" cmpd="sng" algn="ctr">
+            <a:solidFill>
+              <a:srgbClr val="0070C0"/>
+            </a:solidFill>
+            <a:prstDash val="solid"/>
+            <a:round/>
+            <a:headEnd type="none" w="med" len="med"/>
+            <a:tailEnd type="none" w="med" len="med"/>
+          </a:ln>
+        </p:spPr>
+        <p:style>
+          <a:lnRef idx="0">
+            <a:scrgbClr r="0" g="0" b="0"/>
+          </a:lnRef>
+          <a:fillRef idx="0">
+            <a:scrgbClr r="0" g="0" b="0"/>
+          </a:fillRef>
+          <a:effectRef idx="0">
+            <a:scrgbClr r="0" g="0" b="0"/>
+          </a:effectRef>
+          <a:fontRef idx="minor">
+            <a:schemeClr val="accent1"/>
+          </a:fontRef>
+        </p:style>
+        <p:txBody>
+          <a:bodyPr rtlCol="0" anchor="ctr"/>
+          <a:lstStyle/>
+          <a:p>
+            <a:pPr algn="ctr"/>
+            <a:endParaRPr lang="en-US"/>
           </a:p>
         </p:txBody>
       </p:sp>
@@ -14530,7 +14498,7 @@
                 <a:latin typeface="Times New Roman" panose="02020603050405020304" pitchFamily="18" charset="0"/>
                 <a:cs typeface="Times New Roman" panose="02020603050405020304" pitchFamily="18" charset="0"/>
               </a:rPr>
-              <a:t>Demonstrate transferability</a:t>
+              <a:t>Demonstrate transferability from simulation to real life</a:t>
             </a:r>
           </a:p>
           <a:p>
@@ -14691,8 +14659,8 @@
         </p:nvSpPr>
         <p:spPr>
           <a:xfrm>
-            <a:off x="159300" y="888086"/>
-            <a:ext cx="8520600" cy="4255414"/>
+            <a:off x="469442" y="855784"/>
+            <a:ext cx="7900315" cy="3974123"/>
           </a:xfrm>
         </p:spPr>
         <p:txBody>
@@ -14875,7 +14843,7 @@
                 <a:latin typeface="Times New Roman" panose="02020603050405020304" pitchFamily="18" charset="0"/>
                 <a:cs typeface="Times New Roman" panose="02020603050405020304" pitchFamily="18" charset="0"/>
               </a:rPr>
-              <a:t>Seen instructions with seen (SA)/unseen (UA) attributes</a:t>
+              <a:t>Seen instructions (SI) with seen attributes (SA) or unseen attributes (UA) </a:t>
             </a:r>
           </a:p>
           <a:p>
@@ -14889,7 +14857,7 @@
                 <a:latin typeface="Times New Roman" panose="02020603050405020304" pitchFamily="18" charset="0"/>
                 <a:cs typeface="Times New Roman" panose="02020603050405020304" pitchFamily="18" charset="0"/>
               </a:rPr>
-              <a:t>Unseen instructions with unseen attributes (UI)</a:t>
+              <a:t>Unseen instructions (UI) with unseen attributes (UI)</a:t>
             </a:r>
           </a:p>
           <a:p>
@@ -14995,7 +14963,7 @@
                 <a:latin typeface="Times New Roman" panose="02020603050405020304" pitchFamily="18" charset="0"/>
                 <a:cs typeface="Times New Roman" panose="02020603050405020304" pitchFamily="18" charset="0"/>
               </a:rPr>
-              <a:t>LLM-static: LLMs provided with static prompts</a:t>
+              <a:t>LLM-static: LLMs provided with static/hand-crafted prompts</a:t>
             </a:r>
           </a:p>
           <a:p>
@@ -15025,13 +14993,6 @@
               </a:rPr>
               <a:t>LLRL-no-wake</a:t>
             </a:r>
-          </a:p>
-          <a:p>
-            <a:pPr lvl="1"/>
-            <a:endParaRPr lang="en-US" dirty="0">
-              <a:latin typeface="Times New Roman" panose="02020603050405020304" pitchFamily="18" charset="0"/>
-              <a:cs typeface="Times New Roman" panose="02020603050405020304" pitchFamily="18" charset="0"/>
-            </a:endParaRPr>
           </a:p>
         </p:txBody>
       </p:sp>
